--- a/Slides/intro_scenario.pptx
+++ b/Slides/intro_scenario.pptx
@@ -212,7 +212,7 @@
           <a:p>
             <a:fld id="{703C9056-BEFE-6446-BC75-499104495C1C}" type="datetimeFigureOut">
               <a:rPr lang="en-US" smtClean="0"/>
-              <a:t>1/27/24</a:t>
+              <a:t>1/30/24</a:t>
             </a:fld>
             <a:endParaRPr lang="en-US"/>
           </a:p>
@@ -576,7 +576,7 @@
                 <a:ea typeface="Calibri" panose="020F0502020204030204" pitchFamily="34" charset="0"/>
                 <a:cs typeface="Times New Roman" panose="02020603050405020304" pitchFamily="18" charset="0"/>
               </a:rPr>
-              <a:t>We have a lot of pictures of a Wiggle named Wuggle.</a:t>
+              <a:t>We have a lot of pictures of Wuggle named Wiggle.</a:t>
             </a:r>
           </a:p>
           <a:p>
@@ -1534,7 +1534,7 @@
           <a:p>
             <a:fld id="{2415141E-95FB-4542-99E2-621C753B75D2}" type="datetimeFigureOut">
               <a:rPr lang="en-US" smtClean="0"/>
-              <a:t>1/27/24</a:t>
+              <a:t>1/30/24</a:t>
             </a:fld>
             <a:endParaRPr lang="en-US"/>
           </a:p>
@@ -1732,7 +1732,7 @@
           <a:p>
             <a:fld id="{2415141E-95FB-4542-99E2-621C753B75D2}" type="datetimeFigureOut">
               <a:rPr lang="en-US" smtClean="0"/>
-              <a:t>1/27/24</a:t>
+              <a:t>1/30/24</a:t>
             </a:fld>
             <a:endParaRPr lang="en-US"/>
           </a:p>
@@ -1940,7 +1940,7 @@
           <a:p>
             <a:fld id="{2415141E-95FB-4542-99E2-621C753B75D2}" type="datetimeFigureOut">
               <a:rPr lang="en-US" smtClean="0"/>
-              <a:t>1/27/24</a:t>
+              <a:t>1/30/24</a:t>
             </a:fld>
             <a:endParaRPr lang="en-US"/>
           </a:p>
@@ -2138,7 +2138,7 @@
           <a:p>
             <a:fld id="{2415141E-95FB-4542-99E2-621C753B75D2}" type="datetimeFigureOut">
               <a:rPr lang="en-US" smtClean="0"/>
-              <a:t>1/27/24</a:t>
+              <a:t>1/30/24</a:t>
             </a:fld>
             <a:endParaRPr lang="en-US"/>
           </a:p>
@@ -2413,7 +2413,7 @@
           <a:p>
             <a:fld id="{2415141E-95FB-4542-99E2-621C753B75D2}" type="datetimeFigureOut">
               <a:rPr lang="en-US" smtClean="0"/>
-              <a:t>1/27/24</a:t>
+              <a:t>1/30/24</a:t>
             </a:fld>
             <a:endParaRPr lang="en-US"/>
           </a:p>
@@ -2678,7 +2678,7 @@
           <a:p>
             <a:fld id="{2415141E-95FB-4542-99E2-621C753B75D2}" type="datetimeFigureOut">
               <a:rPr lang="en-US" smtClean="0"/>
-              <a:t>1/27/24</a:t>
+              <a:t>1/30/24</a:t>
             </a:fld>
             <a:endParaRPr lang="en-US"/>
           </a:p>
@@ -3090,7 +3090,7 @@
           <a:p>
             <a:fld id="{2415141E-95FB-4542-99E2-621C753B75D2}" type="datetimeFigureOut">
               <a:rPr lang="en-US" smtClean="0"/>
-              <a:t>1/27/24</a:t>
+              <a:t>1/30/24</a:t>
             </a:fld>
             <a:endParaRPr lang="en-US"/>
           </a:p>
@@ -3231,7 +3231,7 @@
           <a:p>
             <a:fld id="{2415141E-95FB-4542-99E2-621C753B75D2}" type="datetimeFigureOut">
               <a:rPr lang="en-US" smtClean="0"/>
-              <a:t>1/27/24</a:t>
+              <a:t>1/30/24</a:t>
             </a:fld>
             <a:endParaRPr lang="en-US"/>
           </a:p>
@@ -3344,7 +3344,7 @@
           <a:p>
             <a:fld id="{2415141E-95FB-4542-99E2-621C753B75D2}" type="datetimeFigureOut">
               <a:rPr lang="en-US" smtClean="0"/>
-              <a:t>1/27/24</a:t>
+              <a:t>1/30/24</a:t>
             </a:fld>
             <a:endParaRPr lang="en-US"/>
           </a:p>
@@ -3655,7 +3655,7 @@
           <a:p>
             <a:fld id="{2415141E-95FB-4542-99E2-621C753B75D2}" type="datetimeFigureOut">
               <a:rPr lang="en-US" smtClean="0"/>
-              <a:t>1/27/24</a:t>
+              <a:t>1/30/24</a:t>
             </a:fld>
             <a:endParaRPr lang="en-US"/>
           </a:p>
@@ -3943,7 +3943,7 @@
           <a:p>
             <a:fld id="{2415141E-95FB-4542-99E2-621C753B75D2}" type="datetimeFigureOut">
               <a:rPr lang="en-US" smtClean="0"/>
-              <a:t>1/27/24</a:t>
+              <a:t>1/30/24</a:t>
             </a:fld>
             <a:endParaRPr lang="en-US"/>
           </a:p>
@@ -4184,7 +4184,7 @@
           <a:p>
             <a:fld id="{2415141E-95FB-4542-99E2-621C753B75D2}" type="datetimeFigureOut">
               <a:rPr lang="en-US" smtClean="0"/>
-              <a:t>1/27/24</a:t>
+              <a:t>1/30/24</a:t>
             </a:fld>
             <a:endParaRPr lang="en-US"/>
           </a:p>
@@ -4622,7 +4622,7 @@
           <p:nvPr/>
         </p:nvPicPr>
         <p:blipFill>
-          <a:blip r:embed="rId3"/>
+          <a:blip r:embed="rId5"/>
           <a:srcRect/>
           <a:stretch/>
         </p:blipFill>
@@ -4651,7 +4651,7 @@
           <p:nvPr/>
         </p:nvPicPr>
         <p:blipFill>
-          <a:blip r:embed="rId4"/>
+          <a:blip r:embed="rId6"/>
           <a:srcRect/>
           <a:stretch/>
         </p:blipFill>
@@ -4680,7 +4680,7 @@
           <p:nvPr/>
         </p:nvPicPr>
         <p:blipFill>
-          <a:blip r:embed="rId5"/>
+          <a:blip r:embed="rId7"/>
           <a:srcRect/>
           <a:stretch/>
         </p:blipFill>
@@ -4709,7 +4709,7 @@
           <p:nvPr/>
         </p:nvPicPr>
         <p:blipFill>
-          <a:blip r:embed="rId6"/>
+          <a:blip r:embed="rId8"/>
           <a:srcRect/>
           <a:stretch/>
         </p:blipFill>
@@ -4717,6 +4717,43 @@
           <a:xfrm>
             <a:off x="6605814" y="3757386"/>
             <a:ext cx="2743200" cy="2743200"/>
+          </a:xfrm>
+          <a:prstGeom prst="rect">
+            <a:avLst/>
+          </a:prstGeom>
+        </p:spPr>
+      </p:pic>
+      <p:pic>
+        <p:nvPicPr>
+          <p:cNvPr id="9" name="Audio 8">
+            <a:extLst>
+              <a:ext uri="{FF2B5EF4-FFF2-40B4-BE49-F238E27FC236}">
+                <a16:creationId xmlns:a16="http://schemas.microsoft.com/office/drawing/2014/main" id="{8E46FB6A-FF22-9E4F-FBAA-3C6BC8B04559}"/>
+              </a:ext>
+            </a:extLst>
+          </p:cNvPr>
+          <p:cNvPicPr>
+            <a:picLocks noChangeAspect="1"/>
+          </p:cNvPicPr>
+          <p:nvPr>
+            <a:audioFile r:link="rId2"/>
+            <p:extLst>
+              <p:ext uri="{DAA4B4D4-6D71-4841-9C94-3DE7FCFB9230}">
+                <p14:media xmlns:p14="http://schemas.microsoft.com/office/powerpoint/2010/main" r:embed="rId1"/>
+              </p:ext>
+            </p:extLst>
+          </p:nvPr>
+        </p:nvPicPr>
+        <p:blipFill>
+          <a:blip r:embed="rId9"/>
+          <a:stretch>
+            <a:fillRect/>
+          </a:stretch>
+        </p:blipFill>
+        <p:spPr>
+          <a:xfrm>
+            <a:off x="11226800" y="5892800"/>
+            <a:ext cx="812800" cy="812800"/>
           </a:xfrm>
           <a:prstGeom prst="rect">
             <a:avLst/>
@@ -4733,6 +4770,101 @@
   <p:clrMapOvr>
     <a:masterClrMapping/>
   </p:clrMapOvr>
+  <mc:AlternateContent xmlns:mc="http://schemas.openxmlformats.org/markup-compatibility/2006">
+    <mc:Choice xmlns:p14="http://schemas.microsoft.com/office/powerpoint/2010/main" Requires="p14">
+      <p:transition spd="slow" p14:dur="2000" advTm="13290"/>
+    </mc:Choice>
+    <mc:Fallback>
+      <p:transition spd="slow" advTm="13290"/>
+    </mc:Fallback>
+  </mc:AlternateContent>
+  <p:timing>
+    <p:tnLst>
+      <p:par>
+        <p:cTn id="1" dur="indefinite" restart="never" nodeType="tmRoot">
+          <p:childTnLst>
+            <p:seq concurrent="1" nextAc="seek">
+              <p:cTn id="2" dur="indefinite" nodeType="mainSeq">
+                <p:childTnLst>
+                  <p:par>
+                    <p:cTn id="3" fill="hold">
+                      <p:stCondLst>
+                        <p:cond delay="indefinite"/>
+                        <p:cond evt="onBegin" delay="0">
+                          <p:tn val="2"/>
+                        </p:cond>
+                      </p:stCondLst>
+                      <p:childTnLst>
+                        <p:par>
+                          <p:cTn id="4" fill="hold">
+                            <p:stCondLst>
+                              <p:cond delay="0"/>
+                            </p:stCondLst>
+                            <p:childTnLst>
+                              <p:par>
+                                <p:cTn id="5" presetID="1" presetClass="mediacall" presetSubtype="0" fill="hold" nodeType="afterEffect">
+                                  <p:stCondLst>
+                                    <p:cond delay="0"/>
+                                  </p:stCondLst>
+                                  <p:childTnLst>
+                                    <p:cmd type="call" cmd="playFrom(0.0)">
+                                      <p:cBhvr>
+                                        <p:cTn id="6" dur="1" fill="hold"/>
+                                        <p:tgtEl>
+                                          <p:spTgt spid="9"/>
+                                        </p:tgtEl>
+                                      </p:cBhvr>
+                                    </p:cmd>
+                                  </p:childTnLst>
+                                </p:cTn>
+                              </p:par>
+                            </p:childTnLst>
+                          </p:cTn>
+                        </p:par>
+                      </p:childTnLst>
+                    </p:cTn>
+                  </p:par>
+                </p:childTnLst>
+              </p:cTn>
+              <p:prevCondLst>
+                <p:cond evt="onPrev" delay="0">
+                  <p:tgtEl>
+                    <p:sldTgt/>
+                  </p:tgtEl>
+                </p:cond>
+              </p:prevCondLst>
+              <p:nextCondLst>
+                <p:cond evt="onNext" delay="0">
+                  <p:tgtEl>
+                    <p:sldTgt/>
+                  </p:tgtEl>
+                </p:cond>
+              </p:nextCondLst>
+            </p:seq>
+            <p:audio isNarration="1">
+              <p:cMediaNode vol="80000" showWhenStopped="0">
+                <p:cTn id="7" fill="hold" display="0">
+                  <p:stCondLst>
+                    <p:cond delay="indefinite"/>
+                  </p:stCondLst>
+                  <p:endCondLst>
+                    <p:cond evt="onStopAudio" delay="0">
+                      <p:tgtEl>
+                        <p:sldTgt/>
+                      </p:tgtEl>
+                    </p:cond>
+                  </p:endCondLst>
+                </p:cTn>
+                <p:tgtEl>
+                  <p:spTgt spid="9"/>
+                </p:tgtEl>
+              </p:cMediaNode>
+            </p:audio>
+          </p:childTnLst>
+        </p:cTn>
+      </p:par>
+    </p:tnLst>
+  </p:timing>
 </p:sld>
 </file>
 
@@ -4768,7 +4900,7 @@
           <p:nvPr/>
         </p:nvPicPr>
         <p:blipFill>
-          <a:blip r:embed="rId3"/>
+          <a:blip r:embed="rId6"/>
           <a:stretch>
             <a:fillRect/>
           </a:stretch>
@@ -4798,7 +4930,7 @@
           <p:nvPr/>
         </p:nvPicPr>
         <p:blipFill>
-          <a:blip r:embed="rId4"/>
+          <a:blip r:embed="rId7"/>
           <a:srcRect/>
           <a:stretch/>
         </p:blipFill>
@@ -4827,7 +4959,7 @@
           <p:nvPr/>
         </p:nvPicPr>
         <p:blipFill>
-          <a:blip r:embed="rId5"/>
+          <a:blip r:embed="rId8"/>
           <a:srcRect/>
           <a:stretch/>
         </p:blipFill>
@@ -4856,7 +4988,7 @@
           <p:nvPr/>
         </p:nvPicPr>
         <p:blipFill>
-          <a:blip r:embed="rId6"/>
+          <a:blip r:embed="rId9"/>
           <a:srcRect/>
           <a:stretch/>
         </p:blipFill>
@@ -4954,10 +5086,10 @@
             <p:nvPr/>
           </p:nvPicPr>
           <p:blipFill>
-            <a:blip r:embed="rId7">
+            <a:blip r:embed="rId10">
               <a:extLst>
                 <a:ext uri="{96DAC541-7B7A-43D3-8B79-37D633B846F1}">
-                  <asvg:svgBlip xmlns:asvg="http://schemas.microsoft.com/office/drawing/2016/SVG/main" r:embed="rId8"/>
+                  <asvg:svgBlip xmlns:asvg="http://schemas.microsoft.com/office/drawing/2016/SVG/main" r:embed="rId11"/>
                 </a:ext>
               </a:extLst>
             </a:blip>
@@ -5039,10 +5171,10 @@
             <p:nvPr/>
           </p:nvPicPr>
           <p:blipFill>
-            <a:blip r:embed="rId7">
+            <a:blip r:embed="rId10">
               <a:extLst>
                 <a:ext uri="{96DAC541-7B7A-43D3-8B79-37D633B846F1}">
-                  <asvg:svgBlip xmlns:asvg="http://schemas.microsoft.com/office/drawing/2016/SVG/main" r:embed="rId8"/>
+                  <asvg:svgBlip xmlns:asvg="http://schemas.microsoft.com/office/drawing/2016/SVG/main" r:embed="rId11"/>
                 </a:ext>
               </a:extLst>
             </a:blip>
@@ -5124,10 +5256,10 @@
             <p:nvPr/>
           </p:nvPicPr>
           <p:blipFill>
-            <a:blip r:embed="rId7">
+            <a:blip r:embed="rId10">
               <a:extLst>
                 <a:ext uri="{96DAC541-7B7A-43D3-8B79-37D633B846F1}">
-                  <asvg:svgBlip xmlns:asvg="http://schemas.microsoft.com/office/drawing/2016/SVG/main" r:embed="rId8"/>
+                  <asvg:svgBlip xmlns:asvg="http://schemas.microsoft.com/office/drawing/2016/SVG/main" r:embed="rId11"/>
                 </a:ext>
               </a:extLst>
             </a:blip>
@@ -5209,10 +5341,10 @@
             <p:nvPr/>
           </p:nvPicPr>
           <p:blipFill>
-            <a:blip r:embed="rId7">
+            <a:blip r:embed="rId10">
               <a:extLst>
                 <a:ext uri="{96DAC541-7B7A-43D3-8B79-37D633B846F1}">
-                  <asvg:svgBlip xmlns:asvg="http://schemas.microsoft.com/office/drawing/2016/SVG/main" r:embed="rId8"/>
+                  <asvg:svgBlip xmlns:asvg="http://schemas.microsoft.com/office/drawing/2016/SVG/main" r:embed="rId11"/>
                 </a:ext>
               </a:extLst>
             </a:blip>
@@ -5231,7 +5363,47 @@
           </p:spPr>
         </p:pic>
       </p:grpSp>
+      <p:pic>
+        <p:nvPicPr>
+          <p:cNvPr id="4" name="Audio 3">
+            <a:extLst>
+              <a:ext uri="{FF2B5EF4-FFF2-40B4-BE49-F238E27FC236}">
+                <a16:creationId xmlns:a16="http://schemas.microsoft.com/office/drawing/2014/main" id="{CADE079F-AC3D-6022-C3CE-100AB4F3D88F}"/>
+              </a:ext>
+            </a:extLst>
+          </p:cNvPr>
+          <p:cNvPicPr>
+            <a:picLocks noChangeAspect="1"/>
+          </p:cNvPicPr>
+          <p:nvPr>
+            <a:audioFile r:link="rId3"/>
+            <p:extLst>
+              <p:ext uri="{DAA4B4D4-6D71-4841-9C94-3DE7FCFB9230}">
+                <p14:media xmlns:p14="http://schemas.microsoft.com/office/powerpoint/2010/main" r:embed="rId2"/>
+              </p:ext>
+            </p:extLst>
+          </p:nvPr>
+        </p:nvPicPr>
+        <p:blipFill>
+          <a:blip r:embed="rId12"/>
+          <a:stretch>
+            <a:fillRect/>
+          </a:stretch>
+        </p:blipFill>
+        <p:spPr>
+          <a:xfrm>
+            <a:off x="11226800" y="5892800"/>
+            <a:ext cx="812800" cy="812800"/>
+          </a:xfrm>
+          <a:prstGeom prst="rect">
+            <a:avLst/>
+          </a:prstGeom>
+        </p:spPr>
+      </p:pic>
     </p:spTree>
+    <p:custDataLst>
+      <p:tags r:id="rId1"/>
+    </p:custDataLst>
     <p:extLst>
       <p:ext uri="{BB962C8B-B14F-4D97-AF65-F5344CB8AC3E}">
         <p14:creationId xmlns:p14="http://schemas.microsoft.com/office/powerpoint/2010/main" val="339200006"/>
@@ -5241,6 +5413,14 @@
   <p:clrMapOvr>
     <a:masterClrMapping/>
   </p:clrMapOvr>
+  <mc:AlternateContent xmlns:mc="http://schemas.openxmlformats.org/markup-compatibility/2006">
+    <mc:Choice xmlns:p14="http://schemas.microsoft.com/office/powerpoint/2010/main" Requires="p14">
+      <p:transition spd="slow" p14:dur="2000" advTm="15274"/>
+    </mc:Choice>
+    <mc:Fallback>
+      <p:transition spd="slow" advTm="15274"/>
+    </mc:Fallback>
+  </mc:AlternateContent>
   <p:timing>
     <p:tnLst>
       <p:par>
@@ -5253,6 +5433,9 @@
                     <p:cTn id="3" fill="hold">
                       <p:stCondLst>
                         <p:cond delay="indefinite"/>
+                        <p:cond evt="onBegin" delay="0">
+                          <p:tn val="2"/>
+                        </p:cond>
                       </p:stCondLst>
                       <p:childTnLst>
                         <p:par>
@@ -5262,14 +5445,49 @@
                             </p:stCondLst>
                             <p:childTnLst>
                               <p:par>
-                                <p:cTn id="5" presetID="1" presetClass="entr" presetSubtype="0" fill="hold" nodeType="clickEffect">
+                                <p:cTn id="5" presetID="1" presetClass="mediacall" presetSubtype="0" fill="hold" nodeType="afterEffect">
+                                  <p:stCondLst>
+                                    <p:cond delay="0"/>
+                                  </p:stCondLst>
+                                  <p:childTnLst>
+                                    <p:cmd type="call" cmd="playFrom(0.0)">
+                                      <p:cBhvr>
+                                        <p:cTn id="6" dur="1" fill="hold"/>
+                                        <p:tgtEl>
+                                          <p:spTgt spid="4"/>
+                                        </p:tgtEl>
+                                      </p:cBhvr>
+                                    </p:cmd>
+                                  </p:childTnLst>
+                                </p:cTn>
+                              </p:par>
+                            </p:childTnLst>
+                          </p:cTn>
+                        </p:par>
+                      </p:childTnLst>
+                    </p:cTn>
+                  </p:par>
+                  <p:par>
+                    <p:cTn id="7" fill="hold">
+                      <p:stCondLst>
+                        <p:cond delay="indefinite"/>
+                      </p:stCondLst>
+                      <p:childTnLst>
+                        <p:par>
+                          <p:cTn id="8" fill="hold">
+                            <p:stCondLst>
+                              <p:cond delay="0"/>
+                            </p:stCondLst>
+                            <p:childTnLst>
+                              <p:par>
+                                <p:cTn id="9" presetID="1" presetClass="entr" presetSubtype="0" fill="hold" nodeType="clickEffect">
                                   <p:stCondLst>
                                     <p:cond delay="0"/>
                                   </p:stCondLst>
                                   <p:childTnLst>
                                     <p:set>
                                       <p:cBhvr>
-                                        <p:cTn id="6" dur="1" fill="hold">
+                                        <p:cTn id="10" dur="1" fill="hold">
                                           <p:stCondLst>
                                             <p:cond delay="0"/>
                                           </p:stCondLst>
@@ -5311,6 +5529,25 @@
                 </p:cond>
               </p:nextCondLst>
             </p:seq>
+            <p:audio isNarration="1">
+              <p:cMediaNode vol="80000" showWhenStopped="0">
+                <p:cTn id="11" fill="hold" display="0">
+                  <p:stCondLst>
+                    <p:cond delay="indefinite"/>
+                  </p:stCondLst>
+                  <p:endCondLst>
+                    <p:cond evt="onStopAudio" delay="0">
+                      <p:tgtEl>
+                        <p:sldTgt/>
+                      </p:tgtEl>
+                    </p:cond>
+                  </p:endCondLst>
+                </p:cTn>
+                <p:tgtEl>
+                  <p:spTgt spid="4"/>
+                </p:tgtEl>
+              </p:cMediaNode>
+            </p:audio>
           </p:childTnLst>
         </p:cTn>
       </p:par>
@@ -5351,7 +5588,7 @@
           <p:nvPr/>
         </p:nvPicPr>
         <p:blipFill>
-          <a:blip r:embed="rId3"/>
+          <a:blip r:embed="rId6"/>
           <a:stretch>
             <a:fillRect/>
           </a:stretch>
@@ -5381,7 +5618,7 @@
           <p:nvPr/>
         </p:nvPicPr>
         <p:blipFill>
-          <a:blip r:embed="rId4"/>
+          <a:blip r:embed="rId7"/>
           <a:stretch>
             <a:fillRect/>
           </a:stretch>
@@ -5494,7 +5731,47 @@
           </a:p>
         </p:txBody>
       </p:sp>
+      <p:pic>
+        <p:nvPicPr>
+          <p:cNvPr id="7" name="Audio 6">
+            <a:extLst>
+              <a:ext uri="{FF2B5EF4-FFF2-40B4-BE49-F238E27FC236}">
+                <a16:creationId xmlns:a16="http://schemas.microsoft.com/office/drawing/2014/main" id="{F880375A-575C-1B5B-2D5F-48BC5FBF8009}"/>
+              </a:ext>
+            </a:extLst>
+          </p:cNvPr>
+          <p:cNvPicPr>
+            <a:picLocks noChangeAspect="1"/>
+          </p:cNvPicPr>
+          <p:nvPr>
+            <a:audioFile r:link="rId3"/>
+            <p:extLst>
+              <p:ext uri="{DAA4B4D4-6D71-4841-9C94-3DE7FCFB9230}">
+                <p14:media xmlns:p14="http://schemas.microsoft.com/office/powerpoint/2010/main" r:embed="rId2"/>
+              </p:ext>
+            </p:extLst>
+          </p:nvPr>
+        </p:nvPicPr>
+        <p:blipFill>
+          <a:blip r:embed="rId8"/>
+          <a:stretch>
+            <a:fillRect/>
+          </a:stretch>
+        </p:blipFill>
+        <p:spPr>
+          <a:xfrm>
+            <a:off x="11226800" y="5892800"/>
+            <a:ext cx="812800" cy="812800"/>
+          </a:xfrm>
+          <a:prstGeom prst="rect">
+            <a:avLst/>
+          </a:prstGeom>
+        </p:spPr>
+      </p:pic>
     </p:spTree>
+    <p:custDataLst>
+      <p:tags r:id="rId1"/>
+    </p:custDataLst>
     <p:extLst>
       <p:ext uri="{BB962C8B-B14F-4D97-AF65-F5344CB8AC3E}">
         <p14:creationId xmlns:p14="http://schemas.microsoft.com/office/powerpoint/2010/main" val="1904170347"/>
@@ -5504,6 +5781,14 @@
   <p:clrMapOvr>
     <a:masterClrMapping/>
   </p:clrMapOvr>
+  <mc:AlternateContent xmlns:mc="http://schemas.openxmlformats.org/markup-compatibility/2006">
+    <mc:Choice xmlns:p14="http://schemas.microsoft.com/office/powerpoint/2010/main" Requires="p14">
+      <p:transition spd="slow" p14:dur="2000" advTm="11882"/>
+    </mc:Choice>
+    <mc:Fallback>
+      <p:transition spd="slow" advTm="11882"/>
+    </mc:Fallback>
+  </mc:AlternateContent>
   <p:timing>
     <p:tnLst>
       <p:par>
@@ -5516,6 +5801,9 @@
                     <p:cTn id="3" fill="hold">
                       <p:stCondLst>
                         <p:cond delay="indefinite"/>
+                        <p:cond evt="onBegin" delay="0">
+                          <p:tn val="2"/>
+                        </p:cond>
                       </p:stCondLst>
                       <p:childTnLst>
                         <p:par>
@@ -5525,14 +5813,49 @@
                             </p:stCondLst>
                             <p:childTnLst>
                               <p:par>
-                                <p:cTn id="5" presetID="1" presetClass="entr" presetSubtype="0" fill="hold" grpId="0" nodeType="clickEffect">
+                                <p:cTn id="5" presetID="1" presetClass="mediacall" presetSubtype="0" fill="hold" nodeType="afterEffect">
+                                  <p:stCondLst>
+                                    <p:cond delay="0"/>
+                                  </p:stCondLst>
+                                  <p:childTnLst>
+                                    <p:cmd type="call" cmd="playFrom(0.0)">
+                                      <p:cBhvr>
+                                        <p:cTn id="6" dur="1" fill="hold"/>
+                                        <p:tgtEl>
+                                          <p:spTgt spid="7"/>
+                                        </p:tgtEl>
+                                      </p:cBhvr>
+                                    </p:cmd>
+                                  </p:childTnLst>
+                                </p:cTn>
+                              </p:par>
+                            </p:childTnLst>
+                          </p:cTn>
+                        </p:par>
+                      </p:childTnLst>
+                    </p:cTn>
+                  </p:par>
+                  <p:par>
+                    <p:cTn id="7" fill="hold">
+                      <p:stCondLst>
+                        <p:cond delay="indefinite"/>
+                      </p:stCondLst>
+                      <p:childTnLst>
+                        <p:par>
+                          <p:cTn id="8" fill="hold">
+                            <p:stCondLst>
+                              <p:cond delay="0"/>
+                            </p:stCondLst>
+                            <p:childTnLst>
+                              <p:par>
+                                <p:cTn id="9" presetID="1" presetClass="entr" presetSubtype="0" fill="hold" grpId="0" nodeType="clickEffect">
                                   <p:stCondLst>
                                     <p:cond delay="0"/>
                                   </p:stCondLst>
                                   <p:childTnLst>
                                     <p:set>
                                       <p:cBhvr>
-                                        <p:cTn id="6" dur="1" fill="hold">
+                                        <p:cTn id="10" dur="1" fill="hold">
                                           <p:stCondLst>
                                             <p:cond delay="0"/>
                                           </p:stCondLst>
@@ -5552,14 +5875,14 @@
                                 </p:cTn>
                               </p:par>
                               <p:par>
-                                <p:cTn id="7" presetID="26" presetClass="emph" presetSubtype="0" fill="hold" grpId="2" nodeType="withEffect">
+                                <p:cTn id="11" presetID="26" presetClass="emph" presetSubtype="0" fill="hold" grpId="2" nodeType="withEffect">
                                   <p:stCondLst>
                                     <p:cond delay="0"/>
                                   </p:stCondLst>
                                   <p:childTnLst>
                                     <p:animEffect transition="out" filter="fade">
                                       <p:cBhvr>
-                                        <p:cTn id="8" dur="1000" tmFilter="0, 0; .2, .5; .8, .5; 1, 0"/>
+                                        <p:cTn id="12" dur="1000" tmFilter="0, 0; .2, .5; .8, .5; 1, 0"/>
                                         <p:tgtEl>
                                           <p:spTgt spid="5"/>
                                         </p:tgtEl>
@@ -5567,7 +5890,7 @@
                                     </p:animEffect>
                                     <p:animScale>
                                       <p:cBhvr>
-                                        <p:cTn id="9" dur="500" autoRev="1" fill="hold"/>
+                                        <p:cTn id="13" dur="500" autoRev="1" fill="hold"/>
                                         <p:tgtEl>
                                           <p:spTgt spid="5"/>
                                         </p:tgtEl>
@@ -5584,26 +5907,26 @@
                     </p:cTn>
                   </p:par>
                   <p:par>
-                    <p:cTn id="10" fill="hold">
+                    <p:cTn id="14" fill="hold">
                       <p:stCondLst>
                         <p:cond delay="indefinite"/>
                       </p:stCondLst>
                       <p:childTnLst>
                         <p:par>
-                          <p:cTn id="11" fill="hold">
+                          <p:cTn id="15" fill="hold">
                             <p:stCondLst>
                               <p:cond delay="0"/>
                             </p:stCondLst>
                             <p:childTnLst>
                               <p:par>
-                                <p:cTn id="12" presetID="1" presetClass="exit" presetSubtype="0" fill="hold" grpId="1" nodeType="clickEffect">
+                                <p:cTn id="16" presetID="1" presetClass="exit" presetSubtype="0" fill="hold" grpId="1" nodeType="clickEffect">
                                   <p:stCondLst>
                                     <p:cond delay="0"/>
                                   </p:stCondLst>
                                   <p:childTnLst>
                                     <p:set>
                                       <p:cBhvr>
-                                        <p:cTn id="13" dur="1" fill="hold">
+                                        <p:cTn id="17" dur="1" fill="hold">
                                           <p:stCondLst>
                                             <p:cond delay="0"/>
                                           </p:stCondLst>
@@ -5623,14 +5946,14 @@
                                 </p:cTn>
                               </p:par>
                               <p:par>
-                                <p:cTn id="14" presetID="1" presetClass="entr" presetSubtype="0" fill="hold" grpId="0" nodeType="withEffect">
+                                <p:cTn id="18" presetID="1" presetClass="entr" presetSubtype="0" fill="hold" grpId="0" nodeType="withEffect">
                                   <p:stCondLst>
                                     <p:cond delay="0"/>
                                   </p:stCondLst>
                                   <p:childTnLst>
                                     <p:set>
                                       <p:cBhvr>
-                                        <p:cTn id="15" dur="1" fill="hold">
+                                        <p:cTn id="19" dur="1" fill="hold">
                                           <p:stCondLst>
                                             <p:cond delay="0"/>
                                           </p:stCondLst>
@@ -5650,14 +5973,14 @@
                                 </p:cTn>
                               </p:par>
                               <p:par>
-                                <p:cTn id="16" presetID="26" presetClass="emph" presetSubtype="0" fill="hold" grpId="2" nodeType="withEffect">
+                                <p:cTn id="20" presetID="26" presetClass="emph" presetSubtype="0" fill="hold" grpId="2" nodeType="withEffect">
                                   <p:stCondLst>
                                     <p:cond delay="0"/>
                                   </p:stCondLst>
                                   <p:childTnLst>
                                     <p:animEffect transition="out" filter="fade">
                                       <p:cBhvr>
-                                        <p:cTn id="17" dur="1000" tmFilter="0, 0; .2, .5; .8, .5; 1, 0"/>
+                                        <p:cTn id="21" dur="1000" tmFilter="0, 0; .2, .5; .8, .5; 1, 0"/>
                                         <p:tgtEl>
                                           <p:spTgt spid="6"/>
                                         </p:tgtEl>
@@ -5665,7 +5988,7 @@
                                     </p:animEffect>
                                     <p:animScale>
                                       <p:cBhvr>
-                                        <p:cTn id="18" dur="500" autoRev="1" fill="hold"/>
+                                        <p:cTn id="22" dur="500" autoRev="1" fill="hold"/>
                                         <p:tgtEl>
                                           <p:spTgt spid="6"/>
                                         </p:tgtEl>
@@ -5682,26 +6005,26 @@
                     </p:cTn>
                   </p:par>
                   <p:par>
-                    <p:cTn id="19" fill="hold">
+                    <p:cTn id="23" fill="hold">
                       <p:stCondLst>
                         <p:cond delay="indefinite"/>
                       </p:stCondLst>
                       <p:childTnLst>
                         <p:par>
-                          <p:cTn id="20" fill="hold">
+                          <p:cTn id="24" fill="hold">
                             <p:stCondLst>
                               <p:cond delay="0"/>
                             </p:stCondLst>
                             <p:childTnLst>
                               <p:par>
-                                <p:cTn id="21" presetID="1" presetClass="exit" presetSubtype="0" fill="hold" grpId="1" nodeType="clickEffect">
+                                <p:cTn id="25" presetID="1" presetClass="exit" presetSubtype="0" fill="hold" grpId="1" nodeType="clickEffect">
                                   <p:stCondLst>
                                     <p:cond delay="0"/>
                                   </p:stCondLst>
                                   <p:childTnLst>
                                     <p:set>
                                       <p:cBhvr>
-                                        <p:cTn id="22" dur="1" fill="hold">
+                                        <p:cTn id="26" dur="1" fill="hold">
                                           <p:stCondLst>
                                             <p:cond delay="0"/>
                                           </p:stCondLst>
@@ -5743,6 +6066,25 @@
                 </p:cond>
               </p:nextCondLst>
             </p:seq>
+            <p:audio isNarration="1">
+              <p:cMediaNode vol="80000" showWhenStopped="0">
+                <p:cTn id="27" fill="hold" display="0">
+                  <p:stCondLst>
+                    <p:cond delay="indefinite"/>
+                  </p:stCondLst>
+                  <p:endCondLst>
+                    <p:cond evt="onStopAudio" delay="0">
+                      <p:tgtEl>
+                        <p:sldTgt/>
+                      </p:tgtEl>
+                    </p:cond>
+                  </p:endCondLst>
+                </p:cTn>
+                <p:tgtEl>
+                  <p:spTgt spid="7"/>
+                </p:tgtEl>
+              </p:cMediaNode>
+            </p:audio>
           </p:childTnLst>
         </p:cTn>
       </p:par>
@@ -5811,7 +6153,7 @@
             <p:nvPr/>
           </p:nvPicPr>
           <p:blipFill>
-            <a:blip r:embed="rId3"/>
+            <a:blip r:embed="rId6"/>
             <a:stretch>
               <a:fillRect/>
             </a:stretch>
@@ -5841,7 +6183,7 @@
             <p:nvPr/>
           </p:nvPicPr>
           <p:blipFill>
-            <a:blip r:embed="rId4"/>
+            <a:blip r:embed="rId7"/>
             <a:stretch>
               <a:fillRect/>
             </a:stretch>
@@ -5955,7 +6297,47 @@
           </a:p>
         </p:txBody>
       </p:sp>
+      <p:pic>
+        <p:nvPicPr>
+          <p:cNvPr id="8" name="Audio 7">
+            <a:extLst>
+              <a:ext uri="{FF2B5EF4-FFF2-40B4-BE49-F238E27FC236}">
+                <a16:creationId xmlns:a16="http://schemas.microsoft.com/office/drawing/2014/main" id="{12F5B0B2-8AEA-F8B3-681B-2E5EF0747E64}"/>
+              </a:ext>
+            </a:extLst>
+          </p:cNvPr>
+          <p:cNvPicPr>
+            <a:picLocks noChangeAspect="1"/>
+          </p:cNvPicPr>
+          <p:nvPr>
+            <a:audioFile r:link="rId3"/>
+            <p:extLst>
+              <p:ext uri="{DAA4B4D4-6D71-4841-9C94-3DE7FCFB9230}">
+                <p14:media xmlns:p14="http://schemas.microsoft.com/office/powerpoint/2010/main" r:embed="rId2"/>
+              </p:ext>
+            </p:extLst>
+          </p:nvPr>
+        </p:nvPicPr>
+        <p:blipFill>
+          <a:blip r:embed="rId8"/>
+          <a:stretch>
+            <a:fillRect/>
+          </a:stretch>
+        </p:blipFill>
+        <p:spPr>
+          <a:xfrm>
+            <a:off x="11226800" y="5892800"/>
+            <a:ext cx="812800" cy="812800"/>
+          </a:xfrm>
+          <a:prstGeom prst="rect">
+            <a:avLst/>
+          </a:prstGeom>
+        </p:spPr>
+      </p:pic>
     </p:spTree>
+    <p:custDataLst>
+      <p:tags r:id="rId1"/>
+    </p:custDataLst>
     <p:extLst>
       <p:ext uri="{BB962C8B-B14F-4D97-AF65-F5344CB8AC3E}">
         <p14:creationId xmlns:p14="http://schemas.microsoft.com/office/powerpoint/2010/main" val="4194429322"/>
@@ -5965,6 +6347,14 @@
   <p:clrMapOvr>
     <a:masterClrMapping/>
   </p:clrMapOvr>
+  <mc:AlternateContent xmlns:mc="http://schemas.openxmlformats.org/markup-compatibility/2006">
+    <mc:Choice xmlns:p14="http://schemas.microsoft.com/office/powerpoint/2010/main" Requires="p14">
+      <p:transition spd="slow" p14:dur="2000" advTm="14773"/>
+    </mc:Choice>
+    <mc:Fallback>
+      <p:transition spd="slow" advTm="14773"/>
+    </mc:Fallback>
+  </mc:AlternateContent>
   <p:timing>
     <p:tnLst>
       <p:par>
@@ -5977,6 +6367,9 @@
                     <p:cTn id="3" fill="hold">
                       <p:stCondLst>
                         <p:cond delay="indefinite"/>
+                        <p:cond evt="onBegin" delay="0">
+                          <p:tn val="2"/>
+                        </p:cond>
                       </p:stCondLst>
                       <p:childTnLst>
                         <p:par>
@@ -5986,14 +6379,49 @@
                             </p:stCondLst>
                             <p:childTnLst>
                               <p:par>
-                                <p:cTn id="5" presetID="1" presetClass="entr" presetSubtype="0" fill="hold" grpId="0" nodeType="clickEffect">
+                                <p:cTn id="5" presetID="1" presetClass="mediacall" presetSubtype="0" fill="hold" nodeType="afterEffect">
+                                  <p:stCondLst>
+                                    <p:cond delay="0"/>
+                                  </p:stCondLst>
+                                  <p:childTnLst>
+                                    <p:cmd type="call" cmd="playFrom(0.0)">
+                                      <p:cBhvr>
+                                        <p:cTn id="6" dur="1" fill="hold"/>
+                                        <p:tgtEl>
+                                          <p:spTgt spid="8"/>
+                                        </p:tgtEl>
+                                      </p:cBhvr>
+                                    </p:cmd>
+                                  </p:childTnLst>
+                                </p:cTn>
+                              </p:par>
+                            </p:childTnLst>
+                          </p:cTn>
+                        </p:par>
+                      </p:childTnLst>
+                    </p:cTn>
+                  </p:par>
+                  <p:par>
+                    <p:cTn id="7" fill="hold">
+                      <p:stCondLst>
+                        <p:cond delay="indefinite"/>
+                      </p:stCondLst>
+                      <p:childTnLst>
+                        <p:par>
+                          <p:cTn id="8" fill="hold">
+                            <p:stCondLst>
+                              <p:cond delay="0"/>
+                            </p:stCondLst>
+                            <p:childTnLst>
+                              <p:par>
+                                <p:cTn id="9" presetID="1" presetClass="entr" presetSubtype="0" fill="hold" grpId="0" nodeType="clickEffect">
                                   <p:stCondLst>
                                     <p:cond delay="0"/>
                                   </p:stCondLst>
                                   <p:childTnLst>
                                     <p:set>
                                       <p:cBhvr>
-                                        <p:cTn id="6" dur="1" fill="hold">
+                                        <p:cTn id="10" dur="1" fill="hold">
                                           <p:stCondLst>
                                             <p:cond delay="0"/>
                                           </p:stCondLst>
@@ -6013,14 +6441,14 @@
                                 </p:cTn>
                               </p:par>
                               <p:par>
-                                <p:cTn id="7" presetID="26" presetClass="emph" presetSubtype="0" fill="hold" grpId="2" nodeType="withEffect">
+                                <p:cTn id="11" presetID="26" presetClass="emph" presetSubtype="0" fill="hold" grpId="2" nodeType="withEffect">
                                   <p:stCondLst>
                                     <p:cond delay="0"/>
                                   </p:stCondLst>
                                   <p:childTnLst>
                                     <p:animEffect transition="out" filter="fade">
                                       <p:cBhvr>
-                                        <p:cTn id="8" dur="1000" tmFilter="0, 0; .2, .5; .8, .5; 1, 0"/>
+                                        <p:cTn id="12" dur="1000" tmFilter="0, 0; .2, .5; .8, .5; 1, 0"/>
                                         <p:tgtEl>
                                           <p:spTgt spid="5"/>
                                         </p:tgtEl>
@@ -6028,7 +6456,7 @@
                                     </p:animEffect>
                                     <p:animScale>
                                       <p:cBhvr>
-                                        <p:cTn id="9" dur="500" autoRev="1" fill="hold"/>
+                                        <p:cTn id="13" dur="500" autoRev="1" fill="hold"/>
                                         <p:tgtEl>
                                           <p:spTgt spid="5"/>
                                         </p:tgtEl>
@@ -6045,26 +6473,26 @@
                     </p:cTn>
                   </p:par>
                   <p:par>
-                    <p:cTn id="10" fill="hold">
+                    <p:cTn id="14" fill="hold">
                       <p:stCondLst>
                         <p:cond delay="indefinite"/>
                       </p:stCondLst>
                       <p:childTnLst>
                         <p:par>
-                          <p:cTn id="11" fill="hold">
+                          <p:cTn id="15" fill="hold">
                             <p:stCondLst>
                               <p:cond delay="0"/>
                             </p:stCondLst>
                             <p:childTnLst>
                               <p:par>
-                                <p:cTn id="12" presetID="1" presetClass="exit" presetSubtype="0" fill="hold" grpId="1" nodeType="clickEffect">
+                                <p:cTn id="16" presetID="1" presetClass="exit" presetSubtype="0" fill="hold" grpId="1" nodeType="clickEffect">
                                   <p:stCondLst>
                                     <p:cond delay="0"/>
                                   </p:stCondLst>
                                   <p:childTnLst>
                                     <p:set>
                                       <p:cBhvr>
-                                        <p:cTn id="13" dur="1" fill="hold">
+                                        <p:cTn id="17" dur="1" fill="hold">
                                           <p:stCondLst>
                                             <p:cond delay="0"/>
                                           </p:stCondLst>
@@ -6084,14 +6512,14 @@
                                 </p:cTn>
                               </p:par>
                               <p:par>
-                                <p:cTn id="14" presetID="1" presetClass="entr" presetSubtype="0" fill="hold" grpId="0" nodeType="withEffect">
+                                <p:cTn id="18" presetID="1" presetClass="entr" presetSubtype="0" fill="hold" grpId="0" nodeType="withEffect">
                                   <p:stCondLst>
                                     <p:cond delay="0"/>
                                   </p:stCondLst>
                                   <p:childTnLst>
                                     <p:set>
                                       <p:cBhvr>
-                                        <p:cTn id="15" dur="1" fill="hold">
+                                        <p:cTn id="19" dur="1" fill="hold">
                                           <p:stCondLst>
                                             <p:cond delay="0"/>
                                           </p:stCondLst>
@@ -6111,14 +6539,14 @@
                                 </p:cTn>
                               </p:par>
                               <p:par>
-                                <p:cTn id="16" presetID="26" presetClass="emph" presetSubtype="0" fill="hold" grpId="2" nodeType="withEffect">
+                                <p:cTn id="20" presetID="26" presetClass="emph" presetSubtype="0" fill="hold" grpId="2" nodeType="withEffect">
                                   <p:stCondLst>
                                     <p:cond delay="0"/>
                                   </p:stCondLst>
                                   <p:childTnLst>
                                     <p:animEffect transition="out" filter="fade">
                                       <p:cBhvr>
-                                        <p:cTn id="17" dur="1000" tmFilter="0, 0; .2, .5; .8, .5; 1, 0"/>
+                                        <p:cTn id="21" dur="1000" tmFilter="0, 0; .2, .5; .8, .5; 1, 0"/>
                                         <p:tgtEl>
                                           <p:spTgt spid="6"/>
                                         </p:tgtEl>
@@ -6126,7 +6554,7 @@
                                     </p:animEffect>
                                     <p:animScale>
                                       <p:cBhvr>
-                                        <p:cTn id="18" dur="500" autoRev="1" fill="hold"/>
+                                        <p:cTn id="22" dur="500" autoRev="1" fill="hold"/>
                                         <p:tgtEl>
                                           <p:spTgt spid="6"/>
                                         </p:tgtEl>
@@ -6143,26 +6571,26 @@
                     </p:cTn>
                   </p:par>
                   <p:par>
-                    <p:cTn id="19" fill="hold">
+                    <p:cTn id="23" fill="hold">
                       <p:stCondLst>
                         <p:cond delay="indefinite"/>
                       </p:stCondLst>
                       <p:childTnLst>
                         <p:par>
-                          <p:cTn id="20" fill="hold">
+                          <p:cTn id="24" fill="hold">
                             <p:stCondLst>
                               <p:cond delay="0"/>
                             </p:stCondLst>
                             <p:childTnLst>
                               <p:par>
-                                <p:cTn id="21" presetID="1" presetClass="exit" presetSubtype="0" fill="hold" grpId="1" nodeType="clickEffect">
+                                <p:cTn id="25" presetID="1" presetClass="exit" presetSubtype="0" fill="hold" grpId="1" nodeType="clickEffect">
                                   <p:stCondLst>
                                     <p:cond delay="0"/>
                                   </p:stCondLst>
                                   <p:childTnLst>
                                     <p:set>
                                       <p:cBhvr>
-                                        <p:cTn id="22" dur="1" fill="hold">
+                                        <p:cTn id="26" dur="1" fill="hold">
                                           <p:stCondLst>
                                             <p:cond delay="0"/>
                                           </p:stCondLst>
@@ -6204,6 +6632,25 @@
                 </p:cond>
               </p:nextCondLst>
             </p:seq>
+            <p:audio isNarration="1">
+              <p:cMediaNode vol="80000" showWhenStopped="0">
+                <p:cTn id="27" fill="hold" display="0">
+                  <p:stCondLst>
+                    <p:cond delay="indefinite"/>
+                  </p:stCondLst>
+                  <p:endCondLst>
+                    <p:cond evt="onStopAudio" delay="0">
+                      <p:tgtEl>
+                        <p:sldTgt/>
+                      </p:tgtEl>
+                    </p:cond>
+                  </p:endCondLst>
+                </p:cTn>
+                <p:tgtEl>
+                  <p:spTgt spid="8"/>
+                </p:tgtEl>
+              </p:cMediaNode>
+            </p:audio>
           </p:childTnLst>
         </p:cTn>
       </p:par>
@@ -6258,7 +6705,7 @@
           <p:nvPr/>
         </p:nvPicPr>
         <p:blipFill>
-          <a:blip r:embed="rId3"/>
+          <a:blip r:embed="rId5"/>
           <a:stretch>
             <a:fillRect/>
           </a:stretch>
@@ -6288,7 +6735,7 @@
           <p:nvPr/>
         </p:nvPicPr>
         <p:blipFill>
-          <a:blip r:embed="rId4"/>
+          <a:blip r:embed="rId6"/>
           <a:srcRect/>
           <a:stretch/>
         </p:blipFill>
@@ -6317,7 +6764,7 @@
           <p:nvPr/>
         </p:nvPicPr>
         <p:blipFill>
-          <a:blip r:embed="rId5"/>
+          <a:blip r:embed="rId7"/>
           <a:srcRect/>
           <a:stretch/>
         </p:blipFill>
@@ -6346,7 +6793,7 @@
           <p:nvPr/>
         </p:nvPicPr>
         <p:blipFill>
-          <a:blip r:embed="rId6"/>
+          <a:blip r:embed="rId8"/>
           <a:srcRect/>
           <a:stretch/>
         </p:blipFill>
@@ -6444,10 +6891,10 @@
             <p:nvPr/>
           </p:nvPicPr>
           <p:blipFill>
-            <a:blip r:embed="rId7">
+            <a:blip r:embed="rId9">
               <a:extLst>
                 <a:ext uri="{96DAC541-7B7A-43D3-8B79-37D633B846F1}">
-                  <asvg:svgBlip xmlns:asvg="http://schemas.microsoft.com/office/drawing/2016/SVG/main" r:embed="rId8"/>
+                  <asvg:svgBlip xmlns:asvg="http://schemas.microsoft.com/office/drawing/2016/SVG/main" r:embed="rId10"/>
                 </a:ext>
               </a:extLst>
             </a:blip>
@@ -6529,10 +6976,10 @@
             <p:nvPr/>
           </p:nvPicPr>
           <p:blipFill>
-            <a:blip r:embed="rId7">
+            <a:blip r:embed="rId9">
               <a:extLst>
                 <a:ext uri="{96DAC541-7B7A-43D3-8B79-37D633B846F1}">
-                  <asvg:svgBlip xmlns:asvg="http://schemas.microsoft.com/office/drawing/2016/SVG/main" r:embed="rId8"/>
+                  <asvg:svgBlip xmlns:asvg="http://schemas.microsoft.com/office/drawing/2016/SVG/main" r:embed="rId10"/>
                 </a:ext>
               </a:extLst>
             </a:blip>
@@ -6614,10 +7061,10 @@
             <p:nvPr/>
           </p:nvPicPr>
           <p:blipFill>
-            <a:blip r:embed="rId7">
+            <a:blip r:embed="rId9">
               <a:extLst>
                 <a:ext uri="{96DAC541-7B7A-43D3-8B79-37D633B846F1}">
-                  <asvg:svgBlip xmlns:asvg="http://schemas.microsoft.com/office/drawing/2016/SVG/main" r:embed="rId8"/>
+                  <asvg:svgBlip xmlns:asvg="http://schemas.microsoft.com/office/drawing/2016/SVG/main" r:embed="rId10"/>
                 </a:ext>
               </a:extLst>
             </a:blip>
@@ -6699,10 +7146,10 @@
             <p:nvPr/>
           </p:nvPicPr>
           <p:blipFill>
-            <a:blip r:embed="rId7">
+            <a:blip r:embed="rId9">
               <a:extLst>
                 <a:ext uri="{96DAC541-7B7A-43D3-8B79-37D633B846F1}">
-                  <asvg:svgBlip xmlns:asvg="http://schemas.microsoft.com/office/drawing/2016/SVG/main" r:embed="rId8"/>
+                  <asvg:svgBlip xmlns:asvg="http://schemas.microsoft.com/office/drawing/2016/SVG/main" r:embed="rId10"/>
                 </a:ext>
               </a:extLst>
             </a:blip>
@@ -6721,6 +7168,43 @@
           </p:spPr>
         </p:pic>
       </p:grpSp>
+      <p:pic>
+        <p:nvPicPr>
+          <p:cNvPr id="3" name="Audio 2">
+            <a:extLst>
+              <a:ext uri="{FF2B5EF4-FFF2-40B4-BE49-F238E27FC236}">
+                <a16:creationId xmlns:a16="http://schemas.microsoft.com/office/drawing/2014/main" id="{29825501-C84F-E354-9FCD-616F18739110}"/>
+              </a:ext>
+            </a:extLst>
+          </p:cNvPr>
+          <p:cNvPicPr>
+            <a:picLocks noChangeAspect="1"/>
+          </p:cNvPicPr>
+          <p:nvPr>
+            <a:audioFile r:link="rId2"/>
+            <p:extLst>
+              <p:ext uri="{DAA4B4D4-6D71-4841-9C94-3DE7FCFB9230}">
+                <p14:media xmlns:p14="http://schemas.microsoft.com/office/powerpoint/2010/main" r:embed="rId1"/>
+              </p:ext>
+            </p:extLst>
+          </p:nvPr>
+        </p:nvPicPr>
+        <p:blipFill>
+          <a:blip r:embed="rId11"/>
+          <a:stretch>
+            <a:fillRect/>
+          </a:stretch>
+        </p:blipFill>
+        <p:spPr>
+          <a:xfrm>
+            <a:off x="11226800" y="5892800"/>
+            <a:ext cx="812800" cy="812800"/>
+          </a:xfrm>
+          <a:prstGeom prst="rect">
+            <a:avLst/>
+          </a:prstGeom>
+        </p:spPr>
+      </p:pic>
     </p:spTree>
     <p:extLst>
       <p:ext uri="{BB962C8B-B14F-4D97-AF65-F5344CB8AC3E}">
@@ -6731,7 +7215,120 @@
   <p:clrMapOvr>
     <a:masterClrMapping/>
   </p:clrMapOvr>
+  <mc:AlternateContent xmlns:mc="http://schemas.openxmlformats.org/markup-compatibility/2006">
+    <mc:Choice xmlns:p14="http://schemas.microsoft.com/office/powerpoint/2010/main" Requires="p14">
+      <p:transition spd="slow" p14:dur="2000" advTm="9675"/>
+    </mc:Choice>
+    <mc:Fallback>
+      <p:transition spd="slow" advTm="9675"/>
+    </mc:Fallback>
+  </mc:AlternateContent>
+  <p:timing>
+    <p:tnLst>
+      <p:par>
+        <p:cTn id="1" dur="indefinite" restart="never" nodeType="tmRoot">
+          <p:childTnLst>
+            <p:seq concurrent="1" nextAc="seek">
+              <p:cTn id="2" dur="indefinite" nodeType="mainSeq">
+                <p:childTnLst>
+                  <p:par>
+                    <p:cTn id="3" fill="hold">
+                      <p:stCondLst>
+                        <p:cond delay="indefinite"/>
+                        <p:cond evt="onBegin" delay="0">
+                          <p:tn val="2"/>
+                        </p:cond>
+                      </p:stCondLst>
+                      <p:childTnLst>
+                        <p:par>
+                          <p:cTn id="4" fill="hold">
+                            <p:stCondLst>
+                              <p:cond delay="0"/>
+                            </p:stCondLst>
+                            <p:childTnLst>
+                              <p:par>
+                                <p:cTn id="5" presetID="1" presetClass="mediacall" presetSubtype="0" fill="hold" nodeType="afterEffect">
+                                  <p:stCondLst>
+                                    <p:cond delay="0"/>
+                                  </p:stCondLst>
+                                  <p:childTnLst>
+                                    <p:cmd type="call" cmd="playFrom(0.0)">
+                                      <p:cBhvr>
+                                        <p:cTn id="6" dur="1" fill="hold"/>
+                                        <p:tgtEl>
+                                          <p:spTgt spid="3"/>
+                                        </p:tgtEl>
+                                      </p:cBhvr>
+                                    </p:cmd>
+                                  </p:childTnLst>
+                                </p:cTn>
+                              </p:par>
+                            </p:childTnLst>
+                          </p:cTn>
+                        </p:par>
+                      </p:childTnLst>
+                    </p:cTn>
+                  </p:par>
+                </p:childTnLst>
+              </p:cTn>
+              <p:prevCondLst>
+                <p:cond evt="onPrev" delay="0">
+                  <p:tgtEl>
+                    <p:sldTgt/>
+                  </p:tgtEl>
+                </p:cond>
+              </p:prevCondLst>
+              <p:nextCondLst>
+                <p:cond evt="onNext" delay="0">
+                  <p:tgtEl>
+                    <p:sldTgt/>
+                  </p:tgtEl>
+                </p:cond>
+              </p:nextCondLst>
+            </p:seq>
+            <p:audio isNarration="1">
+              <p:cMediaNode vol="80000" showWhenStopped="0">
+                <p:cTn id="7" fill="hold" display="0">
+                  <p:stCondLst>
+                    <p:cond delay="indefinite"/>
+                  </p:stCondLst>
+                  <p:endCondLst>
+                    <p:cond evt="onStopAudio" delay="0">
+                      <p:tgtEl>
+                        <p:sldTgt/>
+                      </p:tgtEl>
+                    </p:cond>
+                  </p:endCondLst>
+                </p:cTn>
+                <p:tgtEl>
+                  <p:spTgt spid="3"/>
+                </p:tgtEl>
+              </p:cMediaNode>
+            </p:audio>
+          </p:childTnLst>
+        </p:cTn>
+      </p:par>
+    </p:tnLst>
+  </p:timing>
 </p:sld>
+</file>
+
+<file path=ppt/tags/tag1.xml><?xml version="1.0" encoding="utf-8"?>
+<p:tagLst xmlns:a="http://schemas.openxmlformats.org/drawingml/2006/main" xmlns:r="http://schemas.openxmlformats.org/officeDocument/2006/relationships" xmlns:p="http://schemas.openxmlformats.org/presentationml/2006/main">
+  <p:tag name="TIMING" val="|11.1"/>
+</p:tagLst>
+</file>
+
+<file path=ppt/tags/tag2.xml><?xml version="1.0" encoding="utf-8"?>
+<p:tagLst xmlns:a="http://schemas.openxmlformats.org/drawingml/2006/main" xmlns:r="http://schemas.openxmlformats.org/officeDocument/2006/relationships" xmlns:p="http://schemas.openxmlformats.org/presentationml/2006/main">
+  <p:tag name="TIMING" val="|3.5|3.5|3.7"/>
+</p:tagLst>
+</file>
+
+<file path=ppt/tags/tag3.xml><?xml version="1.0" encoding="utf-8"?>
+<p:tagLst xmlns:a="http://schemas.openxmlformats.org/drawingml/2006/main" xmlns:r="http://schemas.openxmlformats.org/officeDocument/2006/relationships" xmlns:p="http://schemas.openxmlformats.org/presentationml/2006/main">
+  <p:tag name="TIMING" val="|3.8|4.9|2.4"/>
+</p:tagLst>
 </file>
 
 <file path=ppt/theme/theme1.xml><?xml version="1.0" encoding="utf-8"?>

--- a/Slides/intro_scenario.pptx
+++ b/Slides/intro_scenario.pptx
@@ -5,14 +5,17 @@
     <p:sldMasterId id="2147483648" r:id="rId1"/>
   </p:sldMasterIdLst>
   <p:notesMasterIdLst>
-    <p:notesMasterId r:id="rId7"/>
+    <p:notesMasterId r:id="rId10"/>
   </p:notesMasterIdLst>
   <p:sldIdLst>
-    <p:sldId id="258" r:id="rId2"/>
-    <p:sldId id="256" r:id="rId3"/>
-    <p:sldId id="257" r:id="rId4"/>
-    <p:sldId id="259" r:id="rId5"/>
-    <p:sldId id="260" r:id="rId6"/>
+    <p:sldId id="261" r:id="rId2"/>
+    <p:sldId id="258" r:id="rId3"/>
+    <p:sldId id="256" r:id="rId4"/>
+    <p:sldId id="264" r:id="rId5"/>
+    <p:sldId id="265" r:id="rId6"/>
+    <p:sldId id="260" r:id="rId7"/>
+    <p:sldId id="262" r:id="rId8"/>
+    <p:sldId id="263" r:id="rId9"/>
   </p:sldIdLst>
   <p:sldSz cx="12192000" cy="6858000"/>
   <p:notesSz cx="6858000" cy="9144000"/>
@@ -114,7 +117,7 @@
   <p:extLst>
     <p:ext uri="{EFAFB233-063F-42B5-8137-9DF3F51BA10A}">
       <p15:sldGuideLst xmlns:p15="http://schemas.microsoft.com/office/powerpoint/2012/main">
-        <p15:guide id="1" orient="horz" pos="2160" userDrawn="1">
+        <p15:guide id="1" orient="horz" pos="2136" userDrawn="1">
           <p15:clr>
             <a:srgbClr val="A4A3A4"/>
           </p15:clr>
@@ -212,7 +215,7 @@
           <a:p>
             <a:fld id="{703C9056-BEFE-6446-BC75-499104495C1C}" type="datetimeFigureOut">
               <a:rPr lang="en-US" smtClean="0"/>
-              <a:t>1/30/24</a:t>
+              <a:t>2/5/24</a:t>
             </a:fld>
             <a:endParaRPr lang="en-US"/>
           </a:p>
@@ -523,79 +526,6 @@
           <a:bodyPr/>
           <a:lstStyle/>
           <a:p>
-            <a:pPr marL="0" marR="0">
-              <a:spcBef>
-                <a:spcPts val="0"/>
-              </a:spcBef>
-              <a:spcAft>
-                <a:spcPts val="0"/>
-              </a:spcAft>
-            </a:pPr>
-            <a:r>
-              <a:rPr lang="en-US" sz="1800" kern="100" dirty="0">
-                <a:effectLst/>
-                <a:latin typeface="Calibri" panose="020F0502020204030204" pitchFamily="34" charset="0"/>
-                <a:ea typeface="Calibri" panose="020F0502020204030204" pitchFamily="34" charset="0"/>
-                <a:cs typeface="Times New Roman" panose="02020603050405020304" pitchFamily="18" charset="0"/>
-              </a:rPr>
-              <a:t>Today, we need your help.</a:t>
-            </a:r>
-          </a:p>
-          <a:p>
-            <a:pPr marL="0" marR="0">
-              <a:spcBef>
-                <a:spcPts val="0"/>
-              </a:spcBef>
-              <a:spcAft>
-                <a:spcPts val="0"/>
-              </a:spcAft>
-            </a:pPr>
-            <a:r>
-              <a:rPr lang="en-US" sz="1800" kern="100" dirty="0">
-                <a:effectLst/>
-                <a:latin typeface="Calibri" panose="020F0502020204030204" pitchFamily="34" charset="0"/>
-                <a:ea typeface="Calibri" panose="020F0502020204030204" pitchFamily="34" charset="0"/>
-                <a:cs typeface="Times New Roman" panose="02020603050405020304" pitchFamily="18" charset="0"/>
-              </a:rPr>
-              <a:t> </a:t>
-            </a:r>
-          </a:p>
-          <a:p>
-            <a:pPr marL="0" marR="0">
-              <a:spcBef>
-                <a:spcPts val="0"/>
-              </a:spcBef>
-              <a:spcAft>
-                <a:spcPts val="0"/>
-              </a:spcAft>
-            </a:pPr>
-            <a:r>
-              <a:rPr lang="en-US" sz="1800" kern="100" dirty="0">
-                <a:effectLst/>
-                <a:latin typeface="Calibri" panose="020F0502020204030204" pitchFamily="34" charset="0"/>
-                <a:ea typeface="Calibri" panose="020F0502020204030204" pitchFamily="34" charset="0"/>
-                <a:cs typeface="Times New Roman" panose="02020603050405020304" pitchFamily="18" charset="0"/>
-              </a:rPr>
-              <a:t>We have a lot of pictures of Wuggle named Wiggle.</a:t>
-            </a:r>
-          </a:p>
-          <a:p>
-            <a:pPr marL="0" marR="0">
-              <a:spcBef>
-                <a:spcPts val="0"/>
-              </a:spcBef>
-              <a:spcAft>
-                <a:spcPts val="0"/>
-              </a:spcAft>
-            </a:pPr>
-            <a:endParaRPr lang="en-US" sz="1800" kern="100" dirty="0">
-              <a:effectLst/>
-              <a:latin typeface="Calibri" panose="020F0502020204030204" pitchFamily="34" charset="0"/>
-              <a:ea typeface="Calibri" panose="020F0502020204030204" pitchFamily="34" charset="0"/>
-              <a:cs typeface="Times New Roman" panose="02020603050405020304" pitchFamily="18" charset="0"/>
-            </a:endParaRPr>
-          </a:p>
-          <a:p>
             <a:pPr marL="0" marR="0" lvl="0" indent="0" algn="l" defTabSz="914400" rtl="0" eaLnBrk="1" fontAlgn="auto" latinLnBrk="0" hangingPunct="1">
               <a:lnSpc>
                 <a:spcPct val="100000"/>
@@ -614,30 +544,17 @@
               <a:defRPr/>
             </a:pPr>
             <a:r>
-              <a:rPr lang="en-US" sz="1800" kern="100" dirty="0">
+              <a:rPr lang="en-US" sz="1200" kern="100" dirty="0">
                 <a:effectLst/>
                 <a:latin typeface="Calibri" panose="020F0502020204030204" pitchFamily="34" charset="0"/>
                 <a:ea typeface="Calibri" panose="020F0502020204030204" pitchFamily="34" charset="0"/>
                 <a:cs typeface="Times New Roman" panose="02020603050405020304" pitchFamily="18" charset="0"/>
               </a:rPr>
-              <a:t>In all of these pictures, another Wuggle is talking to Wiggle. </a:t>
+              <a:t>Today, we need your help.</a:t>
             </a:r>
           </a:p>
           <a:p>
-            <a:pPr marL="0" marR="0">
-              <a:spcBef>
-                <a:spcPts val="0"/>
-              </a:spcBef>
-              <a:spcAft>
-                <a:spcPts val="0"/>
-              </a:spcAft>
-            </a:pPr>
-            <a:endParaRPr lang="en-US" sz="1800" kern="100" dirty="0">
-              <a:effectLst/>
-              <a:latin typeface="Calibri" panose="020F0502020204030204" pitchFamily="34" charset="0"/>
-              <a:ea typeface="Calibri" panose="020F0502020204030204" pitchFamily="34" charset="0"/>
-              <a:cs typeface="Times New Roman" panose="02020603050405020304" pitchFamily="18" charset="0"/>
-            </a:endParaRPr>
+            <a:endParaRPr lang="en-US" dirty="0"/>
           </a:p>
           <a:p>
             <a:endParaRPr lang="en-US" dirty="0"/>
@@ -670,7 +587,7 @@
     </p:spTree>
     <p:extLst>
       <p:ext uri="{BB962C8B-B14F-4D97-AF65-F5344CB8AC3E}">
-        <p14:creationId xmlns:p14="http://schemas.microsoft.com/office/powerpoint/2010/main" val="2783701437"/>
+        <p14:creationId xmlns:p14="http://schemas.microsoft.com/office/powerpoint/2010/main" val="3895226542"/>
       </p:ext>
     </p:extLst>
   </p:cSld>
@@ -724,59 +641,6 @@
           <a:bodyPr/>
           <a:lstStyle/>
           <a:p>
-            <a:pPr marL="0" marR="0">
-              <a:spcBef>
-                <a:spcPts val="0"/>
-              </a:spcBef>
-              <a:spcAft>
-                <a:spcPts val="0"/>
-              </a:spcAft>
-            </a:pPr>
-            <a:r>
-              <a:rPr lang="en-US" sz="1800" kern="100" dirty="0">
-                <a:effectLst/>
-                <a:latin typeface="Calibri" panose="020F0502020204030204" pitchFamily="34" charset="0"/>
-                <a:ea typeface="Calibri" panose="020F0502020204030204" pitchFamily="34" charset="0"/>
-                <a:cs typeface="Times New Roman" panose="02020603050405020304" pitchFamily="18" charset="0"/>
-              </a:rPr>
-              <a:t>But we don’t know what that Wuggle just said to Wiggle, because we don’t speak </a:t>
-            </a:r>
-            <a:r>
-              <a:rPr lang="en-US" sz="1800" kern="100" dirty="0" err="1">
-                <a:effectLst/>
-                <a:latin typeface="Calibri" panose="020F0502020204030204" pitchFamily="34" charset="0"/>
-                <a:ea typeface="Calibri" panose="020F0502020204030204" pitchFamily="34" charset="0"/>
-                <a:cs typeface="Times New Roman" panose="02020603050405020304" pitchFamily="18" charset="0"/>
-              </a:rPr>
-              <a:t>Wugglese</a:t>
-            </a:r>
-            <a:r>
-              <a:rPr lang="en-US" sz="1800" kern="100" dirty="0">
-                <a:effectLst/>
-                <a:latin typeface="Calibri" panose="020F0502020204030204" pitchFamily="34" charset="0"/>
-                <a:ea typeface="Calibri" panose="020F0502020204030204" pitchFamily="34" charset="0"/>
-                <a:cs typeface="Times New Roman" panose="02020603050405020304" pitchFamily="18" charset="0"/>
-              </a:rPr>
-              <a:t>!</a:t>
-            </a:r>
-          </a:p>
-          <a:p>
-            <a:pPr marL="0" marR="0">
-              <a:spcBef>
-                <a:spcPts val="0"/>
-              </a:spcBef>
-              <a:spcAft>
-                <a:spcPts val="0"/>
-              </a:spcAft>
-            </a:pPr>
-            <a:endParaRPr lang="en-US" sz="1800" kern="100" dirty="0">
-              <a:effectLst/>
-              <a:latin typeface="Calibri" panose="020F0502020204030204" pitchFamily="34" charset="0"/>
-              <a:ea typeface="Calibri" panose="020F0502020204030204" pitchFamily="34" charset="0"/>
-              <a:cs typeface="Times New Roman" panose="02020603050405020304" pitchFamily="18" charset="0"/>
-            </a:endParaRPr>
-          </a:p>
-          <a:p>
             <a:pPr marL="0" marR="0" lvl="0" indent="0" algn="l" defTabSz="914400" rtl="0" eaLnBrk="1" fontAlgn="auto" latinLnBrk="0" hangingPunct="1">
               <a:lnSpc>
                 <a:spcPct val="100000"/>
@@ -801,17 +665,69 @@
                 <a:ea typeface="Calibri" panose="020F0502020204030204" pitchFamily="34" charset="0"/>
                 <a:cs typeface="Times New Roman" panose="02020603050405020304" pitchFamily="18" charset="0"/>
               </a:rPr>
-              <a:t>So we need your help guessing what Wiggle will do next #, using what you see in the picture.</a:t>
+              <a:t> We have a lot of pictures</a:t>
             </a:r>
-          </a:p>
-          <a:p>
-            <a:pPr marL="0" marR="0">
+            <a:r>
+              <a:rPr lang="en-US" sz="1800" kern="1200" dirty="0">
+                <a:effectLst/>
+                <a:latin typeface="+mn-lt"/>
+                <a:ea typeface="+mn-ea"/>
+                <a:cs typeface="+mn-cs"/>
+              </a:rPr>
+              <a:t> </a:t>
+            </a:r>
+            <a:r>
+              <a:rPr lang="en-US" sz="1800" kern="100" dirty="0">
+                <a:effectLst/>
+                <a:latin typeface="Calibri" panose="020F0502020204030204" pitchFamily="34" charset="0"/>
+                <a:ea typeface="Calibri" panose="020F0502020204030204" pitchFamily="34" charset="0"/>
+                <a:cs typeface="Times New Roman" panose="02020603050405020304" pitchFamily="18" charset="0"/>
+              </a:rPr>
+              <a:t>of a Wuggle named Wiggle.</a:t>
+            </a:r>
+          </a:p>
+          <a:p>
+            <a:pPr marL="0" marR="0" lvl="0" indent="0" algn="l" defTabSz="914400" rtl="0" eaLnBrk="1" fontAlgn="auto" latinLnBrk="0" hangingPunct="1">
+              <a:lnSpc>
+                <a:spcPct val="100000"/>
+              </a:lnSpc>
               <a:spcBef>
                 <a:spcPts val="0"/>
               </a:spcBef>
               <a:spcAft>
                 <a:spcPts val="0"/>
               </a:spcAft>
+              <a:buClrTx/>
+              <a:buSzTx/>
+              <a:buFontTx/>
+              <a:buNone/>
+              <a:tabLst/>
+              <a:defRPr/>
+            </a:pPr>
+            <a:endParaRPr lang="en-US" sz="1800" kern="100" dirty="0">
+              <a:effectLst/>
+              <a:latin typeface="Calibri" panose="020F0502020204030204" pitchFamily="34" charset="0"/>
+              <a:ea typeface="Calibri" panose="020F0502020204030204" pitchFamily="34" charset="0"/>
+              <a:cs typeface="Times New Roman" panose="02020603050405020304" pitchFamily="18" charset="0"/>
+            </a:endParaRPr>
+          </a:p>
+          <a:p>
+            <a:pPr marL="0" marR="0" lvl="0" indent="0" algn="l" defTabSz="914400" rtl="0" eaLnBrk="1" fontAlgn="auto" latinLnBrk="0" hangingPunct="1">
+              <a:lnSpc>
+                <a:spcPct val="100000"/>
+              </a:lnSpc>
+              <a:spcBef>
+                <a:spcPts val="0"/>
+              </a:spcBef>
+              <a:spcAft>
+                <a:spcPts val="0"/>
+              </a:spcAft>
+              <a:buClrTx/>
+              <a:buSzTx/>
+              <a:buFontTx/>
+              <a:buNone/>
+              <a:tabLst/>
+              <a:defRPr/>
             </a:pPr>
             <a:endParaRPr lang="en-US" sz="1800" kern="100" dirty="0">
               <a:effectLst/>
@@ -851,7 +767,7 @@
     </p:spTree>
     <p:extLst>
       <p:ext uri="{BB962C8B-B14F-4D97-AF65-F5344CB8AC3E}">
-        <p14:creationId xmlns:p14="http://schemas.microsoft.com/office/powerpoint/2010/main" val="4148589089"/>
+        <p14:creationId xmlns:p14="http://schemas.microsoft.com/office/powerpoint/2010/main" val="2783701437"/>
       </p:ext>
     </p:extLst>
   </p:cSld>
@@ -929,26 +845,17 @@
                 <a:ea typeface="Calibri" panose="020F0502020204030204" pitchFamily="34" charset="0"/>
                 <a:cs typeface="Times New Roman" panose="02020603050405020304" pitchFamily="18" charset="0"/>
               </a:rPr>
-              <a:t>Sometimes, this Wuggle # will be talking.</a:t>
+              <a:t>In all of these pictures, another Wuggle is talking to Wiggle. </a:t>
             </a:r>
           </a:p>
           <a:p>
-            <a:pPr marL="0" marR="0" lvl="0" indent="0" algn="l" defTabSz="914400" rtl="0" eaLnBrk="1" fontAlgn="auto" latinLnBrk="0" hangingPunct="1">
-              <a:lnSpc>
-                <a:spcPct val="100000"/>
-              </a:lnSpc>
+            <a:pPr marL="0" marR="0">
               <a:spcBef>
                 <a:spcPts val="0"/>
               </a:spcBef>
               <a:spcAft>
                 <a:spcPts val="0"/>
               </a:spcAft>
-              <a:buClrTx/>
-              <a:buSzTx/>
-              <a:buFontTx/>
-              <a:buNone/>
-              <a:tabLst/>
-              <a:defRPr/>
             </a:pPr>
             <a:endParaRPr lang="en-US" sz="1800" kern="100" dirty="0">
               <a:effectLst/>
@@ -957,6 +864,177 @@
               <a:cs typeface="Times New Roman" panose="02020603050405020304" pitchFamily="18" charset="0"/>
             </a:endParaRPr>
           </a:p>
+          <a:p>
+            <a:pPr marL="0" marR="0">
+              <a:spcBef>
+                <a:spcPts val="0"/>
+              </a:spcBef>
+              <a:spcAft>
+                <a:spcPts val="0"/>
+              </a:spcAft>
+            </a:pPr>
+            <a:r>
+              <a:rPr lang="en-US" sz="1800" kern="100" dirty="0">
+                <a:effectLst/>
+                <a:latin typeface="Calibri" panose="020F0502020204030204" pitchFamily="34" charset="0"/>
+                <a:ea typeface="Calibri" panose="020F0502020204030204" pitchFamily="34" charset="0"/>
+                <a:cs typeface="Times New Roman" panose="02020603050405020304" pitchFamily="18" charset="0"/>
+              </a:rPr>
+              <a:t>But we don’t know what that Wuggle just said to Wiggle, because we don’t speak </a:t>
+            </a:r>
+            <a:r>
+              <a:rPr lang="en-US" sz="1800" kern="100" dirty="0" err="1">
+                <a:effectLst/>
+                <a:latin typeface="Calibri" panose="020F0502020204030204" pitchFamily="34" charset="0"/>
+                <a:ea typeface="Calibri" panose="020F0502020204030204" pitchFamily="34" charset="0"/>
+                <a:cs typeface="Times New Roman" panose="02020603050405020304" pitchFamily="18" charset="0"/>
+              </a:rPr>
+              <a:t>Wugglese</a:t>
+            </a:r>
+            <a:r>
+              <a:rPr lang="en-US" sz="1800" kern="100" dirty="0">
+                <a:effectLst/>
+                <a:latin typeface="Calibri" panose="020F0502020204030204" pitchFamily="34" charset="0"/>
+                <a:ea typeface="Calibri" panose="020F0502020204030204" pitchFamily="34" charset="0"/>
+                <a:cs typeface="Times New Roman" panose="02020603050405020304" pitchFamily="18" charset="0"/>
+              </a:rPr>
+              <a:t>!</a:t>
+            </a:r>
+          </a:p>
+          <a:p>
+            <a:pPr marL="0" marR="0">
+              <a:spcBef>
+                <a:spcPts val="0"/>
+              </a:spcBef>
+              <a:spcAft>
+                <a:spcPts val="0"/>
+              </a:spcAft>
+            </a:pPr>
+            <a:endParaRPr lang="en-US" sz="1800" kern="100" dirty="0">
+              <a:effectLst/>
+              <a:latin typeface="Calibri" panose="020F0502020204030204" pitchFamily="34" charset="0"/>
+              <a:ea typeface="Calibri" panose="020F0502020204030204" pitchFamily="34" charset="0"/>
+              <a:cs typeface="Times New Roman" panose="02020603050405020304" pitchFamily="18" charset="0"/>
+            </a:endParaRPr>
+          </a:p>
+          <a:p>
+            <a:pPr marL="0" marR="0">
+              <a:spcBef>
+                <a:spcPts val="0"/>
+              </a:spcBef>
+              <a:spcAft>
+                <a:spcPts val="0"/>
+              </a:spcAft>
+            </a:pPr>
+            <a:endParaRPr lang="en-US" sz="1800" kern="100" dirty="0">
+              <a:effectLst/>
+              <a:latin typeface="Calibri" panose="020F0502020204030204" pitchFamily="34" charset="0"/>
+              <a:ea typeface="Calibri" panose="020F0502020204030204" pitchFamily="34" charset="0"/>
+              <a:cs typeface="Times New Roman" panose="02020603050405020304" pitchFamily="18" charset="0"/>
+            </a:endParaRPr>
+          </a:p>
+          <a:p>
+            <a:endParaRPr lang="en-US" dirty="0"/>
+          </a:p>
+        </p:txBody>
+      </p:sp>
+      <p:sp>
+        <p:nvSpPr>
+          <p:cNvPr id="4" name="Slide Number Placeholder 3"/>
+          <p:cNvSpPr>
+            <a:spLocks noGrp="1"/>
+          </p:cNvSpPr>
+          <p:nvPr>
+            <p:ph type="sldNum" sz="quarter" idx="5"/>
+          </p:nvPr>
+        </p:nvSpPr>
+        <p:spPr/>
+        <p:txBody>
+          <a:bodyPr/>
+          <a:lstStyle/>
+          <a:p>
+            <a:fld id="{8A50A04F-63C2-3B49-B3BB-035920E5F412}" type="slidenum">
+              <a:rPr lang="en-US" smtClean="0"/>
+              <a:t>3</a:t>
+            </a:fld>
+            <a:endParaRPr lang="en-US"/>
+          </a:p>
+        </p:txBody>
+      </p:sp>
+    </p:spTree>
+    <p:extLst>
+      <p:ext uri="{BB962C8B-B14F-4D97-AF65-F5344CB8AC3E}">
+        <p14:creationId xmlns:p14="http://schemas.microsoft.com/office/powerpoint/2010/main" val="4148589089"/>
+      </p:ext>
+    </p:extLst>
+  </p:cSld>
+  <p:clrMapOvr>
+    <a:masterClrMapping/>
+  </p:clrMapOvr>
+</p:notes>
+</file>
+
+<file path=ppt/notesSlides/notesSlide4.xml><?xml version="1.0" encoding="utf-8"?>
+<p:notes xmlns:a="http://schemas.openxmlformats.org/drawingml/2006/main" xmlns:r="http://schemas.openxmlformats.org/officeDocument/2006/relationships" xmlns:p="http://schemas.openxmlformats.org/presentationml/2006/main">
+  <p:cSld>
+    <p:spTree>
+      <p:nvGrpSpPr>
+        <p:cNvPr id="1" name="">
+          <a:extLst>
+            <a:ext uri="{FF2B5EF4-FFF2-40B4-BE49-F238E27FC236}">
+              <a16:creationId xmlns:a16="http://schemas.microsoft.com/office/drawing/2014/main" id="{2513FFE6-93D9-6A38-4BE4-81AD50BD422C}"/>
+            </a:ext>
+          </a:extLst>
+        </p:cNvPr>
+        <p:cNvGrpSpPr/>
+        <p:nvPr/>
+      </p:nvGrpSpPr>
+      <p:grpSpPr>
+        <a:xfrm>
+          <a:off x="0" y="0"/>
+          <a:ext cx="0" cy="0"/>
+          <a:chOff x="0" y="0"/>
+          <a:chExt cx="0" cy="0"/>
+        </a:xfrm>
+      </p:grpSpPr>
+      <p:sp>
+        <p:nvSpPr>
+          <p:cNvPr id="2" name="Slide Image Placeholder 1">
+            <a:extLst>
+              <a:ext uri="{FF2B5EF4-FFF2-40B4-BE49-F238E27FC236}">
+                <a16:creationId xmlns:a16="http://schemas.microsoft.com/office/drawing/2014/main" id="{313A8EF1-AE0C-9CEE-0C2D-81113655E45E}"/>
+              </a:ext>
+            </a:extLst>
+          </p:cNvPr>
+          <p:cNvSpPr>
+            <a:spLocks noGrp="1" noRot="1" noChangeAspect="1"/>
+          </p:cNvSpPr>
+          <p:nvPr>
+            <p:ph type="sldImg"/>
+          </p:nvPr>
+        </p:nvSpPr>
+        <p:spPr/>
+      </p:sp>
+      <p:sp>
+        <p:nvSpPr>
+          <p:cNvPr id="3" name="Notes Placeholder 2">
+            <a:extLst>
+              <a:ext uri="{FF2B5EF4-FFF2-40B4-BE49-F238E27FC236}">
+                <a16:creationId xmlns:a16="http://schemas.microsoft.com/office/drawing/2014/main" id="{655B5C78-39BB-FD16-BBA0-72F827D4AB60}"/>
+              </a:ext>
+            </a:extLst>
+          </p:cNvPr>
+          <p:cNvSpPr>
+            <a:spLocks noGrp="1"/>
+          </p:cNvSpPr>
+          <p:nvPr>
+            <p:ph type="body" idx="1"/>
+          </p:nvPr>
+        </p:nvSpPr>
+        <p:spPr/>
+        <p:txBody>
+          <a:bodyPr/>
+          <a:lstStyle/>
           <a:p>
             <a:pPr marL="0" marR="0" lvl="0" indent="0" algn="l" defTabSz="914400" rtl="0" eaLnBrk="1" fontAlgn="auto" latinLnBrk="0" hangingPunct="1">
               <a:lnSpc>
@@ -982,23 +1060,20 @@
                 <a:ea typeface="Calibri" panose="020F0502020204030204" pitchFamily="34" charset="0"/>
                 <a:cs typeface="Times New Roman" panose="02020603050405020304" pitchFamily="18" charset="0"/>
               </a:rPr>
-              <a:t>And sometimes, this Wuggle # will be talking.</a:t>
-            </a:r>
-          </a:p>
-          <a:p>
-            <a:endParaRPr lang="en-US" dirty="0"/>
-          </a:p>
-          <a:p>
-            <a:r>
-              <a:rPr lang="en-US" dirty="0"/>
-              <a:t>#</a:t>
+              <a:t>So we need your help guessing what Wiggle will do next.</a:t>
             </a:r>
           </a:p>
         </p:txBody>
       </p:sp>
       <p:sp>
         <p:nvSpPr>
-          <p:cNvPr id="4" name="Slide Number Placeholder 3"/>
+          <p:cNvPr id="4" name="Slide Number Placeholder 3">
+            <a:extLst>
+              <a:ext uri="{FF2B5EF4-FFF2-40B4-BE49-F238E27FC236}">
+                <a16:creationId xmlns:a16="http://schemas.microsoft.com/office/drawing/2014/main" id="{918A3464-C237-3DE6-A9C3-2815CA78098B}"/>
+              </a:ext>
+            </a:extLst>
+          </p:cNvPr>
           <p:cNvSpPr>
             <a:spLocks noGrp="1"/>
           </p:cNvSpPr>
@@ -1013,7 +1088,7 @@
           <a:p>
             <a:fld id="{8A50A04F-63C2-3B49-B3BB-035920E5F412}" type="slidenum">
               <a:rPr lang="en-US" smtClean="0"/>
-              <a:t>3</a:t>
+              <a:t>4</a:t>
             </a:fld>
             <a:endParaRPr lang="en-US"/>
           </a:p>
@@ -1022,7 +1097,7 @@
     </p:spTree>
     <p:extLst>
       <p:ext uri="{BB962C8B-B14F-4D97-AF65-F5344CB8AC3E}">
-        <p14:creationId xmlns:p14="http://schemas.microsoft.com/office/powerpoint/2010/main" val="2941278299"/>
+        <p14:creationId xmlns:p14="http://schemas.microsoft.com/office/powerpoint/2010/main" val="2738066659"/>
       </p:ext>
     </p:extLst>
   </p:cSld>
@@ -1032,7 +1107,229 @@
 </p:notes>
 </file>
 
-<file path=ppt/notesSlides/notesSlide4.xml><?xml version="1.0" encoding="utf-8"?>
+<file path=ppt/notesSlides/notesSlide5.xml><?xml version="1.0" encoding="utf-8"?>
+<p:notes xmlns:a="http://schemas.openxmlformats.org/drawingml/2006/main" xmlns:r="http://schemas.openxmlformats.org/officeDocument/2006/relationships" xmlns:p="http://schemas.openxmlformats.org/presentationml/2006/main">
+  <p:cSld>
+    <p:spTree>
+      <p:nvGrpSpPr>
+        <p:cNvPr id="1" name="">
+          <a:extLst>
+            <a:ext uri="{FF2B5EF4-FFF2-40B4-BE49-F238E27FC236}">
+              <a16:creationId xmlns:a16="http://schemas.microsoft.com/office/drawing/2014/main" id="{5743CAC2-7C2B-36BA-8C0E-D6AB66B3C8E9}"/>
+            </a:ext>
+          </a:extLst>
+        </p:cNvPr>
+        <p:cNvGrpSpPr/>
+        <p:nvPr/>
+      </p:nvGrpSpPr>
+      <p:grpSpPr>
+        <a:xfrm>
+          <a:off x="0" y="0"/>
+          <a:ext cx="0" cy="0"/>
+          <a:chOff x="0" y="0"/>
+          <a:chExt cx="0" cy="0"/>
+        </a:xfrm>
+      </p:grpSpPr>
+      <p:sp>
+        <p:nvSpPr>
+          <p:cNvPr id="2" name="Slide Image Placeholder 1">
+            <a:extLst>
+              <a:ext uri="{FF2B5EF4-FFF2-40B4-BE49-F238E27FC236}">
+                <a16:creationId xmlns:a16="http://schemas.microsoft.com/office/drawing/2014/main" id="{29A0B9F9-683D-3A55-0AA6-2B0B13C49E3A}"/>
+              </a:ext>
+            </a:extLst>
+          </p:cNvPr>
+          <p:cNvSpPr>
+            <a:spLocks noGrp="1" noRot="1" noChangeAspect="1"/>
+          </p:cNvSpPr>
+          <p:nvPr>
+            <p:ph type="sldImg"/>
+          </p:nvPr>
+        </p:nvSpPr>
+        <p:spPr/>
+      </p:sp>
+      <p:sp>
+        <p:nvSpPr>
+          <p:cNvPr id="3" name="Notes Placeholder 2">
+            <a:extLst>
+              <a:ext uri="{FF2B5EF4-FFF2-40B4-BE49-F238E27FC236}">
+                <a16:creationId xmlns:a16="http://schemas.microsoft.com/office/drawing/2014/main" id="{6BBC74B5-CDC1-B2BA-73F6-2935D1B2DDCD}"/>
+              </a:ext>
+            </a:extLst>
+          </p:cNvPr>
+          <p:cNvSpPr>
+            <a:spLocks noGrp="1"/>
+          </p:cNvSpPr>
+          <p:nvPr>
+            <p:ph type="body" idx="1"/>
+          </p:nvPr>
+        </p:nvSpPr>
+        <p:spPr/>
+        <p:txBody>
+          <a:bodyPr/>
+          <a:lstStyle/>
+          <a:p>
+            <a:pPr marL="0" marR="0" lvl="0" indent="0" algn="l" defTabSz="914400" rtl="0" eaLnBrk="1" fontAlgn="auto" latinLnBrk="0" hangingPunct="1">
+              <a:lnSpc>
+                <a:spcPct val="100000"/>
+              </a:lnSpc>
+              <a:spcBef>
+                <a:spcPts val="0"/>
+              </a:spcBef>
+              <a:spcAft>
+                <a:spcPts val="0"/>
+              </a:spcAft>
+              <a:buClrTx/>
+              <a:buSzTx/>
+              <a:buFontTx/>
+              <a:buNone/>
+              <a:tabLst/>
+              <a:defRPr/>
+            </a:pPr>
+            <a:r>
+              <a:rPr lang="en-US" sz="1800" kern="100" dirty="0">
+                <a:effectLst/>
+                <a:latin typeface="Calibri" panose="020F0502020204030204" pitchFamily="34" charset="0"/>
+                <a:ea typeface="Calibri" panose="020F0502020204030204" pitchFamily="34" charset="0"/>
+                <a:cs typeface="Times New Roman" panose="02020603050405020304" pitchFamily="18" charset="0"/>
+              </a:rPr>
+              <a:t>In some pictures #, this </a:t>
+            </a:r>
+            <a:r>
+              <a:rPr lang="en-US" sz="1800" kern="100" dirty="0" err="1">
+                <a:effectLst/>
+                <a:latin typeface="Calibri" panose="020F0502020204030204" pitchFamily="34" charset="0"/>
+                <a:ea typeface="Calibri" panose="020F0502020204030204" pitchFamily="34" charset="0"/>
+                <a:cs typeface="Times New Roman" panose="02020603050405020304" pitchFamily="18" charset="0"/>
+              </a:rPr>
+              <a:t>wuggle</a:t>
+            </a:r>
+            <a:r>
+              <a:rPr lang="en-US" sz="1800" kern="100" dirty="0">
+                <a:effectLst/>
+                <a:latin typeface="Calibri" panose="020F0502020204030204" pitchFamily="34" charset="0"/>
+                <a:ea typeface="Calibri" panose="020F0502020204030204" pitchFamily="34" charset="0"/>
+                <a:cs typeface="Times New Roman" panose="02020603050405020304" pitchFamily="18" charset="0"/>
+              </a:rPr>
+              <a:t> will be talking to Wiggle.</a:t>
+            </a:r>
+          </a:p>
+          <a:p>
+            <a:pPr marL="0" marR="0" lvl="0" indent="0" algn="l" defTabSz="914400" rtl="0" eaLnBrk="1" fontAlgn="auto" latinLnBrk="0" hangingPunct="1">
+              <a:lnSpc>
+                <a:spcPct val="100000"/>
+              </a:lnSpc>
+              <a:spcBef>
+                <a:spcPts val="0"/>
+              </a:spcBef>
+              <a:spcAft>
+                <a:spcPts val="0"/>
+              </a:spcAft>
+              <a:buClrTx/>
+              <a:buSzTx/>
+              <a:buFontTx/>
+              <a:buNone/>
+              <a:tabLst/>
+              <a:defRPr/>
+            </a:pPr>
+            <a:endParaRPr lang="en-US" sz="1800" kern="100" dirty="0">
+              <a:effectLst/>
+              <a:latin typeface="Calibri" panose="020F0502020204030204" pitchFamily="34" charset="0"/>
+              <a:ea typeface="Calibri" panose="020F0502020204030204" pitchFamily="34" charset="0"/>
+              <a:cs typeface="Times New Roman" panose="02020603050405020304" pitchFamily="18" charset="0"/>
+            </a:endParaRPr>
+          </a:p>
+          <a:p>
+            <a:pPr marL="0" marR="0" lvl="0" indent="0" algn="l" defTabSz="914400" rtl="0" eaLnBrk="1" fontAlgn="auto" latinLnBrk="0" hangingPunct="1">
+              <a:lnSpc>
+                <a:spcPct val="100000"/>
+              </a:lnSpc>
+              <a:spcBef>
+                <a:spcPts val="0"/>
+              </a:spcBef>
+              <a:spcAft>
+                <a:spcPts val="0"/>
+              </a:spcAft>
+              <a:buClrTx/>
+              <a:buSzTx/>
+              <a:buFontTx/>
+              <a:buNone/>
+              <a:tabLst/>
+              <a:defRPr/>
+            </a:pPr>
+            <a:r>
+              <a:rPr lang="en-US" sz="1800" kern="100" dirty="0">
+                <a:effectLst/>
+                <a:latin typeface="Calibri" panose="020F0502020204030204" pitchFamily="34" charset="0"/>
+                <a:ea typeface="Calibri" panose="020F0502020204030204" pitchFamily="34" charset="0"/>
+                <a:cs typeface="Times New Roman" panose="02020603050405020304" pitchFamily="18" charset="0"/>
+              </a:rPr>
+              <a:t>And in other pictures #, this </a:t>
+            </a:r>
+            <a:r>
+              <a:rPr lang="en-US" sz="1800" kern="100" dirty="0" err="1">
+                <a:effectLst/>
+                <a:latin typeface="Calibri" panose="020F0502020204030204" pitchFamily="34" charset="0"/>
+                <a:ea typeface="Calibri" panose="020F0502020204030204" pitchFamily="34" charset="0"/>
+                <a:cs typeface="Times New Roman" panose="02020603050405020304" pitchFamily="18" charset="0"/>
+              </a:rPr>
+              <a:t>wuggle</a:t>
+            </a:r>
+            <a:r>
+              <a:rPr lang="en-US" sz="1800" kern="100" dirty="0">
+                <a:effectLst/>
+                <a:latin typeface="Calibri" panose="020F0502020204030204" pitchFamily="34" charset="0"/>
+                <a:ea typeface="Calibri" panose="020F0502020204030204" pitchFamily="34" charset="0"/>
+                <a:cs typeface="Times New Roman" panose="02020603050405020304" pitchFamily="18" charset="0"/>
+              </a:rPr>
+              <a:t> will be talking to Wiggle.</a:t>
+            </a:r>
+          </a:p>
+        </p:txBody>
+      </p:sp>
+      <p:sp>
+        <p:nvSpPr>
+          <p:cNvPr id="4" name="Slide Number Placeholder 3">
+            <a:extLst>
+              <a:ext uri="{FF2B5EF4-FFF2-40B4-BE49-F238E27FC236}">
+                <a16:creationId xmlns:a16="http://schemas.microsoft.com/office/drawing/2014/main" id="{90A31AD8-7948-5E31-CC36-6E1BFBF240F0}"/>
+              </a:ext>
+            </a:extLst>
+          </p:cNvPr>
+          <p:cNvSpPr>
+            <a:spLocks noGrp="1"/>
+          </p:cNvSpPr>
+          <p:nvPr>
+            <p:ph type="sldNum" sz="quarter" idx="5"/>
+          </p:nvPr>
+        </p:nvSpPr>
+        <p:spPr/>
+        <p:txBody>
+          <a:bodyPr/>
+          <a:lstStyle/>
+          <a:p>
+            <a:fld id="{8A50A04F-63C2-3B49-B3BB-035920E5F412}" type="slidenum">
+              <a:rPr lang="en-US" smtClean="0"/>
+              <a:t>5</a:t>
+            </a:fld>
+            <a:endParaRPr lang="en-US"/>
+          </a:p>
+        </p:txBody>
+      </p:sp>
+    </p:spTree>
+    <p:extLst>
+      <p:ext uri="{BB962C8B-B14F-4D97-AF65-F5344CB8AC3E}">
+        <p14:creationId xmlns:p14="http://schemas.microsoft.com/office/powerpoint/2010/main" val="1599233464"/>
+      </p:ext>
+    </p:extLst>
+  </p:cSld>
+  <p:clrMapOvr>
+    <a:masterClrMapping/>
+  </p:clrMapOvr>
+</p:notes>
+</file>
+
+<file path=ppt/notesSlides/notesSlide6.xml><?xml version="1.0" encoding="utf-8"?>
 <p:notes xmlns:a="http://schemas.openxmlformats.org/drawingml/2006/main" xmlns:r="http://schemas.openxmlformats.org/officeDocument/2006/relationships" xmlns:p="http://schemas.openxmlformats.org/presentationml/2006/main">
   <p:cSld>
     <p:spTree>
@@ -1076,166 +1373,19 @@
           <a:bodyPr/>
           <a:lstStyle/>
           <a:p>
-            <a:pPr marL="0" marR="0" lvl="0" indent="0" algn="l" defTabSz="914400" rtl="0" eaLnBrk="1" fontAlgn="auto" latinLnBrk="0" hangingPunct="1">
-              <a:lnSpc>
-                <a:spcPct val="100000"/>
-              </a:lnSpc>
-              <a:spcBef>
-                <a:spcPts val="0"/>
-              </a:spcBef>
-              <a:spcAft>
-                <a:spcPts val="0"/>
-              </a:spcAft>
-              <a:buClrTx/>
-              <a:buSzTx/>
-              <a:buFontTx/>
-              <a:buNone/>
-              <a:tabLst/>
-              <a:defRPr/>
-            </a:pPr>
             <a:r>
-              <a:rPr lang="en-US" sz="1800" kern="100" dirty="0">
-                <a:effectLst/>
-                <a:latin typeface="Calibri" panose="020F0502020204030204" pitchFamily="34" charset="0"/>
-                <a:ea typeface="Calibri" panose="020F0502020204030204" pitchFamily="34" charset="0"/>
-                <a:cs typeface="Times New Roman" panose="02020603050405020304" pitchFamily="18" charset="0"/>
-              </a:rPr>
-              <a:t>Sometimes, Wiggle’s face will look like this. #</a:t>
+              <a:rPr lang="en-US" dirty="0"/>
+              <a:t>In some pictures #, Wiggle’s face will look like this.</a:t>
             </a:r>
           </a:p>
           <a:p>
-            <a:pPr marL="0" marR="0" lvl="0" indent="0" algn="l" defTabSz="914400" rtl="0" eaLnBrk="1" fontAlgn="auto" latinLnBrk="0" hangingPunct="1">
-              <a:lnSpc>
-                <a:spcPct val="100000"/>
-              </a:lnSpc>
-              <a:spcBef>
-                <a:spcPts val="0"/>
-              </a:spcBef>
-              <a:spcAft>
-                <a:spcPts val="0"/>
-              </a:spcAft>
-              <a:buClrTx/>
-              <a:buSzTx/>
-              <a:buFontTx/>
-              <a:buNone/>
-              <a:tabLst/>
-              <a:defRPr/>
-            </a:pPr>
-            <a:endParaRPr lang="en-US" sz="1800" kern="100" dirty="0">
-              <a:effectLst/>
-              <a:latin typeface="Calibri" panose="020F0502020204030204" pitchFamily="34" charset="0"/>
-              <a:ea typeface="Calibri" panose="020F0502020204030204" pitchFamily="34" charset="0"/>
-              <a:cs typeface="Times New Roman" panose="02020603050405020304" pitchFamily="18" charset="0"/>
-            </a:endParaRPr>
-          </a:p>
-          <a:p>
-            <a:pPr marL="0" marR="0" lvl="0" indent="0" algn="l" defTabSz="914400" rtl="0" eaLnBrk="1" fontAlgn="auto" latinLnBrk="0" hangingPunct="1">
-              <a:lnSpc>
-                <a:spcPct val="100000"/>
-              </a:lnSpc>
-              <a:spcBef>
-                <a:spcPts val="0"/>
-              </a:spcBef>
-              <a:spcAft>
-                <a:spcPts val="0"/>
-              </a:spcAft>
-              <a:buClrTx/>
-              <a:buSzTx/>
-              <a:buFontTx/>
-              <a:buNone/>
-              <a:tabLst/>
-              <a:defRPr/>
-            </a:pPr>
+            <a:endParaRPr lang="en-US" dirty="0"/>
+          </a:p>
+          <a:p>
             <a:r>
-              <a:rPr lang="en-US" sz="1800" kern="100" dirty="0">
-                <a:effectLst/>
-                <a:latin typeface="Calibri" panose="020F0502020204030204" pitchFamily="34" charset="0"/>
-                <a:ea typeface="Calibri" panose="020F0502020204030204" pitchFamily="34" charset="0"/>
-                <a:cs typeface="Times New Roman" panose="02020603050405020304" pitchFamily="18" charset="0"/>
-              </a:rPr>
-              <a:t>And sometimes, Wiggle’s face will look like this. #</a:t>
+              <a:rPr lang="en-US" dirty="0"/>
+              <a:t>And in other pictures #, Wiggle’s face will look like this.</a:t>
             </a:r>
-          </a:p>
-          <a:p>
-            <a:pPr marL="0" marR="0" lvl="0" indent="0" algn="l" defTabSz="914400" rtl="0" eaLnBrk="1" fontAlgn="auto" latinLnBrk="0" hangingPunct="1">
-              <a:lnSpc>
-                <a:spcPct val="100000"/>
-              </a:lnSpc>
-              <a:spcBef>
-                <a:spcPts val="0"/>
-              </a:spcBef>
-              <a:spcAft>
-                <a:spcPts val="0"/>
-              </a:spcAft>
-              <a:buClrTx/>
-              <a:buSzTx/>
-              <a:buFontTx/>
-              <a:buNone/>
-              <a:tabLst/>
-              <a:defRPr/>
-            </a:pPr>
-            <a:endParaRPr lang="en-US" sz="1800" kern="100" dirty="0">
-              <a:effectLst/>
-              <a:latin typeface="Calibri" panose="020F0502020204030204" pitchFamily="34" charset="0"/>
-              <a:ea typeface="Calibri" panose="020F0502020204030204" pitchFamily="34" charset="0"/>
-              <a:cs typeface="Times New Roman" panose="02020603050405020304" pitchFamily="18" charset="0"/>
-            </a:endParaRPr>
-          </a:p>
-          <a:p>
-            <a:pPr marL="0" marR="0" lvl="0" indent="0" algn="l" defTabSz="914400" rtl="0" eaLnBrk="1" fontAlgn="auto" latinLnBrk="0" hangingPunct="1">
-              <a:lnSpc>
-                <a:spcPct val="100000"/>
-              </a:lnSpc>
-              <a:spcBef>
-                <a:spcPts val="0"/>
-              </a:spcBef>
-              <a:spcAft>
-                <a:spcPts val="0"/>
-              </a:spcAft>
-              <a:buClrTx/>
-              <a:buSzTx/>
-              <a:buFontTx/>
-              <a:buNone/>
-              <a:tabLst/>
-              <a:defRPr/>
-            </a:pPr>
-            <a:r>
-              <a:rPr lang="en-US" sz="1800" kern="100" dirty="0">
-                <a:effectLst/>
-                <a:latin typeface="Calibri" panose="020F0502020204030204" pitchFamily="34" charset="0"/>
-                <a:ea typeface="Calibri" panose="020F0502020204030204" pitchFamily="34" charset="0"/>
-                <a:cs typeface="Times New Roman" panose="02020603050405020304" pitchFamily="18" charset="0"/>
-              </a:rPr>
-              <a:t>#</a:t>
-            </a:r>
-          </a:p>
-          <a:p>
-            <a:pPr marL="0" marR="0" lvl="0" indent="0" algn="l" defTabSz="914400" rtl="0" eaLnBrk="1" fontAlgn="auto" latinLnBrk="0" hangingPunct="1">
-              <a:lnSpc>
-                <a:spcPct val="100000"/>
-              </a:lnSpc>
-              <a:spcBef>
-                <a:spcPts val="0"/>
-              </a:spcBef>
-              <a:spcAft>
-                <a:spcPts val="0"/>
-              </a:spcAft>
-              <a:buClrTx/>
-              <a:buSzTx/>
-              <a:buFontTx/>
-              <a:buNone/>
-              <a:tabLst/>
-              <a:defRPr/>
-            </a:pPr>
-            <a:endParaRPr lang="en-US" sz="1800" kern="100" dirty="0">
-              <a:effectLst/>
-              <a:latin typeface="Calibri" panose="020F0502020204030204" pitchFamily="34" charset="0"/>
-              <a:ea typeface="Calibri" panose="020F0502020204030204" pitchFamily="34" charset="0"/>
-              <a:cs typeface="Times New Roman" panose="02020603050405020304" pitchFamily="18" charset="0"/>
-            </a:endParaRPr>
-          </a:p>
-          <a:p>
-            <a:endParaRPr lang="en-US" dirty="0"/>
           </a:p>
         </p:txBody>
       </p:sp>
@@ -1256,7 +1406,7 @@
           <a:p>
             <a:fld id="{8A50A04F-63C2-3B49-B3BB-035920E5F412}" type="slidenum">
               <a:rPr lang="en-US" smtClean="0"/>
-              <a:t>4</a:t>
+              <a:t>6</a:t>
             </a:fld>
             <a:endParaRPr lang="en-US"/>
           </a:p>
@@ -1265,7 +1415,7 @@
     </p:spTree>
     <p:extLst>
       <p:ext uri="{BB962C8B-B14F-4D97-AF65-F5344CB8AC3E}">
-        <p14:creationId xmlns:p14="http://schemas.microsoft.com/office/powerpoint/2010/main" val="2854257631"/>
+        <p14:creationId xmlns:p14="http://schemas.microsoft.com/office/powerpoint/2010/main" val="1571900768"/>
       </p:ext>
     </p:extLst>
   </p:cSld>
@@ -1275,12 +1425,18 @@
 </p:notes>
 </file>
 
-<file path=ppt/notesSlides/notesSlide5.xml><?xml version="1.0" encoding="utf-8"?>
+<file path=ppt/notesSlides/notesSlide7.xml><?xml version="1.0" encoding="utf-8"?>
 <p:notes xmlns:a="http://schemas.openxmlformats.org/drawingml/2006/main" xmlns:r="http://schemas.openxmlformats.org/officeDocument/2006/relationships" xmlns:p="http://schemas.openxmlformats.org/presentationml/2006/main">
   <p:cSld>
     <p:spTree>
       <p:nvGrpSpPr>
-        <p:cNvPr id="1" name=""/>
+        <p:cNvPr id="1" name="">
+          <a:extLst>
+            <a:ext uri="{FF2B5EF4-FFF2-40B4-BE49-F238E27FC236}">
+              <a16:creationId xmlns:a16="http://schemas.microsoft.com/office/drawing/2014/main" id="{33A7F2C1-DA7F-A634-B285-966CE156417A}"/>
+            </a:ext>
+          </a:extLst>
+        </p:cNvPr>
         <p:cNvGrpSpPr/>
         <p:nvPr/>
       </p:nvGrpSpPr>
@@ -1294,7 +1450,13 @@
       </p:grpSpPr>
       <p:sp>
         <p:nvSpPr>
-          <p:cNvPr id="2" name="Slide Image Placeholder 1"/>
+          <p:cNvPr id="2" name="Slide Image Placeholder 1">
+            <a:extLst>
+              <a:ext uri="{FF2B5EF4-FFF2-40B4-BE49-F238E27FC236}">
+                <a16:creationId xmlns:a16="http://schemas.microsoft.com/office/drawing/2014/main" id="{2D69E06E-5828-051E-6ADC-FD14EB839840}"/>
+              </a:ext>
+            </a:extLst>
+          </p:cNvPr>
           <p:cNvSpPr>
             <a:spLocks noGrp="1" noRot="1" noChangeAspect="1"/>
           </p:cNvSpPr>
@@ -1306,7 +1468,13 @@
       </p:sp>
       <p:sp>
         <p:nvSpPr>
-          <p:cNvPr id="3" name="Notes Placeholder 2"/>
+          <p:cNvPr id="3" name="Notes Placeholder 2">
+            <a:extLst>
+              <a:ext uri="{FF2B5EF4-FFF2-40B4-BE49-F238E27FC236}">
+                <a16:creationId xmlns:a16="http://schemas.microsoft.com/office/drawing/2014/main" id="{3382C4D5-7F36-E622-8B34-71DEEA1F5548}"/>
+              </a:ext>
+            </a:extLst>
+          </p:cNvPr>
           <p:cNvSpPr>
             <a:spLocks noGrp="1"/>
           </p:cNvSpPr>
@@ -1319,22 +1487,13 @@
           <a:bodyPr/>
           <a:lstStyle/>
           <a:p>
-            <a:pPr marL="0" marR="0" lvl="0" indent="0" algn="l" defTabSz="914400" rtl="0" eaLnBrk="1" fontAlgn="auto" latinLnBrk="0" hangingPunct="1">
-              <a:lnSpc>
-                <a:spcPct val="100000"/>
-              </a:lnSpc>
+            <a:pPr marL="0" marR="0">
               <a:spcBef>
                 <a:spcPts val="0"/>
               </a:spcBef>
               <a:spcAft>
                 <a:spcPts val="0"/>
               </a:spcAft>
-              <a:buClrTx/>
-              <a:buSzTx/>
-              <a:buFontTx/>
-              <a:buNone/>
-              <a:tabLst/>
-              <a:defRPr/>
             </a:pPr>
             <a:r>
               <a:rPr lang="en-US" sz="1800" kern="100" dirty="0">
@@ -1343,7 +1502,156 @@
                 <a:ea typeface="Calibri" panose="020F0502020204030204" pitchFamily="34" charset="0"/>
                 <a:cs typeface="Times New Roman" panose="02020603050405020304" pitchFamily="18" charset="0"/>
               </a:rPr>
-              <a:t>Your job in this game is to figure out what Wiggle will do next in each kind of picture. </a:t>
+              <a:t>After each picture #, there are four different things Wiggle might do.</a:t>
+            </a:r>
+          </a:p>
+          <a:p>
+            <a:pPr marL="0" marR="0">
+              <a:spcBef>
+                <a:spcPts val="0"/>
+              </a:spcBef>
+              <a:spcAft>
+                <a:spcPts val="0"/>
+              </a:spcAft>
+            </a:pPr>
+            <a:endParaRPr lang="en-US" sz="1800" kern="100" dirty="0">
+              <a:effectLst/>
+              <a:latin typeface="Calibri" panose="020F0502020204030204" pitchFamily="34" charset="0"/>
+              <a:ea typeface="Calibri" panose="020F0502020204030204" pitchFamily="34" charset="0"/>
+              <a:cs typeface="Times New Roman" panose="02020603050405020304" pitchFamily="18" charset="0"/>
+            </a:endParaRPr>
+          </a:p>
+          <a:p>
+            <a:pPr marL="0" marR="0">
+              <a:spcBef>
+                <a:spcPts val="0"/>
+              </a:spcBef>
+              <a:spcAft>
+                <a:spcPts val="0"/>
+              </a:spcAft>
+            </a:pPr>
+            <a:r>
+              <a:rPr lang="en-US" sz="1800" kern="100" dirty="0">
+                <a:effectLst/>
+                <a:latin typeface="Calibri" panose="020F0502020204030204" pitchFamily="34" charset="0"/>
+                <a:ea typeface="Calibri" panose="020F0502020204030204" pitchFamily="34" charset="0"/>
+                <a:cs typeface="Times New Roman" panose="02020603050405020304" pitchFamily="18" charset="0"/>
+              </a:rPr>
+              <a:t># Wiggle might hug the other Wuggle.</a:t>
+            </a:r>
+          </a:p>
+          <a:p>
+            <a:pPr marL="0" marR="0">
+              <a:spcBef>
+                <a:spcPts val="0"/>
+              </a:spcBef>
+              <a:spcAft>
+                <a:spcPts val="0"/>
+              </a:spcAft>
+            </a:pPr>
+            <a:r>
+              <a:rPr lang="en-US" sz="1800" kern="100" dirty="0">
+                <a:effectLst/>
+                <a:latin typeface="Calibri" panose="020F0502020204030204" pitchFamily="34" charset="0"/>
+                <a:ea typeface="Calibri" panose="020F0502020204030204" pitchFamily="34" charset="0"/>
+                <a:cs typeface="Times New Roman" panose="02020603050405020304" pitchFamily="18" charset="0"/>
+              </a:rPr>
+              <a:t> </a:t>
+            </a:r>
+          </a:p>
+          <a:p>
+            <a:pPr marL="0" marR="0">
+              <a:spcBef>
+                <a:spcPts val="0"/>
+              </a:spcBef>
+              <a:spcAft>
+                <a:spcPts val="0"/>
+              </a:spcAft>
+            </a:pPr>
+            <a:r>
+              <a:rPr lang="en-US" sz="1800" kern="100" dirty="0">
+                <a:effectLst/>
+                <a:latin typeface="Calibri" panose="020F0502020204030204" pitchFamily="34" charset="0"/>
+                <a:ea typeface="Calibri" panose="020F0502020204030204" pitchFamily="34" charset="0"/>
+                <a:cs typeface="Times New Roman" panose="02020603050405020304" pitchFamily="18" charset="0"/>
+              </a:rPr>
+              <a:t># Or he might jump up and down.</a:t>
+            </a:r>
+          </a:p>
+          <a:p>
+            <a:pPr marL="0" marR="0">
+              <a:spcBef>
+                <a:spcPts val="0"/>
+              </a:spcBef>
+              <a:spcAft>
+                <a:spcPts val="0"/>
+              </a:spcAft>
+            </a:pPr>
+            <a:r>
+              <a:rPr lang="en-US" sz="1800" kern="100" dirty="0">
+                <a:effectLst/>
+                <a:latin typeface="Calibri" panose="020F0502020204030204" pitchFamily="34" charset="0"/>
+                <a:ea typeface="Calibri" panose="020F0502020204030204" pitchFamily="34" charset="0"/>
+                <a:cs typeface="Times New Roman" panose="02020603050405020304" pitchFamily="18" charset="0"/>
+              </a:rPr>
+              <a:t> </a:t>
+            </a:r>
+          </a:p>
+          <a:p>
+            <a:pPr marL="0" marR="0">
+              <a:spcBef>
+                <a:spcPts val="0"/>
+              </a:spcBef>
+              <a:spcAft>
+                <a:spcPts val="0"/>
+              </a:spcAft>
+            </a:pPr>
+            <a:r>
+              <a:rPr lang="en-US" sz="1800" kern="100" dirty="0">
+                <a:effectLst/>
+                <a:latin typeface="Calibri" panose="020F0502020204030204" pitchFamily="34" charset="0"/>
+                <a:ea typeface="Calibri" panose="020F0502020204030204" pitchFamily="34" charset="0"/>
+                <a:cs typeface="Times New Roman" panose="02020603050405020304" pitchFamily="18" charset="0"/>
+              </a:rPr>
+              <a:t># Or he might laugh.</a:t>
+            </a:r>
+          </a:p>
+          <a:p>
+            <a:pPr marL="0" marR="0">
+              <a:spcBef>
+                <a:spcPts val="0"/>
+              </a:spcBef>
+              <a:spcAft>
+                <a:spcPts val="0"/>
+              </a:spcAft>
+            </a:pPr>
+            <a:r>
+              <a:rPr lang="en-US" sz="1800" kern="100" dirty="0">
+                <a:effectLst/>
+                <a:latin typeface="Calibri" panose="020F0502020204030204" pitchFamily="34" charset="0"/>
+                <a:ea typeface="Calibri" panose="020F0502020204030204" pitchFamily="34" charset="0"/>
+                <a:cs typeface="Times New Roman" panose="02020603050405020304" pitchFamily="18" charset="0"/>
+              </a:rPr>
+              <a:t> </a:t>
+            </a:r>
+          </a:p>
+          <a:p>
+            <a:pPr marL="0" marR="0">
+              <a:spcBef>
+                <a:spcPts val="0"/>
+              </a:spcBef>
+              <a:spcAft>
+                <a:spcPts val="0"/>
+              </a:spcAft>
+            </a:pPr>
+            <a:r>
+              <a:rPr lang="en-US" sz="1800" kern="100" dirty="0">
+                <a:effectLst/>
+                <a:latin typeface="Calibri" panose="020F0502020204030204" pitchFamily="34" charset="0"/>
+                <a:ea typeface="Calibri" panose="020F0502020204030204" pitchFamily="34" charset="0"/>
+                <a:cs typeface="Times New Roman" panose="02020603050405020304" pitchFamily="18" charset="0"/>
+              </a:rPr>
+              <a:t># Or he might say thank you to the other Wuggle.</a:t>
             </a:r>
           </a:p>
           <a:p>
@@ -1353,7 +1661,13 @@
       </p:sp>
       <p:sp>
         <p:nvSpPr>
-          <p:cNvPr id="4" name="Slide Number Placeholder 3"/>
+          <p:cNvPr id="4" name="Slide Number Placeholder 3">
+            <a:extLst>
+              <a:ext uri="{FF2B5EF4-FFF2-40B4-BE49-F238E27FC236}">
+                <a16:creationId xmlns:a16="http://schemas.microsoft.com/office/drawing/2014/main" id="{B288D33E-4486-A3DF-233E-DC847BEBEC55}"/>
+              </a:ext>
+            </a:extLst>
+          </p:cNvPr>
           <p:cNvSpPr>
             <a:spLocks noGrp="1"/>
           </p:cNvSpPr>
@@ -1368,7 +1682,7 @@
           <a:p>
             <a:fld id="{8A50A04F-63C2-3B49-B3BB-035920E5F412}" type="slidenum">
               <a:rPr lang="en-US" smtClean="0"/>
-              <a:t>5</a:t>
+              <a:t>7</a:t>
             </a:fld>
             <a:endParaRPr lang="en-US"/>
           </a:p>
@@ -1377,7 +1691,134 @@
     </p:spTree>
     <p:extLst>
       <p:ext uri="{BB962C8B-B14F-4D97-AF65-F5344CB8AC3E}">
-        <p14:creationId xmlns:p14="http://schemas.microsoft.com/office/powerpoint/2010/main" val="1571900768"/>
+        <p14:creationId xmlns:p14="http://schemas.microsoft.com/office/powerpoint/2010/main" val="1900093139"/>
+      </p:ext>
+    </p:extLst>
+  </p:cSld>
+  <p:clrMapOvr>
+    <a:masterClrMapping/>
+  </p:clrMapOvr>
+</p:notes>
+</file>
+
+<file path=ppt/notesSlides/notesSlide8.xml><?xml version="1.0" encoding="utf-8"?>
+<p:notes xmlns:a="http://schemas.openxmlformats.org/drawingml/2006/main" xmlns:r="http://schemas.openxmlformats.org/officeDocument/2006/relationships" xmlns:p="http://schemas.openxmlformats.org/presentationml/2006/main">
+  <p:cSld>
+    <p:spTree>
+      <p:nvGrpSpPr>
+        <p:cNvPr id="1" name="">
+          <a:extLst>
+            <a:ext uri="{FF2B5EF4-FFF2-40B4-BE49-F238E27FC236}">
+              <a16:creationId xmlns:a16="http://schemas.microsoft.com/office/drawing/2014/main" id="{E188A3A8-3910-C86E-90EF-8123B3A15E2E}"/>
+            </a:ext>
+          </a:extLst>
+        </p:cNvPr>
+        <p:cNvGrpSpPr/>
+        <p:nvPr/>
+      </p:nvGrpSpPr>
+      <p:grpSpPr>
+        <a:xfrm>
+          <a:off x="0" y="0"/>
+          <a:ext cx="0" cy="0"/>
+          <a:chOff x="0" y="0"/>
+          <a:chExt cx="0" cy="0"/>
+        </a:xfrm>
+      </p:grpSpPr>
+      <p:sp>
+        <p:nvSpPr>
+          <p:cNvPr id="2" name="Slide Image Placeholder 1">
+            <a:extLst>
+              <a:ext uri="{FF2B5EF4-FFF2-40B4-BE49-F238E27FC236}">
+                <a16:creationId xmlns:a16="http://schemas.microsoft.com/office/drawing/2014/main" id="{17A86D0D-EE29-7EF5-594F-4DB8E75DCF5C}"/>
+              </a:ext>
+            </a:extLst>
+          </p:cNvPr>
+          <p:cNvSpPr>
+            <a:spLocks noGrp="1" noRot="1" noChangeAspect="1"/>
+          </p:cNvSpPr>
+          <p:nvPr>
+            <p:ph type="sldImg"/>
+          </p:nvPr>
+        </p:nvSpPr>
+        <p:spPr/>
+      </p:sp>
+      <p:sp>
+        <p:nvSpPr>
+          <p:cNvPr id="3" name="Notes Placeholder 2">
+            <a:extLst>
+              <a:ext uri="{FF2B5EF4-FFF2-40B4-BE49-F238E27FC236}">
+                <a16:creationId xmlns:a16="http://schemas.microsoft.com/office/drawing/2014/main" id="{8E6DEE0A-7FD9-9B7F-AF89-208659BB2CAE}"/>
+              </a:ext>
+            </a:extLst>
+          </p:cNvPr>
+          <p:cNvSpPr>
+            <a:spLocks noGrp="1"/>
+          </p:cNvSpPr>
+          <p:nvPr>
+            <p:ph type="body" idx="1"/>
+          </p:nvPr>
+        </p:nvSpPr>
+        <p:spPr/>
+        <p:txBody>
+          <a:bodyPr/>
+          <a:lstStyle/>
+          <a:p>
+            <a:pPr marL="0" marR="0">
+              <a:spcBef>
+                <a:spcPts val="0"/>
+              </a:spcBef>
+              <a:spcAft>
+                <a:spcPts val="0"/>
+              </a:spcAft>
+            </a:pPr>
+            <a:r>
+              <a:rPr lang="en-US" sz="1800" kern="100" dirty="0">
+                <a:effectLst/>
+                <a:latin typeface="Calibri" panose="020F0502020204030204" pitchFamily="34" charset="0"/>
+                <a:ea typeface="Calibri" panose="020F0502020204030204" pitchFamily="34" charset="0"/>
+                <a:cs typeface="Times New Roman" panose="02020603050405020304" pitchFamily="18" charset="0"/>
+              </a:rPr>
+              <a:t>In the game, you’ll have to guess which of these four things Wiggle will do next after each kind of picture.</a:t>
+            </a:r>
+          </a:p>
+          <a:p>
+            <a:endParaRPr lang="en-US" dirty="0"/>
+          </a:p>
+        </p:txBody>
+      </p:sp>
+      <p:sp>
+        <p:nvSpPr>
+          <p:cNvPr id="4" name="Slide Number Placeholder 3">
+            <a:extLst>
+              <a:ext uri="{FF2B5EF4-FFF2-40B4-BE49-F238E27FC236}">
+                <a16:creationId xmlns:a16="http://schemas.microsoft.com/office/drawing/2014/main" id="{1691C1BC-FD9C-B356-AD54-26BA9E6E4E3D}"/>
+              </a:ext>
+            </a:extLst>
+          </p:cNvPr>
+          <p:cNvSpPr>
+            <a:spLocks noGrp="1"/>
+          </p:cNvSpPr>
+          <p:nvPr>
+            <p:ph type="sldNum" sz="quarter" idx="5"/>
+          </p:nvPr>
+        </p:nvSpPr>
+        <p:spPr/>
+        <p:txBody>
+          <a:bodyPr/>
+          <a:lstStyle/>
+          <a:p>
+            <a:fld id="{8A50A04F-63C2-3B49-B3BB-035920E5F412}" type="slidenum">
+              <a:rPr lang="en-US" smtClean="0"/>
+              <a:t>8</a:t>
+            </a:fld>
+            <a:endParaRPr lang="en-US"/>
+          </a:p>
+        </p:txBody>
+      </p:sp>
+    </p:spTree>
+    <p:extLst>
+      <p:ext uri="{BB962C8B-B14F-4D97-AF65-F5344CB8AC3E}">
+        <p14:creationId xmlns:p14="http://schemas.microsoft.com/office/powerpoint/2010/main" val="584711481"/>
       </p:ext>
     </p:extLst>
   </p:cSld>
@@ -1534,7 +1975,7 @@
           <a:p>
             <a:fld id="{2415141E-95FB-4542-99E2-621C753B75D2}" type="datetimeFigureOut">
               <a:rPr lang="en-US" smtClean="0"/>
-              <a:t>1/30/24</a:t>
+              <a:t>2/5/24</a:t>
             </a:fld>
             <a:endParaRPr lang="en-US"/>
           </a:p>
@@ -1732,7 +2173,7 @@
           <a:p>
             <a:fld id="{2415141E-95FB-4542-99E2-621C753B75D2}" type="datetimeFigureOut">
               <a:rPr lang="en-US" smtClean="0"/>
-              <a:t>1/30/24</a:t>
+              <a:t>2/5/24</a:t>
             </a:fld>
             <a:endParaRPr lang="en-US"/>
           </a:p>
@@ -1940,7 +2381,7 @@
           <a:p>
             <a:fld id="{2415141E-95FB-4542-99E2-621C753B75D2}" type="datetimeFigureOut">
               <a:rPr lang="en-US" smtClean="0"/>
-              <a:t>1/30/24</a:t>
+              <a:t>2/5/24</a:t>
             </a:fld>
             <a:endParaRPr lang="en-US"/>
           </a:p>
@@ -2138,7 +2579,7 @@
           <a:p>
             <a:fld id="{2415141E-95FB-4542-99E2-621C753B75D2}" type="datetimeFigureOut">
               <a:rPr lang="en-US" smtClean="0"/>
-              <a:t>1/30/24</a:t>
+              <a:t>2/5/24</a:t>
             </a:fld>
             <a:endParaRPr lang="en-US"/>
           </a:p>
@@ -2413,7 +2854,7 @@
           <a:p>
             <a:fld id="{2415141E-95FB-4542-99E2-621C753B75D2}" type="datetimeFigureOut">
               <a:rPr lang="en-US" smtClean="0"/>
-              <a:t>1/30/24</a:t>
+              <a:t>2/5/24</a:t>
             </a:fld>
             <a:endParaRPr lang="en-US"/>
           </a:p>
@@ -2678,7 +3119,7 @@
           <a:p>
             <a:fld id="{2415141E-95FB-4542-99E2-621C753B75D2}" type="datetimeFigureOut">
               <a:rPr lang="en-US" smtClean="0"/>
-              <a:t>1/30/24</a:t>
+              <a:t>2/5/24</a:t>
             </a:fld>
             <a:endParaRPr lang="en-US"/>
           </a:p>
@@ -3090,7 +3531,7 @@
           <a:p>
             <a:fld id="{2415141E-95FB-4542-99E2-621C753B75D2}" type="datetimeFigureOut">
               <a:rPr lang="en-US" smtClean="0"/>
-              <a:t>1/30/24</a:t>
+              <a:t>2/5/24</a:t>
             </a:fld>
             <a:endParaRPr lang="en-US"/>
           </a:p>
@@ -3231,7 +3672,7 @@
           <a:p>
             <a:fld id="{2415141E-95FB-4542-99E2-621C753B75D2}" type="datetimeFigureOut">
               <a:rPr lang="en-US" smtClean="0"/>
-              <a:t>1/30/24</a:t>
+              <a:t>2/5/24</a:t>
             </a:fld>
             <a:endParaRPr lang="en-US"/>
           </a:p>
@@ -3344,7 +3785,7 @@
           <a:p>
             <a:fld id="{2415141E-95FB-4542-99E2-621C753B75D2}" type="datetimeFigureOut">
               <a:rPr lang="en-US" smtClean="0"/>
-              <a:t>1/30/24</a:t>
+              <a:t>2/5/24</a:t>
             </a:fld>
             <a:endParaRPr lang="en-US"/>
           </a:p>
@@ -3655,7 +4096,7 @@
           <a:p>
             <a:fld id="{2415141E-95FB-4542-99E2-621C753B75D2}" type="datetimeFigureOut">
               <a:rPr lang="en-US" smtClean="0"/>
-              <a:t>1/30/24</a:t>
+              <a:t>2/5/24</a:t>
             </a:fld>
             <a:endParaRPr lang="en-US"/>
           </a:p>
@@ -3943,7 +4384,7 @@
           <a:p>
             <a:fld id="{2415141E-95FB-4542-99E2-621C753B75D2}" type="datetimeFigureOut">
               <a:rPr lang="en-US" smtClean="0"/>
-              <a:t>1/30/24</a:t>
+              <a:t>2/5/24</a:t>
             </a:fld>
             <a:endParaRPr lang="en-US"/>
           </a:p>
@@ -4184,7 +4625,7 @@
           <a:p>
             <a:fld id="{2415141E-95FB-4542-99E2-621C753B75D2}" type="datetimeFigureOut">
               <a:rPr lang="en-US" smtClean="0"/>
-              <a:t>1/30/24</a:t>
+              <a:t>2/5/24</a:t>
             </a:fld>
             <a:endParaRPr lang="en-US"/>
           </a:p>
@@ -4589,13 +5030,7 @@
   <p:cSld>
     <p:spTree>
       <p:nvGrpSpPr>
-        <p:cNvPr id="1" name="">
-          <a:extLst>
-            <a:ext uri="{FF2B5EF4-FFF2-40B4-BE49-F238E27FC236}">
-              <a16:creationId xmlns:a16="http://schemas.microsoft.com/office/drawing/2014/main" id="{93262C7A-060F-B3CF-C06A-1017872B3883}"/>
-            </a:ext>
-          </a:extLst>
-        </p:cNvPr>
+        <p:cNvPr id="1" name=""/>
         <p:cNvGrpSpPr/>
         <p:nvPr/>
       </p:nvGrpSpPr>
@@ -4609,126 +5044,57 @@
       </p:grpSpPr>
       <p:pic>
         <p:nvPicPr>
-          <p:cNvPr id="5" name="Picture 4">
-            <a:extLst>
-              <a:ext uri="{FF2B5EF4-FFF2-40B4-BE49-F238E27FC236}">
-                <a16:creationId xmlns:a16="http://schemas.microsoft.com/office/drawing/2014/main" id="{62CC6C51-99FF-E342-A948-BA2DFD36893A}"/>
+          <p:cNvPr id="1026" name="Picture 2">
+            <a:extLst>
+              <a:ext uri="{FF2B5EF4-FFF2-40B4-BE49-F238E27FC236}">
+                <a16:creationId xmlns:a16="http://schemas.microsoft.com/office/drawing/2014/main" id="{C13FC789-AC39-D76E-008A-C213319FCCCF}"/>
               </a:ext>
             </a:extLst>
           </p:cNvPr>
           <p:cNvPicPr>
-            <a:picLocks noChangeAspect="1"/>
+            <a:picLocks noChangeAspect="1" noChangeArrowheads="1"/>
           </p:cNvPicPr>
           <p:nvPr/>
         </p:nvPicPr>
         <p:blipFill>
-          <a:blip r:embed="rId5"/>
+          <a:blip r:embed="rId5">
+            <a:extLst>
+              <a:ext uri="{28A0092B-C50C-407E-A947-70E740481C1C}">
+                <a14:useLocalDpi xmlns:a14="http://schemas.microsoft.com/office/drawing/2010/main" val="0"/>
+              </a:ext>
+            </a:extLst>
+          </a:blip>
           <a:srcRect/>
-          <a:stretch/>
+          <a:stretch>
+            <a:fillRect/>
+          </a:stretch>
         </p:blipFill>
-        <p:spPr>
+        <p:spPr bwMode="auto">
           <a:xfrm>
-            <a:off x="317500" y="357415"/>
-            <a:ext cx="2743200" cy="2743200"/>
+            <a:off x="2921000" y="1212850"/>
+            <a:ext cx="6350000" cy="4432300"/>
           </a:xfrm>
           <a:prstGeom prst="rect">
             <a:avLst/>
           </a:prstGeom>
+          <a:noFill/>
+          <a:extLst>
+            <a:ext uri="{909E8E84-426E-40DD-AFC4-6F175D3DCCD1}">
+              <a14:hiddenFill xmlns:a14="http://schemas.microsoft.com/office/drawing/2010/main">
+                <a:solidFill>
+                  <a:srgbClr val="FFFFFF"/>
+                </a:solidFill>
+              </a14:hiddenFill>
+            </a:ext>
+          </a:extLst>
         </p:spPr>
       </p:pic>
       <p:pic>
         <p:nvPicPr>
-          <p:cNvPr id="34" name="Picture 33">
-            <a:extLst>
-              <a:ext uri="{FF2B5EF4-FFF2-40B4-BE49-F238E27FC236}">
-                <a16:creationId xmlns:a16="http://schemas.microsoft.com/office/drawing/2014/main" id="{4B3845DF-DD1A-5D01-8E1A-BEAC9D36F589}"/>
-              </a:ext>
-            </a:extLst>
-          </p:cNvPr>
-          <p:cNvPicPr>
-            <a:picLocks noChangeAspect="1"/>
-          </p:cNvPicPr>
-          <p:nvPr/>
-        </p:nvPicPr>
-        <p:blipFill>
-          <a:blip r:embed="rId6"/>
-          <a:srcRect/>
-          <a:stretch/>
-        </p:blipFill>
-        <p:spPr>
-          <a:xfrm>
-            <a:off x="6605814" y="357415"/>
-            <a:ext cx="2743200" cy="2743200"/>
-          </a:xfrm>
-          <a:prstGeom prst="rect">
-            <a:avLst/>
-          </a:prstGeom>
-        </p:spPr>
-      </p:pic>
-      <p:pic>
-        <p:nvPicPr>
-          <p:cNvPr id="30" name="Picture 29">
-            <a:extLst>
-              <a:ext uri="{FF2B5EF4-FFF2-40B4-BE49-F238E27FC236}">
-                <a16:creationId xmlns:a16="http://schemas.microsoft.com/office/drawing/2014/main" id="{3944D1D7-AB00-BBBB-8C64-CDB71EB26532}"/>
-              </a:ext>
-            </a:extLst>
-          </p:cNvPr>
-          <p:cNvPicPr>
-            <a:picLocks noChangeAspect="1"/>
-          </p:cNvPicPr>
-          <p:nvPr/>
-        </p:nvPicPr>
-        <p:blipFill>
-          <a:blip r:embed="rId7"/>
-          <a:srcRect/>
-          <a:stretch/>
-        </p:blipFill>
-        <p:spPr>
-          <a:xfrm>
-            <a:off x="317500" y="3757386"/>
-            <a:ext cx="2743200" cy="2743200"/>
-          </a:xfrm>
-          <a:prstGeom prst="rect">
-            <a:avLst/>
-          </a:prstGeom>
-        </p:spPr>
-      </p:pic>
-      <p:pic>
-        <p:nvPicPr>
-          <p:cNvPr id="38" name="Picture 37">
-            <a:extLst>
-              <a:ext uri="{FF2B5EF4-FFF2-40B4-BE49-F238E27FC236}">
-                <a16:creationId xmlns:a16="http://schemas.microsoft.com/office/drawing/2014/main" id="{F3CB659C-E2BE-B4F9-8348-A729DD8260FE}"/>
-              </a:ext>
-            </a:extLst>
-          </p:cNvPr>
-          <p:cNvPicPr>
-            <a:picLocks noChangeAspect="1"/>
-          </p:cNvPicPr>
-          <p:nvPr/>
-        </p:nvPicPr>
-        <p:blipFill>
-          <a:blip r:embed="rId8"/>
-          <a:srcRect/>
-          <a:stretch/>
-        </p:blipFill>
-        <p:spPr>
-          <a:xfrm>
-            <a:off x="6605814" y="3757386"/>
-            <a:ext cx="2743200" cy="2743200"/>
-          </a:xfrm>
-          <a:prstGeom prst="rect">
-            <a:avLst/>
-          </a:prstGeom>
-        </p:spPr>
-      </p:pic>
-      <p:pic>
-        <p:nvPicPr>
-          <p:cNvPr id="9" name="Audio 8">
-            <a:extLst>
-              <a:ext uri="{FF2B5EF4-FFF2-40B4-BE49-F238E27FC236}">
-                <a16:creationId xmlns:a16="http://schemas.microsoft.com/office/drawing/2014/main" id="{8E46FB6A-FF22-9E4F-FBAA-3C6BC8B04559}"/>
+          <p:cNvPr id="8" name="Audio 7">
+            <a:extLst>
+              <a:ext uri="{FF2B5EF4-FFF2-40B4-BE49-F238E27FC236}">
+                <a16:creationId xmlns:a16="http://schemas.microsoft.com/office/drawing/2014/main" id="{951E9BE2-84D4-0817-6702-CF04D094B6A6}"/>
               </a:ext>
             </a:extLst>
           </p:cNvPr>
@@ -4745,7 +5111,7 @@
           </p:nvPr>
         </p:nvPicPr>
         <p:blipFill>
-          <a:blip r:embed="rId9"/>
+          <a:blip r:embed="rId6"/>
           <a:stretch>
             <a:fillRect/>
           </a:stretch>
@@ -4763,7 +5129,7 @@
     </p:spTree>
     <p:extLst>
       <p:ext uri="{BB962C8B-B14F-4D97-AF65-F5344CB8AC3E}">
-        <p14:creationId xmlns:p14="http://schemas.microsoft.com/office/powerpoint/2010/main" val="2215165096"/>
+        <p14:creationId xmlns:p14="http://schemas.microsoft.com/office/powerpoint/2010/main" val="2416287779"/>
       </p:ext>
     </p:extLst>
   </p:cSld>
@@ -4772,1587 +5138,10 @@
   </p:clrMapOvr>
   <mc:AlternateContent xmlns:mc="http://schemas.openxmlformats.org/markup-compatibility/2006">
     <mc:Choice xmlns:p14="http://schemas.microsoft.com/office/powerpoint/2010/main" Requires="p14">
-      <p:transition spd="slow" p14:dur="2000" advTm="13290"/>
+      <p:transition spd="slow" p14:dur="2000" advTm="3776"/>
     </mc:Choice>
     <mc:Fallback>
-      <p:transition spd="slow" advTm="13290"/>
-    </mc:Fallback>
-  </mc:AlternateContent>
-  <p:timing>
-    <p:tnLst>
-      <p:par>
-        <p:cTn id="1" dur="indefinite" restart="never" nodeType="tmRoot">
-          <p:childTnLst>
-            <p:seq concurrent="1" nextAc="seek">
-              <p:cTn id="2" dur="indefinite" nodeType="mainSeq">
-                <p:childTnLst>
-                  <p:par>
-                    <p:cTn id="3" fill="hold">
-                      <p:stCondLst>
-                        <p:cond delay="indefinite"/>
-                        <p:cond evt="onBegin" delay="0">
-                          <p:tn val="2"/>
-                        </p:cond>
-                      </p:stCondLst>
-                      <p:childTnLst>
-                        <p:par>
-                          <p:cTn id="4" fill="hold">
-                            <p:stCondLst>
-                              <p:cond delay="0"/>
-                            </p:stCondLst>
-                            <p:childTnLst>
-                              <p:par>
-                                <p:cTn id="5" presetID="1" presetClass="mediacall" presetSubtype="0" fill="hold" nodeType="afterEffect">
-                                  <p:stCondLst>
-                                    <p:cond delay="0"/>
-                                  </p:stCondLst>
-                                  <p:childTnLst>
-                                    <p:cmd type="call" cmd="playFrom(0.0)">
-                                      <p:cBhvr>
-                                        <p:cTn id="6" dur="1" fill="hold"/>
-                                        <p:tgtEl>
-                                          <p:spTgt spid="9"/>
-                                        </p:tgtEl>
-                                      </p:cBhvr>
-                                    </p:cmd>
-                                  </p:childTnLst>
-                                </p:cTn>
-                              </p:par>
-                            </p:childTnLst>
-                          </p:cTn>
-                        </p:par>
-                      </p:childTnLst>
-                    </p:cTn>
-                  </p:par>
-                </p:childTnLst>
-              </p:cTn>
-              <p:prevCondLst>
-                <p:cond evt="onPrev" delay="0">
-                  <p:tgtEl>
-                    <p:sldTgt/>
-                  </p:tgtEl>
-                </p:cond>
-              </p:prevCondLst>
-              <p:nextCondLst>
-                <p:cond evt="onNext" delay="0">
-                  <p:tgtEl>
-                    <p:sldTgt/>
-                  </p:tgtEl>
-                </p:cond>
-              </p:nextCondLst>
-            </p:seq>
-            <p:audio isNarration="1">
-              <p:cMediaNode vol="80000" showWhenStopped="0">
-                <p:cTn id="7" fill="hold" display="0">
-                  <p:stCondLst>
-                    <p:cond delay="indefinite"/>
-                  </p:stCondLst>
-                  <p:endCondLst>
-                    <p:cond evt="onStopAudio" delay="0">
-                      <p:tgtEl>
-                        <p:sldTgt/>
-                      </p:tgtEl>
-                    </p:cond>
-                  </p:endCondLst>
-                </p:cTn>
-                <p:tgtEl>
-                  <p:spTgt spid="9"/>
-                </p:tgtEl>
-              </p:cMediaNode>
-            </p:audio>
-          </p:childTnLst>
-        </p:cTn>
-      </p:par>
-    </p:tnLst>
-  </p:timing>
-</p:sld>
-</file>
-
-<file path=ppt/slides/slide2.xml><?xml version="1.0" encoding="utf-8"?>
-<p:sld xmlns:a="http://schemas.openxmlformats.org/drawingml/2006/main" xmlns:r="http://schemas.openxmlformats.org/officeDocument/2006/relationships" xmlns:p="http://schemas.openxmlformats.org/presentationml/2006/main">
-  <p:cSld>
-    <p:spTree>
-      <p:nvGrpSpPr>
-        <p:cNvPr id="1" name=""/>
-        <p:cNvGrpSpPr/>
-        <p:nvPr/>
-      </p:nvGrpSpPr>
-      <p:grpSpPr>
-        <a:xfrm>
-          <a:off x="0" y="0"/>
-          <a:ext cx="0" cy="0"/>
-          <a:chOff x="0" y="0"/>
-          <a:chExt cx="0" cy="0"/>
-        </a:xfrm>
-      </p:grpSpPr>
-      <p:pic>
-        <p:nvPicPr>
-          <p:cNvPr id="5" name="Picture 4" descr="A cartoon character with a speech bubble&#10;&#10;Description automatically generated">
-            <a:extLst>
-              <a:ext uri="{FF2B5EF4-FFF2-40B4-BE49-F238E27FC236}">
-                <a16:creationId xmlns:a16="http://schemas.microsoft.com/office/drawing/2014/main" id="{42A1C2D8-1A52-6C97-9579-82DE37F34C96}"/>
-              </a:ext>
-            </a:extLst>
-          </p:cNvPr>
-          <p:cNvPicPr>
-            <a:picLocks noChangeAspect="1"/>
-          </p:cNvPicPr>
-          <p:nvPr/>
-        </p:nvPicPr>
-        <p:blipFill>
-          <a:blip r:embed="rId6"/>
-          <a:stretch>
-            <a:fillRect/>
-          </a:stretch>
-        </p:blipFill>
-        <p:spPr>
-          <a:xfrm>
-            <a:off x="317500" y="357415"/>
-            <a:ext cx="2743200" cy="2743200"/>
-          </a:xfrm>
-          <a:prstGeom prst="rect">
-            <a:avLst/>
-          </a:prstGeom>
-        </p:spPr>
-      </p:pic>
-      <p:pic>
-        <p:nvPicPr>
-          <p:cNvPr id="34" name="Picture 33">
-            <a:extLst>
-              <a:ext uri="{FF2B5EF4-FFF2-40B4-BE49-F238E27FC236}">
-                <a16:creationId xmlns:a16="http://schemas.microsoft.com/office/drawing/2014/main" id="{30FAACDE-8A18-A66B-F44C-93D0E7CBA32A}"/>
-              </a:ext>
-            </a:extLst>
-          </p:cNvPr>
-          <p:cNvPicPr>
-            <a:picLocks noChangeAspect="1"/>
-          </p:cNvPicPr>
-          <p:nvPr/>
-        </p:nvPicPr>
-        <p:blipFill>
-          <a:blip r:embed="rId7"/>
-          <a:srcRect/>
-          <a:stretch/>
-        </p:blipFill>
-        <p:spPr>
-          <a:xfrm>
-            <a:off x="6605814" y="357415"/>
-            <a:ext cx="2743200" cy="2743200"/>
-          </a:xfrm>
-          <a:prstGeom prst="rect">
-            <a:avLst/>
-          </a:prstGeom>
-        </p:spPr>
-      </p:pic>
-      <p:pic>
-        <p:nvPicPr>
-          <p:cNvPr id="30" name="Picture 29">
-            <a:extLst>
-              <a:ext uri="{FF2B5EF4-FFF2-40B4-BE49-F238E27FC236}">
-                <a16:creationId xmlns:a16="http://schemas.microsoft.com/office/drawing/2014/main" id="{E73BC5C9-2DBF-AFF8-7F72-BB758EA3604C}"/>
-              </a:ext>
-            </a:extLst>
-          </p:cNvPr>
-          <p:cNvPicPr>
-            <a:picLocks noChangeAspect="1"/>
-          </p:cNvPicPr>
-          <p:nvPr/>
-        </p:nvPicPr>
-        <p:blipFill>
-          <a:blip r:embed="rId8"/>
-          <a:srcRect/>
-          <a:stretch/>
-        </p:blipFill>
-        <p:spPr>
-          <a:xfrm>
-            <a:off x="317500" y="3757386"/>
-            <a:ext cx="2743200" cy="2743200"/>
-          </a:xfrm>
-          <a:prstGeom prst="rect">
-            <a:avLst/>
-          </a:prstGeom>
-        </p:spPr>
-      </p:pic>
-      <p:pic>
-        <p:nvPicPr>
-          <p:cNvPr id="38" name="Picture 37">
-            <a:extLst>
-              <a:ext uri="{FF2B5EF4-FFF2-40B4-BE49-F238E27FC236}">
-                <a16:creationId xmlns:a16="http://schemas.microsoft.com/office/drawing/2014/main" id="{21A47B10-5D42-5A4B-2CA2-70694F7C537B}"/>
-              </a:ext>
-            </a:extLst>
-          </p:cNvPr>
-          <p:cNvPicPr>
-            <a:picLocks noChangeAspect="1"/>
-          </p:cNvPicPr>
-          <p:nvPr/>
-        </p:nvPicPr>
-        <p:blipFill>
-          <a:blip r:embed="rId9"/>
-          <a:srcRect/>
-          <a:stretch/>
-        </p:blipFill>
-        <p:spPr>
-          <a:xfrm>
-            <a:off x="6605814" y="3757386"/>
-            <a:ext cx="2743200" cy="2743200"/>
-          </a:xfrm>
-          <a:prstGeom prst="rect">
-            <a:avLst/>
-          </a:prstGeom>
-        </p:spPr>
-      </p:pic>
-      <p:grpSp>
-        <p:nvGrpSpPr>
-          <p:cNvPr id="45" name="Group 44">
-            <a:extLst>
-              <a:ext uri="{FF2B5EF4-FFF2-40B4-BE49-F238E27FC236}">
-                <a16:creationId xmlns:a16="http://schemas.microsoft.com/office/drawing/2014/main" id="{6FC8593D-1FCE-DA8A-61AF-48221F1A143A}"/>
-              </a:ext>
-            </a:extLst>
-          </p:cNvPr>
-          <p:cNvGrpSpPr/>
-          <p:nvPr/>
-        </p:nvGrpSpPr>
-        <p:grpSpPr>
-          <a:xfrm>
-            <a:off x="3294743" y="1271815"/>
-            <a:ext cx="8579758" cy="4314371"/>
-            <a:chOff x="3294743" y="1271815"/>
-            <a:chExt cx="8579758" cy="4314371"/>
-          </a:xfrm>
-        </p:grpSpPr>
-        <p:sp>
-          <p:nvSpPr>
-            <p:cNvPr id="12" name="Right Arrow 11">
-              <a:extLst>
-                <a:ext uri="{FF2B5EF4-FFF2-40B4-BE49-F238E27FC236}">
-                  <a16:creationId xmlns:a16="http://schemas.microsoft.com/office/drawing/2014/main" id="{7EE19436-4FA3-A65A-7790-CC10F2FE545A}"/>
-                </a:ext>
-              </a:extLst>
-            </p:cNvPr>
-            <p:cNvSpPr/>
-            <p:nvPr/>
-          </p:nvSpPr>
-          <p:spPr>
-            <a:xfrm>
-              <a:off x="3294743" y="1271815"/>
-              <a:ext cx="1143000" cy="914400"/>
-            </a:xfrm>
-            <a:prstGeom prst="rightArrow">
-              <a:avLst>
-                <a:gd name="adj1" fmla="val 34127"/>
-                <a:gd name="adj2" fmla="val 50000"/>
-              </a:avLst>
-            </a:prstGeom>
-          </p:spPr>
-          <p:style>
-            <a:lnRef idx="2">
-              <a:schemeClr val="dk1">
-                <a:shade val="15000"/>
-              </a:schemeClr>
-            </a:lnRef>
-            <a:fillRef idx="1">
-              <a:schemeClr val="dk1"/>
-            </a:fillRef>
-            <a:effectRef idx="0">
-              <a:schemeClr val="dk1"/>
-            </a:effectRef>
-            <a:fontRef idx="minor">
-              <a:schemeClr val="lt1"/>
-            </a:fontRef>
-          </p:style>
-          <p:txBody>
-            <a:bodyPr rtlCol="0" anchor="ctr"/>
-            <a:lstStyle/>
-            <a:p>
-              <a:pPr algn="ctr"/>
-              <a:endParaRPr lang="en-US" b="1" dirty="0"/>
-            </a:p>
-          </p:txBody>
-        </p:sp>
-        <p:pic>
-          <p:nvPicPr>
-            <p:cNvPr id="18" name="Graphic 17" descr="Question Mark with solid fill">
-              <a:extLst>
-                <a:ext uri="{FF2B5EF4-FFF2-40B4-BE49-F238E27FC236}">
-                  <a16:creationId xmlns:a16="http://schemas.microsoft.com/office/drawing/2014/main" id="{8E65F387-4AC6-0981-09CE-D23253773C08}"/>
-                </a:ext>
-              </a:extLst>
-            </p:cNvPr>
-            <p:cNvPicPr>
-              <a:picLocks noChangeAspect="1"/>
-            </p:cNvPicPr>
-            <p:nvPr/>
-          </p:nvPicPr>
-          <p:blipFill>
-            <a:blip r:embed="rId10">
-              <a:extLst>
-                <a:ext uri="{96DAC541-7B7A-43D3-8B79-37D633B846F1}">
-                  <asvg:svgBlip xmlns:asvg="http://schemas.microsoft.com/office/drawing/2016/SVG/main" r:embed="rId11"/>
-                </a:ext>
-              </a:extLst>
-            </a:blip>
-            <a:stretch>
-              <a:fillRect/>
-            </a:stretch>
-          </p:blipFill>
-          <p:spPr>
-            <a:xfrm>
-              <a:off x="4671787" y="1271815"/>
-              <a:ext cx="914400" cy="914400"/>
-            </a:xfrm>
-            <a:prstGeom prst="rect">
-              <a:avLst/>
-            </a:prstGeom>
-          </p:spPr>
-        </p:pic>
-        <p:sp>
-          <p:nvSpPr>
-            <p:cNvPr id="35" name="Right Arrow 34">
-              <a:extLst>
-                <a:ext uri="{FF2B5EF4-FFF2-40B4-BE49-F238E27FC236}">
-                  <a16:creationId xmlns:a16="http://schemas.microsoft.com/office/drawing/2014/main" id="{EC864F72-B019-04D5-8C62-B649FFEA2EDD}"/>
-                </a:ext>
-              </a:extLst>
-            </p:cNvPr>
-            <p:cNvSpPr/>
-            <p:nvPr/>
-          </p:nvSpPr>
-          <p:spPr>
-            <a:xfrm>
-              <a:off x="9583057" y="1271815"/>
-              <a:ext cx="1143000" cy="914400"/>
-            </a:xfrm>
-            <a:prstGeom prst="rightArrow">
-              <a:avLst>
-                <a:gd name="adj1" fmla="val 34127"/>
-                <a:gd name="adj2" fmla="val 50000"/>
-              </a:avLst>
-            </a:prstGeom>
-          </p:spPr>
-          <p:style>
-            <a:lnRef idx="2">
-              <a:schemeClr val="dk1">
-                <a:shade val="15000"/>
-              </a:schemeClr>
-            </a:lnRef>
-            <a:fillRef idx="1">
-              <a:schemeClr val="dk1"/>
-            </a:fillRef>
-            <a:effectRef idx="0">
-              <a:schemeClr val="dk1"/>
-            </a:effectRef>
-            <a:fontRef idx="minor">
-              <a:schemeClr val="lt1"/>
-            </a:fontRef>
-          </p:style>
-          <p:txBody>
-            <a:bodyPr rtlCol="0" anchor="ctr"/>
-            <a:lstStyle/>
-            <a:p>
-              <a:pPr algn="ctr"/>
-              <a:endParaRPr lang="en-US" b="1" dirty="0"/>
-            </a:p>
-          </p:txBody>
-        </p:sp>
-        <p:pic>
-          <p:nvPicPr>
-            <p:cNvPr id="36" name="Graphic 35" descr="Question Mark with solid fill">
-              <a:extLst>
-                <a:ext uri="{FF2B5EF4-FFF2-40B4-BE49-F238E27FC236}">
-                  <a16:creationId xmlns:a16="http://schemas.microsoft.com/office/drawing/2014/main" id="{A3CFCF30-C92D-0257-539B-4102698AF815}"/>
-                </a:ext>
-              </a:extLst>
-            </p:cNvPr>
-            <p:cNvPicPr>
-              <a:picLocks noChangeAspect="1"/>
-            </p:cNvPicPr>
-            <p:nvPr/>
-          </p:nvPicPr>
-          <p:blipFill>
-            <a:blip r:embed="rId10">
-              <a:extLst>
-                <a:ext uri="{96DAC541-7B7A-43D3-8B79-37D633B846F1}">
-                  <asvg:svgBlip xmlns:asvg="http://schemas.microsoft.com/office/drawing/2016/SVG/main" r:embed="rId11"/>
-                </a:ext>
-              </a:extLst>
-            </a:blip>
-            <a:stretch>
-              <a:fillRect/>
-            </a:stretch>
-          </p:blipFill>
-          <p:spPr>
-            <a:xfrm>
-              <a:off x="10960101" y="1271815"/>
-              <a:ext cx="914400" cy="914400"/>
-            </a:xfrm>
-            <a:prstGeom prst="rect">
-              <a:avLst/>
-            </a:prstGeom>
-          </p:spPr>
-        </p:pic>
-        <p:sp>
-          <p:nvSpPr>
-            <p:cNvPr id="31" name="Right Arrow 30">
-              <a:extLst>
-                <a:ext uri="{FF2B5EF4-FFF2-40B4-BE49-F238E27FC236}">
-                  <a16:creationId xmlns:a16="http://schemas.microsoft.com/office/drawing/2014/main" id="{93A908AF-9151-2D61-CFF6-E3F8DD76A5E6}"/>
-                </a:ext>
-              </a:extLst>
-            </p:cNvPr>
-            <p:cNvSpPr/>
-            <p:nvPr/>
-          </p:nvSpPr>
-          <p:spPr>
-            <a:xfrm>
-              <a:off x="3294743" y="4671786"/>
-              <a:ext cx="1143000" cy="914400"/>
-            </a:xfrm>
-            <a:prstGeom prst="rightArrow">
-              <a:avLst>
-                <a:gd name="adj1" fmla="val 34127"/>
-                <a:gd name="adj2" fmla="val 50000"/>
-              </a:avLst>
-            </a:prstGeom>
-          </p:spPr>
-          <p:style>
-            <a:lnRef idx="2">
-              <a:schemeClr val="dk1">
-                <a:shade val="15000"/>
-              </a:schemeClr>
-            </a:lnRef>
-            <a:fillRef idx="1">
-              <a:schemeClr val="dk1"/>
-            </a:fillRef>
-            <a:effectRef idx="0">
-              <a:schemeClr val="dk1"/>
-            </a:effectRef>
-            <a:fontRef idx="minor">
-              <a:schemeClr val="lt1"/>
-            </a:fontRef>
-          </p:style>
-          <p:txBody>
-            <a:bodyPr rtlCol="0" anchor="ctr"/>
-            <a:lstStyle/>
-            <a:p>
-              <a:pPr algn="ctr"/>
-              <a:endParaRPr lang="en-US" b="1" dirty="0"/>
-            </a:p>
-          </p:txBody>
-        </p:sp>
-        <p:pic>
-          <p:nvPicPr>
-            <p:cNvPr id="32" name="Graphic 31" descr="Question Mark with solid fill">
-              <a:extLst>
-                <a:ext uri="{FF2B5EF4-FFF2-40B4-BE49-F238E27FC236}">
-                  <a16:creationId xmlns:a16="http://schemas.microsoft.com/office/drawing/2014/main" id="{F724EE7E-B35F-CEB1-418A-AA9190CD5F76}"/>
-                </a:ext>
-              </a:extLst>
-            </p:cNvPr>
-            <p:cNvPicPr>
-              <a:picLocks noChangeAspect="1"/>
-            </p:cNvPicPr>
-            <p:nvPr/>
-          </p:nvPicPr>
-          <p:blipFill>
-            <a:blip r:embed="rId10">
-              <a:extLst>
-                <a:ext uri="{96DAC541-7B7A-43D3-8B79-37D633B846F1}">
-                  <asvg:svgBlip xmlns:asvg="http://schemas.microsoft.com/office/drawing/2016/SVG/main" r:embed="rId11"/>
-                </a:ext>
-              </a:extLst>
-            </a:blip>
-            <a:stretch>
-              <a:fillRect/>
-            </a:stretch>
-          </p:blipFill>
-          <p:spPr>
-            <a:xfrm>
-              <a:off x="4671787" y="4671786"/>
-              <a:ext cx="914400" cy="914400"/>
-            </a:xfrm>
-            <a:prstGeom prst="rect">
-              <a:avLst/>
-            </a:prstGeom>
-          </p:spPr>
-        </p:pic>
-        <p:sp>
-          <p:nvSpPr>
-            <p:cNvPr id="39" name="Right Arrow 38">
-              <a:extLst>
-                <a:ext uri="{FF2B5EF4-FFF2-40B4-BE49-F238E27FC236}">
-                  <a16:creationId xmlns:a16="http://schemas.microsoft.com/office/drawing/2014/main" id="{9FE30D2E-902D-1E4B-DDE9-2AEE0352132C}"/>
-                </a:ext>
-              </a:extLst>
-            </p:cNvPr>
-            <p:cNvSpPr/>
-            <p:nvPr/>
-          </p:nvSpPr>
-          <p:spPr>
-            <a:xfrm>
-              <a:off x="9583057" y="4671786"/>
-              <a:ext cx="1143000" cy="914400"/>
-            </a:xfrm>
-            <a:prstGeom prst="rightArrow">
-              <a:avLst>
-                <a:gd name="adj1" fmla="val 34127"/>
-                <a:gd name="adj2" fmla="val 50000"/>
-              </a:avLst>
-            </a:prstGeom>
-          </p:spPr>
-          <p:style>
-            <a:lnRef idx="2">
-              <a:schemeClr val="dk1">
-                <a:shade val="15000"/>
-              </a:schemeClr>
-            </a:lnRef>
-            <a:fillRef idx="1">
-              <a:schemeClr val="dk1"/>
-            </a:fillRef>
-            <a:effectRef idx="0">
-              <a:schemeClr val="dk1"/>
-            </a:effectRef>
-            <a:fontRef idx="minor">
-              <a:schemeClr val="lt1"/>
-            </a:fontRef>
-          </p:style>
-          <p:txBody>
-            <a:bodyPr rtlCol="0" anchor="ctr"/>
-            <a:lstStyle/>
-            <a:p>
-              <a:pPr algn="ctr"/>
-              <a:endParaRPr lang="en-US" b="1" dirty="0"/>
-            </a:p>
-          </p:txBody>
-        </p:sp>
-        <p:pic>
-          <p:nvPicPr>
-            <p:cNvPr id="40" name="Graphic 39" descr="Question Mark with solid fill">
-              <a:extLst>
-                <a:ext uri="{FF2B5EF4-FFF2-40B4-BE49-F238E27FC236}">
-                  <a16:creationId xmlns:a16="http://schemas.microsoft.com/office/drawing/2014/main" id="{EE8DA838-E72D-8E13-267E-6E4C3675F9B4}"/>
-                </a:ext>
-              </a:extLst>
-            </p:cNvPr>
-            <p:cNvPicPr>
-              <a:picLocks noChangeAspect="1"/>
-            </p:cNvPicPr>
-            <p:nvPr/>
-          </p:nvPicPr>
-          <p:blipFill>
-            <a:blip r:embed="rId10">
-              <a:extLst>
-                <a:ext uri="{96DAC541-7B7A-43D3-8B79-37D633B846F1}">
-                  <asvg:svgBlip xmlns:asvg="http://schemas.microsoft.com/office/drawing/2016/SVG/main" r:embed="rId11"/>
-                </a:ext>
-              </a:extLst>
-            </a:blip>
-            <a:stretch>
-              <a:fillRect/>
-            </a:stretch>
-          </p:blipFill>
-          <p:spPr>
-            <a:xfrm>
-              <a:off x="10960101" y="4671786"/>
-              <a:ext cx="914400" cy="914400"/>
-            </a:xfrm>
-            <a:prstGeom prst="rect">
-              <a:avLst/>
-            </a:prstGeom>
-          </p:spPr>
-        </p:pic>
-      </p:grpSp>
-      <p:pic>
-        <p:nvPicPr>
-          <p:cNvPr id="4" name="Audio 3">
-            <a:extLst>
-              <a:ext uri="{FF2B5EF4-FFF2-40B4-BE49-F238E27FC236}">
-                <a16:creationId xmlns:a16="http://schemas.microsoft.com/office/drawing/2014/main" id="{CADE079F-AC3D-6022-C3CE-100AB4F3D88F}"/>
-              </a:ext>
-            </a:extLst>
-          </p:cNvPr>
-          <p:cNvPicPr>
-            <a:picLocks noChangeAspect="1"/>
-          </p:cNvPicPr>
-          <p:nvPr>
-            <a:audioFile r:link="rId3"/>
-            <p:extLst>
-              <p:ext uri="{DAA4B4D4-6D71-4841-9C94-3DE7FCFB9230}">
-                <p14:media xmlns:p14="http://schemas.microsoft.com/office/powerpoint/2010/main" r:embed="rId2"/>
-              </p:ext>
-            </p:extLst>
-          </p:nvPr>
-        </p:nvPicPr>
-        <p:blipFill>
-          <a:blip r:embed="rId12"/>
-          <a:stretch>
-            <a:fillRect/>
-          </a:stretch>
-        </p:blipFill>
-        <p:spPr>
-          <a:xfrm>
-            <a:off x="11226800" y="5892800"/>
-            <a:ext cx="812800" cy="812800"/>
-          </a:xfrm>
-          <a:prstGeom prst="rect">
-            <a:avLst/>
-          </a:prstGeom>
-        </p:spPr>
-      </p:pic>
-    </p:spTree>
-    <p:custDataLst>
-      <p:tags r:id="rId1"/>
-    </p:custDataLst>
-    <p:extLst>
-      <p:ext uri="{BB962C8B-B14F-4D97-AF65-F5344CB8AC3E}">
-        <p14:creationId xmlns:p14="http://schemas.microsoft.com/office/powerpoint/2010/main" val="339200006"/>
-      </p:ext>
-    </p:extLst>
-  </p:cSld>
-  <p:clrMapOvr>
-    <a:masterClrMapping/>
-  </p:clrMapOvr>
-  <mc:AlternateContent xmlns:mc="http://schemas.openxmlformats.org/markup-compatibility/2006">
-    <mc:Choice xmlns:p14="http://schemas.microsoft.com/office/powerpoint/2010/main" Requires="p14">
-      <p:transition spd="slow" p14:dur="2000" advTm="15274"/>
-    </mc:Choice>
-    <mc:Fallback>
-      <p:transition spd="slow" advTm="15274"/>
-    </mc:Fallback>
-  </mc:AlternateContent>
-  <p:timing>
-    <p:tnLst>
-      <p:par>
-        <p:cTn id="1" dur="indefinite" restart="never" nodeType="tmRoot">
-          <p:childTnLst>
-            <p:seq concurrent="1" nextAc="seek">
-              <p:cTn id="2" dur="indefinite" nodeType="mainSeq">
-                <p:childTnLst>
-                  <p:par>
-                    <p:cTn id="3" fill="hold">
-                      <p:stCondLst>
-                        <p:cond delay="indefinite"/>
-                        <p:cond evt="onBegin" delay="0">
-                          <p:tn val="2"/>
-                        </p:cond>
-                      </p:stCondLst>
-                      <p:childTnLst>
-                        <p:par>
-                          <p:cTn id="4" fill="hold">
-                            <p:stCondLst>
-                              <p:cond delay="0"/>
-                            </p:stCondLst>
-                            <p:childTnLst>
-                              <p:par>
-                                <p:cTn id="5" presetID="1" presetClass="mediacall" presetSubtype="0" fill="hold" nodeType="afterEffect">
-                                  <p:stCondLst>
-                                    <p:cond delay="0"/>
-                                  </p:stCondLst>
-                                  <p:childTnLst>
-                                    <p:cmd type="call" cmd="playFrom(0.0)">
-                                      <p:cBhvr>
-                                        <p:cTn id="6" dur="1" fill="hold"/>
-                                        <p:tgtEl>
-                                          <p:spTgt spid="4"/>
-                                        </p:tgtEl>
-                                      </p:cBhvr>
-                                    </p:cmd>
-                                  </p:childTnLst>
-                                </p:cTn>
-                              </p:par>
-                            </p:childTnLst>
-                          </p:cTn>
-                        </p:par>
-                      </p:childTnLst>
-                    </p:cTn>
-                  </p:par>
-                  <p:par>
-                    <p:cTn id="7" fill="hold">
-                      <p:stCondLst>
-                        <p:cond delay="indefinite"/>
-                      </p:stCondLst>
-                      <p:childTnLst>
-                        <p:par>
-                          <p:cTn id="8" fill="hold">
-                            <p:stCondLst>
-                              <p:cond delay="0"/>
-                            </p:stCondLst>
-                            <p:childTnLst>
-                              <p:par>
-                                <p:cTn id="9" presetID="1" presetClass="entr" presetSubtype="0" fill="hold" nodeType="clickEffect">
-                                  <p:stCondLst>
-                                    <p:cond delay="0"/>
-                                  </p:stCondLst>
-                                  <p:childTnLst>
-                                    <p:set>
-                                      <p:cBhvr>
-                                        <p:cTn id="10" dur="1" fill="hold">
-                                          <p:stCondLst>
-                                            <p:cond delay="0"/>
-                                          </p:stCondLst>
-                                        </p:cTn>
-                                        <p:tgtEl>
-                                          <p:spTgt spid="45"/>
-                                        </p:tgtEl>
-                                        <p:attrNameLst>
-                                          <p:attrName>style.visibility</p:attrName>
-                                        </p:attrNameLst>
-                                      </p:cBhvr>
-                                      <p:to>
-                                        <p:strVal val="visible"/>
-                                      </p:to>
-                                    </p:set>
-                                  </p:childTnLst>
-                                </p:cTn>
-                              </p:par>
-                            </p:childTnLst>
-                          </p:cTn>
-                        </p:par>
-                      </p:childTnLst>
-                    </p:cTn>
-                  </p:par>
-                </p:childTnLst>
-              </p:cTn>
-              <p:prevCondLst>
-                <p:cond evt="onPrev" delay="0">
-                  <p:tgtEl>
-                    <p:sldTgt/>
-                  </p:tgtEl>
-                </p:cond>
-              </p:prevCondLst>
-              <p:nextCondLst>
-                <p:cond evt="onNext" delay="0">
-                  <p:tgtEl>
-                    <p:sldTgt/>
-                  </p:tgtEl>
-                </p:cond>
-              </p:nextCondLst>
-            </p:seq>
-            <p:audio isNarration="1">
-              <p:cMediaNode vol="80000" showWhenStopped="0">
-                <p:cTn id="11" fill="hold" display="0">
-                  <p:stCondLst>
-                    <p:cond delay="indefinite"/>
-                  </p:stCondLst>
-                  <p:endCondLst>
-                    <p:cond evt="onStopAudio" delay="0">
-                      <p:tgtEl>
-                        <p:sldTgt/>
-                      </p:tgtEl>
-                    </p:cond>
-                  </p:endCondLst>
-                </p:cTn>
-                <p:tgtEl>
-                  <p:spTgt spid="4"/>
-                </p:tgtEl>
-              </p:cMediaNode>
-            </p:audio>
-          </p:childTnLst>
-        </p:cTn>
-      </p:par>
-    </p:tnLst>
-  </p:timing>
-</p:sld>
-</file>
-
-<file path=ppt/slides/slide3.xml><?xml version="1.0" encoding="utf-8"?>
-<p:sld xmlns:a="http://schemas.openxmlformats.org/drawingml/2006/main" xmlns:r="http://schemas.openxmlformats.org/officeDocument/2006/relationships" xmlns:p="http://schemas.openxmlformats.org/presentationml/2006/main">
-  <p:cSld>
-    <p:spTree>
-      <p:nvGrpSpPr>
-        <p:cNvPr id="1" name=""/>
-        <p:cNvGrpSpPr/>
-        <p:nvPr/>
-      </p:nvGrpSpPr>
-      <p:grpSpPr>
-        <a:xfrm>
-          <a:off x="0" y="0"/>
-          <a:ext cx="0" cy="0"/>
-          <a:chOff x="0" y="0"/>
-          <a:chExt cx="0" cy="0"/>
-        </a:xfrm>
-      </p:grpSpPr>
-      <p:pic>
-        <p:nvPicPr>
-          <p:cNvPr id="2" name="Picture 1">
-            <a:extLst>
-              <a:ext uri="{FF2B5EF4-FFF2-40B4-BE49-F238E27FC236}">
-                <a16:creationId xmlns:a16="http://schemas.microsoft.com/office/drawing/2014/main" id="{7E915298-40E3-09FA-559B-D70A6056095B}"/>
-              </a:ext>
-            </a:extLst>
-          </p:cNvPr>
-          <p:cNvPicPr>
-            <a:picLocks noChangeAspect="1"/>
-          </p:cNvPicPr>
-          <p:nvPr/>
-        </p:nvPicPr>
-        <p:blipFill>
-          <a:blip r:embed="rId6"/>
-          <a:stretch>
-            <a:fillRect/>
-          </a:stretch>
-        </p:blipFill>
-        <p:spPr>
-          <a:xfrm>
-            <a:off x="1601422" y="1047750"/>
-            <a:ext cx="2527300" cy="4762500"/>
-          </a:xfrm>
-          <a:prstGeom prst="rect">
-            <a:avLst/>
-          </a:prstGeom>
-        </p:spPr>
-      </p:pic>
-      <p:pic>
-        <p:nvPicPr>
-          <p:cNvPr id="3" name="Picture 2">
-            <a:extLst>
-              <a:ext uri="{FF2B5EF4-FFF2-40B4-BE49-F238E27FC236}">
-                <a16:creationId xmlns:a16="http://schemas.microsoft.com/office/drawing/2014/main" id="{BE5D98DE-232F-4E98-8296-07911E3F1316}"/>
-              </a:ext>
-            </a:extLst>
-          </p:cNvPr>
-          <p:cNvPicPr>
-            <a:picLocks noChangeAspect="1"/>
-          </p:cNvPicPr>
-          <p:nvPr/>
-        </p:nvPicPr>
-        <p:blipFill>
-          <a:blip r:embed="rId7"/>
-          <a:stretch>
-            <a:fillRect/>
-          </a:stretch>
-        </p:blipFill>
-        <p:spPr>
-          <a:xfrm>
-            <a:off x="7856660" y="2835746"/>
-            <a:ext cx="2733919" cy="2974504"/>
-          </a:xfrm>
-          <a:prstGeom prst="rect">
-            <a:avLst/>
-          </a:prstGeom>
-        </p:spPr>
-      </p:pic>
-      <p:sp>
-        <p:nvSpPr>
-          <p:cNvPr id="5" name="Down Arrow 4">
-            <a:extLst>
-              <a:ext uri="{FF2B5EF4-FFF2-40B4-BE49-F238E27FC236}">
-                <a16:creationId xmlns:a16="http://schemas.microsoft.com/office/drawing/2014/main" id="{6EE2B461-0A67-F163-A0DE-FCE00898D585}"/>
-              </a:ext>
-            </a:extLst>
-          </p:cNvPr>
-          <p:cNvSpPr/>
-          <p:nvPr/>
-        </p:nvSpPr>
-        <p:spPr>
-          <a:xfrm rot="2966620">
-            <a:off x="4006361" y="404447"/>
-            <a:ext cx="1266092" cy="2391508"/>
-          </a:xfrm>
-          <a:prstGeom prst="downArrow">
-            <a:avLst>
-              <a:gd name="adj1" fmla="val 32508"/>
-              <a:gd name="adj2" fmla="val 50000"/>
-            </a:avLst>
-          </a:prstGeom>
-        </p:spPr>
-        <p:style>
-          <a:lnRef idx="2">
-            <a:schemeClr val="dk1">
-              <a:shade val="15000"/>
-            </a:schemeClr>
-          </a:lnRef>
-          <a:fillRef idx="1">
-            <a:schemeClr val="dk1"/>
-          </a:fillRef>
-          <a:effectRef idx="0">
-            <a:schemeClr val="dk1"/>
-          </a:effectRef>
-          <a:fontRef idx="minor">
-            <a:schemeClr val="lt1"/>
-          </a:fontRef>
-        </p:style>
-        <p:txBody>
-          <a:bodyPr rtlCol="0" anchor="ctr"/>
-          <a:lstStyle/>
-          <a:p>
-            <a:pPr algn="ctr"/>
-            <a:endParaRPr lang="en-US"/>
-          </a:p>
-        </p:txBody>
-      </p:sp>
-      <p:sp>
-        <p:nvSpPr>
-          <p:cNvPr id="6" name="Down Arrow 5">
-            <a:extLst>
-              <a:ext uri="{FF2B5EF4-FFF2-40B4-BE49-F238E27FC236}">
-                <a16:creationId xmlns:a16="http://schemas.microsoft.com/office/drawing/2014/main" id="{65CBF3BA-FBA8-0BBA-8A92-32BF282903ED}"/>
-              </a:ext>
-            </a:extLst>
-          </p:cNvPr>
-          <p:cNvSpPr/>
-          <p:nvPr/>
-        </p:nvSpPr>
-        <p:spPr>
-          <a:xfrm rot="18633380" flipH="1">
-            <a:off x="6919548" y="381003"/>
-            <a:ext cx="1266092" cy="2391508"/>
-          </a:xfrm>
-          <a:prstGeom prst="downArrow">
-            <a:avLst>
-              <a:gd name="adj1" fmla="val 32508"/>
-              <a:gd name="adj2" fmla="val 50000"/>
-            </a:avLst>
-          </a:prstGeom>
-        </p:spPr>
-        <p:style>
-          <a:lnRef idx="2">
-            <a:schemeClr val="dk1">
-              <a:shade val="15000"/>
-            </a:schemeClr>
-          </a:lnRef>
-          <a:fillRef idx="1">
-            <a:schemeClr val="dk1"/>
-          </a:fillRef>
-          <a:effectRef idx="0">
-            <a:schemeClr val="dk1"/>
-          </a:effectRef>
-          <a:fontRef idx="minor">
-            <a:schemeClr val="lt1"/>
-          </a:fontRef>
-        </p:style>
-        <p:txBody>
-          <a:bodyPr rtlCol="0" anchor="ctr"/>
-          <a:lstStyle/>
-          <a:p>
-            <a:pPr algn="ctr"/>
-            <a:endParaRPr lang="en-US"/>
-          </a:p>
-        </p:txBody>
-      </p:sp>
-      <p:pic>
-        <p:nvPicPr>
-          <p:cNvPr id="7" name="Audio 6">
-            <a:extLst>
-              <a:ext uri="{FF2B5EF4-FFF2-40B4-BE49-F238E27FC236}">
-                <a16:creationId xmlns:a16="http://schemas.microsoft.com/office/drawing/2014/main" id="{F880375A-575C-1B5B-2D5F-48BC5FBF8009}"/>
-              </a:ext>
-            </a:extLst>
-          </p:cNvPr>
-          <p:cNvPicPr>
-            <a:picLocks noChangeAspect="1"/>
-          </p:cNvPicPr>
-          <p:nvPr>
-            <a:audioFile r:link="rId3"/>
-            <p:extLst>
-              <p:ext uri="{DAA4B4D4-6D71-4841-9C94-3DE7FCFB9230}">
-                <p14:media xmlns:p14="http://schemas.microsoft.com/office/powerpoint/2010/main" r:embed="rId2"/>
-              </p:ext>
-            </p:extLst>
-          </p:nvPr>
-        </p:nvPicPr>
-        <p:blipFill>
-          <a:blip r:embed="rId8"/>
-          <a:stretch>
-            <a:fillRect/>
-          </a:stretch>
-        </p:blipFill>
-        <p:spPr>
-          <a:xfrm>
-            <a:off x="11226800" y="5892800"/>
-            <a:ext cx="812800" cy="812800"/>
-          </a:xfrm>
-          <a:prstGeom prst="rect">
-            <a:avLst/>
-          </a:prstGeom>
-        </p:spPr>
-      </p:pic>
-    </p:spTree>
-    <p:custDataLst>
-      <p:tags r:id="rId1"/>
-    </p:custDataLst>
-    <p:extLst>
-      <p:ext uri="{BB962C8B-B14F-4D97-AF65-F5344CB8AC3E}">
-        <p14:creationId xmlns:p14="http://schemas.microsoft.com/office/powerpoint/2010/main" val="1904170347"/>
-      </p:ext>
-    </p:extLst>
-  </p:cSld>
-  <p:clrMapOvr>
-    <a:masterClrMapping/>
-  </p:clrMapOvr>
-  <mc:AlternateContent xmlns:mc="http://schemas.openxmlformats.org/markup-compatibility/2006">
-    <mc:Choice xmlns:p14="http://schemas.microsoft.com/office/powerpoint/2010/main" Requires="p14">
-      <p:transition spd="slow" p14:dur="2000" advTm="11882"/>
-    </mc:Choice>
-    <mc:Fallback>
-      <p:transition spd="slow" advTm="11882"/>
-    </mc:Fallback>
-  </mc:AlternateContent>
-  <p:timing>
-    <p:tnLst>
-      <p:par>
-        <p:cTn id="1" dur="indefinite" restart="never" nodeType="tmRoot">
-          <p:childTnLst>
-            <p:seq concurrent="1" nextAc="seek">
-              <p:cTn id="2" dur="indefinite" nodeType="mainSeq">
-                <p:childTnLst>
-                  <p:par>
-                    <p:cTn id="3" fill="hold">
-                      <p:stCondLst>
-                        <p:cond delay="indefinite"/>
-                        <p:cond evt="onBegin" delay="0">
-                          <p:tn val="2"/>
-                        </p:cond>
-                      </p:stCondLst>
-                      <p:childTnLst>
-                        <p:par>
-                          <p:cTn id="4" fill="hold">
-                            <p:stCondLst>
-                              <p:cond delay="0"/>
-                            </p:stCondLst>
-                            <p:childTnLst>
-                              <p:par>
-                                <p:cTn id="5" presetID="1" presetClass="mediacall" presetSubtype="0" fill="hold" nodeType="afterEffect">
-                                  <p:stCondLst>
-                                    <p:cond delay="0"/>
-                                  </p:stCondLst>
-                                  <p:childTnLst>
-                                    <p:cmd type="call" cmd="playFrom(0.0)">
-                                      <p:cBhvr>
-                                        <p:cTn id="6" dur="1" fill="hold"/>
-                                        <p:tgtEl>
-                                          <p:spTgt spid="7"/>
-                                        </p:tgtEl>
-                                      </p:cBhvr>
-                                    </p:cmd>
-                                  </p:childTnLst>
-                                </p:cTn>
-                              </p:par>
-                            </p:childTnLst>
-                          </p:cTn>
-                        </p:par>
-                      </p:childTnLst>
-                    </p:cTn>
-                  </p:par>
-                  <p:par>
-                    <p:cTn id="7" fill="hold">
-                      <p:stCondLst>
-                        <p:cond delay="indefinite"/>
-                      </p:stCondLst>
-                      <p:childTnLst>
-                        <p:par>
-                          <p:cTn id="8" fill="hold">
-                            <p:stCondLst>
-                              <p:cond delay="0"/>
-                            </p:stCondLst>
-                            <p:childTnLst>
-                              <p:par>
-                                <p:cTn id="9" presetID="1" presetClass="entr" presetSubtype="0" fill="hold" grpId="0" nodeType="clickEffect">
-                                  <p:stCondLst>
-                                    <p:cond delay="0"/>
-                                  </p:stCondLst>
-                                  <p:childTnLst>
-                                    <p:set>
-                                      <p:cBhvr>
-                                        <p:cTn id="10" dur="1" fill="hold">
-                                          <p:stCondLst>
-                                            <p:cond delay="0"/>
-                                          </p:stCondLst>
-                                        </p:cTn>
-                                        <p:tgtEl>
-                                          <p:spTgt spid="5"/>
-                                        </p:tgtEl>
-                                        <p:attrNameLst>
-                                          <p:attrName>style.visibility</p:attrName>
-                                        </p:attrNameLst>
-                                      </p:cBhvr>
-                                      <p:to>
-                                        <p:strVal val="visible"/>
-                                      </p:to>
-                                    </p:set>
-                                  </p:childTnLst>
-                                </p:cTn>
-                              </p:par>
-                              <p:par>
-                                <p:cTn id="11" presetID="26" presetClass="emph" presetSubtype="0" fill="hold" grpId="2" nodeType="withEffect">
-                                  <p:stCondLst>
-                                    <p:cond delay="0"/>
-                                  </p:stCondLst>
-                                  <p:childTnLst>
-                                    <p:animEffect transition="out" filter="fade">
-                                      <p:cBhvr>
-                                        <p:cTn id="12" dur="1000" tmFilter="0, 0; .2, .5; .8, .5; 1, 0"/>
-                                        <p:tgtEl>
-                                          <p:spTgt spid="5"/>
-                                        </p:tgtEl>
-                                      </p:cBhvr>
-                                    </p:animEffect>
-                                    <p:animScale>
-                                      <p:cBhvr>
-                                        <p:cTn id="13" dur="500" autoRev="1" fill="hold"/>
-                                        <p:tgtEl>
-                                          <p:spTgt spid="5"/>
-                                        </p:tgtEl>
-                                      </p:cBhvr>
-                                      <p:by x="105000" y="105000"/>
-                                    </p:animScale>
-                                  </p:childTnLst>
-                                </p:cTn>
-                              </p:par>
-                            </p:childTnLst>
-                          </p:cTn>
-                        </p:par>
-                      </p:childTnLst>
-                    </p:cTn>
-                  </p:par>
-                  <p:par>
-                    <p:cTn id="14" fill="hold">
-                      <p:stCondLst>
-                        <p:cond delay="indefinite"/>
-                      </p:stCondLst>
-                      <p:childTnLst>
-                        <p:par>
-                          <p:cTn id="15" fill="hold">
-                            <p:stCondLst>
-                              <p:cond delay="0"/>
-                            </p:stCondLst>
-                            <p:childTnLst>
-                              <p:par>
-                                <p:cTn id="16" presetID="1" presetClass="exit" presetSubtype="0" fill="hold" grpId="1" nodeType="clickEffect">
-                                  <p:stCondLst>
-                                    <p:cond delay="0"/>
-                                  </p:stCondLst>
-                                  <p:childTnLst>
-                                    <p:set>
-                                      <p:cBhvr>
-                                        <p:cTn id="17" dur="1" fill="hold">
-                                          <p:stCondLst>
-                                            <p:cond delay="0"/>
-                                          </p:stCondLst>
-                                        </p:cTn>
-                                        <p:tgtEl>
-                                          <p:spTgt spid="5"/>
-                                        </p:tgtEl>
-                                        <p:attrNameLst>
-                                          <p:attrName>style.visibility</p:attrName>
-                                        </p:attrNameLst>
-                                      </p:cBhvr>
-                                      <p:to>
-                                        <p:strVal val="hidden"/>
-                                      </p:to>
-                                    </p:set>
-                                  </p:childTnLst>
-                                </p:cTn>
-                              </p:par>
-                              <p:par>
-                                <p:cTn id="18" presetID="1" presetClass="entr" presetSubtype="0" fill="hold" grpId="0" nodeType="withEffect">
-                                  <p:stCondLst>
-                                    <p:cond delay="0"/>
-                                  </p:stCondLst>
-                                  <p:childTnLst>
-                                    <p:set>
-                                      <p:cBhvr>
-                                        <p:cTn id="19" dur="1" fill="hold">
-                                          <p:stCondLst>
-                                            <p:cond delay="0"/>
-                                          </p:stCondLst>
-                                        </p:cTn>
-                                        <p:tgtEl>
-                                          <p:spTgt spid="6"/>
-                                        </p:tgtEl>
-                                        <p:attrNameLst>
-                                          <p:attrName>style.visibility</p:attrName>
-                                        </p:attrNameLst>
-                                      </p:cBhvr>
-                                      <p:to>
-                                        <p:strVal val="visible"/>
-                                      </p:to>
-                                    </p:set>
-                                  </p:childTnLst>
-                                </p:cTn>
-                              </p:par>
-                              <p:par>
-                                <p:cTn id="20" presetID="26" presetClass="emph" presetSubtype="0" fill="hold" grpId="2" nodeType="withEffect">
-                                  <p:stCondLst>
-                                    <p:cond delay="0"/>
-                                  </p:stCondLst>
-                                  <p:childTnLst>
-                                    <p:animEffect transition="out" filter="fade">
-                                      <p:cBhvr>
-                                        <p:cTn id="21" dur="1000" tmFilter="0, 0; .2, .5; .8, .5; 1, 0"/>
-                                        <p:tgtEl>
-                                          <p:spTgt spid="6"/>
-                                        </p:tgtEl>
-                                      </p:cBhvr>
-                                    </p:animEffect>
-                                    <p:animScale>
-                                      <p:cBhvr>
-                                        <p:cTn id="22" dur="500" autoRev="1" fill="hold"/>
-                                        <p:tgtEl>
-                                          <p:spTgt spid="6"/>
-                                        </p:tgtEl>
-                                      </p:cBhvr>
-                                      <p:by x="105000" y="105000"/>
-                                    </p:animScale>
-                                  </p:childTnLst>
-                                </p:cTn>
-                              </p:par>
-                            </p:childTnLst>
-                          </p:cTn>
-                        </p:par>
-                      </p:childTnLst>
-                    </p:cTn>
-                  </p:par>
-                  <p:par>
-                    <p:cTn id="23" fill="hold">
-                      <p:stCondLst>
-                        <p:cond delay="indefinite"/>
-                      </p:stCondLst>
-                      <p:childTnLst>
-                        <p:par>
-                          <p:cTn id="24" fill="hold">
-                            <p:stCondLst>
-                              <p:cond delay="0"/>
-                            </p:stCondLst>
-                            <p:childTnLst>
-                              <p:par>
-                                <p:cTn id="25" presetID="1" presetClass="exit" presetSubtype="0" fill="hold" grpId="1" nodeType="clickEffect">
-                                  <p:stCondLst>
-                                    <p:cond delay="0"/>
-                                  </p:stCondLst>
-                                  <p:childTnLst>
-                                    <p:set>
-                                      <p:cBhvr>
-                                        <p:cTn id="26" dur="1" fill="hold">
-                                          <p:stCondLst>
-                                            <p:cond delay="0"/>
-                                          </p:stCondLst>
-                                        </p:cTn>
-                                        <p:tgtEl>
-                                          <p:spTgt spid="6"/>
-                                        </p:tgtEl>
-                                        <p:attrNameLst>
-                                          <p:attrName>style.visibility</p:attrName>
-                                        </p:attrNameLst>
-                                      </p:cBhvr>
-                                      <p:to>
-                                        <p:strVal val="hidden"/>
-                                      </p:to>
-                                    </p:set>
-                                  </p:childTnLst>
-                                </p:cTn>
-                              </p:par>
-                            </p:childTnLst>
-                          </p:cTn>
-                        </p:par>
-                      </p:childTnLst>
-                    </p:cTn>
-                  </p:par>
-                </p:childTnLst>
-              </p:cTn>
-              <p:prevCondLst>
-                <p:cond evt="onPrev" delay="0">
-                  <p:tgtEl>
-                    <p:sldTgt/>
-                  </p:tgtEl>
-                </p:cond>
-              </p:prevCondLst>
-              <p:nextCondLst>
-                <p:cond evt="onNext" delay="0">
-                  <p:tgtEl>
-                    <p:sldTgt/>
-                  </p:tgtEl>
-                </p:cond>
-              </p:nextCondLst>
-            </p:seq>
-            <p:audio isNarration="1">
-              <p:cMediaNode vol="80000" showWhenStopped="0">
-                <p:cTn id="27" fill="hold" display="0">
-                  <p:stCondLst>
-                    <p:cond delay="indefinite"/>
-                  </p:stCondLst>
-                  <p:endCondLst>
-                    <p:cond evt="onStopAudio" delay="0">
-                      <p:tgtEl>
-                        <p:sldTgt/>
-                      </p:tgtEl>
-                    </p:cond>
-                  </p:endCondLst>
-                </p:cTn>
-                <p:tgtEl>
-                  <p:spTgt spid="7"/>
-                </p:tgtEl>
-              </p:cMediaNode>
-            </p:audio>
-          </p:childTnLst>
-        </p:cTn>
-      </p:par>
-    </p:tnLst>
-    <p:bldLst>
-      <p:bldP spid="5" grpId="0" animBg="1"/>
-      <p:bldP spid="5" grpId="1" animBg="1"/>
-      <p:bldP spid="5" grpId="2" animBg="1"/>
-      <p:bldP spid="6" grpId="0" animBg="1"/>
-      <p:bldP spid="6" grpId="1" animBg="1"/>
-      <p:bldP spid="6" grpId="2" animBg="1"/>
-    </p:bldLst>
-  </p:timing>
-</p:sld>
-</file>
-
-<file path=ppt/slides/slide4.xml><?xml version="1.0" encoding="utf-8"?>
-<p:sld xmlns:a="http://schemas.openxmlformats.org/drawingml/2006/main" xmlns:r="http://schemas.openxmlformats.org/officeDocument/2006/relationships" xmlns:p="http://schemas.openxmlformats.org/presentationml/2006/main">
-  <p:cSld>
-    <p:spTree>
-      <p:nvGrpSpPr>
-        <p:cNvPr id="1" name=""/>
-        <p:cNvGrpSpPr/>
-        <p:nvPr/>
-      </p:nvGrpSpPr>
-      <p:grpSpPr>
-        <a:xfrm>
-          <a:off x="0" y="0"/>
-          <a:ext cx="0" cy="0"/>
-          <a:chOff x="0" y="0"/>
-          <a:chExt cx="0" cy="0"/>
-        </a:xfrm>
-      </p:grpSpPr>
-      <p:grpSp>
-        <p:nvGrpSpPr>
-          <p:cNvPr id="7" name="Group 6">
-            <a:extLst>
-              <a:ext uri="{FF2B5EF4-FFF2-40B4-BE49-F238E27FC236}">
-                <a16:creationId xmlns:a16="http://schemas.microsoft.com/office/drawing/2014/main" id="{D7879FA5-1F42-5EE9-323B-99E933C5BB7C}"/>
-              </a:ext>
-            </a:extLst>
-          </p:cNvPr>
-          <p:cNvGrpSpPr/>
-          <p:nvPr/>
-        </p:nvGrpSpPr>
-        <p:grpSpPr>
-          <a:xfrm>
-            <a:off x="368299" y="2039817"/>
-            <a:ext cx="11455403" cy="4233797"/>
-            <a:chOff x="333129" y="2039817"/>
-            <a:chExt cx="11455403" cy="4233797"/>
-          </a:xfrm>
-        </p:grpSpPr>
-        <p:pic>
-          <p:nvPicPr>
-            <p:cNvPr id="2" name="Picture 1">
-              <a:extLst>
-                <a:ext uri="{FF2B5EF4-FFF2-40B4-BE49-F238E27FC236}">
-                  <a16:creationId xmlns:a16="http://schemas.microsoft.com/office/drawing/2014/main" id="{6304EFF7-C016-391A-D4FB-B3B59163B826}"/>
-                </a:ext>
-              </a:extLst>
-            </p:cNvPr>
-            <p:cNvPicPr>
-              <a:picLocks noChangeAspect="1"/>
-            </p:cNvPicPr>
-            <p:nvPr/>
-          </p:nvPicPr>
-          <p:blipFill>
-            <a:blip r:embed="rId6"/>
-            <a:stretch>
-              <a:fillRect/>
-            </a:stretch>
-          </p:blipFill>
-          <p:spPr>
-            <a:xfrm>
-              <a:off x="333129" y="2039817"/>
-              <a:ext cx="3657600" cy="4233797"/>
-            </a:xfrm>
-            <a:prstGeom prst="rect">
-              <a:avLst/>
-            </a:prstGeom>
-          </p:spPr>
-        </p:pic>
-        <p:pic>
-          <p:nvPicPr>
-            <p:cNvPr id="3" name="Picture 2">
-              <a:extLst>
-                <a:ext uri="{FF2B5EF4-FFF2-40B4-BE49-F238E27FC236}">
-                  <a16:creationId xmlns:a16="http://schemas.microsoft.com/office/drawing/2014/main" id="{886F5C7A-7652-4D7C-027D-92F9CA0ABB4E}"/>
-                </a:ext>
-              </a:extLst>
-            </p:cNvPr>
-            <p:cNvPicPr>
-              <a:picLocks noChangeAspect="1"/>
-            </p:cNvPicPr>
-            <p:nvPr/>
-          </p:nvPicPr>
-          <p:blipFill>
-            <a:blip r:embed="rId7"/>
-            <a:stretch>
-              <a:fillRect/>
-            </a:stretch>
-          </p:blipFill>
-          <p:spPr>
-            <a:xfrm>
-              <a:off x="8130932" y="2089921"/>
-              <a:ext cx="3657600" cy="4183693"/>
-            </a:xfrm>
-            <a:prstGeom prst="rect">
-              <a:avLst/>
-            </a:prstGeom>
-          </p:spPr>
-        </p:pic>
-      </p:grpSp>
-      <p:sp>
-        <p:nvSpPr>
-          <p:cNvPr id="5" name="Down Arrow 4">
-            <a:extLst>
-              <a:ext uri="{FF2B5EF4-FFF2-40B4-BE49-F238E27FC236}">
-                <a16:creationId xmlns:a16="http://schemas.microsoft.com/office/drawing/2014/main" id="{D7E330A0-570F-5B53-782B-A4924160AED6}"/>
-              </a:ext>
-            </a:extLst>
-          </p:cNvPr>
-          <p:cNvSpPr/>
-          <p:nvPr/>
-        </p:nvSpPr>
-        <p:spPr>
-          <a:xfrm rot="2966620">
-            <a:off x="4006361" y="404447"/>
-            <a:ext cx="1266092" cy="2391508"/>
-          </a:xfrm>
-          <a:prstGeom prst="downArrow">
-            <a:avLst>
-              <a:gd name="adj1" fmla="val 32508"/>
-              <a:gd name="adj2" fmla="val 50000"/>
-            </a:avLst>
-          </a:prstGeom>
-        </p:spPr>
-        <p:style>
-          <a:lnRef idx="2">
-            <a:schemeClr val="dk1">
-              <a:shade val="15000"/>
-            </a:schemeClr>
-          </a:lnRef>
-          <a:fillRef idx="1">
-            <a:schemeClr val="dk1"/>
-          </a:fillRef>
-          <a:effectRef idx="0">
-            <a:schemeClr val="dk1"/>
-          </a:effectRef>
-          <a:fontRef idx="minor">
-            <a:schemeClr val="lt1"/>
-          </a:fontRef>
-        </p:style>
-        <p:txBody>
-          <a:bodyPr rtlCol="0" anchor="ctr"/>
-          <a:lstStyle/>
-          <a:p>
-            <a:pPr algn="ctr"/>
-            <a:endParaRPr lang="en-US"/>
-          </a:p>
-        </p:txBody>
-      </p:sp>
-      <p:sp>
-        <p:nvSpPr>
-          <p:cNvPr id="6" name="Down Arrow 5">
-            <a:extLst>
-              <a:ext uri="{FF2B5EF4-FFF2-40B4-BE49-F238E27FC236}">
-                <a16:creationId xmlns:a16="http://schemas.microsoft.com/office/drawing/2014/main" id="{A4D6D935-0F8B-EE12-9802-DEC548029176}"/>
-              </a:ext>
-            </a:extLst>
-          </p:cNvPr>
-          <p:cNvSpPr/>
-          <p:nvPr/>
-        </p:nvSpPr>
-        <p:spPr>
-          <a:xfrm rot="18633380" flipH="1">
-            <a:off x="6919548" y="381003"/>
-            <a:ext cx="1266092" cy="2391508"/>
-          </a:xfrm>
-          <a:prstGeom prst="downArrow">
-            <a:avLst>
-              <a:gd name="adj1" fmla="val 32508"/>
-              <a:gd name="adj2" fmla="val 50000"/>
-            </a:avLst>
-          </a:prstGeom>
-        </p:spPr>
-        <p:style>
-          <a:lnRef idx="2">
-            <a:schemeClr val="dk1">
-              <a:shade val="15000"/>
-            </a:schemeClr>
-          </a:lnRef>
-          <a:fillRef idx="1">
-            <a:schemeClr val="dk1"/>
-          </a:fillRef>
-          <a:effectRef idx="0">
-            <a:schemeClr val="dk1"/>
-          </a:effectRef>
-          <a:fontRef idx="minor">
-            <a:schemeClr val="lt1"/>
-          </a:fontRef>
-        </p:style>
-        <p:txBody>
-          <a:bodyPr rtlCol="0" anchor="ctr"/>
-          <a:lstStyle/>
-          <a:p>
-            <a:pPr algn="ctr"/>
-            <a:endParaRPr lang="en-US"/>
-          </a:p>
-        </p:txBody>
-      </p:sp>
-      <p:pic>
-        <p:nvPicPr>
-          <p:cNvPr id="8" name="Audio 7">
-            <a:extLst>
-              <a:ext uri="{FF2B5EF4-FFF2-40B4-BE49-F238E27FC236}">
-                <a16:creationId xmlns:a16="http://schemas.microsoft.com/office/drawing/2014/main" id="{12F5B0B2-8AEA-F8B3-681B-2E5EF0747E64}"/>
-              </a:ext>
-            </a:extLst>
-          </p:cNvPr>
-          <p:cNvPicPr>
-            <a:picLocks noChangeAspect="1"/>
-          </p:cNvPicPr>
-          <p:nvPr>
-            <a:audioFile r:link="rId3"/>
-            <p:extLst>
-              <p:ext uri="{DAA4B4D4-6D71-4841-9C94-3DE7FCFB9230}">
-                <p14:media xmlns:p14="http://schemas.microsoft.com/office/powerpoint/2010/main" r:embed="rId2"/>
-              </p:ext>
-            </p:extLst>
-          </p:nvPr>
-        </p:nvPicPr>
-        <p:blipFill>
-          <a:blip r:embed="rId8"/>
-          <a:stretch>
-            <a:fillRect/>
-          </a:stretch>
-        </p:blipFill>
-        <p:spPr>
-          <a:xfrm>
-            <a:off x="11226800" y="5892800"/>
-            <a:ext cx="812800" cy="812800"/>
-          </a:xfrm>
-          <a:prstGeom prst="rect">
-            <a:avLst/>
-          </a:prstGeom>
-        </p:spPr>
-      </p:pic>
-    </p:spTree>
-    <p:custDataLst>
-      <p:tags r:id="rId1"/>
-    </p:custDataLst>
-    <p:extLst>
-      <p:ext uri="{BB962C8B-B14F-4D97-AF65-F5344CB8AC3E}">
-        <p14:creationId xmlns:p14="http://schemas.microsoft.com/office/powerpoint/2010/main" val="4194429322"/>
-      </p:ext>
-    </p:extLst>
-  </p:cSld>
-  <p:clrMapOvr>
-    <a:masterClrMapping/>
-  </p:clrMapOvr>
-  <mc:AlternateContent xmlns:mc="http://schemas.openxmlformats.org/markup-compatibility/2006">
-    <mc:Choice xmlns:p14="http://schemas.microsoft.com/office/powerpoint/2010/main" Requires="p14">
-      <p:transition spd="slow" p14:dur="2000" advTm="14773"/>
-    </mc:Choice>
-    <mc:Fallback>
-      <p:transition spd="slow" advTm="14773"/>
+      <p:transition spd="slow" advTm="3776"/>
     </mc:Fallback>
   </mc:AlternateContent>
   <p:timing>
@@ -6401,211 +5190,281 @@
                       </p:childTnLst>
                     </p:cTn>
                   </p:par>
+                </p:childTnLst>
+              </p:cTn>
+              <p:prevCondLst>
+                <p:cond evt="onPrev" delay="0">
+                  <p:tgtEl>
+                    <p:sldTgt/>
+                  </p:tgtEl>
+                </p:cond>
+              </p:prevCondLst>
+              <p:nextCondLst>
+                <p:cond evt="onNext" delay="0">
+                  <p:tgtEl>
+                    <p:sldTgt/>
+                  </p:tgtEl>
+                </p:cond>
+              </p:nextCondLst>
+            </p:seq>
+            <p:audio isNarration="1">
+              <p:cMediaNode vol="80000" showWhenStopped="0">
+                <p:cTn id="7" fill="hold" display="0">
+                  <p:stCondLst>
+                    <p:cond delay="indefinite"/>
+                  </p:stCondLst>
+                  <p:endCondLst>
+                    <p:cond evt="onStopAudio" delay="0">
+                      <p:tgtEl>
+                        <p:sldTgt/>
+                      </p:tgtEl>
+                    </p:cond>
+                  </p:endCondLst>
+                </p:cTn>
+                <p:tgtEl>
+                  <p:spTgt spid="8"/>
+                </p:tgtEl>
+              </p:cMediaNode>
+            </p:audio>
+          </p:childTnLst>
+        </p:cTn>
+      </p:par>
+    </p:tnLst>
+  </p:timing>
+</p:sld>
+</file>
+
+<file path=ppt/slides/slide2.xml><?xml version="1.0" encoding="utf-8"?>
+<p:sld xmlns:a="http://schemas.openxmlformats.org/drawingml/2006/main" xmlns:r="http://schemas.openxmlformats.org/officeDocument/2006/relationships" xmlns:p="http://schemas.openxmlformats.org/presentationml/2006/main">
+  <p:cSld>
+    <p:spTree>
+      <p:nvGrpSpPr>
+        <p:cNvPr id="1" name="">
+          <a:extLst>
+            <a:ext uri="{FF2B5EF4-FFF2-40B4-BE49-F238E27FC236}">
+              <a16:creationId xmlns:a16="http://schemas.microsoft.com/office/drawing/2014/main" id="{93262C7A-060F-B3CF-C06A-1017872B3883}"/>
+            </a:ext>
+          </a:extLst>
+        </p:cNvPr>
+        <p:cNvGrpSpPr/>
+        <p:nvPr/>
+      </p:nvGrpSpPr>
+      <p:grpSpPr>
+        <a:xfrm>
+          <a:off x="0" y="0"/>
+          <a:ext cx="0" cy="0"/>
+          <a:chOff x="0" y="0"/>
+          <a:chExt cx="0" cy="0"/>
+        </a:xfrm>
+      </p:grpSpPr>
+      <p:pic>
+        <p:nvPicPr>
+          <p:cNvPr id="5" name="Picture 4">
+            <a:extLst>
+              <a:ext uri="{FF2B5EF4-FFF2-40B4-BE49-F238E27FC236}">
+                <a16:creationId xmlns:a16="http://schemas.microsoft.com/office/drawing/2014/main" id="{62CC6C51-99FF-E342-A948-BA2DFD36893A}"/>
+              </a:ext>
+            </a:extLst>
+          </p:cNvPr>
+          <p:cNvPicPr>
+            <a:picLocks noChangeAspect="1"/>
+          </p:cNvPicPr>
+          <p:nvPr/>
+        </p:nvPicPr>
+        <p:blipFill>
+          <a:blip r:embed="rId5"/>
+          <a:srcRect/>
+          <a:stretch/>
+        </p:blipFill>
+        <p:spPr>
+          <a:xfrm>
+            <a:off x="317500" y="357415"/>
+            <a:ext cx="2743200" cy="2743200"/>
+          </a:xfrm>
+          <a:prstGeom prst="rect">
+            <a:avLst/>
+          </a:prstGeom>
+        </p:spPr>
+      </p:pic>
+      <p:pic>
+        <p:nvPicPr>
+          <p:cNvPr id="34" name="Picture 33">
+            <a:extLst>
+              <a:ext uri="{FF2B5EF4-FFF2-40B4-BE49-F238E27FC236}">
+                <a16:creationId xmlns:a16="http://schemas.microsoft.com/office/drawing/2014/main" id="{4B3845DF-DD1A-5D01-8E1A-BEAC9D36F589}"/>
+              </a:ext>
+            </a:extLst>
+          </p:cNvPr>
+          <p:cNvPicPr>
+            <a:picLocks noChangeAspect="1"/>
+          </p:cNvPicPr>
+          <p:nvPr/>
+        </p:nvPicPr>
+        <p:blipFill>
+          <a:blip r:embed="rId6"/>
+          <a:srcRect/>
+          <a:stretch/>
+        </p:blipFill>
+        <p:spPr>
+          <a:xfrm>
+            <a:off x="6605814" y="357415"/>
+            <a:ext cx="2743200" cy="2743200"/>
+          </a:xfrm>
+          <a:prstGeom prst="rect">
+            <a:avLst/>
+          </a:prstGeom>
+        </p:spPr>
+      </p:pic>
+      <p:pic>
+        <p:nvPicPr>
+          <p:cNvPr id="30" name="Picture 29">
+            <a:extLst>
+              <a:ext uri="{FF2B5EF4-FFF2-40B4-BE49-F238E27FC236}">
+                <a16:creationId xmlns:a16="http://schemas.microsoft.com/office/drawing/2014/main" id="{3944D1D7-AB00-BBBB-8C64-CDB71EB26532}"/>
+              </a:ext>
+            </a:extLst>
+          </p:cNvPr>
+          <p:cNvPicPr>
+            <a:picLocks noChangeAspect="1"/>
+          </p:cNvPicPr>
+          <p:nvPr/>
+        </p:nvPicPr>
+        <p:blipFill>
+          <a:blip r:embed="rId7"/>
+          <a:srcRect/>
+          <a:stretch/>
+        </p:blipFill>
+        <p:spPr>
+          <a:xfrm>
+            <a:off x="317500" y="3757386"/>
+            <a:ext cx="2743200" cy="2743200"/>
+          </a:xfrm>
+          <a:prstGeom prst="rect">
+            <a:avLst/>
+          </a:prstGeom>
+        </p:spPr>
+      </p:pic>
+      <p:pic>
+        <p:nvPicPr>
+          <p:cNvPr id="38" name="Picture 37">
+            <a:extLst>
+              <a:ext uri="{FF2B5EF4-FFF2-40B4-BE49-F238E27FC236}">
+                <a16:creationId xmlns:a16="http://schemas.microsoft.com/office/drawing/2014/main" id="{F3CB659C-E2BE-B4F9-8348-A729DD8260FE}"/>
+              </a:ext>
+            </a:extLst>
+          </p:cNvPr>
+          <p:cNvPicPr>
+            <a:picLocks noChangeAspect="1"/>
+          </p:cNvPicPr>
+          <p:nvPr/>
+        </p:nvPicPr>
+        <p:blipFill>
+          <a:blip r:embed="rId8"/>
+          <a:srcRect/>
+          <a:stretch/>
+        </p:blipFill>
+        <p:spPr>
+          <a:xfrm>
+            <a:off x="6605814" y="3757386"/>
+            <a:ext cx="2743200" cy="2743200"/>
+          </a:xfrm>
+          <a:prstGeom prst="rect">
+            <a:avLst/>
+          </a:prstGeom>
+        </p:spPr>
+      </p:pic>
+      <p:pic>
+        <p:nvPicPr>
+          <p:cNvPr id="6" name="Audio 5">
+            <a:extLst>
+              <a:ext uri="{FF2B5EF4-FFF2-40B4-BE49-F238E27FC236}">
+                <a16:creationId xmlns:a16="http://schemas.microsoft.com/office/drawing/2014/main" id="{AC99F977-2D47-F791-9389-B14C1DC177DC}"/>
+              </a:ext>
+            </a:extLst>
+          </p:cNvPr>
+          <p:cNvPicPr>
+            <a:picLocks noChangeAspect="1"/>
+          </p:cNvPicPr>
+          <p:nvPr>
+            <a:audioFile r:link="rId2"/>
+            <p:extLst>
+              <p:ext uri="{DAA4B4D4-6D71-4841-9C94-3DE7FCFB9230}">
+                <p14:media xmlns:p14="http://schemas.microsoft.com/office/powerpoint/2010/main" r:embed="rId1"/>
+              </p:ext>
+            </p:extLst>
+          </p:nvPr>
+        </p:nvPicPr>
+        <p:blipFill>
+          <a:blip r:embed="rId9"/>
+          <a:stretch>
+            <a:fillRect/>
+          </a:stretch>
+        </p:blipFill>
+        <p:spPr>
+          <a:xfrm>
+            <a:off x="11226800" y="5892800"/>
+            <a:ext cx="812800" cy="812800"/>
+          </a:xfrm>
+          <a:prstGeom prst="rect">
+            <a:avLst/>
+          </a:prstGeom>
+        </p:spPr>
+      </p:pic>
+    </p:spTree>
+    <p:extLst>
+      <p:ext uri="{BB962C8B-B14F-4D97-AF65-F5344CB8AC3E}">
+        <p14:creationId xmlns:p14="http://schemas.microsoft.com/office/powerpoint/2010/main" val="2215165096"/>
+      </p:ext>
+    </p:extLst>
+  </p:cSld>
+  <p:clrMapOvr>
+    <a:masterClrMapping/>
+  </p:clrMapOvr>
+  <mc:AlternateContent xmlns:mc="http://schemas.openxmlformats.org/markup-compatibility/2006">
+    <mc:Choice xmlns:p14="http://schemas.microsoft.com/office/powerpoint/2010/main" Requires="p14">
+      <p:transition spd="slow" p14:dur="2000" advTm="5930"/>
+    </mc:Choice>
+    <mc:Fallback>
+      <p:transition spd="slow" advTm="5930"/>
+    </mc:Fallback>
+  </mc:AlternateContent>
+  <p:timing>
+    <p:tnLst>
+      <p:par>
+        <p:cTn id="1" dur="indefinite" restart="never" nodeType="tmRoot">
+          <p:childTnLst>
+            <p:seq concurrent="1" nextAc="seek">
+              <p:cTn id="2" dur="indefinite" nodeType="mainSeq">
+                <p:childTnLst>
                   <p:par>
-                    <p:cTn id="7" fill="hold">
+                    <p:cTn id="3" fill="hold">
                       <p:stCondLst>
                         <p:cond delay="indefinite"/>
+                        <p:cond evt="onBegin" delay="0">
+                          <p:tn val="2"/>
+                        </p:cond>
                       </p:stCondLst>
                       <p:childTnLst>
                         <p:par>
-                          <p:cTn id="8" fill="hold">
+                          <p:cTn id="4" fill="hold">
                             <p:stCondLst>
                               <p:cond delay="0"/>
                             </p:stCondLst>
                             <p:childTnLst>
                               <p:par>
-                                <p:cTn id="9" presetID="1" presetClass="entr" presetSubtype="0" fill="hold" grpId="0" nodeType="clickEffect">
+                                <p:cTn id="5" presetID="1" presetClass="mediacall" presetSubtype="0" fill="hold" nodeType="afterEffect">
                                   <p:stCondLst>
                                     <p:cond delay="0"/>
                                   </p:stCondLst>
                                   <p:childTnLst>
-                                    <p:set>
+                                    <p:cmd type="call" cmd="playFrom(0.0)">
                                       <p:cBhvr>
-                                        <p:cTn id="10" dur="1" fill="hold">
-                                          <p:stCondLst>
-                                            <p:cond delay="0"/>
-                                          </p:stCondLst>
-                                        </p:cTn>
-                                        <p:tgtEl>
-                                          <p:spTgt spid="5"/>
-                                        </p:tgtEl>
-                                        <p:attrNameLst>
-                                          <p:attrName>style.visibility</p:attrName>
-                                        </p:attrNameLst>
-                                      </p:cBhvr>
-                                      <p:to>
-                                        <p:strVal val="visible"/>
-                                      </p:to>
-                                    </p:set>
-                                  </p:childTnLst>
-                                </p:cTn>
-                              </p:par>
-                              <p:par>
-                                <p:cTn id="11" presetID="26" presetClass="emph" presetSubtype="0" fill="hold" grpId="2" nodeType="withEffect">
-                                  <p:stCondLst>
-                                    <p:cond delay="0"/>
-                                  </p:stCondLst>
-                                  <p:childTnLst>
-                                    <p:animEffect transition="out" filter="fade">
-                                      <p:cBhvr>
-                                        <p:cTn id="12" dur="1000" tmFilter="0, 0; .2, .5; .8, .5; 1, 0"/>
-                                        <p:tgtEl>
-                                          <p:spTgt spid="5"/>
-                                        </p:tgtEl>
-                                      </p:cBhvr>
-                                    </p:animEffect>
-                                    <p:animScale>
-                                      <p:cBhvr>
-                                        <p:cTn id="13" dur="500" autoRev="1" fill="hold"/>
-                                        <p:tgtEl>
-                                          <p:spTgt spid="5"/>
-                                        </p:tgtEl>
-                                      </p:cBhvr>
-                                      <p:by x="105000" y="105000"/>
-                                    </p:animScale>
-                                  </p:childTnLst>
-                                </p:cTn>
-                              </p:par>
-                            </p:childTnLst>
-                          </p:cTn>
-                        </p:par>
-                      </p:childTnLst>
-                    </p:cTn>
-                  </p:par>
-                  <p:par>
-                    <p:cTn id="14" fill="hold">
-                      <p:stCondLst>
-                        <p:cond delay="indefinite"/>
-                      </p:stCondLst>
-                      <p:childTnLst>
-                        <p:par>
-                          <p:cTn id="15" fill="hold">
-                            <p:stCondLst>
-                              <p:cond delay="0"/>
-                            </p:stCondLst>
-                            <p:childTnLst>
-                              <p:par>
-                                <p:cTn id="16" presetID="1" presetClass="exit" presetSubtype="0" fill="hold" grpId="1" nodeType="clickEffect">
-                                  <p:stCondLst>
-                                    <p:cond delay="0"/>
-                                  </p:stCondLst>
-                                  <p:childTnLst>
-                                    <p:set>
-                                      <p:cBhvr>
-                                        <p:cTn id="17" dur="1" fill="hold">
-                                          <p:stCondLst>
-                                            <p:cond delay="0"/>
-                                          </p:stCondLst>
-                                        </p:cTn>
-                                        <p:tgtEl>
-                                          <p:spTgt spid="5"/>
-                                        </p:tgtEl>
-                                        <p:attrNameLst>
-                                          <p:attrName>style.visibility</p:attrName>
-                                        </p:attrNameLst>
-                                      </p:cBhvr>
-                                      <p:to>
-                                        <p:strVal val="hidden"/>
-                                      </p:to>
-                                    </p:set>
-                                  </p:childTnLst>
-                                </p:cTn>
-                              </p:par>
-                              <p:par>
-                                <p:cTn id="18" presetID="1" presetClass="entr" presetSubtype="0" fill="hold" grpId="0" nodeType="withEffect">
-                                  <p:stCondLst>
-                                    <p:cond delay="0"/>
-                                  </p:stCondLst>
-                                  <p:childTnLst>
-                                    <p:set>
-                                      <p:cBhvr>
-                                        <p:cTn id="19" dur="1" fill="hold">
-                                          <p:stCondLst>
-                                            <p:cond delay="0"/>
-                                          </p:stCondLst>
-                                        </p:cTn>
-                                        <p:tgtEl>
-                                          <p:spTgt spid="6"/>
-                                        </p:tgtEl>
-                                        <p:attrNameLst>
-                                          <p:attrName>style.visibility</p:attrName>
-                                        </p:attrNameLst>
-                                      </p:cBhvr>
-                                      <p:to>
-                                        <p:strVal val="visible"/>
-                                      </p:to>
-                                    </p:set>
-                                  </p:childTnLst>
-                                </p:cTn>
-                              </p:par>
-                              <p:par>
-                                <p:cTn id="20" presetID="26" presetClass="emph" presetSubtype="0" fill="hold" grpId="2" nodeType="withEffect">
-                                  <p:stCondLst>
-                                    <p:cond delay="0"/>
-                                  </p:stCondLst>
-                                  <p:childTnLst>
-                                    <p:animEffect transition="out" filter="fade">
-                                      <p:cBhvr>
-                                        <p:cTn id="21" dur="1000" tmFilter="0, 0; .2, .5; .8, .5; 1, 0"/>
+                                        <p:cTn id="6" dur="1" fill="hold"/>
                                         <p:tgtEl>
                                           <p:spTgt spid="6"/>
                                         </p:tgtEl>
                                       </p:cBhvr>
-                                    </p:animEffect>
-                                    <p:animScale>
-                                      <p:cBhvr>
-                                        <p:cTn id="22" dur="500" autoRev="1" fill="hold"/>
-                                        <p:tgtEl>
-                                          <p:spTgt spid="6"/>
-                                        </p:tgtEl>
-                                      </p:cBhvr>
-                                      <p:by x="105000" y="105000"/>
-                                    </p:animScale>
-                                  </p:childTnLst>
-                                </p:cTn>
-                              </p:par>
-                            </p:childTnLst>
-                          </p:cTn>
-                        </p:par>
-                      </p:childTnLst>
-                    </p:cTn>
-                  </p:par>
-                  <p:par>
-                    <p:cTn id="23" fill="hold">
-                      <p:stCondLst>
-                        <p:cond delay="indefinite"/>
-                      </p:stCondLst>
-                      <p:childTnLst>
-                        <p:par>
-                          <p:cTn id="24" fill="hold">
-                            <p:stCondLst>
-                              <p:cond delay="0"/>
-                            </p:stCondLst>
-                            <p:childTnLst>
-                              <p:par>
-                                <p:cTn id="25" presetID="1" presetClass="exit" presetSubtype="0" fill="hold" grpId="1" nodeType="clickEffect">
-                                  <p:stCondLst>
-                                    <p:cond delay="0"/>
-                                  </p:stCondLst>
-                                  <p:childTnLst>
-                                    <p:set>
-                                      <p:cBhvr>
-                                        <p:cTn id="26" dur="1" fill="hold">
-                                          <p:stCondLst>
-                                            <p:cond delay="0"/>
-                                          </p:stCondLst>
-                                        </p:cTn>
-                                        <p:tgtEl>
-                                          <p:spTgt spid="6"/>
-                                        </p:tgtEl>
-                                        <p:attrNameLst>
-                                          <p:attrName>style.visibility</p:attrName>
-                                        </p:attrNameLst>
-                                      </p:cBhvr>
-                                      <p:to>
-                                        <p:strVal val="hidden"/>
-                                      </p:to>
-                                    </p:set>
+                                    </p:cmd>
                                   </p:childTnLst>
                                 </p:cTn>
                               </p:par>
@@ -6634,7 +5493,7 @@
             </p:seq>
             <p:audio isNarration="1">
               <p:cMediaNode vol="80000" showWhenStopped="0">
-                <p:cTn id="27" fill="hold" display="0">
+                <p:cTn id="7" fill="hold" display="0">
                   <p:stCondLst>
                     <p:cond delay="indefinite"/>
                   </p:stCondLst>
@@ -6647,7 +5506,7 @@
                   </p:endCondLst>
                 </p:cTn>
                 <p:tgtEl>
-                  <p:spTgt spid="8"/>
+                  <p:spTgt spid="6"/>
                 </p:tgtEl>
               </p:cMediaNode>
             </p:audio>
@@ -6655,30 +5514,16 @@
         </p:cTn>
       </p:par>
     </p:tnLst>
-    <p:bldLst>
-      <p:bldP spid="5" grpId="0" animBg="1"/>
-      <p:bldP spid="5" grpId="1" animBg="1"/>
-      <p:bldP spid="5" grpId="2" animBg="1"/>
-      <p:bldP spid="6" grpId="0" animBg="1"/>
-      <p:bldP spid="6" grpId="1" animBg="1"/>
-      <p:bldP spid="6" grpId="2" animBg="1"/>
-    </p:bldLst>
   </p:timing>
 </p:sld>
 </file>
 
-<file path=ppt/slides/slide5.xml><?xml version="1.0" encoding="utf-8"?>
+<file path=ppt/slides/slide3.xml><?xml version="1.0" encoding="utf-8"?>
 <p:sld xmlns:a="http://schemas.openxmlformats.org/drawingml/2006/main" xmlns:r="http://schemas.openxmlformats.org/officeDocument/2006/relationships" xmlns:p="http://schemas.openxmlformats.org/presentationml/2006/main">
   <p:cSld>
     <p:spTree>
       <p:nvGrpSpPr>
-        <p:cNvPr id="1" name="">
-          <a:extLst>
-            <a:ext uri="{FF2B5EF4-FFF2-40B4-BE49-F238E27FC236}">
-              <a16:creationId xmlns:a16="http://schemas.microsoft.com/office/drawing/2014/main" id="{666A4C1B-E3B5-739C-9792-279739B77239}"/>
-            </a:ext>
-          </a:extLst>
-        </p:cNvPr>
+        <p:cNvPr id="1" name=""/>
         <p:cNvGrpSpPr/>
         <p:nvPr/>
       </p:nvGrpSpPr>
@@ -6695,7 +5540,7 @@
           <p:cNvPr id="5" name="Picture 4" descr="A cartoon character with a speech bubble&#10;&#10;Description automatically generated">
             <a:extLst>
               <a:ext uri="{FF2B5EF4-FFF2-40B4-BE49-F238E27FC236}">
-                <a16:creationId xmlns:a16="http://schemas.microsoft.com/office/drawing/2014/main" id="{5B22345B-6393-B740-8392-4DC4881F6B86}"/>
+                <a16:creationId xmlns:a16="http://schemas.microsoft.com/office/drawing/2014/main" id="{42A1C2D8-1A52-6C97-9579-82DE37F34C96}"/>
               </a:ext>
             </a:extLst>
           </p:cNvPr>
@@ -6705,7 +5550,7 @@
           <p:nvPr/>
         </p:nvPicPr>
         <p:blipFill>
-          <a:blip r:embed="rId5"/>
+          <a:blip r:embed="rId6"/>
           <a:stretch>
             <a:fillRect/>
           </a:stretch>
@@ -6725,7 +5570,7 @@
           <p:cNvPr id="34" name="Picture 33">
             <a:extLst>
               <a:ext uri="{FF2B5EF4-FFF2-40B4-BE49-F238E27FC236}">
-                <a16:creationId xmlns:a16="http://schemas.microsoft.com/office/drawing/2014/main" id="{326D68A3-0554-317B-E7D4-90CD40095D4B}"/>
+                <a16:creationId xmlns:a16="http://schemas.microsoft.com/office/drawing/2014/main" id="{30FAACDE-8A18-A66B-F44C-93D0E7CBA32A}"/>
               </a:ext>
             </a:extLst>
           </p:cNvPr>
@@ -6735,7 +5580,7 @@
           <p:nvPr/>
         </p:nvPicPr>
         <p:blipFill>
-          <a:blip r:embed="rId6"/>
+          <a:blip r:embed="rId7"/>
           <a:srcRect/>
           <a:stretch/>
         </p:blipFill>
@@ -6754,7 +5599,7 @@
           <p:cNvPr id="30" name="Picture 29">
             <a:extLst>
               <a:ext uri="{FF2B5EF4-FFF2-40B4-BE49-F238E27FC236}">
-                <a16:creationId xmlns:a16="http://schemas.microsoft.com/office/drawing/2014/main" id="{343AEB6C-9739-1077-DA4A-2E379E3B42E1}"/>
+                <a16:creationId xmlns:a16="http://schemas.microsoft.com/office/drawing/2014/main" id="{E73BC5C9-2DBF-AFF8-7F72-BB758EA3604C}"/>
               </a:ext>
             </a:extLst>
           </p:cNvPr>
@@ -6764,7 +5609,7 @@
           <p:nvPr/>
         </p:nvPicPr>
         <p:blipFill>
-          <a:blip r:embed="rId7"/>
+          <a:blip r:embed="rId8"/>
           <a:srcRect/>
           <a:stretch/>
         </p:blipFill>
@@ -6783,7 +5628,7 @@
           <p:cNvPr id="38" name="Picture 37">
             <a:extLst>
               <a:ext uri="{FF2B5EF4-FFF2-40B4-BE49-F238E27FC236}">
-                <a16:creationId xmlns:a16="http://schemas.microsoft.com/office/drawing/2014/main" id="{2436DF55-8B1E-5D01-BCCE-773E1789FBC0}"/>
+                <a16:creationId xmlns:a16="http://schemas.microsoft.com/office/drawing/2014/main" id="{21A47B10-5D42-5A4B-2CA2-70694F7C537B}"/>
               </a:ext>
             </a:extLst>
           </p:cNvPr>
@@ -6793,7 +5638,7 @@
           <p:nvPr/>
         </p:nvPicPr>
         <p:blipFill>
-          <a:blip r:embed="rId8"/>
+          <a:blip r:embed="rId9"/>
           <a:srcRect/>
           <a:stretch/>
         </p:blipFill>
@@ -6807,373 +5652,12 @@
           </a:prstGeom>
         </p:spPr>
       </p:pic>
-      <p:grpSp>
-        <p:nvGrpSpPr>
-          <p:cNvPr id="45" name="Group 44">
-            <a:extLst>
-              <a:ext uri="{FF2B5EF4-FFF2-40B4-BE49-F238E27FC236}">
-                <a16:creationId xmlns:a16="http://schemas.microsoft.com/office/drawing/2014/main" id="{55E174E3-60B2-82C8-F229-290D196EBF06}"/>
-              </a:ext>
-            </a:extLst>
-          </p:cNvPr>
-          <p:cNvGrpSpPr/>
-          <p:nvPr/>
-        </p:nvGrpSpPr>
-        <p:grpSpPr>
-          <a:xfrm>
-            <a:off x="3294743" y="1271815"/>
-            <a:ext cx="8579758" cy="4314371"/>
-            <a:chOff x="3294743" y="1271815"/>
-            <a:chExt cx="8579758" cy="4314371"/>
-          </a:xfrm>
-        </p:grpSpPr>
-        <p:sp>
-          <p:nvSpPr>
-            <p:cNvPr id="12" name="Right Arrow 11">
-              <a:extLst>
-                <a:ext uri="{FF2B5EF4-FFF2-40B4-BE49-F238E27FC236}">
-                  <a16:creationId xmlns:a16="http://schemas.microsoft.com/office/drawing/2014/main" id="{F6F68C5B-120B-F670-F546-258F0F9FEAD8}"/>
-                </a:ext>
-              </a:extLst>
-            </p:cNvPr>
-            <p:cNvSpPr/>
-            <p:nvPr/>
-          </p:nvSpPr>
-          <p:spPr>
-            <a:xfrm>
-              <a:off x="3294743" y="1271815"/>
-              <a:ext cx="1143000" cy="914400"/>
-            </a:xfrm>
-            <a:prstGeom prst="rightArrow">
-              <a:avLst>
-                <a:gd name="adj1" fmla="val 34127"/>
-                <a:gd name="adj2" fmla="val 50000"/>
-              </a:avLst>
-            </a:prstGeom>
-          </p:spPr>
-          <p:style>
-            <a:lnRef idx="2">
-              <a:schemeClr val="dk1">
-                <a:shade val="15000"/>
-              </a:schemeClr>
-            </a:lnRef>
-            <a:fillRef idx="1">
-              <a:schemeClr val="dk1"/>
-            </a:fillRef>
-            <a:effectRef idx="0">
-              <a:schemeClr val="dk1"/>
-            </a:effectRef>
-            <a:fontRef idx="minor">
-              <a:schemeClr val="lt1"/>
-            </a:fontRef>
-          </p:style>
-          <p:txBody>
-            <a:bodyPr rtlCol="0" anchor="ctr"/>
-            <a:lstStyle/>
-            <a:p>
-              <a:pPr algn="ctr"/>
-              <a:endParaRPr lang="en-US" b="1" dirty="0"/>
-            </a:p>
-          </p:txBody>
-        </p:sp>
-        <p:pic>
-          <p:nvPicPr>
-            <p:cNvPr id="18" name="Graphic 17" descr="Question Mark with solid fill">
-              <a:extLst>
-                <a:ext uri="{FF2B5EF4-FFF2-40B4-BE49-F238E27FC236}">
-                  <a16:creationId xmlns:a16="http://schemas.microsoft.com/office/drawing/2014/main" id="{9C4D4811-A932-6B52-5E16-07C2233F0019}"/>
-                </a:ext>
-              </a:extLst>
-            </p:cNvPr>
-            <p:cNvPicPr>
-              <a:picLocks noChangeAspect="1"/>
-            </p:cNvPicPr>
-            <p:nvPr/>
-          </p:nvPicPr>
-          <p:blipFill>
-            <a:blip r:embed="rId9">
-              <a:extLst>
-                <a:ext uri="{96DAC541-7B7A-43D3-8B79-37D633B846F1}">
-                  <asvg:svgBlip xmlns:asvg="http://schemas.microsoft.com/office/drawing/2016/SVG/main" r:embed="rId10"/>
-                </a:ext>
-              </a:extLst>
-            </a:blip>
-            <a:stretch>
-              <a:fillRect/>
-            </a:stretch>
-          </p:blipFill>
-          <p:spPr>
-            <a:xfrm>
-              <a:off x="4671787" y="1271815"/>
-              <a:ext cx="914400" cy="914400"/>
-            </a:xfrm>
-            <a:prstGeom prst="rect">
-              <a:avLst/>
-            </a:prstGeom>
-          </p:spPr>
-        </p:pic>
-        <p:sp>
-          <p:nvSpPr>
-            <p:cNvPr id="35" name="Right Arrow 34">
-              <a:extLst>
-                <a:ext uri="{FF2B5EF4-FFF2-40B4-BE49-F238E27FC236}">
-                  <a16:creationId xmlns:a16="http://schemas.microsoft.com/office/drawing/2014/main" id="{71D40938-DCB3-199C-6310-AC57CA796CFC}"/>
-                </a:ext>
-              </a:extLst>
-            </p:cNvPr>
-            <p:cNvSpPr/>
-            <p:nvPr/>
-          </p:nvSpPr>
-          <p:spPr>
-            <a:xfrm>
-              <a:off x="9583057" y="1271815"/>
-              <a:ext cx="1143000" cy="914400"/>
-            </a:xfrm>
-            <a:prstGeom prst="rightArrow">
-              <a:avLst>
-                <a:gd name="adj1" fmla="val 34127"/>
-                <a:gd name="adj2" fmla="val 50000"/>
-              </a:avLst>
-            </a:prstGeom>
-          </p:spPr>
-          <p:style>
-            <a:lnRef idx="2">
-              <a:schemeClr val="dk1">
-                <a:shade val="15000"/>
-              </a:schemeClr>
-            </a:lnRef>
-            <a:fillRef idx="1">
-              <a:schemeClr val="dk1"/>
-            </a:fillRef>
-            <a:effectRef idx="0">
-              <a:schemeClr val="dk1"/>
-            </a:effectRef>
-            <a:fontRef idx="minor">
-              <a:schemeClr val="lt1"/>
-            </a:fontRef>
-          </p:style>
-          <p:txBody>
-            <a:bodyPr rtlCol="0" anchor="ctr"/>
-            <a:lstStyle/>
-            <a:p>
-              <a:pPr algn="ctr"/>
-              <a:endParaRPr lang="en-US" b="1" dirty="0"/>
-            </a:p>
-          </p:txBody>
-        </p:sp>
-        <p:pic>
-          <p:nvPicPr>
-            <p:cNvPr id="36" name="Graphic 35" descr="Question Mark with solid fill">
-              <a:extLst>
-                <a:ext uri="{FF2B5EF4-FFF2-40B4-BE49-F238E27FC236}">
-                  <a16:creationId xmlns:a16="http://schemas.microsoft.com/office/drawing/2014/main" id="{9A2E47A9-919A-2A8A-2EF8-7030BDDF8A9D}"/>
-                </a:ext>
-              </a:extLst>
-            </p:cNvPr>
-            <p:cNvPicPr>
-              <a:picLocks noChangeAspect="1"/>
-            </p:cNvPicPr>
-            <p:nvPr/>
-          </p:nvPicPr>
-          <p:blipFill>
-            <a:blip r:embed="rId9">
-              <a:extLst>
-                <a:ext uri="{96DAC541-7B7A-43D3-8B79-37D633B846F1}">
-                  <asvg:svgBlip xmlns:asvg="http://schemas.microsoft.com/office/drawing/2016/SVG/main" r:embed="rId10"/>
-                </a:ext>
-              </a:extLst>
-            </a:blip>
-            <a:stretch>
-              <a:fillRect/>
-            </a:stretch>
-          </p:blipFill>
-          <p:spPr>
-            <a:xfrm>
-              <a:off x="10960101" y="1271815"/>
-              <a:ext cx="914400" cy="914400"/>
-            </a:xfrm>
-            <a:prstGeom prst="rect">
-              <a:avLst/>
-            </a:prstGeom>
-          </p:spPr>
-        </p:pic>
-        <p:sp>
-          <p:nvSpPr>
-            <p:cNvPr id="31" name="Right Arrow 30">
-              <a:extLst>
-                <a:ext uri="{FF2B5EF4-FFF2-40B4-BE49-F238E27FC236}">
-                  <a16:creationId xmlns:a16="http://schemas.microsoft.com/office/drawing/2014/main" id="{AF375B26-7E43-942A-9900-8C8FD3C90410}"/>
-                </a:ext>
-              </a:extLst>
-            </p:cNvPr>
-            <p:cNvSpPr/>
-            <p:nvPr/>
-          </p:nvSpPr>
-          <p:spPr>
-            <a:xfrm>
-              <a:off x="3294743" y="4671786"/>
-              <a:ext cx="1143000" cy="914400"/>
-            </a:xfrm>
-            <a:prstGeom prst="rightArrow">
-              <a:avLst>
-                <a:gd name="adj1" fmla="val 34127"/>
-                <a:gd name="adj2" fmla="val 50000"/>
-              </a:avLst>
-            </a:prstGeom>
-          </p:spPr>
-          <p:style>
-            <a:lnRef idx="2">
-              <a:schemeClr val="dk1">
-                <a:shade val="15000"/>
-              </a:schemeClr>
-            </a:lnRef>
-            <a:fillRef idx="1">
-              <a:schemeClr val="dk1"/>
-            </a:fillRef>
-            <a:effectRef idx="0">
-              <a:schemeClr val="dk1"/>
-            </a:effectRef>
-            <a:fontRef idx="minor">
-              <a:schemeClr val="lt1"/>
-            </a:fontRef>
-          </p:style>
-          <p:txBody>
-            <a:bodyPr rtlCol="0" anchor="ctr"/>
-            <a:lstStyle/>
-            <a:p>
-              <a:pPr algn="ctr"/>
-              <a:endParaRPr lang="en-US" b="1" dirty="0"/>
-            </a:p>
-          </p:txBody>
-        </p:sp>
-        <p:pic>
-          <p:nvPicPr>
-            <p:cNvPr id="32" name="Graphic 31" descr="Question Mark with solid fill">
-              <a:extLst>
-                <a:ext uri="{FF2B5EF4-FFF2-40B4-BE49-F238E27FC236}">
-                  <a16:creationId xmlns:a16="http://schemas.microsoft.com/office/drawing/2014/main" id="{78769B95-29EE-B6E2-7CA8-0C1DDC26AB4E}"/>
-                </a:ext>
-              </a:extLst>
-            </p:cNvPr>
-            <p:cNvPicPr>
-              <a:picLocks noChangeAspect="1"/>
-            </p:cNvPicPr>
-            <p:nvPr/>
-          </p:nvPicPr>
-          <p:blipFill>
-            <a:blip r:embed="rId9">
-              <a:extLst>
-                <a:ext uri="{96DAC541-7B7A-43D3-8B79-37D633B846F1}">
-                  <asvg:svgBlip xmlns:asvg="http://schemas.microsoft.com/office/drawing/2016/SVG/main" r:embed="rId10"/>
-                </a:ext>
-              </a:extLst>
-            </a:blip>
-            <a:stretch>
-              <a:fillRect/>
-            </a:stretch>
-          </p:blipFill>
-          <p:spPr>
-            <a:xfrm>
-              <a:off x="4671787" y="4671786"/>
-              <a:ext cx="914400" cy="914400"/>
-            </a:xfrm>
-            <a:prstGeom prst="rect">
-              <a:avLst/>
-            </a:prstGeom>
-          </p:spPr>
-        </p:pic>
-        <p:sp>
-          <p:nvSpPr>
-            <p:cNvPr id="39" name="Right Arrow 38">
-              <a:extLst>
-                <a:ext uri="{FF2B5EF4-FFF2-40B4-BE49-F238E27FC236}">
-                  <a16:creationId xmlns:a16="http://schemas.microsoft.com/office/drawing/2014/main" id="{5DF8AC30-4B9D-DA42-8864-775F31687AA0}"/>
-                </a:ext>
-              </a:extLst>
-            </p:cNvPr>
-            <p:cNvSpPr/>
-            <p:nvPr/>
-          </p:nvSpPr>
-          <p:spPr>
-            <a:xfrm>
-              <a:off x="9583057" y="4671786"/>
-              <a:ext cx="1143000" cy="914400"/>
-            </a:xfrm>
-            <a:prstGeom prst="rightArrow">
-              <a:avLst>
-                <a:gd name="adj1" fmla="val 34127"/>
-                <a:gd name="adj2" fmla="val 50000"/>
-              </a:avLst>
-            </a:prstGeom>
-          </p:spPr>
-          <p:style>
-            <a:lnRef idx="2">
-              <a:schemeClr val="dk1">
-                <a:shade val="15000"/>
-              </a:schemeClr>
-            </a:lnRef>
-            <a:fillRef idx="1">
-              <a:schemeClr val="dk1"/>
-            </a:fillRef>
-            <a:effectRef idx="0">
-              <a:schemeClr val="dk1"/>
-            </a:effectRef>
-            <a:fontRef idx="minor">
-              <a:schemeClr val="lt1"/>
-            </a:fontRef>
-          </p:style>
-          <p:txBody>
-            <a:bodyPr rtlCol="0" anchor="ctr"/>
-            <a:lstStyle/>
-            <a:p>
-              <a:pPr algn="ctr"/>
-              <a:endParaRPr lang="en-US" b="1" dirty="0"/>
-            </a:p>
-          </p:txBody>
-        </p:sp>
-        <p:pic>
-          <p:nvPicPr>
-            <p:cNvPr id="40" name="Graphic 39" descr="Question Mark with solid fill">
-              <a:extLst>
-                <a:ext uri="{FF2B5EF4-FFF2-40B4-BE49-F238E27FC236}">
-                  <a16:creationId xmlns:a16="http://schemas.microsoft.com/office/drawing/2014/main" id="{CD6141A7-2273-39AE-4537-285F135FCBAB}"/>
-                </a:ext>
-              </a:extLst>
-            </p:cNvPr>
-            <p:cNvPicPr>
-              <a:picLocks noChangeAspect="1"/>
-            </p:cNvPicPr>
-            <p:nvPr/>
-          </p:nvPicPr>
-          <p:blipFill>
-            <a:blip r:embed="rId9">
-              <a:extLst>
-                <a:ext uri="{96DAC541-7B7A-43D3-8B79-37D633B846F1}">
-                  <asvg:svgBlip xmlns:asvg="http://schemas.microsoft.com/office/drawing/2016/SVG/main" r:embed="rId10"/>
-                </a:ext>
-              </a:extLst>
-            </a:blip>
-            <a:stretch>
-              <a:fillRect/>
-            </a:stretch>
-          </p:blipFill>
-          <p:spPr>
-            <a:xfrm>
-              <a:off x="10960101" y="4671786"/>
-              <a:ext cx="914400" cy="914400"/>
-            </a:xfrm>
-            <a:prstGeom prst="rect">
-              <a:avLst/>
-            </a:prstGeom>
-          </p:spPr>
-        </p:pic>
-      </p:grpSp>
       <p:pic>
         <p:nvPicPr>
           <p:cNvPr id="3" name="Audio 2">
             <a:extLst>
               <a:ext uri="{FF2B5EF4-FFF2-40B4-BE49-F238E27FC236}">
-                <a16:creationId xmlns:a16="http://schemas.microsoft.com/office/drawing/2014/main" id="{29825501-C84F-E354-9FCD-616F18739110}"/>
+                <a16:creationId xmlns:a16="http://schemas.microsoft.com/office/drawing/2014/main" id="{86203FA6-DA47-89FA-6BB4-33F34B8FE52F}"/>
               </a:ext>
             </a:extLst>
           </p:cNvPr>
@@ -7181,16 +5665,16 @@
             <a:picLocks noChangeAspect="1"/>
           </p:cNvPicPr>
           <p:nvPr>
-            <a:audioFile r:link="rId2"/>
+            <a:audioFile r:link="rId3"/>
             <p:extLst>
               <p:ext uri="{DAA4B4D4-6D71-4841-9C94-3DE7FCFB9230}">
-                <p14:media xmlns:p14="http://schemas.microsoft.com/office/powerpoint/2010/main" r:embed="rId1"/>
+                <p14:media xmlns:p14="http://schemas.microsoft.com/office/powerpoint/2010/main" r:embed="rId2"/>
               </p:ext>
             </p:extLst>
           </p:nvPr>
         </p:nvPicPr>
         <p:blipFill>
-          <a:blip r:embed="rId11"/>
+          <a:blip r:embed="rId10"/>
           <a:stretch>
             <a:fillRect/>
           </a:stretch>
@@ -7206,9 +5690,12 @@
         </p:spPr>
       </p:pic>
     </p:spTree>
+    <p:custDataLst>
+      <p:tags r:id="rId1"/>
+    </p:custDataLst>
     <p:extLst>
       <p:ext uri="{BB962C8B-B14F-4D97-AF65-F5344CB8AC3E}">
-        <p14:creationId xmlns:p14="http://schemas.microsoft.com/office/powerpoint/2010/main" val="2867135856"/>
+        <p14:creationId xmlns:p14="http://schemas.microsoft.com/office/powerpoint/2010/main" val="339200006"/>
       </p:ext>
     </p:extLst>
   </p:cSld>
@@ -7217,10 +5704,10 @@
   </p:clrMapOvr>
   <mc:AlternateContent xmlns:mc="http://schemas.openxmlformats.org/markup-compatibility/2006">
     <mc:Choice xmlns:p14="http://schemas.microsoft.com/office/powerpoint/2010/main" Requires="p14">
-      <p:transition spd="slow" p14:dur="2000" advTm="9675"/>
+      <p:transition spd="slow" p14:dur="2000" advTm="12288"/>
     </mc:Choice>
     <mc:Fallback>
-      <p:transition spd="slow" advTm="9675"/>
+      <p:transition spd="slow" advTm="12288"/>
     </mc:Fallback>
   </mc:AlternateContent>
   <p:timing>
@@ -7313,6 +5800,3797 @@
 </p:sld>
 </file>
 
+<file path=ppt/slides/slide4.xml><?xml version="1.0" encoding="utf-8"?>
+<p:sld xmlns:a="http://schemas.openxmlformats.org/drawingml/2006/main" xmlns:r="http://schemas.openxmlformats.org/officeDocument/2006/relationships" xmlns:p="http://schemas.openxmlformats.org/presentationml/2006/main">
+  <p:cSld>
+    <p:spTree>
+      <p:nvGrpSpPr>
+        <p:cNvPr id="1" name="">
+          <a:extLst>
+            <a:ext uri="{FF2B5EF4-FFF2-40B4-BE49-F238E27FC236}">
+              <a16:creationId xmlns:a16="http://schemas.microsoft.com/office/drawing/2014/main" id="{F42D927D-D652-4486-88B7-6F8279BDE76A}"/>
+            </a:ext>
+          </a:extLst>
+        </p:cNvPr>
+        <p:cNvGrpSpPr/>
+        <p:nvPr/>
+      </p:nvGrpSpPr>
+      <p:grpSpPr>
+        <a:xfrm>
+          <a:off x="0" y="0"/>
+          <a:ext cx="0" cy="0"/>
+          <a:chOff x="0" y="0"/>
+          <a:chExt cx="0" cy="0"/>
+        </a:xfrm>
+      </p:grpSpPr>
+      <p:pic>
+        <p:nvPicPr>
+          <p:cNvPr id="5" name="Picture 4" descr="A cartoon character with a speech bubble&#10;&#10;Description automatically generated">
+            <a:extLst>
+              <a:ext uri="{FF2B5EF4-FFF2-40B4-BE49-F238E27FC236}">
+                <a16:creationId xmlns:a16="http://schemas.microsoft.com/office/drawing/2014/main" id="{4CB25FB0-9C73-01F7-BC64-C33CE341E2D9}"/>
+              </a:ext>
+            </a:extLst>
+          </p:cNvPr>
+          <p:cNvPicPr>
+            <a:picLocks noChangeAspect="1"/>
+          </p:cNvPicPr>
+          <p:nvPr/>
+        </p:nvPicPr>
+        <p:blipFill>
+          <a:blip r:embed="rId6"/>
+          <a:stretch>
+            <a:fillRect/>
+          </a:stretch>
+        </p:blipFill>
+        <p:spPr>
+          <a:xfrm>
+            <a:off x="317500" y="357415"/>
+            <a:ext cx="2743200" cy="2743200"/>
+          </a:xfrm>
+          <a:prstGeom prst="rect">
+            <a:avLst/>
+          </a:prstGeom>
+        </p:spPr>
+      </p:pic>
+      <p:pic>
+        <p:nvPicPr>
+          <p:cNvPr id="34" name="Picture 33">
+            <a:extLst>
+              <a:ext uri="{FF2B5EF4-FFF2-40B4-BE49-F238E27FC236}">
+                <a16:creationId xmlns:a16="http://schemas.microsoft.com/office/drawing/2014/main" id="{B7A03E74-12D7-C195-36EB-25085351CD58}"/>
+              </a:ext>
+            </a:extLst>
+          </p:cNvPr>
+          <p:cNvPicPr>
+            <a:picLocks noChangeAspect="1"/>
+          </p:cNvPicPr>
+          <p:nvPr/>
+        </p:nvPicPr>
+        <p:blipFill>
+          <a:blip r:embed="rId7"/>
+          <a:srcRect/>
+          <a:stretch/>
+        </p:blipFill>
+        <p:spPr>
+          <a:xfrm>
+            <a:off x="6605814" y="357415"/>
+            <a:ext cx="2743200" cy="2743200"/>
+          </a:xfrm>
+          <a:prstGeom prst="rect">
+            <a:avLst/>
+          </a:prstGeom>
+        </p:spPr>
+      </p:pic>
+      <p:pic>
+        <p:nvPicPr>
+          <p:cNvPr id="30" name="Picture 29">
+            <a:extLst>
+              <a:ext uri="{FF2B5EF4-FFF2-40B4-BE49-F238E27FC236}">
+                <a16:creationId xmlns:a16="http://schemas.microsoft.com/office/drawing/2014/main" id="{2154CE0A-2162-3906-9E03-D469A5280401}"/>
+              </a:ext>
+            </a:extLst>
+          </p:cNvPr>
+          <p:cNvPicPr>
+            <a:picLocks noChangeAspect="1"/>
+          </p:cNvPicPr>
+          <p:nvPr/>
+        </p:nvPicPr>
+        <p:blipFill>
+          <a:blip r:embed="rId8"/>
+          <a:srcRect/>
+          <a:stretch/>
+        </p:blipFill>
+        <p:spPr>
+          <a:xfrm>
+            <a:off x="317500" y="3757386"/>
+            <a:ext cx="2743200" cy="2743200"/>
+          </a:xfrm>
+          <a:prstGeom prst="rect">
+            <a:avLst/>
+          </a:prstGeom>
+        </p:spPr>
+      </p:pic>
+      <p:pic>
+        <p:nvPicPr>
+          <p:cNvPr id="38" name="Picture 37">
+            <a:extLst>
+              <a:ext uri="{FF2B5EF4-FFF2-40B4-BE49-F238E27FC236}">
+                <a16:creationId xmlns:a16="http://schemas.microsoft.com/office/drawing/2014/main" id="{F5A5A219-F1FE-00B4-56D1-F5D843664ACC}"/>
+              </a:ext>
+            </a:extLst>
+          </p:cNvPr>
+          <p:cNvPicPr>
+            <a:picLocks noChangeAspect="1"/>
+          </p:cNvPicPr>
+          <p:nvPr/>
+        </p:nvPicPr>
+        <p:blipFill>
+          <a:blip r:embed="rId9"/>
+          <a:srcRect/>
+          <a:stretch/>
+        </p:blipFill>
+        <p:spPr>
+          <a:xfrm>
+            <a:off x="6605814" y="3757386"/>
+            <a:ext cx="2743200" cy="2743200"/>
+          </a:xfrm>
+          <a:prstGeom prst="rect">
+            <a:avLst/>
+          </a:prstGeom>
+        </p:spPr>
+      </p:pic>
+      <p:grpSp>
+        <p:nvGrpSpPr>
+          <p:cNvPr id="45" name="Group 44">
+            <a:extLst>
+              <a:ext uri="{FF2B5EF4-FFF2-40B4-BE49-F238E27FC236}">
+                <a16:creationId xmlns:a16="http://schemas.microsoft.com/office/drawing/2014/main" id="{B8C0F4F7-6977-2AC3-841D-A8061E3CE980}"/>
+              </a:ext>
+            </a:extLst>
+          </p:cNvPr>
+          <p:cNvGrpSpPr/>
+          <p:nvPr/>
+        </p:nvGrpSpPr>
+        <p:grpSpPr>
+          <a:xfrm>
+            <a:off x="3294743" y="1271815"/>
+            <a:ext cx="8579758" cy="4314371"/>
+            <a:chOff x="3294743" y="1271815"/>
+            <a:chExt cx="8579758" cy="4314371"/>
+          </a:xfrm>
+        </p:grpSpPr>
+        <p:sp>
+          <p:nvSpPr>
+            <p:cNvPr id="12" name="Right Arrow 11">
+              <a:extLst>
+                <a:ext uri="{FF2B5EF4-FFF2-40B4-BE49-F238E27FC236}">
+                  <a16:creationId xmlns:a16="http://schemas.microsoft.com/office/drawing/2014/main" id="{FD60D14E-D859-0747-29C7-5A4C58095BF9}"/>
+                </a:ext>
+              </a:extLst>
+            </p:cNvPr>
+            <p:cNvSpPr/>
+            <p:nvPr/>
+          </p:nvSpPr>
+          <p:spPr>
+            <a:xfrm>
+              <a:off x="3294743" y="1271815"/>
+              <a:ext cx="1143000" cy="914400"/>
+            </a:xfrm>
+            <a:prstGeom prst="rightArrow">
+              <a:avLst>
+                <a:gd name="adj1" fmla="val 34127"/>
+                <a:gd name="adj2" fmla="val 50000"/>
+              </a:avLst>
+            </a:prstGeom>
+          </p:spPr>
+          <p:style>
+            <a:lnRef idx="2">
+              <a:schemeClr val="dk1">
+                <a:shade val="15000"/>
+              </a:schemeClr>
+            </a:lnRef>
+            <a:fillRef idx="1">
+              <a:schemeClr val="dk1"/>
+            </a:fillRef>
+            <a:effectRef idx="0">
+              <a:schemeClr val="dk1"/>
+            </a:effectRef>
+            <a:fontRef idx="minor">
+              <a:schemeClr val="lt1"/>
+            </a:fontRef>
+          </p:style>
+          <p:txBody>
+            <a:bodyPr rtlCol="0" anchor="ctr"/>
+            <a:lstStyle/>
+            <a:p>
+              <a:pPr algn="ctr"/>
+              <a:endParaRPr lang="en-US" b="1" dirty="0"/>
+            </a:p>
+          </p:txBody>
+        </p:sp>
+        <p:pic>
+          <p:nvPicPr>
+            <p:cNvPr id="18" name="Graphic 17" descr="Question Mark with solid fill">
+              <a:extLst>
+                <a:ext uri="{FF2B5EF4-FFF2-40B4-BE49-F238E27FC236}">
+                  <a16:creationId xmlns:a16="http://schemas.microsoft.com/office/drawing/2014/main" id="{9AA43F53-4291-2628-1851-213E569BFF27}"/>
+                </a:ext>
+              </a:extLst>
+            </p:cNvPr>
+            <p:cNvPicPr>
+              <a:picLocks noChangeAspect="1"/>
+            </p:cNvPicPr>
+            <p:nvPr/>
+          </p:nvPicPr>
+          <p:blipFill>
+            <a:blip r:embed="rId10">
+              <a:extLst>
+                <a:ext uri="{96DAC541-7B7A-43D3-8B79-37D633B846F1}">
+                  <asvg:svgBlip xmlns:asvg="http://schemas.microsoft.com/office/drawing/2016/SVG/main" r:embed="rId11"/>
+                </a:ext>
+              </a:extLst>
+            </a:blip>
+            <a:stretch>
+              <a:fillRect/>
+            </a:stretch>
+          </p:blipFill>
+          <p:spPr>
+            <a:xfrm>
+              <a:off x="4671787" y="1271815"/>
+              <a:ext cx="914400" cy="914400"/>
+            </a:xfrm>
+            <a:prstGeom prst="rect">
+              <a:avLst/>
+            </a:prstGeom>
+          </p:spPr>
+        </p:pic>
+        <p:sp>
+          <p:nvSpPr>
+            <p:cNvPr id="35" name="Right Arrow 34">
+              <a:extLst>
+                <a:ext uri="{FF2B5EF4-FFF2-40B4-BE49-F238E27FC236}">
+                  <a16:creationId xmlns:a16="http://schemas.microsoft.com/office/drawing/2014/main" id="{A2033D62-8614-55C0-45FE-4454C8B885D1}"/>
+                </a:ext>
+              </a:extLst>
+            </p:cNvPr>
+            <p:cNvSpPr/>
+            <p:nvPr/>
+          </p:nvSpPr>
+          <p:spPr>
+            <a:xfrm>
+              <a:off x="9583057" y="1271815"/>
+              <a:ext cx="1143000" cy="914400"/>
+            </a:xfrm>
+            <a:prstGeom prst="rightArrow">
+              <a:avLst>
+                <a:gd name="adj1" fmla="val 34127"/>
+                <a:gd name="adj2" fmla="val 50000"/>
+              </a:avLst>
+            </a:prstGeom>
+          </p:spPr>
+          <p:style>
+            <a:lnRef idx="2">
+              <a:schemeClr val="dk1">
+                <a:shade val="15000"/>
+              </a:schemeClr>
+            </a:lnRef>
+            <a:fillRef idx="1">
+              <a:schemeClr val="dk1"/>
+            </a:fillRef>
+            <a:effectRef idx="0">
+              <a:schemeClr val="dk1"/>
+            </a:effectRef>
+            <a:fontRef idx="minor">
+              <a:schemeClr val="lt1"/>
+            </a:fontRef>
+          </p:style>
+          <p:txBody>
+            <a:bodyPr rtlCol="0" anchor="ctr"/>
+            <a:lstStyle/>
+            <a:p>
+              <a:pPr algn="ctr"/>
+              <a:endParaRPr lang="en-US" b="1" dirty="0"/>
+            </a:p>
+          </p:txBody>
+        </p:sp>
+        <p:pic>
+          <p:nvPicPr>
+            <p:cNvPr id="36" name="Graphic 35" descr="Question Mark with solid fill">
+              <a:extLst>
+                <a:ext uri="{FF2B5EF4-FFF2-40B4-BE49-F238E27FC236}">
+                  <a16:creationId xmlns:a16="http://schemas.microsoft.com/office/drawing/2014/main" id="{DB64667D-7F9B-B177-7E49-548A3E414933}"/>
+                </a:ext>
+              </a:extLst>
+            </p:cNvPr>
+            <p:cNvPicPr>
+              <a:picLocks noChangeAspect="1"/>
+            </p:cNvPicPr>
+            <p:nvPr/>
+          </p:nvPicPr>
+          <p:blipFill>
+            <a:blip r:embed="rId10">
+              <a:extLst>
+                <a:ext uri="{96DAC541-7B7A-43D3-8B79-37D633B846F1}">
+                  <asvg:svgBlip xmlns:asvg="http://schemas.microsoft.com/office/drawing/2016/SVG/main" r:embed="rId11"/>
+                </a:ext>
+              </a:extLst>
+            </a:blip>
+            <a:stretch>
+              <a:fillRect/>
+            </a:stretch>
+          </p:blipFill>
+          <p:spPr>
+            <a:xfrm>
+              <a:off x="10960101" y="1271815"/>
+              <a:ext cx="914400" cy="914400"/>
+            </a:xfrm>
+            <a:prstGeom prst="rect">
+              <a:avLst/>
+            </a:prstGeom>
+          </p:spPr>
+        </p:pic>
+        <p:sp>
+          <p:nvSpPr>
+            <p:cNvPr id="31" name="Right Arrow 30">
+              <a:extLst>
+                <a:ext uri="{FF2B5EF4-FFF2-40B4-BE49-F238E27FC236}">
+                  <a16:creationId xmlns:a16="http://schemas.microsoft.com/office/drawing/2014/main" id="{1B3AD928-6B6E-9962-966D-326E0E2802A5}"/>
+                </a:ext>
+              </a:extLst>
+            </p:cNvPr>
+            <p:cNvSpPr/>
+            <p:nvPr/>
+          </p:nvSpPr>
+          <p:spPr>
+            <a:xfrm>
+              <a:off x="3294743" y="4671786"/>
+              <a:ext cx="1143000" cy="914400"/>
+            </a:xfrm>
+            <a:prstGeom prst="rightArrow">
+              <a:avLst>
+                <a:gd name="adj1" fmla="val 34127"/>
+                <a:gd name="adj2" fmla="val 50000"/>
+              </a:avLst>
+            </a:prstGeom>
+          </p:spPr>
+          <p:style>
+            <a:lnRef idx="2">
+              <a:schemeClr val="dk1">
+                <a:shade val="15000"/>
+              </a:schemeClr>
+            </a:lnRef>
+            <a:fillRef idx="1">
+              <a:schemeClr val="dk1"/>
+            </a:fillRef>
+            <a:effectRef idx="0">
+              <a:schemeClr val="dk1"/>
+            </a:effectRef>
+            <a:fontRef idx="minor">
+              <a:schemeClr val="lt1"/>
+            </a:fontRef>
+          </p:style>
+          <p:txBody>
+            <a:bodyPr rtlCol="0" anchor="ctr"/>
+            <a:lstStyle/>
+            <a:p>
+              <a:pPr algn="ctr"/>
+              <a:endParaRPr lang="en-US" b="1" dirty="0"/>
+            </a:p>
+          </p:txBody>
+        </p:sp>
+        <p:pic>
+          <p:nvPicPr>
+            <p:cNvPr id="32" name="Graphic 31" descr="Question Mark with solid fill">
+              <a:extLst>
+                <a:ext uri="{FF2B5EF4-FFF2-40B4-BE49-F238E27FC236}">
+                  <a16:creationId xmlns:a16="http://schemas.microsoft.com/office/drawing/2014/main" id="{A2E2F0E3-ACB9-060A-E19A-F1DEBEF344AD}"/>
+                </a:ext>
+              </a:extLst>
+            </p:cNvPr>
+            <p:cNvPicPr>
+              <a:picLocks noChangeAspect="1"/>
+            </p:cNvPicPr>
+            <p:nvPr/>
+          </p:nvPicPr>
+          <p:blipFill>
+            <a:blip r:embed="rId10">
+              <a:extLst>
+                <a:ext uri="{96DAC541-7B7A-43D3-8B79-37D633B846F1}">
+                  <asvg:svgBlip xmlns:asvg="http://schemas.microsoft.com/office/drawing/2016/SVG/main" r:embed="rId11"/>
+                </a:ext>
+              </a:extLst>
+            </a:blip>
+            <a:stretch>
+              <a:fillRect/>
+            </a:stretch>
+          </p:blipFill>
+          <p:spPr>
+            <a:xfrm>
+              <a:off x="4671787" y="4671786"/>
+              <a:ext cx="914400" cy="914400"/>
+            </a:xfrm>
+            <a:prstGeom prst="rect">
+              <a:avLst/>
+            </a:prstGeom>
+          </p:spPr>
+        </p:pic>
+        <p:sp>
+          <p:nvSpPr>
+            <p:cNvPr id="39" name="Right Arrow 38">
+              <a:extLst>
+                <a:ext uri="{FF2B5EF4-FFF2-40B4-BE49-F238E27FC236}">
+                  <a16:creationId xmlns:a16="http://schemas.microsoft.com/office/drawing/2014/main" id="{8C11B4FE-E777-7453-C772-D2201EF4C317}"/>
+                </a:ext>
+              </a:extLst>
+            </p:cNvPr>
+            <p:cNvSpPr/>
+            <p:nvPr/>
+          </p:nvSpPr>
+          <p:spPr>
+            <a:xfrm>
+              <a:off x="9583057" y="4671786"/>
+              <a:ext cx="1143000" cy="914400"/>
+            </a:xfrm>
+            <a:prstGeom prst="rightArrow">
+              <a:avLst>
+                <a:gd name="adj1" fmla="val 34127"/>
+                <a:gd name="adj2" fmla="val 50000"/>
+              </a:avLst>
+            </a:prstGeom>
+          </p:spPr>
+          <p:style>
+            <a:lnRef idx="2">
+              <a:schemeClr val="dk1">
+                <a:shade val="15000"/>
+              </a:schemeClr>
+            </a:lnRef>
+            <a:fillRef idx="1">
+              <a:schemeClr val="dk1"/>
+            </a:fillRef>
+            <a:effectRef idx="0">
+              <a:schemeClr val="dk1"/>
+            </a:effectRef>
+            <a:fontRef idx="minor">
+              <a:schemeClr val="lt1"/>
+            </a:fontRef>
+          </p:style>
+          <p:txBody>
+            <a:bodyPr rtlCol="0" anchor="ctr"/>
+            <a:lstStyle/>
+            <a:p>
+              <a:pPr algn="ctr"/>
+              <a:endParaRPr lang="en-US" b="1" dirty="0"/>
+            </a:p>
+          </p:txBody>
+        </p:sp>
+        <p:pic>
+          <p:nvPicPr>
+            <p:cNvPr id="40" name="Graphic 39" descr="Question Mark with solid fill">
+              <a:extLst>
+                <a:ext uri="{FF2B5EF4-FFF2-40B4-BE49-F238E27FC236}">
+                  <a16:creationId xmlns:a16="http://schemas.microsoft.com/office/drawing/2014/main" id="{7B3B1767-519C-2407-3F57-13347B677614}"/>
+                </a:ext>
+              </a:extLst>
+            </p:cNvPr>
+            <p:cNvPicPr>
+              <a:picLocks noChangeAspect="1"/>
+            </p:cNvPicPr>
+            <p:nvPr/>
+          </p:nvPicPr>
+          <p:blipFill>
+            <a:blip r:embed="rId10">
+              <a:extLst>
+                <a:ext uri="{96DAC541-7B7A-43D3-8B79-37D633B846F1}">
+                  <asvg:svgBlip xmlns:asvg="http://schemas.microsoft.com/office/drawing/2016/SVG/main" r:embed="rId11"/>
+                </a:ext>
+              </a:extLst>
+            </a:blip>
+            <a:stretch>
+              <a:fillRect/>
+            </a:stretch>
+          </p:blipFill>
+          <p:spPr>
+            <a:xfrm>
+              <a:off x="10960101" y="4671786"/>
+              <a:ext cx="914400" cy="914400"/>
+            </a:xfrm>
+            <a:prstGeom prst="rect">
+              <a:avLst/>
+            </a:prstGeom>
+          </p:spPr>
+        </p:pic>
+      </p:grpSp>
+      <p:pic>
+        <p:nvPicPr>
+          <p:cNvPr id="3" name="Audio 2">
+            <a:extLst>
+              <a:ext uri="{FF2B5EF4-FFF2-40B4-BE49-F238E27FC236}">
+                <a16:creationId xmlns:a16="http://schemas.microsoft.com/office/drawing/2014/main" id="{8866BFC5-14D1-D25F-F4F2-5F83B587AF78}"/>
+              </a:ext>
+            </a:extLst>
+          </p:cNvPr>
+          <p:cNvPicPr>
+            <a:picLocks noChangeAspect="1"/>
+          </p:cNvPicPr>
+          <p:nvPr>
+            <a:audioFile r:link="rId3"/>
+            <p:extLst>
+              <p:ext uri="{DAA4B4D4-6D71-4841-9C94-3DE7FCFB9230}">
+                <p14:media xmlns:p14="http://schemas.microsoft.com/office/powerpoint/2010/main" r:embed="rId2"/>
+              </p:ext>
+            </p:extLst>
+          </p:nvPr>
+        </p:nvPicPr>
+        <p:blipFill>
+          <a:blip r:embed="rId12"/>
+          <a:stretch>
+            <a:fillRect/>
+          </a:stretch>
+        </p:blipFill>
+        <p:spPr>
+          <a:xfrm>
+            <a:off x="11226800" y="5892800"/>
+            <a:ext cx="812800" cy="812800"/>
+          </a:xfrm>
+          <a:prstGeom prst="rect">
+            <a:avLst/>
+          </a:prstGeom>
+        </p:spPr>
+      </p:pic>
+    </p:spTree>
+    <p:custDataLst>
+      <p:tags r:id="rId1"/>
+    </p:custDataLst>
+    <p:extLst>
+      <p:ext uri="{BB962C8B-B14F-4D97-AF65-F5344CB8AC3E}">
+        <p14:creationId xmlns:p14="http://schemas.microsoft.com/office/powerpoint/2010/main" val="3364795582"/>
+      </p:ext>
+    </p:extLst>
+  </p:cSld>
+  <p:clrMapOvr>
+    <a:masterClrMapping/>
+  </p:clrMapOvr>
+  <mc:AlternateContent xmlns:mc="http://schemas.openxmlformats.org/markup-compatibility/2006">
+    <mc:Choice xmlns:p14="http://schemas.microsoft.com/office/powerpoint/2010/main" Requires="p14">
+      <p:transition spd="slow" p14:dur="2000" advTm="7061"/>
+    </mc:Choice>
+    <mc:Fallback>
+      <p:transition spd="slow" advTm="7061"/>
+    </mc:Fallback>
+  </mc:AlternateContent>
+  <p:timing>
+    <p:tnLst>
+      <p:par>
+        <p:cTn id="1" dur="indefinite" restart="never" nodeType="tmRoot">
+          <p:childTnLst>
+            <p:seq concurrent="1" nextAc="seek">
+              <p:cTn id="2" dur="indefinite" nodeType="mainSeq">
+                <p:childTnLst>
+                  <p:par>
+                    <p:cTn id="3" fill="hold">
+                      <p:stCondLst>
+                        <p:cond delay="indefinite"/>
+                        <p:cond evt="onBegin" delay="0">
+                          <p:tn val="2"/>
+                        </p:cond>
+                      </p:stCondLst>
+                      <p:childTnLst>
+                        <p:par>
+                          <p:cTn id="4" fill="hold">
+                            <p:stCondLst>
+                              <p:cond delay="0"/>
+                            </p:stCondLst>
+                            <p:childTnLst>
+                              <p:par>
+                                <p:cTn id="5" presetID="1" presetClass="mediacall" presetSubtype="0" fill="hold" nodeType="afterEffect">
+                                  <p:stCondLst>
+                                    <p:cond delay="0"/>
+                                  </p:stCondLst>
+                                  <p:childTnLst>
+                                    <p:cmd type="call" cmd="playFrom(0.0)">
+                                      <p:cBhvr>
+                                        <p:cTn id="6" dur="1" fill="hold"/>
+                                        <p:tgtEl>
+                                          <p:spTgt spid="3"/>
+                                        </p:tgtEl>
+                                      </p:cBhvr>
+                                    </p:cmd>
+                                  </p:childTnLst>
+                                </p:cTn>
+                              </p:par>
+                            </p:childTnLst>
+                          </p:cTn>
+                        </p:par>
+                      </p:childTnLst>
+                    </p:cTn>
+                  </p:par>
+                </p:childTnLst>
+              </p:cTn>
+              <p:prevCondLst>
+                <p:cond evt="onPrev" delay="0">
+                  <p:tgtEl>
+                    <p:sldTgt/>
+                  </p:tgtEl>
+                </p:cond>
+              </p:prevCondLst>
+              <p:nextCondLst>
+                <p:cond evt="onNext" delay="0">
+                  <p:tgtEl>
+                    <p:sldTgt/>
+                  </p:tgtEl>
+                </p:cond>
+              </p:nextCondLst>
+            </p:seq>
+            <p:audio isNarration="1">
+              <p:cMediaNode vol="80000" showWhenStopped="0">
+                <p:cTn id="7" fill="hold" display="0">
+                  <p:stCondLst>
+                    <p:cond delay="indefinite"/>
+                  </p:stCondLst>
+                  <p:endCondLst>
+                    <p:cond evt="onStopAudio" delay="0">
+                      <p:tgtEl>
+                        <p:sldTgt/>
+                      </p:tgtEl>
+                    </p:cond>
+                  </p:endCondLst>
+                </p:cTn>
+                <p:tgtEl>
+                  <p:spTgt spid="3"/>
+                </p:tgtEl>
+              </p:cMediaNode>
+            </p:audio>
+          </p:childTnLst>
+        </p:cTn>
+      </p:par>
+    </p:tnLst>
+  </p:timing>
+</p:sld>
+</file>
+
+<file path=ppt/slides/slide5.xml><?xml version="1.0" encoding="utf-8"?>
+<p:sld xmlns:a="http://schemas.openxmlformats.org/drawingml/2006/main" xmlns:r="http://schemas.openxmlformats.org/officeDocument/2006/relationships" xmlns:p="http://schemas.openxmlformats.org/presentationml/2006/main">
+  <p:cSld>
+    <p:spTree>
+      <p:nvGrpSpPr>
+        <p:cNvPr id="1" name="">
+          <a:extLst>
+            <a:ext uri="{FF2B5EF4-FFF2-40B4-BE49-F238E27FC236}">
+              <a16:creationId xmlns:a16="http://schemas.microsoft.com/office/drawing/2014/main" id="{E1F2284E-724D-CC78-CDB7-9C285B310F1F}"/>
+            </a:ext>
+          </a:extLst>
+        </p:cNvPr>
+        <p:cNvGrpSpPr/>
+        <p:nvPr/>
+      </p:nvGrpSpPr>
+      <p:grpSpPr>
+        <a:xfrm>
+          <a:off x="0" y="0"/>
+          <a:ext cx="0" cy="0"/>
+          <a:chOff x="0" y="0"/>
+          <a:chExt cx="0" cy="0"/>
+        </a:xfrm>
+      </p:grpSpPr>
+      <p:pic>
+        <p:nvPicPr>
+          <p:cNvPr id="5" name="Picture 4">
+            <a:extLst>
+              <a:ext uri="{FF2B5EF4-FFF2-40B4-BE49-F238E27FC236}">
+                <a16:creationId xmlns:a16="http://schemas.microsoft.com/office/drawing/2014/main" id="{426FB61E-9C11-DE62-F6FA-96AD45080F9E}"/>
+              </a:ext>
+            </a:extLst>
+          </p:cNvPr>
+          <p:cNvPicPr>
+            <a:picLocks noChangeAspect="1"/>
+          </p:cNvPicPr>
+          <p:nvPr/>
+        </p:nvPicPr>
+        <p:blipFill>
+          <a:blip r:embed="rId6"/>
+          <a:srcRect/>
+          <a:stretch/>
+        </p:blipFill>
+        <p:spPr>
+          <a:xfrm>
+            <a:off x="317500" y="357415"/>
+            <a:ext cx="2743200" cy="2743200"/>
+          </a:xfrm>
+          <a:prstGeom prst="rect">
+            <a:avLst/>
+          </a:prstGeom>
+        </p:spPr>
+      </p:pic>
+      <p:pic>
+        <p:nvPicPr>
+          <p:cNvPr id="34" name="Picture 33">
+            <a:extLst>
+              <a:ext uri="{FF2B5EF4-FFF2-40B4-BE49-F238E27FC236}">
+                <a16:creationId xmlns:a16="http://schemas.microsoft.com/office/drawing/2014/main" id="{D0419920-D1AB-A6FB-1FE2-7DFB75104B37}"/>
+              </a:ext>
+            </a:extLst>
+          </p:cNvPr>
+          <p:cNvPicPr>
+            <a:picLocks noChangeAspect="1"/>
+          </p:cNvPicPr>
+          <p:nvPr/>
+        </p:nvPicPr>
+        <p:blipFill>
+          <a:blip r:embed="rId6"/>
+          <a:srcRect/>
+          <a:stretch/>
+        </p:blipFill>
+        <p:spPr>
+          <a:xfrm>
+            <a:off x="6605814" y="357415"/>
+            <a:ext cx="2743200" cy="2743200"/>
+          </a:xfrm>
+          <a:prstGeom prst="rect">
+            <a:avLst/>
+          </a:prstGeom>
+        </p:spPr>
+      </p:pic>
+      <p:pic>
+        <p:nvPicPr>
+          <p:cNvPr id="30" name="Picture 29">
+            <a:extLst>
+              <a:ext uri="{FF2B5EF4-FFF2-40B4-BE49-F238E27FC236}">
+                <a16:creationId xmlns:a16="http://schemas.microsoft.com/office/drawing/2014/main" id="{77970179-75B4-0B8B-F481-5A637DB6DD2A}"/>
+              </a:ext>
+            </a:extLst>
+          </p:cNvPr>
+          <p:cNvPicPr>
+            <a:picLocks noChangeAspect="1"/>
+          </p:cNvPicPr>
+          <p:nvPr/>
+        </p:nvPicPr>
+        <p:blipFill>
+          <a:blip r:embed="rId7"/>
+          <a:srcRect/>
+          <a:stretch/>
+        </p:blipFill>
+        <p:spPr>
+          <a:xfrm>
+            <a:off x="317500" y="3757386"/>
+            <a:ext cx="2743200" cy="2743200"/>
+          </a:xfrm>
+          <a:prstGeom prst="rect">
+            <a:avLst/>
+          </a:prstGeom>
+        </p:spPr>
+      </p:pic>
+      <p:pic>
+        <p:nvPicPr>
+          <p:cNvPr id="38" name="Picture 37">
+            <a:extLst>
+              <a:ext uri="{FF2B5EF4-FFF2-40B4-BE49-F238E27FC236}">
+                <a16:creationId xmlns:a16="http://schemas.microsoft.com/office/drawing/2014/main" id="{44748D75-8DE5-54F6-607B-193778070116}"/>
+              </a:ext>
+            </a:extLst>
+          </p:cNvPr>
+          <p:cNvPicPr>
+            <a:picLocks noChangeAspect="1"/>
+          </p:cNvPicPr>
+          <p:nvPr/>
+        </p:nvPicPr>
+        <p:blipFill>
+          <a:blip r:embed="rId7"/>
+          <a:srcRect/>
+          <a:stretch/>
+        </p:blipFill>
+        <p:spPr>
+          <a:xfrm>
+            <a:off x="6605814" y="3757386"/>
+            <a:ext cx="2743200" cy="2743200"/>
+          </a:xfrm>
+          <a:prstGeom prst="rect">
+            <a:avLst/>
+          </a:prstGeom>
+        </p:spPr>
+      </p:pic>
+      <p:pic>
+        <p:nvPicPr>
+          <p:cNvPr id="3" name="Audio 2">
+            <a:extLst>
+              <a:ext uri="{FF2B5EF4-FFF2-40B4-BE49-F238E27FC236}">
+                <a16:creationId xmlns:a16="http://schemas.microsoft.com/office/drawing/2014/main" id="{5A6C75C1-0A19-32B4-D59F-3F7E4300DF7C}"/>
+              </a:ext>
+            </a:extLst>
+          </p:cNvPr>
+          <p:cNvPicPr>
+            <a:picLocks noChangeAspect="1"/>
+          </p:cNvPicPr>
+          <p:nvPr>
+            <a:audioFile r:link="rId3"/>
+            <p:extLst>
+              <p:ext uri="{DAA4B4D4-6D71-4841-9C94-3DE7FCFB9230}">
+                <p14:media xmlns:p14="http://schemas.microsoft.com/office/powerpoint/2010/main" r:embed="rId2"/>
+              </p:ext>
+            </p:extLst>
+          </p:nvPr>
+        </p:nvPicPr>
+        <p:blipFill>
+          <a:blip r:embed="rId8"/>
+          <a:stretch>
+            <a:fillRect/>
+          </a:stretch>
+        </p:blipFill>
+        <p:spPr>
+          <a:xfrm>
+            <a:off x="11226800" y="5892800"/>
+            <a:ext cx="812800" cy="812800"/>
+          </a:xfrm>
+          <a:prstGeom prst="rect">
+            <a:avLst/>
+          </a:prstGeom>
+        </p:spPr>
+      </p:pic>
+    </p:spTree>
+    <p:custDataLst>
+      <p:tags r:id="rId1"/>
+    </p:custDataLst>
+    <p:extLst>
+      <p:ext uri="{BB962C8B-B14F-4D97-AF65-F5344CB8AC3E}">
+        <p14:creationId xmlns:p14="http://schemas.microsoft.com/office/powerpoint/2010/main" val="2412656309"/>
+      </p:ext>
+    </p:extLst>
+  </p:cSld>
+  <p:clrMapOvr>
+    <a:masterClrMapping/>
+  </p:clrMapOvr>
+  <mc:AlternateContent xmlns:mc="http://schemas.openxmlformats.org/markup-compatibility/2006">
+    <mc:Choice xmlns:p14="http://schemas.microsoft.com/office/powerpoint/2010/main" Requires="p14">
+      <p:transition spd="slow" p14:dur="2000" advTm="13728"/>
+    </mc:Choice>
+    <mc:Fallback>
+      <p:transition spd="slow" advTm="13728"/>
+    </mc:Fallback>
+  </mc:AlternateContent>
+  <p:timing>
+    <p:tnLst>
+      <p:par>
+        <p:cTn id="1" dur="indefinite" restart="never" nodeType="tmRoot">
+          <p:childTnLst>
+            <p:seq concurrent="1" nextAc="seek">
+              <p:cTn id="2" dur="indefinite" nodeType="mainSeq">
+                <p:childTnLst>
+                  <p:par>
+                    <p:cTn id="3" fill="hold">
+                      <p:stCondLst>
+                        <p:cond delay="indefinite"/>
+                        <p:cond evt="onBegin" delay="0">
+                          <p:tn val="2"/>
+                        </p:cond>
+                      </p:stCondLst>
+                      <p:childTnLst>
+                        <p:par>
+                          <p:cTn id="4" fill="hold">
+                            <p:stCondLst>
+                              <p:cond delay="0"/>
+                            </p:stCondLst>
+                            <p:childTnLst>
+                              <p:par>
+                                <p:cTn id="5" presetID="1" presetClass="mediacall" presetSubtype="0" fill="hold" nodeType="afterEffect">
+                                  <p:stCondLst>
+                                    <p:cond delay="0"/>
+                                  </p:stCondLst>
+                                  <p:childTnLst>
+                                    <p:cmd type="call" cmd="playFrom(0.0)">
+                                      <p:cBhvr>
+                                        <p:cTn id="6" dur="1" fill="hold"/>
+                                        <p:tgtEl>
+                                          <p:spTgt spid="3"/>
+                                        </p:tgtEl>
+                                      </p:cBhvr>
+                                    </p:cmd>
+                                  </p:childTnLst>
+                                </p:cTn>
+                              </p:par>
+                            </p:childTnLst>
+                          </p:cTn>
+                        </p:par>
+                      </p:childTnLst>
+                    </p:cTn>
+                  </p:par>
+                  <p:par>
+                    <p:cTn id="7" fill="hold">
+                      <p:stCondLst>
+                        <p:cond delay="indefinite"/>
+                      </p:stCondLst>
+                      <p:childTnLst>
+                        <p:par>
+                          <p:cTn id="8" fill="hold">
+                            <p:stCondLst>
+                              <p:cond delay="0"/>
+                            </p:stCondLst>
+                            <p:childTnLst>
+                              <p:par>
+                                <p:cTn id="9" presetID="1" presetClass="entr" presetSubtype="0" fill="hold" nodeType="clickEffect">
+                                  <p:stCondLst>
+                                    <p:cond delay="0"/>
+                                  </p:stCondLst>
+                                  <p:childTnLst>
+                                    <p:set>
+                                      <p:cBhvr>
+                                        <p:cTn id="10" dur="1" fill="hold">
+                                          <p:stCondLst>
+                                            <p:cond delay="0"/>
+                                          </p:stCondLst>
+                                        </p:cTn>
+                                        <p:tgtEl>
+                                          <p:spTgt spid="5"/>
+                                        </p:tgtEl>
+                                        <p:attrNameLst>
+                                          <p:attrName>style.visibility</p:attrName>
+                                        </p:attrNameLst>
+                                      </p:cBhvr>
+                                      <p:to>
+                                        <p:strVal val="visible"/>
+                                      </p:to>
+                                    </p:set>
+                                  </p:childTnLst>
+                                </p:cTn>
+                              </p:par>
+                              <p:par>
+                                <p:cTn id="11" presetID="1" presetClass="entr" presetSubtype="0" fill="hold" nodeType="withEffect">
+                                  <p:stCondLst>
+                                    <p:cond delay="0"/>
+                                  </p:stCondLst>
+                                  <p:childTnLst>
+                                    <p:set>
+                                      <p:cBhvr>
+                                        <p:cTn id="12" dur="1" fill="hold">
+                                          <p:stCondLst>
+                                            <p:cond delay="0"/>
+                                          </p:stCondLst>
+                                        </p:cTn>
+                                        <p:tgtEl>
+                                          <p:spTgt spid="34"/>
+                                        </p:tgtEl>
+                                        <p:attrNameLst>
+                                          <p:attrName>style.visibility</p:attrName>
+                                        </p:attrNameLst>
+                                      </p:cBhvr>
+                                      <p:to>
+                                        <p:strVal val="visible"/>
+                                      </p:to>
+                                    </p:set>
+                                  </p:childTnLst>
+                                </p:cTn>
+                              </p:par>
+                              <p:par>
+                                <p:cTn id="13" presetID="26" presetClass="emph" presetSubtype="0" fill="hold" nodeType="withEffect">
+                                  <p:stCondLst>
+                                    <p:cond delay="0"/>
+                                  </p:stCondLst>
+                                  <p:childTnLst>
+                                    <p:animEffect transition="out" filter="fade">
+                                      <p:cBhvr>
+                                        <p:cTn id="14" dur="1000" tmFilter="0, 0; .2, .5; .8, .5; 1, 0"/>
+                                        <p:tgtEl>
+                                          <p:spTgt spid="34"/>
+                                        </p:tgtEl>
+                                      </p:cBhvr>
+                                    </p:animEffect>
+                                    <p:animScale>
+                                      <p:cBhvr>
+                                        <p:cTn id="15" dur="500" autoRev="1" fill="hold"/>
+                                        <p:tgtEl>
+                                          <p:spTgt spid="34"/>
+                                        </p:tgtEl>
+                                      </p:cBhvr>
+                                      <p:by x="105000" y="105000"/>
+                                    </p:animScale>
+                                  </p:childTnLst>
+                                </p:cTn>
+                              </p:par>
+                              <p:par>
+                                <p:cTn id="16" presetID="26" presetClass="emph" presetSubtype="0" fill="hold" nodeType="withEffect">
+                                  <p:stCondLst>
+                                    <p:cond delay="0"/>
+                                  </p:stCondLst>
+                                  <p:childTnLst>
+                                    <p:animEffect transition="out" filter="fade">
+                                      <p:cBhvr>
+                                        <p:cTn id="17" dur="1000" tmFilter="0, 0; .2, .5; .8, .5; 1, 0"/>
+                                        <p:tgtEl>
+                                          <p:spTgt spid="5"/>
+                                        </p:tgtEl>
+                                      </p:cBhvr>
+                                    </p:animEffect>
+                                    <p:animScale>
+                                      <p:cBhvr>
+                                        <p:cTn id="18" dur="500" autoRev="1" fill="hold"/>
+                                        <p:tgtEl>
+                                          <p:spTgt spid="5"/>
+                                        </p:tgtEl>
+                                      </p:cBhvr>
+                                      <p:by x="105000" y="105000"/>
+                                    </p:animScale>
+                                  </p:childTnLst>
+                                </p:cTn>
+                              </p:par>
+                            </p:childTnLst>
+                          </p:cTn>
+                        </p:par>
+                      </p:childTnLst>
+                    </p:cTn>
+                  </p:par>
+                  <p:par>
+                    <p:cTn id="19" fill="hold">
+                      <p:stCondLst>
+                        <p:cond delay="indefinite"/>
+                      </p:stCondLst>
+                      <p:childTnLst>
+                        <p:par>
+                          <p:cTn id="20" fill="hold">
+                            <p:stCondLst>
+                              <p:cond delay="0"/>
+                            </p:stCondLst>
+                            <p:childTnLst>
+                              <p:par>
+                                <p:cTn id="21" presetID="1" presetClass="entr" presetSubtype="0" fill="hold" nodeType="clickEffect">
+                                  <p:stCondLst>
+                                    <p:cond delay="0"/>
+                                  </p:stCondLst>
+                                  <p:childTnLst>
+                                    <p:set>
+                                      <p:cBhvr>
+                                        <p:cTn id="22" dur="1" fill="hold">
+                                          <p:stCondLst>
+                                            <p:cond delay="0"/>
+                                          </p:stCondLst>
+                                        </p:cTn>
+                                        <p:tgtEl>
+                                          <p:spTgt spid="30"/>
+                                        </p:tgtEl>
+                                        <p:attrNameLst>
+                                          <p:attrName>style.visibility</p:attrName>
+                                        </p:attrNameLst>
+                                      </p:cBhvr>
+                                      <p:to>
+                                        <p:strVal val="visible"/>
+                                      </p:to>
+                                    </p:set>
+                                  </p:childTnLst>
+                                </p:cTn>
+                              </p:par>
+                              <p:par>
+                                <p:cTn id="23" presetID="1" presetClass="entr" presetSubtype="0" fill="hold" nodeType="withEffect">
+                                  <p:stCondLst>
+                                    <p:cond delay="0"/>
+                                  </p:stCondLst>
+                                  <p:childTnLst>
+                                    <p:set>
+                                      <p:cBhvr>
+                                        <p:cTn id="24" dur="1" fill="hold">
+                                          <p:stCondLst>
+                                            <p:cond delay="0"/>
+                                          </p:stCondLst>
+                                        </p:cTn>
+                                        <p:tgtEl>
+                                          <p:spTgt spid="38"/>
+                                        </p:tgtEl>
+                                        <p:attrNameLst>
+                                          <p:attrName>style.visibility</p:attrName>
+                                        </p:attrNameLst>
+                                      </p:cBhvr>
+                                      <p:to>
+                                        <p:strVal val="visible"/>
+                                      </p:to>
+                                    </p:set>
+                                  </p:childTnLst>
+                                </p:cTn>
+                              </p:par>
+                              <p:par>
+                                <p:cTn id="25" presetID="26" presetClass="emph" presetSubtype="0" fill="hold" nodeType="withEffect">
+                                  <p:stCondLst>
+                                    <p:cond delay="0"/>
+                                  </p:stCondLst>
+                                  <p:childTnLst>
+                                    <p:animEffect transition="out" filter="fade">
+                                      <p:cBhvr>
+                                        <p:cTn id="26" dur="1000" tmFilter="0, 0; .2, .5; .8, .5; 1, 0"/>
+                                        <p:tgtEl>
+                                          <p:spTgt spid="38"/>
+                                        </p:tgtEl>
+                                      </p:cBhvr>
+                                    </p:animEffect>
+                                    <p:animScale>
+                                      <p:cBhvr>
+                                        <p:cTn id="27" dur="500" autoRev="1" fill="hold"/>
+                                        <p:tgtEl>
+                                          <p:spTgt spid="38"/>
+                                        </p:tgtEl>
+                                      </p:cBhvr>
+                                      <p:by x="105000" y="105000"/>
+                                    </p:animScale>
+                                  </p:childTnLst>
+                                </p:cTn>
+                              </p:par>
+                              <p:par>
+                                <p:cTn id="28" presetID="26" presetClass="emph" presetSubtype="0" fill="hold" nodeType="withEffect">
+                                  <p:stCondLst>
+                                    <p:cond delay="0"/>
+                                  </p:stCondLst>
+                                  <p:childTnLst>
+                                    <p:animEffect transition="out" filter="fade">
+                                      <p:cBhvr>
+                                        <p:cTn id="29" dur="1000" tmFilter="0, 0; .2, .5; .8, .5; 1, 0"/>
+                                        <p:tgtEl>
+                                          <p:spTgt spid="30"/>
+                                        </p:tgtEl>
+                                      </p:cBhvr>
+                                    </p:animEffect>
+                                    <p:animScale>
+                                      <p:cBhvr>
+                                        <p:cTn id="30" dur="500" autoRev="1" fill="hold"/>
+                                        <p:tgtEl>
+                                          <p:spTgt spid="30"/>
+                                        </p:tgtEl>
+                                      </p:cBhvr>
+                                      <p:by x="105000" y="105000"/>
+                                    </p:animScale>
+                                  </p:childTnLst>
+                                </p:cTn>
+                              </p:par>
+                            </p:childTnLst>
+                          </p:cTn>
+                        </p:par>
+                      </p:childTnLst>
+                    </p:cTn>
+                  </p:par>
+                </p:childTnLst>
+              </p:cTn>
+              <p:prevCondLst>
+                <p:cond evt="onPrev" delay="0">
+                  <p:tgtEl>
+                    <p:sldTgt/>
+                  </p:tgtEl>
+                </p:cond>
+              </p:prevCondLst>
+              <p:nextCondLst>
+                <p:cond evt="onNext" delay="0">
+                  <p:tgtEl>
+                    <p:sldTgt/>
+                  </p:tgtEl>
+                </p:cond>
+              </p:nextCondLst>
+            </p:seq>
+            <p:audio isNarration="1">
+              <p:cMediaNode vol="80000" showWhenStopped="0">
+                <p:cTn id="31" fill="hold" display="0">
+                  <p:stCondLst>
+                    <p:cond delay="indefinite"/>
+                  </p:stCondLst>
+                  <p:endCondLst>
+                    <p:cond evt="onStopAudio" delay="0">
+                      <p:tgtEl>
+                        <p:sldTgt/>
+                      </p:tgtEl>
+                    </p:cond>
+                  </p:endCondLst>
+                </p:cTn>
+                <p:tgtEl>
+                  <p:spTgt spid="3"/>
+                </p:tgtEl>
+              </p:cMediaNode>
+            </p:audio>
+          </p:childTnLst>
+        </p:cTn>
+      </p:par>
+    </p:tnLst>
+  </p:timing>
+</p:sld>
+</file>
+
+<file path=ppt/slides/slide6.xml><?xml version="1.0" encoding="utf-8"?>
+<p:sld xmlns:a="http://schemas.openxmlformats.org/drawingml/2006/main" xmlns:r="http://schemas.openxmlformats.org/officeDocument/2006/relationships" xmlns:p="http://schemas.openxmlformats.org/presentationml/2006/main">
+  <p:cSld>
+    <p:spTree>
+      <p:nvGrpSpPr>
+        <p:cNvPr id="1" name="">
+          <a:extLst>
+            <a:ext uri="{FF2B5EF4-FFF2-40B4-BE49-F238E27FC236}">
+              <a16:creationId xmlns:a16="http://schemas.microsoft.com/office/drawing/2014/main" id="{666A4C1B-E3B5-739C-9792-279739B77239}"/>
+            </a:ext>
+          </a:extLst>
+        </p:cNvPr>
+        <p:cNvGrpSpPr/>
+        <p:nvPr/>
+      </p:nvGrpSpPr>
+      <p:grpSpPr>
+        <a:xfrm>
+          <a:off x="0" y="0"/>
+          <a:ext cx="0" cy="0"/>
+          <a:chOff x="0" y="0"/>
+          <a:chExt cx="0" cy="0"/>
+        </a:xfrm>
+      </p:grpSpPr>
+      <p:pic>
+        <p:nvPicPr>
+          <p:cNvPr id="5" name="Picture 4" descr="A cartoon character with a speech bubble&#10;&#10;Description automatically generated">
+            <a:extLst>
+              <a:ext uri="{FF2B5EF4-FFF2-40B4-BE49-F238E27FC236}">
+                <a16:creationId xmlns:a16="http://schemas.microsoft.com/office/drawing/2014/main" id="{5B22345B-6393-B740-8392-4DC4881F6B86}"/>
+              </a:ext>
+            </a:extLst>
+          </p:cNvPr>
+          <p:cNvPicPr>
+            <a:picLocks noChangeAspect="1"/>
+          </p:cNvPicPr>
+          <p:nvPr/>
+        </p:nvPicPr>
+        <p:blipFill>
+          <a:blip r:embed="rId6"/>
+          <a:stretch>
+            <a:fillRect/>
+          </a:stretch>
+        </p:blipFill>
+        <p:spPr>
+          <a:xfrm>
+            <a:off x="317500" y="357415"/>
+            <a:ext cx="2743200" cy="2743200"/>
+          </a:xfrm>
+          <a:prstGeom prst="rect">
+            <a:avLst/>
+          </a:prstGeom>
+        </p:spPr>
+      </p:pic>
+      <p:pic>
+        <p:nvPicPr>
+          <p:cNvPr id="34" name="Picture 33">
+            <a:extLst>
+              <a:ext uri="{FF2B5EF4-FFF2-40B4-BE49-F238E27FC236}">
+                <a16:creationId xmlns:a16="http://schemas.microsoft.com/office/drawing/2014/main" id="{326D68A3-0554-317B-E7D4-90CD40095D4B}"/>
+              </a:ext>
+            </a:extLst>
+          </p:cNvPr>
+          <p:cNvPicPr>
+            <a:picLocks noChangeAspect="1"/>
+          </p:cNvPicPr>
+          <p:nvPr/>
+        </p:nvPicPr>
+        <p:blipFill>
+          <a:blip r:embed="rId7"/>
+          <a:srcRect/>
+          <a:stretch/>
+        </p:blipFill>
+        <p:spPr>
+          <a:xfrm>
+            <a:off x="6605814" y="357415"/>
+            <a:ext cx="2743200" cy="2743200"/>
+          </a:xfrm>
+          <a:prstGeom prst="rect">
+            <a:avLst/>
+          </a:prstGeom>
+        </p:spPr>
+      </p:pic>
+      <p:pic>
+        <p:nvPicPr>
+          <p:cNvPr id="30" name="Picture 29">
+            <a:extLst>
+              <a:ext uri="{FF2B5EF4-FFF2-40B4-BE49-F238E27FC236}">
+                <a16:creationId xmlns:a16="http://schemas.microsoft.com/office/drawing/2014/main" id="{343AEB6C-9739-1077-DA4A-2E379E3B42E1}"/>
+              </a:ext>
+            </a:extLst>
+          </p:cNvPr>
+          <p:cNvPicPr>
+            <a:picLocks noChangeAspect="1"/>
+          </p:cNvPicPr>
+          <p:nvPr/>
+        </p:nvPicPr>
+        <p:blipFill>
+          <a:blip r:embed="rId8"/>
+          <a:srcRect/>
+          <a:stretch/>
+        </p:blipFill>
+        <p:spPr>
+          <a:xfrm>
+            <a:off x="317500" y="3757386"/>
+            <a:ext cx="2743200" cy="2743200"/>
+          </a:xfrm>
+          <a:prstGeom prst="rect">
+            <a:avLst/>
+          </a:prstGeom>
+        </p:spPr>
+      </p:pic>
+      <p:pic>
+        <p:nvPicPr>
+          <p:cNvPr id="38" name="Picture 37">
+            <a:extLst>
+              <a:ext uri="{FF2B5EF4-FFF2-40B4-BE49-F238E27FC236}">
+                <a16:creationId xmlns:a16="http://schemas.microsoft.com/office/drawing/2014/main" id="{2436DF55-8B1E-5D01-BCCE-773E1789FBC0}"/>
+              </a:ext>
+            </a:extLst>
+          </p:cNvPr>
+          <p:cNvPicPr>
+            <a:picLocks noChangeAspect="1"/>
+          </p:cNvPicPr>
+          <p:nvPr/>
+        </p:nvPicPr>
+        <p:blipFill>
+          <a:blip r:embed="rId9"/>
+          <a:srcRect/>
+          <a:stretch/>
+        </p:blipFill>
+        <p:spPr>
+          <a:xfrm>
+            <a:off x="6605814" y="3757386"/>
+            <a:ext cx="2743200" cy="2743200"/>
+          </a:xfrm>
+          <a:prstGeom prst="rect">
+            <a:avLst/>
+          </a:prstGeom>
+        </p:spPr>
+      </p:pic>
+      <p:pic>
+        <p:nvPicPr>
+          <p:cNvPr id="3" name="Audio 2">
+            <a:extLst>
+              <a:ext uri="{FF2B5EF4-FFF2-40B4-BE49-F238E27FC236}">
+                <a16:creationId xmlns:a16="http://schemas.microsoft.com/office/drawing/2014/main" id="{39BCEC0B-76F0-B29D-D548-75FDD0B32387}"/>
+              </a:ext>
+            </a:extLst>
+          </p:cNvPr>
+          <p:cNvPicPr>
+            <a:picLocks noChangeAspect="1"/>
+          </p:cNvPicPr>
+          <p:nvPr>
+            <a:audioFile r:link="rId3"/>
+            <p:extLst>
+              <p:ext uri="{DAA4B4D4-6D71-4841-9C94-3DE7FCFB9230}">
+                <p14:media xmlns:p14="http://schemas.microsoft.com/office/powerpoint/2010/main" r:embed="rId2"/>
+              </p:ext>
+            </p:extLst>
+          </p:nvPr>
+        </p:nvPicPr>
+        <p:blipFill>
+          <a:blip r:embed="rId10"/>
+          <a:stretch>
+            <a:fillRect/>
+          </a:stretch>
+        </p:blipFill>
+        <p:spPr>
+          <a:xfrm>
+            <a:off x="11226800" y="5892800"/>
+            <a:ext cx="812800" cy="812800"/>
+          </a:xfrm>
+          <a:prstGeom prst="rect">
+            <a:avLst/>
+          </a:prstGeom>
+        </p:spPr>
+      </p:pic>
+    </p:spTree>
+    <p:custDataLst>
+      <p:tags r:id="rId1"/>
+    </p:custDataLst>
+    <p:extLst>
+      <p:ext uri="{BB962C8B-B14F-4D97-AF65-F5344CB8AC3E}">
+        <p14:creationId xmlns:p14="http://schemas.microsoft.com/office/powerpoint/2010/main" val="2867135856"/>
+      </p:ext>
+    </p:extLst>
+  </p:cSld>
+  <p:clrMapOvr>
+    <a:masterClrMapping/>
+  </p:clrMapOvr>
+  <mc:AlternateContent xmlns:mc="http://schemas.openxmlformats.org/markup-compatibility/2006">
+    <mc:Choice xmlns:p14="http://schemas.microsoft.com/office/powerpoint/2010/main" Requires="p14">
+      <p:transition spd="slow" p14:dur="2000" advTm="12842"/>
+    </mc:Choice>
+    <mc:Fallback>
+      <p:transition spd="slow" advTm="12842"/>
+    </mc:Fallback>
+  </mc:AlternateContent>
+  <p:timing>
+    <p:tnLst>
+      <p:par>
+        <p:cTn id="1" dur="indefinite" restart="never" nodeType="tmRoot">
+          <p:childTnLst>
+            <p:seq concurrent="1" nextAc="seek">
+              <p:cTn id="2" dur="indefinite" nodeType="mainSeq">
+                <p:childTnLst>
+                  <p:par>
+                    <p:cTn id="3" fill="hold">
+                      <p:stCondLst>
+                        <p:cond delay="indefinite"/>
+                        <p:cond evt="onBegin" delay="0">
+                          <p:tn val="2"/>
+                        </p:cond>
+                      </p:stCondLst>
+                      <p:childTnLst>
+                        <p:par>
+                          <p:cTn id="4" fill="hold">
+                            <p:stCondLst>
+                              <p:cond delay="0"/>
+                            </p:stCondLst>
+                            <p:childTnLst>
+                              <p:par>
+                                <p:cTn id="5" presetID="1" presetClass="mediacall" presetSubtype="0" fill="hold" nodeType="afterEffect">
+                                  <p:stCondLst>
+                                    <p:cond delay="0"/>
+                                  </p:stCondLst>
+                                  <p:childTnLst>
+                                    <p:cmd type="call" cmd="playFrom(0.0)">
+                                      <p:cBhvr>
+                                        <p:cTn id="6" dur="1" fill="hold"/>
+                                        <p:tgtEl>
+                                          <p:spTgt spid="3"/>
+                                        </p:tgtEl>
+                                      </p:cBhvr>
+                                    </p:cmd>
+                                  </p:childTnLst>
+                                </p:cTn>
+                              </p:par>
+                            </p:childTnLst>
+                          </p:cTn>
+                        </p:par>
+                      </p:childTnLst>
+                    </p:cTn>
+                  </p:par>
+                  <p:par>
+                    <p:cTn id="7" fill="hold">
+                      <p:stCondLst>
+                        <p:cond delay="indefinite"/>
+                      </p:stCondLst>
+                      <p:childTnLst>
+                        <p:par>
+                          <p:cTn id="8" fill="hold">
+                            <p:stCondLst>
+                              <p:cond delay="0"/>
+                            </p:stCondLst>
+                            <p:childTnLst>
+                              <p:par>
+                                <p:cTn id="9" presetID="1" presetClass="entr" presetSubtype="0" fill="hold" nodeType="clickEffect">
+                                  <p:stCondLst>
+                                    <p:cond delay="0"/>
+                                  </p:stCondLst>
+                                  <p:childTnLst>
+                                    <p:set>
+                                      <p:cBhvr>
+                                        <p:cTn id="10" dur="1" fill="hold">
+                                          <p:stCondLst>
+                                            <p:cond delay="0"/>
+                                          </p:stCondLst>
+                                        </p:cTn>
+                                        <p:tgtEl>
+                                          <p:spTgt spid="30"/>
+                                        </p:tgtEl>
+                                        <p:attrNameLst>
+                                          <p:attrName>style.visibility</p:attrName>
+                                        </p:attrNameLst>
+                                      </p:cBhvr>
+                                      <p:to>
+                                        <p:strVal val="visible"/>
+                                      </p:to>
+                                    </p:set>
+                                  </p:childTnLst>
+                                </p:cTn>
+                              </p:par>
+                              <p:par>
+                                <p:cTn id="11" presetID="1" presetClass="entr" presetSubtype="0" fill="hold" nodeType="withEffect">
+                                  <p:stCondLst>
+                                    <p:cond delay="0"/>
+                                  </p:stCondLst>
+                                  <p:childTnLst>
+                                    <p:set>
+                                      <p:cBhvr>
+                                        <p:cTn id="12" dur="1" fill="hold">
+                                          <p:stCondLst>
+                                            <p:cond delay="0"/>
+                                          </p:stCondLst>
+                                        </p:cTn>
+                                        <p:tgtEl>
+                                          <p:spTgt spid="5"/>
+                                        </p:tgtEl>
+                                        <p:attrNameLst>
+                                          <p:attrName>style.visibility</p:attrName>
+                                        </p:attrNameLst>
+                                      </p:cBhvr>
+                                      <p:to>
+                                        <p:strVal val="visible"/>
+                                      </p:to>
+                                    </p:set>
+                                  </p:childTnLst>
+                                </p:cTn>
+                              </p:par>
+                              <p:par>
+                                <p:cTn id="13" presetID="26" presetClass="emph" presetSubtype="0" fill="hold" nodeType="withEffect">
+                                  <p:stCondLst>
+                                    <p:cond delay="0"/>
+                                  </p:stCondLst>
+                                  <p:childTnLst>
+                                    <p:animEffect transition="out" filter="fade">
+                                      <p:cBhvr>
+                                        <p:cTn id="14" dur="1000" tmFilter="0, 0; .2, .5; .8, .5; 1, 0"/>
+                                        <p:tgtEl>
+                                          <p:spTgt spid="5"/>
+                                        </p:tgtEl>
+                                      </p:cBhvr>
+                                    </p:animEffect>
+                                    <p:animScale>
+                                      <p:cBhvr>
+                                        <p:cTn id="15" dur="500" autoRev="1" fill="hold"/>
+                                        <p:tgtEl>
+                                          <p:spTgt spid="5"/>
+                                        </p:tgtEl>
+                                      </p:cBhvr>
+                                      <p:by x="105000" y="105000"/>
+                                    </p:animScale>
+                                  </p:childTnLst>
+                                </p:cTn>
+                              </p:par>
+                              <p:par>
+                                <p:cTn id="16" presetID="26" presetClass="emph" presetSubtype="0" fill="hold" nodeType="withEffect">
+                                  <p:stCondLst>
+                                    <p:cond delay="0"/>
+                                  </p:stCondLst>
+                                  <p:childTnLst>
+                                    <p:animEffect transition="out" filter="fade">
+                                      <p:cBhvr>
+                                        <p:cTn id="17" dur="1000" tmFilter="0, 0; .2, .5; .8, .5; 1, 0"/>
+                                        <p:tgtEl>
+                                          <p:spTgt spid="30"/>
+                                        </p:tgtEl>
+                                      </p:cBhvr>
+                                    </p:animEffect>
+                                    <p:animScale>
+                                      <p:cBhvr>
+                                        <p:cTn id="18" dur="500" autoRev="1" fill="hold"/>
+                                        <p:tgtEl>
+                                          <p:spTgt spid="30"/>
+                                        </p:tgtEl>
+                                      </p:cBhvr>
+                                      <p:by x="105000" y="105000"/>
+                                    </p:animScale>
+                                  </p:childTnLst>
+                                </p:cTn>
+                              </p:par>
+                            </p:childTnLst>
+                          </p:cTn>
+                        </p:par>
+                      </p:childTnLst>
+                    </p:cTn>
+                  </p:par>
+                  <p:par>
+                    <p:cTn id="19" fill="hold">
+                      <p:stCondLst>
+                        <p:cond delay="indefinite"/>
+                      </p:stCondLst>
+                      <p:childTnLst>
+                        <p:par>
+                          <p:cTn id="20" fill="hold">
+                            <p:stCondLst>
+                              <p:cond delay="0"/>
+                            </p:stCondLst>
+                            <p:childTnLst>
+                              <p:par>
+                                <p:cTn id="21" presetID="1" presetClass="entr" presetSubtype="0" fill="hold" nodeType="clickEffect">
+                                  <p:stCondLst>
+                                    <p:cond delay="0"/>
+                                  </p:stCondLst>
+                                  <p:childTnLst>
+                                    <p:set>
+                                      <p:cBhvr>
+                                        <p:cTn id="22" dur="1" fill="hold">
+                                          <p:stCondLst>
+                                            <p:cond delay="0"/>
+                                          </p:stCondLst>
+                                        </p:cTn>
+                                        <p:tgtEl>
+                                          <p:spTgt spid="34"/>
+                                        </p:tgtEl>
+                                        <p:attrNameLst>
+                                          <p:attrName>style.visibility</p:attrName>
+                                        </p:attrNameLst>
+                                      </p:cBhvr>
+                                      <p:to>
+                                        <p:strVal val="visible"/>
+                                      </p:to>
+                                    </p:set>
+                                  </p:childTnLst>
+                                </p:cTn>
+                              </p:par>
+                              <p:par>
+                                <p:cTn id="23" presetID="1" presetClass="entr" presetSubtype="0" fill="hold" nodeType="withEffect">
+                                  <p:stCondLst>
+                                    <p:cond delay="0"/>
+                                  </p:stCondLst>
+                                  <p:childTnLst>
+                                    <p:set>
+                                      <p:cBhvr>
+                                        <p:cTn id="24" dur="1" fill="hold">
+                                          <p:stCondLst>
+                                            <p:cond delay="0"/>
+                                          </p:stCondLst>
+                                        </p:cTn>
+                                        <p:tgtEl>
+                                          <p:spTgt spid="38"/>
+                                        </p:tgtEl>
+                                        <p:attrNameLst>
+                                          <p:attrName>style.visibility</p:attrName>
+                                        </p:attrNameLst>
+                                      </p:cBhvr>
+                                      <p:to>
+                                        <p:strVal val="visible"/>
+                                      </p:to>
+                                    </p:set>
+                                  </p:childTnLst>
+                                </p:cTn>
+                              </p:par>
+                              <p:par>
+                                <p:cTn id="25" presetID="26" presetClass="emph" presetSubtype="0" fill="hold" nodeType="withEffect">
+                                  <p:stCondLst>
+                                    <p:cond delay="0"/>
+                                  </p:stCondLst>
+                                  <p:childTnLst>
+                                    <p:animEffect transition="out" filter="fade">
+                                      <p:cBhvr>
+                                        <p:cTn id="26" dur="1000" tmFilter="0, 0; .2, .5; .8, .5; 1, 0"/>
+                                        <p:tgtEl>
+                                          <p:spTgt spid="34"/>
+                                        </p:tgtEl>
+                                      </p:cBhvr>
+                                    </p:animEffect>
+                                    <p:animScale>
+                                      <p:cBhvr>
+                                        <p:cTn id="27" dur="500" autoRev="1" fill="hold"/>
+                                        <p:tgtEl>
+                                          <p:spTgt spid="34"/>
+                                        </p:tgtEl>
+                                      </p:cBhvr>
+                                      <p:by x="105000" y="105000"/>
+                                    </p:animScale>
+                                  </p:childTnLst>
+                                </p:cTn>
+                              </p:par>
+                              <p:par>
+                                <p:cTn id="28" presetID="26" presetClass="emph" presetSubtype="0" fill="hold" nodeType="withEffect">
+                                  <p:stCondLst>
+                                    <p:cond delay="0"/>
+                                  </p:stCondLst>
+                                  <p:childTnLst>
+                                    <p:animEffect transition="out" filter="fade">
+                                      <p:cBhvr>
+                                        <p:cTn id="29" dur="1000" tmFilter="0, 0; .2, .5; .8, .5; 1, 0"/>
+                                        <p:tgtEl>
+                                          <p:spTgt spid="38"/>
+                                        </p:tgtEl>
+                                      </p:cBhvr>
+                                    </p:animEffect>
+                                    <p:animScale>
+                                      <p:cBhvr>
+                                        <p:cTn id="30" dur="500" autoRev="1" fill="hold"/>
+                                        <p:tgtEl>
+                                          <p:spTgt spid="38"/>
+                                        </p:tgtEl>
+                                      </p:cBhvr>
+                                      <p:by x="105000" y="105000"/>
+                                    </p:animScale>
+                                  </p:childTnLst>
+                                </p:cTn>
+                              </p:par>
+                            </p:childTnLst>
+                          </p:cTn>
+                        </p:par>
+                      </p:childTnLst>
+                    </p:cTn>
+                  </p:par>
+                </p:childTnLst>
+              </p:cTn>
+              <p:prevCondLst>
+                <p:cond evt="onPrev" delay="0">
+                  <p:tgtEl>
+                    <p:sldTgt/>
+                  </p:tgtEl>
+                </p:cond>
+              </p:prevCondLst>
+              <p:nextCondLst>
+                <p:cond evt="onNext" delay="0">
+                  <p:tgtEl>
+                    <p:sldTgt/>
+                  </p:tgtEl>
+                </p:cond>
+              </p:nextCondLst>
+            </p:seq>
+            <p:audio isNarration="1">
+              <p:cMediaNode vol="80000" showWhenStopped="0">
+                <p:cTn id="31" fill="hold" display="0">
+                  <p:stCondLst>
+                    <p:cond delay="indefinite"/>
+                  </p:stCondLst>
+                  <p:endCondLst>
+                    <p:cond evt="onStopAudio" delay="0">
+                      <p:tgtEl>
+                        <p:sldTgt/>
+                      </p:tgtEl>
+                    </p:cond>
+                  </p:endCondLst>
+                </p:cTn>
+                <p:tgtEl>
+                  <p:spTgt spid="3"/>
+                </p:tgtEl>
+              </p:cMediaNode>
+            </p:audio>
+          </p:childTnLst>
+        </p:cTn>
+      </p:par>
+    </p:tnLst>
+  </p:timing>
+</p:sld>
+</file>
+
+<file path=ppt/slides/slide7.xml><?xml version="1.0" encoding="utf-8"?>
+<p:sld xmlns:a="http://schemas.openxmlformats.org/drawingml/2006/main" xmlns:r="http://schemas.openxmlformats.org/officeDocument/2006/relationships" xmlns:p="http://schemas.openxmlformats.org/presentationml/2006/main">
+  <p:cSld>
+    <p:spTree>
+      <p:nvGrpSpPr>
+        <p:cNvPr id="1" name="">
+          <a:extLst>
+            <a:ext uri="{FF2B5EF4-FFF2-40B4-BE49-F238E27FC236}">
+              <a16:creationId xmlns:a16="http://schemas.microsoft.com/office/drawing/2014/main" id="{AD5EE51B-C0D8-A6E5-66D0-EAE204EC16CB}"/>
+            </a:ext>
+          </a:extLst>
+        </p:cNvPr>
+        <p:cNvGrpSpPr/>
+        <p:nvPr/>
+      </p:nvGrpSpPr>
+      <p:grpSpPr>
+        <a:xfrm>
+          <a:off x="0" y="0"/>
+          <a:ext cx="0" cy="0"/>
+          <a:chOff x="0" y="0"/>
+          <a:chExt cx="0" cy="0"/>
+        </a:xfrm>
+      </p:grpSpPr>
+      <p:pic>
+        <p:nvPicPr>
+          <p:cNvPr id="2" name="Picture 1">
+            <a:extLst>
+              <a:ext uri="{FF2B5EF4-FFF2-40B4-BE49-F238E27FC236}">
+                <a16:creationId xmlns:a16="http://schemas.microsoft.com/office/drawing/2014/main" id="{D3EA406F-0442-3A59-8E9E-19B168CAD6C0}"/>
+              </a:ext>
+            </a:extLst>
+          </p:cNvPr>
+          <p:cNvPicPr>
+            <a:picLocks noChangeAspect="1"/>
+          </p:cNvPicPr>
+          <p:nvPr/>
+        </p:nvPicPr>
+        <p:blipFill>
+          <a:blip r:embed="rId6"/>
+          <a:stretch>
+            <a:fillRect/>
+          </a:stretch>
+        </p:blipFill>
+        <p:spPr>
+          <a:xfrm>
+            <a:off x="4038600" y="0"/>
+            <a:ext cx="4114800" cy="4114800"/>
+          </a:xfrm>
+          <a:prstGeom prst="rect">
+            <a:avLst/>
+          </a:prstGeom>
+        </p:spPr>
+      </p:pic>
+      <p:pic>
+        <p:nvPicPr>
+          <p:cNvPr id="4" name="Picture 3">
+            <a:extLst>
+              <a:ext uri="{FF2B5EF4-FFF2-40B4-BE49-F238E27FC236}">
+                <a16:creationId xmlns:a16="http://schemas.microsoft.com/office/drawing/2014/main" id="{C8E49E66-B86B-DB92-4544-E31A98776973}"/>
+              </a:ext>
+            </a:extLst>
+          </p:cNvPr>
+          <p:cNvPicPr>
+            <a:picLocks noChangeAspect="1"/>
+          </p:cNvPicPr>
+          <p:nvPr/>
+        </p:nvPicPr>
+        <p:blipFill>
+          <a:blip r:embed="rId7"/>
+          <a:srcRect/>
+          <a:stretch/>
+        </p:blipFill>
+        <p:spPr>
+          <a:xfrm>
+            <a:off x="1398685" y="4319941"/>
+            <a:ext cx="1828800" cy="2431914"/>
+          </a:xfrm>
+          <a:prstGeom prst="roundRect">
+            <a:avLst>
+              <a:gd name="adj" fmla="val 4167"/>
+            </a:avLst>
+          </a:prstGeom>
+          <a:solidFill>
+            <a:srgbClr val="FFFFFF"/>
+          </a:solidFill>
+          <a:ln w="76200" cap="sq">
+            <a:solidFill>
+              <a:srgbClr val="292929"/>
+            </a:solidFill>
+            <a:miter lim="800000"/>
+          </a:ln>
+          <a:effectLst/>
+          <a:scene3d>
+            <a:camera prst="orthographicFront"/>
+            <a:lightRig rig="threePt" dir="t">
+              <a:rot lat="0" lon="0" rev="2700000"/>
+            </a:lightRig>
+          </a:scene3d>
+          <a:sp3d>
+            <a:bevelT h="38100"/>
+            <a:contourClr>
+              <a:srgbClr val="C0C0C0"/>
+            </a:contourClr>
+          </a:sp3d>
+        </p:spPr>
+      </p:pic>
+      <p:pic>
+        <p:nvPicPr>
+          <p:cNvPr id="6" name="Picture 5">
+            <a:extLst>
+              <a:ext uri="{FF2B5EF4-FFF2-40B4-BE49-F238E27FC236}">
+                <a16:creationId xmlns:a16="http://schemas.microsoft.com/office/drawing/2014/main" id="{9EDF2D99-6B8A-AC41-4C21-19A99C015E8D}"/>
+              </a:ext>
+            </a:extLst>
+          </p:cNvPr>
+          <p:cNvPicPr>
+            <a:picLocks noChangeAspect="1"/>
+          </p:cNvPicPr>
+          <p:nvPr/>
+        </p:nvPicPr>
+        <p:blipFill>
+          <a:blip r:embed="rId8"/>
+          <a:srcRect/>
+          <a:stretch/>
+        </p:blipFill>
+        <p:spPr>
+          <a:xfrm>
+            <a:off x="3926273" y="4319941"/>
+            <a:ext cx="1828800" cy="2431914"/>
+          </a:xfrm>
+          <a:prstGeom prst="roundRect">
+            <a:avLst>
+              <a:gd name="adj" fmla="val 4167"/>
+            </a:avLst>
+          </a:prstGeom>
+          <a:solidFill>
+            <a:srgbClr val="FFFFFF"/>
+          </a:solidFill>
+          <a:ln w="76200" cap="sq">
+            <a:solidFill>
+              <a:srgbClr val="292929"/>
+            </a:solidFill>
+            <a:miter lim="800000"/>
+          </a:ln>
+          <a:effectLst/>
+          <a:scene3d>
+            <a:camera prst="orthographicFront"/>
+            <a:lightRig rig="threePt" dir="t">
+              <a:rot lat="0" lon="0" rev="2700000"/>
+            </a:lightRig>
+          </a:scene3d>
+          <a:sp3d>
+            <a:bevelT h="38100"/>
+            <a:contourClr>
+              <a:srgbClr val="C0C0C0"/>
+            </a:contourClr>
+          </a:sp3d>
+        </p:spPr>
+      </p:pic>
+      <p:pic>
+        <p:nvPicPr>
+          <p:cNvPr id="7" name="Picture 6">
+            <a:extLst>
+              <a:ext uri="{FF2B5EF4-FFF2-40B4-BE49-F238E27FC236}">
+                <a16:creationId xmlns:a16="http://schemas.microsoft.com/office/drawing/2014/main" id="{57E75626-0C06-7516-F7E5-D0D295C7C04B}"/>
+              </a:ext>
+            </a:extLst>
+          </p:cNvPr>
+          <p:cNvPicPr>
+            <a:picLocks noChangeAspect="1"/>
+          </p:cNvPicPr>
+          <p:nvPr/>
+        </p:nvPicPr>
+        <p:blipFill>
+          <a:blip r:embed="rId9"/>
+          <a:srcRect/>
+          <a:stretch/>
+        </p:blipFill>
+        <p:spPr>
+          <a:xfrm>
+            <a:off x="6453861" y="4319941"/>
+            <a:ext cx="1828800" cy="2431914"/>
+          </a:xfrm>
+          <a:prstGeom prst="roundRect">
+            <a:avLst>
+              <a:gd name="adj" fmla="val 4167"/>
+            </a:avLst>
+          </a:prstGeom>
+          <a:solidFill>
+            <a:srgbClr val="FFFFFF"/>
+          </a:solidFill>
+          <a:ln w="76200" cap="sq">
+            <a:solidFill>
+              <a:srgbClr val="292929"/>
+            </a:solidFill>
+            <a:miter lim="800000"/>
+          </a:ln>
+          <a:effectLst/>
+          <a:scene3d>
+            <a:camera prst="orthographicFront"/>
+            <a:lightRig rig="threePt" dir="t">
+              <a:rot lat="0" lon="0" rev="2700000"/>
+            </a:lightRig>
+          </a:scene3d>
+          <a:sp3d>
+            <a:bevelT h="38100"/>
+            <a:contourClr>
+              <a:srgbClr val="C0C0C0"/>
+            </a:contourClr>
+          </a:sp3d>
+        </p:spPr>
+      </p:pic>
+      <p:pic>
+        <p:nvPicPr>
+          <p:cNvPr id="8" name="Picture 7">
+            <a:extLst>
+              <a:ext uri="{FF2B5EF4-FFF2-40B4-BE49-F238E27FC236}">
+                <a16:creationId xmlns:a16="http://schemas.microsoft.com/office/drawing/2014/main" id="{8C51955E-E4C5-4ED0-475A-0BD4FC727A63}"/>
+              </a:ext>
+            </a:extLst>
+          </p:cNvPr>
+          <p:cNvPicPr>
+            <a:picLocks noChangeAspect="1"/>
+          </p:cNvPicPr>
+          <p:nvPr/>
+        </p:nvPicPr>
+        <p:blipFill>
+          <a:blip r:embed="rId10"/>
+          <a:srcRect/>
+          <a:stretch/>
+        </p:blipFill>
+        <p:spPr>
+          <a:xfrm>
+            <a:off x="8981448" y="4319941"/>
+            <a:ext cx="1828800" cy="2431914"/>
+          </a:xfrm>
+          <a:prstGeom prst="roundRect">
+            <a:avLst>
+              <a:gd name="adj" fmla="val 4167"/>
+            </a:avLst>
+          </a:prstGeom>
+          <a:solidFill>
+            <a:srgbClr val="FFFFFF"/>
+          </a:solidFill>
+          <a:ln w="76200" cap="sq">
+            <a:solidFill>
+              <a:srgbClr val="292929"/>
+            </a:solidFill>
+            <a:miter lim="800000"/>
+          </a:ln>
+          <a:effectLst/>
+          <a:scene3d>
+            <a:camera prst="orthographicFront"/>
+            <a:lightRig rig="threePt" dir="t">
+              <a:rot lat="0" lon="0" rev="2700000"/>
+            </a:lightRig>
+          </a:scene3d>
+          <a:sp3d>
+            <a:bevelT h="38100"/>
+            <a:contourClr>
+              <a:srgbClr val="C0C0C0"/>
+            </a:contourClr>
+          </a:sp3d>
+        </p:spPr>
+      </p:pic>
+      <p:pic>
+        <p:nvPicPr>
+          <p:cNvPr id="19" name="Audio 18">
+            <a:extLst>
+              <a:ext uri="{FF2B5EF4-FFF2-40B4-BE49-F238E27FC236}">
+                <a16:creationId xmlns:a16="http://schemas.microsoft.com/office/drawing/2014/main" id="{4592EA7F-1CA3-6F42-B950-FA95CBBC0116}"/>
+              </a:ext>
+            </a:extLst>
+          </p:cNvPr>
+          <p:cNvPicPr>
+            <a:picLocks noChangeAspect="1"/>
+          </p:cNvPicPr>
+          <p:nvPr>
+            <a:audioFile r:link="rId3"/>
+            <p:extLst>
+              <p:ext uri="{DAA4B4D4-6D71-4841-9C94-3DE7FCFB9230}">
+                <p14:media xmlns:p14="http://schemas.microsoft.com/office/powerpoint/2010/main" r:embed="rId2"/>
+              </p:ext>
+            </p:extLst>
+          </p:nvPr>
+        </p:nvPicPr>
+        <p:blipFill>
+          <a:blip r:embed="rId11"/>
+          <a:stretch>
+            <a:fillRect/>
+          </a:stretch>
+        </p:blipFill>
+        <p:spPr>
+          <a:xfrm>
+            <a:off x="11226800" y="5892800"/>
+            <a:ext cx="812800" cy="812800"/>
+          </a:xfrm>
+          <a:prstGeom prst="rect">
+            <a:avLst/>
+          </a:prstGeom>
+        </p:spPr>
+      </p:pic>
+    </p:spTree>
+    <p:custDataLst>
+      <p:tags r:id="rId1"/>
+    </p:custDataLst>
+    <p:extLst>
+      <p:ext uri="{BB962C8B-B14F-4D97-AF65-F5344CB8AC3E}">
+        <p14:creationId xmlns:p14="http://schemas.microsoft.com/office/powerpoint/2010/main" val="2978884094"/>
+      </p:ext>
+    </p:extLst>
+  </p:cSld>
+  <p:clrMapOvr>
+    <a:masterClrMapping/>
+  </p:clrMapOvr>
+  <mc:AlternateContent xmlns:mc="http://schemas.openxmlformats.org/markup-compatibility/2006">
+    <mc:Choice xmlns:p14="http://schemas.microsoft.com/office/powerpoint/2010/main" Requires="p14">
+      <p:transition spd="slow" p14:dur="2000" advTm="23210"/>
+    </mc:Choice>
+    <mc:Fallback>
+      <p:transition spd="slow" advTm="23210"/>
+    </mc:Fallback>
+  </mc:AlternateContent>
+  <p:timing>
+    <p:tnLst>
+      <p:par>
+        <p:cTn id="1" dur="indefinite" restart="never" nodeType="tmRoot">
+          <p:childTnLst>
+            <p:seq concurrent="1" nextAc="seek">
+              <p:cTn id="2" dur="indefinite" nodeType="mainSeq">
+                <p:childTnLst>
+                  <p:par>
+                    <p:cTn id="3" fill="hold">
+                      <p:stCondLst>
+                        <p:cond delay="indefinite"/>
+                        <p:cond evt="onBegin" delay="0">
+                          <p:tn val="2"/>
+                        </p:cond>
+                      </p:stCondLst>
+                      <p:childTnLst>
+                        <p:par>
+                          <p:cTn id="4" fill="hold">
+                            <p:stCondLst>
+                              <p:cond delay="0"/>
+                            </p:stCondLst>
+                            <p:childTnLst>
+                              <p:par>
+                                <p:cTn id="5" presetID="1" presetClass="mediacall" presetSubtype="0" fill="hold" nodeType="afterEffect">
+                                  <p:stCondLst>
+                                    <p:cond delay="0"/>
+                                  </p:stCondLst>
+                                  <p:childTnLst>
+                                    <p:cmd type="call" cmd="playFrom(0.0)">
+                                      <p:cBhvr>
+                                        <p:cTn id="6" dur="1" fill="hold"/>
+                                        <p:tgtEl>
+                                          <p:spTgt spid="19"/>
+                                        </p:tgtEl>
+                                      </p:cBhvr>
+                                    </p:cmd>
+                                  </p:childTnLst>
+                                </p:cTn>
+                              </p:par>
+                            </p:childTnLst>
+                          </p:cTn>
+                        </p:par>
+                      </p:childTnLst>
+                    </p:cTn>
+                  </p:par>
+                  <p:par>
+                    <p:cTn id="7" fill="hold">
+                      <p:stCondLst>
+                        <p:cond delay="indefinite"/>
+                      </p:stCondLst>
+                      <p:childTnLst>
+                        <p:par>
+                          <p:cTn id="8" fill="hold">
+                            <p:stCondLst>
+                              <p:cond delay="0"/>
+                            </p:stCondLst>
+                            <p:childTnLst>
+                              <p:par>
+                                <p:cTn id="9" presetID="1" presetClass="entr" presetSubtype="0" fill="hold" nodeType="clickEffect">
+                                  <p:stCondLst>
+                                    <p:cond delay="0"/>
+                                  </p:stCondLst>
+                                  <p:childTnLst>
+                                    <p:set>
+                                      <p:cBhvr>
+                                        <p:cTn id="10" dur="1" fill="hold">
+                                          <p:stCondLst>
+                                            <p:cond delay="0"/>
+                                          </p:stCondLst>
+                                        </p:cTn>
+                                        <p:tgtEl>
+                                          <p:spTgt spid="2"/>
+                                        </p:tgtEl>
+                                        <p:attrNameLst>
+                                          <p:attrName>style.visibility</p:attrName>
+                                        </p:attrNameLst>
+                                      </p:cBhvr>
+                                      <p:to>
+                                        <p:strVal val="visible"/>
+                                      </p:to>
+                                    </p:set>
+                                  </p:childTnLst>
+                                </p:cTn>
+                              </p:par>
+                            </p:childTnLst>
+                          </p:cTn>
+                        </p:par>
+                      </p:childTnLst>
+                    </p:cTn>
+                  </p:par>
+                  <p:par>
+                    <p:cTn id="11" fill="hold">
+                      <p:stCondLst>
+                        <p:cond delay="indefinite"/>
+                      </p:stCondLst>
+                      <p:childTnLst>
+                        <p:par>
+                          <p:cTn id="12" fill="hold">
+                            <p:stCondLst>
+                              <p:cond delay="0"/>
+                            </p:stCondLst>
+                            <p:childTnLst>
+                              <p:par>
+                                <p:cTn id="13" presetID="1" presetClass="entr" presetSubtype="0" fill="hold" nodeType="clickEffect">
+                                  <p:stCondLst>
+                                    <p:cond delay="0"/>
+                                  </p:stCondLst>
+                                  <p:childTnLst>
+                                    <p:set>
+                                      <p:cBhvr>
+                                        <p:cTn id="14" dur="1" fill="hold">
+                                          <p:stCondLst>
+                                            <p:cond delay="0"/>
+                                          </p:stCondLst>
+                                        </p:cTn>
+                                        <p:tgtEl>
+                                          <p:spTgt spid="4"/>
+                                        </p:tgtEl>
+                                        <p:attrNameLst>
+                                          <p:attrName>style.visibility</p:attrName>
+                                        </p:attrNameLst>
+                                      </p:cBhvr>
+                                      <p:to>
+                                        <p:strVal val="visible"/>
+                                      </p:to>
+                                    </p:set>
+                                  </p:childTnLst>
+                                </p:cTn>
+                              </p:par>
+                              <p:par>
+                                <p:cTn id="15" presetID="26" presetClass="emph" presetSubtype="0" fill="hold" nodeType="withEffect">
+                                  <p:stCondLst>
+                                    <p:cond delay="0"/>
+                                  </p:stCondLst>
+                                  <p:childTnLst>
+                                    <p:animEffect transition="out" filter="fade">
+                                      <p:cBhvr>
+                                        <p:cTn id="16" dur="1000" tmFilter="0, 0; .2, .5; .8, .5; 1, 0"/>
+                                        <p:tgtEl>
+                                          <p:spTgt spid="4"/>
+                                        </p:tgtEl>
+                                      </p:cBhvr>
+                                    </p:animEffect>
+                                    <p:animScale>
+                                      <p:cBhvr>
+                                        <p:cTn id="17" dur="500" autoRev="1" fill="hold"/>
+                                        <p:tgtEl>
+                                          <p:spTgt spid="4"/>
+                                        </p:tgtEl>
+                                      </p:cBhvr>
+                                      <p:by x="105000" y="105000"/>
+                                    </p:animScale>
+                                  </p:childTnLst>
+                                </p:cTn>
+                              </p:par>
+                            </p:childTnLst>
+                          </p:cTn>
+                        </p:par>
+                      </p:childTnLst>
+                    </p:cTn>
+                  </p:par>
+                  <p:par>
+                    <p:cTn id="18" fill="hold">
+                      <p:stCondLst>
+                        <p:cond delay="indefinite"/>
+                      </p:stCondLst>
+                      <p:childTnLst>
+                        <p:par>
+                          <p:cTn id="19" fill="hold">
+                            <p:stCondLst>
+                              <p:cond delay="0"/>
+                            </p:stCondLst>
+                            <p:childTnLst>
+                              <p:par>
+                                <p:cTn id="20" presetID="1" presetClass="entr" presetSubtype="0" fill="hold" nodeType="clickEffect">
+                                  <p:stCondLst>
+                                    <p:cond delay="0"/>
+                                  </p:stCondLst>
+                                  <p:childTnLst>
+                                    <p:set>
+                                      <p:cBhvr>
+                                        <p:cTn id="21" dur="1" fill="hold">
+                                          <p:stCondLst>
+                                            <p:cond delay="0"/>
+                                          </p:stCondLst>
+                                        </p:cTn>
+                                        <p:tgtEl>
+                                          <p:spTgt spid="6"/>
+                                        </p:tgtEl>
+                                        <p:attrNameLst>
+                                          <p:attrName>style.visibility</p:attrName>
+                                        </p:attrNameLst>
+                                      </p:cBhvr>
+                                      <p:to>
+                                        <p:strVal val="visible"/>
+                                      </p:to>
+                                    </p:set>
+                                  </p:childTnLst>
+                                </p:cTn>
+                              </p:par>
+                              <p:par>
+                                <p:cTn id="22" presetID="26" presetClass="emph" presetSubtype="0" fill="hold" nodeType="withEffect">
+                                  <p:stCondLst>
+                                    <p:cond delay="0"/>
+                                  </p:stCondLst>
+                                  <p:childTnLst>
+                                    <p:animEffect transition="out" filter="fade">
+                                      <p:cBhvr>
+                                        <p:cTn id="23" dur="1000" tmFilter="0, 0; .2, .5; .8, .5; 1, 0"/>
+                                        <p:tgtEl>
+                                          <p:spTgt spid="6"/>
+                                        </p:tgtEl>
+                                      </p:cBhvr>
+                                    </p:animEffect>
+                                    <p:animScale>
+                                      <p:cBhvr>
+                                        <p:cTn id="24" dur="500" autoRev="1" fill="hold"/>
+                                        <p:tgtEl>
+                                          <p:spTgt spid="6"/>
+                                        </p:tgtEl>
+                                      </p:cBhvr>
+                                      <p:by x="105000" y="105000"/>
+                                    </p:animScale>
+                                  </p:childTnLst>
+                                </p:cTn>
+                              </p:par>
+                            </p:childTnLst>
+                          </p:cTn>
+                        </p:par>
+                      </p:childTnLst>
+                    </p:cTn>
+                  </p:par>
+                  <p:par>
+                    <p:cTn id="25" fill="hold">
+                      <p:stCondLst>
+                        <p:cond delay="indefinite"/>
+                      </p:stCondLst>
+                      <p:childTnLst>
+                        <p:par>
+                          <p:cTn id="26" fill="hold">
+                            <p:stCondLst>
+                              <p:cond delay="0"/>
+                            </p:stCondLst>
+                            <p:childTnLst>
+                              <p:par>
+                                <p:cTn id="27" presetID="1" presetClass="entr" presetSubtype="0" fill="hold" nodeType="clickEffect">
+                                  <p:stCondLst>
+                                    <p:cond delay="0"/>
+                                  </p:stCondLst>
+                                  <p:childTnLst>
+                                    <p:set>
+                                      <p:cBhvr>
+                                        <p:cTn id="28" dur="1" fill="hold">
+                                          <p:stCondLst>
+                                            <p:cond delay="0"/>
+                                          </p:stCondLst>
+                                        </p:cTn>
+                                        <p:tgtEl>
+                                          <p:spTgt spid="7"/>
+                                        </p:tgtEl>
+                                        <p:attrNameLst>
+                                          <p:attrName>style.visibility</p:attrName>
+                                        </p:attrNameLst>
+                                      </p:cBhvr>
+                                      <p:to>
+                                        <p:strVal val="visible"/>
+                                      </p:to>
+                                    </p:set>
+                                  </p:childTnLst>
+                                </p:cTn>
+                              </p:par>
+                              <p:par>
+                                <p:cTn id="29" presetID="26" presetClass="emph" presetSubtype="0" fill="hold" nodeType="withEffect">
+                                  <p:stCondLst>
+                                    <p:cond delay="0"/>
+                                  </p:stCondLst>
+                                  <p:childTnLst>
+                                    <p:animEffect transition="out" filter="fade">
+                                      <p:cBhvr>
+                                        <p:cTn id="30" dur="1000" tmFilter="0, 0; .2, .5; .8, .5; 1, 0"/>
+                                        <p:tgtEl>
+                                          <p:spTgt spid="7"/>
+                                        </p:tgtEl>
+                                      </p:cBhvr>
+                                    </p:animEffect>
+                                    <p:animScale>
+                                      <p:cBhvr>
+                                        <p:cTn id="31" dur="500" autoRev="1" fill="hold"/>
+                                        <p:tgtEl>
+                                          <p:spTgt spid="7"/>
+                                        </p:tgtEl>
+                                      </p:cBhvr>
+                                      <p:by x="105000" y="105000"/>
+                                    </p:animScale>
+                                  </p:childTnLst>
+                                </p:cTn>
+                              </p:par>
+                            </p:childTnLst>
+                          </p:cTn>
+                        </p:par>
+                      </p:childTnLst>
+                    </p:cTn>
+                  </p:par>
+                  <p:par>
+                    <p:cTn id="32" fill="hold">
+                      <p:stCondLst>
+                        <p:cond delay="indefinite"/>
+                      </p:stCondLst>
+                      <p:childTnLst>
+                        <p:par>
+                          <p:cTn id="33" fill="hold">
+                            <p:stCondLst>
+                              <p:cond delay="0"/>
+                            </p:stCondLst>
+                            <p:childTnLst>
+                              <p:par>
+                                <p:cTn id="34" presetID="1" presetClass="entr" presetSubtype="0" fill="hold" nodeType="clickEffect">
+                                  <p:stCondLst>
+                                    <p:cond delay="0"/>
+                                  </p:stCondLst>
+                                  <p:childTnLst>
+                                    <p:set>
+                                      <p:cBhvr>
+                                        <p:cTn id="35" dur="1" fill="hold">
+                                          <p:stCondLst>
+                                            <p:cond delay="0"/>
+                                          </p:stCondLst>
+                                        </p:cTn>
+                                        <p:tgtEl>
+                                          <p:spTgt spid="8"/>
+                                        </p:tgtEl>
+                                        <p:attrNameLst>
+                                          <p:attrName>style.visibility</p:attrName>
+                                        </p:attrNameLst>
+                                      </p:cBhvr>
+                                      <p:to>
+                                        <p:strVal val="visible"/>
+                                      </p:to>
+                                    </p:set>
+                                  </p:childTnLst>
+                                </p:cTn>
+                              </p:par>
+                              <p:par>
+                                <p:cTn id="36" presetID="26" presetClass="emph" presetSubtype="0" fill="hold" nodeType="withEffect">
+                                  <p:stCondLst>
+                                    <p:cond delay="0"/>
+                                  </p:stCondLst>
+                                  <p:childTnLst>
+                                    <p:animEffect transition="out" filter="fade">
+                                      <p:cBhvr>
+                                        <p:cTn id="37" dur="1000" tmFilter="0, 0; .2, .5; .8, .5; 1, 0"/>
+                                        <p:tgtEl>
+                                          <p:spTgt spid="8"/>
+                                        </p:tgtEl>
+                                      </p:cBhvr>
+                                    </p:animEffect>
+                                    <p:animScale>
+                                      <p:cBhvr>
+                                        <p:cTn id="38" dur="500" autoRev="1" fill="hold"/>
+                                        <p:tgtEl>
+                                          <p:spTgt spid="8"/>
+                                        </p:tgtEl>
+                                      </p:cBhvr>
+                                      <p:by x="105000" y="105000"/>
+                                    </p:animScale>
+                                  </p:childTnLst>
+                                </p:cTn>
+                              </p:par>
+                            </p:childTnLst>
+                          </p:cTn>
+                        </p:par>
+                      </p:childTnLst>
+                    </p:cTn>
+                  </p:par>
+                </p:childTnLst>
+              </p:cTn>
+              <p:prevCondLst>
+                <p:cond evt="onPrev" delay="0">
+                  <p:tgtEl>
+                    <p:sldTgt/>
+                  </p:tgtEl>
+                </p:cond>
+              </p:prevCondLst>
+              <p:nextCondLst>
+                <p:cond evt="onNext" delay="0">
+                  <p:tgtEl>
+                    <p:sldTgt/>
+                  </p:tgtEl>
+                </p:cond>
+              </p:nextCondLst>
+            </p:seq>
+            <p:audio isNarration="1">
+              <p:cMediaNode vol="80000" showWhenStopped="0">
+                <p:cTn id="39" fill="hold" display="0">
+                  <p:stCondLst>
+                    <p:cond delay="indefinite"/>
+                  </p:stCondLst>
+                  <p:endCondLst>
+                    <p:cond evt="onStopAudio" delay="0">
+                      <p:tgtEl>
+                        <p:sldTgt/>
+                      </p:tgtEl>
+                    </p:cond>
+                  </p:endCondLst>
+                </p:cTn>
+                <p:tgtEl>
+                  <p:spTgt spid="19"/>
+                </p:tgtEl>
+              </p:cMediaNode>
+            </p:audio>
+          </p:childTnLst>
+        </p:cTn>
+      </p:par>
+    </p:tnLst>
+  </p:timing>
+</p:sld>
+</file>
+
+<file path=ppt/slides/slide8.xml><?xml version="1.0" encoding="utf-8"?>
+<p:sld xmlns:a="http://schemas.openxmlformats.org/drawingml/2006/main" xmlns:r="http://schemas.openxmlformats.org/officeDocument/2006/relationships" xmlns:p="http://schemas.openxmlformats.org/presentationml/2006/main">
+  <p:cSld>
+    <p:spTree>
+      <p:nvGrpSpPr>
+        <p:cNvPr id="1" name="">
+          <a:extLst>
+            <a:ext uri="{FF2B5EF4-FFF2-40B4-BE49-F238E27FC236}">
+              <a16:creationId xmlns:a16="http://schemas.microsoft.com/office/drawing/2014/main" id="{82B67C50-1D39-F87F-2F79-89AC71087A21}"/>
+            </a:ext>
+          </a:extLst>
+        </p:cNvPr>
+        <p:cNvGrpSpPr/>
+        <p:nvPr/>
+      </p:nvGrpSpPr>
+      <p:grpSpPr>
+        <a:xfrm>
+          <a:off x="0" y="0"/>
+          <a:ext cx="0" cy="0"/>
+          <a:chOff x="0" y="0"/>
+          <a:chExt cx="0" cy="0"/>
+        </a:xfrm>
+      </p:grpSpPr>
+      <p:pic>
+        <p:nvPicPr>
+          <p:cNvPr id="5" name="Picture 4" descr="A cartoon character with a speech bubble&#10;&#10;Description automatically generated">
+            <a:extLst>
+              <a:ext uri="{FF2B5EF4-FFF2-40B4-BE49-F238E27FC236}">
+                <a16:creationId xmlns:a16="http://schemas.microsoft.com/office/drawing/2014/main" id="{CA3D624D-5CE6-7A74-80EF-8B5B16CB26FE}"/>
+              </a:ext>
+            </a:extLst>
+          </p:cNvPr>
+          <p:cNvPicPr>
+            <a:picLocks noChangeAspect="1"/>
+          </p:cNvPicPr>
+          <p:nvPr/>
+        </p:nvPicPr>
+        <p:blipFill>
+          <a:blip r:embed="rId5"/>
+          <a:stretch>
+            <a:fillRect/>
+          </a:stretch>
+        </p:blipFill>
+        <p:spPr>
+          <a:xfrm>
+            <a:off x="317500" y="357415"/>
+            <a:ext cx="2743200" cy="2743200"/>
+          </a:xfrm>
+          <a:prstGeom prst="rect">
+            <a:avLst/>
+          </a:prstGeom>
+        </p:spPr>
+      </p:pic>
+      <p:pic>
+        <p:nvPicPr>
+          <p:cNvPr id="34" name="Picture 33">
+            <a:extLst>
+              <a:ext uri="{FF2B5EF4-FFF2-40B4-BE49-F238E27FC236}">
+                <a16:creationId xmlns:a16="http://schemas.microsoft.com/office/drawing/2014/main" id="{EEF7A604-7DB6-0948-FE9D-30EC7D070063}"/>
+              </a:ext>
+            </a:extLst>
+          </p:cNvPr>
+          <p:cNvPicPr>
+            <a:picLocks noChangeAspect="1"/>
+          </p:cNvPicPr>
+          <p:nvPr/>
+        </p:nvPicPr>
+        <p:blipFill>
+          <a:blip r:embed="rId6"/>
+          <a:srcRect/>
+          <a:stretch/>
+        </p:blipFill>
+        <p:spPr>
+          <a:xfrm>
+            <a:off x="6342042" y="357415"/>
+            <a:ext cx="2743200" cy="2743200"/>
+          </a:xfrm>
+          <a:prstGeom prst="rect">
+            <a:avLst/>
+          </a:prstGeom>
+        </p:spPr>
+      </p:pic>
+      <p:pic>
+        <p:nvPicPr>
+          <p:cNvPr id="30" name="Picture 29">
+            <a:extLst>
+              <a:ext uri="{FF2B5EF4-FFF2-40B4-BE49-F238E27FC236}">
+                <a16:creationId xmlns:a16="http://schemas.microsoft.com/office/drawing/2014/main" id="{06F5F2C6-E6C3-0C67-F208-DC61306845CE}"/>
+              </a:ext>
+            </a:extLst>
+          </p:cNvPr>
+          <p:cNvPicPr>
+            <a:picLocks noChangeAspect="1"/>
+          </p:cNvPicPr>
+          <p:nvPr/>
+        </p:nvPicPr>
+        <p:blipFill>
+          <a:blip r:embed="rId7"/>
+          <a:srcRect/>
+          <a:stretch/>
+        </p:blipFill>
+        <p:spPr>
+          <a:xfrm>
+            <a:off x="317500" y="3757386"/>
+            <a:ext cx="2743200" cy="2743200"/>
+          </a:xfrm>
+          <a:prstGeom prst="rect">
+            <a:avLst/>
+          </a:prstGeom>
+        </p:spPr>
+      </p:pic>
+      <p:pic>
+        <p:nvPicPr>
+          <p:cNvPr id="38" name="Picture 37">
+            <a:extLst>
+              <a:ext uri="{FF2B5EF4-FFF2-40B4-BE49-F238E27FC236}">
+                <a16:creationId xmlns:a16="http://schemas.microsoft.com/office/drawing/2014/main" id="{11287281-711B-D96E-39C4-3FB5D5057037}"/>
+              </a:ext>
+            </a:extLst>
+          </p:cNvPr>
+          <p:cNvPicPr>
+            <a:picLocks noChangeAspect="1"/>
+          </p:cNvPicPr>
+          <p:nvPr/>
+        </p:nvPicPr>
+        <p:blipFill>
+          <a:blip r:embed="rId8"/>
+          <a:srcRect/>
+          <a:stretch/>
+        </p:blipFill>
+        <p:spPr>
+          <a:xfrm>
+            <a:off x="6342042" y="3757386"/>
+            <a:ext cx="2743200" cy="2743200"/>
+          </a:xfrm>
+          <a:prstGeom prst="rect">
+            <a:avLst/>
+          </a:prstGeom>
+        </p:spPr>
+      </p:pic>
+      <p:sp>
+        <p:nvSpPr>
+          <p:cNvPr id="12" name="Right Arrow 11">
+            <a:extLst>
+              <a:ext uri="{FF2B5EF4-FFF2-40B4-BE49-F238E27FC236}">
+                <a16:creationId xmlns:a16="http://schemas.microsoft.com/office/drawing/2014/main" id="{93A40C22-103D-2784-CD9A-7D364522E1E1}"/>
+              </a:ext>
+            </a:extLst>
+          </p:cNvPr>
+          <p:cNvSpPr/>
+          <p:nvPr/>
+        </p:nvSpPr>
+        <p:spPr>
+          <a:xfrm>
+            <a:off x="3171648" y="1271815"/>
+            <a:ext cx="1143000" cy="914400"/>
+          </a:xfrm>
+          <a:prstGeom prst="rightArrow">
+            <a:avLst>
+              <a:gd name="adj1" fmla="val 34127"/>
+              <a:gd name="adj2" fmla="val 50000"/>
+            </a:avLst>
+          </a:prstGeom>
+        </p:spPr>
+        <p:style>
+          <a:lnRef idx="2">
+            <a:schemeClr val="dk1">
+              <a:shade val="15000"/>
+            </a:schemeClr>
+          </a:lnRef>
+          <a:fillRef idx="1">
+            <a:schemeClr val="dk1"/>
+          </a:fillRef>
+          <a:effectRef idx="0">
+            <a:schemeClr val="dk1"/>
+          </a:effectRef>
+          <a:fontRef idx="minor">
+            <a:schemeClr val="lt1"/>
+          </a:fontRef>
+        </p:style>
+        <p:txBody>
+          <a:bodyPr rtlCol="0" anchor="ctr"/>
+          <a:lstStyle/>
+          <a:p>
+            <a:pPr algn="ctr"/>
+            <a:endParaRPr lang="en-US" b="1" dirty="0"/>
+          </a:p>
+        </p:txBody>
+      </p:sp>
+      <p:sp>
+        <p:nvSpPr>
+          <p:cNvPr id="35" name="Right Arrow 34">
+            <a:extLst>
+              <a:ext uri="{FF2B5EF4-FFF2-40B4-BE49-F238E27FC236}">
+                <a16:creationId xmlns:a16="http://schemas.microsoft.com/office/drawing/2014/main" id="{9CFD8BA0-1515-621B-6016-09F7876AEFF0}"/>
+              </a:ext>
+            </a:extLst>
+          </p:cNvPr>
+          <p:cNvSpPr/>
+          <p:nvPr/>
+        </p:nvSpPr>
+        <p:spPr>
+          <a:xfrm>
+            <a:off x="9196190" y="1271815"/>
+            <a:ext cx="1143000" cy="914400"/>
+          </a:xfrm>
+          <a:prstGeom prst="rightArrow">
+            <a:avLst>
+              <a:gd name="adj1" fmla="val 34127"/>
+              <a:gd name="adj2" fmla="val 50000"/>
+            </a:avLst>
+          </a:prstGeom>
+        </p:spPr>
+        <p:style>
+          <a:lnRef idx="2">
+            <a:schemeClr val="dk1">
+              <a:shade val="15000"/>
+            </a:schemeClr>
+          </a:lnRef>
+          <a:fillRef idx="1">
+            <a:schemeClr val="dk1"/>
+          </a:fillRef>
+          <a:effectRef idx="0">
+            <a:schemeClr val="dk1"/>
+          </a:effectRef>
+          <a:fontRef idx="minor">
+            <a:schemeClr val="lt1"/>
+          </a:fontRef>
+        </p:style>
+        <p:txBody>
+          <a:bodyPr rtlCol="0" anchor="ctr"/>
+          <a:lstStyle/>
+          <a:p>
+            <a:pPr algn="ctr"/>
+            <a:endParaRPr lang="en-US" b="1" dirty="0"/>
+          </a:p>
+        </p:txBody>
+      </p:sp>
+      <p:sp>
+        <p:nvSpPr>
+          <p:cNvPr id="31" name="Right Arrow 30">
+            <a:extLst>
+              <a:ext uri="{FF2B5EF4-FFF2-40B4-BE49-F238E27FC236}">
+                <a16:creationId xmlns:a16="http://schemas.microsoft.com/office/drawing/2014/main" id="{F9CBE26B-B10E-4A56-2E10-3888572EED4B}"/>
+              </a:ext>
+            </a:extLst>
+          </p:cNvPr>
+          <p:cNvSpPr/>
+          <p:nvPr/>
+        </p:nvSpPr>
+        <p:spPr>
+          <a:xfrm>
+            <a:off x="3171648" y="4671786"/>
+            <a:ext cx="1143000" cy="914400"/>
+          </a:xfrm>
+          <a:prstGeom prst="rightArrow">
+            <a:avLst>
+              <a:gd name="adj1" fmla="val 34127"/>
+              <a:gd name="adj2" fmla="val 50000"/>
+            </a:avLst>
+          </a:prstGeom>
+        </p:spPr>
+        <p:style>
+          <a:lnRef idx="2">
+            <a:schemeClr val="dk1">
+              <a:shade val="15000"/>
+            </a:schemeClr>
+          </a:lnRef>
+          <a:fillRef idx="1">
+            <a:schemeClr val="dk1"/>
+          </a:fillRef>
+          <a:effectRef idx="0">
+            <a:schemeClr val="dk1"/>
+          </a:effectRef>
+          <a:fontRef idx="minor">
+            <a:schemeClr val="lt1"/>
+          </a:fontRef>
+        </p:style>
+        <p:txBody>
+          <a:bodyPr rtlCol="0" anchor="ctr"/>
+          <a:lstStyle/>
+          <a:p>
+            <a:pPr algn="ctr"/>
+            <a:endParaRPr lang="en-US" b="1" dirty="0"/>
+          </a:p>
+        </p:txBody>
+      </p:sp>
+      <p:sp>
+        <p:nvSpPr>
+          <p:cNvPr id="39" name="Right Arrow 38">
+            <a:extLst>
+              <a:ext uri="{FF2B5EF4-FFF2-40B4-BE49-F238E27FC236}">
+                <a16:creationId xmlns:a16="http://schemas.microsoft.com/office/drawing/2014/main" id="{E6C35C3F-0906-CAB7-4043-960BE9EF3191}"/>
+              </a:ext>
+            </a:extLst>
+          </p:cNvPr>
+          <p:cNvSpPr/>
+          <p:nvPr/>
+        </p:nvSpPr>
+        <p:spPr>
+          <a:xfrm>
+            <a:off x="9178605" y="4671786"/>
+            <a:ext cx="1143000" cy="914400"/>
+          </a:xfrm>
+          <a:prstGeom prst="rightArrow">
+            <a:avLst>
+              <a:gd name="adj1" fmla="val 34127"/>
+              <a:gd name="adj2" fmla="val 50000"/>
+            </a:avLst>
+          </a:prstGeom>
+        </p:spPr>
+        <p:style>
+          <a:lnRef idx="2">
+            <a:schemeClr val="dk1">
+              <a:shade val="15000"/>
+            </a:schemeClr>
+          </a:lnRef>
+          <a:fillRef idx="1">
+            <a:schemeClr val="dk1"/>
+          </a:fillRef>
+          <a:effectRef idx="0">
+            <a:schemeClr val="dk1"/>
+          </a:effectRef>
+          <a:fontRef idx="minor">
+            <a:schemeClr val="lt1"/>
+          </a:fontRef>
+        </p:style>
+        <p:txBody>
+          <a:bodyPr rtlCol="0" anchor="ctr"/>
+          <a:lstStyle/>
+          <a:p>
+            <a:pPr algn="ctr"/>
+            <a:endParaRPr lang="en-US" b="1" dirty="0"/>
+          </a:p>
+        </p:txBody>
+      </p:sp>
+      <p:pic>
+        <p:nvPicPr>
+          <p:cNvPr id="2" name="Picture 1">
+            <a:extLst>
+              <a:ext uri="{FF2B5EF4-FFF2-40B4-BE49-F238E27FC236}">
+                <a16:creationId xmlns:a16="http://schemas.microsoft.com/office/drawing/2014/main" id="{34DC5D3E-CEAD-13C0-DB6E-E7795FAD6157}"/>
+              </a:ext>
+            </a:extLst>
+          </p:cNvPr>
+          <p:cNvPicPr>
+            <a:picLocks noChangeAspect="1"/>
+          </p:cNvPicPr>
+          <p:nvPr/>
+        </p:nvPicPr>
+        <p:blipFill>
+          <a:blip r:embed="rId9"/>
+          <a:srcRect/>
+          <a:stretch/>
+        </p:blipFill>
+        <p:spPr>
+          <a:xfrm>
+            <a:off x="4396459" y="732678"/>
+            <a:ext cx="687629" cy="914400"/>
+          </a:xfrm>
+          <a:prstGeom prst="roundRect">
+            <a:avLst>
+              <a:gd name="adj" fmla="val 4167"/>
+            </a:avLst>
+          </a:prstGeom>
+          <a:solidFill>
+            <a:srgbClr val="FFFFFF"/>
+          </a:solidFill>
+          <a:ln w="76200" cap="sq">
+            <a:solidFill>
+              <a:srgbClr val="292929"/>
+            </a:solidFill>
+            <a:miter lim="800000"/>
+          </a:ln>
+          <a:effectLst/>
+          <a:scene3d>
+            <a:camera prst="orthographicFront"/>
+            <a:lightRig rig="threePt" dir="t">
+              <a:rot lat="0" lon="0" rev="2700000"/>
+            </a:lightRig>
+          </a:scene3d>
+          <a:sp3d>
+            <a:bevelT h="38100"/>
+            <a:contourClr>
+              <a:srgbClr val="C0C0C0"/>
+            </a:contourClr>
+          </a:sp3d>
+        </p:spPr>
+      </p:pic>
+      <p:pic>
+        <p:nvPicPr>
+          <p:cNvPr id="4" name="Picture 3">
+            <a:extLst>
+              <a:ext uri="{FF2B5EF4-FFF2-40B4-BE49-F238E27FC236}">
+                <a16:creationId xmlns:a16="http://schemas.microsoft.com/office/drawing/2014/main" id="{99044D1A-61E0-6830-10BF-D516AA714000}"/>
+              </a:ext>
+            </a:extLst>
+          </p:cNvPr>
+          <p:cNvPicPr>
+            <a:picLocks noChangeAspect="1"/>
+          </p:cNvPicPr>
+          <p:nvPr/>
+        </p:nvPicPr>
+        <p:blipFill>
+          <a:blip r:embed="rId10"/>
+          <a:srcRect/>
+          <a:stretch/>
+        </p:blipFill>
+        <p:spPr>
+          <a:xfrm>
+            <a:off x="5302861" y="732678"/>
+            <a:ext cx="687629" cy="914400"/>
+          </a:xfrm>
+          <a:prstGeom prst="roundRect">
+            <a:avLst>
+              <a:gd name="adj" fmla="val 4167"/>
+            </a:avLst>
+          </a:prstGeom>
+          <a:solidFill>
+            <a:srgbClr val="FFFFFF"/>
+          </a:solidFill>
+          <a:ln w="76200" cap="sq">
+            <a:solidFill>
+              <a:srgbClr val="292929"/>
+            </a:solidFill>
+            <a:miter lim="800000"/>
+          </a:ln>
+          <a:effectLst/>
+          <a:scene3d>
+            <a:camera prst="orthographicFront"/>
+            <a:lightRig rig="threePt" dir="t">
+              <a:rot lat="0" lon="0" rev="2700000"/>
+            </a:lightRig>
+          </a:scene3d>
+          <a:sp3d>
+            <a:bevelT h="38100"/>
+            <a:contourClr>
+              <a:srgbClr val="C0C0C0"/>
+            </a:contourClr>
+          </a:sp3d>
+        </p:spPr>
+      </p:pic>
+      <p:pic>
+        <p:nvPicPr>
+          <p:cNvPr id="6" name="Picture 5">
+            <a:extLst>
+              <a:ext uri="{FF2B5EF4-FFF2-40B4-BE49-F238E27FC236}">
+                <a16:creationId xmlns:a16="http://schemas.microsoft.com/office/drawing/2014/main" id="{5BB5B73C-DE7F-3772-E11E-A52B93C7C103}"/>
+              </a:ext>
+            </a:extLst>
+          </p:cNvPr>
+          <p:cNvPicPr>
+            <a:picLocks noChangeAspect="1"/>
+          </p:cNvPicPr>
+          <p:nvPr/>
+        </p:nvPicPr>
+        <p:blipFill>
+          <a:blip r:embed="rId11"/>
+          <a:srcRect/>
+          <a:stretch/>
+        </p:blipFill>
+        <p:spPr>
+          <a:xfrm>
+            <a:off x="4396459" y="1858092"/>
+            <a:ext cx="687629" cy="914400"/>
+          </a:xfrm>
+          <a:prstGeom prst="roundRect">
+            <a:avLst>
+              <a:gd name="adj" fmla="val 4167"/>
+            </a:avLst>
+          </a:prstGeom>
+          <a:solidFill>
+            <a:srgbClr val="FFFFFF"/>
+          </a:solidFill>
+          <a:ln w="76200" cap="sq">
+            <a:solidFill>
+              <a:srgbClr val="292929"/>
+            </a:solidFill>
+            <a:miter lim="800000"/>
+          </a:ln>
+          <a:effectLst/>
+          <a:scene3d>
+            <a:camera prst="orthographicFront"/>
+            <a:lightRig rig="threePt" dir="t">
+              <a:rot lat="0" lon="0" rev="2700000"/>
+            </a:lightRig>
+          </a:scene3d>
+          <a:sp3d>
+            <a:bevelT h="38100"/>
+            <a:contourClr>
+              <a:srgbClr val="C0C0C0"/>
+            </a:contourClr>
+          </a:sp3d>
+        </p:spPr>
+      </p:pic>
+      <p:pic>
+        <p:nvPicPr>
+          <p:cNvPr id="7" name="Picture 6">
+            <a:extLst>
+              <a:ext uri="{FF2B5EF4-FFF2-40B4-BE49-F238E27FC236}">
+                <a16:creationId xmlns:a16="http://schemas.microsoft.com/office/drawing/2014/main" id="{61FEEF2A-20C3-B7C6-8DCA-C584FF9B190C}"/>
+              </a:ext>
+            </a:extLst>
+          </p:cNvPr>
+          <p:cNvPicPr>
+            <a:picLocks noChangeAspect="1"/>
+          </p:cNvPicPr>
+          <p:nvPr/>
+        </p:nvPicPr>
+        <p:blipFill>
+          <a:blip r:embed="rId12"/>
+          <a:srcRect/>
+          <a:stretch/>
+        </p:blipFill>
+        <p:spPr>
+          <a:xfrm>
+            <a:off x="5302861" y="1858092"/>
+            <a:ext cx="687629" cy="914400"/>
+          </a:xfrm>
+          <a:prstGeom prst="roundRect">
+            <a:avLst>
+              <a:gd name="adj" fmla="val 4167"/>
+            </a:avLst>
+          </a:prstGeom>
+          <a:solidFill>
+            <a:srgbClr val="FFFFFF"/>
+          </a:solidFill>
+          <a:ln w="76200" cap="sq">
+            <a:solidFill>
+              <a:srgbClr val="292929"/>
+            </a:solidFill>
+            <a:miter lim="800000"/>
+          </a:ln>
+          <a:effectLst/>
+          <a:scene3d>
+            <a:camera prst="orthographicFront"/>
+            <a:lightRig rig="threePt" dir="t">
+              <a:rot lat="0" lon="0" rev="2700000"/>
+            </a:lightRig>
+          </a:scene3d>
+          <a:sp3d>
+            <a:bevelT h="38100"/>
+            <a:contourClr>
+              <a:srgbClr val="C0C0C0"/>
+            </a:contourClr>
+          </a:sp3d>
+        </p:spPr>
+      </p:pic>
+      <p:pic>
+        <p:nvPicPr>
+          <p:cNvPr id="8" name="Picture 7">
+            <a:extLst>
+              <a:ext uri="{FF2B5EF4-FFF2-40B4-BE49-F238E27FC236}">
+                <a16:creationId xmlns:a16="http://schemas.microsoft.com/office/drawing/2014/main" id="{4923F810-2B60-251A-77CD-0C32B34E48E5}"/>
+              </a:ext>
+            </a:extLst>
+          </p:cNvPr>
+          <p:cNvPicPr>
+            <a:picLocks noChangeAspect="1"/>
+          </p:cNvPicPr>
+          <p:nvPr/>
+        </p:nvPicPr>
+        <p:blipFill>
+          <a:blip r:embed="rId9"/>
+          <a:srcRect/>
+          <a:stretch/>
+        </p:blipFill>
+        <p:spPr>
+          <a:xfrm>
+            <a:off x="4396459" y="4067894"/>
+            <a:ext cx="687629" cy="914400"/>
+          </a:xfrm>
+          <a:prstGeom prst="roundRect">
+            <a:avLst>
+              <a:gd name="adj" fmla="val 4167"/>
+            </a:avLst>
+          </a:prstGeom>
+          <a:solidFill>
+            <a:srgbClr val="FFFFFF"/>
+          </a:solidFill>
+          <a:ln w="76200" cap="sq">
+            <a:solidFill>
+              <a:srgbClr val="292929"/>
+            </a:solidFill>
+            <a:miter lim="800000"/>
+          </a:ln>
+          <a:effectLst/>
+          <a:scene3d>
+            <a:camera prst="orthographicFront"/>
+            <a:lightRig rig="threePt" dir="t">
+              <a:rot lat="0" lon="0" rev="2700000"/>
+            </a:lightRig>
+          </a:scene3d>
+          <a:sp3d>
+            <a:bevelT h="38100"/>
+            <a:contourClr>
+              <a:srgbClr val="C0C0C0"/>
+            </a:contourClr>
+          </a:sp3d>
+        </p:spPr>
+      </p:pic>
+      <p:pic>
+        <p:nvPicPr>
+          <p:cNvPr id="9" name="Picture 8">
+            <a:extLst>
+              <a:ext uri="{FF2B5EF4-FFF2-40B4-BE49-F238E27FC236}">
+                <a16:creationId xmlns:a16="http://schemas.microsoft.com/office/drawing/2014/main" id="{67284B36-BC17-802E-45D2-B7745A0A78A4}"/>
+              </a:ext>
+            </a:extLst>
+          </p:cNvPr>
+          <p:cNvPicPr>
+            <a:picLocks noChangeAspect="1"/>
+          </p:cNvPicPr>
+          <p:nvPr/>
+        </p:nvPicPr>
+        <p:blipFill>
+          <a:blip r:embed="rId10"/>
+          <a:srcRect/>
+          <a:stretch/>
+        </p:blipFill>
+        <p:spPr>
+          <a:xfrm>
+            <a:off x="5302861" y="4067894"/>
+            <a:ext cx="687629" cy="914400"/>
+          </a:xfrm>
+          <a:prstGeom prst="roundRect">
+            <a:avLst>
+              <a:gd name="adj" fmla="val 4167"/>
+            </a:avLst>
+          </a:prstGeom>
+          <a:solidFill>
+            <a:srgbClr val="FFFFFF"/>
+          </a:solidFill>
+          <a:ln w="76200" cap="sq">
+            <a:solidFill>
+              <a:srgbClr val="292929"/>
+            </a:solidFill>
+            <a:miter lim="800000"/>
+          </a:ln>
+          <a:effectLst/>
+          <a:scene3d>
+            <a:camera prst="orthographicFront"/>
+            <a:lightRig rig="threePt" dir="t">
+              <a:rot lat="0" lon="0" rev="2700000"/>
+            </a:lightRig>
+          </a:scene3d>
+          <a:sp3d>
+            <a:bevelT h="38100"/>
+            <a:contourClr>
+              <a:srgbClr val="C0C0C0"/>
+            </a:contourClr>
+          </a:sp3d>
+        </p:spPr>
+      </p:pic>
+      <p:pic>
+        <p:nvPicPr>
+          <p:cNvPr id="10" name="Picture 9">
+            <a:extLst>
+              <a:ext uri="{FF2B5EF4-FFF2-40B4-BE49-F238E27FC236}">
+                <a16:creationId xmlns:a16="http://schemas.microsoft.com/office/drawing/2014/main" id="{F989E27B-2B08-DF92-EA5D-B2845FDDB570}"/>
+              </a:ext>
+            </a:extLst>
+          </p:cNvPr>
+          <p:cNvPicPr>
+            <a:picLocks noChangeAspect="1"/>
+          </p:cNvPicPr>
+          <p:nvPr/>
+        </p:nvPicPr>
+        <p:blipFill>
+          <a:blip r:embed="rId11"/>
+          <a:srcRect/>
+          <a:stretch/>
+        </p:blipFill>
+        <p:spPr>
+          <a:xfrm>
+            <a:off x="4396459" y="5193308"/>
+            <a:ext cx="687629" cy="914400"/>
+          </a:xfrm>
+          <a:prstGeom prst="roundRect">
+            <a:avLst>
+              <a:gd name="adj" fmla="val 4167"/>
+            </a:avLst>
+          </a:prstGeom>
+          <a:solidFill>
+            <a:srgbClr val="FFFFFF"/>
+          </a:solidFill>
+          <a:ln w="76200" cap="sq">
+            <a:solidFill>
+              <a:srgbClr val="292929"/>
+            </a:solidFill>
+            <a:miter lim="800000"/>
+          </a:ln>
+          <a:effectLst/>
+          <a:scene3d>
+            <a:camera prst="orthographicFront"/>
+            <a:lightRig rig="threePt" dir="t">
+              <a:rot lat="0" lon="0" rev="2700000"/>
+            </a:lightRig>
+          </a:scene3d>
+          <a:sp3d>
+            <a:bevelT h="38100"/>
+            <a:contourClr>
+              <a:srgbClr val="C0C0C0"/>
+            </a:contourClr>
+          </a:sp3d>
+        </p:spPr>
+      </p:pic>
+      <p:pic>
+        <p:nvPicPr>
+          <p:cNvPr id="11" name="Picture 10">
+            <a:extLst>
+              <a:ext uri="{FF2B5EF4-FFF2-40B4-BE49-F238E27FC236}">
+                <a16:creationId xmlns:a16="http://schemas.microsoft.com/office/drawing/2014/main" id="{E6B8C153-A300-C9EA-0BCF-DF1815DE5FD7}"/>
+              </a:ext>
+            </a:extLst>
+          </p:cNvPr>
+          <p:cNvPicPr>
+            <a:picLocks noChangeAspect="1"/>
+          </p:cNvPicPr>
+          <p:nvPr/>
+        </p:nvPicPr>
+        <p:blipFill>
+          <a:blip r:embed="rId12"/>
+          <a:srcRect/>
+          <a:stretch/>
+        </p:blipFill>
+        <p:spPr>
+          <a:xfrm>
+            <a:off x="5302861" y="5193308"/>
+            <a:ext cx="687629" cy="914400"/>
+          </a:xfrm>
+          <a:prstGeom prst="roundRect">
+            <a:avLst>
+              <a:gd name="adj" fmla="val 4167"/>
+            </a:avLst>
+          </a:prstGeom>
+          <a:solidFill>
+            <a:srgbClr val="FFFFFF"/>
+          </a:solidFill>
+          <a:ln w="76200" cap="sq">
+            <a:solidFill>
+              <a:srgbClr val="292929"/>
+            </a:solidFill>
+            <a:miter lim="800000"/>
+          </a:ln>
+          <a:effectLst/>
+          <a:scene3d>
+            <a:camera prst="orthographicFront"/>
+            <a:lightRig rig="threePt" dir="t">
+              <a:rot lat="0" lon="0" rev="2700000"/>
+            </a:lightRig>
+          </a:scene3d>
+          <a:sp3d>
+            <a:bevelT h="38100"/>
+            <a:contourClr>
+              <a:srgbClr val="C0C0C0"/>
+            </a:contourClr>
+          </a:sp3d>
+        </p:spPr>
+      </p:pic>
+      <p:pic>
+        <p:nvPicPr>
+          <p:cNvPr id="13" name="Picture 12">
+            <a:extLst>
+              <a:ext uri="{FF2B5EF4-FFF2-40B4-BE49-F238E27FC236}">
+                <a16:creationId xmlns:a16="http://schemas.microsoft.com/office/drawing/2014/main" id="{4A197D60-99BD-B9F3-AF26-4B2B018B2AC1}"/>
+              </a:ext>
+            </a:extLst>
+          </p:cNvPr>
+          <p:cNvPicPr>
+            <a:picLocks noChangeAspect="1"/>
+          </p:cNvPicPr>
+          <p:nvPr/>
+        </p:nvPicPr>
+        <p:blipFill>
+          <a:blip r:embed="rId9"/>
+          <a:srcRect/>
+          <a:stretch/>
+        </p:blipFill>
+        <p:spPr>
+          <a:xfrm>
+            <a:off x="10416259" y="744401"/>
+            <a:ext cx="687629" cy="914400"/>
+          </a:xfrm>
+          <a:prstGeom prst="roundRect">
+            <a:avLst>
+              <a:gd name="adj" fmla="val 4167"/>
+            </a:avLst>
+          </a:prstGeom>
+          <a:solidFill>
+            <a:srgbClr val="FFFFFF"/>
+          </a:solidFill>
+          <a:ln w="76200" cap="sq">
+            <a:solidFill>
+              <a:srgbClr val="292929"/>
+            </a:solidFill>
+            <a:miter lim="800000"/>
+          </a:ln>
+          <a:effectLst/>
+          <a:scene3d>
+            <a:camera prst="orthographicFront"/>
+            <a:lightRig rig="threePt" dir="t">
+              <a:rot lat="0" lon="0" rev="2700000"/>
+            </a:lightRig>
+          </a:scene3d>
+          <a:sp3d>
+            <a:bevelT h="38100"/>
+            <a:contourClr>
+              <a:srgbClr val="C0C0C0"/>
+            </a:contourClr>
+          </a:sp3d>
+        </p:spPr>
+      </p:pic>
+      <p:pic>
+        <p:nvPicPr>
+          <p:cNvPr id="14" name="Picture 13">
+            <a:extLst>
+              <a:ext uri="{FF2B5EF4-FFF2-40B4-BE49-F238E27FC236}">
+                <a16:creationId xmlns:a16="http://schemas.microsoft.com/office/drawing/2014/main" id="{27484522-255D-11C7-CC1B-E35A6D23C1E2}"/>
+              </a:ext>
+            </a:extLst>
+          </p:cNvPr>
+          <p:cNvPicPr>
+            <a:picLocks noChangeAspect="1"/>
+          </p:cNvPicPr>
+          <p:nvPr/>
+        </p:nvPicPr>
+        <p:blipFill>
+          <a:blip r:embed="rId10"/>
+          <a:srcRect/>
+          <a:stretch/>
+        </p:blipFill>
+        <p:spPr>
+          <a:xfrm>
+            <a:off x="11322661" y="744401"/>
+            <a:ext cx="687629" cy="914400"/>
+          </a:xfrm>
+          <a:prstGeom prst="roundRect">
+            <a:avLst>
+              <a:gd name="adj" fmla="val 4167"/>
+            </a:avLst>
+          </a:prstGeom>
+          <a:solidFill>
+            <a:srgbClr val="FFFFFF"/>
+          </a:solidFill>
+          <a:ln w="76200" cap="sq">
+            <a:solidFill>
+              <a:srgbClr val="292929"/>
+            </a:solidFill>
+            <a:miter lim="800000"/>
+          </a:ln>
+          <a:effectLst/>
+          <a:scene3d>
+            <a:camera prst="orthographicFront"/>
+            <a:lightRig rig="threePt" dir="t">
+              <a:rot lat="0" lon="0" rev="2700000"/>
+            </a:lightRig>
+          </a:scene3d>
+          <a:sp3d>
+            <a:bevelT h="38100"/>
+            <a:contourClr>
+              <a:srgbClr val="C0C0C0"/>
+            </a:contourClr>
+          </a:sp3d>
+        </p:spPr>
+      </p:pic>
+      <p:pic>
+        <p:nvPicPr>
+          <p:cNvPr id="15" name="Picture 14">
+            <a:extLst>
+              <a:ext uri="{FF2B5EF4-FFF2-40B4-BE49-F238E27FC236}">
+                <a16:creationId xmlns:a16="http://schemas.microsoft.com/office/drawing/2014/main" id="{B9272947-B2B3-C352-69AC-B2D31394C304}"/>
+              </a:ext>
+            </a:extLst>
+          </p:cNvPr>
+          <p:cNvPicPr>
+            <a:picLocks noChangeAspect="1"/>
+          </p:cNvPicPr>
+          <p:nvPr/>
+        </p:nvPicPr>
+        <p:blipFill>
+          <a:blip r:embed="rId11"/>
+          <a:srcRect/>
+          <a:stretch/>
+        </p:blipFill>
+        <p:spPr>
+          <a:xfrm>
+            <a:off x="10416259" y="1869815"/>
+            <a:ext cx="687629" cy="914400"/>
+          </a:xfrm>
+          <a:prstGeom prst="roundRect">
+            <a:avLst>
+              <a:gd name="adj" fmla="val 4167"/>
+            </a:avLst>
+          </a:prstGeom>
+          <a:solidFill>
+            <a:srgbClr val="FFFFFF"/>
+          </a:solidFill>
+          <a:ln w="76200" cap="sq">
+            <a:solidFill>
+              <a:srgbClr val="292929"/>
+            </a:solidFill>
+            <a:miter lim="800000"/>
+          </a:ln>
+          <a:effectLst/>
+          <a:scene3d>
+            <a:camera prst="orthographicFront"/>
+            <a:lightRig rig="threePt" dir="t">
+              <a:rot lat="0" lon="0" rev="2700000"/>
+            </a:lightRig>
+          </a:scene3d>
+          <a:sp3d>
+            <a:bevelT h="38100"/>
+            <a:contourClr>
+              <a:srgbClr val="C0C0C0"/>
+            </a:contourClr>
+          </a:sp3d>
+        </p:spPr>
+      </p:pic>
+      <p:pic>
+        <p:nvPicPr>
+          <p:cNvPr id="16" name="Picture 15">
+            <a:extLst>
+              <a:ext uri="{FF2B5EF4-FFF2-40B4-BE49-F238E27FC236}">
+                <a16:creationId xmlns:a16="http://schemas.microsoft.com/office/drawing/2014/main" id="{E5349504-DFE4-0037-20BF-6612659892BE}"/>
+              </a:ext>
+            </a:extLst>
+          </p:cNvPr>
+          <p:cNvPicPr>
+            <a:picLocks noChangeAspect="1"/>
+          </p:cNvPicPr>
+          <p:nvPr/>
+        </p:nvPicPr>
+        <p:blipFill>
+          <a:blip r:embed="rId12"/>
+          <a:srcRect/>
+          <a:stretch/>
+        </p:blipFill>
+        <p:spPr>
+          <a:xfrm>
+            <a:off x="11322661" y="1869815"/>
+            <a:ext cx="687629" cy="914400"/>
+          </a:xfrm>
+          <a:prstGeom prst="roundRect">
+            <a:avLst>
+              <a:gd name="adj" fmla="val 4167"/>
+            </a:avLst>
+          </a:prstGeom>
+          <a:solidFill>
+            <a:srgbClr val="FFFFFF"/>
+          </a:solidFill>
+          <a:ln w="76200" cap="sq">
+            <a:solidFill>
+              <a:srgbClr val="292929"/>
+            </a:solidFill>
+            <a:miter lim="800000"/>
+          </a:ln>
+          <a:effectLst/>
+          <a:scene3d>
+            <a:camera prst="orthographicFront"/>
+            <a:lightRig rig="threePt" dir="t">
+              <a:rot lat="0" lon="0" rev="2700000"/>
+            </a:lightRig>
+          </a:scene3d>
+          <a:sp3d>
+            <a:bevelT h="38100"/>
+            <a:contourClr>
+              <a:srgbClr val="C0C0C0"/>
+            </a:contourClr>
+          </a:sp3d>
+        </p:spPr>
+      </p:pic>
+      <p:pic>
+        <p:nvPicPr>
+          <p:cNvPr id="17" name="Picture 16">
+            <a:extLst>
+              <a:ext uri="{FF2B5EF4-FFF2-40B4-BE49-F238E27FC236}">
+                <a16:creationId xmlns:a16="http://schemas.microsoft.com/office/drawing/2014/main" id="{84C2D64B-2541-10AA-EBF2-7CDC693493B7}"/>
+              </a:ext>
+            </a:extLst>
+          </p:cNvPr>
+          <p:cNvPicPr>
+            <a:picLocks noChangeAspect="1"/>
+          </p:cNvPicPr>
+          <p:nvPr/>
+        </p:nvPicPr>
+        <p:blipFill>
+          <a:blip r:embed="rId9"/>
+          <a:srcRect/>
+          <a:stretch/>
+        </p:blipFill>
+        <p:spPr>
+          <a:xfrm>
+            <a:off x="10480736" y="4114785"/>
+            <a:ext cx="687629" cy="914400"/>
+          </a:xfrm>
+          <a:prstGeom prst="roundRect">
+            <a:avLst>
+              <a:gd name="adj" fmla="val 4167"/>
+            </a:avLst>
+          </a:prstGeom>
+          <a:solidFill>
+            <a:srgbClr val="FFFFFF"/>
+          </a:solidFill>
+          <a:ln w="76200" cap="sq">
+            <a:solidFill>
+              <a:srgbClr val="292929"/>
+            </a:solidFill>
+            <a:miter lim="800000"/>
+          </a:ln>
+          <a:effectLst/>
+          <a:scene3d>
+            <a:camera prst="orthographicFront"/>
+            <a:lightRig rig="threePt" dir="t">
+              <a:rot lat="0" lon="0" rev="2700000"/>
+            </a:lightRig>
+          </a:scene3d>
+          <a:sp3d>
+            <a:bevelT h="38100"/>
+            <a:contourClr>
+              <a:srgbClr val="C0C0C0"/>
+            </a:contourClr>
+          </a:sp3d>
+        </p:spPr>
+      </p:pic>
+      <p:pic>
+        <p:nvPicPr>
+          <p:cNvPr id="19" name="Picture 18">
+            <a:extLst>
+              <a:ext uri="{FF2B5EF4-FFF2-40B4-BE49-F238E27FC236}">
+                <a16:creationId xmlns:a16="http://schemas.microsoft.com/office/drawing/2014/main" id="{D6B76227-E7CB-D5A7-89BF-4B1B86EED848}"/>
+              </a:ext>
+            </a:extLst>
+          </p:cNvPr>
+          <p:cNvPicPr>
+            <a:picLocks noChangeAspect="1"/>
+          </p:cNvPicPr>
+          <p:nvPr/>
+        </p:nvPicPr>
+        <p:blipFill>
+          <a:blip r:embed="rId10"/>
+          <a:srcRect/>
+          <a:stretch/>
+        </p:blipFill>
+        <p:spPr>
+          <a:xfrm>
+            <a:off x="11387138" y="4114785"/>
+            <a:ext cx="687629" cy="914400"/>
+          </a:xfrm>
+          <a:prstGeom prst="roundRect">
+            <a:avLst>
+              <a:gd name="adj" fmla="val 4167"/>
+            </a:avLst>
+          </a:prstGeom>
+          <a:solidFill>
+            <a:srgbClr val="FFFFFF"/>
+          </a:solidFill>
+          <a:ln w="76200" cap="sq">
+            <a:solidFill>
+              <a:srgbClr val="292929"/>
+            </a:solidFill>
+            <a:miter lim="800000"/>
+          </a:ln>
+          <a:effectLst/>
+          <a:scene3d>
+            <a:camera prst="orthographicFront"/>
+            <a:lightRig rig="threePt" dir="t">
+              <a:rot lat="0" lon="0" rev="2700000"/>
+            </a:lightRig>
+          </a:scene3d>
+          <a:sp3d>
+            <a:bevelT h="38100"/>
+            <a:contourClr>
+              <a:srgbClr val="C0C0C0"/>
+            </a:contourClr>
+          </a:sp3d>
+        </p:spPr>
+      </p:pic>
+      <p:pic>
+        <p:nvPicPr>
+          <p:cNvPr id="20" name="Picture 19">
+            <a:extLst>
+              <a:ext uri="{FF2B5EF4-FFF2-40B4-BE49-F238E27FC236}">
+                <a16:creationId xmlns:a16="http://schemas.microsoft.com/office/drawing/2014/main" id="{165D55AD-AB4A-2FC5-026D-68064F43E922}"/>
+              </a:ext>
+            </a:extLst>
+          </p:cNvPr>
+          <p:cNvPicPr>
+            <a:picLocks noChangeAspect="1"/>
+          </p:cNvPicPr>
+          <p:nvPr/>
+        </p:nvPicPr>
+        <p:blipFill>
+          <a:blip r:embed="rId11"/>
+          <a:srcRect/>
+          <a:stretch/>
+        </p:blipFill>
+        <p:spPr>
+          <a:xfrm>
+            <a:off x="10480736" y="5240199"/>
+            <a:ext cx="687629" cy="914400"/>
+          </a:xfrm>
+          <a:prstGeom prst="roundRect">
+            <a:avLst>
+              <a:gd name="adj" fmla="val 4167"/>
+            </a:avLst>
+          </a:prstGeom>
+          <a:solidFill>
+            <a:srgbClr val="FFFFFF"/>
+          </a:solidFill>
+          <a:ln w="76200" cap="sq">
+            <a:solidFill>
+              <a:srgbClr val="292929"/>
+            </a:solidFill>
+            <a:miter lim="800000"/>
+          </a:ln>
+          <a:effectLst/>
+          <a:scene3d>
+            <a:camera prst="orthographicFront"/>
+            <a:lightRig rig="threePt" dir="t">
+              <a:rot lat="0" lon="0" rev="2700000"/>
+            </a:lightRig>
+          </a:scene3d>
+          <a:sp3d>
+            <a:bevelT h="38100"/>
+            <a:contourClr>
+              <a:srgbClr val="C0C0C0"/>
+            </a:contourClr>
+          </a:sp3d>
+        </p:spPr>
+      </p:pic>
+      <p:pic>
+        <p:nvPicPr>
+          <p:cNvPr id="21" name="Picture 20">
+            <a:extLst>
+              <a:ext uri="{FF2B5EF4-FFF2-40B4-BE49-F238E27FC236}">
+                <a16:creationId xmlns:a16="http://schemas.microsoft.com/office/drawing/2014/main" id="{6A7660DF-A911-DA11-245E-E1840D42BE5E}"/>
+              </a:ext>
+            </a:extLst>
+          </p:cNvPr>
+          <p:cNvPicPr>
+            <a:picLocks noChangeAspect="1"/>
+          </p:cNvPicPr>
+          <p:nvPr/>
+        </p:nvPicPr>
+        <p:blipFill>
+          <a:blip r:embed="rId12"/>
+          <a:srcRect/>
+          <a:stretch/>
+        </p:blipFill>
+        <p:spPr>
+          <a:xfrm>
+            <a:off x="11387138" y="5240199"/>
+            <a:ext cx="687629" cy="914400"/>
+          </a:xfrm>
+          <a:prstGeom prst="roundRect">
+            <a:avLst>
+              <a:gd name="adj" fmla="val 4167"/>
+            </a:avLst>
+          </a:prstGeom>
+          <a:solidFill>
+            <a:srgbClr val="FFFFFF"/>
+          </a:solidFill>
+          <a:ln w="76200" cap="sq">
+            <a:solidFill>
+              <a:srgbClr val="292929"/>
+            </a:solidFill>
+            <a:miter lim="800000"/>
+          </a:ln>
+          <a:effectLst/>
+          <a:scene3d>
+            <a:camera prst="orthographicFront"/>
+            <a:lightRig rig="threePt" dir="t">
+              <a:rot lat="0" lon="0" rev="2700000"/>
+            </a:lightRig>
+          </a:scene3d>
+          <a:sp3d>
+            <a:bevelT h="38100"/>
+            <a:contourClr>
+              <a:srgbClr val="C0C0C0"/>
+            </a:contourClr>
+          </a:sp3d>
+        </p:spPr>
+      </p:pic>
+      <p:pic>
+        <p:nvPicPr>
+          <p:cNvPr id="24" name="Audio 23">
+            <a:extLst>
+              <a:ext uri="{FF2B5EF4-FFF2-40B4-BE49-F238E27FC236}">
+                <a16:creationId xmlns:a16="http://schemas.microsoft.com/office/drawing/2014/main" id="{7EB37A74-6465-9A9D-BE73-C7F998DD573A}"/>
+              </a:ext>
+            </a:extLst>
+          </p:cNvPr>
+          <p:cNvPicPr>
+            <a:picLocks noChangeAspect="1"/>
+          </p:cNvPicPr>
+          <p:nvPr>
+            <a:audioFile r:link="rId2"/>
+            <p:extLst>
+              <p:ext uri="{DAA4B4D4-6D71-4841-9C94-3DE7FCFB9230}">
+                <p14:media xmlns:p14="http://schemas.microsoft.com/office/powerpoint/2010/main" r:embed="rId1"/>
+              </p:ext>
+            </p:extLst>
+          </p:nvPr>
+        </p:nvPicPr>
+        <p:blipFill>
+          <a:blip r:embed="rId13"/>
+          <a:stretch>
+            <a:fillRect/>
+          </a:stretch>
+        </p:blipFill>
+        <p:spPr>
+          <a:xfrm>
+            <a:off x="11226800" y="5892800"/>
+            <a:ext cx="812800" cy="812800"/>
+          </a:xfrm>
+          <a:prstGeom prst="rect">
+            <a:avLst/>
+          </a:prstGeom>
+        </p:spPr>
+      </p:pic>
+    </p:spTree>
+    <p:extLst>
+      <p:ext uri="{BB962C8B-B14F-4D97-AF65-F5344CB8AC3E}">
+        <p14:creationId xmlns:p14="http://schemas.microsoft.com/office/powerpoint/2010/main" val="515862187"/>
+      </p:ext>
+    </p:extLst>
+  </p:cSld>
+  <p:clrMapOvr>
+    <a:masterClrMapping/>
+  </p:clrMapOvr>
+  <mc:AlternateContent xmlns:mc="http://schemas.openxmlformats.org/markup-compatibility/2006">
+    <mc:Choice xmlns:p14="http://schemas.microsoft.com/office/powerpoint/2010/main" Requires="p14">
+      <p:transition spd="slow" p14:dur="2000" advTm="8970"/>
+    </mc:Choice>
+    <mc:Fallback>
+      <p:transition spd="slow" advTm="8970"/>
+    </mc:Fallback>
+  </mc:AlternateContent>
+  <p:timing>
+    <p:tnLst>
+      <p:par>
+        <p:cTn id="1" dur="indefinite" restart="never" nodeType="tmRoot">
+          <p:childTnLst>
+            <p:seq concurrent="1" nextAc="seek">
+              <p:cTn id="2" dur="indefinite" nodeType="mainSeq">
+                <p:childTnLst>
+                  <p:par>
+                    <p:cTn id="3" fill="hold">
+                      <p:stCondLst>
+                        <p:cond delay="indefinite"/>
+                        <p:cond evt="onBegin" delay="0">
+                          <p:tn val="2"/>
+                        </p:cond>
+                      </p:stCondLst>
+                      <p:childTnLst>
+                        <p:par>
+                          <p:cTn id="4" fill="hold">
+                            <p:stCondLst>
+                              <p:cond delay="0"/>
+                            </p:stCondLst>
+                            <p:childTnLst>
+                              <p:par>
+                                <p:cTn id="5" presetID="1" presetClass="mediacall" presetSubtype="0" fill="hold" nodeType="afterEffect">
+                                  <p:stCondLst>
+                                    <p:cond delay="0"/>
+                                  </p:stCondLst>
+                                  <p:childTnLst>
+                                    <p:cmd type="call" cmd="playFrom(0.0)">
+                                      <p:cBhvr>
+                                        <p:cTn id="6" dur="1" fill="hold"/>
+                                        <p:tgtEl>
+                                          <p:spTgt spid="24"/>
+                                        </p:tgtEl>
+                                      </p:cBhvr>
+                                    </p:cmd>
+                                  </p:childTnLst>
+                                </p:cTn>
+                              </p:par>
+                            </p:childTnLst>
+                          </p:cTn>
+                        </p:par>
+                      </p:childTnLst>
+                    </p:cTn>
+                  </p:par>
+                </p:childTnLst>
+              </p:cTn>
+              <p:prevCondLst>
+                <p:cond evt="onPrev" delay="0">
+                  <p:tgtEl>
+                    <p:sldTgt/>
+                  </p:tgtEl>
+                </p:cond>
+              </p:prevCondLst>
+              <p:nextCondLst>
+                <p:cond evt="onNext" delay="0">
+                  <p:tgtEl>
+                    <p:sldTgt/>
+                  </p:tgtEl>
+                </p:cond>
+              </p:nextCondLst>
+            </p:seq>
+            <p:audio isNarration="1">
+              <p:cMediaNode vol="80000" showWhenStopped="0">
+                <p:cTn id="7" fill="hold" display="0">
+                  <p:stCondLst>
+                    <p:cond delay="indefinite"/>
+                  </p:stCondLst>
+                  <p:endCondLst>
+                    <p:cond evt="onStopAudio" delay="0">
+                      <p:tgtEl>
+                        <p:sldTgt/>
+                      </p:tgtEl>
+                    </p:cond>
+                  </p:endCondLst>
+                </p:cTn>
+                <p:tgtEl>
+                  <p:spTgt spid="24"/>
+                </p:tgtEl>
+              </p:cMediaNode>
+            </p:audio>
+          </p:childTnLst>
+        </p:cTn>
+      </p:par>
+    </p:tnLst>
+  </p:timing>
+</p:sld>
+</file>
+
 <file path=ppt/tags/tag1.xml><?xml version="1.0" encoding="utf-8"?>
 <p:tagLst xmlns:a="http://schemas.openxmlformats.org/drawingml/2006/main" xmlns:r="http://schemas.openxmlformats.org/officeDocument/2006/relationships" xmlns:p="http://schemas.openxmlformats.org/presentationml/2006/main">
   <p:tag name="TIMING" val="|11.1"/>
@@ -7321,13 +9599,25 @@
 
 <file path=ppt/tags/tag2.xml><?xml version="1.0" encoding="utf-8"?>
 <p:tagLst xmlns:a="http://schemas.openxmlformats.org/drawingml/2006/main" xmlns:r="http://schemas.openxmlformats.org/officeDocument/2006/relationships" xmlns:p="http://schemas.openxmlformats.org/presentationml/2006/main">
-  <p:tag name="TIMING" val="|3.5|3.5|3.7"/>
+  <p:tag name="TIMING" val="|11.1"/>
 </p:tagLst>
 </file>
 
 <file path=ppt/tags/tag3.xml><?xml version="1.0" encoding="utf-8"?>
 <p:tagLst xmlns:a="http://schemas.openxmlformats.org/drawingml/2006/main" xmlns:r="http://schemas.openxmlformats.org/officeDocument/2006/relationships" xmlns:p="http://schemas.openxmlformats.org/presentationml/2006/main">
-  <p:tag name="TIMING" val="|3.8|4.9|2.4"/>
+  <p:tag name="TIMING" val="|2.5|6.1"/>
+</p:tagLst>
+</file>
+
+<file path=ppt/tags/tag4.xml><?xml version="1.0" encoding="utf-8"?>
+<p:tagLst xmlns:a="http://schemas.openxmlformats.org/drawingml/2006/main" xmlns:r="http://schemas.openxmlformats.org/officeDocument/2006/relationships" xmlns:p="http://schemas.openxmlformats.org/presentationml/2006/main">
+  <p:tag name="TIMING" val="|4.4|4.3"/>
+</p:tagLst>
+</file>
+
+<file path=ppt/tags/tag5.xml><?xml version="1.0" encoding="utf-8"?>
+<p:tagLst xmlns:a="http://schemas.openxmlformats.org/drawingml/2006/main" xmlns:r="http://schemas.openxmlformats.org/officeDocument/2006/relationships" xmlns:p="http://schemas.openxmlformats.org/presentationml/2006/main">
+  <p:tag name="TIMING" val="|2.1|5.3|3.7|4.4|3.3"/>
 </p:tagLst>
 </file>
 

--- a/Slides/intro_scenario.pptx
+++ b/Slides/intro_scenario.pptx
@@ -5,17 +5,18 @@
     <p:sldMasterId id="2147483648" r:id="rId1"/>
   </p:sldMasterIdLst>
   <p:notesMasterIdLst>
-    <p:notesMasterId r:id="rId10"/>
+    <p:notesMasterId r:id="rId11"/>
   </p:notesMasterIdLst>
   <p:sldIdLst>
     <p:sldId id="261" r:id="rId2"/>
-    <p:sldId id="258" r:id="rId3"/>
-    <p:sldId id="256" r:id="rId4"/>
-    <p:sldId id="264" r:id="rId5"/>
-    <p:sldId id="265" r:id="rId6"/>
-    <p:sldId id="260" r:id="rId7"/>
-    <p:sldId id="262" r:id="rId8"/>
-    <p:sldId id="263" r:id="rId9"/>
+    <p:sldId id="266" r:id="rId3"/>
+    <p:sldId id="267" r:id="rId4"/>
+    <p:sldId id="269" r:id="rId5"/>
+    <p:sldId id="270" r:id="rId6"/>
+    <p:sldId id="271" r:id="rId7"/>
+    <p:sldId id="265" r:id="rId8"/>
+    <p:sldId id="260" r:id="rId9"/>
+    <p:sldId id="263" r:id="rId10"/>
   </p:sldIdLst>
   <p:sldSz cx="12192000" cy="6858000"/>
   <p:notesSz cx="6858000" cy="9144000"/>
@@ -215,7 +216,7 @@
           <a:p>
             <a:fld id="{703C9056-BEFE-6446-BC75-499104495C1C}" type="datetimeFigureOut">
               <a:rPr lang="en-US" smtClean="0"/>
-              <a:t>2/5/24</a:t>
+              <a:t>2/19/24</a:t>
             </a:fld>
             <a:endParaRPr lang="en-US"/>
           </a:p>
@@ -602,7 +603,13 @@
   <p:cSld>
     <p:spTree>
       <p:nvGrpSpPr>
-        <p:cNvPr id="1" name=""/>
+        <p:cNvPr id="1" name="">
+          <a:extLst>
+            <a:ext uri="{FF2B5EF4-FFF2-40B4-BE49-F238E27FC236}">
+              <a16:creationId xmlns:a16="http://schemas.microsoft.com/office/drawing/2014/main" id="{D3D86044-B5E2-C641-D977-1FA7CB9E771E}"/>
+            </a:ext>
+          </a:extLst>
+        </p:cNvPr>
         <p:cNvGrpSpPr/>
         <p:nvPr/>
       </p:nvGrpSpPr>
@@ -616,7 +623,13 @@
       </p:grpSpPr>
       <p:sp>
         <p:nvSpPr>
-          <p:cNvPr id="2" name="Slide Image Placeholder 1"/>
+          <p:cNvPr id="2" name="Slide Image Placeholder 1">
+            <a:extLst>
+              <a:ext uri="{FF2B5EF4-FFF2-40B4-BE49-F238E27FC236}">
+                <a16:creationId xmlns:a16="http://schemas.microsoft.com/office/drawing/2014/main" id="{2AB141F2-35C4-404E-734D-C47220674026}"/>
+              </a:ext>
+            </a:extLst>
+          </p:cNvPr>
           <p:cNvSpPr>
             <a:spLocks noGrp="1" noRot="1" noChangeAspect="1"/>
           </p:cNvSpPr>
@@ -628,7 +641,13 @@
       </p:sp>
       <p:sp>
         <p:nvSpPr>
-          <p:cNvPr id="3" name="Notes Placeholder 2"/>
+          <p:cNvPr id="3" name="Notes Placeholder 2">
+            <a:extLst>
+              <a:ext uri="{FF2B5EF4-FFF2-40B4-BE49-F238E27FC236}">
+                <a16:creationId xmlns:a16="http://schemas.microsoft.com/office/drawing/2014/main" id="{CB1F7222-379F-D317-E717-5C799C444AB3}"/>
+              </a:ext>
+            </a:extLst>
+          </p:cNvPr>
           <p:cNvSpPr>
             <a:spLocks noGrp="1"/>
           </p:cNvSpPr>
@@ -665,7 +684,7 @@
                 <a:ea typeface="Calibri" panose="020F0502020204030204" pitchFamily="34" charset="0"/>
                 <a:cs typeface="Times New Roman" panose="02020603050405020304" pitchFamily="18" charset="0"/>
               </a:rPr>
-              <a:t> We have a lot of pictures</a:t>
+              <a:t> We have a lot of pictures like this one</a:t>
             </a:r>
             <a:r>
               <a:rPr lang="en-US" sz="1800" kern="1200" dirty="0">
@@ -743,7 +762,13 @@
       </p:sp>
       <p:sp>
         <p:nvSpPr>
-          <p:cNvPr id="4" name="Slide Number Placeholder 3"/>
+          <p:cNvPr id="4" name="Slide Number Placeholder 3">
+            <a:extLst>
+              <a:ext uri="{FF2B5EF4-FFF2-40B4-BE49-F238E27FC236}">
+                <a16:creationId xmlns:a16="http://schemas.microsoft.com/office/drawing/2014/main" id="{8852ED93-8908-E879-4C54-E7A4470B6AB4}"/>
+              </a:ext>
+            </a:extLst>
+          </p:cNvPr>
           <p:cNvSpPr>
             <a:spLocks noGrp="1"/>
           </p:cNvSpPr>
@@ -767,7 +792,7 @@
     </p:spTree>
     <p:extLst>
       <p:ext uri="{BB962C8B-B14F-4D97-AF65-F5344CB8AC3E}">
-        <p14:creationId xmlns:p14="http://schemas.microsoft.com/office/powerpoint/2010/main" val="2783701437"/>
+        <p14:creationId xmlns:p14="http://schemas.microsoft.com/office/powerpoint/2010/main" val="1190320073"/>
       </p:ext>
     </p:extLst>
   </p:cSld>
@@ -782,7 +807,13 @@
   <p:cSld>
     <p:spTree>
       <p:nvGrpSpPr>
-        <p:cNvPr id="1" name=""/>
+        <p:cNvPr id="1" name="">
+          <a:extLst>
+            <a:ext uri="{FF2B5EF4-FFF2-40B4-BE49-F238E27FC236}">
+              <a16:creationId xmlns:a16="http://schemas.microsoft.com/office/drawing/2014/main" id="{CA062EFB-0B3A-D416-DAD9-D54C8AE2E1EA}"/>
+            </a:ext>
+          </a:extLst>
+        </p:cNvPr>
         <p:cNvGrpSpPr/>
         <p:nvPr/>
       </p:nvGrpSpPr>
@@ -796,7 +827,13 @@
       </p:grpSpPr>
       <p:sp>
         <p:nvSpPr>
-          <p:cNvPr id="2" name="Slide Image Placeholder 1"/>
+          <p:cNvPr id="2" name="Slide Image Placeholder 1">
+            <a:extLst>
+              <a:ext uri="{FF2B5EF4-FFF2-40B4-BE49-F238E27FC236}">
+                <a16:creationId xmlns:a16="http://schemas.microsoft.com/office/drawing/2014/main" id="{88CF4467-EA91-E1AD-BC57-48554D44E527}"/>
+              </a:ext>
+            </a:extLst>
+          </p:cNvPr>
           <p:cNvSpPr>
             <a:spLocks noGrp="1" noRot="1" noChangeAspect="1"/>
           </p:cNvSpPr>
@@ -808,7 +845,13 @@
       </p:sp>
       <p:sp>
         <p:nvSpPr>
-          <p:cNvPr id="3" name="Notes Placeholder 2"/>
+          <p:cNvPr id="3" name="Notes Placeholder 2">
+            <a:extLst>
+              <a:ext uri="{FF2B5EF4-FFF2-40B4-BE49-F238E27FC236}">
+                <a16:creationId xmlns:a16="http://schemas.microsoft.com/office/drawing/2014/main" id="{07791A4D-E32A-206A-7A13-75B74575CD1B}"/>
+              </a:ext>
+            </a:extLst>
+          </p:cNvPr>
           <p:cNvSpPr>
             <a:spLocks noGrp="1"/>
           </p:cNvSpPr>
@@ -899,319 +942,6 @@
                 <a:cs typeface="Times New Roman" panose="02020603050405020304" pitchFamily="18" charset="0"/>
               </a:rPr>
               <a:t>!</a:t>
-            </a:r>
-          </a:p>
-          <a:p>
-            <a:pPr marL="0" marR="0">
-              <a:spcBef>
-                <a:spcPts val="0"/>
-              </a:spcBef>
-              <a:spcAft>
-                <a:spcPts val="0"/>
-              </a:spcAft>
-            </a:pPr>
-            <a:endParaRPr lang="en-US" sz="1800" kern="100" dirty="0">
-              <a:effectLst/>
-              <a:latin typeface="Calibri" panose="020F0502020204030204" pitchFamily="34" charset="0"/>
-              <a:ea typeface="Calibri" panose="020F0502020204030204" pitchFamily="34" charset="0"/>
-              <a:cs typeface="Times New Roman" panose="02020603050405020304" pitchFamily="18" charset="0"/>
-            </a:endParaRPr>
-          </a:p>
-          <a:p>
-            <a:pPr marL="0" marR="0">
-              <a:spcBef>
-                <a:spcPts val="0"/>
-              </a:spcBef>
-              <a:spcAft>
-                <a:spcPts val="0"/>
-              </a:spcAft>
-            </a:pPr>
-            <a:endParaRPr lang="en-US" sz="1800" kern="100" dirty="0">
-              <a:effectLst/>
-              <a:latin typeface="Calibri" panose="020F0502020204030204" pitchFamily="34" charset="0"/>
-              <a:ea typeface="Calibri" panose="020F0502020204030204" pitchFamily="34" charset="0"/>
-              <a:cs typeface="Times New Roman" panose="02020603050405020304" pitchFamily="18" charset="0"/>
-            </a:endParaRPr>
-          </a:p>
-          <a:p>
-            <a:endParaRPr lang="en-US" dirty="0"/>
-          </a:p>
-        </p:txBody>
-      </p:sp>
-      <p:sp>
-        <p:nvSpPr>
-          <p:cNvPr id="4" name="Slide Number Placeholder 3"/>
-          <p:cNvSpPr>
-            <a:spLocks noGrp="1"/>
-          </p:cNvSpPr>
-          <p:nvPr>
-            <p:ph type="sldNum" sz="quarter" idx="5"/>
-          </p:nvPr>
-        </p:nvSpPr>
-        <p:spPr/>
-        <p:txBody>
-          <a:bodyPr/>
-          <a:lstStyle/>
-          <a:p>
-            <a:fld id="{8A50A04F-63C2-3B49-B3BB-035920E5F412}" type="slidenum">
-              <a:rPr lang="en-US" smtClean="0"/>
-              <a:t>3</a:t>
-            </a:fld>
-            <a:endParaRPr lang="en-US"/>
-          </a:p>
-        </p:txBody>
-      </p:sp>
-    </p:spTree>
-    <p:extLst>
-      <p:ext uri="{BB962C8B-B14F-4D97-AF65-F5344CB8AC3E}">
-        <p14:creationId xmlns:p14="http://schemas.microsoft.com/office/powerpoint/2010/main" val="4148589089"/>
-      </p:ext>
-    </p:extLst>
-  </p:cSld>
-  <p:clrMapOvr>
-    <a:masterClrMapping/>
-  </p:clrMapOvr>
-</p:notes>
-</file>
-
-<file path=ppt/notesSlides/notesSlide4.xml><?xml version="1.0" encoding="utf-8"?>
-<p:notes xmlns:a="http://schemas.openxmlformats.org/drawingml/2006/main" xmlns:r="http://schemas.openxmlformats.org/officeDocument/2006/relationships" xmlns:p="http://schemas.openxmlformats.org/presentationml/2006/main">
-  <p:cSld>
-    <p:spTree>
-      <p:nvGrpSpPr>
-        <p:cNvPr id="1" name="">
-          <a:extLst>
-            <a:ext uri="{FF2B5EF4-FFF2-40B4-BE49-F238E27FC236}">
-              <a16:creationId xmlns:a16="http://schemas.microsoft.com/office/drawing/2014/main" id="{2513FFE6-93D9-6A38-4BE4-81AD50BD422C}"/>
-            </a:ext>
-          </a:extLst>
-        </p:cNvPr>
-        <p:cNvGrpSpPr/>
-        <p:nvPr/>
-      </p:nvGrpSpPr>
-      <p:grpSpPr>
-        <a:xfrm>
-          <a:off x="0" y="0"/>
-          <a:ext cx="0" cy="0"/>
-          <a:chOff x="0" y="0"/>
-          <a:chExt cx="0" cy="0"/>
-        </a:xfrm>
-      </p:grpSpPr>
-      <p:sp>
-        <p:nvSpPr>
-          <p:cNvPr id="2" name="Slide Image Placeholder 1">
-            <a:extLst>
-              <a:ext uri="{FF2B5EF4-FFF2-40B4-BE49-F238E27FC236}">
-                <a16:creationId xmlns:a16="http://schemas.microsoft.com/office/drawing/2014/main" id="{313A8EF1-AE0C-9CEE-0C2D-81113655E45E}"/>
-              </a:ext>
-            </a:extLst>
-          </p:cNvPr>
-          <p:cNvSpPr>
-            <a:spLocks noGrp="1" noRot="1" noChangeAspect="1"/>
-          </p:cNvSpPr>
-          <p:nvPr>
-            <p:ph type="sldImg"/>
-          </p:nvPr>
-        </p:nvSpPr>
-        <p:spPr/>
-      </p:sp>
-      <p:sp>
-        <p:nvSpPr>
-          <p:cNvPr id="3" name="Notes Placeholder 2">
-            <a:extLst>
-              <a:ext uri="{FF2B5EF4-FFF2-40B4-BE49-F238E27FC236}">
-                <a16:creationId xmlns:a16="http://schemas.microsoft.com/office/drawing/2014/main" id="{655B5C78-39BB-FD16-BBA0-72F827D4AB60}"/>
-              </a:ext>
-            </a:extLst>
-          </p:cNvPr>
-          <p:cNvSpPr>
-            <a:spLocks noGrp="1"/>
-          </p:cNvSpPr>
-          <p:nvPr>
-            <p:ph type="body" idx="1"/>
-          </p:nvPr>
-        </p:nvSpPr>
-        <p:spPr/>
-        <p:txBody>
-          <a:bodyPr/>
-          <a:lstStyle/>
-          <a:p>
-            <a:pPr marL="0" marR="0" lvl="0" indent="0" algn="l" defTabSz="914400" rtl="0" eaLnBrk="1" fontAlgn="auto" latinLnBrk="0" hangingPunct="1">
-              <a:lnSpc>
-                <a:spcPct val="100000"/>
-              </a:lnSpc>
-              <a:spcBef>
-                <a:spcPts val="0"/>
-              </a:spcBef>
-              <a:spcAft>
-                <a:spcPts val="0"/>
-              </a:spcAft>
-              <a:buClrTx/>
-              <a:buSzTx/>
-              <a:buFontTx/>
-              <a:buNone/>
-              <a:tabLst/>
-              <a:defRPr/>
-            </a:pPr>
-            <a:r>
-              <a:rPr lang="en-US" sz="1800" kern="100" dirty="0">
-                <a:effectLst/>
-                <a:latin typeface="Calibri" panose="020F0502020204030204" pitchFamily="34" charset="0"/>
-                <a:ea typeface="Calibri" panose="020F0502020204030204" pitchFamily="34" charset="0"/>
-                <a:cs typeface="Times New Roman" panose="02020603050405020304" pitchFamily="18" charset="0"/>
-              </a:rPr>
-              <a:t>So we need your help guessing what Wiggle will do next.</a:t>
-            </a:r>
-          </a:p>
-        </p:txBody>
-      </p:sp>
-      <p:sp>
-        <p:nvSpPr>
-          <p:cNvPr id="4" name="Slide Number Placeholder 3">
-            <a:extLst>
-              <a:ext uri="{FF2B5EF4-FFF2-40B4-BE49-F238E27FC236}">
-                <a16:creationId xmlns:a16="http://schemas.microsoft.com/office/drawing/2014/main" id="{918A3464-C237-3DE6-A9C3-2815CA78098B}"/>
-              </a:ext>
-            </a:extLst>
-          </p:cNvPr>
-          <p:cNvSpPr>
-            <a:spLocks noGrp="1"/>
-          </p:cNvSpPr>
-          <p:nvPr>
-            <p:ph type="sldNum" sz="quarter" idx="5"/>
-          </p:nvPr>
-        </p:nvSpPr>
-        <p:spPr/>
-        <p:txBody>
-          <a:bodyPr/>
-          <a:lstStyle/>
-          <a:p>
-            <a:fld id="{8A50A04F-63C2-3B49-B3BB-035920E5F412}" type="slidenum">
-              <a:rPr lang="en-US" smtClean="0"/>
-              <a:t>4</a:t>
-            </a:fld>
-            <a:endParaRPr lang="en-US"/>
-          </a:p>
-        </p:txBody>
-      </p:sp>
-    </p:spTree>
-    <p:extLst>
-      <p:ext uri="{BB962C8B-B14F-4D97-AF65-F5344CB8AC3E}">
-        <p14:creationId xmlns:p14="http://schemas.microsoft.com/office/powerpoint/2010/main" val="2738066659"/>
-      </p:ext>
-    </p:extLst>
-  </p:cSld>
-  <p:clrMapOvr>
-    <a:masterClrMapping/>
-  </p:clrMapOvr>
-</p:notes>
-</file>
-
-<file path=ppt/notesSlides/notesSlide5.xml><?xml version="1.0" encoding="utf-8"?>
-<p:notes xmlns:a="http://schemas.openxmlformats.org/drawingml/2006/main" xmlns:r="http://schemas.openxmlformats.org/officeDocument/2006/relationships" xmlns:p="http://schemas.openxmlformats.org/presentationml/2006/main">
-  <p:cSld>
-    <p:spTree>
-      <p:nvGrpSpPr>
-        <p:cNvPr id="1" name="">
-          <a:extLst>
-            <a:ext uri="{FF2B5EF4-FFF2-40B4-BE49-F238E27FC236}">
-              <a16:creationId xmlns:a16="http://schemas.microsoft.com/office/drawing/2014/main" id="{5743CAC2-7C2B-36BA-8C0E-D6AB66B3C8E9}"/>
-            </a:ext>
-          </a:extLst>
-        </p:cNvPr>
-        <p:cNvGrpSpPr/>
-        <p:nvPr/>
-      </p:nvGrpSpPr>
-      <p:grpSpPr>
-        <a:xfrm>
-          <a:off x="0" y="0"/>
-          <a:ext cx="0" cy="0"/>
-          <a:chOff x="0" y="0"/>
-          <a:chExt cx="0" cy="0"/>
-        </a:xfrm>
-      </p:grpSpPr>
-      <p:sp>
-        <p:nvSpPr>
-          <p:cNvPr id="2" name="Slide Image Placeholder 1">
-            <a:extLst>
-              <a:ext uri="{FF2B5EF4-FFF2-40B4-BE49-F238E27FC236}">
-                <a16:creationId xmlns:a16="http://schemas.microsoft.com/office/drawing/2014/main" id="{29A0B9F9-683D-3A55-0AA6-2B0B13C49E3A}"/>
-              </a:ext>
-            </a:extLst>
-          </p:cNvPr>
-          <p:cNvSpPr>
-            <a:spLocks noGrp="1" noRot="1" noChangeAspect="1"/>
-          </p:cNvSpPr>
-          <p:nvPr>
-            <p:ph type="sldImg"/>
-          </p:nvPr>
-        </p:nvSpPr>
-        <p:spPr/>
-      </p:sp>
-      <p:sp>
-        <p:nvSpPr>
-          <p:cNvPr id="3" name="Notes Placeholder 2">
-            <a:extLst>
-              <a:ext uri="{FF2B5EF4-FFF2-40B4-BE49-F238E27FC236}">
-                <a16:creationId xmlns:a16="http://schemas.microsoft.com/office/drawing/2014/main" id="{6BBC74B5-CDC1-B2BA-73F6-2935D1B2DDCD}"/>
-              </a:ext>
-            </a:extLst>
-          </p:cNvPr>
-          <p:cNvSpPr>
-            <a:spLocks noGrp="1"/>
-          </p:cNvSpPr>
-          <p:nvPr>
-            <p:ph type="body" idx="1"/>
-          </p:nvPr>
-        </p:nvSpPr>
-        <p:spPr/>
-        <p:txBody>
-          <a:bodyPr/>
-          <a:lstStyle/>
-          <a:p>
-            <a:pPr marL="0" marR="0" lvl="0" indent="0" algn="l" defTabSz="914400" rtl="0" eaLnBrk="1" fontAlgn="auto" latinLnBrk="0" hangingPunct="1">
-              <a:lnSpc>
-                <a:spcPct val="100000"/>
-              </a:lnSpc>
-              <a:spcBef>
-                <a:spcPts val="0"/>
-              </a:spcBef>
-              <a:spcAft>
-                <a:spcPts val="0"/>
-              </a:spcAft>
-              <a:buClrTx/>
-              <a:buSzTx/>
-              <a:buFontTx/>
-              <a:buNone/>
-              <a:tabLst/>
-              <a:defRPr/>
-            </a:pPr>
-            <a:r>
-              <a:rPr lang="en-US" sz="1800" kern="100" dirty="0">
-                <a:effectLst/>
-                <a:latin typeface="Calibri" panose="020F0502020204030204" pitchFamily="34" charset="0"/>
-                <a:ea typeface="Calibri" panose="020F0502020204030204" pitchFamily="34" charset="0"/>
-                <a:cs typeface="Times New Roman" panose="02020603050405020304" pitchFamily="18" charset="0"/>
-              </a:rPr>
-              <a:t>In some pictures #, this </a:t>
-            </a:r>
-            <a:r>
-              <a:rPr lang="en-US" sz="1800" kern="100" dirty="0" err="1">
-                <a:effectLst/>
-                <a:latin typeface="Calibri" panose="020F0502020204030204" pitchFamily="34" charset="0"/>
-                <a:ea typeface="Calibri" panose="020F0502020204030204" pitchFamily="34" charset="0"/>
-                <a:cs typeface="Times New Roman" panose="02020603050405020304" pitchFamily="18" charset="0"/>
-              </a:rPr>
-              <a:t>wuggle</a:t>
-            </a:r>
-            <a:r>
-              <a:rPr lang="en-US" sz="1800" kern="100" dirty="0">
-                <a:effectLst/>
-                <a:latin typeface="Calibri" panose="020F0502020204030204" pitchFamily="34" charset="0"/>
-                <a:ea typeface="Calibri" panose="020F0502020204030204" pitchFamily="34" charset="0"/>
-                <a:cs typeface="Times New Roman" panose="02020603050405020304" pitchFamily="18" charset="0"/>
-              </a:rPr>
-              <a:t> will be talking to Wiggle.</a:t>
             </a:r>
           </a:p>
           <a:p>
@@ -1257,6 +987,263 @@
               <a:tabLst/>
               <a:defRPr/>
             </a:pPr>
+            <a:endParaRPr lang="en-US" sz="1800" kern="100" dirty="0">
+              <a:effectLst/>
+              <a:latin typeface="Calibri" panose="020F0502020204030204" pitchFamily="34" charset="0"/>
+              <a:ea typeface="Calibri" panose="020F0502020204030204" pitchFamily="34" charset="0"/>
+              <a:cs typeface="Times New Roman" panose="02020603050405020304" pitchFamily="18" charset="0"/>
+            </a:endParaRPr>
+          </a:p>
+          <a:p>
+            <a:endParaRPr lang="en-US" dirty="0"/>
+          </a:p>
+        </p:txBody>
+      </p:sp>
+      <p:sp>
+        <p:nvSpPr>
+          <p:cNvPr id="4" name="Slide Number Placeholder 3">
+            <a:extLst>
+              <a:ext uri="{FF2B5EF4-FFF2-40B4-BE49-F238E27FC236}">
+                <a16:creationId xmlns:a16="http://schemas.microsoft.com/office/drawing/2014/main" id="{DE0D4ED8-35DC-9D68-6AFD-C158D4322E1D}"/>
+              </a:ext>
+            </a:extLst>
+          </p:cNvPr>
+          <p:cNvSpPr>
+            <a:spLocks noGrp="1"/>
+          </p:cNvSpPr>
+          <p:nvPr>
+            <p:ph type="sldNum" sz="quarter" idx="5"/>
+          </p:nvPr>
+        </p:nvSpPr>
+        <p:spPr/>
+        <p:txBody>
+          <a:bodyPr/>
+          <a:lstStyle/>
+          <a:p>
+            <a:fld id="{8A50A04F-63C2-3B49-B3BB-035920E5F412}" type="slidenum">
+              <a:rPr lang="en-US" smtClean="0"/>
+              <a:t>3</a:t>
+            </a:fld>
+            <a:endParaRPr lang="en-US"/>
+          </a:p>
+        </p:txBody>
+      </p:sp>
+    </p:spTree>
+    <p:extLst>
+      <p:ext uri="{BB962C8B-B14F-4D97-AF65-F5344CB8AC3E}">
+        <p14:creationId xmlns:p14="http://schemas.microsoft.com/office/powerpoint/2010/main" val="567786233"/>
+      </p:ext>
+    </p:extLst>
+  </p:cSld>
+  <p:clrMapOvr>
+    <a:masterClrMapping/>
+  </p:clrMapOvr>
+</p:notes>
+</file>
+
+<file path=ppt/notesSlides/notesSlide4.xml><?xml version="1.0" encoding="utf-8"?>
+<p:notes xmlns:a="http://schemas.openxmlformats.org/drawingml/2006/main" xmlns:r="http://schemas.openxmlformats.org/officeDocument/2006/relationships" xmlns:p="http://schemas.openxmlformats.org/presentationml/2006/main">
+  <p:cSld>
+    <p:spTree>
+      <p:nvGrpSpPr>
+        <p:cNvPr id="1" name="">
+          <a:extLst>
+            <a:ext uri="{FF2B5EF4-FFF2-40B4-BE49-F238E27FC236}">
+              <a16:creationId xmlns:a16="http://schemas.microsoft.com/office/drawing/2014/main" id="{ED98ACB7-626A-9DD0-09AB-D1FB25FE6AE8}"/>
+            </a:ext>
+          </a:extLst>
+        </p:cNvPr>
+        <p:cNvGrpSpPr/>
+        <p:nvPr/>
+      </p:nvGrpSpPr>
+      <p:grpSpPr>
+        <a:xfrm>
+          <a:off x="0" y="0"/>
+          <a:ext cx="0" cy="0"/>
+          <a:chOff x="0" y="0"/>
+          <a:chExt cx="0" cy="0"/>
+        </a:xfrm>
+      </p:grpSpPr>
+      <p:sp>
+        <p:nvSpPr>
+          <p:cNvPr id="2" name="Slide Image Placeholder 1">
+            <a:extLst>
+              <a:ext uri="{FF2B5EF4-FFF2-40B4-BE49-F238E27FC236}">
+                <a16:creationId xmlns:a16="http://schemas.microsoft.com/office/drawing/2014/main" id="{9109EC0A-A991-6195-E4C3-9345E5AC3D68}"/>
+              </a:ext>
+            </a:extLst>
+          </p:cNvPr>
+          <p:cNvSpPr>
+            <a:spLocks noGrp="1" noRot="1" noChangeAspect="1"/>
+          </p:cNvSpPr>
+          <p:nvPr>
+            <p:ph type="sldImg"/>
+          </p:nvPr>
+        </p:nvSpPr>
+        <p:spPr/>
+      </p:sp>
+      <p:sp>
+        <p:nvSpPr>
+          <p:cNvPr id="3" name="Notes Placeholder 2">
+            <a:extLst>
+              <a:ext uri="{FF2B5EF4-FFF2-40B4-BE49-F238E27FC236}">
+                <a16:creationId xmlns:a16="http://schemas.microsoft.com/office/drawing/2014/main" id="{20D51F76-59EF-ED96-5583-B5CAD39BCD2D}"/>
+              </a:ext>
+            </a:extLst>
+          </p:cNvPr>
+          <p:cNvSpPr>
+            <a:spLocks noGrp="1"/>
+          </p:cNvSpPr>
+          <p:nvPr>
+            <p:ph type="body" idx="1"/>
+          </p:nvPr>
+        </p:nvSpPr>
+        <p:spPr/>
+        <p:txBody>
+          <a:bodyPr/>
+          <a:lstStyle/>
+          <a:p>
+            <a:pPr marL="0" marR="0" lvl="0" indent="0" algn="l" defTabSz="914400" rtl="0" eaLnBrk="1" fontAlgn="auto" latinLnBrk="0" hangingPunct="1">
+              <a:lnSpc>
+                <a:spcPct val="100000"/>
+              </a:lnSpc>
+              <a:spcBef>
+                <a:spcPts val="0"/>
+              </a:spcBef>
+              <a:spcAft>
+                <a:spcPts val="0"/>
+              </a:spcAft>
+              <a:buClrTx/>
+              <a:buSzTx/>
+              <a:buFontTx/>
+              <a:buNone/>
+              <a:tabLst/>
+              <a:defRPr/>
+            </a:pPr>
+            <a:r>
+              <a:rPr lang="en-US" sz="1200" kern="100" dirty="0">
+                <a:effectLst/>
+                <a:latin typeface="Calibri" panose="020F0502020204030204" pitchFamily="34" charset="0"/>
+                <a:ea typeface="Calibri" panose="020F0502020204030204" pitchFamily="34" charset="0"/>
+                <a:cs typeface="Times New Roman" panose="02020603050405020304" pitchFamily="18" charset="0"/>
+              </a:rPr>
+              <a:t>We need your help guessing what Wiggle will do next.</a:t>
+            </a:r>
+          </a:p>
+        </p:txBody>
+      </p:sp>
+      <p:sp>
+        <p:nvSpPr>
+          <p:cNvPr id="4" name="Slide Number Placeholder 3">
+            <a:extLst>
+              <a:ext uri="{FF2B5EF4-FFF2-40B4-BE49-F238E27FC236}">
+                <a16:creationId xmlns:a16="http://schemas.microsoft.com/office/drawing/2014/main" id="{91E58DB6-333C-2678-E441-FA58A9DFA221}"/>
+              </a:ext>
+            </a:extLst>
+          </p:cNvPr>
+          <p:cNvSpPr>
+            <a:spLocks noGrp="1"/>
+          </p:cNvSpPr>
+          <p:nvPr>
+            <p:ph type="sldNum" sz="quarter" idx="5"/>
+          </p:nvPr>
+        </p:nvSpPr>
+        <p:spPr/>
+        <p:txBody>
+          <a:bodyPr/>
+          <a:lstStyle/>
+          <a:p>
+            <a:fld id="{8A50A04F-63C2-3B49-B3BB-035920E5F412}" type="slidenum">
+              <a:rPr lang="en-US" smtClean="0"/>
+              <a:t>4</a:t>
+            </a:fld>
+            <a:endParaRPr lang="en-US"/>
+          </a:p>
+        </p:txBody>
+      </p:sp>
+    </p:spTree>
+    <p:extLst>
+      <p:ext uri="{BB962C8B-B14F-4D97-AF65-F5344CB8AC3E}">
+        <p14:creationId xmlns:p14="http://schemas.microsoft.com/office/powerpoint/2010/main" val="1622569984"/>
+      </p:ext>
+    </p:extLst>
+  </p:cSld>
+  <p:clrMapOvr>
+    <a:masterClrMapping/>
+  </p:clrMapOvr>
+</p:notes>
+</file>
+
+<file path=ppt/notesSlides/notesSlide5.xml><?xml version="1.0" encoding="utf-8"?>
+<p:notes xmlns:a="http://schemas.openxmlformats.org/drawingml/2006/main" xmlns:r="http://schemas.openxmlformats.org/officeDocument/2006/relationships" xmlns:p="http://schemas.openxmlformats.org/presentationml/2006/main">
+  <p:cSld>
+    <p:spTree>
+      <p:nvGrpSpPr>
+        <p:cNvPr id="1" name="">
+          <a:extLst>
+            <a:ext uri="{FF2B5EF4-FFF2-40B4-BE49-F238E27FC236}">
+              <a16:creationId xmlns:a16="http://schemas.microsoft.com/office/drawing/2014/main" id="{C22F7DCD-FA9E-6989-DD31-30F943B6C240}"/>
+            </a:ext>
+          </a:extLst>
+        </p:cNvPr>
+        <p:cNvGrpSpPr/>
+        <p:nvPr/>
+      </p:nvGrpSpPr>
+      <p:grpSpPr>
+        <a:xfrm>
+          <a:off x="0" y="0"/>
+          <a:ext cx="0" cy="0"/>
+          <a:chOff x="0" y="0"/>
+          <a:chExt cx="0" cy="0"/>
+        </a:xfrm>
+      </p:grpSpPr>
+      <p:sp>
+        <p:nvSpPr>
+          <p:cNvPr id="2" name="Slide Image Placeholder 1">
+            <a:extLst>
+              <a:ext uri="{FF2B5EF4-FFF2-40B4-BE49-F238E27FC236}">
+                <a16:creationId xmlns:a16="http://schemas.microsoft.com/office/drawing/2014/main" id="{4D683EA6-F451-32B4-FA26-DEBA8FF780F4}"/>
+              </a:ext>
+            </a:extLst>
+          </p:cNvPr>
+          <p:cNvSpPr>
+            <a:spLocks noGrp="1" noRot="1" noChangeAspect="1"/>
+          </p:cNvSpPr>
+          <p:nvPr>
+            <p:ph type="sldImg"/>
+          </p:nvPr>
+        </p:nvSpPr>
+        <p:spPr/>
+      </p:sp>
+      <p:sp>
+        <p:nvSpPr>
+          <p:cNvPr id="3" name="Notes Placeholder 2">
+            <a:extLst>
+              <a:ext uri="{FF2B5EF4-FFF2-40B4-BE49-F238E27FC236}">
+                <a16:creationId xmlns:a16="http://schemas.microsoft.com/office/drawing/2014/main" id="{9261DAEA-9DB5-13FD-0CCE-F8744FED3B99}"/>
+              </a:ext>
+            </a:extLst>
+          </p:cNvPr>
+          <p:cNvSpPr>
+            <a:spLocks noGrp="1"/>
+          </p:cNvSpPr>
+          <p:nvPr>
+            <p:ph type="body" idx="1"/>
+          </p:nvPr>
+        </p:nvSpPr>
+        <p:spPr/>
+        <p:txBody>
+          <a:bodyPr/>
+          <a:lstStyle/>
+          <a:p>
+            <a:pPr marL="0" marR="0">
+              <a:spcBef>
+                <a:spcPts val="0"/>
+              </a:spcBef>
+              <a:spcAft>
+                <a:spcPts val="0"/>
+              </a:spcAft>
+            </a:pPr>
             <a:r>
               <a:rPr lang="en-US" sz="1800" kern="100" dirty="0">
                 <a:effectLst/>
@@ -1264,17 +1251,34 @@
                 <a:ea typeface="Calibri" panose="020F0502020204030204" pitchFamily="34" charset="0"/>
                 <a:cs typeface="Times New Roman" panose="02020603050405020304" pitchFamily="18" charset="0"/>
               </a:rPr>
-              <a:t>And in other pictures #, this </a:t>
-            </a:r>
-            <a:r>
-              <a:rPr lang="en-US" sz="1800" kern="100" dirty="0" err="1">
-                <a:effectLst/>
-                <a:latin typeface="Calibri" panose="020F0502020204030204" pitchFamily="34" charset="0"/>
-                <a:ea typeface="Calibri" panose="020F0502020204030204" pitchFamily="34" charset="0"/>
-                <a:cs typeface="Times New Roman" panose="02020603050405020304" pitchFamily="18" charset="0"/>
-              </a:rPr>
-              <a:t>wuggle</a:t>
-            </a:r>
+              <a:t>After each picture, there are four different things Wiggle might do.</a:t>
+            </a:r>
+          </a:p>
+          <a:p>
+            <a:pPr marL="0" marR="0">
+              <a:spcBef>
+                <a:spcPts val="0"/>
+              </a:spcBef>
+              <a:spcAft>
+                <a:spcPts val="0"/>
+              </a:spcAft>
+            </a:pPr>
+            <a:endParaRPr lang="en-US" sz="1800" kern="100" dirty="0">
+              <a:effectLst/>
+              <a:latin typeface="Calibri" panose="020F0502020204030204" pitchFamily="34" charset="0"/>
+              <a:ea typeface="Calibri" panose="020F0502020204030204" pitchFamily="34" charset="0"/>
+              <a:cs typeface="Times New Roman" panose="02020603050405020304" pitchFamily="18" charset="0"/>
+            </a:endParaRPr>
+          </a:p>
+          <a:p>
+            <a:pPr marL="0" marR="0">
+              <a:spcBef>
+                <a:spcPts val="0"/>
+              </a:spcBef>
+              <a:spcAft>
+                <a:spcPts val="0"/>
+              </a:spcAft>
+            </a:pPr>
             <a:r>
               <a:rPr lang="en-US" sz="1800" kern="100" dirty="0">
                 <a:effectLst/>
@@ -1282,8 +1286,125 @@
                 <a:ea typeface="Calibri" panose="020F0502020204030204" pitchFamily="34" charset="0"/>
                 <a:cs typeface="Times New Roman" panose="02020603050405020304" pitchFamily="18" charset="0"/>
               </a:rPr>
-              <a:t> will be talking to Wiggle.</a:t>
-            </a:r>
+              <a:t># Wiggle might hug the other Wuggle.</a:t>
+            </a:r>
+          </a:p>
+          <a:p>
+            <a:pPr marL="0" marR="0">
+              <a:spcBef>
+                <a:spcPts val="0"/>
+              </a:spcBef>
+              <a:spcAft>
+                <a:spcPts val="0"/>
+              </a:spcAft>
+            </a:pPr>
+            <a:r>
+              <a:rPr lang="en-US" sz="1800" kern="100" dirty="0">
+                <a:effectLst/>
+                <a:latin typeface="Calibri" panose="020F0502020204030204" pitchFamily="34" charset="0"/>
+                <a:ea typeface="Calibri" panose="020F0502020204030204" pitchFamily="34" charset="0"/>
+                <a:cs typeface="Times New Roman" panose="02020603050405020304" pitchFamily="18" charset="0"/>
+              </a:rPr>
+              <a:t> </a:t>
+            </a:r>
+          </a:p>
+          <a:p>
+            <a:pPr marL="0" marR="0">
+              <a:spcBef>
+                <a:spcPts val="0"/>
+              </a:spcBef>
+              <a:spcAft>
+                <a:spcPts val="0"/>
+              </a:spcAft>
+            </a:pPr>
+            <a:r>
+              <a:rPr lang="en-US" sz="1800" kern="100" dirty="0">
+                <a:effectLst/>
+                <a:latin typeface="Calibri" panose="020F0502020204030204" pitchFamily="34" charset="0"/>
+                <a:ea typeface="Calibri" panose="020F0502020204030204" pitchFamily="34" charset="0"/>
+                <a:cs typeface="Times New Roman" panose="02020603050405020304" pitchFamily="18" charset="0"/>
+              </a:rPr>
+              <a:t># Or he might jump up and down.</a:t>
+            </a:r>
+          </a:p>
+          <a:p>
+            <a:pPr marL="0" marR="0">
+              <a:spcBef>
+                <a:spcPts val="0"/>
+              </a:spcBef>
+              <a:spcAft>
+                <a:spcPts val="0"/>
+              </a:spcAft>
+            </a:pPr>
+            <a:r>
+              <a:rPr lang="en-US" sz="1800" kern="100" dirty="0">
+                <a:effectLst/>
+                <a:latin typeface="Calibri" panose="020F0502020204030204" pitchFamily="34" charset="0"/>
+                <a:ea typeface="Calibri" panose="020F0502020204030204" pitchFamily="34" charset="0"/>
+                <a:cs typeface="Times New Roman" panose="02020603050405020304" pitchFamily="18" charset="0"/>
+              </a:rPr>
+              <a:t> </a:t>
+            </a:r>
+          </a:p>
+          <a:p>
+            <a:pPr marL="0" marR="0">
+              <a:spcBef>
+                <a:spcPts val="0"/>
+              </a:spcBef>
+              <a:spcAft>
+                <a:spcPts val="0"/>
+              </a:spcAft>
+            </a:pPr>
+            <a:r>
+              <a:rPr lang="en-US" sz="1800" kern="100" dirty="0">
+                <a:effectLst/>
+                <a:latin typeface="Calibri" panose="020F0502020204030204" pitchFamily="34" charset="0"/>
+                <a:ea typeface="Calibri" panose="020F0502020204030204" pitchFamily="34" charset="0"/>
+                <a:cs typeface="Times New Roman" panose="02020603050405020304" pitchFamily="18" charset="0"/>
+              </a:rPr>
+              <a:t># Or he might laugh.</a:t>
+            </a:r>
+          </a:p>
+          <a:p>
+            <a:pPr marL="0" marR="0">
+              <a:spcBef>
+                <a:spcPts val="0"/>
+              </a:spcBef>
+              <a:spcAft>
+                <a:spcPts val="0"/>
+              </a:spcAft>
+            </a:pPr>
+            <a:r>
+              <a:rPr lang="en-US" sz="1800" kern="100" dirty="0">
+                <a:effectLst/>
+                <a:latin typeface="Calibri" panose="020F0502020204030204" pitchFamily="34" charset="0"/>
+                <a:ea typeface="Calibri" panose="020F0502020204030204" pitchFamily="34" charset="0"/>
+                <a:cs typeface="Times New Roman" panose="02020603050405020304" pitchFamily="18" charset="0"/>
+              </a:rPr>
+              <a:t> </a:t>
+            </a:r>
+          </a:p>
+          <a:p>
+            <a:pPr marL="0" marR="0">
+              <a:spcBef>
+                <a:spcPts val="0"/>
+              </a:spcBef>
+              <a:spcAft>
+                <a:spcPts val="0"/>
+              </a:spcAft>
+            </a:pPr>
+            <a:r>
+              <a:rPr lang="en-US" sz="1800" kern="100" dirty="0">
+                <a:effectLst/>
+                <a:latin typeface="Calibri" panose="020F0502020204030204" pitchFamily="34" charset="0"/>
+                <a:ea typeface="Calibri" panose="020F0502020204030204" pitchFamily="34" charset="0"/>
+                <a:cs typeface="Times New Roman" panose="02020603050405020304" pitchFamily="18" charset="0"/>
+              </a:rPr>
+              <a:t># Or he might say thank you to the other Wuggle.</a:t>
+            </a:r>
+          </a:p>
+          <a:p>
+            <a:endParaRPr lang="en-US" dirty="0"/>
           </a:p>
         </p:txBody>
       </p:sp>
@@ -1292,7 +1413,7 @@
           <p:cNvPr id="4" name="Slide Number Placeholder 3">
             <a:extLst>
               <a:ext uri="{FF2B5EF4-FFF2-40B4-BE49-F238E27FC236}">
-                <a16:creationId xmlns:a16="http://schemas.microsoft.com/office/drawing/2014/main" id="{90A31AD8-7948-5E31-CC36-6E1BFBF240F0}"/>
+                <a16:creationId xmlns:a16="http://schemas.microsoft.com/office/drawing/2014/main" id="{E9714C68-B189-67CE-1207-CC10F72CC290}"/>
               </a:ext>
             </a:extLst>
           </p:cNvPr>
@@ -1319,7 +1440,7 @@
     </p:spTree>
     <p:extLst>
       <p:ext uri="{BB962C8B-B14F-4D97-AF65-F5344CB8AC3E}">
-        <p14:creationId xmlns:p14="http://schemas.microsoft.com/office/powerpoint/2010/main" val="1599233464"/>
+        <p14:creationId xmlns:p14="http://schemas.microsoft.com/office/powerpoint/2010/main" val="1787198419"/>
       </p:ext>
     </p:extLst>
   </p:cSld>
@@ -1334,7 +1455,13 @@
   <p:cSld>
     <p:spTree>
       <p:nvGrpSpPr>
-        <p:cNvPr id="1" name=""/>
+        <p:cNvPr id="1" name="">
+          <a:extLst>
+            <a:ext uri="{FF2B5EF4-FFF2-40B4-BE49-F238E27FC236}">
+              <a16:creationId xmlns:a16="http://schemas.microsoft.com/office/drawing/2014/main" id="{0595F2F2-9C52-B3AD-76B7-BF11E7A625AB}"/>
+            </a:ext>
+          </a:extLst>
+        </p:cNvPr>
         <p:cNvGrpSpPr/>
         <p:nvPr/>
       </p:nvGrpSpPr>
@@ -1348,7 +1475,13 @@
       </p:grpSpPr>
       <p:sp>
         <p:nvSpPr>
-          <p:cNvPr id="2" name="Slide Image Placeholder 1"/>
+          <p:cNvPr id="2" name="Slide Image Placeholder 1">
+            <a:extLst>
+              <a:ext uri="{FF2B5EF4-FFF2-40B4-BE49-F238E27FC236}">
+                <a16:creationId xmlns:a16="http://schemas.microsoft.com/office/drawing/2014/main" id="{782BE8CA-2A19-2DB5-3EB2-5D5281E9D692}"/>
+              </a:ext>
+            </a:extLst>
+          </p:cNvPr>
           <p:cNvSpPr>
             <a:spLocks noGrp="1" noRot="1" noChangeAspect="1"/>
           </p:cNvSpPr>
@@ -1360,7 +1493,13 @@
       </p:sp>
       <p:sp>
         <p:nvSpPr>
-          <p:cNvPr id="3" name="Notes Placeholder 2"/>
+          <p:cNvPr id="3" name="Notes Placeholder 2">
+            <a:extLst>
+              <a:ext uri="{FF2B5EF4-FFF2-40B4-BE49-F238E27FC236}">
+                <a16:creationId xmlns:a16="http://schemas.microsoft.com/office/drawing/2014/main" id="{DB37B011-0DC1-02C1-875B-9FF135124600}"/>
+              </a:ext>
+            </a:extLst>
+          </p:cNvPr>
           <p:cNvSpPr>
             <a:spLocks noGrp="1"/>
           </p:cNvSpPr>
@@ -1373,25 +1512,47 @@
           <a:bodyPr/>
           <a:lstStyle/>
           <a:p>
-            <a:r>
-              <a:rPr lang="en-US" dirty="0"/>
-              <a:t>In some pictures #, Wiggle’s face will look like this.</a:t>
+            <a:pPr marL="0" marR="0" lvl="0" indent="0" algn="l" defTabSz="914400" rtl="0" eaLnBrk="1" fontAlgn="auto" latinLnBrk="0" hangingPunct="1">
+              <a:lnSpc>
+                <a:spcPct val="100000"/>
+              </a:lnSpc>
+              <a:spcBef>
+                <a:spcPts val="0"/>
+              </a:spcBef>
+              <a:spcAft>
+                <a:spcPts val="0"/>
+              </a:spcAft>
+              <a:buClrTx/>
+              <a:buSzTx/>
+              <a:buFontTx/>
+              <a:buNone/>
+              <a:tabLst/>
+              <a:defRPr/>
+            </a:pPr>
+            <a:r>
+              <a:rPr lang="en-US" sz="1800" kern="100" dirty="0">
+                <a:effectLst/>
+                <a:latin typeface="Calibri" panose="020F0502020204030204" pitchFamily="34" charset="0"/>
+                <a:ea typeface="Calibri" panose="020F0502020204030204" pitchFamily="34" charset="0"/>
+                <a:cs typeface="Times New Roman" panose="02020603050405020304" pitchFamily="18" charset="0"/>
+              </a:rPr>
+              <a:t>To figure out what Wuggle will do next, you’ll have to use what you see in the picture. </a:t>
             </a:r>
           </a:p>
           <a:p>
             <a:endParaRPr lang="en-US" dirty="0"/>
           </a:p>
-          <a:p>
-            <a:r>
-              <a:rPr lang="en-US" dirty="0"/>
-              <a:t>And in other pictures #, Wiggle’s face will look like this.</a:t>
-            </a:r>
-          </a:p>
         </p:txBody>
       </p:sp>
       <p:sp>
         <p:nvSpPr>
-          <p:cNvPr id="4" name="Slide Number Placeholder 3"/>
+          <p:cNvPr id="4" name="Slide Number Placeholder 3">
+            <a:extLst>
+              <a:ext uri="{FF2B5EF4-FFF2-40B4-BE49-F238E27FC236}">
+                <a16:creationId xmlns:a16="http://schemas.microsoft.com/office/drawing/2014/main" id="{380AB3D5-0E98-F035-D7F6-112FF6A62C89}"/>
+              </a:ext>
+            </a:extLst>
+          </p:cNvPr>
           <p:cNvSpPr>
             <a:spLocks noGrp="1"/>
           </p:cNvSpPr>
@@ -1415,7 +1576,7 @@
     </p:spTree>
     <p:extLst>
       <p:ext uri="{BB962C8B-B14F-4D97-AF65-F5344CB8AC3E}">
-        <p14:creationId xmlns:p14="http://schemas.microsoft.com/office/powerpoint/2010/main" val="1571900768"/>
+        <p14:creationId xmlns:p14="http://schemas.microsoft.com/office/powerpoint/2010/main" val="2713861130"/>
       </p:ext>
     </p:extLst>
   </p:cSld>
@@ -1433,7 +1594,7 @@
         <p:cNvPr id="1" name="">
           <a:extLst>
             <a:ext uri="{FF2B5EF4-FFF2-40B4-BE49-F238E27FC236}">
-              <a16:creationId xmlns:a16="http://schemas.microsoft.com/office/drawing/2014/main" id="{33A7F2C1-DA7F-A634-B285-966CE156417A}"/>
+              <a16:creationId xmlns:a16="http://schemas.microsoft.com/office/drawing/2014/main" id="{5743CAC2-7C2B-36BA-8C0E-D6AB66B3C8E9}"/>
             </a:ext>
           </a:extLst>
         </p:cNvPr>
@@ -1453,7 +1614,7 @@
           <p:cNvPr id="2" name="Slide Image Placeholder 1">
             <a:extLst>
               <a:ext uri="{FF2B5EF4-FFF2-40B4-BE49-F238E27FC236}">
-                <a16:creationId xmlns:a16="http://schemas.microsoft.com/office/drawing/2014/main" id="{2D69E06E-5828-051E-6ADC-FD14EB839840}"/>
+                <a16:creationId xmlns:a16="http://schemas.microsoft.com/office/drawing/2014/main" id="{29A0B9F9-683D-3A55-0AA6-2B0B13C49E3A}"/>
               </a:ext>
             </a:extLst>
           </p:cNvPr>
@@ -1471,7 +1632,7 @@
           <p:cNvPr id="3" name="Notes Placeholder 2">
             <a:extLst>
               <a:ext uri="{FF2B5EF4-FFF2-40B4-BE49-F238E27FC236}">
-                <a16:creationId xmlns:a16="http://schemas.microsoft.com/office/drawing/2014/main" id="{3382C4D5-7F36-E622-8B34-71DEEA1F5548}"/>
+                <a16:creationId xmlns:a16="http://schemas.microsoft.com/office/drawing/2014/main" id="{6BBC74B5-CDC1-B2BA-73F6-2935D1B2DDCD}"/>
               </a:ext>
             </a:extLst>
           </p:cNvPr>
@@ -1487,13 +1648,22 @@
           <a:bodyPr/>
           <a:lstStyle/>
           <a:p>
-            <a:pPr marL="0" marR="0">
+            <a:pPr marL="0" marR="0" lvl="0" indent="0" algn="l" defTabSz="914400" rtl="0" eaLnBrk="1" fontAlgn="auto" latinLnBrk="0" hangingPunct="1">
+              <a:lnSpc>
+                <a:spcPct val="100000"/>
+              </a:lnSpc>
               <a:spcBef>
                 <a:spcPts val="0"/>
               </a:spcBef>
               <a:spcAft>
                 <a:spcPts val="0"/>
               </a:spcAft>
+              <a:buClrTx/>
+              <a:buSzTx/>
+              <a:buFontTx/>
+              <a:buNone/>
+              <a:tabLst/>
+              <a:defRPr/>
             </a:pPr>
             <a:r>
               <a:rPr lang="en-US" sz="1800" kern="100" dirty="0">
@@ -1502,17 +1672,44 @@
                 <a:ea typeface="Calibri" panose="020F0502020204030204" pitchFamily="34" charset="0"/>
                 <a:cs typeface="Times New Roman" panose="02020603050405020304" pitchFamily="18" charset="0"/>
               </a:rPr>
-              <a:t>After each picture #, there are four different things Wiggle might do.</a:t>
-            </a:r>
-          </a:p>
-          <a:p>
-            <a:pPr marL="0" marR="0">
+              <a:t>In some pictures this </a:t>
+            </a:r>
+            <a:r>
+              <a:rPr lang="en-US" sz="1800" kern="100" dirty="0" err="1">
+                <a:effectLst/>
+                <a:latin typeface="Calibri" panose="020F0502020204030204" pitchFamily="34" charset="0"/>
+                <a:ea typeface="Calibri" panose="020F0502020204030204" pitchFamily="34" charset="0"/>
+                <a:cs typeface="Times New Roman" panose="02020603050405020304" pitchFamily="18" charset="0"/>
+              </a:rPr>
+              <a:t>wuggle</a:t>
+            </a:r>
+            <a:r>
+              <a:rPr lang="en-US" sz="1800" kern="100" dirty="0">
+                <a:effectLst/>
+                <a:latin typeface="Calibri" panose="020F0502020204030204" pitchFamily="34" charset="0"/>
+                <a:ea typeface="Calibri" panose="020F0502020204030204" pitchFamily="34" charset="0"/>
+                <a:cs typeface="Times New Roman" panose="02020603050405020304" pitchFamily="18" charset="0"/>
+              </a:rPr>
+              <a:t> # will be talking to Wiggle.</a:t>
+            </a:r>
+          </a:p>
+          <a:p>
+            <a:pPr marL="0" marR="0" lvl="0" indent="0" algn="l" defTabSz="914400" rtl="0" eaLnBrk="1" fontAlgn="auto" latinLnBrk="0" hangingPunct="1">
+              <a:lnSpc>
+                <a:spcPct val="100000"/>
+              </a:lnSpc>
               <a:spcBef>
                 <a:spcPts val="0"/>
               </a:spcBef>
               <a:spcAft>
                 <a:spcPts val="0"/>
               </a:spcAft>
+              <a:buClrTx/>
+              <a:buSzTx/>
+              <a:buFontTx/>
+              <a:buNone/>
+              <a:tabLst/>
+              <a:defRPr/>
             </a:pPr>
             <a:endParaRPr lang="en-US" sz="1800" kern="100" dirty="0">
               <a:effectLst/>
@@ -1522,13 +1719,22 @@
             </a:endParaRPr>
           </a:p>
           <a:p>
-            <a:pPr marL="0" marR="0">
+            <a:pPr marL="0" marR="0" lvl="0" indent="0" algn="l" defTabSz="914400" rtl="0" eaLnBrk="1" fontAlgn="auto" latinLnBrk="0" hangingPunct="1">
+              <a:lnSpc>
+                <a:spcPct val="100000"/>
+              </a:lnSpc>
               <a:spcBef>
                 <a:spcPts val="0"/>
               </a:spcBef>
               <a:spcAft>
                 <a:spcPts val="0"/>
               </a:spcAft>
+              <a:buClrTx/>
+              <a:buSzTx/>
+              <a:buFontTx/>
+              <a:buNone/>
+              <a:tabLst/>
+              <a:defRPr/>
             </a:pPr>
             <a:r>
               <a:rPr lang="en-US" sz="1800" kern="100" dirty="0">
@@ -1537,18 +1743,17 @@
                 <a:ea typeface="Calibri" panose="020F0502020204030204" pitchFamily="34" charset="0"/>
                 <a:cs typeface="Times New Roman" panose="02020603050405020304" pitchFamily="18" charset="0"/>
               </a:rPr>
-              <a:t># Wiggle might hug the other Wuggle.</a:t>
-            </a:r>
-          </a:p>
-          <a:p>
-            <a:pPr marL="0" marR="0">
-              <a:spcBef>
-                <a:spcPts val="0"/>
-              </a:spcBef>
-              <a:spcAft>
-                <a:spcPts val="0"/>
-              </a:spcAft>
-            </a:pPr>
+              <a:t>And in other pictures this </a:t>
+            </a:r>
+            <a:r>
+              <a:rPr lang="en-US" sz="1800" kern="100" dirty="0" err="1">
+                <a:effectLst/>
+                <a:latin typeface="Calibri" panose="020F0502020204030204" pitchFamily="34" charset="0"/>
+                <a:ea typeface="Calibri" panose="020F0502020204030204" pitchFamily="34" charset="0"/>
+                <a:cs typeface="Times New Roman" panose="02020603050405020304" pitchFamily="18" charset="0"/>
+              </a:rPr>
+              <a:t>wuggle</a:t>
+            </a:r>
             <a:r>
               <a:rPr lang="en-US" sz="1800" kern="100" dirty="0">
                 <a:effectLst/>
@@ -1556,106 +1761,8 @@
                 <a:ea typeface="Calibri" panose="020F0502020204030204" pitchFamily="34" charset="0"/>
                 <a:cs typeface="Times New Roman" panose="02020603050405020304" pitchFamily="18" charset="0"/>
               </a:rPr>
-              <a:t> </a:t>
-            </a:r>
-          </a:p>
-          <a:p>
-            <a:pPr marL="0" marR="0">
-              <a:spcBef>
-                <a:spcPts val="0"/>
-              </a:spcBef>
-              <a:spcAft>
-                <a:spcPts val="0"/>
-              </a:spcAft>
-            </a:pPr>
-            <a:r>
-              <a:rPr lang="en-US" sz="1800" kern="100" dirty="0">
-                <a:effectLst/>
-                <a:latin typeface="Calibri" panose="020F0502020204030204" pitchFamily="34" charset="0"/>
-                <a:ea typeface="Calibri" panose="020F0502020204030204" pitchFamily="34" charset="0"/>
-                <a:cs typeface="Times New Roman" panose="02020603050405020304" pitchFamily="18" charset="0"/>
-              </a:rPr>
-              <a:t># Or he might jump up and down.</a:t>
-            </a:r>
-          </a:p>
-          <a:p>
-            <a:pPr marL="0" marR="0">
-              <a:spcBef>
-                <a:spcPts val="0"/>
-              </a:spcBef>
-              <a:spcAft>
-                <a:spcPts val="0"/>
-              </a:spcAft>
-            </a:pPr>
-            <a:r>
-              <a:rPr lang="en-US" sz="1800" kern="100" dirty="0">
-                <a:effectLst/>
-                <a:latin typeface="Calibri" panose="020F0502020204030204" pitchFamily="34" charset="0"/>
-                <a:ea typeface="Calibri" panose="020F0502020204030204" pitchFamily="34" charset="0"/>
-                <a:cs typeface="Times New Roman" panose="02020603050405020304" pitchFamily="18" charset="0"/>
-              </a:rPr>
-              <a:t> </a:t>
-            </a:r>
-          </a:p>
-          <a:p>
-            <a:pPr marL="0" marR="0">
-              <a:spcBef>
-                <a:spcPts val="0"/>
-              </a:spcBef>
-              <a:spcAft>
-                <a:spcPts val="0"/>
-              </a:spcAft>
-            </a:pPr>
-            <a:r>
-              <a:rPr lang="en-US" sz="1800" kern="100" dirty="0">
-                <a:effectLst/>
-                <a:latin typeface="Calibri" panose="020F0502020204030204" pitchFamily="34" charset="0"/>
-                <a:ea typeface="Calibri" panose="020F0502020204030204" pitchFamily="34" charset="0"/>
-                <a:cs typeface="Times New Roman" panose="02020603050405020304" pitchFamily="18" charset="0"/>
-              </a:rPr>
-              <a:t># Or he might laugh.</a:t>
-            </a:r>
-          </a:p>
-          <a:p>
-            <a:pPr marL="0" marR="0">
-              <a:spcBef>
-                <a:spcPts val="0"/>
-              </a:spcBef>
-              <a:spcAft>
-                <a:spcPts val="0"/>
-              </a:spcAft>
-            </a:pPr>
-            <a:r>
-              <a:rPr lang="en-US" sz="1800" kern="100" dirty="0">
-                <a:effectLst/>
-                <a:latin typeface="Calibri" panose="020F0502020204030204" pitchFamily="34" charset="0"/>
-                <a:ea typeface="Calibri" panose="020F0502020204030204" pitchFamily="34" charset="0"/>
-                <a:cs typeface="Times New Roman" panose="02020603050405020304" pitchFamily="18" charset="0"/>
-              </a:rPr>
-              <a:t> </a:t>
-            </a:r>
-          </a:p>
-          <a:p>
-            <a:pPr marL="0" marR="0">
-              <a:spcBef>
-                <a:spcPts val="0"/>
-              </a:spcBef>
-              <a:spcAft>
-                <a:spcPts val="0"/>
-              </a:spcAft>
-            </a:pPr>
-            <a:r>
-              <a:rPr lang="en-US" sz="1800" kern="100" dirty="0">
-                <a:effectLst/>
-                <a:latin typeface="Calibri" panose="020F0502020204030204" pitchFamily="34" charset="0"/>
-                <a:ea typeface="Calibri" panose="020F0502020204030204" pitchFamily="34" charset="0"/>
-                <a:cs typeface="Times New Roman" panose="02020603050405020304" pitchFamily="18" charset="0"/>
-              </a:rPr>
-              <a:t># Or he might say thank you to the other Wuggle.</a:t>
-            </a:r>
-          </a:p>
-          <a:p>
-            <a:endParaRPr lang="en-US" dirty="0"/>
+              <a:t> # will be talking to Wiggle.</a:t>
+            </a:r>
           </a:p>
         </p:txBody>
       </p:sp>
@@ -1664,7 +1771,7 @@
           <p:cNvPr id="4" name="Slide Number Placeholder 3">
             <a:extLst>
               <a:ext uri="{FF2B5EF4-FFF2-40B4-BE49-F238E27FC236}">
-                <a16:creationId xmlns:a16="http://schemas.microsoft.com/office/drawing/2014/main" id="{B288D33E-4486-A3DF-233E-DC847BEBEC55}"/>
+                <a16:creationId xmlns:a16="http://schemas.microsoft.com/office/drawing/2014/main" id="{90A31AD8-7948-5E31-CC36-6E1BFBF240F0}"/>
               </a:ext>
             </a:extLst>
           </p:cNvPr>
@@ -1691,7 +1798,7 @@
     </p:spTree>
     <p:extLst>
       <p:ext uri="{BB962C8B-B14F-4D97-AF65-F5344CB8AC3E}">
-        <p14:creationId xmlns:p14="http://schemas.microsoft.com/office/powerpoint/2010/main" val="1900093139"/>
+        <p14:creationId xmlns:p14="http://schemas.microsoft.com/office/powerpoint/2010/main" val="1599233464"/>
       </p:ext>
     </p:extLst>
   </p:cSld>
@@ -1702,6 +1809,102 @@
 </file>
 
 <file path=ppt/notesSlides/notesSlide8.xml><?xml version="1.0" encoding="utf-8"?>
+<p:notes xmlns:a="http://schemas.openxmlformats.org/drawingml/2006/main" xmlns:r="http://schemas.openxmlformats.org/officeDocument/2006/relationships" xmlns:p="http://schemas.openxmlformats.org/presentationml/2006/main">
+  <p:cSld>
+    <p:spTree>
+      <p:nvGrpSpPr>
+        <p:cNvPr id="1" name=""/>
+        <p:cNvGrpSpPr/>
+        <p:nvPr/>
+      </p:nvGrpSpPr>
+      <p:grpSpPr>
+        <a:xfrm>
+          <a:off x="0" y="0"/>
+          <a:ext cx="0" cy="0"/>
+          <a:chOff x="0" y="0"/>
+          <a:chExt cx="0" cy="0"/>
+        </a:xfrm>
+      </p:grpSpPr>
+      <p:sp>
+        <p:nvSpPr>
+          <p:cNvPr id="2" name="Slide Image Placeholder 1"/>
+          <p:cNvSpPr>
+            <a:spLocks noGrp="1" noRot="1" noChangeAspect="1"/>
+          </p:cNvSpPr>
+          <p:nvPr>
+            <p:ph type="sldImg"/>
+          </p:nvPr>
+        </p:nvSpPr>
+        <p:spPr/>
+      </p:sp>
+      <p:sp>
+        <p:nvSpPr>
+          <p:cNvPr id="3" name="Notes Placeholder 2"/>
+          <p:cNvSpPr>
+            <a:spLocks noGrp="1"/>
+          </p:cNvSpPr>
+          <p:nvPr>
+            <p:ph type="body" idx="1"/>
+          </p:nvPr>
+        </p:nvSpPr>
+        <p:spPr/>
+        <p:txBody>
+          <a:bodyPr/>
+          <a:lstStyle/>
+          <a:p>
+            <a:r>
+              <a:rPr lang="en-US" dirty="0"/>
+              <a:t>In some pictures, Wiggle’s face will look like this. #</a:t>
+            </a:r>
+          </a:p>
+          <a:p>
+            <a:endParaRPr lang="en-US" dirty="0"/>
+          </a:p>
+          <a:p>
+            <a:r>
+              <a:rPr lang="en-US" dirty="0"/>
+              <a:t>And in other pictures, Wiggle’s face will look like this. #</a:t>
+            </a:r>
+          </a:p>
+        </p:txBody>
+      </p:sp>
+      <p:sp>
+        <p:nvSpPr>
+          <p:cNvPr id="4" name="Slide Number Placeholder 3"/>
+          <p:cNvSpPr>
+            <a:spLocks noGrp="1"/>
+          </p:cNvSpPr>
+          <p:nvPr>
+            <p:ph type="sldNum" sz="quarter" idx="5"/>
+          </p:nvPr>
+        </p:nvSpPr>
+        <p:spPr/>
+        <p:txBody>
+          <a:bodyPr/>
+          <a:lstStyle/>
+          <a:p>
+            <a:fld id="{8A50A04F-63C2-3B49-B3BB-035920E5F412}" type="slidenum">
+              <a:rPr lang="en-US" smtClean="0"/>
+              <a:t>8</a:t>
+            </a:fld>
+            <a:endParaRPr lang="en-US"/>
+          </a:p>
+        </p:txBody>
+      </p:sp>
+    </p:spTree>
+    <p:extLst>
+      <p:ext uri="{BB962C8B-B14F-4D97-AF65-F5344CB8AC3E}">
+        <p14:creationId xmlns:p14="http://schemas.microsoft.com/office/powerpoint/2010/main" val="1571900768"/>
+      </p:ext>
+    </p:extLst>
+  </p:cSld>
+  <p:clrMapOvr>
+    <a:masterClrMapping/>
+  </p:clrMapOvr>
+</p:notes>
+</file>
+
+<file path=ppt/notesSlides/notesSlide9.xml><?xml version="1.0" encoding="utf-8"?>
 <p:notes xmlns:a="http://schemas.openxmlformats.org/drawingml/2006/main" xmlns:r="http://schemas.openxmlformats.org/officeDocument/2006/relationships" xmlns:p="http://schemas.openxmlformats.org/presentationml/2006/main">
   <p:cSld>
     <p:spTree>
@@ -1778,7 +1981,7 @@
                 <a:ea typeface="Calibri" panose="020F0502020204030204" pitchFamily="34" charset="0"/>
                 <a:cs typeface="Times New Roman" panose="02020603050405020304" pitchFamily="18" charset="0"/>
               </a:rPr>
-              <a:t>In the game, you’ll have to guess which of these four things Wiggle will do next after each kind of picture.</a:t>
+              <a:t>For each kind of picture, you’ll have to guess what Wiggle will do next.</a:t>
             </a:r>
           </a:p>
           <a:p>
@@ -1809,7 +2012,7 @@
           <a:p>
             <a:fld id="{8A50A04F-63C2-3B49-B3BB-035920E5F412}" type="slidenum">
               <a:rPr lang="en-US" smtClean="0"/>
-              <a:t>8</a:t>
+              <a:t>9</a:t>
             </a:fld>
             <a:endParaRPr lang="en-US"/>
           </a:p>
@@ -1975,7 +2178,7 @@
           <a:p>
             <a:fld id="{2415141E-95FB-4542-99E2-621C753B75D2}" type="datetimeFigureOut">
               <a:rPr lang="en-US" smtClean="0"/>
-              <a:t>2/5/24</a:t>
+              <a:t>2/19/24</a:t>
             </a:fld>
             <a:endParaRPr lang="en-US"/>
           </a:p>
@@ -2173,7 +2376,7 @@
           <a:p>
             <a:fld id="{2415141E-95FB-4542-99E2-621C753B75D2}" type="datetimeFigureOut">
               <a:rPr lang="en-US" smtClean="0"/>
-              <a:t>2/5/24</a:t>
+              <a:t>2/19/24</a:t>
             </a:fld>
             <a:endParaRPr lang="en-US"/>
           </a:p>
@@ -2381,7 +2584,7 @@
           <a:p>
             <a:fld id="{2415141E-95FB-4542-99E2-621C753B75D2}" type="datetimeFigureOut">
               <a:rPr lang="en-US" smtClean="0"/>
-              <a:t>2/5/24</a:t>
+              <a:t>2/19/24</a:t>
             </a:fld>
             <a:endParaRPr lang="en-US"/>
           </a:p>
@@ -2579,7 +2782,7 @@
           <a:p>
             <a:fld id="{2415141E-95FB-4542-99E2-621C753B75D2}" type="datetimeFigureOut">
               <a:rPr lang="en-US" smtClean="0"/>
-              <a:t>2/5/24</a:t>
+              <a:t>2/19/24</a:t>
             </a:fld>
             <a:endParaRPr lang="en-US"/>
           </a:p>
@@ -2854,7 +3057,7 @@
           <a:p>
             <a:fld id="{2415141E-95FB-4542-99E2-621C753B75D2}" type="datetimeFigureOut">
               <a:rPr lang="en-US" smtClean="0"/>
-              <a:t>2/5/24</a:t>
+              <a:t>2/19/24</a:t>
             </a:fld>
             <a:endParaRPr lang="en-US"/>
           </a:p>
@@ -3119,7 +3322,7 @@
           <a:p>
             <a:fld id="{2415141E-95FB-4542-99E2-621C753B75D2}" type="datetimeFigureOut">
               <a:rPr lang="en-US" smtClean="0"/>
-              <a:t>2/5/24</a:t>
+              <a:t>2/19/24</a:t>
             </a:fld>
             <a:endParaRPr lang="en-US"/>
           </a:p>
@@ -3531,7 +3734,7 @@
           <a:p>
             <a:fld id="{2415141E-95FB-4542-99E2-621C753B75D2}" type="datetimeFigureOut">
               <a:rPr lang="en-US" smtClean="0"/>
-              <a:t>2/5/24</a:t>
+              <a:t>2/19/24</a:t>
             </a:fld>
             <a:endParaRPr lang="en-US"/>
           </a:p>
@@ -3672,7 +3875,7 @@
           <a:p>
             <a:fld id="{2415141E-95FB-4542-99E2-621C753B75D2}" type="datetimeFigureOut">
               <a:rPr lang="en-US" smtClean="0"/>
-              <a:t>2/5/24</a:t>
+              <a:t>2/19/24</a:t>
             </a:fld>
             <a:endParaRPr lang="en-US"/>
           </a:p>
@@ -3785,7 +3988,7 @@
           <a:p>
             <a:fld id="{2415141E-95FB-4542-99E2-621C753B75D2}" type="datetimeFigureOut">
               <a:rPr lang="en-US" smtClean="0"/>
-              <a:t>2/5/24</a:t>
+              <a:t>2/19/24</a:t>
             </a:fld>
             <a:endParaRPr lang="en-US"/>
           </a:p>
@@ -4096,7 +4299,7 @@
           <a:p>
             <a:fld id="{2415141E-95FB-4542-99E2-621C753B75D2}" type="datetimeFigureOut">
               <a:rPr lang="en-US" smtClean="0"/>
-              <a:t>2/5/24</a:t>
+              <a:t>2/19/24</a:t>
             </a:fld>
             <a:endParaRPr lang="en-US"/>
           </a:p>
@@ -4384,7 +4587,7 @@
           <a:p>
             <a:fld id="{2415141E-95FB-4542-99E2-621C753B75D2}" type="datetimeFigureOut">
               <a:rPr lang="en-US" smtClean="0"/>
-              <a:t>2/5/24</a:t>
+              <a:t>2/19/24</a:t>
             </a:fld>
             <a:endParaRPr lang="en-US"/>
           </a:p>
@@ -4625,7 +4828,7 @@
           <a:p>
             <a:fld id="{2415141E-95FB-4542-99E2-621C753B75D2}" type="datetimeFigureOut">
               <a:rPr lang="en-US" smtClean="0"/>
-              <a:t>2/5/24</a:t>
+              <a:t>2/19/24</a:t>
             </a:fld>
             <a:endParaRPr lang="en-US"/>
           </a:p>
@@ -5057,7 +5260,7 @@
           <p:nvPr/>
         </p:nvPicPr>
         <p:blipFill>
-          <a:blip r:embed="rId5">
+          <a:blip r:embed="rId3">
             <a:extLst>
               <a:ext uri="{28A0092B-C50C-407E-A947-70E740481C1C}">
                 <a14:useLocalDpi xmlns:a14="http://schemas.microsoft.com/office/drawing/2010/main" val="0"/>
@@ -5089,43 +5292,6 @@
           </a:extLst>
         </p:spPr>
       </p:pic>
-      <p:pic>
-        <p:nvPicPr>
-          <p:cNvPr id="8" name="Audio 7">
-            <a:extLst>
-              <a:ext uri="{FF2B5EF4-FFF2-40B4-BE49-F238E27FC236}">
-                <a16:creationId xmlns:a16="http://schemas.microsoft.com/office/drawing/2014/main" id="{951E9BE2-84D4-0817-6702-CF04D094B6A6}"/>
-              </a:ext>
-            </a:extLst>
-          </p:cNvPr>
-          <p:cNvPicPr>
-            <a:picLocks noChangeAspect="1"/>
-          </p:cNvPicPr>
-          <p:nvPr>
-            <a:audioFile r:link="rId2"/>
-            <p:extLst>
-              <p:ext uri="{DAA4B4D4-6D71-4841-9C94-3DE7FCFB9230}">
-                <p14:media xmlns:p14="http://schemas.microsoft.com/office/powerpoint/2010/main" r:embed="rId1"/>
-              </p:ext>
-            </p:extLst>
-          </p:nvPr>
-        </p:nvPicPr>
-        <p:blipFill>
-          <a:blip r:embed="rId6"/>
-          <a:stretch>
-            <a:fillRect/>
-          </a:stretch>
-        </p:blipFill>
-        <p:spPr>
-          <a:xfrm>
-            <a:off x="11226800" y="5892800"/>
-            <a:ext cx="812800" cy="812800"/>
-          </a:xfrm>
-          <a:prstGeom prst="rect">
-            <a:avLst/>
-          </a:prstGeom>
-        </p:spPr>
-      </p:pic>
     </p:spTree>
     <p:extLst>
       <p:ext uri="{BB962C8B-B14F-4D97-AF65-F5344CB8AC3E}">
@@ -5136,101 +5302,6 @@
   <p:clrMapOvr>
     <a:masterClrMapping/>
   </p:clrMapOvr>
-  <mc:AlternateContent xmlns:mc="http://schemas.openxmlformats.org/markup-compatibility/2006">
-    <mc:Choice xmlns:p14="http://schemas.microsoft.com/office/powerpoint/2010/main" Requires="p14">
-      <p:transition spd="slow" p14:dur="2000" advTm="3776"/>
-    </mc:Choice>
-    <mc:Fallback>
-      <p:transition spd="slow" advTm="3776"/>
-    </mc:Fallback>
-  </mc:AlternateContent>
-  <p:timing>
-    <p:tnLst>
-      <p:par>
-        <p:cTn id="1" dur="indefinite" restart="never" nodeType="tmRoot">
-          <p:childTnLst>
-            <p:seq concurrent="1" nextAc="seek">
-              <p:cTn id="2" dur="indefinite" nodeType="mainSeq">
-                <p:childTnLst>
-                  <p:par>
-                    <p:cTn id="3" fill="hold">
-                      <p:stCondLst>
-                        <p:cond delay="indefinite"/>
-                        <p:cond evt="onBegin" delay="0">
-                          <p:tn val="2"/>
-                        </p:cond>
-                      </p:stCondLst>
-                      <p:childTnLst>
-                        <p:par>
-                          <p:cTn id="4" fill="hold">
-                            <p:stCondLst>
-                              <p:cond delay="0"/>
-                            </p:stCondLst>
-                            <p:childTnLst>
-                              <p:par>
-                                <p:cTn id="5" presetID="1" presetClass="mediacall" presetSubtype="0" fill="hold" nodeType="afterEffect">
-                                  <p:stCondLst>
-                                    <p:cond delay="0"/>
-                                  </p:stCondLst>
-                                  <p:childTnLst>
-                                    <p:cmd type="call" cmd="playFrom(0.0)">
-                                      <p:cBhvr>
-                                        <p:cTn id="6" dur="1" fill="hold"/>
-                                        <p:tgtEl>
-                                          <p:spTgt spid="8"/>
-                                        </p:tgtEl>
-                                      </p:cBhvr>
-                                    </p:cmd>
-                                  </p:childTnLst>
-                                </p:cTn>
-                              </p:par>
-                            </p:childTnLst>
-                          </p:cTn>
-                        </p:par>
-                      </p:childTnLst>
-                    </p:cTn>
-                  </p:par>
-                </p:childTnLst>
-              </p:cTn>
-              <p:prevCondLst>
-                <p:cond evt="onPrev" delay="0">
-                  <p:tgtEl>
-                    <p:sldTgt/>
-                  </p:tgtEl>
-                </p:cond>
-              </p:prevCondLst>
-              <p:nextCondLst>
-                <p:cond evt="onNext" delay="0">
-                  <p:tgtEl>
-                    <p:sldTgt/>
-                  </p:tgtEl>
-                </p:cond>
-              </p:nextCondLst>
-            </p:seq>
-            <p:audio isNarration="1">
-              <p:cMediaNode vol="80000" showWhenStopped="0">
-                <p:cTn id="7" fill="hold" display="0">
-                  <p:stCondLst>
-                    <p:cond delay="indefinite"/>
-                  </p:stCondLst>
-                  <p:endCondLst>
-                    <p:cond evt="onStopAudio" delay="0">
-                      <p:tgtEl>
-                        <p:sldTgt/>
-                      </p:tgtEl>
-                    </p:cond>
-                  </p:endCondLst>
-                </p:cTn>
-                <p:tgtEl>
-                  <p:spTgt spid="8"/>
-                </p:tgtEl>
-              </p:cMediaNode>
-            </p:audio>
-          </p:childTnLst>
-        </p:cTn>
-      </p:par>
-    </p:tnLst>
-  </p:timing>
 </p:sld>
 </file>
 
@@ -5242,2293 +5313,7 @@
         <p:cNvPr id="1" name="">
           <a:extLst>
             <a:ext uri="{FF2B5EF4-FFF2-40B4-BE49-F238E27FC236}">
-              <a16:creationId xmlns:a16="http://schemas.microsoft.com/office/drawing/2014/main" id="{93262C7A-060F-B3CF-C06A-1017872B3883}"/>
-            </a:ext>
-          </a:extLst>
-        </p:cNvPr>
-        <p:cNvGrpSpPr/>
-        <p:nvPr/>
-      </p:nvGrpSpPr>
-      <p:grpSpPr>
-        <a:xfrm>
-          <a:off x="0" y="0"/>
-          <a:ext cx="0" cy="0"/>
-          <a:chOff x="0" y="0"/>
-          <a:chExt cx="0" cy="0"/>
-        </a:xfrm>
-      </p:grpSpPr>
-      <p:pic>
-        <p:nvPicPr>
-          <p:cNvPr id="5" name="Picture 4">
-            <a:extLst>
-              <a:ext uri="{FF2B5EF4-FFF2-40B4-BE49-F238E27FC236}">
-                <a16:creationId xmlns:a16="http://schemas.microsoft.com/office/drawing/2014/main" id="{62CC6C51-99FF-E342-A948-BA2DFD36893A}"/>
-              </a:ext>
-            </a:extLst>
-          </p:cNvPr>
-          <p:cNvPicPr>
-            <a:picLocks noChangeAspect="1"/>
-          </p:cNvPicPr>
-          <p:nvPr/>
-        </p:nvPicPr>
-        <p:blipFill>
-          <a:blip r:embed="rId5"/>
-          <a:srcRect/>
-          <a:stretch/>
-        </p:blipFill>
-        <p:spPr>
-          <a:xfrm>
-            <a:off x="317500" y="357415"/>
-            <a:ext cx="2743200" cy="2743200"/>
-          </a:xfrm>
-          <a:prstGeom prst="rect">
-            <a:avLst/>
-          </a:prstGeom>
-        </p:spPr>
-      </p:pic>
-      <p:pic>
-        <p:nvPicPr>
-          <p:cNvPr id="34" name="Picture 33">
-            <a:extLst>
-              <a:ext uri="{FF2B5EF4-FFF2-40B4-BE49-F238E27FC236}">
-                <a16:creationId xmlns:a16="http://schemas.microsoft.com/office/drawing/2014/main" id="{4B3845DF-DD1A-5D01-8E1A-BEAC9D36F589}"/>
-              </a:ext>
-            </a:extLst>
-          </p:cNvPr>
-          <p:cNvPicPr>
-            <a:picLocks noChangeAspect="1"/>
-          </p:cNvPicPr>
-          <p:nvPr/>
-        </p:nvPicPr>
-        <p:blipFill>
-          <a:blip r:embed="rId6"/>
-          <a:srcRect/>
-          <a:stretch/>
-        </p:blipFill>
-        <p:spPr>
-          <a:xfrm>
-            <a:off x="6605814" y="357415"/>
-            <a:ext cx="2743200" cy="2743200"/>
-          </a:xfrm>
-          <a:prstGeom prst="rect">
-            <a:avLst/>
-          </a:prstGeom>
-        </p:spPr>
-      </p:pic>
-      <p:pic>
-        <p:nvPicPr>
-          <p:cNvPr id="30" name="Picture 29">
-            <a:extLst>
-              <a:ext uri="{FF2B5EF4-FFF2-40B4-BE49-F238E27FC236}">
-                <a16:creationId xmlns:a16="http://schemas.microsoft.com/office/drawing/2014/main" id="{3944D1D7-AB00-BBBB-8C64-CDB71EB26532}"/>
-              </a:ext>
-            </a:extLst>
-          </p:cNvPr>
-          <p:cNvPicPr>
-            <a:picLocks noChangeAspect="1"/>
-          </p:cNvPicPr>
-          <p:nvPr/>
-        </p:nvPicPr>
-        <p:blipFill>
-          <a:blip r:embed="rId7"/>
-          <a:srcRect/>
-          <a:stretch/>
-        </p:blipFill>
-        <p:spPr>
-          <a:xfrm>
-            <a:off x="317500" y="3757386"/>
-            <a:ext cx="2743200" cy="2743200"/>
-          </a:xfrm>
-          <a:prstGeom prst="rect">
-            <a:avLst/>
-          </a:prstGeom>
-        </p:spPr>
-      </p:pic>
-      <p:pic>
-        <p:nvPicPr>
-          <p:cNvPr id="38" name="Picture 37">
-            <a:extLst>
-              <a:ext uri="{FF2B5EF4-FFF2-40B4-BE49-F238E27FC236}">
-                <a16:creationId xmlns:a16="http://schemas.microsoft.com/office/drawing/2014/main" id="{F3CB659C-E2BE-B4F9-8348-A729DD8260FE}"/>
-              </a:ext>
-            </a:extLst>
-          </p:cNvPr>
-          <p:cNvPicPr>
-            <a:picLocks noChangeAspect="1"/>
-          </p:cNvPicPr>
-          <p:nvPr/>
-        </p:nvPicPr>
-        <p:blipFill>
-          <a:blip r:embed="rId8"/>
-          <a:srcRect/>
-          <a:stretch/>
-        </p:blipFill>
-        <p:spPr>
-          <a:xfrm>
-            <a:off x="6605814" y="3757386"/>
-            <a:ext cx="2743200" cy="2743200"/>
-          </a:xfrm>
-          <a:prstGeom prst="rect">
-            <a:avLst/>
-          </a:prstGeom>
-        </p:spPr>
-      </p:pic>
-      <p:pic>
-        <p:nvPicPr>
-          <p:cNvPr id="6" name="Audio 5">
-            <a:extLst>
-              <a:ext uri="{FF2B5EF4-FFF2-40B4-BE49-F238E27FC236}">
-                <a16:creationId xmlns:a16="http://schemas.microsoft.com/office/drawing/2014/main" id="{AC99F977-2D47-F791-9389-B14C1DC177DC}"/>
-              </a:ext>
-            </a:extLst>
-          </p:cNvPr>
-          <p:cNvPicPr>
-            <a:picLocks noChangeAspect="1"/>
-          </p:cNvPicPr>
-          <p:nvPr>
-            <a:audioFile r:link="rId2"/>
-            <p:extLst>
-              <p:ext uri="{DAA4B4D4-6D71-4841-9C94-3DE7FCFB9230}">
-                <p14:media xmlns:p14="http://schemas.microsoft.com/office/powerpoint/2010/main" r:embed="rId1"/>
-              </p:ext>
-            </p:extLst>
-          </p:nvPr>
-        </p:nvPicPr>
-        <p:blipFill>
-          <a:blip r:embed="rId9"/>
-          <a:stretch>
-            <a:fillRect/>
-          </a:stretch>
-        </p:blipFill>
-        <p:spPr>
-          <a:xfrm>
-            <a:off x="11226800" y="5892800"/>
-            <a:ext cx="812800" cy="812800"/>
-          </a:xfrm>
-          <a:prstGeom prst="rect">
-            <a:avLst/>
-          </a:prstGeom>
-        </p:spPr>
-      </p:pic>
-    </p:spTree>
-    <p:extLst>
-      <p:ext uri="{BB962C8B-B14F-4D97-AF65-F5344CB8AC3E}">
-        <p14:creationId xmlns:p14="http://schemas.microsoft.com/office/powerpoint/2010/main" val="2215165096"/>
-      </p:ext>
-    </p:extLst>
-  </p:cSld>
-  <p:clrMapOvr>
-    <a:masterClrMapping/>
-  </p:clrMapOvr>
-  <mc:AlternateContent xmlns:mc="http://schemas.openxmlformats.org/markup-compatibility/2006">
-    <mc:Choice xmlns:p14="http://schemas.microsoft.com/office/powerpoint/2010/main" Requires="p14">
-      <p:transition spd="slow" p14:dur="2000" advTm="5930"/>
-    </mc:Choice>
-    <mc:Fallback>
-      <p:transition spd="slow" advTm="5930"/>
-    </mc:Fallback>
-  </mc:AlternateContent>
-  <p:timing>
-    <p:tnLst>
-      <p:par>
-        <p:cTn id="1" dur="indefinite" restart="never" nodeType="tmRoot">
-          <p:childTnLst>
-            <p:seq concurrent="1" nextAc="seek">
-              <p:cTn id="2" dur="indefinite" nodeType="mainSeq">
-                <p:childTnLst>
-                  <p:par>
-                    <p:cTn id="3" fill="hold">
-                      <p:stCondLst>
-                        <p:cond delay="indefinite"/>
-                        <p:cond evt="onBegin" delay="0">
-                          <p:tn val="2"/>
-                        </p:cond>
-                      </p:stCondLst>
-                      <p:childTnLst>
-                        <p:par>
-                          <p:cTn id="4" fill="hold">
-                            <p:stCondLst>
-                              <p:cond delay="0"/>
-                            </p:stCondLst>
-                            <p:childTnLst>
-                              <p:par>
-                                <p:cTn id="5" presetID="1" presetClass="mediacall" presetSubtype="0" fill="hold" nodeType="afterEffect">
-                                  <p:stCondLst>
-                                    <p:cond delay="0"/>
-                                  </p:stCondLst>
-                                  <p:childTnLst>
-                                    <p:cmd type="call" cmd="playFrom(0.0)">
-                                      <p:cBhvr>
-                                        <p:cTn id="6" dur="1" fill="hold"/>
-                                        <p:tgtEl>
-                                          <p:spTgt spid="6"/>
-                                        </p:tgtEl>
-                                      </p:cBhvr>
-                                    </p:cmd>
-                                  </p:childTnLst>
-                                </p:cTn>
-                              </p:par>
-                            </p:childTnLst>
-                          </p:cTn>
-                        </p:par>
-                      </p:childTnLst>
-                    </p:cTn>
-                  </p:par>
-                </p:childTnLst>
-              </p:cTn>
-              <p:prevCondLst>
-                <p:cond evt="onPrev" delay="0">
-                  <p:tgtEl>
-                    <p:sldTgt/>
-                  </p:tgtEl>
-                </p:cond>
-              </p:prevCondLst>
-              <p:nextCondLst>
-                <p:cond evt="onNext" delay="0">
-                  <p:tgtEl>
-                    <p:sldTgt/>
-                  </p:tgtEl>
-                </p:cond>
-              </p:nextCondLst>
-            </p:seq>
-            <p:audio isNarration="1">
-              <p:cMediaNode vol="80000" showWhenStopped="0">
-                <p:cTn id="7" fill="hold" display="0">
-                  <p:stCondLst>
-                    <p:cond delay="indefinite"/>
-                  </p:stCondLst>
-                  <p:endCondLst>
-                    <p:cond evt="onStopAudio" delay="0">
-                      <p:tgtEl>
-                        <p:sldTgt/>
-                      </p:tgtEl>
-                    </p:cond>
-                  </p:endCondLst>
-                </p:cTn>
-                <p:tgtEl>
-                  <p:spTgt spid="6"/>
-                </p:tgtEl>
-              </p:cMediaNode>
-            </p:audio>
-          </p:childTnLst>
-        </p:cTn>
-      </p:par>
-    </p:tnLst>
-  </p:timing>
-</p:sld>
-</file>
-
-<file path=ppt/slides/slide3.xml><?xml version="1.0" encoding="utf-8"?>
-<p:sld xmlns:a="http://schemas.openxmlformats.org/drawingml/2006/main" xmlns:r="http://schemas.openxmlformats.org/officeDocument/2006/relationships" xmlns:p="http://schemas.openxmlformats.org/presentationml/2006/main">
-  <p:cSld>
-    <p:spTree>
-      <p:nvGrpSpPr>
-        <p:cNvPr id="1" name=""/>
-        <p:cNvGrpSpPr/>
-        <p:nvPr/>
-      </p:nvGrpSpPr>
-      <p:grpSpPr>
-        <a:xfrm>
-          <a:off x="0" y="0"/>
-          <a:ext cx="0" cy="0"/>
-          <a:chOff x="0" y="0"/>
-          <a:chExt cx="0" cy="0"/>
-        </a:xfrm>
-      </p:grpSpPr>
-      <p:pic>
-        <p:nvPicPr>
-          <p:cNvPr id="5" name="Picture 4" descr="A cartoon character with a speech bubble&#10;&#10;Description automatically generated">
-            <a:extLst>
-              <a:ext uri="{FF2B5EF4-FFF2-40B4-BE49-F238E27FC236}">
-                <a16:creationId xmlns:a16="http://schemas.microsoft.com/office/drawing/2014/main" id="{42A1C2D8-1A52-6C97-9579-82DE37F34C96}"/>
-              </a:ext>
-            </a:extLst>
-          </p:cNvPr>
-          <p:cNvPicPr>
-            <a:picLocks noChangeAspect="1"/>
-          </p:cNvPicPr>
-          <p:nvPr/>
-        </p:nvPicPr>
-        <p:blipFill>
-          <a:blip r:embed="rId6"/>
-          <a:stretch>
-            <a:fillRect/>
-          </a:stretch>
-        </p:blipFill>
-        <p:spPr>
-          <a:xfrm>
-            <a:off x="317500" y="357415"/>
-            <a:ext cx="2743200" cy="2743200"/>
-          </a:xfrm>
-          <a:prstGeom prst="rect">
-            <a:avLst/>
-          </a:prstGeom>
-        </p:spPr>
-      </p:pic>
-      <p:pic>
-        <p:nvPicPr>
-          <p:cNvPr id="34" name="Picture 33">
-            <a:extLst>
-              <a:ext uri="{FF2B5EF4-FFF2-40B4-BE49-F238E27FC236}">
-                <a16:creationId xmlns:a16="http://schemas.microsoft.com/office/drawing/2014/main" id="{30FAACDE-8A18-A66B-F44C-93D0E7CBA32A}"/>
-              </a:ext>
-            </a:extLst>
-          </p:cNvPr>
-          <p:cNvPicPr>
-            <a:picLocks noChangeAspect="1"/>
-          </p:cNvPicPr>
-          <p:nvPr/>
-        </p:nvPicPr>
-        <p:blipFill>
-          <a:blip r:embed="rId7"/>
-          <a:srcRect/>
-          <a:stretch/>
-        </p:blipFill>
-        <p:spPr>
-          <a:xfrm>
-            <a:off x="6605814" y="357415"/>
-            <a:ext cx="2743200" cy="2743200"/>
-          </a:xfrm>
-          <a:prstGeom prst="rect">
-            <a:avLst/>
-          </a:prstGeom>
-        </p:spPr>
-      </p:pic>
-      <p:pic>
-        <p:nvPicPr>
-          <p:cNvPr id="30" name="Picture 29">
-            <a:extLst>
-              <a:ext uri="{FF2B5EF4-FFF2-40B4-BE49-F238E27FC236}">
-                <a16:creationId xmlns:a16="http://schemas.microsoft.com/office/drawing/2014/main" id="{E73BC5C9-2DBF-AFF8-7F72-BB758EA3604C}"/>
-              </a:ext>
-            </a:extLst>
-          </p:cNvPr>
-          <p:cNvPicPr>
-            <a:picLocks noChangeAspect="1"/>
-          </p:cNvPicPr>
-          <p:nvPr/>
-        </p:nvPicPr>
-        <p:blipFill>
-          <a:blip r:embed="rId8"/>
-          <a:srcRect/>
-          <a:stretch/>
-        </p:blipFill>
-        <p:spPr>
-          <a:xfrm>
-            <a:off x="317500" y="3757386"/>
-            <a:ext cx="2743200" cy="2743200"/>
-          </a:xfrm>
-          <a:prstGeom prst="rect">
-            <a:avLst/>
-          </a:prstGeom>
-        </p:spPr>
-      </p:pic>
-      <p:pic>
-        <p:nvPicPr>
-          <p:cNvPr id="38" name="Picture 37">
-            <a:extLst>
-              <a:ext uri="{FF2B5EF4-FFF2-40B4-BE49-F238E27FC236}">
-                <a16:creationId xmlns:a16="http://schemas.microsoft.com/office/drawing/2014/main" id="{21A47B10-5D42-5A4B-2CA2-70694F7C537B}"/>
-              </a:ext>
-            </a:extLst>
-          </p:cNvPr>
-          <p:cNvPicPr>
-            <a:picLocks noChangeAspect="1"/>
-          </p:cNvPicPr>
-          <p:nvPr/>
-        </p:nvPicPr>
-        <p:blipFill>
-          <a:blip r:embed="rId9"/>
-          <a:srcRect/>
-          <a:stretch/>
-        </p:blipFill>
-        <p:spPr>
-          <a:xfrm>
-            <a:off x="6605814" y="3757386"/>
-            <a:ext cx="2743200" cy="2743200"/>
-          </a:xfrm>
-          <a:prstGeom prst="rect">
-            <a:avLst/>
-          </a:prstGeom>
-        </p:spPr>
-      </p:pic>
-      <p:pic>
-        <p:nvPicPr>
-          <p:cNvPr id="3" name="Audio 2">
-            <a:extLst>
-              <a:ext uri="{FF2B5EF4-FFF2-40B4-BE49-F238E27FC236}">
-                <a16:creationId xmlns:a16="http://schemas.microsoft.com/office/drawing/2014/main" id="{86203FA6-DA47-89FA-6BB4-33F34B8FE52F}"/>
-              </a:ext>
-            </a:extLst>
-          </p:cNvPr>
-          <p:cNvPicPr>
-            <a:picLocks noChangeAspect="1"/>
-          </p:cNvPicPr>
-          <p:nvPr>
-            <a:audioFile r:link="rId3"/>
-            <p:extLst>
-              <p:ext uri="{DAA4B4D4-6D71-4841-9C94-3DE7FCFB9230}">
-                <p14:media xmlns:p14="http://schemas.microsoft.com/office/powerpoint/2010/main" r:embed="rId2"/>
-              </p:ext>
-            </p:extLst>
-          </p:nvPr>
-        </p:nvPicPr>
-        <p:blipFill>
-          <a:blip r:embed="rId10"/>
-          <a:stretch>
-            <a:fillRect/>
-          </a:stretch>
-        </p:blipFill>
-        <p:spPr>
-          <a:xfrm>
-            <a:off x="11226800" y="5892800"/>
-            <a:ext cx="812800" cy="812800"/>
-          </a:xfrm>
-          <a:prstGeom prst="rect">
-            <a:avLst/>
-          </a:prstGeom>
-        </p:spPr>
-      </p:pic>
-    </p:spTree>
-    <p:custDataLst>
-      <p:tags r:id="rId1"/>
-    </p:custDataLst>
-    <p:extLst>
-      <p:ext uri="{BB962C8B-B14F-4D97-AF65-F5344CB8AC3E}">
-        <p14:creationId xmlns:p14="http://schemas.microsoft.com/office/powerpoint/2010/main" val="339200006"/>
-      </p:ext>
-    </p:extLst>
-  </p:cSld>
-  <p:clrMapOvr>
-    <a:masterClrMapping/>
-  </p:clrMapOvr>
-  <mc:AlternateContent xmlns:mc="http://schemas.openxmlformats.org/markup-compatibility/2006">
-    <mc:Choice xmlns:p14="http://schemas.microsoft.com/office/powerpoint/2010/main" Requires="p14">
-      <p:transition spd="slow" p14:dur="2000" advTm="12288"/>
-    </mc:Choice>
-    <mc:Fallback>
-      <p:transition spd="slow" advTm="12288"/>
-    </mc:Fallback>
-  </mc:AlternateContent>
-  <p:timing>
-    <p:tnLst>
-      <p:par>
-        <p:cTn id="1" dur="indefinite" restart="never" nodeType="tmRoot">
-          <p:childTnLst>
-            <p:seq concurrent="1" nextAc="seek">
-              <p:cTn id="2" dur="indefinite" nodeType="mainSeq">
-                <p:childTnLst>
-                  <p:par>
-                    <p:cTn id="3" fill="hold">
-                      <p:stCondLst>
-                        <p:cond delay="indefinite"/>
-                        <p:cond evt="onBegin" delay="0">
-                          <p:tn val="2"/>
-                        </p:cond>
-                      </p:stCondLst>
-                      <p:childTnLst>
-                        <p:par>
-                          <p:cTn id="4" fill="hold">
-                            <p:stCondLst>
-                              <p:cond delay="0"/>
-                            </p:stCondLst>
-                            <p:childTnLst>
-                              <p:par>
-                                <p:cTn id="5" presetID="1" presetClass="mediacall" presetSubtype="0" fill="hold" nodeType="afterEffect">
-                                  <p:stCondLst>
-                                    <p:cond delay="0"/>
-                                  </p:stCondLst>
-                                  <p:childTnLst>
-                                    <p:cmd type="call" cmd="playFrom(0.0)">
-                                      <p:cBhvr>
-                                        <p:cTn id="6" dur="1" fill="hold"/>
-                                        <p:tgtEl>
-                                          <p:spTgt spid="3"/>
-                                        </p:tgtEl>
-                                      </p:cBhvr>
-                                    </p:cmd>
-                                  </p:childTnLst>
-                                </p:cTn>
-                              </p:par>
-                            </p:childTnLst>
-                          </p:cTn>
-                        </p:par>
-                      </p:childTnLst>
-                    </p:cTn>
-                  </p:par>
-                </p:childTnLst>
-              </p:cTn>
-              <p:prevCondLst>
-                <p:cond evt="onPrev" delay="0">
-                  <p:tgtEl>
-                    <p:sldTgt/>
-                  </p:tgtEl>
-                </p:cond>
-              </p:prevCondLst>
-              <p:nextCondLst>
-                <p:cond evt="onNext" delay="0">
-                  <p:tgtEl>
-                    <p:sldTgt/>
-                  </p:tgtEl>
-                </p:cond>
-              </p:nextCondLst>
-            </p:seq>
-            <p:audio isNarration="1">
-              <p:cMediaNode vol="80000" showWhenStopped="0">
-                <p:cTn id="7" fill="hold" display="0">
-                  <p:stCondLst>
-                    <p:cond delay="indefinite"/>
-                  </p:stCondLst>
-                  <p:endCondLst>
-                    <p:cond evt="onStopAudio" delay="0">
-                      <p:tgtEl>
-                        <p:sldTgt/>
-                      </p:tgtEl>
-                    </p:cond>
-                  </p:endCondLst>
-                </p:cTn>
-                <p:tgtEl>
-                  <p:spTgt spid="3"/>
-                </p:tgtEl>
-              </p:cMediaNode>
-            </p:audio>
-          </p:childTnLst>
-        </p:cTn>
-      </p:par>
-    </p:tnLst>
-  </p:timing>
-</p:sld>
-</file>
-
-<file path=ppt/slides/slide4.xml><?xml version="1.0" encoding="utf-8"?>
-<p:sld xmlns:a="http://schemas.openxmlformats.org/drawingml/2006/main" xmlns:r="http://schemas.openxmlformats.org/officeDocument/2006/relationships" xmlns:p="http://schemas.openxmlformats.org/presentationml/2006/main">
-  <p:cSld>
-    <p:spTree>
-      <p:nvGrpSpPr>
-        <p:cNvPr id="1" name="">
-          <a:extLst>
-            <a:ext uri="{FF2B5EF4-FFF2-40B4-BE49-F238E27FC236}">
-              <a16:creationId xmlns:a16="http://schemas.microsoft.com/office/drawing/2014/main" id="{F42D927D-D652-4486-88B7-6F8279BDE76A}"/>
-            </a:ext>
-          </a:extLst>
-        </p:cNvPr>
-        <p:cNvGrpSpPr/>
-        <p:nvPr/>
-      </p:nvGrpSpPr>
-      <p:grpSpPr>
-        <a:xfrm>
-          <a:off x="0" y="0"/>
-          <a:ext cx="0" cy="0"/>
-          <a:chOff x="0" y="0"/>
-          <a:chExt cx="0" cy="0"/>
-        </a:xfrm>
-      </p:grpSpPr>
-      <p:pic>
-        <p:nvPicPr>
-          <p:cNvPr id="5" name="Picture 4" descr="A cartoon character with a speech bubble&#10;&#10;Description automatically generated">
-            <a:extLst>
-              <a:ext uri="{FF2B5EF4-FFF2-40B4-BE49-F238E27FC236}">
-                <a16:creationId xmlns:a16="http://schemas.microsoft.com/office/drawing/2014/main" id="{4CB25FB0-9C73-01F7-BC64-C33CE341E2D9}"/>
-              </a:ext>
-            </a:extLst>
-          </p:cNvPr>
-          <p:cNvPicPr>
-            <a:picLocks noChangeAspect="1"/>
-          </p:cNvPicPr>
-          <p:nvPr/>
-        </p:nvPicPr>
-        <p:blipFill>
-          <a:blip r:embed="rId6"/>
-          <a:stretch>
-            <a:fillRect/>
-          </a:stretch>
-        </p:blipFill>
-        <p:spPr>
-          <a:xfrm>
-            <a:off x="317500" y="357415"/>
-            <a:ext cx="2743200" cy="2743200"/>
-          </a:xfrm>
-          <a:prstGeom prst="rect">
-            <a:avLst/>
-          </a:prstGeom>
-        </p:spPr>
-      </p:pic>
-      <p:pic>
-        <p:nvPicPr>
-          <p:cNvPr id="34" name="Picture 33">
-            <a:extLst>
-              <a:ext uri="{FF2B5EF4-FFF2-40B4-BE49-F238E27FC236}">
-                <a16:creationId xmlns:a16="http://schemas.microsoft.com/office/drawing/2014/main" id="{B7A03E74-12D7-C195-36EB-25085351CD58}"/>
-              </a:ext>
-            </a:extLst>
-          </p:cNvPr>
-          <p:cNvPicPr>
-            <a:picLocks noChangeAspect="1"/>
-          </p:cNvPicPr>
-          <p:nvPr/>
-        </p:nvPicPr>
-        <p:blipFill>
-          <a:blip r:embed="rId7"/>
-          <a:srcRect/>
-          <a:stretch/>
-        </p:blipFill>
-        <p:spPr>
-          <a:xfrm>
-            <a:off x="6605814" y="357415"/>
-            <a:ext cx="2743200" cy="2743200"/>
-          </a:xfrm>
-          <a:prstGeom prst="rect">
-            <a:avLst/>
-          </a:prstGeom>
-        </p:spPr>
-      </p:pic>
-      <p:pic>
-        <p:nvPicPr>
-          <p:cNvPr id="30" name="Picture 29">
-            <a:extLst>
-              <a:ext uri="{FF2B5EF4-FFF2-40B4-BE49-F238E27FC236}">
-                <a16:creationId xmlns:a16="http://schemas.microsoft.com/office/drawing/2014/main" id="{2154CE0A-2162-3906-9E03-D469A5280401}"/>
-              </a:ext>
-            </a:extLst>
-          </p:cNvPr>
-          <p:cNvPicPr>
-            <a:picLocks noChangeAspect="1"/>
-          </p:cNvPicPr>
-          <p:nvPr/>
-        </p:nvPicPr>
-        <p:blipFill>
-          <a:blip r:embed="rId8"/>
-          <a:srcRect/>
-          <a:stretch/>
-        </p:blipFill>
-        <p:spPr>
-          <a:xfrm>
-            <a:off x="317500" y="3757386"/>
-            <a:ext cx="2743200" cy="2743200"/>
-          </a:xfrm>
-          <a:prstGeom prst="rect">
-            <a:avLst/>
-          </a:prstGeom>
-        </p:spPr>
-      </p:pic>
-      <p:pic>
-        <p:nvPicPr>
-          <p:cNvPr id="38" name="Picture 37">
-            <a:extLst>
-              <a:ext uri="{FF2B5EF4-FFF2-40B4-BE49-F238E27FC236}">
-                <a16:creationId xmlns:a16="http://schemas.microsoft.com/office/drawing/2014/main" id="{F5A5A219-F1FE-00B4-56D1-F5D843664ACC}"/>
-              </a:ext>
-            </a:extLst>
-          </p:cNvPr>
-          <p:cNvPicPr>
-            <a:picLocks noChangeAspect="1"/>
-          </p:cNvPicPr>
-          <p:nvPr/>
-        </p:nvPicPr>
-        <p:blipFill>
-          <a:blip r:embed="rId9"/>
-          <a:srcRect/>
-          <a:stretch/>
-        </p:blipFill>
-        <p:spPr>
-          <a:xfrm>
-            <a:off x="6605814" y="3757386"/>
-            <a:ext cx="2743200" cy="2743200"/>
-          </a:xfrm>
-          <a:prstGeom prst="rect">
-            <a:avLst/>
-          </a:prstGeom>
-        </p:spPr>
-      </p:pic>
-      <p:grpSp>
-        <p:nvGrpSpPr>
-          <p:cNvPr id="45" name="Group 44">
-            <a:extLst>
-              <a:ext uri="{FF2B5EF4-FFF2-40B4-BE49-F238E27FC236}">
-                <a16:creationId xmlns:a16="http://schemas.microsoft.com/office/drawing/2014/main" id="{B8C0F4F7-6977-2AC3-841D-A8061E3CE980}"/>
-              </a:ext>
-            </a:extLst>
-          </p:cNvPr>
-          <p:cNvGrpSpPr/>
-          <p:nvPr/>
-        </p:nvGrpSpPr>
-        <p:grpSpPr>
-          <a:xfrm>
-            <a:off x="3294743" y="1271815"/>
-            <a:ext cx="8579758" cy="4314371"/>
-            <a:chOff x="3294743" y="1271815"/>
-            <a:chExt cx="8579758" cy="4314371"/>
-          </a:xfrm>
-        </p:grpSpPr>
-        <p:sp>
-          <p:nvSpPr>
-            <p:cNvPr id="12" name="Right Arrow 11">
-              <a:extLst>
-                <a:ext uri="{FF2B5EF4-FFF2-40B4-BE49-F238E27FC236}">
-                  <a16:creationId xmlns:a16="http://schemas.microsoft.com/office/drawing/2014/main" id="{FD60D14E-D859-0747-29C7-5A4C58095BF9}"/>
-                </a:ext>
-              </a:extLst>
-            </p:cNvPr>
-            <p:cNvSpPr/>
-            <p:nvPr/>
-          </p:nvSpPr>
-          <p:spPr>
-            <a:xfrm>
-              <a:off x="3294743" y="1271815"/>
-              <a:ext cx="1143000" cy="914400"/>
-            </a:xfrm>
-            <a:prstGeom prst="rightArrow">
-              <a:avLst>
-                <a:gd name="adj1" fmla="val 34127"/>
-                <a:gd name="adj2" fmla="val 50000"/>
-              </a:avLst>
-            </a:prstGeom>
-          </p:spPr>
-          <p:style>
-            <a:lnRef idx="2">
-              <a:schemeClr val="dk1">
-                <a:shade val="15000"/>
-              </a:schemeClr>
-            </a:lnRef>
-            <a:fillRef idx="1">
-              <a:schemeClr val="dk1"/>
-            </a:fillRef>
-            <a:effectRef idx="0">
-              <a:schemeClr val="dk1"/>
-            </a:effectRef>
-            <a:fontRef idx="minor">
-              <a:schemeClr val="lt1"/>
-            </a:fontRef>
-          </p:style>
-          <p:txBody>
-            <a:bodyPr rtlCol="0" anchor="ctr"/>
-            <a:lstStyle/>
-            <a:p>
-              <a:pPr algn="ctr"/>
-              <a:endParaRPr lang="en-US" b="1" dirty="0"/>
-            </a:p>
-          </p:txBody>
-        </p:sp>
-        <p:pic>
-          <p:nvPicPr>
-            <p:cNvPr id="18" name="Graphic 17" descr="Question Mark with solid fill">
-              <a:extLst>
-                <a:ext uri="{FF2B5EF4-FFF2-40B4-BE49-F238E27FC236}">
-                  <a16:creationId xmlns:a16="http://schemas.microsoft.com/office/drawing/2014/main" id="{9AA43F53-4291-2628-1851-213E569BFF27}"/>
-                </a:ext>
-              </a:extLst>
-            </p:cNvPr>
-            <p:cNvPicPr>
-              <a:picLocks noChangeAspect="1"/>
-            </p:cNvPicPr>
-            <p:nvPr/>
-          </p:nvPicPr>
-          <p:blipFill>
-            <a:blip r:embed="rId10">
-              <a:extLst>
-                <a:ext uri="{96DAC541-7B7A-43D3-8B79-37D633B846F1}">
-                  <asvg:svgBlip xmlns:asvg="http://schemas.microsoft.com/office/drawing/2016/SVG/main" r:embed="rId11"/>
-                </a:ext>
-              </a:extLst>
-            </a:blip>
-            <a:stretch>
-              <a:fillRect/>
-            </a:stretch>
-          </p:blipFill>
-          <p:spPr>
-            <a:xfrm>
-              <a:off x="4671787" y="1271815"/>
-              <a:ext cx="914400" cy="914400"/>
-            </a:xfrm>
-            <a:prstGeom prst="rect">
-              <a:avLst/>
-            </a:prstGeom>
-          </p:spPr>
-        </p:pic>
-        <p:sp>
-          <p:nvSpPr>
-            <p:cNvPr id="35" name="Right Arrow 34">
-              <a:extLst>
-                <a:ext uri="{FF2B5EF4-FFF2-40B4-BE49-F238E27FC236}">
-                  <a16:creationId xmlns:a16="http://schemas.microsoft.com/office/drawing/2014/main" id="{A2033D62-8614-55C0-45FE-4454C8B885D1}"/>
-                </a:ext>
-              </a:extLst>
-            </p:cNvPr>
-            <p:cNvSpPr/>
-            <p:nvPr/>
-          </p:nvSpPr>
-          <p:spPr>
-            <a:xfrm>
-              <a:off x="9583057" y="1271815"/>
-              <a:ext cx="1143000" cy="914400"/>
-            </a:xfrm>
-            <a:prstGeom prst="rightArrow">
-              <a:avLst>
-                <a:gd name="adj1" fmla="val 34127"/>
-                <a:gd name="adj2" fmla="val 50000"/>
-              </a:avLst>
-            </a:prstGeom>
-          </p:spPr>
-          <p:style>
-            <a:lnRef idx="2">
-              <a:schemeClr val="dk1">
-                <a:shade val="15000"/>
-              </a:schemeClr>
-            </a:lnRef>
-            <a:fillRef idx="1">
-              <a:schemeClr val="dk1"/>
-            </a:fillRef>
-            <a:effectRef idx="0">
-              <a:schemeClr val="dk1"/>
-            </a:effectRef>
-            <a:fontRef idx="minor">
-              <a:schemeClr val="lt1"/>
-            </a:fontRef>
-          </p:style>
-          <p:txBody>
-            <a:bodyPr rtlCol="0" anchor="ctr"/>
-            <a:lstStyle/>
-            <a:p>
-              <a:pPr algn="ctr"/>
-              <a:endParaRPr lang="en-US" b="1" dirty="0"/>
-            </a:p>
-          </p:txBody>
-        </p:sp>
-        <p:pic>
-          <p:nvPicPr>
-            <p:cNvPr id="36" name="Graphic 35" descr="Question Mark with solid fill">
-              <a:extLst>
-                <a:ext uri="{FF2B5EF4-FFF2-40B4-BE49-F238E27FC236}">
-                  <a16:creationId xmlns:a16="http://schemas.microsoft.com/office/drawing/2014/main" id="{DB64667D-7F9B-B177-7E49-548A3E414933}"/>
-                </a:ext>
-              </a:extLst>
-            </p:cNvPr>
-            <p:cNvPicPr>
-              <a:picLocks noChangeAspect="1"/>
-            </p:cNvPicPr>
-            <p:nvPr/>
-          </p:nvPicPr>
-          <p:blipFill>
-            <a:blip r:embed="rId10">
-              <a:extLst>
-                <a:ext uri="{96DAC541-7B7A-43D3-8B79-37D633B846F1}">
-                  <asvg:svgBlip xmlns:asvg="http://schemas.microsoft.com/office/drawing/2016/SVG/main" r:embed="rId11"/>
-                </a:ext>
-              </a:extLst>
-            </a:blip>
-            <a:stretch>
-              <a:fillRect/>
-            </a:stretch>
-          </p:blipFill>
-          <p:spPr>
-            <a:xfrm>
-              <a:off x="10960101" y="1271815"/>
-              <a:ext cx="914400" cy="914400"/>
-            </a:xfrm>
-            <a:prstGeom prst="rect">
-              <a:avLst/>
-            </a:prstGeom>
-          </p:spPr>
-        </p:pic>
-        <p:sp>
-          <p:nvSpPr>
-            <p:cNvPr id="31" name="Right Arrow 30">
-              <a:extLst>
-                <a:ext uri="{FF2B5EF4-FFF2-40B4-BE49-F238E27FC236}">
-                  <a16:creationId xmlns:a16="http://schemas.microsoft.com/office/drawing/2014/main" id="{1B3AD928-6B6E-9962-966D-326E0E2802A5}"/>
-                </a:ext>
-              </a:extLst>
-            </p:cNvPr>
-            <p:cNvSpPr/>
-            <p:nvPr/>
-          </p:nvSpPr>
-          <p:spPr>
-            <a:xfrm>
-              <a:off x="3294743" y="4671786"/>
-              <a:ext cx="1143000" cy="914400"/>
-            </a:xfrm>
-            <a:prstGeom prst="rightArrow">
-              <a:avLst>
-                <a:gd name="adj1" fmla="val 34127"/>
-                <a:gd name="adj2" fmla="val 50000"/>
-              </a:avLst>
-            </a:prstGeom>
-          </p:spPr>
-          <p:style>
-            <a:lnRef idx="2">
-              <a:schemeClr val="dk1">
-                <a:shade val="15000"/>
-              </a:schemeClr>
-            </a:lnRef>
-            <a:fillRef idx="1">
-              <a:schemeClr val="dk1"/>
-            </a:fillRef>
-            <a:effectRef idx="0">
-              <a:schemeClr val="dk1"/>
-            </a:effectRef>
-            <a:fontRef idx="minor">
-              <a:schemeClr val="lt1"/>
-            </a:fontRef>
-          </p:style>
-          <p:txBody>
-            <a:bodyPr rtlCol="0" anchor="ctr"/>
-            <a:lstStyle/>
-            <a:p>
-              <a:pPr algn="ctr"/>
-              <a:endParaRPr lang="en-US" b="1" dirty="0"/>
-            </a:p>
-          </p:txBody>
-        </p:sp>
-        <p:pic>
-          <p:nvPicPr>
-            <p:cNvPr id="32" name="Graphic 31" descr="Question Mark with solid fill">
-              <a:extLst>
-                <a:ext uri="{FF2B5EF4-FFF2-40B4-BE49-F238E27FC236}">
-                  <a16:creationId xmlns:a16="http://schemas.microsoft.com/office/drawing/2014/main" id="{A2E2F0E3-ACB9-060A-E19A-F1DEBEF344AD}"/>
-                </a:ext>
-              </a:extLst>
-            </p:cNvPr>
-            <p:cNvPicPr>
-              <a:picLocks noChangeAspect="1"/>
-            </p:cNvPicPr>
-            <p:nvPr/>
-          </p:nvPicPr>
-          <p:blipFill>
-            <a:blip r:embed="rId10">
-              <a:extLst>
-                <a:ext uri="{96DAC541-7B7A-43D3-8B79-37D633B846F1}">
-                  <asvg:svgBlip xmlns:asvg="http://schemas.microsoft.com/office/drawing/2016/SVG/main" r:embed="rId11"/>
-                </a:ext>
-              </a:extLst>
-            </a:blip>
-            <a:stretch>
-              <a:fillRect/>
-            </a:stretch>
-          </p:blipFill>
-          <p:spPr>
-            <a:xfrm>
-              <a:off x="4671787" y="4671786"/>
-              <a:ext cx="914400" cy="914400"/>
-            </a:xfrm>
-            <a:prstGeom prst="rect">
-              <a:avLst/>
-            </a:prstGeom>
-          </p:spPr>
-        </p:pic>
-        <p:sp>
-          <p:nvSpPr>
-            <p:cNvPr id="39" name="Right Arrow 38">
-              <a:extLst>
-                <a:ext uri="{FF2B5EF4-FFF2-40B4-BE49-F238E27FC236}">
-                  <a16:creationId xmlns:a16="http://schemas.microsoft.com/office/drawing/2014/main" id="{8C11B4FE-E777-7453-C772-D2201EF4C317}"/>
-                </a:ext>
-              </a:extLst>
-            </p:cNvPr>
-            <p:cNvSpPr/>
-            <p:nvPr/>
-          </p:nvSpPr>
-          <p:spPr>
-            <a:xfrm>
-              <a:off x="9583057" y="4671786"/>
-              <a:ext cx="1143000" cy="914400"/>
-            </a:xfrm>
-            <a:prstGeom prst="rightArrow">
-              <a:avLst>
-                <a:gd name="adj1" fmla="val 34127"/>
-                <a:gd name="adj2" fmla="val 50000"/>
-              </a:avLst>
-            </a:prstGeom>
-          </p:spPr>
-          <p:style>
-            <a:lnRef idx="2">
-              <a:schemeClr val="dk1">
-                <a:shade val="15000"/>
-              </a:schemeClr>
-            </a:lnRef>
-            <a:fillRef idx="1">
-              <a:schemeClr val="dk1"/>
-            </a:fillRef>
-            <a:effectRef idx="0">
-              <a:schemeClr val="dk1"/>
-            </a:effectRef>
-            <a:fontRef idx="minor">
-              <a:schemeClr val="lt1"/>
-            </a:fontRef>
-          </p:style>
-          <p:txBody>
-            <a:bodyPr rtlCol="0" anchor="ctr"/>
-            <a:lstStyle/>
-            <a:p>
-              <a:pPr algn="ctr"/>
-              <a:endParaRPr lang="en-US" b="1" dirty="0"/>
-            </a:p>
-          </p:txBody>
-        </p:sp>
-        <p:pic>
-          <p:nvPicPr>
-            <p:cNvPr id="40" name="Graphic 39" descr="Question Mark with solid fill">
-              <a:extLst>
-                <a:ext uri="{FF2B5EF4-FFF2-40B4-BE49-F238E27FC236}">
-                  <a16:creationId xmlns:a16="http://schemas.microsoft.com/office/drawing/2014/main" id="{7B3B1767-519C-2407-3F57-13347B677614}"/>
-                </a:ext>
-              </a:extLst>
-            </p:cNvPr>
-            <p:cNvPicPr>
-              <a:picLocks noChangeAspect="1"/>
-            </p:cNvPicPr>
-            <p:nvPr/>
-          </p:nvPicPr>
-          <p:blipFill>
-            <a:blip r:embed="rId10">
-              <a:extLst>
-                <a:ext uri="{96DAC541-7B7A-43D3-8B79-37D633B846F1}">
-                  <asvg:svgBlip xmlns:asvg="http://schemas.microsoft.com/office/drawing/2016/SVG/main" r:embed="rId11"/>
-                </a:ext>
-              </a:extLst>
-            </a:blip>
-            <a:stretch>
-              <a:fillRect/>
-            </a:stretch>
-          </p:blipFill>
-          <p:spPr>
-            <a:xfrm>
-              <a:off x="10960101" y="4671786"/>
-              <a:ext cx="914400" cy="914400"/>
-            </a:xfrm>
-            <a:prstGeom prst="rect">
-              <a:avLst/>
-            </a:prstGeom>
-          </p:spPr>
-        </p:pic>
-      </p:grpSp>
-      <p:pic>
-        <p:nvPicPr>
-          <p:cNvPr id="3" name="Audio 2">
-            <a:extLst>
-              <a:ext uri="{FF2B5EF4-FFF2-40B4-BE49-F238E27FC236}">
-                <a16:creationId xmlns:a16="http://schemas.microsoft.com/office/drawing/2014/main" id="{8866BFC5-14D1-D25F-F4F2-5F83B587AF78}"/>
-              </a:ext>
-            </a:extLst>
-          </p:cNvPr>
-          <p:cNvPicPr>
-            <a:picLocks noChangeAspect="1"/>
-          </p:cNvPicPr>
-          <p:nvPr>
-            <a:audioFile r:link="rId3"/>
-            <p:extLst>
-              <p:ext uri="{DAA4B4D4-6D71-4841-9C94-3DE7FCFB9230}">
-                <p14:media xmlns:p14="http://schemas.microsoft.com/office/powerpoint/2010/main" r:embed="rId2"/>
-              </p:ext>
-            </p:extLst>
-          </p:nvPr>
-        </p:nvPicPr>
-        <p:blipFill>
-          <a:blip r:embed="rId12"/>
-          <a:stretch>
-            <a:fillRect/>
-          </a:stretch>
-        </p:blipFill>
-        <p:spPr>
-          <a:xfrm>
-            <a:off x="11226800" y="5892800"/>
-            <a:ext cx="812800" cy="812800"/>
-          </a:xfrm>
-          <a:prstGeom prst="rect">
-            <a:avLst/>
-          </a:prstGeom>
-        </p:spPr>
-      </p:pic>
-    </p:spTree>
-    <p:custDataLst>
-      <p:tags r:id="rId1"/>
-    </p:custDataLst>
-    <p:extLst>
-      <p:ext uri="{BB962C8B-B14F-4D97-AF65-F5344CB8AC3E}">
-        <p14:creationId xmlns:p14="http://schemas.microsoft.com/office/powerpoint/2010/main" val="3364795582"/>
-      </p:ext>
-    </p:extLst>
-  </p:cSld>
-  <p:clrMapOvr>
-    <a:masterClrMapping/>
-  </p:clrMapOvr>
-  <mc:AlternateContent xmlns:mc="http://schemas.openxmlformats.org/markup-compatibility/2006">
-    <mc:Choice xmlns:p14="http://schemas.microsoft.com/office/powerpoint/2010/main" Requires="p14">
-      <p:transition spd="slow" p14:dur="2000" advTm="7061"/>
-    </mc:Choice>
-    <mc:Fallback>
-      <p:transition spd="slow" advTm="7061"/>
-    </mc:Fallback>
-  </mc:AlternateContent>
-  <p:timing>
-    <p:tnLst>
-      <p:par>
-        <p:cTn id="1" dur="indefinite" restart="never" nodeType="tmRoot">
-          <p:childTnLst>
-            <p:seq concurrent="1" nextAc="seek">
-              <p:cTn id="2" dur="indefinite" nodeType="mainSeq">
-                <p:childTnLst>
-                  <p:par>
-                    <p:cTn id="3" fill="hold">
-                      <p:stCondLst>
-                        <p:cond delay="indefinite"/>
-                        <p:cond evt="onBegin" delay="0">
-                          <p:tn val="2"/>
-                        </p:cond>
-                      </p:stCondLst>
-                      <p:childTnLst>
-                        <p:par>
-                          <p:cTn id="4" fill="hold">
-                            <p:stCondLst>
-                              <p:cond delay="0"/>
-                            </p:stCondLst>
-                            <p:childTnLst>
-                              <p:par>
-                                <p:cTn id="5" presetID="1" presetClass="mediacall" presetSubtype="0" fill="hold" nodeType="afterEffect">
-                                  <p:stCondLst>
-                                    <p:cond delay="0"/>
-                                  </p:stCondLst>
-                                  <p:childTnLst>
-                                    <p:cmd type="call" cmd="playFrom(0.0)">
-                                      <p:cBhvr>
-                                        <p:cTn id="6" dur="1" fill="hold"/>
-                                        <p:tgtEl>
-                                          <p:spTgt spid="3"/>
-                                        </p:tgtEl>
-                                      </p:cBhvr>
-                                    </p:cmd>
-                                  </p:childTnLst>
-                                </p:cTn>
-                              </p:par>
-                            </p:childTnLst>
-                          </p:cTn>
-                        </p:par>
-                      </p:childTnLst>
-                    </p:cTn>
-                  </p:par>
-                </p:childTnLst>
-              </p:cTn>
-              <p:prevCondLst>
-                <p:cond evt="onPrev" delay="0">
-                  <p:tgtEl>
-                    <p:sldTgt/>
-                  </p:tgtEl>
-                </p:cond>
-              </p:prevCondLst>
-              <p:nextCondLst>
-                <p:cond evt="onNext" delay="0">
-                  <p:tgtEl>
-                    <p:sldTgt/>
-                  </p:tgtEl>
-                </p:cond>
-              </p:nextCondLst>
-            </p:seq>
-            <p:audio isNarration="1">
-              <p:cMediaNode vol="80000" showWhenStopped="0">
-                <p:cTn id="7" fill="hold" display="0">
-                  <p:stCondLst>
-                    <p:cond delay="indefinite"/>
-                  </p:stCondLst>
-                  <p:endCondLst>
-                    <p:cond evt="onStopAudio" delay="0">
-                      <p:tgtEl>
-                        <p:sldTgt/>
-                      </p:tgtEl>
-                    </p:cond>
-                  </p:endCondLst>
-                </p:cTn>
-                <p:tgtEl>
-                  <p:spTgt spid="3"/>
-                </p:tgtEl>
-              </p:cMediaNode>
-            </p:audio>
-          </p:childTnLst>
-        </p:cTn>
-      </p:par>
-    </p:tnLst>
-  </p:timing>
-</p:sld>
-</file>
-
-<file path=ppt/slides/slide5.xml><?xml version="1.0" encoding="utf-8"?>
-<p:sld xmlns:a="http://schemas.openxmlformats.org/drawingml/2006/main" xmlns:r="http://schemas.openxmlformats.org/officeDocument/2006/relationships" xmlns:p="http://schemas.openxmlformats.org/presentationml/2006/main">
-  <p:cSld>
-    <p:spTree>
-      <p:nvGrpSpPr>
-        <p:cNvPr id="1" name="">
-          <a:extLst>
-            <a:ext uri="{FF2B5EF4-FFF2-40B4-BE49-F238E27FC236}">
-              <a16:creationId xmlns:a16="http://schemas.microsoft.com/office/drawing/2014/main" id="{E1F2284E-724D-CC78-CDB7-9C285B310F1F}"/>
-            </a:ext>
-          </a:extLst>
-        </p:cNvPr>
-        <p:cNvGrpSpPr/>
-        <p:nvPr/>
-      </p:nvGrpSpPr>
-      <p:grpSpPr>
-        <a:xfrm>
-          <a:off x="0" y="0"/>
-          <a:ext cx="0" cy="0"/>
-          <a:chOff x="0" y="0"/>
-          <a:chExt cx="0" cy="0"/>
-        </a:xfrm>
-      </p:grpSpPr>
-      <p:pic>
-        <p:nvPicPr>
-          <p:cNvPr id="5" name="Picture 4">
-            <a:extLst>
-              <a:ext uri="{FF2B5EF4-FFF2-40B4-BE49-F238E27FC236}">
-                <a16:creationId xmlns:a16="http://schemas.microsoft.com/office/drawing/2014/main" id="{426FB61E-9C11-DE62-F6FA-96AD45080F9E}"/>
-              </a:ext>
-            </a:extLst>
-          </p:cNvPr>
-          <p:cNvPicPr>
-            <a:picLocks noChangeAspect="1"/>
-          </p:cNvPicPr>
-          <p:nvPr/>
-        </p:nvPicPr>
-        <p:blipFill>
-          <a:blip r:embed="rId6"/>
-          <a:srcRect/>
-          <a:stretch/>
-        </p:blipFill>
-        <p:spPr>
-          <a:xfrm>
-            <a:off x="317500" y="357415"/>
-            <a:ext cx="2743200" cy="2743200"/>
-          </a:xfrm>
-          <a:prstGeom prst="rect">
-            <a:avLst/>
-          </a:prstGeom>
-        </p:spPr>
-      </p:pic>
-      <p:pic>
-        <p:nvPicPr>
-          <p:cNvPr id="34" name="Picture 33">
-            <a:extLst>
-              <a:ext uri="{FF2B5EF4-FFF2-40B4-BE49-F238E27FC236}">
-                <a16:creationId xmlns:a16="http://schemas.microsoft.com/office/drawing/2014/main" id="{D0419920-D1AB-A6FB-1FE2-7DFB75104B37}"/>
-              </a:ext>
-            </a:extLst>
-          </p:cNvPr>
-          <p:cNvPicPr>
-            <a:picLocks noChangeAspect="1"/>
-          </p:cNvPicPr>
-          <p:nvPr/>
-        </p:nvPicPr>
-        <p:blipFill>
-          <a:blip r:embed="rId6"/>
-          <a:srcRect/>
-          <a:stretch/>
-        </p:blipFill>
-        <p:spPr>
-          <a:xfrm>
-            <a:off x="6605814" y="357415"/>
-            <a:ext cx="2743200" cy="2743200"/>
-          </a:xfrm>
-          <a:prstGeom prst="rect">
-            <a:avLst/>
-          </a:prstGeom>
-        </p:spPr>
-      </p:pic>
-      <p:pic>
-        <p:nvPicPr>
-          <p:cNvPr id="30" name="Picture 29">
-            <a:extLst>
-              <a:ext uri="{FF2B5EF4-FFF2-40B4-BE49-F238E27FC236}">
-                <a16:creationId xmlns:a16="http://schemas.microsoft.com/office/drawing/2014/main" id="{77970179-75B4-0B8B-F481-5A637DB6DD2A}"/>
-              </a:ext>
-            </a:extLst>
-          </p:cNvPr>
-          <p:cNvPicPr>
-            <a:picLocks noChangeAspect="1"/>
-          </p:cNvPicPr>
-          <p:nvPr/>
-        </p:nvPicPr>
-        <p:blipFill>
-          <a:blip r:embed="rId7"/>
-          <a:srcRect/>
-          <a:stretch/>
-        </p:blipFill>
-        <p:spPr>
-          <a:xfrm>
-            <a:off x="317500" y="3757386"/>
-            <a:ext cx="2743200" cy="2743200"/>
-          </a:xfrm>
-          <a:prstGeom prst="rect">
-            <a:avLst/>
-          </a:prstGeom>
-        </p:spPr>
-      </p:pic>
-      <p:pic>
-        <p:nvPicPr>
-          <p:cNvPr id="38" name="Picture 37">
-            <a:extLst>
-              <a:ext uri="{FF2B5EF4-FFF2-40B4-BE49-F238E27FC236}">
-                <a16:creationId xmlns:a16="http://schemas.microsoft.com/office/drawing/2014/main" id="{44748D75-8DE5-54F6-607B-193778070116}"/>
-              </a:ext>
-            </a:extLst>
-          </p:cNvPr>
-          <p:cNvPicPr>
-            <a:picLocks noChangeAspect="1"/>
-          </p:cNvPicPr>
-          <p:nvPr/>
-        </p:nvPicPr>
-        <p:blipFill>
-          <a:blip r:embed="rId7"/>
-          <a:srcRect/>
-          <a:stretch/>
-        </p:blipFill>
-        <p:spPr>
-          <a:xfrm>
-            <a:off x="6605814" y="3757386"/>
-            <a:ext cx="2743200" cy="2743200"/>
-          </a:xfrm>
-          <a:prstGeom prst="rect">
-            <a:avLst/>
-          </a:prstGeom>
-        </p:spPr>
-      </p:pic>
-      <p:pic>
-        <p:nvPicPr>
-          <p:cNvPr id="3" name="Audio 2">
-            <a:extLst>
-              <a:ext uri="{FF2B5EF4-FFF2-40B4-BE49-F238E27FC236}">
-                <a16:creationId xmlns:a16="http://schemas.microsoft.com/office/drawing/2014/main" id="{5A6C75C1-0A19-32B4-D59F-3F7E4300DF7C}"/>
-              </a:ext>
-            </a:extLst>
-          </p:cNvPr>
-          <p:cNvPicPr>
-            <a:picLocks noChangeAspect="1"/>
-          </p:cNvPicPr>
-          <p:nvPr>
-            <a:audioFile r:link="rId3"/>
-            <p:extLst>
-              <p:ext uri="{DAA4B4D4-6D71-4841-9C94-3DE7FCFB9230}">
-                <p14:media xmlns:p14="http://schemas.microsoft.com/office/powerpoint/2010/main" r:embed="rId2"/>
-              </p:ext>
-            </p:extLst>
-          </p:nvPr>
-        </p:nvPicPr>
-        <p:blipFill>
-          <a:blip r:embed="rId8"/>
-          <a:stretch>
-            <a:fillRect/>
-          </a:stretch>
-        </p:blipFill>
-        <p:spPr>
-          <a:xfrm>
-            <a:off x="11226800" y="5892800"/>
-            <a:ext cx="812800" cy="812800"/>
-          </a:xfrm>
-          <a:prstGeom prst="rect">
-            <a:avLst/>
-          </a:prstGeom>
-        </p:spPr>
-      </p:pic>
-    </p:spTree>
-    <p:custDataLst>
-      <p:tags r:id="rId1"/>
-    </p:custDataLst>
-    <p:extLst>
-      <p:ext uri="{BB962C8B-B14F-4D97-AF65-F5344CB8AC3E}">
-        <p14:creationId xmlns:p14="http://schemas.microsoft.com/office/powerpoint/2010/main" val="2412656309"/>
-      </p:ext>
-    </p:extLst>
-  </p:cSld>
-  <p:clrMapOvr>
-    <a:masterClrMapping/>
-  </p:clrMapOvr>
-  <mc:AlternateContent xmlns:mc="http://schemas.openxmlformats.org/markup-compatibility/2006">
-    <mc:Choice xmlns:p14="http://schemas.microsoft.com/office/powerpoint/2010/main" Requires="p14">
-      <p:transition spd="slow" p14:dur="2000" advTm="13728"/>
-    </mc:Choice>
-    <mc:Fallback>
-      <p:transition spd="slow" advTm="13728"/>
-    </mc:Fallback>
-  </mc:AlternateContent>
-  <p:timing>
-    <p:tnLst>
-      <p:par>
-        <p:cTn id="1" dur="indefinite" restart="never" nodeType="tmRoot">
-          <p:childTnLst>
-            <p:seq concurrent="1" nextAc="seek">
-              <p:cTn id="2" dur="indefinite" nodeType="mainSeq">
-                <p:childTnLst>
-                  <p:par>
-                    <p:cTn id="3" fill="hold">
-                      <p:stCondLst>
-                        <p:cond delay="indefinite"/>
-                        <p:cond evt="onBegin" delay="0">
-                          <p:tn val="2"/>
-                        </p:cond>
-                      </p:stCondLst>
-                      <p:childTnLst>
-                        <p:par>
-                          <p:cTn id="4" fill="hold">
-                            <p:stCondLst>
-                              <p:cond delay="0"/>
-                            </p:stCondLst>
-                            <p:childTnLst>
-                              <p:par>
-                                <p:cTn id="5" presetID="1" presetClass="mediacall" presetSubtype="0" fill="hold" nodeType="afterEffect">
-                                  <p:stCondLst>
-                                    <p:cond delay="0"/>
-                                  </p:stCondLst>
-                                  <p:childTnLst>
-                                    <p:cmd type="call" cmd="playFrom(0.0)">
-                                      <p:cBhvr>
-                                        <p:cTn id="6" dur="1" fill="hold"/>
-                                        <p:tgtEl>
-                                          <p:spTgt spid="3"/>
-                                        </p:tgtEl>
-                                      </p:cBhvr>
-                                    </p:cmd>
-                                  </p:childTnLst>
-                                </p:cTn>
-                              </p:par>
-                            </p:childTnLst>
-                          </p:cTn>
-                        </p:par>
-                      </p:childTnLst>
-                    </p:cTn>
-                  </p:par>
-                  <p:par>
-                    <p:cTn id="7" fill="hold">
-                      <p:stCondLst>
-                        <p:cond delay="indefinite"/>
-                      </p:stCondLst>
-                      <p:childTnLst>
-                        <p:par>
-                          <p:cTn id="8" fill="hold">
-                            <p:stCondLst>
-                              <p:cond delay="0"/>
-                            </p:stCondLst>
-                            <p:childTnLst>
-                              <p:par>
-                                <p:cTn id="9" presetID="1" presetClass="entr" presetSubtype="0" fill="hold" nodeType="clickEffect">
-                                  <p:stCondLst>
-                                    <p:cond delay="0"/>
-                                  </p:stCondLst>
-                                  <p:childTnLst>
-                                    <p:set>
-                                      <p:cBhvr>
-                                        <p:cTn id="10" dur="1" fill="hold">
-                                          <p:stCondLst>
-                                            <p:cond delay="0"/>
-                                          </p:stCondLst>
-                                        </p:cTn>
-                                        <p:tgtEl>
-                                          <p:spTgt spid="5"/>
-                                        </p:tgtEl>
-                                        <p:attrNameLst>
-                                          <p:attrName>style.visibility</p:attrName>
-                                        </p:attrNameLst>
-                                      </p:cBhvr>
-                                      <p:to>
-                                        <p:strVal val="visible"/>
-                                      </p:to>
-                                    </p:set>
-                                  </p:childTnLst>
-                                </p:cTn>
-                              </p:par>
-                              <p:par>
-                                <p:cTn id="11" presetID="1" presetClass="entr" presetSubtype="0" fill="hold" nodeType="withEffect">
-                                  <p:stCondLst>
-                                    <p:cond delay="0"/>
-                                  </p:stCondLst>
-                                  <p:childTnLst>
-                                    <p:set>
-                                      <p:cBhvr>
-                                        <p:cTn id="12" dur="1" fill="hold">
-                                          <p:stCondLst>
-                                            <p:cond delay="0"/>
-                                          </p:stCondLst>
-                                        </p:cTn>
-                                        <p:tgtEl>
-                                          <p:spTgt spid="34"/>
-                                        </p:tgtEl>
-                                        <p:attrNameLst>
-                                          <p:attrName>style.visibility</p:attrName>
-                                        </p:attrNameLst>
-                                      </p:cBhvr>
-                                      <p:to>
-                                        <p:strVal val="visible"/>
-                                      </p:to>
-                                    </p:set>
-                                  </p:childTnLst>
-                                </p:cTn>
-                              </p:par>
-                              <p:par>
-                                <p:cTn id="13" presetID="26" presetClass="emph" presetSubtype="0" fill="hold" nodeType="withEffect">
-                                  <p:stCondLst>
-                                    <p:cond delay="0"/>
-                                  </p:stCondLst>
-                                  <p:childTnLst>
-                                    <p:animEffect transition="out" filter="fade">
-                                      <p:cBhvr>
-                                        <p:cTn id="14" dur="1000" tmFilter="0, 0; .2, .5; .8, .5; 1, 0"/>
-                                        <p:tgtEl>
-                                          <p:spTgt spid="34"/>
-                                        </p:tgtEl>
-                                      </p:cBhvr>
-                                    </p:animEffect>
-                                    <p:animScale>
-                                      <p:cBhvr>
-                                        <p:cTn id="15" dur="500" autoRev="1" fill="hold"/>
-                                        <p:tgtEl>
-                                          <p:spTgt spid="34"/>
-                                        </p:tgtEl>
-                                      </p:cBhvr>
-                                      <p:by x="105000" y="105000"/>
-                                    </p:animScale>
-                                  </p:childTnLst>
-                                </p:cTn>
-                              </p:par>
-                              <p:par>
-                                <p:cTn id="16" presetID="26" presetClass="emph" presetSubtype="0" fill="hold" nodeType="withEffect">
-                                  <p:stCondLst>
-                                    <p:cond delay="0"/>
-                                  </p:stCondLst>
-                                  <p:childTnLst>
-                                    <p:animEffect transition="out" filter="fade">
-                                      <p:cBhvr>
-                                        <p:cTn id="17" dur="1000" tmFilter="0, 0; .2, .5; .8, .5; 1, 0"/>
-                                        <p:tgtEl>
-                                          <p:spTgt spid="5"/>
-                                        </p:tgtEl>
-                                      </p:cBhvr>
-                                    </p:animEffect>
-                                    <p:animScale>
-                                      <p:cBhvr>
-                                        <p:cTn id="18" dur="500" autoRev="1" fill="hold"/>
-                                        <p:tgtEl>
-                                          <p:spTgt spid="5"/>
-                                        </p:tgtEl>
-                                      </p:cBhvr>
-                                      <p:by x="105000" y="105000"/>
-                                    </p:animScale>
-                                  </p:childTnLst>
-                                </p:cTn>
-                              </p:par>
-                            </p:childTnLst>
-                          </p:cTn>
-                        </p:par>
-                      </p:childTnLst>
-                    </p:cTn>
-                  </p:par>
-                  <p:par>
-                    <p:cTn id="19" fill="hold">
-                      <p:stCondLst>
-                        <p:cond delay="indefinite"/>
-                      </p:stCondLst>
-                      <p:childTnLst>
-                        <p:par>
-                          <p:cTn id="20" fill="hold">
-                            <p:stCondLst>
-                              <p:cond delay="0"/>
-                            </p:stCondLst>
-                            <p:childTnLst>
-                              <p:par>
-                                <p:cTn id="21" presetID="1" presetClass="entr" presetSubtype="0" fill="hold" nodeType="clickEffect">
-                                  <p:stCondLst>
-                                    <p:cond delay="0"/>
-                                  </p:stCondLst>
-                                  <p:childTnLst>
-                                    <p:set>
-                                      <p:cBhvr>
-                                        <p:cTn id="22" dur="1" fill="hold">
-                                          <p:stCondLst>
-                                            <p:cond delay="0"/>
-                                          </p:stCondLst>
-                                        </p:cTn>
-                                        <p:tgtEl>
-                                          <p:spTgt spid="30"/>
-                                        </p:tgtEl>
-                                        <p:attrNameLst>
-                                          <p:attrName>style.visibility</p:attrName>
-                                        </p:attrNameLst>
-                                      </p:cBhvr>
-                                      <p:to>
-                                        <p:strVal val="visible"/>
-                                      </p:to>
-                                    </p:set>
-                                  </p:childTnLst>
-                                </p:cTn>
-                              </p:par>
-                              <p:par>
-                                <p:cTn id="23" presetID="1" presetClass="entr" presetSubtype="0" fill="hold" nodeType="withEffect">
-                                  <p:stCondLst>
-                                    <p:cond delay="0"/>
-                                  </p:stCondLst>
-                                  <p:childTnLst>
-                                    <p:set>
-                                      <p:cBhvr>
-                                        <p:cTn id="24" dur="1" fill="hold">
-                                          <p:stCondLst>
-                                            <p:cond delay="0"/>
-                                          </p:stCondLst>
-                                        </p:cTn>
-                                        <p:tgtEl>
-                                          <p:spTgt spid="38"/>
-                                        </p:tgtEl>
-                                        <p:attrNameLst>
-                                          <p:attrName>style.visibility</p:attrName>
-                                        </p:attrNameLst>
-                                      </p:cBhvr>
-                                      <p:to>
-                                        <p:strVal val="visible"/>
-                                      </p:to>
-                                    </p:set>
-                                  </p:childTnLst>
-                                </p:cTn>
-                              </p:par>
-                              <p:par>
-                                <p:cTn id="25" presetID="26" presetClass="emph" presetSubtype="0" fill="hold" nodeType="withEffect">
-                                  <p:stCondLst>
-                                    <p:cond delay="0"/>
-                                  </p:stCondLst>
-                                  <p:childTnLst>
-                                    <p:animEffect transition="out" filter="fade">
-                                      <p:cBhvr>
-                                        <p:cTn id="26" dur="1000" tmFilter="0, 0; .2, .5; .8, .5; 1, 0"/>
-                                        <p:tgtEl>
-                                          <p:spTgt spid="38"/>
-                                        </p:tgtEl>
-                                      </p:cBhvr>
-                                    </p:animEffect>
-                                    <p:animScale>
-                                      <p:cBhvr>
-                                        <p:cTn id="27" dur="500" autoRev="1" fill="hold"/>
-                                        <p:tgtEl>
-                                          <p:spTgt spid="38"/>
-                                        </p:tgtEl>
-                                      </p:cBhvr>
-                                      <p:by x="105000" y="105000"/>
-                                    </p:animScale>
-                                  </p:childTnLst>
-                                </p:cTn>
-                              </p:par>
-                              <p:par>
-                                <p:cTn id="28" presetID="26" presetClass="emph" presetSubtype="0" fill="hold" nodeType="withEffect">
-                                  <p:stCondLst>
-                                    <p:cond delay="0"/>
-                                  </p:stCondLst>
-                                  <p:childTnLst>
-                                    <p:animEffect transition="out" filter="fade">
-                                      <p:cBhvr>
-                                        <p:cTn id="29" dur="1000" tmFilter="0, 0; .2, .5; .8, .5; 1, 0"/>
-                                        <p:tgtEl>
-                                          <p:spTgt spid="30"/>
-                                        </p:tgtEl>
-                                      </p:cBhvr>
-                                    </p:animEffect>
-                                    <p:animScale>
-                                      <p:cBhvr>
-                                        <p:cTn id="30" dur="500" autoRev="1" fill="hold"/>
-                                        <p:tgtEl>
-                                          <p:spTgt spid="30"/>
-                                        </p:tgtEl>
-                                      </p:cBhvr>
-                                      <p:by x="105000" y="105000"/>
-                                    </p:animScale>
-                                  </p:childTnLst>
-                                </p:cTn>
-                              </p:par>
-                            </p:childTnLst>
-                          </p:cTn>
-                        </p:par>
-                      </p:childTnLst>
-                    </p:cTn>
-                  </p:par>
-                </p:childTnLst>
-              </p:cTn>
-              <p:prevCondLst>
-                <p:cond evt="onPrev" delay="0">
-                  <p:tgtEl>
-                    <p:sldTgt/>
-                  </p:tgtEl>
-                </p:cond>
-              </p:prevCondLst>
-              <p:nextCondLst>
-                <p:cond evt="onNext" delay="0">
-                  <p:tgtEl>
-                    <p:sldTgt/>
-                  </p:tgtEl>
-                </p:cond>
-              </p:nextCondLst>
-            </p:seq>
-            <p:audio isNarration="1">
-              <p:cMediaNode vol="80000" showWhenStopped="0">
-                <p:cTn id="31" fill="hold" display="0">
-                  <p:stCondLst>
-                    <p:cond delay="indefinite"/>
-                  </p:stCondLst>
-                  <p:endCondLst>
-                    <p:cond evt="onStopAudio" delay="0">
-                      <p:tgtEl>
-                        <p:sldTgt/>
-                      </p:tgtEl>
-                    </p:cond>
-                  </p:endCondLst>
-                </p:cTn>
-                <p:tgtEl>
-                  <p:spTgt spid="3"/>
-                </p:tgtEl>
-              </p:cMediaNode>
-            </p:audio>
-          </p:childTnLst>
-        </p:cTn>
-      </p:par>
-    </p:tnLst>
-  </p:timing>
-</p:sld>
-</file>
-
-<file path=ppt/slides/slide6.xml><?xml version="1.0" encoding="utf-8"?>
-<p:sld xmlns:a="http://schemas.openxmlformats.org/drawingml/2006/main" xmlns:r="http://schemas.openxmlformats.org/officeDocument/2006/relationships" xmlns:p="http://schemas.openxmlformats.org/presentationml/2006/main">
-  <p:cSld>
-    <p:spTree>
-      <p:nvGrpSpPr>
-        <p:cNvPr id="1" name="">
-          <a:extLst>
-            <a:ext uri="{FF2B5EF4-FFF2-40B4-BE49-F238E27FC236}">
-              <a16:creationId xmlns:a16="http://schemas.microsoft.com/office/drawing/2014/main" id="{666A4C1B-E3B5-739C-9792-279739B77239}"/>
-            </a:ext>
-          </a:extLst>
-        </p:cNvPr>
-        <p:cNvGrpSpPr/>
-        <p:nvPr/>
-      </p:nvGrpSpPr>
-      <p:grpSpPr>
-        <a:xfrm>
-          <a:off x="0" y="0"/>
-          <a:ext cx="0" cy="0"/>
-          <a:chOff x="0" y="0"/>
-          <a:chExt cx="0" cy="0"/>
-        </a:xfrm>
-      </p:grpSpPr>
-      <p:pic>
-        <p:nvPicPr>
-          <p:cNvPr id="5" name="Picture 4" descr="A cartoon character with a speech bubble&#10;&#10;Description automatically generated">
-            <a:extLst>
-              <a:ext uri="{FF2B5EF4-FFF2-40B4-BE49-F238E27FC236}">
-                <a16:creationId xmlns:a16="http://schemas.microsoft.com/office/drawing/2014/main" id="{5B22345B-6393-B740-8392-4DC4881F6B86}"/>
-              </a:ext>
-            </a:extLst>
-          </p:cNvPr>
-          <p:cNvPicPr>
-            <a:picLocks noChangeAspect="1"/>
-          </p:cNvPicPr>
-          <p:nvPr/>
-        </p:nvPicPr>
-        <p:blipFill>
-          <a:blip r:embed="rId6"/>
-          <a:stretch>
-            <a:fillRect/>
-          </a:stretch>
-        </p:blipFill>
-        <p:spPr>
-          <a:xfrm>
-            <a:off x="317500" y="357415"/>
-            <a:ext cx="2743200" cy="2743200"/>
-          </a:xfrm>
-          <a:prstGeom prst="rect">
-            <a:avLst/>
-          </a:prstGeom>
-        </p:spPr>
-      </p:pic>
-      <p:pic>
-        <p:nvPicPr>
-          <p:cNvPr id="34" name="Picture 33">
-            <a:extLst>
-              <a:ext uri="{FF2B5EF4-FFF2-40B4-BE49-F238E27FC236}">
-                <a16:creationId xmlns:a16="http://schemas.microsoft.com/office/drawing/2014/main" id="{326D68A3-0554-317B-E7D4-90CD40095D4B}"/>
-              </a:ext>
-            </a:extLst>
-          </p:cNvPr>
-          <p:cNvPicPr>
-            <a:picLocks noChangeAspect="1"/>
-          </p:cNvPicPr>
-          <p:nvPr/>
-        </p:nvPicPr>
-        <p:blipFill>
-          <a:blip r:embed="rId7"/>
-          <a:srcRect/>
-          <a:stretch/>
-        </p:blipFill>
-        <p:spPr>
-          <a:xfrm>
-            <a:off x="6605814" y="357415"/>
-            <a:ext cx="2743200" cy="2743200"/>
-          </a:xfrm>
-          <a:prstGeom prst="rect">
-            <a:avLst/>
-          </a:prstGeom>
-        </p:spPr>
-      </p:pic>
-      <p:pic>
-        <p:nvPicPr>
-          <p:cNvPr id="30" name="Picture 29">
-            <a:extLst>
-              <a:ext uri="{FF2B5EF4-FFF2-40B4-BE49-F238E27FC236}">
-                <a16:creationId xmlns:a16="http://schemas.microsoft.com/office/drawing/2014/main" id="{343AEB6C-9739-1077-DA4A-2E379E3B42E1}"/>
-              </a:ext>
-            </a:extLst>
-          </p:cNvPr>
-          <p:cNvPicPr>
-            <a:picLocks noChangeAspect="1"/>
-          </p:cNvPicPr>
-          <p:nvPr/>
-        </p:nvPicPr>
-        <p:blipFill>
-          <a:blip r:embed="rId8"/>
-          <a:srcRect/>
-          <a:stretch/>
-        </p:blipFill>
-        <p:spPr>
-          <a:xfrm>
-            <a:off x="317500" y="3757386"/>
-            <a:ext cx="2743200" cy="2743200"/>
-          </a:xfrm>
-          <a:prstGeom prst="rect">
-            <a:avLst/>
-          </a:prstGeom>
-        </p:spPr>
-      </p:pic>
-      <p:pic>
-        <p:nvPicPr>
-          <p:cNvPr id="38" name="Picture 37">
-            <a:extLst>
-              <a:ext uri="{FF2B5EF4-FFF2-40B4-BE49-F238E27FC236}">
-                <a16:creationId xmlns:a16="http://schemas.microsoft.com/office/drawing/2014/main" id="{2436DF55-8B1E-5D01-BCCE-773E1789FBC0}"/>
-              </a:ext>
-            </a:extLst>
-          </p:cNvPr>
-          <p:cNvPicPr>
-            <a:picLocks noChangeAspect="1"/>
-          </p:cNvPicPr>
-          <p:nvPr/>
-        </p:nvPicPr>
-        <p:blipFill>
-          <a:blip r:embed="rId9"/>
-          <a:srcRect/>
-          <a:stretch/>
-        </p:blipFill>
-        <p:spPr>
-          <a:xfrm>
-            <a:off x="6605814" y="3757386"/>
-            <a:ext cx="2743200" cy="2743200"/>
-          </a:xfrm>
-          <a:prstGeom prst="rect">
-            <a:avLst/>
-          </a:prstGeom>
-        </p:spPr>
-      </p:pic>
-      <p:pic>
-        <p:nvPicPr>
-          <p:cNvPr id="3" name="Audio 2">
-            <a:extLst>
-              <a:ext uri="{FF2B5EF4-FFF2-40B4-BE49-F238E27FC236}">
-                <a16:creationId xmlns:a16="http://schemas.microsoft.com/office/drawing/2014/main" id="{39BCEC0B-76F0-B29D-D548-75FDD0B32387}"/>
-              </a:ext>
-            </a:extLst>
-          </p:cNvPr>
-          <p:cNvPicPr>
-            <a:picLocks noChangeAspect="1"/>
-          </p:cNvPicPr>
-          <p:nvPr>
-            <a:audioFile r:link="rId3"/>
-            <p:extLst>
-              <p:ext uri="{DAA4B4D4-6D71-4841-9C94-3DE7FCFB9230}">
-                <p14:media xmlns:p14="http://schemas.microsoft.com/office/powerpoint/2010/main" r:embed="rId2"/>
-              </p:ext>
-            </p:extLst>
-          </p:nvPr>
-        </p:nvPicPr>
-        <p:blipFill>
-          <a:blip r:embed="rId10"/>
-          <a:stretch>
-            <a:fillRect/>
-          </a:stretch>
-        </p:blipFill>
-        <p:spPr>
-          <a:xfrm>
-            <a:off x="11226800" y="5892800"/>
-            <a:ext cx="812800" cy="812800"/>
-          </a:xfrm>
-          <a:prstGeom prst="rect">
-            <a:avLst/>
-          </a:prstGeom>
-        </p:spPr>
-      </p:pic>
-    </p:spTree>
-    <p:custDataLst>
-      <p:tags r:id="rId1"/>
-    </p:custDataLst>
-    <p:extLst>
-      <p:ext uri="{BB962C8B-B14F-4D97-AF65-F5344CB8AC3E}">
-        <p14:creationId xmlns:p14="http://schemas.microsoft.com/office/powerpoint/2010/main" val="2867135856"/>
-      </p:ext>
-    </p:extLst>
-  </p:cSld>
-  <p:clrMapOvr>
-    <a:masterClrMapping/>
-  </p:clrMapOvr>
-  <mc:AlternateContent xmlns:mc="http://schemas.openxmlformats.org/markup-compatibility/2006">
-    <mc:Choice xmlns:p14="http://schemas.microsoft.com/office/powerpoint/2010/main" Requires="p14">
-      <p:transition spd="slow" p14:dur="2000" advTm="12842"/>
-    </mc:Choice>
-    <mc:Fallback>
-      <p:transition spd="slow" advTm="12842"/>
-    </mc:Fallback>
-  </mc:AlternateContent>
-  <p:timing>
-    <p:tnLst>
-      <p:par>
-        <p:cTn id="1" dur="indefinite" restart="never" nodeType="tmRoot">
-          <p:childTnLst>
-            <p:seq concurrent="1" nextAc="seek">
-              <p:cTn id="2" dur="indefinite" nodeType="mainSeq">
-                <p:childTnLst>
-                  <p:par>
-                    <p:cTn id="3" fill="hold">
-                      <p:stCondLst>
-                        <p:cond delay="indefinite"/>
-                        <p:cond evt="onBegin" delay="0">
-                          <p:tn val="2"/>
-                        </p:cond>
-                      </p:stCondLst>
-                      <p:childTnLst>
-                        <p:par>
-                          <p:cTn id="4" fill="hold">
-                            <p:stCondLst>
-                              <p:cond delay="0"/>
-                            </p:stCondLst>
-                            <p:childTnLst>
-                              <p:par>
-                                <p:cTn id="5" presetID="1" presetClass="mediacall" presetSubtype="0" fill="hold" nodeType="afterEffect">
-                                  <p:stCondLst>
-                                    <p:cond delay="0"/>
-                                  </p:stCondLst>
-                                  <p:childTnLst>
-                                    <p:cmd type="call" cmd="playFrom(0.0)">
-                                      <p:cBhvr>
-                                        <p:cTn id="6" dur="1" fill="hold"/>
-                                        <p:tgtEl>
-                                          <p:spTgt spid="3"/>
-                                        </p:tgtEl>
-                                      </p:cBhvr>
-                                    </p:cmd>
-                                  </p:childTnLst>
-                                </p:cTn>
-                              </p:par>
-                            </p:childTnLst>
-                          </p:cTn>
-                        </p:par>
-                      </p:childTnLst>
-                    </p:cTn>
-                  </p:par>
-                  <p:par>
-                    <p:cTn id="7" fill="hold">
-                      <p:stCondLst>
-                        <p:cond delay="indefinite"/>
-                      </p:stCondLst>
-                      <p:childTnLst>
-                        <p:par>
-                          <p:cTn id="8" fill="hold">
-                            <p:stCondLst>
-                              <p:cond delay="0"/>
-                            </p:stCondLst>
-                            <p:childTnLst>
-                              <p:par>
-                                <p:cTn id="9" presetID="1" presetClass="entr" presetSubtype="0" fill="hold" nodeType="clickEffect">
-                                  <p:stCondLst>
-                                    <p:cond delay="0"/>
-                                  </p:stCondLst>
-                                  <p:childTnLst>
-                                    <p:set>
-                                      <p:cBhvr>
-                                        <p:cTn id="10" dur="1" fill="hold">
-                                          <p:stCondLst>
-                                            <p:cond delay="0"/>
-                                          </p:stCondLst>
-                                        </p:cTn>
-                                        <p:tgtEl>
-                                          <p:spTgt spid="30"/>
-                                        </p:tgtEl>
-                                        <p:attrNameLst>
-                                          <p:attrName>style.visibility</p:attrName>
-                                        </p:attrNameLst>
-                                      </p:cBhvr>
-                                      <p:to>
-                                        <p:strVal val="visible"/>
-                                      </p:to>
-                                    </p:set>
-                                  </p:childTnLst>
-                                </p:cTn>
-                              </p:par>
-                              <p:par>
-                                <p:cTn id="11" presetID="1" presetClass="entr" presetSubtype="0" fill="hold" nodeType="withEffect">
-                                  <p:stCondLst>
-                                    <p:cond delay="0"/>
-                                  </p:stCondLst>
-                                  <p:childTnLst>
-                                    <p:set>
-                                      <p:cBhvr>
-                                        <p:cTn id="12" dur="1" fill="hold">
-                                          <p:stCondLst>
-                                            <p:cond delay="0"/>
-                                          </p:stCondLst>
-                                        </p:cTn>
-                                        <p:tgtEl>
-                                          <p:spTgt spid="5"/>
-                                        </p:tgtEl>
-                                        <p:attrNameLst>
-                                          <p:attrName>style.visibility</p:attrName>
-                                        </p:attrNameLst>
-                                      </p:cBhvr>
-                                      <p:to>
-                                        <p:strVal val="visible"/>
-                                      </p:to>
-                                    </p:set>
-                                  </p:childTnLst>
-                                </p:cTn>
-                              </p:par>
-                              <p:par>
-                                <p:cTn id="13" presetID="26" presetClass="emph" presetSubtype="0" fill="hold" nodeType="withEffect">
-                                  <p:stCondLst>
-                                    <p:cond delay="0"/>
-                                  </p:stCondLst>
-                                  <p:childTnLst>
-                                    <p:animEffect transition="out" filter="fade">
-                                      <p:cBhvr>
-                                        <p:cTn id="14" dur="1000" tmFilter="0, 0; .2, .5; .8, .5; 1, 0"/>
-                                        <p:tgtEl>
-                                          <p:spTgt spid="5"/>
-                                        </p:tgtEl>
-                                      </p:cBhvr>
-                                    </p:animEffect>
-                                    <p:animScale>
-                                      <p:cBhvr>
-                                        <p:cTn id="15" dur="500" autoRev="1" fill="hold"/>
-                                        <p:tgtEl>
-                                          <p:spTgt spid="5"/>
-                                        </p:tgtEl>
-                                      </p:cBhvr>
-                                      <p:by x="105000" y="105000"/>
-                                    </p:animScale>
-                                  </p:childTnLst>
-                                </p:cTn>
-                              </p:par>
-                              <p:par>
-                                <p:cTn id="16" presetID="26" presetClass="emph" presetSubtype="0" fill="hold" nodeType="withEffect">
-                                  <p:stCondLst>
-                                    <p:cond delay="0"/>
-                                  </p:stCondLst>
-                                  <p:childTnLst>
-                                    <p:animEffect transition="out" filter="fade">
-                                      <p:cBhvr>
-                                        <p:cTn id="17" dur="1000" tmFilter="0, 0; .2, .5; .8, .5; 1, 0"/>
-                                        <p:tgtEl>
-                                          <p:spTgt spid="30"/>
-                                        </p:tgtEl>
-                                      </p:cBhvr>
-                                    </p:animEffect>
-                                    <p:animScale>
-                                      <p:cBhvr>
-                                        <p:cTn id="18" dur="500" autoRev="1" fill="hold"/>
-                                        <p:tgtEl>
-                                          <p:spTgt spid="30"/>
-                                        </p:tgtEl>
-                                      </p:cBhvr>
-                                      <p:by x="105000" y="105000"/>
-                                    </p:animScale>
-                                  </p:childTnLst>
-                                </p:cTn>
-                              </p:par>
-                            </p:childTnLst>
-                          </p:cTn>
-                        </p:par>
-                      </p:childTnLst>
-                    </p:cTn>
-                  </p:par>
-                  <p:par>
-                    <p:cTn id="19" fill="hold">
-                      <p:stCondLst>
-                        <p:cond delay="indefinite"/>
-                      </p:stCondLst>
-                      <p:childTnLst>
-                        <p:par>
-                          <p:cTn id="20" fill="hold">
-                            <p:stCondLst>
-                              <p:cond delay="0"/>
-                            </p:stCondLst>
-                            <p:childTnLst>
-                              <p:par>
-                                <p:cTn id="21" presetID="1" presetClass="entr" presetSubtype="0" fill="hold" nodeType="clickEffect">
-                                  <p:stCondLst>
-                                    <p:cond delay="0"/>
-                                  </p:stCondLst>
-                                  <p:childTnLst>
-                                    <p:set>
-                                      <p:cBhvr>
-                                        <p:cTn id="22" dur="1" fill="hold">
-                                          <p:stCondLst>
-                                            <p:cond delay="0"/>
-                                          </p:stCondLst>
-                                        </p:cTn>
-                                        <p:tgtEl>
-                                          <p:spTgt spid="34"/>
-                                        </p:tgtEl>
-                                        <p:attrNameLst>
-                                          <p:attrName>style.visibility</p:attrName>
-                                        </p:attrNameLst>
-                                      </p:cBhvr>
-                                      <p:to>
-                                        <p:strVal val="visible"/>
-                                      </p:to>
-                                    </p:set>
-                                  </p:childTnLst>
-                                </p:cTn>
-                              </p:par>
-                              <p:par>
-                                <p:cTn id="23" presetID="1" presetClass="entr" presetSubtype="0" fill="hold" nodeType="withEffect">
-                                  <p:stCondLst>
-                                    <p:cond delay="0"/>
-                                  </p:stCondLst>
-                                  <p:childTnLst>
-                                    <p:set>
-                                      <p:cBhvr>
-                                        <p:cTn id="24" dur="1" fill="hold">
-                                          <p:stCondLst>
-                                            <p:cond delay="0"/>
-                                          </p:stCondLst>
-                                        </p:cTn>
-                                        <p:tgtEl>
-                                          <p:spTgt spid="38"/>
-                                        </p:tgtEl>
-                                        <p:attrNameLst>
-                                          <p:attrName>style.visibility</p:attrName>
-                                        </p:attrNameLst>
-                                      </p:cBhvr>
-                                      <p:to>
-                                        <p:strVal val="visible"/>
-                                      </p:to>
-                                    </p:set>
-                                  </p:childTnLst>
-                                </p:cTn>
-                              </p:par>
-                              <p:par>
-                                <p:cTn id="25" presetID="26" presetClass="emph" presetSubtype="0" fill="hold" nodeType="withEffect">
-                                  <p:stCondLst>
-                                    <p:cond delay="0"/>
-                                  </p:stCondLst>
-                                  <p:childTnLst>
-                                    <p:animEffect transition="out" filter="fade">
-                                      <p:cBhvr>
-                                        <p:cTn id="26" dur="1000" tmFilter="0, 0; .2, .5; .8, .5; 1, 0"/>
-                                        <p:tgtEl>
-                                          <p:spTgt spid="34"/>
-                                        </p:tgtEl>
-                                      </p:cBhvr>
-                                    </p:animEffect>
-                                    <p:animScale>
-                                      <p:cBhvr>
-                                        <p:cTn id="27" dur="500" autoRev="1" fill="hold"/>
-                                        <p:tgtEl>
-                                          <p:spTgt spid="34"/>
-                                        </p:tgtEl>
-                                      </p:cBhvr>
-                                      <p:by x="105000" y="105000"/>
-                                    </p:animScale>
-                                  </p:childTnLst>
-                                </p:cTn>
-                              </p:par>
-                              <p:par>
-                                <p:cTn id="28" presetID="26" presetClass="emph" presetSubtype="0" fill="hold" nodeType="withEffect">
-                                  <p:stCondLst>
-                                    <p:cond delay="0"/>
-                                  </p:stCondLst>
-                                  <p:childTnLst>
-                                    <p:animEffect transition="out" filter="fade">
-                                      <p:cBhvr>
-                                        <p:cTn id="29" dur="1000" tmFilter="0, 0; .2, .5; .8, .5; 1, 0"/>
-                                        <p:tgtEl>
-                                          <p:spTgt spid="38"/>
-                                        </p:tgtEl>
-                                      </p:cBhvr>
-                                    </p:animEffect>
-                                    <p:animScale>
-                                      <p:cBhvr>
-                                        <p:cTn id="30" dur="500" autoRev="1" fill="hold"/>
-                                        <p:tgtEl>
-                                          <p:spTgt spid="38"/>
-                                        </p:tgtEl>
-                                      </p:cBhvr>
-                                      <p:by x="105000" y="105000"/>
-                                    </p:animScale>
-                                  </p:childTnLst>
-                                </p:cTn>
-                              </p:par>
-                            </p:childTnLst>
-                          </p:cTn>
-                        </p:par>
-                      </p:childTnLst>
-                    </p:cTn>
-                  </p:par>
-                </p:childTnLst>
-              </p:cTn>
-              <p:prevCondLst>
-                <p:cond evt="onPrev" delay="0">
-                  <p:tgtEl>
-                    <p:sldTgt/>
-                  </p:tgtEl>
-                </p:cond>
-              </p:prevCondLst>
-              <p:nextCondLst>
-                <p:cond evt="onNext" delay="0">
-                  <p:tgtEl>
-                    <p:sldTgt/>
-                  </p:tgtEl>
-                </p:cond>
-              </p:nextCondLst>
-            </p:seq>
-            <p:audio isNarration="1">
-              <p:cMediaNode vol="80000" showWhenStopped="0">
-                <p:cTn id="31" fill="hold" display="0">
-                  <p:stCondLst>
-                    <p:cond delay="indefinite"/>
-                  </p:stCondLst>
-                  <p:endCondLst>
-                    <p:cond evt="onStopAudio" delay="0">
-                      <p:tgtEl>
-                        <p:sldTgt/>
-                      </p:tgtEl>
-                    </p:cond>
-                  </p:endCondLst>
-                </p:cTn>
-                <p:tgtEl>
-                  <p:spTgt spid="3"/>
-                </p:tgtEl>
-              </p:cMediaNode>
-            </p:audio>
-          </p:childTnLst>
-        </p:cTn>
-      </p:par>
-    </p:tnLst>
-  </p:timing>
-</p:sld>
-</file>
-
-<file path=ppt/slides/slide7.xml><?xml version="1.0" encoding="utf-8"?>
-<p:sld xmlns:a="http://schemas.openxmlformats.org/drawingml/2006/main" xmlns:r="http://schemas.openxmlformats.org/officeDocument/2006/relationships" xmlns:p="http://schemas.openxmlformats.org/presentationml/2006/main">
-  <p:cSld>
-    <p:spTree>
-      <p:nvGrpSpPr>
-        <p:cNvPr id="1" name="">
-          <a:extLst>
-            <a:ext uri="{FF2B5EF4-FFF2-40B4-BE49-F238E27FC236}">
-              <a16:creationId xmlns:a16="http://schemas.microsoft.com/office/drawing/2014/main" id="{AD5EE51B-C0D8-A6E5-66D0-EAE204EC16CB}"/>
+              <a16:creationId xmlns:a16="http://schemas.microsoft.com/office/drawing/2014/main" id="{BC610069-D678-AD84-E0BB-05CAEFB72AB1}"/>
             </a:ext>
           </a:extLst>
         </p:cNvPr>
@@ -7548,7 +5333,7 @@
           <p:cNvPr id="2" name="Picture 1">
             <a:extLst>
               <a:ext uri="{FF2B5EF4-FFF2-40B4-BE49-F238E27FC236}">
-                <a16:creationId xmlns:a16="http://schemas.microsoft.com/office/drawing/2014/main" id="{D3EA406F-0442-3A59-8E9E-19B168CAD6C0}"/>
+                <a16:creationId xmlns:a16="http://schemas.microsoft.com/office/drawing/2014/main" id="{DA2CC4BC-0C45-812F-AC7A-401EB44CEE47}"/>
               </a:ext>
             </a:extLst>
           </p:cNvPr>
@@ -7558,27 +5343,63 @@
           <p:nvPr/>
         </p:nvPicPr>
         <p:blipFill>
-          <a:blip r:embed="rId6"/>
+          <a:blip r:embed="rId3"/>
           <a:stretch>
             <a:fillRect/>
           </a:stretch>
         </p:blipFill>
         <p:spPr>
           <a:xfrm>
-            <a:off x="4038600" y="0"/>
-            <a:ext cx="4114800" cy="4114800"/>
+            <a:off x="584200" y="850900"/>
+            <a:ext cx="5080000" cy="5080000"/>
           </a:xfrm>
           <a:prstGeom prst="rect">
             <a:avLst/>
           </a:prstGeom>
         </p:spPr>
       </p:pic>
+    </p:spTree>
+    <p:extLst>
+      <p:ext uri="{BB962C8B-B14F-4D97-AF65-F5344CB8AC3E}">
+        <p14:creationId xmlns:p14="http://schemas.microsoft.com/office/powerpoint/2010/main" val="1581582502"/>
+      </p:ext>
+    </p:extLst>
+  </p:cSld>
+  <p:clrMapOvr>
+    <a:masterClrMapping/>
+  </p:clrMapOvr>
+</p:sld>
+</file>
+
+<file path=ppt/slides/slide3.xml><?xml version="1.0" encoding="utf-8"?>
+<p:sld xmlns:a="http://schemas.openxmlformats.org/drawingml/2006/main" xmlns:r="http://schemas.openxmlformats.org/officeDocument/2006/relationships" xmlns:p="http://schemas.openxmlformats.org/presentationml/2006/main">
+  <p:cSld>
+    <p:spTree>
+      <p:nvGrpSpPr>
+        <p:cNvPr id="1" name="">
+          <a:extLst>
+            <a:ext uri="{FF2B5EF4-FFF2-40B4-BE49-F238E27FC236}">
+              <a16:creationId xmlns:a16="http://schemas.microsoft.com/office/drawing/2014/main" id="{FD4F68DF-D8F7-48A5-8658-CD6FFBDE9F93}"/>
+            </a:ext>
+          </a:extLst>
+        </p:cNvPr>
+        <p:cNvGrpSpPr/>
+        <p:nvPr/>
+      </p:nvGrpSpPr>
+      <p:grpSpPr>
+        <a:xfrm>
+          <a:off x="0" y="0"/>
+          <a:ext cx="0" cy="0"/>
+          <a:chOff x="0" y="0"/>
+          <a:chExt cx="0" cy="0"/>
+        </a:xfrm>
+      </p:grpSpPr>
       <p:pic>
         <p:nvPicPr>
-          <p:cNvPr id="4" name="Picture 3">
-            <a:extLst>
-              <a:ext uri="{FF2B5EF4-FFF2-40B4-BE49-F238E27FC236}">
-                <a16:creationId xmlns:a16="http://schemas.microsoft.com/office/drawing/2014/main" id="{C8E49E66-B86B-DB92-4544-E31A98776973}"/>
+          <p:cNvPr id="2" name="Picture 1">
+            <a:extLst>
+              <a:ext uri="{FF2B5EF4-FFF2-40B4-BE49-F238E27FC236}">
+                <a16:creationId xmlns:a16="http://schemas.microsoft.com/office/drawing/2014/main" id="{9ED4145F-E2AC-B1D4-E797-D931B7F390F2}"/>
               </a:ext>
             </a:extLst>
           </p:cNvPr>
@@ -7588,13 +5409,228 @@
           <p:nvPr/>
         </p:nvPicPr>
         <p:blipFill>
-          <a:blip r:embed="rId7"/>
+          <a:blip r:embed="rId3"/>
           <a:srcRect/>
           <a:stretch/>
         </p:blipFill>
         <p:spPr>
           <a:xfrm>
-            <a:off x="1398685" y="4319941"/>
+            <a:off x="584200" y="850900"/>
+            <a:ext cx="5080000" cy="5080000"/>
+          </a:xfrm>
+          <a:prstGeom prst="rect">
+            <a:avLst/>
+          </a:prstGeom>
+        </p:spPr>
+      </p:pic>
+    </p:spTree>
+    <p:extLst>
+      <p:ext uri="{BB962C8B-B14F-4D97-AF65-F5344CB8AC3E}">
+        <p14:creationId xmlns:p14="http://schemas.microsoft.com/office/powerpoint/2010/main" val="1790261404"/>
+      </p:ext>
+    </p:extLst>
+  </p:cSld>
+  <p:clrMapOvr>
+    <a:masterClrMapping/>
+  </p:clrMapOvr>
+</p:sld>
+</file>
+
+<file path=ppt/slides/slide4.xml><?xml version="1.0" encoding="utf-8"?>
+<p:sld xmlns:a="http://schemas.openxmlformats.org/drawingml/2006/main" xmlns:r="http://schemas.openxmlformats.org/officeDocument/2006/relationships" xmlns:p="http://schemas.openxmlformats.org/presentationml/2006/main">
+  <p:cSld>
+    <p:spTree>
+      <p:nvGrpSpPr>
+        <p:cNvPr id="1" name="">
+          <a:extLst>
+            <a:ext uri="{FF2B5EF4-FFF2-40B4-BE49-F238E27FC236}">
+              <a16:creationId xmlns:a16="http://schemas.microsoft.com/office/drawing/2014/main" id="{CC703459-3C2C-2A13-4D17-7FE4219BACC7}"/>
+            </a:ext>
+          </a:extLst>
+        </p:cNvPr>
+        <p:cNvGrpSpPr/>
+        <p:nvPr/>
+      </p:nvGrpSpPr>
+      <p:grpSpPr>
+        <a:xfrm>
+          <a:off x="0" y="0"/>
+          <a:ext cx="0" cy="0"/>
+          <a:chOff x="0" y="0"/>
+          <a:chExt cx="0" cy="0"/>
+        </a:xfrm>
+      </p:grpSpPr>
+      <p:pic>
+        <p:nvPicPr>
+          <p:cNvPr id="2" name="Picture 1">
+            <a:extLst>
+              <a:ext uri="{FF2B5EF4-FFF2-40B4-BE49-F238E27FC236}">
+                <a16:creationId xmlns:a16="http://schemas.microsoft.com/office/drawing/2014/main" id="{6E71C731-A17C-3185-9ADE-976015DF2606}"/>
+              </a:ext>
+            </a:extLst>
+          </p:cNvPr>
+          <p:cNvPicPr>
+            <a:picLocks noChangeAspect="1"/>
+          </p:cNvPicPr>
+          <p:nvPr/>
+        </p:nvPicPr>
+        <p:blipFill>
+          <a:blip r:embed="rId3"/>
+          <a:srcRect/>
+          <a:stretch/>
+        </p:blipFill>
+        <p:spPr>
+          <a:xfrm>
+            <a:off x="584200" y="850900"/>
+            <a:ext cx="5080000" cy="5080000"/>
+          </a:xfrm>
+          <a:prstGeom prst="rect">
+            <a:avLst/>
+          </a:prstGeom>
+        </p:spPr>
+      </p:pic>
+      <p:sp>
+        <p:nvSpPr>
+          <p:cNvPr id="3" name="Right Arrow 2">
+            <a:extLst>
+              <a:ext uri="{FF2B5EF4-FFF2-40B4-BE49-F238E27FC236}">
+                <a16:creationId xmlns:a16="http://schemas.microsoft.com/office/drawing/2014/main" id="{F667A1F3-4DCE-4621-FD5C-51E6E9918D49}"/>
+              </a:ext>
+            </a:extLst>
+          </p:cNvPr>
+          <p:cNvSpPr/>
+          <p:nvPr/>
+        </p:nvSpPr>
+        <p:spPr>
+          <a:xfrm>
+            <a:off x="6096000" y="2316480"/>
+            <a:ext cx="2461566" cy="2148840"/>
+          </a:xfrm>
+          <a:prstGeom prst="rightArrow">
+            <a:avLst>
+              <a:gd name="adj1" fmla="val 34127"/>
+              <a:gd name="adj2" fmla="val 50000"/>
+            </a:avLst>
+          </a:prstGeom>
+        </p:spPr>
+        <p:style>
+          <a:lnRef idx="2">
+            <a:schemeClr val="dk1">
+              <a:shade val="15000"/>
+            </a:schemeClr>
+          </a:lnRef>
+          <a:fillRef idx="1">
+            <a:schemeClr val="dk1"/>
+          </a:fillRef>
+          <a:effectRef idx="0">
+            <a:schemeClr val="dk1"/>
+          </a:effectRef>
+          <a:fontRef idx="minor">
+            <a:schemeClr val="lt1"/>
+          </a:fontRef>
+        </p:style>
+        <p:txBody>
+          <a:bodyPr rtlCol="0" anchor="ctr"/>
+          <a:lstStyle/>
+          <a:p>
+            <a:pPr algn="ctr"/>
+            <a:endParaRPr lang="en-US" b="1" dirty="0"/>
+          </a:p>
+        </p:txBody>
+      </p:sp>
+      <p:pic>
+        <p:nvPicPr>
+          <p:cNvPr id="4" name="Graphic 3" descr="Question Mark with solid fill">
+            <a:extLst>
+              <a:ext uri="{FF2B5EF4-FFF2-40B4-BE49-F238E27FC236}">
+                <a16:creationId xmlns:a16="http://schemas.microsoft.com/office/drawing/2014/main" id="{9FFCABC1-BD12-A55F-A96E-5616B7253C8C}"/>
+              </a:ext>
+            </a:extLst>
+          </p:cNvPr>
+          <p:cNvPicPr>
+            <a:picLocks noChangeAspect="1"/>
+          </p:cNvPicPr>
+          <p:nvPr/>
+        </p:nvPicPr>
+        <p:blipFill>
+          <a:blip r:embed="rId4">
+            <a:extLst>
+              <a:ext uri="{96DAC541-7B7A-43D3-8B79-37D633B846F1}">
+                <asvg:svgBlip xmlns:asvg="http://schemas.microsoft.com/office/drawing/2016/SVG/main" r:embed="rId5"/>
+              </a:ext>
+            </a:extLst>
+          </a:blip>
+          <a:stretch>
+            <a:fillRect/>
+          </a:stretch>
+        </p:blipFill>
+        <p:spPr>
+          <a:xfrm>
+            <a:off x="9144733" y="2316480"/>
+            <a:ext cx="1969253" cy="2148840"/>
+          </a:xfrm>
+          <a:prstGeom prst="rect">
+            <a:avLst/>
+          </a:prstGeom>
+        </p:spPr>
+      </p:pic>
+    </p:spTree>
+    <p:extLst>
+      <p:ext uri="{BB962C8B-B14F-4D97-AF65-F5344CB8AC3E}">
+        <p14:creationId xmlns:p14="http://schemas.microsoft.com/office/powerpoint/2010/main" val="1554385174"/>
+      </p:ext>
+    </p:extLst>
+  </p:cSld>
+  <p:clrMapOvr>
+    <a:masterClrMapping/>
+  </p:clrMapOvr>
+</p:sld>
+</file>
+
+<file path=ppt/slides/slide5.xml><?xml version="1.0" encoding="utf-8"?>
+<p:sld xmlns:a="http://schemas.openxmlformats.org/drawingml/2006/main" xmlns:r="http://schemas.openxmlformats.org/officeDocument/2006/relationships" xmlns:p="http://schemas.openxmlformats.org/presentationml/2006/main">
+  <p:cSld>
+    <p:spTree>
+      <p:nvGrpSpPr>
+        <p:cNvPr id="1" name="">
+          <a:extLst>
+            <a:ext uri="{FF2B5EF4-FFF2-40B4-BE49-F238E27FC236}">
+              <a16:creationId xmlns:a16="http://schemas.microsoft.com/office/drawing/2014/main" id="{5102368F-F4E1-F835-FDB1-F23052A4E5A8}"/>
+            </a:ext>
+          </a:extLst>
+        </p:cNvPr>
+        <p:cNvGrpSpPr/>
+        <p:nvPr/>
+      </p:nvGrpSpPr>
+      <p:grpSpPr>
+        <a:xfrm>
+          <a:off x="0" y="0"/>
+          <a:ext cx="0" cy="0"/>
+          <a:chOff x="0" y="0"/>
+          <a:chExt cx="0" cy="0"/>
+        </a:xfrm>
+      </p:grpSpPr>
+      <p:pic>
+        <p:nvPicPr>
+          <p:cNvPr id="4" name="Picture 3">
+            <a:extLst>
+              <a:ext uri="{FF2B5EF4-FFF2-40B4-BE49-F238E27FC236}">
+                <a16:creationId xmlns:a16="http://schemas.microsoft.com/office/drawing/2014/main" id="{CD4E6898-A6E8-414B-C601-7723489B0B28}"/>
+              </a:ext>
+            </a:extLst>
+          </p:cNvPr>
+          <p:cNvPicPr>
+            <a:picLocks noChangeAspect="1"/>
+          </p:cNvPicPr>
+          <p:nvPr/>
+        </p:nvPicPr>
+        <p:blipFill>
+          <a:blip r:embed="rId4"/>
+          <a:srcRect/>
+          <a:stretch/>
+        </p:blipFill>
+        <p:spPr>
+          <a:xfrm>
+            <a:off x="7144258" y="750264"/>
             <a:ext cx="1828800" cy="2431914"/>
           </a:xfrm>
           <a:prstGeom prst="roundRect">
@@ -7631,7 +5667,7 @@
           <p:cNvPr id="6" name="Picture 5">
             <a:extLst>
               <a:ext uri="{FF2B5EF4-FFF2-40B4-BE49-F238E27FC236}">
-                <a16:creationId xmlns:a16="http://schemas.microsoft.com/office/drawing/2014/main" id="{9EDF2D99-6B8A-AC41-4C21-19A99C015E8D}"/>
+                <a16:creationId xmlns:a16="http://schemas.microsoft.com/office/drawing/2014/main" id="{6594C4CA-8591-98E9-722E-E10647A86777}"/>
               </a:ext>
             </a:extLst>
           </p:cNvPr>
@@ -7641,13 +5677,13 @@
           <p:nvPr/>
         </p:nvPicPr>
         <p:blipFill>
-          <a:blip r:embed="rId8"/>
+          <a:blip r:embed="rId5"/>
           <a:srcRect/>
           <a:stretch/>
         </p:blipFill>
         <p:spPr>
           <a:xfrm>
-            <a:off x="3926273" y="4319941"/>
+            <a:off x="9539962" y="750264"/>
             <a:ext cx="1828800" cy="2431914"/>
           </a:xfrm>
           <a:prstGeom prst="roundRect">
@@ -7684,7 +5720,7 @@
           <p:cNvPr id="7" name="Picture 6">
             <a:extLst>
               <a:ext uri="{FF2B5EF4-FFF2-40B4-BE49-F238E27FC236}">
-                <a16:creationId xmlns:a16="http://schemas.microsoft.com/office/drawing/2014/main" id="{57E75626-0C06-7516-F7E5-D0D295C7C04B}"/>
+                <a16:creationId xmlns:a16="http://schemas.microsoft.com/office/drawing/2014/main" id="{AE55B20B-4637-32ED-E581-F3DBB6AEE698}"/>
               </a:ext>
             </a:extLst>
           </p:cNvPr>
@@ -7694,13 +5730,13 @@
           <p:nvPr/>
         </p:nvPicPr>
         <p:blipFill>
-          <a:blip r:embed="rId9"/>
+          <a:blip r:embed="rId6"/>
           <a:srcRect/>
           <a:stretch/>
         </p:blipFill>
         <p:spPr>
           <a:xfrm>
-            <a:off x="6453861" y="4319941"/>
+            <a:off x="7144258" y="3651722"/>
             <a:ext cx="1828800" cy="2431914"/>
           </a:xfrm>
           <a:prstGeom prst="roundRect">
@@ -7737,7 +5773,7 @@
           <p:cNvPr id="8" name="Picture 7">
             <a:extLst>
               <a:ext uri="{FF2B5EF4-FFF2-40B4-BE49-F238E27FC236}">
-                <a16:creationId xmlns:a16="http://schemas.microsoft.com/office/drawing/2014/main" id="{8C51955E-E4C5-4ED0-475A-0BD4FC727A63}"/>
+                <a16:creationId xmlns:a16="http://schemas.microsoft.com/office/drawing/2014/main" id="{1BAC1BE4-AC9C-221A-134F-E54A5C4D4EF1}"/>
               </a:ext>
             </a:extLst>
           </p:cNvPr>
@@ -7747,13 +5783,13 @@
           <p:nvPr/>
         </p:nvPicPr>
         <p:blipFill>
-          <a:blip r:embed="rId10"/>
+          <a:blip r:embed="rId7"/>
           <a:srcRect/>
           <a:stretch/>
         </p:blipFill>
         <p:spPr>
           <a:xfrm>
-            <a:off x="8981448" y="4319941"/>
+            <a:off x="9539962" y="3651722"/>
             <a:ext cx="1828800" cy="2431914"/>
           </a:xfrm>
           <a:prstGeom prst="roundRect">
@@ -7787,35 +5823,27 @@
       </p:pic>
       <p:pic>
         <p:nvPicPr>
-          <p:cNvPr id="19" name="Audio 18">
-            <a:extLst>
-              <a:ext uri="{FF2B5EF4-FFF2-40B4-BE49-F238E27FC236}">
-                <a16:creationId xmlns:a16="http://schemas.microsoft.com/office/drawing/2014/main" id="{4592EA7F-1CA3-6F42-B950-FA95CBBC0116}"/>
+          <p:cNvPr id="3" name="Picture 2">
+            <a:extLst>
+              <a:ext uri="{FF2B5EF4-FFF2-40B4-BE49-F238E27FC236}">
+                <a16:creationId xmlns:a16="http://schemas.microsoft.com/office/drawing/2014/main" id="{00364CAE-6F78-05AC-A7A8-C663DA5F3F7E}"/>
               </a:ext>
             </a:extLst>
           </p:cNvPr>
           <p:cNvPicPr>
             <a:picLocks noChangeAspect="1"/>
           </p:cNvPicPr>
-          <p:nvPr>
-            <a:audioFile r:link="rId3"/>
-            <p:extLst>
-              <p:ext uri="{DAA4B4D4-6D71-4841-9C94-3DE7FCFB9230}">
-                <p14:media xmlns:p14="http://schemas.microsoft.com/office/powerpoint/2010/main" r:embed="rId2"/>
-              </p:ext>
-            </p:extLst>
-          </p:nvPr>
+          <p:nvPr/>
         </p:nvPicPr>
         <p:blipFill>
-          <a:blip r:embed="rId11"/>
-          <a:stretch>
-            <a:fillRect/>
-          </a:stretch>
+          <a:blip r:embed="rId8"/>
+          <a:srcRect/>
+          <a:stretch/>
         </p:blipFill>
         <p:spPr>
           <a:xfrm>
-            <a:off x="11226800" y="5892800"/>
-            <a:ext cx="812800" cy="812800"/>
+            <a:off x="584200" y="850900"/>
+            <a:ext cx="5080000" cy="5080000"/>
           </a:xfrm>
           <a:prstGeom prst="rect">
             <a:avLst/>
@@ -7828,21 +5856,13 @@
     </p:custDataLst>
     <p:extLst>
       <p:ext uri="{BB962C8B-B14F-4D97-AF65-F5344CB8AC3E}">
-        <p14:creationId xmlns:p14="http://schemas.microsoft.com/office/powerpoint/2010/main" val="2978884094"/>
+        <p14:creationId xmlns:p14="http://schemas.microsoft.com/office/powerpoint/2010/main" val="1260373004"/>
       </p:ext>
     </p:extLst>
   </p:cSld>
   <p:clrMapOvr>
     <a:masterClrMapping/>
   </p:clrMapOvr>
-  <mc:AlternateContent xmlns:mc="http://schemas.openxmlformats.org/markup-compatibility/2006">
-    <mc:Choice xmlns:p14="http://schemas.microsoft.com/office/powerpoint/2010/main" Requires="p14">
-      <p:transition spd="slow" p14:dur="2000" advTm="23210"/>
-    </mc:Choice>
-    <mc:Fallback>
-      <p:transition spd="slow" advTm="23210"/>
-    </mc:Fallback>
-  </mc:AlternateContent>
   <p:timing>
     <p:tnLst>
       <p:par>
@@ -7855,9 +5875,6 @@
                     <p:cTn id="3" fill="hold">
                       <p:stCondLst>
                         <p:cond delay="indefinite"/>
-                        <p:cond evt="onBegin" delay="0">
-                          <p:tn val="2"/>
-                        </p:cond>
                       </p:stCondLst>
                       <p:childTnLst>
                         <p:par>
@@ -7867,94 +5884,14 @@
                             </p:stCondLst>
                             <p:childTnLst>
                               <p:par>
-                                <p:cTn id="5" presetID="1" presetClass="mediacall" presetSubtype="0" fill="hold" nodeType="afterEffect">
-                                  <p:stCondLst>
-                                    <p:cond delay="0"/>
-                                  </p:stCondLst>
-                                  <p:childTnLst>
-                                    <p:cmd type="call" cmd="playFrom(0.0)">
-                                      <p:cBhvr>
-                                        <p:cTn id="6" dur="1" fill="hold"/>
-                                        <p:tgtEl>
-                                          <p:spTgt spid="19"/>
-                                        </p:tgtEl>
-                                      </p:cBhvr>
-                                    </p:cmd>
-                                  </p:childTnLst>
-                                </p:cTn>
-                              </p:par>
-                            </p:childTnLst>
-                          </p:cTn>
-                        </p:par>
-                      </p:childTnLst>
-                    </p:cTn>
-                  </p:par>
-                  <p:par>
-                    <p:cTn id="7" fill="hold">
-                      <p:stCondLst>
-                        <p:cond delay="indefinite"/>
-                      </p:stCondLst>
-                      <p:childTnLst>
-                        <p:par>
-                          <p:cTn id="8" fill="hold">
-                            <p:stCondLst>
-                              <p:cond delay="0"/>
-                            </p:stCondLst>
-                            <p:childTnLst>
-                              <p:par>
-                                <p:cTn id="9" presetID="1" presetClass="entr" presetSubtype="0" fill="hold" nodeType="clickEffect">
+                                <p:cTn id="5" presetID="1" presetClass="entr" presetSubtype="0" fill="hold" nodeType="clickEffect">
                                   <p:stCondLst>
                                     <p:cond delay="0"/>
                                   </p:stCondLst>
                                   <p:childTnLst>
                                     <p:set>
                                       <p:cBhvr>
-                                        <p:cTn id="10" dur="1" fill="hold">
-                                          <p:stCondLst>
-                                            <p:cond delay="0"/>
-                                          </p:stCondLst>
-                                        </p:cTn>
-                                        <p:tgtEl>
-                                          <p:spTgt spid="2"/>
-                                        </p:tgtEl>
-                                        <p:attrNameLst>
-                                          <p:attrName>style.visibility</p:attrName>
-                                        </p:attrNameLst>
-                                      </p:cBhvr>
-                                      <p:to>
-                                        <p:strVal val="visible"/>
-                                      </p:to>
-                                    </p:set>
-                                  </p:childTnLst>
-                                </p:cTn>
-                              </p:par>
-                            </p:childTnLst>
-                          </p:cTn>
-                        </p:par>
-                      </p:childTnLst>
-                    </p:cTn>
-                  </p:par>
-                  <p:par>
-                    <p:cTn id="11" fill="hold">
-                      <p:stCondLst>
-                        <p:cond delay="indefinite"/>
-                      </p:stCondLst>
-                      <p:childTnLst>
-                        <p:par>
-                          <p:cTn id="12" fill="hold">
-                            <p:stCondLst>
-                              <p:cond delay="0"/>
-                            </p:stCondLst>
-                            <p:childTnLst>
-                              <p:par>
-                                <p:cTn id="13" presetID="1" presetClass="entr" presetSubtype="0" fill="hold" nodeType="clickEffect">
-                                  <p:stCondLst>
-                                    <p:cond delay="0"/>
-                                  </p:stCondLst>
-                                  <p:childTnLst>
-                                    <p:set>
-                                      <p:cBhvr>
-                                        <p:cTn id="14" dur="1" fill="hold">
+                                        <p:cTn id="6" dur="1" fill="hold">
                                           <p:stCondLst>
                                             <p:cond delay="0"/>
                                           </p:stCondLst>
@@ -7974,14 +5911,14 @@
                                 </p:cTn>
                               </p:par>
                               <p:par>
-                                <p:cTn id="15" presetID="26" presetClass="emph" presetSubtype="0" fill="hold" nodeType="withEffect">
+                                <p:cTn id="7" presetID="26" presetClass="emph" presetSubtype="0" fill="hold" nodeType="withEffect">
                                   <p:stCondLst>
                                     <p:cond delay="0"/>
                                   </p:stCondLst>
                                   <p:childTnLst>
                                     <p:animEffect transition="out" filter="fade">
                                       <p:cBhvr>
-                                        <p:cTn id="16" dur="1000" tmFilter="0, 0; .2, .5; .8, .5; 1, 0"/>
+                                        <p:cTn id="8" dur="1000" tmFilter="0, 0; .2, .5; .8, .5; 1, 0"/>
                                         <p:tgtEl>
                                           <p:spTgt spid="4"/>
                                         </p:tgtEl>
@@ -7989,7 +5926,7 @@
                                     </p:animEffect>
                                     <p:animScale>
                                       <p:cBhvr>
-                                        <p:cTn id="17" dur="500" autoRev="1" fill="hold"/>
+                                        <p:cTn id="9" dur="500" autoRev="1" fill="hold"/>
                                         <p:tgtEl>
                                           <p:spTgt spid="4"/>
                                         </p:tgtEl>
@@ -8006,26 +5943,26 @@
                     </p:cTn>
                   </p:par>
                   <p:par>
-                    <p:cTn id="18" fill="hold">
+                    <p:cTn id="10" fill="hold">
                       <p:stCondLst>
                         <p:cond delay="indefinite"/>
                       </p:stCondLst>
                       <p:childTnLst>
                         <p:par>
-                          <p:cTn id="19" fill="hold">
+                          <p:cTn id="11" fill="hold">
                             <p:stCondLst>
                               <p:cond delay="0"/>
                             </p:stCondLst>
                             <p:childTnLst>
                               <p:par>
-                                <p:cTn id="20" presetID="1" presetClass="entr" presetSubtype="0" fill="hold" nodeType="clickEffect">
+                                <p:cTn id="12" presetID="1" presetClass="entr" presetSubtype="0" fill="hold" nodeType="clickEffect">
                                   <p:stCondLst>
                                     <p:cond delay="0"/>
                                   </p:stCondLst>
                                   <p:childTnLst>
                                     <p:set>
                                       <p:cBhvr>
-                                        <p:cTn id="21" dur="1" fill="hold">
+                                        <p:cTn id="13" dur="1" fill="hold">
                                           <p:stCondLst>
                                             <p:cond delay="0"/>
                                           </p:stCondLst>
@@ -8045,14 +5982,14 @@
                                 </p:cTn>
                               </p:par>
                               <p:par>
-                                <p:cTn id="22" presetID="26" presetClass="emph" presetSubtype="0" fill="hold" nodeType="withEffect">
+                                <p:cTn id="14" presetID="26" presetClass="emph" presetSubtype="0" fill="hold" nodeType="withEffect">
                                   <p:stCondLst>
                                     <p:cond delay="0"/>
                                   </p:stCondLst>
                                   <p:childTnLst>
                                     <p:animEffect transition="out" filter="fade">
                                       <p:cBhvr>
-                                        <p:cTn id="23" dur="1000" tmFilter="0, 0; .2, .5; .8, .5; 1, 0"/>
+                                        <p:cTn id="15" dur="1000" tmFilter="0, 0; .2, .5; .8, .5; 1, 0"/>
                                         <p:tgtEl>
                                           <p:spTgt spid="6"/>
                                         </p:tgtEl>
@@ -8060,7 +5997,7 @@
                                     </p:animEffect>
                                     <p:animScale>
                                       <p:cBhvr>
-                                        <p:cTn id="24" dur="500" autoRev="1" fill="hold"/>
+                                        <p:cTn id="16" dur="500" autoRev="1" fill="hold"/>
                                         <p:tgtEl>
                                           <p:spTgt spid="6"/>
                                         </p:tgtEl>
@@ -8077,26 +6014,26 @@
                     </p:cTn>
                   </p:par>
                   <p:par>
-                    <p:cTn id="25" fill="hold">
+                    <p:cTn id="17" fill="hold">
                       <p:stCondLst>
                         <p:cond delay="indefinite"/>
                       </p:stCondLst>
                       <p:childTnLst>
                         <p:par>
-                          <p:cTn id="26" fill="hold">
+                          <p:cTn id="18" fill="hold">
                             <p:stCondLst>
                               <p:cond delay="0"/>
                             </p:stCondLst>
                             <p:childTnLst>
                               <p:par>
-                                <p:cTn id="27" presetID="1" presetClass="entr" presetSubtype="0" fill="hold" nodeType="clickEffect">
+                                <p:cTn id="19" presetID="1" presetClass="entr" presetSubtype="0" fill="hold" nodeType="clickEffect">
                                   <p:stCondLst>
                                     <p:cond delay="0"/>
                                   </p:stCondLst>
                                   <p:childTnLst>
                                     <p:set>
                                       <p:cBhvr>
-                                        <p:cTn id="28" dur="1" fill="hold">
+                                        <p:cTn id="20" dur="1" fill="hold">
                                           <p:stCondLst>
                                             <p:cond delay="0"/>
                                           </p:stCondLst>
@@ -8116,14 +6053,14 @@
                                 </p:cTn>
                               </p:par>
                               <p:par>
-                                <p:cTn id="29" presetID="26" presetClass="emph" presetSubtype="0" fill="hold" nodeType="withEffect">
+                                <p:cTn id="21" presetID="26" presetClass="emph" presetSubtype="0" fill="hold" nodeType="withEffect">
                                   <p:stCondLst>
                                     <p:cond delay="0"/>
                                   </p:stCondLst>
                                   <p:childTnLst>
                                     <p:animEffect transition="out" filter="fade">
                                       <p:cBhvr>
-                                        <p:cTn id="30" dur="1000" tmFilter="0, 0; .2, .5; .8, .5; 1, 0"/>
+                                        <p:cTn id="22" dur="1000" tmFilter="0, 0; .2, .5; .8, .5; 1, 0"/>
                                         <p:tgtEl>
                                           <p:spTgt spid="7"/>
                                         </p:tgtEl>
@@ -8131,7 +6068,7 @@
                                     </p:animEffect>
                                     <p:animScale>
                                       <p:cBhvr>
-                                        <p:cTn id="31" dur="500" autoRev="1" fill="hold"/>
+                                        <p:cTn id="23" dur="500" autoRev="1" fill="hold"/>
                                         <p:tgtEl>
                                           <p:spTgt spid="7"/>
                                         </p:tgtEl>
@@ -8148,26 +6085,26 @@
                     </p:cTn>
                   </p:par>
                   <p:par>
-                    <p:cTn id="32" fill="hold">
+                    <p:cTn id="24" fill="hold">
                       <p:stCondLst>
                         <p:cond delay="indefinite"/>
                       </p:stCondLst>
                       <p:childTnLst>
                         <p:par>
-                          <p:cTn id="33" fill="hold">
+                          <p:cTn id="25" fill="hold">
                             <p:stCondLst>
                               <p:cond delay="0"/>
                             </p:stCondLst>
                             <p:childTnLst>
                               <p:par>
-                                <p:cTn id="34" presetID="1" presetClass="entr" presetSubtype="0" fill="hold" nodeType="clickEffect">
+                                <p:cTn id="26" presetID="1" presetClass="entr" presetSubtype="0" fill="hold" nodeType="clickEffect">
                                   <p:stCondLst>
                                     <p:cond delay="0"/>
                                   </p:stCondLst>
                                   <p:childTnLst>
                                     <p:set>
                                       <p:cBhvr>
-                                        <p:cTn id="35" dur="1" fill="hold">
+                                        <p:cTn id="27" dur="1" fill="hold">
                                           <p:stCondLst>
                                             <p:cond delay="0"/>
                                           </p:stCondLst>
@@ -8187,14 +6124,14 @@
                                 </p:cTn>
                               </p:par>
                               <p:par>
-                                <p:cTn id="36" presetID="26" presetClass="emph" presetSubtype="0" fill="hold" nodeType="withEffect">
+                                <p:cTn id="28" presetID="26" presetClass="emph" presetSubtype="0" fill="hold" nodeType="withEffect">
                                   <p:stCondLst>
                                     <p:cond delay="0"/>
                                   </p:stCondLst>
                                   <p:childTnLst>
                                     <p:animEffect transition="out" filter="fade">
                                       <p:cBhvr>
-                                        <p:cTn id="37" dur="1000" tmFilter="0, 0; .2, .5; .8, .5; 1, 0"/>
+                                        <p:cTn id="29" dur="1000" tmFilter="0, 0; .2, .5; .8, .5; 1, 0"/>
                                         <p:tgtEl>
                                           <p:spTgt spid="8"/>
                                         </p:tgtEl>
@@ -8202,7 +6139,7 @@
                                     </p:animEffect>
                                     <p:animScale>
                                       <p:cBhvr>
-                                        <p:cTn id="38" dur="500" autoRev="1" fill="hold"/>
+                                        <p:cTn id="30" dur="500" autoRev="1" fill="hold"/>
                                         <p:tgtEl>
                                           <p:spTgt spid="8"/>
                                         </p:tgtEl>
@@ -8235,25 +6172,504 @@
                 </p:cond>
               </p:nextCondLst>
             </p:seq>
-            <p:audio isNarration="1">
-              <p:cMediaNode vol="80000" showWhenStopped="0">
-                <p:cTn id="39" fill="hold" display="0">
-                  <p:stCondLst>
-                    <p:cond delay="indefinite"/>
-                  </p:stCondLst>
-                  <p:endCondLst>
-                    <p:cond evt="onStopAudio" delay="0">
-                      <p:tgtEl>
-                        <p:sldTgt/>
-                      </p:tgtEl>
-                    </p:cond>
-                  </p:endCondLst>
-                </p:cTn>
-                <p:tgtEl>
-                  <p:spTgt spid="19"/>
-                </p:tgtEl>
-              </p:cMediaNode>
-            </p:audio>
+          </p:childTnLst>
+        </p:cTn>
+      </p:par>
+    </p:tnLst>
+  </p:timing>
+</p:sld>
+</file>
+
+<file path=ppt/slides/slide6.xml><?xml version="1.0" encoding="utf-8"?>
+<p:sld xmlns:a="http://schemas.openxmlformats.org/drawingml/2006/main" xmlns:r="http://schemas.openxmlformats.org/officeDocument/2006/relationships" xmlns:p="http://schemas.openxmlformats.org/presentationml/2006/main">
+  <p:cSld>
+    <p:spTree>
+      <p:nvGrpSpPr>
+        <p:cNvPr id="1" name="">
+          <a:extLst>
+            <a:ext uri="{FF2B5EF4-FFF2-40B4-BE49-F238E27FC236}">
+              <a16:creationId xmlns:a16="http://schemas.microsoft.com/office/drawing/2014/main" id="{C4E6D5F3-7E1F-6F6F-C5CC-36A6030516B4}"/>
+            </a:ext>
+          </a:extLst>
+        </p:cNvPr>
+        <p:cNvGrpSpPr/>
+        <p:nvPr/>
+      </p:nvGrpSpPr>
+      <p:grpSpPr>
+        <a:xfrm>
+          <a:off x="0" y="0"/>
+          <a:ext cx="0" cy="0"/>
+          <a:chOff x="0" y="0"/>
+          <a:chExt cx="0" cy="0"/>
+        </a:xfrm>
+      </p:grpSpPr>
+      <p:pic>
+        <p:nvPicPr>
+          <p:cNvPr id="2" name="Picture 1">
+            <a:extLst>
+              <a:ext uri="{FF2B5EF4-FFF2-40B4-BE49-F238E27FC236}">
+                <a16:creationId xmlns:a16="http://schemas.microsoft.com/office/drawing/2014/main" id="{B75B097E-3A99-26A0-4868-82A256A9C19F}"/>
+              </a:ext>
+            </a:extLst>
+          </p:cNvPr>
+          <p:cNvPicPr>
+            <a:picLocks noChangeAspect="1"/>
+          </p:cNvPicPr>
+          <p:nvPr/>
+        </p:nvPicPr>
+        <p:blipFill>
+          <a:blip r:embed="rId3"/>
+          <a:srcRect/>
+          <a:stretch/>
+        </p:blipFill>
+        <p:spPr>
+          <a:xfrm>
+            <a:off x="584200" y="850900"/>
+            <a:ext cx="5080000" cy="5080000"/>
+          </a:xfrm>
+          <a:prstGeom prst="rect">
+            <a:avLst/>
+          </a:prstGeom>
+        </p:spPr>
+      </p:pic>
+    </p:spTree>
+    <p:extLst>
+      <p:ext uri="{BB962C8B-B14F-4D97-AF65-F5344CB8AC3E}">
+        <p14:creationId xmlns:p14="http://schemas.microsoft.com/office/powerpoint/2010/main" val="2496675178"/>
+      </p:ext>
+    </p:extLst>
+  </p:cSld>
+  <p:clrMapOvr>
+    <a:masterClrMapping/>
+  </p:clrMapOvr>
+</p:sld>
+</file>
+
+<file path=ppt/slides/slide7.xml><?xml version="1.0" encoding="utf-8"?>
+<p:sld xmlns:a="http://schemas.openxmlformats.org/drawingml/2006/main" xmlns:r="http://schemas.openxmlformats.org/officeDocument/2006/relationships" xmlns:p="http://schemas.openxmlformats.org/presentationml/2006/main">
+  <p:cSld>
+    <p:spTree>
+      <p:nvGrpSpPr>
+        <p:cNvPr id="1" name="">
+          <a:extLst>
+            <a:ext uri="{FF2B5EF4-FFF2-40B4-BE49-F238E27FC236}">
+              <a16:creationId xmlns:a16="http://schemas.microsoft.com/office/drawing/2014/main" id="{E1F2284E-724D-CC78-CDB7-9C285B310F1F}"/>
+            </a:ext>
+          </a:extLst>
+        </p:cNvPr>
+        <p:cNvGrpSpPr/>
+        <p:nvPr/>
+      </p:nvGrpSpPr>
+      <p:grpSpPr>
+        <a:xfrm>
+          <a:off x="0" y="0"/>
+          <a:ext cx="0" cy="0"/>
+          <a:chOff x="0" y="0"/>
+          <a:chExt cx="0" cy="0"/>
+        </a:xfrm>
+      </p:grpSpPr>
+      <p:pic>
+        <p:nvPicPr>
+          <p:cNvPr id="5" name="Picture 4">
+            <a:extLst>
+              <a:ext uri="{FF2B5EF4-FFF2-40B4-BE49-F238E27FC236}">
+                <a16:creationId xmlns:a16="http://schemas.microsoft.com/office/drawing/2014/main" id="{426FB61E-9C11-DE62-F6FA-96AD45080F9E}"/>
+              </a:ext>
+            </a:extLst>
+          </p:cNvPr>
+          <p:cNvPicPr>
+            <a:picLocks noChangeAspect="1"/>
+          </p:cNvPicPr>
+          <p:nvPr/>
+        </p:nvPicPr>
+        <p:blipFill>
+          <a:blip r:embed="rId4"/>
+          <a:srcRect/>
+          <a:stretch/>
+        </p:blipFill>
+        <p:spPr>
+          <a:xfrm>
+            <a:off x="317500" y="357415"/>
+            <a:ext cx="2743200" cy="2743200"/>
+          </a:xfrm>
+          <a:prstGeom prst="rect">
+            <a:avLst/>
+          </a:prstGeom>
+        </p:spPr>
+      </p:pic>
+      <p:pic>
+        <p:nvPicPr>
+          <p:cNvPr id="34" name="Picture 33">
+            <a:extLst>
+              <a:ext uri="{FF2B5EF4-FFF2-40B4-BE49-F238E27FC236}">
+                <a16:creationId xmlns:a16="http://schemas.microsoft.com/office/drawing/2014/main" id="{D0419920-D1AB-A6FB-1FE2-7DFB75104B37}"/>
+              </a:ext>
+            </a:extLst>
+          </p:cNvPr>
+          <p:cNvPicPr>
+            <a:picLocks noChangeAspect="1"/>
+          </p:cNvPicPr>
+          <p:nvPr/>
+        </p:nvPicPr>
+        <p:blipFill>
+          <a:blip r:embed="rId4"/>
+          <a:srcRect/>
+          <a:stretch/>
+        </p:blipFill>
+        <p:spPr>
+          <a:xfrm>
+            <a:off x="6605814" y="357415"/>
+            <a:ext cx="2743200" cy="2743200"/>
+          </a:xfrm>
+          <a:prstGeom prst="rect">
+            <a:avLst/>
+          </a:prstGeom>
+        </p:spPr>
+      </p:pic>
+      <p:pic>
+        <p:nvPicPr>
+          <p:cNvPr id="30" name="Picture 29">
+            <a:extLst>
+              <a:ext uri="{FF2B5EF4-FFF2-40B4-BE49-F238E27FC236}">
+                <a16:creationId xmlns:a16="http://schemas.microsoft.com/office/drawing/2014/main" id="{77970179-75B4-0B8B-F481-5A637DB6DD2A}"/>
+              </a:ext>
+            </a:extLst>
+          </p:cNvPr>
+          <p:cNvPicPr>
+            <a:picLocks noChangeAspect="1"/>
+          </p:cNvPicPr>
+          <p:nvPr/>
+        </p:nvPicPr>
+        <p:blipFill>
+          <a:blip r:embed="rId5"/>
+          <a:srcRect/>
+          <a:stretch/>
+        </p:blipFill>
+        <p:spPr>
+          <a:xfrm>
+            <a:off x="317500" y="3757386"/>
+            <a:ext cx="2743200" cy="2743200"/>
+          </a:xfrm>
+          <a:prstGeom prst="rect">
+            <a:avLst/>
+          </a:prstGeom>
+        </p:spPr>
+      </p:pic>
+      <p:pic>
+        <p:nvPicPr>
+          <p:cNvPr id="38" name="Picture 37">
+            <a:extLst>
+              <a:ext uri="{FF2B5EF4-FFF2-40B4-BE49-F238E27FC236}">
+                <a16:creationId xmlns:a16="http://schemas.microsoft.com/office/drawing/2014/main" id="{44748D75-8DE5-54F6-607B-193778070116}"/>
+              </a:ext>
+            </a:extLst>
+          </p:cNvPr>
+          <p:cNvPicPr>
+            <a:picLocks noChangeAspect="1"/>
+          </p:cNvPicPr>
+          <p:nvPr/>
+        </p:nvPicPr>
+        <p:blipFill>
+          <a:blip r:embed="rId5"/>
+          <a:srcRect/>
+          <a:stretch/>
+        </p:blipFill>
+        <p:spPr>
+          <a:xfrm>
+            <a:off x="6605814" y="3757386"/>
+            <a:ext cx="2743200" cy="2743200"/>
+          </a:xfrm>
+          <a:prstGeom prst="rect">
+            <a:avLst/>
+          </a:prstGeom>
+        </p:spPr>
+      </p:pic>
+    </p:spTree>
+    <p:custDataLst>
+      <p:tags r:id="rId1"/>
+    </p:custDataLst>
+    <p:extLst>
+      <p:ext uri="{BB962C8B-B14F-4D97-AF65-F5344CB8AC3E}">
+        <p14:creationId xmlns:p14="http://schemas.microsoft.com/office/powerpoint/2010/main" val="2412656309"/>
+      </p:ext>
+    </p:extLst>
+  </p:cSld>
+  <p:clrMapOvr>
+    <a:masterClrMapping/>
+  </p:clrMapOvr>
+  <p:timing>
+    <p:tnLst>
+      <p:par>
+        <p:cTn id="1" dur="indefinite" restart="never" nodeType="tmRoot">
+          <p:childTnLst>
+            <p:seq concurrent="1" nextAc="seek">
+              <p:cTn id="2" dur="indefinite" nodeType="mainSeq">
+                <p:childTnLst>
+                  <p:par>
+                    <p:cTn id="3" fill="hold">
+                      <p:stCondLst>
+                        <p:cond delay="indefinite"/>
+                      </p:stCondLst>
+                      <p:childTnLst>
+                        <p:par>
+                          <p:cTn id="4" fill="hold">
+                            <p:stCondLst>
+                              <p:cond delay="0"/>
+                            </p:stCondLst>
+                            <p:childTnLst>
+                              <p:par>
+                                <p:cTn id="5" presetID="1" presetClass="entr" presetSubtype="0" fill="hold" nodeType="clickEffect">
+                                  <p:stCondLst>
+                                    <p:cond delay="0"/>
+                                  </p:stCondLst>
+                                  <p:childTnLst>
+                                    <p:set>
+                                      <p:cBhvr>
+                                        <p:cTn id="6" dur="1" fill="hold">
+                                          <p:stCondLst>
+                                            <p:cond delay="0"/>
+                                          </p:stCondLst>
+                                        </p:cTn>
+                                        <p:tgtEl>
+                                          <p:spTgt spid="5"/>
+                                        </p:tgtEl>
+                                        <p:attrNameLst>
+                                          <p:attrName>style.visibility</p:attrName>
+                                        </p:attrNameLst>
+                                      </p:cBhvr>
+                                      <p:to>
+                                        <p:strVal val="visible"/>
+                                      </p:to>
+                                    </p:set>
+                                  </p:childTnLst>
+                                </p:cTn>
+                              </p:par>
+                              <p:par>
+                                <p:cTn id="7" presetID="1" presetClass="entr" presetSubtype="0" fill="hold" nodeType="withEffect">
+                                  <p:stCondLst>
+                                    <p:cond delay="0"/>
+                                  </p:stCondLst>
+                                  <p:childTnLst>
+                                    <p:set>
+                                      <p:cBhvr>
+                                        <p:cTn id="8" dur="1" fill="hold">
+                                          <p:stCondLst>
+                                            <p:cond delay="0"/>
+                                          </p:stCondLst>
+                                        </p:cTn>
+                                        <p:tgtEl>
+                                          <p:spTgt spid="34"/>
+                                        </p:tgtEl>
+                                        <p:attrNameLst>
+                                          <p:attrName>style.visibility</p:attrName>
+                                        </p:attrNameLst>
+                                      </p:cBhvr>
+                                      <p:to>
+                                        <p:strVal val="visible"/>
+                                      </p:to>
+                                    </p:set>
+                                  </p:childTnLst>
+                                </p:cTn>
+                              </p:par>
+                              <p:par>
+                                <p:cTn id="9" presetID="26" presetClass="emph" presetSubtype="0" fill="hold" nodeType="withEffect">
+                                  <p:stCondLst>
+                                    <p:cond delay="0"/>
+                                  </p:stCondLst>
+                                  <p:childTnLst>
+                                    <p:animEffect transition="out" filter="fade">
+                                      <p:cBhvr>
+                                        <p:cTn id="10" dur="1000" tmFilter="0, 0; .2, .5; .8, .5; 1, 0"/>
+                                        <p:tgtEl>
+                                          <p:spTgt spid="34"/>
+                                        </p:tgtEl>
+                                      </p:cBhvr>
+                                    </p:animEffect>
+                                    <p:animScale>
+                                      <p:cBhvr>
+                                        <p:cTn id="11" dur="500" autoRev="1" fill="hold"/>
+                                        <p:tgtEl>
+                                          <p:spTgt spid="34"/>
+                                        </p:tgtEl>
+                                      </p:cBhvr>
+                                      <p:by x="105000" y="105000"/>
+                                    </p:animScale>
+                                  </p:childTnLst>
+                                </p:cTn>
+                              </p:par>
+                              <p:par>
+                                <p:cTn id="12" presetID="26" presetClass="emph" presetSubtype="0" fill="hold" nodeType="withEffect">
+                                  <p:stCondLst>
+                                    <p:cond delay="0"/>
+                                  </p:stCondLst>
+                                  <p:childTnLst>
+                                    <p:animEffect transition="out" filter="fade">
+                                      <p:cBhvr>
+                                        <p:cTn id="13" dur="1000" tmFilter="0, 0; .2, .5; .8, .5; 1, 0"/>
+                                        <p:tgtEl>
+                                          <p:spTgt spid="5"/>
+                                        </p:tgtEl>
+                                      </p:cBhvr>
+                                    </p:animEffect>
+                                    <p:animScale>
+                                      <p:cBhvr>
+                                        <p:cTn id="14" dur="500" autoRev="1" fill="hold"/>
+                                        <p:tgtEl>
+                                          <p:spTgt spid="5"/>
+                                        </p:tgtEl>
+                                      </p:cBhvr>
+                                      <p:by x="105000" y="105000"/>
+                                    </p:animScale>
+                                  </p:childTnLst>
+                                </p:cTn>
+                              </p:par>
+                            </p:childTnLst>
+                          </p:cTn>
+                        </p:par>
+                      </p:childTnLst>
+                    </p:cTn>
+                  </p:par>
+                  <p:par>
+                    <p:cTn id="15" fill="hold">
+                      <p:stCondLst>
+                        <p:cond delay="indefinite"/>
+                      </p:stCondLst>
+                      <p:childTnLst>
+                        <p:par>
+                          <p:cTn id="16" fill="hold">
+                            <p:stCondLst>
+                              <p:cond delay="0"/>
+                            </p:stCondLst>
+                            <p:childTnLst>
+                              <p:par>
+                                <p:cTn id="17" presetID="1" presetClass="entr" presetSubtype="0" fill="hold" nodeType="clickEffect">
+                                  <p:stCondLst>
+                                    <p:cond delay="0"/>
+                                  </p:stCondLst>
+                                  <p:childTnLst>
+                                    <p:set>
+                                      <p:cBhvr>
+                                        <p:cTn id="18" dur="1" fill="hold">
+                                          <p:stCondLst>
+                                            <p:cond delay="0"/>
+                                          </p:stCondLst>
+                                        </p:cTn>
+                                        <p:tgtEl>
+                                          <p:spTgt spid="30"/>
+                                        </p:tgtEl>
+                                        <p:attrNameLst>
+                                          <p:attrName>style.visibility</p:attrName>
+                                        </p:attrNameLst>
+                                      </p:cBhvr>
+                                      <p:to>
+                                        <p:strVal val="visible"/>
+                                      </p:to>
+                                    </p:set>
+                                  </p:childTnLst>
+                                </p:cTn>
+                              </p:par>
+                              <p:par>
+                                <p:cTn id="19" presetID="1" presetClass="entr" presetSubtype="0" fill="hold" nodeType="withEffect">
+                                  <p:stCondLst>
+                                    <p:cond delay="0"/>
+                                  </p:stCondLst>
+                                  <p:childTnLst>
+                                    <p:set>
+                                      <p:cBhvr>
+                                        <p:cTn id="20" dur="1" fill="hold">
+                                          <p:stCondLst>
+                                            <p:cond delay="0"/>
+                                          </p:stCondLst>
+                                        </p:cTn>
+                                        <p:tgtEl>
+                                          <p:spTgt spid="38"/>
+                                        </p:tgtEl>
+                                        <p:attrNameLst>
+                                          <p:attrName>style.visibility</p:attrName>
+                                        </p:attrNameLst>
+                                      </p:cBhvr>
+                                      <p:to>
+                                        <p:strVal val="visible"/>
+                                      </p:to>
+                                    </p:set>
+                                  </p:childTnLst>
+                                </p:cTn>
+                              </p:par>
+                              <p:par>
+                                <p:cTn id="21" presetID="26" presetClass="emph" presetSubtype="0" fill="hold" nodeType="withEffect">
+                                  <p:stCondLst>
+                                    <p:cond delay="0"/>
+                                  </p:stCondLst>
+                                  <p:childTnLst>
+                                    <p:animEffect transition="out" filter="fade">
+                                      <p:cBhvr>
+                                        <p:cTn id="22" dur="1000" tmFilter="0, 0; .2, .5; .8, .5; 1, 0"/>
+                                        <p:tgtEl>
+                                          <p:spTgt spid="38"/>
+                                        </p:tgtEl>
+                                      </p:cBhvr>
+                                    </p:animEffect>
+                                    <p:animScale>
+                                      <p:cBhvr>
+                                        <p:cTn id="23" dur="500" autoRev="1" fill="hold"/>
+                                        <p:tgtEl>
+                                          <p:spTgt spid="38"/>
+                                        </p:tgtEl>
+                                      </p:cBhvr>
+                                      <p:by x="105000" y="105000"/>
+                                    </p:animScale>
+                                  </p:childTnLst>
+                                </p:cTn>
+                              </p:par>
+                              <p:par>
+                                <p:cTn id="24" presetID="26" presetClass="emph" presetSubtype="0" fill="hold" nodeType="withEffect">
+                                  <p:stCondLst>
+                                    <p:cond delay="0"/>
+                                  </p:stCondLst>
+                                  <p:childTnLst>
+                                    <p:animEffect transition="out" filter="fade">
+                                      <p:cBhvr>
+                                        <p:cTn id="25" dur="1000" tmFilter="0, 0; .2, .5; .8, .5; 1, 0"/>
+                                        <p:tgtEl>
+                                          <p:spTgt spid="30"/>
+                                        </p:tgtEl>
+                                      </p:cBhvr>
+                                    </p:animEffect>
+                                    <p:animScale>
+                                      <p:cBhvr>
+                                        <p:cTn id="26" dur="500" autoRev="1" fill="hold"/>
+                                        <p:tgtEl>
+                                          <p:spTgt spid="30"/>
+                                        </p:tgtEl>
+                                      </p:cBhvr>
+                                      <p:by x="105000" y="105000"/>
+                                    </p:animScale>
+                                  </p:childTnLst>
+                                </p:cTn>
+                              </p:par>
+                            </p:childTnLst>
+                          </p:cTn>
+                        </p:par>
+                      </p:childTnLst>
+                    </p:cTn>
+                  </p:par>
+                </p:childTnLst>
+              </p:cTn>
+              <p:prevCondLst>
+                <p:cond evt="onPrev" delay="0">
+                  <p:tgtEl>
+                    <p:sldTgt/>
+                  </p:tgtEl>
+                </p:cond>
+              </p:prevCondLst>
+              <p:nextCondLst>
+                <p:cond evt="onNext" delay="0">
+                  <p:tgtEl>
+                    <p:sldTgt/>
+                  </p:tgtEl>
+                </p:cond>
+              </p:nextCondLst>
+            </p:seq>
           </p:childTnLst>
         </p:cTn>
       </p:par>
@@ -8263,6 +6679,555 @@
 </file>
 
 <file path=ppt/slides/slide8.xml><?xml version="1.0" encoding="utf-8"?>
+<p:sld xmlns:a="http://schemas.openxmlformats.org/drawingml/2006/main" xmlns:r="http://schemas.openxmlformats.org/officeDocument/2006/relationships" xmlns:p="http://schemas.openxmlformats.org/presentationml/2006/main">
+  <p:cSld>
+    <p:spTree>
+      <p:nvGrpSpPr>
+        <p:cNvPr id="1" name="">
+          <a:extLst>
+            <a:ext uri="{FF2B5EF4-FFF2-40B4-BE49-F238E27FC236}">
+              <a16:creationId xmlns:a16="http://schemas.microsoft.com/office/drawing/2014/main" id="{666A4C1B-E3B5-739C-9792-279739B77239}"/>
+            </a:ext>
+          </a:extLst>
+        </p:cNvPr>
+        <p:cNvGrpSpPr/>
+        <p:nvPr/>
+      </p:nvGrpSpPr>
+      <p:grpSpPr>
+        <a:xfrm>
+          <a:off x="0" y="0"/>
+          <a:ext cx="0" cy="0"/>
+          <a:chOff x="0" y="0"/>
+          <a:chExt cx="0" cy="0"/>
+        </a:xfrm>
+      </p:grpSpPr>
+      <p:pic>
+        <p:nvPicPr>
+          <p:cNvPr id="2" name="Picture 1">
+            <a:extLst>
+              <a:ext uri="{FF2B5EF4-FFF2-40B4-BE49-F238E27FC236}">
+                <a16:creationId xmlns:a16="http://schemas.microsoft.com/office/drawing/2014/main" id="{3CCFBCD7-45FE-C822-65D6-343C67A7FC9E}"/>
+              </a:ext>
+            </a:extLst>
+          </p:cNvPr>
+          <p:cNvPicPr>
+            <a:picLocks noChangeAspect="1"/>
+          </p:cNvPicPr>
+          <p:nvPr/>
+        </p:nvPicPr>
+        <p:blipFill>
+          <a:blip r:embed="rId4"/>
+          <a:srcRect/>
+          <a:stretch/>
+        </p:blipFill>
+        <p:spPr>
+          <a:xfrm>
+            <a:off x="276470" y="351553"/>
+            <a:ext cx="2743200" cy="2743200"/>
+          </a:xfrm>
+          <a:prstGeom prst="rect">
+            <a:avLst/>
+          </a:prstGeom>
+        </p:spPr>
+      </p:pic>
+      <p:pic>
+        <p:nvPicPr>
+          <p:cNvPr id="4" name="Picture 3">
+            <a:extLst>
+              <a:ext uri="{FF2B5EF4-FFF2-40B4-BE49-F238E27FC236}">
+                <a16:creationId xmlns:a16="http://schemas.microsoft.com/office/drawing/2014/main" id="{496D5082-AC7C-C5D0-DE93-25A8673E9A67}"/>
+              </a:ext>
+            </a:extLst>
+          </p:cNvPr>
+          <p:cNvPicPr>
+            <a:picLocks noChangeAspect="1"/>
+          </p:cNvPicPr>
+          <p:nvPr/>
+        </p:nvPicPr>
+        <p:blipFill>
+          <a:blip r:embed="rId4"/>
+          <a:srcRect/>
+          <a:stretch/>
+        </p:blipFill>
+        <p:spPr>
+          <a:xfrm>
+            <a:off x="6564784" y="351553"/>
+            <a:ext cx="2743200" cy="2743200"/>
+          </a:xfrm>
+          <a:prstGeom prst="rect">
+            <a:avLst/>
+          </a:prstGeom>
+        </p:spPr>
+      </p:pic>
+      <p:pic>
+        <p:nvPicPr>
+          <p:cNvPr id="6" name="Picture 5">
+            <a:extLst>
+              <a:ext uri="{FF2B5EF4-FFF2-40B4-BE49-F238E27FC236}">
+                <a16:creationId xmlns:a16="http://schemas.microsoft.com/office/drawing/2014/main" id="{FAFB07EB-8F1F-7A44-5B9F-C5E65A6D70B2}"/>
+              </a:ext>
+            </a:extLst>
+          </p:cNvPr>
+          <p:cNvPicPr>
+            <a:picLocks noChangeAspect="1"/>
+          </p:cNvPicPr>
+          <p:nvPr/>
+        </p:nvPicPr>
+        <p:blipFill>
+          <a:blip r:embed="rId5"/>
+          <a:srcRect/>
+          <a:stretch/>
+        </p:blipFill>
+        <p:spPr>
+          <a:xfrm>
+            <a:off x="276470" y="3751524"/>
+            <a:ext cx="2743200" cy="2743200"/>
+          </a:xfrm>
+          <a:prstGeom prst="rect">
+            <a:avLst/>
+          </a:prstGeom>
+        </p:spPr>
+      </p:pic>
+      <p:pic>
+        <p:nvPicPr>
+          <p:cNvPr id="7" name="Picture 6">
+            <a:extLst>
+              <a:ext uri="{FF2B5EF4-FFF2-40B4-BE49-F238E27FC236}">
+                <a16:creationId xmlns:a16="http://schemas.microsoft.com/office/drawing/2014/main" id="{0FE343B7-8CFF-CD0D-94DC-4F4F7BF5C69B}"/>
+              </a:ext>
+            </a:extLst>
+          </p:cNvPr>
+          <p:cNvPicPr>
+            <a:picLocks noChangeAspect="1"/>
+          </p:cNvPicPr>
+          <p:nvPr/>
+        </p:nvPicPr>
+        <p:blipFill>
+          <a:blip r:embed="rId5"/>
+          <a:srcRect/>
+          <a:stretch/>
+        </p:blipFill>
+        <p:spPr>
+          <a:xfrm>
+            <a:off x="6564784" y="3751524"/>
+            <a:ext cx="2743200" cy="2743200"/>
+          </a:xfrm>
+          <a:prstGeom prst="rect">
+            <a:avLst/>
+          </a:prstGeom>
+        </p:spPr>
+      </p:pic>
+      <p:pic>
+        <p:nvPicPr>
+          <p:cNvPr id="5" name="Picture 4">
+            <a:extLst>
+              <a:ext uri="{FF2B5EF4-FFF2-40B4-BE49-F238E27FC236}">
+                <a16:creationId xmlns:a16="http://schemas.microsoft.com/office/drawing/2014/main" id="{5B22345B-6393-B740-8392-4DC4881F6B86}"/>
+              </a:ext>
+            </a:extLst>
+          </p:cNvPr>
+          <p:cNvPicPr>
+            <a:picLocks noChangeAspect="1"/>
+          </p:cNvPicPr>
+          <p:nvPr/>
+        </p:nvPicPr>
+        <p:blipFill>
+          <a:blip r:embed="rId6"/>
+          <a:srcRect/>
+          <a:stretch/>
+        </p:blipFill>
+        <p:spPr>
+          <a:xfrm>
+            <a:off x="317500" y="357415"/>
+            <a:ext cx="2743200" cy="2743200"/>
+          </a:xfrm>
+          <a:prstGeom prst="rect">
+            <a:avLst/>
+          </a:prstGeom>
+        </p:spPr>
+      </p:pic>
+      <p:pic>
+        <p:nvPicPr>
+          <p:cNvPr id="34" name="Picture 33">
+            <a:extLst>
+              <a:ext uri="{FF2B5EF4-FFF2-40B4-BE49-F238E27FC236}">
+                <a16:creationId xmlns:a16="http://schemas.microsoft.com/office/drawing/2014/main" id="{326D68A3-0554-317B-E7D4-90CD40095D4B}"/>
+              </a:ext>
+            </a:extLst>
+          </p:cNvPr>
+          <p:cNvPicPr>
+            <a:picLocks noChangeAspect="1"/>
+          </p:cNvPicPr>
+          <p:nvPr/>
+        </p:nvPicPr>
+        <p:blipFill>
+          <a:blip r:embed="rId7"/>
+          <a:srcRect/>
+          <a:stretch/>
+        </p:blipFill>
+        <p:spPr>
+          <a:xfrm>
+            <a:off x="6605814" y="357415"/>
+            <a:ext cx="2743200" cy="2743200"/>
+          </a:xfrm>
+          <a:prstGeom prst="rect">
+            <a:avLst/>
+          </a:prstGeom>
+        </p:spPr>
+      </p:pic>
+      <p:pic>
+        <p:nvPicPr>
+          <p:cNvPr id="30" name="Picture 29">
+            <a:extLst>
+              <a:ext uri="{FF2B5EF4-FFF2-40B4-BE49-F238E27FC236}">
+                <a16:creationId xmlns:a16="http://schemas.microsoft.com/office/drawing/2014/main" id="{343AEB6C-9739-1077-DA4A-2E379E3B42E1}"/>
+              </a:ext>
+            </a:extLst>
+          </p:cNvPr>
+          <p:cNvPicPr>
+            <a:picLocks noChangeAspect="1"/>
+          </p:cNvPicPr>
+          <p:nvPr/>
+        </p:nvPicPr>
+        <p:blipFill>
+          <a:blip r:embed="rId8"/>
+          <a:srcRect/>
+          <a:stretch/>
+        </p:blipFill>
+        <p:spPr>
+          <a:xfrm>
+            <a:off x="317500" y="3757386"/>
+            <a:ext cx="2743200" cy="2743200"/>
+          </a:xfrm>
+          <a:prstGeom prst="rect">
+            <a:avLst/>
+          </a:prstGeom>
+        </p:spPr>
+      </p:pic>
+      <p:pic>
+        <p:nvPicPr>
+          <p:cNvPr id="38" name="Picture 37">
+            <a:extLst>
+              <a:ext uri="{FF2B5EF4-FFF2-40B4-BE49-F238E27FC236}">
+                <a16:creationId xmlns:a16="http://schemas.microsoft.com/office/drawing/2014/main" id="{2436DF55-8B1E-5D01-BCCE-773E1789FBC0}"/>
+              </a:ext>
+            </a:extLst>
+          </p:cNvPr>
+          <p:cNvPicPr>
+            <a:picLocks noChangeAspect="1"/>
+          </p:cNvPicPr>
+          <p:nvPr/>
+        </p:nvPicPr>
+        <p:blipFill>
+          <a:blip r:embed="rId9"/>
+          <a:srcRect/>
+          <a:stretch/>
+        </p:blipFill>
+        <p:spPr>
+          <a:xfrm>
+            <a:off x="6605814" y="3757386"/>
+            <a:ext cx="2743200" cy="2743200"/>
+          </a:xfrm>
+          <a:prstGeom prst="rect">
+            <a:avLst/>
+          </a:prstGeom>
+        </p:spPr>
+      </p:pic>
+    </p:spTree>
+    <p:custDataLst>
+      <p:tags r:id="rId1"/>
+    </p:custDataLst>
+    <p:extLst>
+      <p:ext uri="{BB962C8B-B14F-4D97-AF65-F5344CB8AC3E}">
+        <p14:creationId xmlns:p14="http://schemas.microsoft.com/office/powerpoint/2010/main" val="2867135856"/>
+      </p:ext>
+    </p:extLst>
+  </p:cSld>
+  <p:clrMapOvr>
+    <a:masterClrMapping/>
+  </p:clrMapOvr>
+  <p:timing>
+    <p:tnLst>
+      <p:par>
+        <p:cTn id="1" dur="indefinite" restart="never" nodeType="tmRoot">
+          <p:childTnLst>
+            <p:seq concurrent="1" nextAc="seek">
+              <p:cTn id="2" dur="indefinite" nodeType="mainSeq">
+                <p:childTnLst>
+                  <p:par>
+                    <p:cTn id="3" fill="hold">
+                      <p:stCondLst>
+                        <p:cond delay="indefinite"/>
+                      </p:stCondLst>
+                      <p:childTnLst>
+                        <p:par>
+                          <p:cTn id="4" fill="hold">
+                            <p:stCondLst>
+                              <p:cond delay="0"/>
+                            </p:stCondLst>
+                            <p:childTnLst>
+                              <p:par>
+                                <p:cTn id="5" presetID="1" presetClass="entr" presetSubtype="0" fill="hold" nodeType="clickEffect">
+                                  <p:stCondLst>
+                                    <p:cond delay="0"/>
+                                  </p:stCondLst>
+                                  <p:childTnLst>
+                                    <p:set>
+                                      <p:cBhvr>
+                                        <p:cTn id="6" dur="1" fill="hold">
+                                          <p:stCondLst>
+                                            <p:cond delay="0"/>
+                                          </p:stCondLst>
+                                        </p:cTn>
+                                        <p:tgtEl>
+                                          <p:spTgt spid="30"/>
+                                        </p:tgtEl>
+                                        <p:attrNameLst>
+                                          <p:attrName>style.visibility</p:attrName>
+                                        </p:attrNameLst>
+                                      </p:cBhvr>
+                                      <p:to>
+                                        <p:strVal val="visible"/>
+                                      </p:to>
+                                    </p:set>
+                                  </p:childTnLst>
+                                </p:cTn>
+                              </p:par>
+                              <p:par>
+                                <p:cTn id="7" presetID="1" presetClass="entr" presetSubtype="0" fill="hold" nodeType="withEffect">
+                                  <p:stCondLst>
+                                    <p:cond delay="0"/>
+                                  </p:stCondLst>
+                                  <p:childTnLst>
+                                    <p:set>
+                                      <p:cBhvr>
+                                        <p:cTn id="8" dur="1" fill="hold">
+                                          <p:stCondLst>
+                                            <p:cond delay="0"/>
+                                          </p:stCondLst>
+                                        </p:cTn>
+                                        <p:tgtEl>
+                                          <p:spTgt spid="5"/>
+                                        </p:tgtEl>
+                                        <p:attrNameLst>
+                                          <p:attrName>style.visibility</p:attrName>
+                                        </p:attrNameLst>
+                                      </p:cBhvr>
+                                      <p:to>
+                                        <p:strVal val="visible"/>
+                                      </p:to>
+                                    </p:set>
+                                  </p:childTnLst>
+                                </p:cTn>
+                              </p:par>
+                              <p:par>
+                                <p:cTn id="9" presetID="26" presetClass="emph" presetSubtype="0" fill="hold" nodeType="withEffect">
+                                  <p:stCondLst>
+                                    <p:cond delay="0"/>
+                                  </p:stCondLst>
+                                  <p:childTnLst>
+                                    <p:animEffect transition="out" filter="fade">
+                                      <p:cBhvr>
+                                        <p:cTn id="10" dur="1000" tmFilter="0, 0; .2, .5; .8, .5; 1, 0"/>
+                                        <p:tgtEl>
+                                          <p:spTgt spid="5"/>
+                                        </p:tgtEl>
+                                      </p:cBhvr>
+                                    </p:animEffect>
+                                    <p:animScale>
+                                      <p:cBhvr>
+                                        <p:cTn id="11" dur="500" autoRev="1" fill="hold"/>
+                                        <p:tgtEl>
+                                          <p:spTgt spid="5"/>
+                                        </p:tgtEl>
+                                      </p:cBhvr>
+                                      <p:by x="105000" y="105000"/>
+                                    </p:animScale>
+                                  </p:childTnLst>
+                                </p:cTn>
+                              </p:par>
+                              <p:par>
+                                <p:cTn id="12" presetID="26" presetClass="emph" presetSubtype="0" fill="hold" nodeType="withEffect">
+                                  <p:stCondLst>
+                                    <p:cond delay="0"/>
+                                  </p:stCondLst>
+                                  <p:childTnLst>
+                                    <p:animEffect transition="out" filter="fade">
+                                      <p:cBhvr>
+                                        <p:cTn id="13" dur="1000" tmFilter="0, 0; .2, .5; .8, .5; 1, 0"/>
+                                        <p:tgtEl>
+                                          <p:spTgt spid="30"/>
+                                        </p:tgtEl>
+                                      </p:cBhvr>
+                                    </p:animEffect>
+                                    <p:animScale>
+                                      <p:cBhvr>
+                                        <p:cTn id="14" dur="500" autoRev="1" fill="hold"/>
+                                        <p:tgtEl>
+                                          <p:spTgt spid="30"/>
+                                        </p:tgtEl>
+                                      </p:cBhvr>
+                                      <p:by x="105000" y="105000"/>
+                                    </p:animScale>
+                                  </p:childTnLst>
+                                </p:cTn>
+                              </p:par>
+                            </p:childTnLst>
+                          </p:cTn>
+                        </p:par>
+                      </p:childTnLst>
+                    </p:cTn>
+                  </p:par>
+                  <p:par>
+                    <p:cTn id="15" fill="hold">
+                      <p:stCondLst>
+                        <p:cond delay="indefinite"/>
+                      </p:stCondLst>
+                      <p:childTnLst>
+                        <p:par>
+                          <p:cTn id="16" fill="hold">
+                            <p:stCondLst>
+                              <p:cond delay="0"/>
+                            </p:stCondLst>
+                            <p:childTnLst>
+                              <p:par>
+                                <p:cTn id="17" presetID="1" presetClass="entr" presetSubtype="0" fill="hold" nodeType="clickEffect">
+                                  <p:stCondLst>
+                                    <p:cond delay="0"/>
+                                  </p:stCondLst>
+                                  <p:childTnLst>
+                                    <p:set>
+                                      <p:cBhvr>
+                                        <p:cTn id="18" dur="1" fill="hold">
+                                          <p:stCondLst>
+                                            <p:cond delay="0"/>
+                                          </p:stCondLst>
+                                        </p:cTn>
+                                        <p:tgtEl>
+                                          <p:spTgt spid="34"/>
+                                        </p:tgtEl>
+                                        <p:attrNameLst>
+                                          <p:attrName>style.visibility</p:attrName>
+                                        </p:attrNameLst>
+                                      </p:cBhvr>
+                                      <p:to>
+                                        <p:strVal val="visible"/>
+                                      </p:to>
+                                    </p:set>
+                                  </p:childTnLst>
+                                </p:cTn>
+                              </p:par>
+                              <p:par>
+                                <p:cTn id="19" presetID="1" presetClass="entr" presetSubtype="0" fill="hold" nodeType="withEffect">
+                                  <p:stCondLst>
+                                    <p:cond delay="0"/>
+                                  </p:stCondLst>
+                                  <p:childTnLst>
+                                    <p:set>
+                                      <p:cBhvr>
+                                        <p:cTn id="20" dur="1" fill="hold">
+                                          <p:stCondLst>
+                                            <p:cond delay="0"/>
+                                          </p:stCondLst>
+                                        </p:cTn>
+                                        <p:tgtEl>
+                                          <p:spTgt spid="38"/>
+                                        </p:tgtEl>
+                                        <p:attrNameLst>
+                                          <p:attrName>style.visibility</p:attrName>
+                                        </p:attrNameLst>
+                                      </p:cBhvr>
+                                      <p:to>
+                                        <p:strVal val="visible"/>
+                                      </p:to>
+                                    </p:set>
+                                  </p:childTnLst>
+                                </p:cTn>
+                              </p:par>
+                              <p:par>
+                                <p:cTn id="21" presetID="26" presetClass="emph" presetSubtype="0" fill="hold" nodeType="withEffect">
+                                  <p:stCondLst>
+                                    <p:cond delay="0"/>
+                                  </p:stCondLst>
+                                  <p:childTnLst>
+                                    <p:animEffect transition="out" filter="fade">
+                                      <p:cBhvr>
+                                        <p:cTn id="22" dur="1000" tmFilter="0, 0; .2, .5; .8, .5; 1, 0"/>
+                                        <p:tgtEl>
+                                          <p:spTgt spid="34"/>
+                                        </p:tgtEl>
+                                      </p:cBhvr>
+                                    </p:animEffect>
+                                    <p:animScale>
+                                      <p:cBhvr>
+                                        <p:cTn id="23" dur="500" autoRev="1" fill="hold"/>
+                                        <p:tgtEl>
+                                          <p:spTgt spid="34"/>
+                                        </p:tgtEl>
+                                      </p:cBhvr>
+                                      <p:by x="105000" y="105000"/>
+                                    </p:animScale>
+                                  </p:childTnLst>
+                                </p:cTn>
+                              </p:par>
+                              <p:par>
+                                <p:cTn id="24" presetID="26" presetClass="emph" presetSubtype="0" fill="hold" nodeType="withEffect">
+                                  <p:stCondLst>
+                                    <p:cond delay="0"/>
+                                  </p:stCondLst>
+                                  <p:childTnLst>
+                                    <p:animEffect transition="out" filter="fade">
+                                      <p:cBhvr>
+                                        <p:cTn id="25" dur="1000" tmFilter="0, 0; .2, .5; .8, .5; 1, 0"/>
+                                        <p:tgtEl>
+                                          <p:spTgt spid="38"/>
+                                        </p:tgtEl>
+                                      </p:cBhvr>
+                                    </p:animEffect>
+                                    <p:animScale>
+                                      <p:cBhvr>
+                                        <p:cTn id="26" dur="500" autoRev="1" fill="hold"/>
+                                        <p:tgtEl>
+                                          <p:spTgt spid="38"/>
+                                        </p:tgtEl>
+                                      </p:cBhvr>
+                                      <p:by x="105000" y="105000"/>
+                                    </p:animScale>
+                                  </p:childTnLst>
+                                </p:cTn>
+                              </p:par>
+                            </p:childTnLst>
+                          </p:cTn>
+                        </p:par>
+                      </p:childTnLst>
+                    </p:cTn>
+                  </p:par>
+                </p:childTnLst>
+              </p:cTn>
+              <p:prevCondLst>
+                <p:cond evt="onPrev" delay="0">
+                  <p:tgtEl>
+                    <p:sldTgt/>
+                  </p:tgtEl>
+                </p:cond>
+              </p:prevCondLst>
+              <p:nextCondLst>
+                <p:cond evt="onNext" delay="0">
+                  <p:tgtEl>
+                    <p:sldTgt/>
+                  </p:tgtEl>
+                </p:cond>
+              </p:nextCondLst>
+            </p:seq>
+          </p:childTnLst>
+        </p:cTn>
+      </p:par>
+    </p:tnLst>
+  </p:timing>
+</p:sld>
+</file>
+
+<file path=ppt/slides/slide9.xml><?xml version="1.0" encoding="utf-8"?>
 <p:sld xmlns:a="http://schemas.openxmlformats.org/drawingml/2006/main" xmlns:r="http://schemas.openxmlformats.org/officeDocument/2006/relationships" xmlns:p="http://schemas.openxmlformats.org/presentationml/2006/main">
   <p:cSld>
     <p:spTree>
@@ -8287,7 +7252,7 @@
       </p:grpSpPr>
       <p:pic>
         <p:nvPicPr>
-          <p:cNvPr id="5" name="Picture 4" descr="A cartoon character with a speech bubble&#10;&#10;Description automatically generated">
+          <p:cNvPr id="5" name="Picture 4">
             <a:extLst>
               <a:ext uri="{FF2B5EF4-FFF2-40B4-BE49-F238E27FC236}">
                 <a16:creationId xmlns:a16="http://schemas.microsoft.com/office/drawing/2014/main" id="{CA3D624D-5CE6-7A74-80EF-8B5B16CB26FE}"/>
@@ -8300,10 +7265,9 @@
           <p:nvPr/>
         </p:nvPicPr>
         <p:blipFill>
-          <a:blip r:embed="rId5"/>
-          <a:stretch>
-            <a:fillRect/>
-          </a:stretch>
+          <a:blip r:embed="rId3"/>
+          <a:srcRect/>
+          <a:stretch/>
         </p:blipFill>
         <p:spPr>
           <a:xfrm>
@@ -8330,13 +7294,13 @@
           <p:nvPr/>
         </p:nvPicPr>
         <p:blipFill>
-          <a:blip r:embed="rId6"/>
+          <a:blip r:embed="rId4"/>
           <a:srcRect/>
           <a:stretch/>
         </p:blipFill>
         <p:spPr>
           <a:xfrm>
-            <a:off x="6342042" y="357415"/>
+            <a:off x="6605816" y="357415"/>
             <a:ext cx="2743200" cy="2743200"/>
           </a:xfrm>
           <a:prstGeom prst="rect">
@@ -8359,7 +7323,7 @@
           <p:nvPr/>
         </p:nvPicPr>
         <p:blipFill>
-          <a:blip r:embed="rId7"/>
+          <a:blip r:embed="rId5"/>
           <a:srcRect/>
           <a:stretch/>
         </p:blipFill>
@@ -8388,13 +7352,13 @@
           <p:nvPr/>
         </p:nvPicPr>
         <p:blipFill>
-          <a:blip r:embed="rId8"/>
+          <a:blip r:embed="rId6"/>
           <a:srcRect/>
           <a:stretch/>
         </p:blipFill>
         <p:spPr>
           <a:xfrm>
-            <a:off x="6342042" y="3757386"/>
+            <a:off x="6605816" y="3757386"/>
             <a:ext cx="2743200" cy="2743200"/>
           </a:xfrm>
           <a:prstGeom prst="rect">
@@ -8402,202 +7366,6 @@
           </a:prstGeom>
         </p:spPr>
       </p:pic>
-      <p:sp>
-        <p:nvSpPr>
-          <p:cNvPr id="12" name="Right Arrow 11">
-            <a:extLst>
-              <a:ext uri="{FF2B5EF4-FFF2-40B4-BE49-F238E27FC236}">
-                <a16:creationId xmlns:a16="http://schemas.microsoft.com/office/drawing/2014/main" id="{93A40C22-103D-2784-CD9A-7D364522E1E1}"/>
-              </a:ext>
-            </a:extLst>
-          </p:cNvPr>
-          <p:cNvSpPr/>
-          <p:nvPr/>
-        </p:nvSpPr>
-        <p:spPr>
-          <a:xfrm>
-            <a:off x="3171648" y="1271815"/>
-            <a:ext cx="1143000" cy="914400"/>
-          </a:xfrm>
-          <a:prstGeom prst="rightArrow">
-            <a:avLst>
-              <a:gd name="adj1" fmla="val 34127"/>
-              <a:gd name="adj2" fmla="val 50000"/>
-            </a:avLst>
-          </a:prstGeom>
-        </p:spPr>
-        <p:style>
-          <a:lnRef idx="2">
-            <a:schemeClr val="dk1">
-              <a:shade val="15000"/>
-            </a:schemeClr>
-          </a:lnRef>
-          <a:fillRef idx="1">
-            <a:schemeClr val="dk1"/>
-          </a:fillRef>
-          <a:effectRef idx="0">
-            <a:schemeClr val="dk1"/>
-          </a:effectRef>
-          <a:fontRef idx="minor">
-            <a:schemeClr val="lt1"/>
-          </a:fontRef>
-        </p:style>
-        <p:txBody>
-          <a:bodyPr rtlCol="0" anchor="ctr"/>
-          <a:lstStyle/>
-          <a:p>
-            <a:pPr algn="ctr"/>
-            <a:endParaRPr lang="en-US" b="1" dirty="0"/>
-          </a:p>
-        </p:txBody>
-      </p:sp>
-      <p:sp>
-        <p:nvSpPr>
-          <p:cNvPr id="35" name="Right Arrow 34">
-            <a:extLst>
-              <a:ext uri="{FF2B5EF4-FFF2-40B4-BE49-F238E27FC236}">
-                <a16:creationId xmlns:a16="http://schemas.microsoft.com/office/drawing/2014/main" id="{9CFD8BA0-1515-621B-6016-09F7876AEFF0}"/>
-              </a:ext>
-            </a:extLst>
-          </p:cNvPr>
-          <p:cNvSpPr/>
-          <p:nvPr/>
-        </p:nvSpPr>
-        <p:spPr>
-          <a:xfrm>
-            <a:off x="9196190" y="1271815"/>
-            <a:ext cx="1143000" cy="914400"/>
-          </a:xfrm>
-          <a:prstGeom prst="rightArrow">
-            <a:avLst>
-              <a:gd name="adj1" fmla="val 34127"/>
-              <a:gd name="adj2" fmla="val 50000"/>
-            </a:avLst>
-          </a:prstGeom>
-        </p:spPr>
-        <p:style>
-          <a:lnRef idx="2">
-            <a:schemeClr val="dk1">
-              <a:shade val="15000"/>
-            </a:schemeClr>
-          </a:lnRef>
-          <a:fillRef idx="1">
-            <a:schemeClr val="dk1"/>
-          </a:fillRef>
-          <a:effectRef idx="0">
-            <a:schemeClr val="dk1"/>
-          </a:effectRef>
-          <a:fontRef idx="minor">
-            <a:schemeClr val="lt1"/>
-          </a:fontRef>
-        </p:style>
-        <p:txBody>
-          <a:bodyPr rtlCol="0" anchor="ctr"/>
-          <a:lstStyle/>
-          <a:p>
-            <a:pPr algn="ctr"/>
-            <a:endParaRPr lang="en-US" b="1" dirty="0"/>
-          </a:p>
-        </p:txBody>
-      </p:sp>
-      <p:sp>
-        <p:nvSpPr>
-          <p:cNvPr id="31" name="Right Arrow 30">
-            <a:extLst>
-              <a:ext uri="{FF2B5EF4-FFF2-40B4-BE49-F238E27FC236}">
-                <a16:creationId xmlns:a16="http://schemas.microsoft.com/office/drawing/2014/main" id="{F9CBE26B-B10E-4A56-2E10-3888572EED4B}"/>
-              </a:ext>
-            </a:extLst>
-          </p:cNvPr>
-          <p:cNvSpPr/>
-          <p:nvPr/>
-        </p:nvSpPr>
-        <p:spPr>
-          <a:xfrm>
-            <a:off x="3171648" y="4671786"/>
-            <a:ext cx="1143000" cy="914400"/>
-          </a:xfrm>
-          <a:prstGeom prst="rightArrow">
-            <a:avLst>
-              <a:gd name="adj1" fmla="val 34127"/>
-              <a:gd name="adj2" fmla="val 50000"/>
-            </a:avLst>
-          </a:prstGeom>
-        </p:spPr>
-        <p:style>
-          <a:lnRef idx="2">
-            <a:schemeClr val="dk1">
-              <a:shade val="15000"/>
-            </a:schemeClr>
-          </a:lnRef>
-          <a:fillRef idx="1">
-            <a:schemeClr val="dk1"/>
-          </a:fillRef>
-          <a:effectRef idx="0">
-            <a:schemeClr val="dk1"/>
-          </a:effectRef>
-          <a:fontRef idx="minor">
-            <a:schemeClr val="lt1"/>
-          </a:fontRef>
-        </p:style>
-        <p:txBody>
-          <a:bodyPr rtlCol="0" anchor="ctr"/>
-          <a:lstStyle/>
-          <a:p>
-            <a:pPr algn="ctr"/>
-            <a:endParaRPr lang="en-US" b="1" dirty="0"/>
-          </a:p>
-        </p:txBody>
-      </p:sp>
-      <p:sp>
-        <p:nvSpPr>
-          <p:cNvPr id="39" name="Right Arrow 38">
-            <a:extLst>
-              <a:ext uri="{FF2B5EF4-FFF2-40B4-BE49-F238E27FC236}">
-                <a16:creationId xmlns:a16="http://schemas.microsoft.com/office/drawing/2014/main" id="{E6C35C3F-0906-CAB7-4043-960BE9EF3191}"/>
-              </a:ext>
-            </a:extLst>
-          </p:cNvPr>
-          <p:cNvSpPr/>
-          <p:nvPr/>
-        </p:nvSpPr>
-        <p:spPr>
-          <a:xfrm>
-            <a:off x="9178605" y="4671786"/>
-            <a:ext cx="1143000" cy="914400"/>
-          </a:xfrm>
-          <a:prstGeom prst="rightArrow">
-            <a:avLst>
-              <a:gd name="adj1" fmla="val 34127"/>
-              <a:gd name="adj2" fmla="val 50000"/>
-            </a:avLst>
-          </a:prstGeom>
-        </p:spPr>
-        <p:style>
-          <a:lnRef idx="2">
-            <a:schemeClr val="dk1">
-              <a:shade val="15000"/>
-            </a:schemeClr>
-          </a:lnRef>
-          <a:fillRef idx="1">
-            <a:schemeClr val="dk1"/>
-          </a:fillRef>
-          <a:effectRef idx="0">
-            <a:schemeClr val="dk1"/>
-          </a:effectRef>
-          <a:fontRef idx="minor">
-            <a:schemeClr val="lt1"/>
-          </a:fontRef>
-        </p:style>
-        <p:txBody>
-          <a:bodyPr rtlCol="0" anchor="ctr"/>
-          <a:lstStyle/>
-          <a:p>
-            <a:pPr algn="ctr"/>
-            <a:endParaRPr lang="en-US" b="1" dirty="0"/>
-          </a:p>
-        </p:txBody>
-      </p:sp>
       <p:pic>
         <p:nvPicPr>
           <p:cNvPr id="2" name="Picture 1">
@@ -8613,13 +7381,13 @@
           <p:nvPr/>
         </p:nvPicPr>
         <p:blipFill>
-          <a:blip r:embed="rId9"/>
-          <a:srcRect/>
+          <a:blip r:embed="rId7"/>
+          <a:srcRect l="850" r="850"/>
           <a:stretch/>
         </p:blipFill>
         <p:spPr>
           <a:xfrm>
-            <a:off x="4396459" y="732678"/>
+            <a:off x="3763413" y="732678"/>
             <a:ext cx="687629" cy="914400"/>
           </a:xfrm>
           <a:prstGeom prst="roundRect">
@@ -8666,13 +7434,13 @@
           <p:nvPr/>
         </p:nvPicPr>
         <p:blipFill>
-          <a:blip r:embed="rId10"/>
-          <a:srcRect/>
+          <a:blip r:embed="rId8"/>
+          <a:srcRect l="850" r="850"/>
           <a:stretch/>
         </p:blipFill>
         <p:spPr>
           <a:xfrm>
-            <a:off x="5302861" y="732678"/>
+            <a:off x="4669815" y="732678"/>
             <a:ext cx="687629" cy="914400"/>
           </a:xfrm>
           <a:prstGeom prst="roundRect">
@@ -8719,13 +7487,13 @@
           <p:nvPr/>
         </p:nvPicPr>
         <p:blipFill>
-          <a:blip r:embed="rId11"/>
-          <a:srcRect/>
+          <a:blip r:embed="rId9"/>
+          <a:srcRect l="604" r="604"/>
           <a:stretch/>
         </p:blipFill>
         <p:spPr>
           <a:xfrm>
-            <a:off x="4396459" y="1858092"/>
+            <a:off x="3763413" y="1858092"/>
             <a:ext cx="687629" cy="914400"/>
           </a:xfrm>
           <a:prstGeom prst="roundRect">
@@ -8772,13 +7540,13 @@
           <p:nvPr/>
         </p:nvPicPr>
         <p:blipFill>
-          <a:blip r:embed="rId12"/>
-          <a:srcRect/>
+          <a:blip r:embed="rId10"/>
+          <a:srcRect l="604" r="604"/>
           <a:stretch/>
         </p:blipFill>
         <p:spPr>
           <a:xfrm>
-            <a:off x="5302861" y="1858092"/>
+            <a:off x="4669815" y="1858092"/>
             <a:ext cx="687629" cy="914400"/>
           </a:xfrm>
           <a:prstGeom prst="roundRect">
@@ -8825,13 +7593,13 @@
           <p:nvPr/>
         </p:nvPicPr>
         <p:blipFill>
-          <a:blip r:embed="rId9"/>
-          <a:srcRect/>
+          <a:blip r:embed="rId7"/>
+          <a:srcRect l="850" r="850"/>
           <a:stretch/>
         </p:blipFill>
         <p:spPr>
           <a:xfrm>
-            <a:off x="4396459" y="4067894"/>
+            <a:off x="3763413" y="4067894"/>
             <a:ext cx="687629" cy="914400"/>
           </a:xfrm>
           <a:prstGeom prst="roundRect">
@@ -8878,13 +7646,13 @@
           <p:nvPr/>
         </p:nvPicPr>
         <p:blipFill>
-          <a:blip r:embed="rId10"/>
-          <a:srcRect/>
+          <a:blip r:embed="rId8"/>
+          <a:srcRect l="850" r="850"/>
           <a:stretch/>
         </p:blipFill>
         <p:spPr>
           <a:xfrm>
-            <a:off x="5302861" y="4067894"/>
+            <a:off x="4669815" y="4067894"/>
             <a:ext cx="687629" cy="914400"/>
           </a:xfrm>
           <a:prstGeom prst="roundRect">
@@ -8931,13 +7699,13 @@
           <p:nvPr/>
         </p:nvPicPr>
         <p:blipFill>
-          <a:blip r:embed="rId11"/>
-          <a:srcRect/>
+          <a:blip r:embed="rId9"/>
+          <a:srcRect l="604" r="604"/>
           <a:stretch/>
         </p:blipFill>
         <p:spPr>
           <a:xfrm>
-            <a:off x="4396459" y="5193308"/>
+            <a:off x="3763413" y="5193308"/>
             <a:ext cx="687629" cy="914400"/>
           </a:xfrm>
           <a:prstGeom prst="roundRect">
@@ -8984,13 +7752,13 @@
           <p:nvPr/>
         </p:nvPicPr>
         <p:blipFill>
-          <a:blip r:embed="rId12"/>
-          <a:srcRect/>
+          <a:blip r:embed="rId10"/>
+          <a:srcRect l="604" r="604"/>
           <a:stretch/>
         </p:blipFill>
         <p:spPr>
           <a:xfrm>
-            <a:off x="5302861" y="5193308"/>
+            <a:off x="4669815" y="5193308"/>
             <a:ext cx="687629" cy="914400"/>
           </a:xfrm>
           <a:prstGeom prst="roundRect">
@@ -9037,13 +7805,13 @@
           <p:nvPr/>
         </p:nvPicPr>
         <p:blipFill>
-          <a:blip r:embed="rId9"/>
-          <a:srcRect/>
+          <a:blip r:embed="rId7"/>
+          <a:srcRect l="850" r="850"/>
           <a:stretch/>
         </p:blipFill>
         <p:spPr>
           <a:xfrm>
-            <a:off x="10416259" y="744401"/>
+            <a:off x="10134910" y="744401"/>
             <a:ext cx="687629" cy="914400"/>
           </a:xfrm>
           <a:prstGeom prst="roundRect">
@@ -9090,13 +7858,13 @@
           <p:nvPr/>
         </p:nvPicPr>
         <p:blipFill>
-          <a:blip r:embed="rId10"/>
-          <a:srcRect/>
+          <a:blip r:embed="rId8"/>
+          <a:srcRect l="850" r="850"/>
           <a:stretch/>
         </p:blipFill>
         <p:spPr>
           <a:xfrm>
-            <a:off x="11322661" y="744401"/>
+            <a:off x="11041312" y="744401"/>
             <a:ext cx="687629" cy="914400"/>
           </a:xfrm>
           <a:prstGeom prst="roundRect">
@@ -9143,13 +7911,13 @@
           <p:nvPr/>
         </p:nvPicPr>
         <p:blipFill>
-          <a:blip r:embed="rId11"/>
-          <a:srcRect/>
+          <a:blip r:embed="rId9"/>
+          <a:srcRect l="604" r="604"/>
           <a:stretch/>
         </p:blipFill>
         <p:spPr>
           <a:xfrm>
-            <a:off x="10416259" y="1869815"/>
+            <a:off x="10134910" y="1869815"/>
             <a:ext cx="687629" cy="914400"/>
           </a:xfrm>
           <a:prstGeom prst="roundRect">
@@ -9196,13 +7964,13 @@
           <p:nvPr/>
         </p:nvPicPr>
         <p:blipFill>
-          <a:blip r:embed="rId12"/>
-          <a:srcRect/>
+          <a:blip r:embed="rId10"/>
+          <a:srcRect l="604" r="604"/>
           <a:stretch/>
         </p:blipFill>
         <p:spPr>
           <a:xfrm>
-            <a:off x="11322661" y="1869815"/>
+            <a:off x="11041312" y="1869815"/>
             <a:ext cx="687629" cy="914400"/>
           </a:xfrm>
           <a:prstGeom prst="roundRect">
@@ -9249,13 +8017,13 @@
           <p:nvPr/>
         </p:nvPicPr>
         <p:blipFill>
-          <a:blip r:embed="rId9"/>
-          <a:srcRect/>
+          <a:blip r:embed="rId7"/>
+          <a:srcRect l="850" r="850"/>
           <a:stretch/>
         </p:blipFill>
         <p:spPr>
           <a:xfrm>
-            <a:off x="10480736" y="4114785"/>
+            <a:off x="10199387" y="4114785"/>
             <a:ext cx="687629" cy="914400"/>
           </a:xfrm>
           <a:prstGeom prst="roundRect">
@@ -9302,13 +8070,13 @@
           <p:nvPr/>
         </p:nvPicPr>
         <p:blipFill>
-          <a:blip r:embed="rId10"/>
-          <a:srcRect/>
+          <a:blip r:embed="rId8"/>
+          <a:srcRect l="850" r="850"/>
           <a:stretch/>
         </p:blipFill>
         <p:spPr>
           <a:xfrm>
-            <a:off x="11387138" y="4114785"/>
+            <a:off x="11105789" y="4114785"/>
             <a:ext cx="687629" cy="914400"/>
           </a:xfrm>
           <a:prstGeom prst="roundRect">
@@ -9355,13 +8123,13 @@
           <p:nvPr/>
         </p:nvPicPr>
         <p:blipFill>
-          <a:blip r:embed="rId11"/>
-          <a:srcRect/>
+          <a:blip r:embed="rId9"/>
+          <a:srcRect l="604" r="604"/>
           <a:stretch/>
         </p:blipFill>
         <p:spPr>
           <a:xfrm>
-            <a:off x="10480736" y="5240199"/>
+            <a:off x="10199387" y="5240199"/>
             <a:ext cx="687629" cy="914400"/>
           </a:xfrm>
           <a:prstGeom prst="roundRect">
@@ -9408,13 +8176,13 @@
           <p:nvPr/>
         </p:nvPicPr>
         <p:blipFill>
-          <a:blip r:embed="rId12"/>
-          <a:srcRect/>
+          <a:blip r:embed="rId10"/>
+          <a:srcRect l="604" r="604"/>
           <a:stretch/>
         </p:blipFill>
         <p:spPr>
           <a:xfrm>
-            <a:off x="11387138" y="5240199"/>
+            <a:off x="11105789" y="5240199"/>
             <a:ext cx="687629" cy="914400"/>
           </a:xfrm>
           <a:prstGeom prst="roundRect">
@@ -9446,43 +8214,6 @@
           </a:sp3d>
         </p:spPr>
       </p:pic>
-      <p:pic>
-        <p:nvPicPr>
-          <p:cNvPr id="24" name="Audio 23">
-            <a:extLst>
-              <a:ext uri="{FF2B5EF4-FFF2-40B4-BE49-F238E27FC236}">
-                <a16:creationId xmlns:a16="http://schemas.microsoft.com/office/drawing/2014/main" id="{7EB37A74-6465-9A9D-BE73-C7F998DD573A}"/>
-              </a:ext>
-            </a:extLst>
-          </p:cNvPr>
-          <p:cNvPicPr>
-            <a:picLocks noChangeAspect="1"/>
-          </p:cNvPicPr>
-          <p:nvPr>
-            <a:audioFile r:link="rId2"/>
-            <p:extLst>
-              <p:ext uri="{DAA4B4D4-6D71-4841-9C94-3DE7FCFB9230}">
-                <p14:media xmlns:p14="http://schemas.microsoft.com/office/powerpoint/2010/main" r:embed="rId1"/>
-              </p:ext>
-            </p:extLst>
-          </p:nvPr>
-        </p:nvPicPr>
-        <p:blipFill>
-          <a:blip r:embed="rId13"/>
-          <a:stretch>
-            <a:fillRect/>
-          </a:stretch>
-        </p:blipFill>
-        <p:spPr>
-          <a:xfrm>
-            <a:off x="11226800" y="5892800"/>
-            <a:ext cx="812800" cy="812800"/>
-          </a:xfrm>
-          <a:prstGeom prst="rect">
-            <a:avLst/>
-          </a:prstGeom>
-        </p:spPr>
-      </p:pic>
     </p:spTree>
     <p:extLst>
       <p:ext uri="{BB962C8B-B14F-4D97-AF65-F5344CB8AC3E}">
@@ -9493,131 +8224,24 @@
   <p:clrMapOvr>
     <a:masterClrMapping/>
   </p:clrMapOvr>
-  <mc:AlternateContent xmlns:mc="http://schemas.openxmlformats.org/markup-compatibility/2006">
-    <mc:Choice xmlns:p14="http://schemas.microsoft.com/office/powerpoint/2010/main" Requires="p14">
-      <p:transition spd="slow" p14:dur="2000" advTm="8970"/>
-    </mc:Choice>
-    <mc:Fallback>
-      <p:transition spd="slow" advTm="8970"/>
-    </mc:Fallback>
-  </mc:AlternateContent>
-  <p:timing>
-    <p:tnLst>
-      <p:par>
-        <p:cTn id="1" dur="indefinite" restart="never" nodeType="tmRoot">
-          <p:childTnLst>
-            <p:seq concurrent="1" nextAc="seek">
-              <p:cTn id="2" dur="indefinite" nodeType="mainSeq">
-                <p:childTnLst>
-                  <p:par>
-                    <p:cTn id="3" fill="hold">
-                      <p:stCondLst>
-                        <p:cond delay="indefinite"/>
-                        <p:cond evt="onBegin" delay="0">
-                          <p:tn val="2"/>
-                        </p:cond>
-                      </p:stCondLst>
-                      <p:childTnLst>
-                        <p:par>
-                          <p:cTn id="4" fill="hold">
-                            <p:stCondLst>
-                              <p:cond delay="0"/>
-                            </p:stCondLst>
-                            <p:childTnLst>
-                              <p:par>
-                                <p:cTn id="5" presetID="1" presetClass="mediacall" presetSubtype="0" fill="hold" nodeType="afterEffect">
-                                  <p:stCondLst>
-                                    <p:cond delay="0"/>
-                                  </p:stCondLst>
-                                  <p:childTnLst>
-                                    <p:cmd type="call" cmd="playFrom(0.0)">
-                                      <p:cBhvr>
-                                        <p:cTn id="6" dur="1" fill="hold"/>
-                                        <p:tgtEl>
-                                          <p:spTgt spid="24"/>
-                                        </p:tgtEl>
-                                      </p:cBhvr>
-                                    </p:cmd>
-                                  </p:childTnLst>
-                                </p:cTn>
-                              </p:par>
-                            </p:childTnLst>
-                          </p:cTn>
-                        </p:par>
-                      </p:childTnLst>
-                    </p:cTn>
-                  </p:par>
-                </p:childTnLst>
-              </p:cTn>
-              <p:prevCondLst>
-                <p:cond evt="onPrev" delay="0">
-                  <p:tgtEl>
-                    <p:sldTgt/>
-                  </p:tgtEl>
-                </p:cond>
-              </p:prevCondLst>
-              <p:nextCondLst>
-                <p:cond evt="onNext" delay="0">
-                  <p:tgtEl>
-                    <p:sldTgt/>
-                  </p:tgtEl>
-                </p:cond>
-              </p:nextCondLst>
-            </p:seq>
-            <p:audio isNarration="1">
-              <p:cMediaNode vol="80000" showWhenStopped="0">
-                <p:cTn id="7" fill="hold" display="0">
-                  <p:stCondLst>
-                    <p:cond delay="indefinite"/>
-                  </p:stCondLst>
-                  <p:endCondLst>
-                    <p:cond evt="onStopAudio" delay="0">
-                      <p:tgtEl>
-                        <p:sldTgt/>
-                      </p:tgtEl>
-                    </p:cond>
-                  </p:endCondLst>
-                </p:cTn>
-                <p:tgtEl>
-                  <p:spTgt spid="24"/>
-                </p:tgtEl>
-              </p:cMediaNode>
-            </p:audio>
-          </p:childTnLst>
-        </p:cTn>
-      </p:par>
-    </p:tnLst>
-  </p:timing>
 </p:sld>
 </file>
 
 <file path=ppt/tags/tag1.xml><?xml version="1.0" encoding="utf-8"?>
 <p:tagLst xmlns:a="http://schemas.openxmlformats.org/drawingml/2006/main" xmlns:r="http://schemas.openxmlformats.org/officeDocument/2006/relationships" xmlns:p="http://schemas.openxmlformats.org/presentationml/2006/main">
-  <p:tag name="TIMING" val="|11.1"/>
+  <p:tag name="TIMING" val="|2.1|5.3|3.7|4.4|3.3"/>
 </p:tagLst>
 </file>
 
 <file path=ppt/tags/tag2.xml><?xml version="1.0" encoding="utf-8"?>
 <p:tagLst xmlns:a="http://schemas.openxmlformats.org/drawingml/2006/main" xmlns:r="http://schemas.openxmlformats.org/officeDocument/2006/relationships" xmlns:p="http://schemas.openxmlformats.org/presentationml/2006/main">
-  <p:tag name="TIMING" val="|11.1"/>
+  <p:tag name="TIMING" val="|2.5|6.1"/>
 </p:tagLst>
 </file>
 
 <file path=ppt/tags/tag3.xml><?xml version="1.0" encoding="utf-8"?>
 <p:tagLst xmlns:a="http://schemas.openxmlformats.org/drawingml/2006/main" xmlns:r="http://schemas.openxmlformats.org/officeDocument/2006/relationships" xmlns:p="http://schemas.openxmlformats.org/presentationml/2006/main">
-  <p:tag name="TIMING" val="|2.5|6.1"/>
-</p:tagLst>
-</file>
-
-<file path=ppt/tags/tag4.xml><?xml version="1.0" encoding="utf-8"?>
-<p:tagLst xmlns:a="http://schemas.openxmlformats.org/drawingml/2006/main" xmlns:r="http://schemas.openxmlformats.org/officeDocument/2006/relationships" xmlns:p="http://schemas.openxmlformats.org/presentationml/2006/main">
   <p:tag name="TIMING" val="|4.4|4.3"/>
-</p:tagLst>
-</file>
-
-<file path=ppt/tags/tag5.xml><?xml version="1.0" encoding="utf-8"?>
-<p:tagLst xmlns:a="http://schemas.openxmlformats.org/drawingml/2006/main" xmlns:r="http://schemas.openxmlformats.org/officeDocument/2006/relationships" xmlns:p="http://schemas.openxmlformats.org/presentationml/2006/main">
-  <p:tag name="TIMING" val="|2.1|5.3|3.7|4.4|3.3"/>
 </p:tagLst>
 </file>
 

--- a/Slides/intro_scenario.pptx
+++ b/Slides/intro_scenario.pptx
@@ -5,7 +5,7 @@
     <p:sldMasterId id="2147483648" r:id="rId1"/>
   </p:sldMasterIdLst>
   <p:notesMasterIdLst>
-    <p:notesMasterId r:id="rId11"/>
+    <p:notesMasterId r:id="rId7"/>
   </p:notesMasterIdLst>
   <p:sldIdLst>
     <p:sldId id="261" r:id="rId2"/>
@@ -13,10 +13,6 @@
     <p:sldId id="267" r:id="rId4"/>
     <p:sldId id="269" r:id="rId5"/>
     <p:sldId id="270" r:id="rId6"/>
-    <p:sldId id="271" r:id="rId7"/>
-    <p:sldId id="265" r:id="rId8"/>
-    <p:sldId id="260" r:id="rId9"/>
-    <p:sldId id="263" r:id="rId10"/>
   </p:sldIdLst>
   <p:sldSz cx="12192000" cy="6858000"/>
   <p:notesSz cx="6858000" cy="9144000"/>
@@ -1441,587 +1437,6 @@
     <p:extLst>
       <p:ext uri="{BB962C8B-B14F-4D97-AF65-F5344CB8AC3E}">
         <p14:creationId xmlns:p14="http://schemas.microsoft.com/office/powerpoint/2010/main" val="1787198419"/>
-      </p:ext>
-    </p:extLst>
-  </p:cSld>
-  <p:clrMapOvr>
-    <a:masterClrMapping/>
-  </p:clrMapOvr>
-</p:notes>
-</file>
-
-<file path=ppt/notesSlides/notesSlide6.xml><?xml version="1.0" encoding="utf-8"?>
-<p:notes xmlns:a="http://schemas.openxmlformats.org/drawingml/2006/main" xmlns:r="http://schemas.openxmlformats.org/officeDocument/2006/relationships" xmlns:p="http://schemas.openxmlformats.org/presentationml/2006/main">
-  <p:cSld>
-    <p:spTree>
-      <p:nvGrpSpPr>
-        <p:cNvPr id="1" name="">
-          <a:extLst>
-            <a:ext uri="{FF2B5EF4-FFF2-40B4-BE49-F238E27FC236}">
-              <a16:creationId xmlns:a16="http://schemas.microsoft.com/office/drawing/2014/main" id="{0595F2F2-9C52-B3AD-76B7-BF11E7A625AB}"/>
-            </a:ext>
-          </a:extLst>
-        </p:cNvPr>
-        <p:cNvGrpSpPr/>
-        <p:nvPr/>
-      </p:nvGrpSpPr>
-      <p:grpSpPr>
-        <a:xfrm>
-          <a:off x="0" y="0"/>
-          <a:ext cx="0" cy="0"/>
-          <a:chOff x="0" y="0"/>
-          <a:chExt cx="0" cy="0"/>
-        </a:xfrm>
-      </p:grpSpPr>
-      <p:sp>
-        <p:nvSpPr>
-          <p:cNvPr id="2" name="Slide Image Placeholder 1">
-            <a:extLst>
-              <a:ext uri="{FF2B5EF4-FFF2-40B4-BE49-F238E27FC236}">
-                <a16:creationId xmlns:a16="http://schemas.microsoft.com/office/drawing/2014/main" id="{782BE8CA-2A19-2DB5-3EB2-5D5281E9D692}"/>
-              </a:ext>
-            </a:extLst>
-          </p:cNvPr>
-          <p:cNvSpPr>
-            <a:spLocks noGrp="1" noRot="1" noChangeAspect="1"/>
-          </p:cNvSpPr>
-          <p:nvPr>
-            <p:ph type="sldImg"/>
-          </p:nvPr>
-        </p:nvSpPr>
-        <p:spPr/>
-      </p:sp>
-      <p:sp>
-        <p:nvSpPr>
-          <p:cNvPr id="3" name="Notes Placeholder 2">
-            <a:extLst>
-              <a:ext uri="{FF2B5EF4-FFF2-40B4-BE49-F238E27FC236}">
-                <a16:creationId xmlns:a16="http://schemas.microsoft.com/office/drawing/2014/main" id="{DB37B011-0DC1-02C1-875B-9FF135124600}"/>
-              </a:ext>
-            </a:extLst>
-          </p:cNvPr>
-          <p:cNvSpPr>
-            <a:spLocks noGrp="1"/>
-          </p:cNvSpPr>
-          <p:nvPr>
-            <p:ph type="body" idx="1"/>
-          </p:nvPr>
-        </p:nvSpPr>
-        <p:spPr/>
-        <p:txBody>
-          <a:bodyPr/>
-          <a:lstStyle/>
-          <a:p>
-            <a:pPr marL="0" marR="0" lvl="0" indent="0" algn="l" defTabSz="914400" rtl="0" eaLnBrk="1" fontAlgn="auto" latinLnBrk="0" hangingPunct="1">
-              <a:lnSpc>
-                <a:spcPct val="100000"/>
-              </a:lnSpc>
-              <a:spcBef>
-                <a:spcPts val="0"/>
-              </a:spcBef>
-              <a:spcAft>
-                <a:spcPts val="0"/>
-              </a:spcAft>
-              <a:buClrTx/>
-              <a:buSzTx/>
-              <a:buFontTx/>
-              <a:buNone/>
-              <a:tabLst/>
-              <a:defRPr/>
-            </a:pPr>
-            <a:r>
-              <a:rPr lang="en-US" sz="1800" kern="100" dirty="0">
-                <a:effectLst/>
-                <a:latin typeface="Calibri" panose="020F0502020204030204" pitchFamily="34" charset="0"/>
-                <a:ea typeface="Calibri" panose="020F0502020204030204" pitchFamily="34" charset="0"/>
-                <a:cs typeface="Times New Roman" panose="02020603050405020304" pitchFamily="18" charset="0"/>
-              </a:rPr>
-              <a:t>To figure out what Wuggle will do next, you’ll have to use what you see in the picture. </a:t>
-            </a:r>
-          </a:p>
-          <a:p>
-            <a:endParaRPr lang="en-US" dirty="0"/>
-          </a:p>
-        </p:txBody>
-      </p:sp>
-      <p:sp>
-        <p:nvSpPr>
-          <p:cNvPr id="4" name="Slide Number Placeholder 3">
-            <a:extLst>
-              <a:ext uri="{FF2B5EF4-FFF2-40B4-BE49-F238E27FC236}">
-                <a16:creationId xmlns:a16="http://schemas.microsoft.com/office/drawing/2014/main" id="{380AB3D5-0E98-F035-D7F6-112FF6A62C89}"/>
-              </a:ext>
-            </a:extLst>
-          </p:cNvPr>
-          <p:cNvSpPr>
-            <a:spLocks noGrp="1"/>
-          </p:cNvSpPr>
-          <p:nvPr>
-            <p:ph type="sldNum" sz="quarter" idx="5"/>
-          </p:nvPr>
-        </p:nvSpPr>
-        <p:spPr/>
-        <p:txBody>
-          <a:bodyPr/>
-          <a:lstStyle/>
-          <a:p>
-            <a:fld id="{8A50A04F-63C2-3B49-B3BB-035920E5F412}" type="slidenum">
-              <a:rPr lang="en-US" smtClean="0"/>
-              <a:t>6</a:t>
-            </a:fld>
-            <a:endParaRPr lang="en-US"/>
-          </a:p>
-        </p:txBody>
-      </p:sp>
-    </p:spTree>
-    <p:extLst>
-      <p:ext uri="{BB962C8B-B14F-4D97-AF65-F5344CB8AC3E}">
-        <p14:creationId xmlns:p14="http://schemas.microsoft.com/office/powerpoint/2010/main" val="2713861130"/>
-      </p:ext>
-    </p:extLst>
-  </p:cSld>
-  <p:clrMapOvr>
-    <a:masterClrMapping/>
-  </p:clrMapOvr>
-</p:notes>
-</file>
-
-<file path=ppt/notesSlides/notesSlide7.xml><?xml version="1.0" encoding="utf-8"?>
-<p:notes xmlns:a="http://schemas.openxmlformats.org/drawingml/2006/main" xmlns:r="http://schemas.openxmlformats.org/officeDocument/2006/relationships" xmlns:p="http://schemas.openxmlformats.org/presentationml/2006/main">
-  <p:cSld>
-    <p:spTree>
-      <p:nvGrpSpPr>
-        <p:cNvPr id="1" name="">
-          <a:extLst>
-            <a:ext uri="{FF2B5EF4-FFF2-40B4-BE49-F238E27FC236}">
-              <a16:creationId xmlns:a16="http://schemas.microsoft.com/office/drawing/2014/main" id="{5743CAC2-7C2B-36BA-8C0E-D6AB66B3C8E9}"/>
-            </a:ext>
-          </a:extLst>
-        </p:cNvPr>
-        <p:cNvGrpSpPr/>
-        <p:nvPr/>
-      </p:nvGrpSpPr>
-      <p:grpSpPr>
-        <a:xfrm>
-          <a:off x="0" y="0"/>
-          <a:ext cx="0" cy="0"/>
-          <a:chOff x="0" y="0"/>
-          <a:chExt cx="0" cy="0"/>
-        </a:xfrm>
-      </p:grpSpPr>
-      <p:sp>
-        <p:nvSpPr>
-          <p:cNvPr id="2" name="Slide Image Placeholder 1">
-            <a:extLst>
-              <a:ext uri="{FF2B5EF4-FFF2-40B4-BE49-F238E27FC236}">
-                <a16:creationId xmlns:a16="http://schemas.microsoft.com/office/drawing/2014/main" id="{29A0B9F9-683D-3A55-0AA6-2B0B13C49E3A}"/>
-              </a:ext>
-            </a:extLst>
-          </p:cNvPr>
-          <p:cNvSpPr>
-            <a:spLocks noGrp="1" noRot="1" noChangeAspect="1"/>
-          </p:cNvSpPr>
-          <p:nvPr>
-            <p:ph type="sldImg"/>
-          </p:nvPr>
-        </p:nvSpPr>
-        <p:spPr/>
-      </p:sp>
-      <p:sp>
-        <p:nvSpPr>
-          <p:cNvPr id="3" name="Notes Placeholder 2">
-            <a:extLst>
-              <a:ext uri="{FF2B5EF4-FFF2-40B4-BE49-F238E27FC236}">
-                <a16:creationId xmlns:a16="http://schemas.microsoft.com/office/drawing/2014/main" id="{6BBC74B5-CDC1-B2BA-73F6-2935D1B2DDCD}"/>
-              </a:ext>
-            </a:extLst>
-          </p:cNvPr>
-          <p:cNvSpPr>
-            <a:spLocks noGrp="1"/>
-          </p:cNvSpPr>
-          <p:nvPr>
-            <p:ph type="body" idx="1"/>
-          </p:nvPr>
-        </p:nvSpPr>
-        <p:spPr/>
-        <p:txBody>
-          <a:bodyPr/>
-          <a:lstStyle/>
-          <a:p>
-            <a:pPr marL="0" marR="0" lvl="0" indent="0" algn="l" defTabSz="914400" rtl="0" eaLnBrk="1" fontAlgn="auto" latinLnBrk="0" hangingPunct="1">
-              <a:lnSpc>
-                <a:spcPct val="100000"/>
-              </a:lnSpc>
-              <a:spcBef>
-                <a:spcPts val="0"/>
-              </a:spcBef>
-              <a:spcAft>
-                <a:spcPts val="0"/>
-              </a:spcAft>
-              <a:buClrTx/>
-              <a:buSzTx/>
-              <a:buFontTx/>
-              <a:buNone/>
-              <a:tabLst/>
-              <a:defRPr/>
-            </a:pPr>
-            <a:r>
-              <a:rPr lang="en-US" sz="1800" kern="100" dirty="0">
-                <a:effectLst/>
-                <a:latin typeface="Calibri" panose="020F0502020204030204" pitchFamily="34" charset="0"/>
-                <a:ea typeface="Calibri" panose="020F0502020204030204" pitchFamily="34" charset="0"/>
-                <a:cs typeface="Times New Roman" panose="02020603050405020304" pitchFamily="18" charset="0"/>
-              </a:rPr>
-              <a:t>In some pictures this </a:t>
-            </a:r>
-            <a:r>
-              <a:rPr lang="en-US" sz="1800" kern="100" dirty="0" err="1">
-                <a:effectLst/>
-                <a:latin typeface="Calibri" panose="020F0502020204030204" pitchFamily="34" charset="0"/>
-                <a:ea typeface="Calibri" panose="020F0502020204030204" pitchFamily="34" charset="0"/>
-                <a:cs typeface="Times New Roman" panose="02020603050405020304" pitchFamily="18" charset="0"/>
-              </a:rPr>
-              <a:t>wuggle</a:t>
-            </a:r>
-            <a:r>
-              <a:rPr lang="en-US" sz="1800" kern="100" dirty="0">
-                <a:effectLst/>
-                <a:latin typeface="Calibri" panose="020F0502020204030204" pitchFamily="34" charset="0"/>
-                <a:ea typeface="Calibri" panose="020F0502020204030204" pitchFamily="34" charset="0"/>
-                <a:cs typeface="Times New Roman" panose="02020603050405020304" pitchFamily="18" charset="0"/>
-              </a:rPr>
-              <a:t> # will be talking to Wiggle.</a:t>
-            </a:r>
-          </a:p>
-          <a:p>
-            <a:pPr marL="0" marR="0" lvl="0" indent="0" algn="l" defTabSz="914400" rtl="0" eaLnBrk="1" fontAlgn="auto" latinLnBrk="0" hangingPunct="1">
-              <a:lnSpc>
-                <a:spcPct val="100000"/>
-              </a:lnSpc>
-              <a:spcBef>
-                <a:spcPts val="0"/>
-              </a:spcBef>
-              <a:spcAft>
-                <a:spcPts val="0"/>
-              </a:spcAft>
-              <a:buClrTx/>
-              <a:buSzTx/>
-              <a:buFontTx/>
-              <a:buNone/>
-              <a:tabLst/>
-              <a:defRPr/>
-            </a:pPr>
-            <a:endParaRPr lang="en-US" sz="1800" kern="100" dirty="0">
-              <a:effectLst/>
-              <a:latin typeface="Calibri" panose="020F0502020204030204" pitchFamily="34" charset="0"/>
-              <a:ea typeface="Calibri" panose="020F0502020204030204" pitchFamily="34" charset="0"/>
-              <a:cs typeface="Times New Roman" panose="02020603050405020304" pitchFamily="18" charset="0"/>
-            </a:endParaRPr>
-          </a:p>
-          <a:p>
-            <a:pPr marL="0" marR="0" lvl="0" indent="0" algn="l" defTabSz="914400" rtl="0" eaLnBrk="1" fontAlgn="auto" latinLnBrk="0" hangingPunct="1">
-              <a:lnSpc>
-                <a:spcPct val="100000"/>
-              </a:lnSpc>
-              <a:spcBef>
-                <a:spcPts val="0"/>
-              </a:spcBef>
-              <a:spcAft>
-                <a:spcPts val="0"/>
-              </a:spcAft>
-              <a:buClrTx/>
-              <a:buSzTx/>
-              <a:buFontTx/>
-              <a:buNone/>
-              <a:tabLst/>
-              <a:defRPr/>
-            </a:pPr>
-            <a:r>
-              <a:rPr lang="en-US" sz="1800" kern="100" dirty="0">
-                <a:effectLst/>
-                <a:latin typeface="Calibri" panose="020F0502020204030204" pitchFamily="34" charset="0"/>
-                <a:ea typeface="Calibri" panose="020F0502020204030204" pitchFamily="34" charset="0"/>
-                <a:cs typeface="Times New Roman" panose="02020603050405020304" pitchFamily="18" charset="0"/>
-              </a:rPr>
-              <a:t>And in other pictures this </a:t>
-            </a:r>
-            <a:r>
-              <a:rPr lang="en-US" sz="1800" kern="100" dirty="0" err="1">
-                <a:effectLst/>
-                <a:latin typeface="Calibri" panose="020F0502020204030204" pitchFamily="34" charset="0"/>
-                <a:ea typeface="Calibri" panose="020F0502020204030204" pitchFamily="34" charset="0"/>
-                <a:cs typeface="Times New Roman" panose="02020603050405020304" pitchFamily="18" charset="0"/>
-              </a:rPr>
-              <a:t>wuggle</a:t>
-            </a:r>
-            <a:r>
-              <a:rPr lang="en-US" sz="1800" kern="100" dirty="0">
-                <a:effectLst/>
-                <a:latin typeface="Calibri" panose="020F0502020204030204" pitchFamily="34" charset="0"/>
-                <a:ea typeface="Calibri" panose="020F0502020204030204" pitchFamily="34" charset="0"/>
-                <a:cs typeface="Times New Roman" panose="02020603050405020304" pitchFamily="18" charset="0"/>
-              </a:rPr>
-              <a:t> # will be talking to Wiggle.</a:t>
-            </a:r>
-          </a:p>
-        </p:txBody>
-      </p:sp>
-      <p:sp>
-        <p:nvSpPr>
-          <p:cNvPr id="4" name="Slide Number Placeholder 3">
-            <a:extLst>
-              <a:ext uri="{FF2B5EF4-FFF2-40B4-BE49-F238E27FC236}">
-                <a16:creationId xmlns:a16="http://schemas.microsoft.com/office/drawing/2014/main" id="{90A31AD8-7948-5E31-CC36-6E1BFBF240F0}"/>
-              </a:ext>
-            </a:extLst>
-          </p:cNvPr>
-          <p:cNvSpPr>
-            <a:spLocks noGrp="1"/>
-          </p:cNvSpPr>
-          <p:nvPr>
-            <p:ph type="sldNum" sz="quarter" idx="5"/>
-          </p:nvPr>
-        </p:nvSpPr>
-        <p:spPr/>
-        <p:txBody>
-          <a:bodyPr/>
-          <a:lstStyle/>
-          <a:p>
-            <a:fld id="{8A50A04F-63C2-3B49-B3BB-035920E5F412}" type="slidenum">
-              <a:rPr lang="en-US" smtClean="0"/>
-              <a:t>7</a:t>
-            </a:fld>
-            <a:endParaRPr lang="en-US"/>
-          </a:p>
-        </p:txBody>
-      </p:sp>
-    </p:spTree>
-    <p:extLst>
-      <p:ext uri="{BB962C8B-B14F-4D97-AF65-F5344CB8AC3E}">
-        <p14:creationId xmlns:p14="http://schemas.microsoft.com/office/powerpoint/2010/main" val="1599233464"/>
-      </p:ext>
-    </p:extLst>
-  </p:cSld>
-  <p:clrMapOvr>
-    <a:masterClrMapping/>
-  </p:clrMapOvr>
-</p:notes>
-</file>
-
-<file path=ppt/notesSlides/notesSlide8.xml><?xml version="1.0" encoding="utf-8"?>
-<p:notes xmlns:a="http://schemas.openxmlformats.org/drawingml/2006/main" xmlns:r="http://schemas.openxmlformats.org/officeDocument/2006/relationships" xmlns:p="http://schemas.openxmlformats.org/presentationml/2006/main">
-  <p:cSld>
-    <p:spTree>
-      <p:nvGrpSpPr>
-        <p:cNvPr id="1" name=""/>
-        <p:cNvGrpSpPr/>
-        <p:nvPr/>
-      </p:nvGrpSpPr>
-      <p:grpSpPr>
-        <a:xfrm>
-          <a:off x="0" y="0"/>
-          <a:ext cx="0" cy="0"/>
-          <a:chOff x="0" y="0"/>
-          <a:chExt cx="0" cy="0"/>
-        </a:xfrm>
-      </p:grpSpPr>
-      <p:sp>
-        <p:nvSpPr>
-          <p:cNvPr id="2" name="Slide Image Placeholder 1"/>
-          <p:cNvSpPr>
-            <a:spLocks noGrp="1" noRot="1" noChangeAspect="1"/>
-          </p:cNvSpPr>
-          <p:nvPr>
-            <p:ph type="sldImg"/>
-          </p:nvPr>
-        </p:nvSpPr>
-        <p:spPr/>
-      </p:sp>
-      <p:sp>
-        <p:nvSpPr>
-          <p:cNvPr id="3" name="Notes Placeholder 2"/>
-          <p:cNvSpPr>
-            <a:spLocks noGrp="1"/>
-          </p:cNvSpPr>
-          <p:nvPr>
-            <p:ph type="body" idx="1"/>
-          </p:nvPr>
-        </p:nvSpPr>
-        <p:spPr/>
-        <p:txBody>
-          <a:bodyPr/>
-          <a:lstStyle/>
-          <a:p>
-            <a:r>
-              <a:rPr lang="en-US" dirty="0"/>
-              <a:t>In some pictures, Wiggle’s face will look like this. #</a:t>
-            </a:r>
-          </a:p>
-          <a:p>
-            <a:endParaRPr lang="en-US" dirty="0"/>
-          </a:p>
-          <a:p>
-            <a:r>
-              <a:rPr lang="en-US" dirty="0"/>
-              <a:t>And in other pictures, Wiggle’s face will look like this. #</a:t>
-            </a:r>
-          </a:p>
-        </p:txBody>
-      </p:sp>
-      <p:sp>
-        <p:nvSpPr>
-          <p:cNvPr id="4" name="Slide Number Placeholder 3"/>
-          <p:cNvSpPr>
-            <a:spLocks noGrp="1"/>
-          </p:cNvSpPr>
-          <p:nvPr>
-            <p:ph type="sldNum" sz="quarter" idx="5"/>
-          </p:nvPr>
-        </p:nvSpPr>
-        <p:spPr/>
-        <p:txBody>
-          <a:bodyPr/>
-          <a:lstStyle/>
-          <a:p>
-            <a:fld id="{8A50A04F-63C2-3B49-B3BB-035920E5F412}" type="slidenum">
-              <a:rPr lang="en-US" smtClean="0"/>
-              <a:t>8</a:t>
-            </a:fld>
-            <a:endParaRPr lang="en-US"/>
-          </a:p>
-        </p:txBody>
-      </p:sp>
-    </p:spTree>
-    <p:extLst>
-      <p:ext uri="{BB962C8B-B14F-4D97-AF65-F5344CB8AC3E}">
-        <p14:creationId xmlns:p14="http://schemas.microsoft.com/office/powerpoint/2010/main" val="1571900768"/>
-      </p:ext>
-    </p:extLst>
-  </p:cSld>
-  <p:clrMapOvr>
-    <a:masterClrMapping/>
-  </p:clrMapOvr>
-</p:notes>
-</file>
-
-<file path=ppt/notesSlides/notesSlide9.xml><?xml version="1.0" encoding="utf-8"?>
-<p:notes xmlns:a="http://schemas.openxmlformats.org/drawingml/2006/main" xmlns:r="http://schemas.openxmlformats.org/officeDocument/2006/relationships" xmlns:p="http://schemas.openxmlformats.org/presentationml/2006/main">
-  <p:cSld>
-    <p:spTree>
-      <p:nvGrpSpPr>
-        <p:cNvPr id="1" name="">
-          <a:extLst>
-            <a:ext uri="{FF2B5EF4-FFF2-40B4-BE49-F238E27FC236}">
-              <a16:creationId xmlns:a16="http://schemas.microsoft.com/office/drawing/2014/main" id="{E188A3A8-3910-C86E-90EF-8123B3A15E2E}"/>
-            </a:ext>
-          </a:extLst>
-        </p:cNvPr>
-        <p:cNvGrpSpPr/>
-        <p:nvPr/>
-      </p:nvGrpSpPr>
-      <p:grpSpPr>
-        <a:xfrm>
-          <a:off x="0" y="0"/>
-          <a:ext cx="0" cy="0"/>
-          <a:chOff x="0" y="0"/>
-          <a:chExt cx="0" cy="0"/>
-        </a:xfrm>
-      </p:grpSpPr>
-      <p:sp>
-        <p:nvSpPr>
-          <p:cNvPr id="2" name="Slide Image Placeholder 1">
-            <a:extLst>
-              <a:ext uri="{FF2B5EF4-FFF2-40B4-BE49-F238E27FC236}">
-                <a16:creationId xmlns:a16="http://schemas.microsoft.com/office/drawing/2014/main" id="{17A86D0D-EE29-7EF5-594F-4DB8E75DCF5C}"/>
-              </a:ext>
-            </a:extLst>
-          </p:cNvPr>
-          <p:cNvSpPr>
-            <a:spLocks noGrp="1" noRot="1" noChangeAspect="1"/>
-          </p:cNvSpPr>
-          <p:nvPr>
-            <p:ph type="sldImg"/>
-          </p:nvPr>
-        </p:nvSpPr>
-        <p:spPr/>
-      </p:sp>
-      <p:sp>
-        <p:nvSpPr>
-          <p:cNvPr id="3" name="Notes Placeholder 2">
-            <a:extLst>
-              <a:ext uri="{FF2B5EF4-FFF2-40B4-BE49-F238E27FC236}">
-                <a16:creationId xmlns:a16="http://schemas.microsoft.com/office/drawing/2014/main" id="{8E6DEE0A-7FD9-9B7F-AF89-208659BB2CAE}"/>
-              </a:ext>
-            </a:extLst>
-          </p:cNvPr>
-          <p:cNvSpPr>
-            <a:spLocks noGrp="1"/>
-          </p:cNvSpPr>
-          <p:nvPr>
-            <p:ph type="body" idx="1"/>
-          </p:nvPr>
-        </p:nvSpPr>
-        <p:spPr/>
-        <p:txBody>
-          <a:bodyPr/>
-          <a:lstStyle/>
-          <a:p>
-            <a:pPr marL="0" marR="0">
-              <a:spcBef>
-                <a:spcPts val="0"/>
-              </a:spcBef>
-              <a:spcAft>
-                <a:spcPts val="0"/>
-              </a:spcAft>
-            </a:pPr>
-            <a:r>
-              <a:rPr lang="en-US" sz="1800" kern="100" dirty="0">
-                <a:effectLst/>
-                <a:latin typeface="Calibri" panose="020F0502020204030204" pitchFamily="34" charset="0"/>
-                <a:ea typeface="Calibri" panose="020F0502020204030204" pitchFamily="34" charset="0"/>
-                <a:cs typeface="Times New Roman" panose="02020603050405020304" pitchFamily="18" charset="0"/>
-              </a:rPr>
-              <a:t>For each kind of picture, you’ll have to guess what Wiggle will do next.</a:t>
-            </a:r>
-          </a:p>
-          <a:p>
-            <a:endParaRPr lang="en-US" dirty="0"/>
-          </a:p>
-        </p:txBody>
-      </p:sp>
-      <p:sp>
-        <p:nvSpPr>
-          <p:cNvPr id="4" name="Slide Number Placeholder 3">
-            <a:extLst>
-              <a:ext uri="{FF2B5EF4-FFF2-40B4-BE49-F238E27FC236}">
-                <a16:creationId xmlns:a16="http://schemas.microsoft.com/office/drawing/2014/main" id="{1691C1BC-FD9C-B356-AD54-26BA9E6E4E3D}"/>
-              </a:ext>
-            </a:extLst>
-          </p:cNvPr>
-          <p:cNvSpPr>
-            <a:spLocks noGrp="1"/>
-          </p:cNvSpPr>
-          <p:nvPr>
-            <p:ph type="sldNum" sz="quarter" idx="5"/>
-          </p:nvPr>
-        </p:nvSpPr>
-        <p:spPr/>
-        <p:txBody>
-          <a:bodyPr/>
-          <a:lstStyle/>
-          <a:p>
-            <a:fld id="{8A50A04F-63C2-3B49-B3BB-035920E5F412}" type="slidenum">
-              <a:rPr lang="en-US" smtClean="0"/>
-              <a:t>9</a:t>
-            </a:fld>
-            <a:endParaRPr lang="en-US"/>
-          </a:p>
-        </p:txBody>
-      </p:sp>
-    </p:spTree>
-    <p:extLst>
-      <p:ext uri="{BB962C8B-B14F-4D97-AF65-F5344CB8AC3E}">
-        <p14:creationId xmlns:p14="http://schemas.microsoft.com/office/powerpoint/2010/main" val="584711481"/>
       </p:ext>
     </p:extLst>
   </p:cSld>
@@ -5260,7 +4675,7 @@
           <p:nvPr/>
         </p:nvPicPr>
         <p:blipFill>
-          <a:blip r:embed="rId3">
+          <a:blip r:embed="rId5">
             <a:extLst>
               <a:ext uri="{28A0092B-C50C-407E-A947-70E740481C1C}">
                 <a14:useLocalDpi xmlns:a14="http://schemas.microsoft.com/office/drawing/2010/main" val="0"/>
@@ -5292,6 +4707,43 @@
           </a:extLst>
         </p:spPr>
       </p:pic>
+      <p:pic>
+        <p:nvPicPr>
+          <p:cNvPr id="4" name="Audio 3">
+            <a:extLst>
+              <a:ext uri="{FF2B5EF4-FFF2-40B4-BE49-F238E27FC236}">
+                <a16:creationId xmlns:a16="http://schemas.microsoft.com/office/drawing/2014/main" id="{2DFBCE9B-9CC7-7155-26BC-5B1900EC1B46}"/>
+              </a:ext>
+            </a:extLst>
+          </p:cNvPr>
+          <p:cNvPicPr>
+            <a:picLocks noChangeAspect="1"/>
+          </p:cNvPicPr>
+          <p:nvPr>
+            <a:audioFile r:link="rId2"/>
+            <p:extLst>
+              <p:ext uri="{DAA4B4D4-6D71-4841-9C94-3DE7FCFB9230}">
+                <p14:media xmlns:p14="http://schemas.microsoft.com/office/powerpoint/2010/main" r:embed="rId1"/>
+              </p:ext>
+            </p:extLst>
+          </p:nvPr>
+        </p:nvPicPr>
+        <p:blipFill>
+          <a:blip r:embed="rId6"/>
+          <a:stretch>
+            <a:fillRect/>
+          </a:stretch>
+        </p:blipFill>
+        <p:spPr>
+          <a:xfrm>
+            <a:off x="11226800" y="5892800"/>
+            <a:ext cx="812800" cy="812800"/>
+          </a:xfrm>
+          <a:prstGeom prst="rect">
+            <a:avLst/>
+          </a:prstGeom>
+        </p:spPr>
+      </p:pic>
     </p:spTree>
     <p:extLst>
       <p:ext uri="{BB962C8B-B14F-4D97-AF65-F5344CB8AC3E}">
@@ -5302,6 +4754,101 @@
   <p:clrMapOvr>
     <a:masterClrMapping/>
   </p:clrMapOvr>
+  <mc:AlternateContent xmlns:mc="http://schemas.openxmlformats.org/markup-compatibility/2006" xmlns:p14="http://schemas.microsoft.com/office/powerpoint/2010/main">
+    <mc:Choice Requires="p14">
+      <p:transition spd="slow" p14:dur="2000" advTm="5450"/>
+    </mc:Choice>
+    <mc:Fallback xmlns="">
+      <p:transition spd="slow" advTm="5450"/>
+    </mc:Fallback>
+  </mc:AlternateContent>
+  <p:timing>
+    <p:tnLst>
+      <p:par>
+        <p:cTn id="1" dur="indefinite" restart="never" nodeType="tmRoot">
+          <p:childTnLst>
+            <p:seq concurrent="1" nextAc="seek">
+              <p:cTn id="2" dur="indefinite" nodeType="mainSeq">
+                <p:childTnLst>
+                  <p:par>
+                    <p:cTn id="3" fill="hold">
+                      <p:stCondLst>
+                        <p:cond delay="indefinite"/>
+                        <p:cond evt="onBegin" delay="0">
+                          <p:tn val="2"/>
+                        </p:cond>
+                      </p:stCondLst>
+                      <p:childTnLst>
+                        <p:par>
+                          <p:cTn id="4" fill="hold">
+                            <p:stCondLst>
+                              <p:cond delay="0"/>
+                            </p:stCondLst>
+                            <p:childTnLst>
+                              <p:par>
+                                <p:cTn id="5" presetID="1" presetClass="mediacall" presetSubtype="0" fill="hold" nodeType="afterEffect">
+                                  <p:stCondLst>
+                                    <p:cond delay="0"/>
+                                  </p:stCondLst>
+                                  <p:childTnLst>
+                                    <p:cmd type="call" cmd="playFrom(0.0)">
+                                      <p:cBhvr>
+                                        <p:cTn id="6" dur="1" fill="hold"/>
+                                        <p:tgtEl>
+                                          <p:spTgt spid="4"/>
+                                        </p:tgtEl>
+                                      </p:cBhvr>
+                                    </p:cmd>
+                                  </p:childTnLst>
+                                </p:cTn>
+                              </p:par>
+                            </p:childTnLst>
+                          </p:cTn>
+                        </p:par>
+                      </p:childTnLst>
+                    </p:cTn>
+                  </p:par>
+                </p:childTnLst>
+              </p:cTn>
+              <p:prevCondLst>
+                <p:cond evt="onPrev" delay="0">
+                  <p:tgtEl>
+                    <p:sldTgt/>
+                  </p:tgtEl>
+                </p:cond>
+              </p:prevCondLst>
+              <p:nextCondLst>
+                <p:cond evt="onNext" delay="0">
+                  <p:tgtEl>
+                    <p:sldTgt/>
+                  </p:tgtEl>
+                </p:cond>
+              </p:nextCondLst>
+            </p:seq>
+            <p:audio isNarration="1">
+              <p:cMediaNode vol="80000" showWhenStopped="0">
+                <p:cTn id="7" fill="hold" display="0">
+                  <p:stCondLst>
+                    <p:cond delay="indefinite"/>
+                  </p:stCondLst>
+                  <p:endCondLst>
+                    <p:cond evt="onStopAudio" delay="0">
+                      <p:tgtEl>
+                        <p:sldTgt/>
+                      </p:tgtEl>
+                    </p:cond>
+                  </p:endCondLst>
+                </p:cTn>
+                <p:tgtEl>
+                  <p:spTgt spid="4"/>
+                </p:tgtEl>
+              </p:cMediaNode>
+            </p:audio>
+          </p:childTnLst>
+        </p:cTn>
+      </p:par>
+    </p:tnLst>
+  </p:timing>
 </p:sld>
 </file>
 
@@ -5343,7 +4890,7 @@
           <p:nvPr/>
         </p:nvPicPr>
         <p:blipFill>
-          <a:blip r:embed="rId3"/>
+          <a:blip r:embed="rId5"/>
           <a:stretch>
             <a:fillRect/>
           </a:stretch>
@@ -5352,6 +4899,43 @@
           <a:xfrm>
             <a:off x="584200" y="850900"/>
             <a:ext cx="5080000" cy="5080000"/>
+          </a:xfrm>
+          <a:prstGeom prst="rect">
+            <a:avLst/>
+          </a:prstGeom>
+        </p:spPr>
+      </p:pic>
+      <p:pic>
+        <p:nvPicPr>
+          <p:cNvPr id="5" name="Audio 4">
+            <a:extLst>
+              <a:ext uri="{FF2B5EF4-FFF2-40B4-BE49-F238E27FC236}">
+                <a16:creationId xmlns:a16="http://schemas.microsoft.com/office/drawing/2014/main" id="{BEFA4C3A-DEE7-F51B-F53A-163E2D4C11C1}"/>
+              </a:ext>
+            </a:extLst>
+          </p:cNvPr>
+          <p:cNvPicPr>
+            <a:picLocks noChangeAspect="1"/>
+          </p:cNvPicPr>
+          <p:nvPr>
+            <a:audioFile r:link="rId2"/>
+            <p:extLst>
+              <p:ext uri="{DAA4B4D4-6D71-4841-9C94-3DE7FCFB9230}">
+                <p14:media xmlns:p14="http://schemas.microsoft.com/office/powerpoint/2010/main" r:embed="rId1"/>
+              </p:ext>
+            </p:extLst>
+          </p:nvPr>
+        </p:nvPicPr>
+        <p:blipFill>
+          <a:blip r:embed="rId6"/>
+          <a:stretch>
+            <a:fillRect/>
+          </a:stretch>
+        </p:blipFill>
+        <p:spPr>
+          <a:xfrm>
+            <a:off x="11226800" y="5892800"/>
+            <a:ext cx="812800" cy="812800"/>
           </a:xfrm>
           <a:prstGeom prst="rect">
             <a:avLst/>
@@ -5368,6 +4952,101 @@
   <p:clrMapOvr>
     <a:masterClrMapping/>
   </p:clrMapOvr>
+  <mc:AlternateContent xmlns:mc="http://schemas.openxmlformats.org/markup-compatibility/2006" xmlns:p14="http://schemas.microsoft.com/office/powerpoint/2010/main">
+    <mc:Choice Requires="p14">
+      <p:transition spd="slow" p14:dur="2000" advTm="6997"/>
+    </mc:Choice>
+    <mc:Fallback xmlns="">
+      <p:transition spd="slow" advTm="6997"/>
+    </mc:Fallback>
+  </mc:AlternateContent>
+  <p:timing>
+    <p:tnLst>
+      <p:par>
+        <p:cTn id="1" dur="indefinite" restart="never" nodeType="tmRoot">
+          <p:childTnLst>
+            <p:seq concurrent="1" nextAc="seek">
+              <p:cTn id="2" dur="indefinite" nodeType="mainSeq">
+                <p:childTnLst>
+                  <p:par>
+                    <p:cTn id="3" fill="hold">
+                      <p:stCondLst>
+                        <p:cond delay="indefinite"/>
+                        <p:cond evt="onBegin" delay="0">
+                          <p:tn val="2"/>
+                        </p:cond>
+                      </p:stCondLst>
+                      <p:childTnLst>
+                        <p:par>
+                          <p:cTn id="4" fill="hold">
+                            <p:stCondLst>
+                              <p:cond delay="0"/>
+                            </p:stCondLst>
+                            <p:childTnLst>
+                              <p:par>
+                                <p:cTn id="5" presetID="1" presetClass="mediacall" presetSubtype="0" fill="hold" nodeType="afterEffect">
+                                  <p:stCondLst>
+                                    <p:cond delay="0"/>
+                                  </p:stCondLst>
+                                  <p:childTnLst>
+                                    <p:cmd type="call" cmd="playFrom(0.0)">
+                                      <p:cBhvr>
+                                        <p:cTn id="6" dur="1" fill="hold"/>
+                                        <p:tgtEl>
+                                          <p:spTgt spid="5"/>
+                                        </p:tgtEl>
+                                      </p:cBhvr>
+                                    </p:cmd>
+                                  </p:childTnLst>
+                                </p:cTn>
+                              </p:par>
+                            </p:childTnLst>
+                          </p:cTn>
+                        </p:par>
+                      </p:childTnLst>
+                    </p:cTn>
+                  </p:par>
+                </p:childTnLst>
+              </p:cTn>
+              <p:prevCondLst>
+                <p:cond evt="onPrev" delay="0">
+                  <p:tgtEl>
+                    <p:sldTgt/>
+                  </p:tgtEl>
+                </p:cond>
+              </p:prevCondLst>
+              <p:nextCondLst>
+                <p:cond evt="onNext" delay="0">
+                  <p:tgtEl>
+                    <p:sldTgt/>
+                  </p:tgtEl>
+                </p:cond>
+              </p:nextCondLst>
+            </p:seq>
+            <p:audio isNarration="1">
+              <p:cMediaNode vol="80000" showWhenStopped="0">
+                <p:cTn id="7" fill="hold" display="0">
+                  <p:stCondLst>
+                    <p:cond delay="indefinite"/>
+                  </p:stCondLst>
+                  <p:endCondLst>
+                    <p:cond evt="onStopAudio" delay="0">
+                      <p:tgtEl>
+                        <p:sldTgt/>
+                      </p:tgtEl>
+                    </p:cond>
+                  </p:endCondLst>
+                </p:cTn>
+                <p:tgtEl>
+                  <p:spTgt spid="5"/>
+                </p:tgtEl>
+              </p:cMediaNode>
+            </p:audio>
+          </p:childTnLst>
+        </p:cTn>
+      </p:par>
+    </p:tnLst>
+  </p:timing>
 </p:sld>
 </file>
 
@@ -5409,7 +5088,7 @@
           <p:nvPr/>
         </p:nvPicPr>
         <p:blipFill>
-          <a:blip r:embed="rId3"/>
+          <a:blip r:embed="rId5"/>
           <a:srcRect/>
           <a:stretch/>
         </p:blipFill>
@@ -5417,6 +5096,43 @@
           <a:xfrm>
             <a:off x="584200" y="850900"/>
             <a:ext cx="5080000" cy="5080000"/>
+          </a:xfrm>
+          <a:prstGeom prst="rect">
+            <a:avLst/>
+          </a:prstGeom>
+        </p:spPr>
+      </p:pic>
+      <p:pic>
+        <p:nvPicPr>
+          <p:cNvPr id="4" name="Audio 3">
+            <a:extLst>
+              <a:ext uri="{FF2B5EF4-FFF2-40B4-BE49-F238E27FC236}">
+                <a16:creationId xmlns:a16="http://schemas.microsoft.com/office/drawing/2014/main" id="{F4BC5386-00D9-0F5A-FD7F-EBA3A8A954BD}"/>
+              </a:ext>
+            </a:extLst>
+          </p:cNvPr>
+          <p:cNvPicPr>
+            <a:picLocks noChangeAspect="1"/>
+          </p:cNvPicPr>
+          <p:nvPr>
+            <a:audioFile r:link="rId2"/>
+            <p:extLst>
+              <p:ext uri="{DAA4B4D4-6D71-4841-9C94-3DE7FCFB9230}">
+                <p14:media xmlns:p14="http://schemas.microsoft.com/office/powerpoint/2010/main" r:embed="rId1"/>
+              </p:ext>
+            </p:extLst>
+          </p:nvPr>
+        </p:nvPicPr>
+        <p:blipFill>
+          <a:blip r:embed="rId6"/>
+          <a:stretch>
+            <a:fillRect/>
+          </a:stretch>
+        </p:blipFill>
+        <p:spPr>
+          <a:xfrm>
+            <a:off x="11226800" y="5892800"/>
+            <a:ext cx="812800" cy="812800"/>
           </a:xfrm>
           <a:prstGeom prst="rect">
             <a:avLst/>
@@ -5433,6 +5149,101 @@
   <p:clrMapOvr>
     <a:masterClrMapping/>
   </p:clrMapOvr>
+  <mc:AlternateContent xmlns:mc="http://schemas.openxmlformats.org/markup-compatibility/2006" xmlns:p14="http://schemas.microsoft.com/office/powerpoint/2010/main">
+    <mc:Choice Requires="p14">
+      <p:transition spd="slow" p14:dur="2000" advTm="11648"/>
+    </mc:Choice>
+    <mc:Fallback xmlns="">
+      <p:transition spd="slow" advTm="11648"/>
+    </mc:Fallback>
+  </mc:AlternateContent>
+  <p:timing>
+    <p:tnLst>
+      <p:par>
+        <p:cTn id="1" dur="indefinite" restart="never" nodeType="tmRoot">
+          <p:childTnLst>
+            <p:seq concurrent="1" nextAc="seek">
+              <p:cTn id="2" dur="indefinite" nodeType="mainSeq">
+                <p:childTnLst>
+                  <p:par>
+                    <p:cTn id="3" fill="hold">
+                      <p:stCondLst>
+                        <p:cond delay="indefinite"/>
+                        <p:cond evt="onBegin" delay="0">
+                          <p:tn val="2"/>
+                        </p:cond>
+                      </p:stCondLst>
+                      <p:childTnLst>
+                        <p:par>
+                          <p:cTn id="4" fill="hold">
+                            <p:stCondLst>
+                              <p:cond delay="0"/>
+                            </p:stCondLst>
+                            <p:childTnLst>
+                              <p:par>
+                                <p:cTn id="5" presetID="1" presetClass="mediacall" presetSubtype="0" fill="hold" nodeType="afterEffect">
+                                  <p:stCondLst>
+                                    <p:cond delay="0"/>
+                                  </p:stCondLst>
+                                  <p:childTnLst>
+                                    <p:cmd type="call" cmd="playFrom(0.0)">
+                                      <p:cBhvr>
+                                        <p:cTn id="6" dur="1" fill="hold"/>
+                                        <p:tgtEl>
+                                          <p:spTgt spid="4"/>
+                                        </p:tgtEl>
+                                      </p:cBhvr>
+                                    </p:cmd>
+                                  </p:childTnLst>
+                                </p:cTn>
+                              </p:par>
+                            </p:childTnLst>
+                          </p:cTn>
+                        </p:par>
+                      </p:childTnLst>
+                    </p:cTn>
+                  </p:par>
+                </p:childTnLst>
+              </p:cTn>
+              <p:prevCondLst>
+                <p:cond evt="onPrev" delay="0">
+                  <p:tgtEl>
+                    <p:sldTgt/>
+                  </p:tgtEl>
+                </p:cond>
+              </p:prevCondLst>
+              <p:nextCondLst>
+                <p:cond evt="onNext" delay="0">
+                  <p:tgtEl>
+                    <p:sldTgt/>
+                  </p:tgtEl>
+                </p:cond>
+              </p:nextCondLst>
+            </p:seq>
+            <p:audio isNarration="1">
+              <p:cMediaNode vol="80000" showWhenStopped="0">
+                <p:cTn id="7" fill="hold" display="0">
+                  <p:stCondLst>
+                    <p:cond delay="indefinite"/>
+                  </p:stCondLst>
+                  <p:endCondLst>
+                    <p:cond evt="onStopAudio" delay="0">
+                      <p:tgtEl>
+                        <p:sldTgt/>
+                      </p:tgtEl>
+                    </p:cond>
+                  </p:endCondLst>
+                </p:cTn>
+                <p:tgtEl>
+                  <p:spTgt spid="4"/>
+                </p:tgtEl>
+              </p:cMediaNode>
+            </p:audio>
+          </p:childTnLst>
+        </p:cTn>
+      </p:par>
+    </p:tnLst>
+  </p:timing>
 </p:sld>
 </file>
 
@@ -5474,7 +5285,7 @@
           <p:nvPr/>
         </p:nvPicPr>
         <p:blipFill>
-          <a:blip r:embed="rId3"/>
+          <a:blip r:embed="rId5"/>
           <a:srcRect/>
           <a:stretch/>
         </p:blipFill>
@@ -5552,10 +5363,10 @@
           <p:nvPr/>
         </p:nvPicPr>
         <p:blipFill>
-          <a:blip r:embed="rId4">
+          <a:blip r:embed="rId6">
             <a:extLst>
               <a:ext uri="{96DAC541-7B7A-43D3-8B79-37D633B846F1}">
-                <asvg:svgBlip xmlns:asvg="http://schemas.microsoft.com/office/drawing/2016/SVG/main" r:embed="rId5"/>
+                <asvg:svgBlip xmlns:asvg="http://schemas.microsoft.com/office/drawing/2016/SVG/main" r:embed="rId7"/>
               </a:ext>
             </a:extLst>
           </a:blip>
@@ -5567,6 +5378,43 @@
           <a:xfrm>
             <a:off x="9144733" y="2316480"/>
             <a:ext cx="1969253" cy="2148840"/>
+          </a:xfrm>
+          <a:prstGeom prst="rect">
+            <a:avLst/>
+          </a:prstGeom>
+        </p:spPr>
+      </p:pic>
+      <p:pic>
+        <p:nvPicPr>
+          <p:cNvPr id="6" name="Audio 5">
+            <a:extLst>
+              <a:ext uri="{FF2B5EF4-FFF2-40B4-BE49-F238E27FC236}">
+                <a16:creationId xmlns:a16="http://schemas.microsoft.com/office/drawing/2014/main" id="{4D624A29-BF3C-FC8D-9ACF-167F3870E50D}"/>
+              </a:ext>
+            </a:extLst>
+          </p:cNvPr>
+          <p:cNvPicPr>
+            <a:picLocks noChangeAspect="1"/>
+          </p:cNvPicPr>
+          <p:nvPr>
+            <a:audioFile r:link="rId2"/>
+            <p:extLst>
+              <p:ext uri="{DAA4B4D4-6D71-4841-9C94-3DE7FCFB9230}">
+                <p14:media xmlns:p14="http://schemas.microsoft.com/office/powerpoint/2010/main" r:embed="rId1"/>
+              </p:ext>
+            </p:extLst>
+          </p:nvPr>
+        </p:nvPicPr>
+        <p:blipFill>
+          <a:blip r:embed="rId8"/>
+          <a:stretch>
+            <a:fillRect/>
+          </a:stretch>
+        </p:blipFill>
+        <p:spPr>
+          <a:xfrm>
+            <a:off x="11226800" y="5892800"/>
+            <a:ext cx="812800" cy="812800"/>
           </a:xfrm>
           <a:prstGeom prst="rect">
             <a:avLst/>
@@ -5583,6 +5431,101 @@
   <p:clrMapOvr>
     <a:masterClrMapping/>
   </p:clrMapOvr>
+  <mc:AlternateContent xmlns:mc="http://schemas.openxmlformats.org/markup-compatibility/2006" xmlns:p14="http://schemas.microsoft.com/office/powerpoint/2010/main">
+    <mc:Choice Requires="p14">
+      <p:transition spd="slow" p14:dur="2000" advTm="6048"/>
+    </mc:Choice>
+    <mc:Fallback xmlns="">
+      <p:transition spd="slow" advTm="6048"/>
+    </mc:Fallback>
+  </mc:AlternateContent>
+  <p:timing>
+    <p:tnLst>
+      <p:par>
+        <p:cTn id="1" dur="indefinite" restart="never" nodeType="tmRoot">
+          <p:childTnLst>
+            <p:seq concurrent="1" nextAc="seek">
+              <p:cTn id="2" dur="indefinite" nodeType="mainSeq">
+                <p:childTnLst>
+                  <p:par>
+                    <p:cTn id="3" fill="hold">
+                      <p:stCondLst>
+                        <p:cond delay="indefinite"/>
+                        <p:cond evt="onBegin" delay="0">
+                          <p:tn val="2"/>
+                        </p:cond>
+                      </p:stCondLst>
+                      <p:childTnLst>
+                        <p:par>
+                          <p:cTn id="4" fill="hold">
+                            <p:stCondLst>
+                              <p:cond delay="0"/>
+                            </p:stCondLst>
+                            <p:childTnLst>
+                              <p:par>
+                                <p:cTn id="5" presetID="1" presetClass="mediacall" presetSubtype="0" fill="hold" nodeType="afterEffect">
+                                  <p:stCondLst>
+                                    <p:cond delay="0"/>
+                                  </p:stCondLst>
+                                  <p:childTnLst>
+                                    <p:cmd type="call" cmd="playFrom(0.0)">
+                                      <p:cBhvr>
+                                        <p:cTn id="6" dur="1" fill="hold"/>
+                                        <p:tgtEl>
+                                          <p:spTgt spid="6"/>
+                                        </p:tgtEl>
+                                      </p:cBhvr>
+                                    </p:cmd>
+                                  </p:childTnLst>
+                                </p:cTn>
+                              </p:par>
+                            </p:childTnLst>
+                          </p:cTn>
+                        </p:par>
+                      </p:childTnLst>
+                    </p:cTn>
+                  </p:par>
+                </p:childTnLst>
+              </p:cTn>
+              <p:prevCondLst>
+                <p:cond evt="onPrev" delay="0">
+                  <p:tgtEl>
+                    <p:sldTgt/>
+                  </p:tgtEl>
+                </p:cond>
+              </p:prevCondLst>
+              <p:nextCondLst>
+                <p:cond evt="onNext" delay="0">
+                  <p:tgtEl>
+                    <p:sldTgt/>
+                  </p:tgtEl>
+                </p:cond>
+              </p:nextCondLst>
+            </p:seq>
+            <p:audio isNarration="1">
+              <p:cMediaNode vol="80000" showWhenStopped="0">
+                <p:cTn id="7" fill="hold" display="0">
+                  <p:stCondLst>
+                    <p:cond delay="indefinite"/>
+                  </p:stCondLst>
+                  <p:endCondLst>
+                    <p:cond evt="onStopAudio" delay="0">
+                      <p:tgtEl>
+                        <p:sldTgt/>
+                      </p:tgtEl>
+                    </p:cond>
+                  </p:endCondLst>
+                </p:cTn>
+                <p:tgtEl>
+                  <p:spTgt spid="6"/>
+                </p:tgtEl>
+              </p:cMediaNode>
+            </p:audio>
+          </p:childTnLst>
+        </p:cTn>
+      </p:par>
+    </p:tnLst>
+  </p:timing>
 </p:sld>
 </file>
 
@@ -5624,7 +5567,7 @@
           <p:nvPr/>
         </p:nvPicPr>
         <p:blipFill>
-          <a:blip r:embed="rId4"/>
+          <a:blip r:embed="rId6"/>
           <a:srcRect/>
           <a:stretch/>
         </p:blipFill>
@@ -5677,7 +5620,7 @@
           <p:nvPr/>
         </p:nvPicPr>
         <p:blipFill>
-          <a:blip r:embed="rId5"/>
+          <a:blip r:embed="rId7"/>
           <a:srcRect/>
           <a:stretch/>
         </p:blipFill>
@@ -5730,7 +5673,7 @@
           <p:nvPr/>
         </p:nvPicPr>
         <p:blipFill>
-          <a:blip r:embed="rId6"/>
+          <a:blip r:embed="rId8"/>
           <a:srcRect/>
           <a:stretch/>
         </p:blipFill>
@@ -5783,7 +5726,7 @@
           <p:nvPr/>
         </p:nvPicPr>
         <p:blipFill>
-          <a:blip r:embed="rId7"/>
+          <a:blip r:embed="rId9"/>
           <a:srcRect/>
           <a:stretch/>
         </p:blipFill>
@@ -5836,7 +5779,7 @@
           <p:nvPr/>
         </p:nvPicPr>
         <p:blipFill>
-          <a:blip r:embed="rId8"/>
+          <a:blip r:embed="rId10"/>
           <a:srcRect/>
           <a:stretch/>
         </p:blipFill>
@@ -5844,6 +5787,43 @@
           <a:xfrm>
             <a:off x="584200" y="850900"/>
             <a:ext cx="5080000" cy="5080000"/>
+          </a:xfrm>
+          <a:prstGeom prst="rect">
+            <a:avLst/>
+          </a:prstGeom>
+        </p:spPr>
+      </p:pic>
+      <p:pic>
+        <p:nvPicPr>
+          <p:cNvPr id="5" name="Audio 4">
+            <a:extLst>
+              <a:ext uri="{FF2B5EF4-FFF2-40B4-BE49-F238E27FC236}">
+                <a16:creationId xmlns:a16="http://schemas.microsoft.com/office/drawing/2014/main" id="{71F16CF2-A96E-B047-02A1-AC765CB65B3C}"/>
+              </a:ext>
+            </a:extLst>
+          </p:cNvPr>
+          <p:cNvPicPr>
+            <a:picLocks noChangeAspect="1"/>
+          </p:cNvPicPr>
+          <p:nvPr>
+            <a:audioFile r:link="rId3"/>
+            <p:extLst>
+              <p:ext uri="{DAA4B4D4-6D71-4841-9C94-3DE7FCFB9230}">
+                <p14:media xmlns:p14="http://schemas.microsoft.com/office/powerpoint/2010/main" r:embed="rId2"/>
+              </p:ext>
+            </p:extLst>
+          </p:nvPr>
+        </p:nvPicPr>
+        <p:blipFill>
+          <a:blip r:embed="rId11"/>
+          <a:stretch>
+            <a:fillRect/>
+          </a:stretch>
+        </p:blipFill>
+        <p:spPr>
+          <a:xfrm>
+            <a:off x="11226800" y="5892800"/>
+            <a:ext cx="812800" cy="812800"/>
           </a:xfrm>
           <a:prstGeom prst="rect">
             <a:avLst/>
@@ -5863,6 +5843,14 @@
   <p:clrMapOvr>
     <a:masterClrMapping/>
   </p:clrMapOvr>
+  <mc:AlternateContent xmlns:mc="http://schemas.openxmlformats.org/markup-compatibility/2006" xmlns:p14="http://schemas.microsoft.com/office/powerpoint/2010/main">
+    <mc:Choice Requires="p14">
+      <p:transition spd="slow" p14:dur="2000" advTm="22698"/>
+    </mc:Choice>
+    <mc:Fallback xmlns="">
+      <p:transition spd="slow" advTm="22698"/>
+    </mc:Fallback>
+  </mc:AlternateContent>
   <p:timing>
     <p:tnLst>
       <p:par>
@@ -5875,6 +5863,9 @@
                     <p:cTn id="3" fill="hold">
                       <p:stCondLst>
                         <p:cond delay="indefinite"/>
+                        <p:cond evt="onBegin" delay="0">
+                          <p:tn val="2"/>
+                        </p:cond>
                       </p:stCondLst>
                       <p:childTnLst>
                         <p:par>
@@ -5884,14 +5875,49 @@
                             </p:stCondLst>
                             <p:childTnLst>
                               <p:par>
-                                <p:cTn id="5" presetID="1" presetClass="entr" presetSubtype="0" fill="hold" nodeType="clickEffect">
+                                <p:cTn id="5" presetID="1" presetClass="mediacall" presetSubtype="0" fill="hold" nodeType="afterEffect">
+                                  <p:stCondLst>
+                                    <p:cond delay="0"/>
+                                  </p:stCondLst>
+                                  <p:childTnLst>
+                                    <p:cmd type="call" cmd="playFrom(0.0)">
+                                      <p:cBhvr>
+                                        <p:cTn id="6" dur="1" fill="hold"/>
+                                        <p:tgtEl>
+                                          <p:spTgt spid="5"/>
+                                        </p:tgtEl>
+                                      </p:cBhvr>
+                                    </p:cmd>
+                                  </p:childTnLst>
+                                </p:cTn>
+                              </p:par>
+                            </p:childTnLst>
+                          </p:cTn>
+                        </p:par>
+                      </p:childTnLst>
+                    </p:cTn>
+                  </p:par>
+                  <p:par>
+                    <p:cTn id="7" fill="hold">
+                      <p:stCondLst>
+                        <p:cond delay="indefinite"/>
+                      </p:stCondLst>
+                      <p:childTnLst>
+                        <p:par>
+                          <p:cTn id="8" fill="hold">
+                            <p:stCondLst>
+                              <p:cond delay="0"/>
+                            </p:stCondLst>
+                            <p:childTnLst>
+                              <p:par>
+                                <p:cTn id="9" presetID="1" presetClass="entr" presetSubtype="0" fill="hold" nodeType="clickEffect">
                                   <p:stCondLst>
                                     <p:cond delay="0"/>
                                   </p:stCondLst>
                                   <p:childTnLst>
                                     <p:set>
                                       <p:cBhvr>
-                                        <p:cTn id="6" dur="1" fill="hold">
+                                        <p:cTn id="10" dur="1" fill="hold">
                                           <p:stCondLst>
                                             <p:cond delay="0"/>
                                           </p:stCondLst>
@@ -5911,14 +5937,14 @@
                                 </p:cTn>
                               </p:par>
                               <p:par>
-                                <p:cTn id="7" presetID="26" presetClass="emph" presetSubtype="0" fill="hold" nodeType="withEffect">
+                                <p:cTn id="11" presetID="26" presetClass="emph" presetSubtype="0" fill="hold" nodeType="withEffect">
                                   <p:stCondLst>
                                     <p:cond delay="0"/>
                                   </p:stCondLst>
                                   <p:childTnLst>
                                     <p:animEffect transition="out" filter="fade">
                                       <p:cBhvr>
-                                        <p:cTn id="8" dur="1000" tmFilter="0, 0; .2, .5; .8, .5; 1, 0"/>
+                                        <p:cTn id="12" dur="1000" tmFilter="0, 0; .2, .5; .8, .5; 1, 0"/>
                                         <p:tgtEl>
                                           <p:spTgt spid="4"/>
                                         </p:tgtEl>
@@ -5926,7 +5952,7 @@
                                     </p:animEffect>
                                     <p:animScale>
                                       <p:cBhvr>
-                                        <p:cTn id="9" dur="500" autoRev="1" fill="hold"/>
+                                        <p:cTn id="13" dur="500" autoRev="1" fill="hold"/>
                                         <p:tgtEl>
                                           <p:spTgt spid="4"/>
                                         </p:tgtEl>
@@ -5943,26 +5969,26 @@
                     </p:cTn>
                   </p:par>
                   <p:par>
-                    <p:cTn id="10" fill="hold">
+                    <p:cTn id="14" fill="hold">
                       <p:stCondLst>
                         <p:cond delay="indefinite"/>
                       </p:stCondLst>
                       <p:childTnLst>
                         <p:par>
-                          <p:cTn id="11" fill="hold">
+                          <p:cTn id="15" fill="hold">
                             <p:stCondLst>
                               <p:cond delay="0"/>
                             </p:stCondLst>
                             <p:childTnLst>
                               <p:par>
-                                <p:cTn id="12" presetID="1" presetClass="entr" presetSubtype="0" fill="hold" nodeType="clickEffect">
+                                <p:cTn id="16" presetID="1" presetClass="entr" presetSubtype="0" fill="hold" nodeType="clickEffect">
                                   <p:stCondLst>
                                     <p:cond delay="0"/>
                                   </p:stCondLst>
                                   <p:childTnLst>
                                     <p:set>
                                       <p:cBhvr>
-                                        <p:cTn id="13" dur="1" fill="hold">
+                                        <p:cTn id="17" dur="1" fill="hold">
                                           <p:stCondLst>
                                             <p:cond delay="0"/>
                                           </p:stCondLst>
@@ -5982,14 +6008,14 @@
                                 </p:cTn>
                               </p:par>
                               <p:par>
-                                <p:cTn id="14" presetID="26" presetClass="emph" presetSubtype="0" fill="hold" nodeType="withEffect">
+                                <p:cTn id="18" presetID="26" presetClass="emph" presetSubtype="0" fill="hold" nodeType="withEffect">
                                   <p:stCondLst>
                                     <p:cond delay="0"/>
                                   </p:stCondLst>
                                   <p:childTnLst>
                                     <p:animEffect transition="out" filter="fade">
                                       <p:cBhvr>
-                                        <p:cTn id="15" dur="1000" tmFilter="0, 0; .2, .5; .8, .5; 1, 0"/>
+                                        <p:cTn id="19" dur="1000" tmFilter="0, 0; .2, .5; .8, .5; 1, 0"/>
                                         <p:tgtEl>
                                           <p:spTgt spid="6"/>
                                         </p:tgtEl>
@@ -5997,7 +6023,7 @@
                                     </p:animEffect>
                                     <p:animScale>
                                       <p:cBhvr>
-                                        <p:cTn id="16" dur="500" autoRev="1" fill="hold"/>
+                                        <p:cTn id="20" dur="500" autoRev="1" fill="hold"/>
                                         <p:tgtEl>
                                           <p:spTgt spid="6"/>
                                         </p:tgtEl>
@@ -6014,26 +6040,26 @@
                     </p:cTn>
                   </p:par>
                   <p:par>
-                    <p:cTn id="17" fill="hold">
+                    <p:cTn id="21" fill="hold">
                       <p:stCondLst>
                         <p:cond delay="indefinite"/>
                       </p:stCondLst>
                       <p:childTnLst>
                         <p:par>
-                          <p:cTn id="18" fill="hold">
+                          <p:cTn id="22" fill="hold">
                             <p:stCondLst>
                               <p:cond delay="0"/>
                             </p:stCondLst>
                             <p:childTnLst>
                               <p:par>
-                                <p:cTn id="19" presetID="1" presetClass="entr" presetSubtype="0" fill="hold" nodeType="clickEffect">
+                                <p:cTn id="23" presetID="1" presetClass="entr" presetSubtype="0" fill="hold" nodeType="clickEffect">
                                   <p:stCondLst>
                                     <p:cond delay="0"/>
                                   </p:stCondLst>
                                   <p:childTnLst>
                                     <p:set>
                                       <p:cBhvr>
-                                        <p:cTn id="20" dur="1" fill="hold">
+                                        <p:cTn id="24" dur="1" fill="hold">
                                           <p:stCondLst>
                                             <p:cond delay="0"/>
                                           </p:stCondLst>
@@ -6053,14 +6079,14 @@
                                 </p:cTn>
                               </p:par>
                               <p:par>
-                                <p:cTn id="21" presetID="26" presetClass="emph" presetSubtype="0" fill="hold" nodeType="withEffect">
+                                <p:cTn id="25" presetID="26" presetClass="emph" presetSubtype="0" fill="hold" nodeType="withEffect">
                                   <p:stCondLst>
                                     <p:cond delay="0"/>
                                   </p:stCondLst>
                                   <p:childTnLst>
                                     <p:animEffect transition="out" filter="fade">
                                       <p:cBhvr>
-                                        <p:cTn id="22" dur="1000" tmFilter="0, 0; .2, .5; .8, .5; 1, 0"/>
+                                        <p:cTn id="26" dur="1000" tmFilter="0, 0; .2, .5; .8, .5; 1, 0"/>
                                         <p:tgtEl>
                                           <p:spTgt spid="7"/>
                                         </p:tgtEl>
@@ -6068,7 +6094,7 @@
                                     </p:animEffect>
                                     <p:animScale>
                                       <p:cBhvr>
-                                        <p:cTn id="23" dur="500" autoRev="1" fill="hold"/>
+                                        <p:cTn id="27" dur="500" autoRev="1" fill="hold"/>
                                         <p:tgtEl>
                                           <p:spTgt spid="7"/>
                                         </p:tgtEl>
@@ -6085,26 +6111,26 @@
                     </p:cTn>
                   </p:par>
                   <p:par>
-                    <p:cTn id="24" fill="hold">
+                    <p:cTn id="28" fill="hold">
                       <p:stCondLst>
                         <p:cond delay="indefinite"/>
                       </p:stCondLst>
                       <p:childTnLst>
                         <p:par>
-                          <p:cTn id="25" fill="hold">
+                          <p:cTn id="29" fill="hold">
                             <p:stCondLst>
                               <p:cond delay="0"/>
                             </p:stCondLst>
                             <p:childTnLst>
                               <p:par>
-                                <p:cTn id="26" presetID="1" presetClass="entr" presetSubtype="0" fill="hold" nodeType="clickEffect">
+                                <p:cTn id="30" presetID="1" presetClass="entr" presetSubtype="0" fill="hold" nodeType="clickEffect">
                                   <p:stCondLst>
                                     <p:cond delay="0"/>
                                   </p:stCondLst>
                                   <p:childTnLst>
                                     <p:set>
                                       <p:cBhvr>
-                                        <p:cTn id="27" dur="1" fill="hold">
+                                        <p:cTn id="31" dur="1" fill="hold">
                                           <p:stCondLst>
                                             <p:cond delay="0"/>
                                           </p:stCondLst>
@@ -6124,14 +6150,14 @@
                                 </p:cTn>
                               </p:par>
                               <p:par>
-                                <p:cTn id="28" presetID="26" presetClass="emph" presetSubtype="0" fill="hold" nodeType="withEffect">
+                                <p:cTn id="32" presetID="26" presetClass="emph" presetSubtype="0" fill="hold" nodeType="withEffect">
                                   <p:stCondLst>
                                     <p:cond delay="0"/>
                                   </p:stCondLst>
                                   <p:childTnLst>
                                     <p:animEffect transition="out" filter="fade">
                                       <p:cBhvr>
-                                        <p:cTn id="29" dur="1000" tmFilter="0, 0; .2, .5; .8, .5; 1, 0"/>
+                                        <p:cTn id="33" dur="1000" tmFilter="0, 0; .2, .5; .8, .5; 1, 0"/>
                                         <p:tgtEl>
                                           <p:spTgt spid="8"/>
                                         </p:tgtEl>
@@ -6139,7 +6165,7 @@
                                     </p:animEffect>
                                     <p:animScale>
                                       <p:cBhvr>
-                                        <p:cTn id="30" dur="500" autoRev="1" fill="hold"/>
+                                        <p:cTn id="34" dur="500" autoRev="1" fill="hold"/>
                                         <p:tgtEl>
                                           <p:spTgt spid="8"/>
                                         </p:tgtEl>
@@ -6172,6 +6198,25 @@
                 </p:cond>
               </p:nextCondLst>
             </p:seq>
+            <p:audio isNarration="1">
+              <p:cMediaNode vol="80000" showWhenStopped="0">
+                <p:cTn id="35" fill="hold" display="0">
+                  <p:stCondLst>
+                    <p:cond delay="indefinite"/>
+                  </p:stCondLst>
+                  <p:endCondLst>
+                    <p:cond evt="onStopAudio" delay="0">
+                      <p:tgtEl>
+                        <p:sldTgt/>
+                      </p:tgtEl>
+                    </p:cond>
+                  </p:endCondLst>
+                </p:cTn>
+                <p:tgtEl>
+                  <p:spTgt spid="5"/>
+                </p:tgtEl>
+              </p:cMediaNode>
+            </p:audio>
           </p:childTnLst>
         </p:cTn>
       </p:par>
@@ -6180,2068 +6225,9 @@
 </p:sld>
 </file>
 
-<file path=ppt/slides/slide6.xml><?xml version="1.0" encoding="utf-8"?>
-<p:sld xmlns:a="http://schemas.openxmlformats.org/drawingml/2006/main" xmlns:r="http://schemas.openxmlformats.org/officeDocument/2006/relationships" xmlns:p="http://schemas.openxmlformats.org/presentationml/2006/main">
-  <p:cSld>
-    <p:spTree>
-      <p:nvGrpSpPr>
-        <p:cNvPr id="1" name="">
-          <a:extLst>
-            <a:ext uri="{FF2B5EF4-FFF2-40B4-BE49-F238E27FC236}">
-              <a16:creationId xmlns:a16="http://schemas.microsoft.com/office/drawing/2014/main" id="{C4E6D5F3-7E1F-6F6F-C5CC-36A6030516B4}"/>
-            </a:ext>
-          </a:extLst>
-        </p:cNvPr>
-        <p:cNvGrpSpPr/>
-        <p:nvPr/>
-      </p:nvGrpSpPr>
-      <p:grpSpPr>
-        <a:xfrm>
-          <a:off x="0" y="0"/>
-          <a:ext cx="0" cy="0"/>
-          <a:chOff x="0" y="0"/>
-          <a:chExt cx="0" cy="0"/>
-        </a:xfrm>
-      </p:grpSpPr>
-      <p:pic>
-        <p:nvPicPr>
-          <p:cNvPr id="2" name="Picture 1">
-            <a:extLst>
-              <a:ext uri="{FF2B5EF4-FFF2-40B4-BE49-F238E27FC236}">
-                <a16:creationId xmlns:a16="http://schemas.microsoft.com/office/drawing/2014/main" id="{B75B097E-3A99-26A0-4868-82A256A9C19F}"/>
-              </a:ext>
-            </a:extLst>
-          </p:cNvPr>
-          <p:cNvPicPr>
-            <a:picLocks noChangeAspect="1"/>
-          </p:cNvPicPr>
-          <p:nvPr/>
-        </p:nvPicPr>
-        <p:blipFill>
-          <a:blip r:embed="rId3"/>
-          <a:srcRect/>
-          <a:stretch/>
-        </p:blipFill>
-        <p:spPr>
-          <a:xfrm>
-            <a:off x="584200" y="850900"/>
-            <a:ext cx="5080000" cy="5080000"/>
-          </a:xfrm>
-          <a:prstGeom prst="rect">
-            <a:avLst/>
-          </a:prstGeom>
-        </p:spPr>
-      </p:pic>
-    </p:spTree>
-    <p:extLst>
-      <p:ext uri="{BB962C8B-B14F-4D97-AF65-F5344CB8AC3E}">
-        <p14:creationId xmlns:p14="http://schemas.microsoft.com/office/powerpoint/2010/main" val="2496675178"/>
-      </p:ext>
-    </p:extLst>
-  </p:cSld>
-  <p:clrMapOvr>
-    <a:masterClrMapping/>
-  </p:clrMapOvr>
-</p:sld>
-</file>
-
-<file path=ppt/slides/slide7.xml><?xml version="1.0" encoding="utf-8"?>
-<p:sld xmlns:a="http://schemas.openxmlformats.org/drawingml/2006/main" xmlns:r="http://schemas.openxmlformats.org/officeDocument/2006/relationships" xmlns:p="http://schemas.openxmlformats.org/presentationml/2006/main">
-  <p:cSld>
-    <p:spTree>
-      <p:nvGrpSpPr>
-        <p:cNvPr id="1" name="">
-          <a:extLst>
-            <a:ext uri="{FF2B5EF4-FFF2-40B4-BE49-F238E27FC236}">
-              <a16:creationId xmlns:a16="http://schemas.microsoft.com/office/drawing/2014/main" id="{E1F2284E-724D-CC78-CDB7-9C285B310F1F}"/>
-            </a:ext>
-          </a:extLst>
-        </p:cNvPr>
-        <p:cNvGrpSpPr/>
-        <p:nvPr/>
-      </p:nvGrpSpPr>
-      <p:grpSpPr>
-        <a:xfrm>
-          <a:off x="0" y="0"/>
-          <a:ext cx="0" cy="0"/>
-          <a:chOff x="0" y="0"/>
-          <a:chExt cx="0" cy="0"/>
-        </a:xfrm>
-      </p:grpSpPr>
-      <p:pic>
-        <p:nvPicPr>
-          <p:cNvPr id="5" name="Picture 4">
-            <a:extLst>
-              <a:ext uri="{FF2B5EF4-FFF2-40B4-BE49-F238E27FC236}">
-                <a16:creationId xmlns:a16="http://schemas.microsoft.com/office/drawing/2014/main" id="{426FB61E-9C11-DE62-F6FA-96AD45080F9E}"/>
-              </a:ext>
-            </a:extLst>
-          </p:cNvPr>
-          <p:cNvPicPr>
-            <a:picLocks noChangeAspect="1"/>
-          </p:cNvPicPr>
-          <p:nvPr/>
-        </p:nvPicPr>
-        <p:blipFill>
-          <a:blip r:embed="rId4"/>
-          <a:srcRect/>
-          <a:stretch/>
-        </p:blipFill>
-        <p:spPr>
-          <a:xfrm>
-            <a:off x="317500" y="357415"/>
-            <a:ext cx="2743200" cy="2743200"/>
-          </a:xfrm>
-          <a:prstGeom prst="rect">
-            <a:avLst/>
-          </a:prstGeom>
-        </p:spPr>
-      </p:pic>
-      <p:pic>
-        <p:nvPicPr>
-          <p:cNvPr id="34" name="Picture 33">
-            <a:extLst>
-              <a:ext uri="{FF2B5EF4-FFF2-40B4-BE49-F238E27FC236}">
-                <a16:creationId xmlns:a16="http://schemas.microsoft.com/office/drawing/2014/main" id="{D0419920-D1AB-A6FB-1FE2-7DFB75104B37}"/>
-              </a:ext>
-            </a:extLst>
-          </p:cNvPr>
-          <p:cNvPicPr>
-            <a:picLocks noChangeAspect="1"/>
-          </p:cNvPicPr>
-          <p:nvPr/>
-        </p:nvPicPr>
-        <p:blipFill>
-          <a:blip r:embed="rId4"/>
-          <a:srcRect/>
-          <a:stretch/>
-        </p:blipFill>
-        <p:spPr>
-          <a:xfrm>
-            <a:off x="6605814" y="357415"/>
-            <a:ext cx="2743200" cy="2743200"/>
-          </a:xfrm>
-          <a:prstGeom prst="rect">
-            <a:avLst/>
-          </a:prstGeom>
-        </p:spPr>
-      </p:pic>
-      <p:pic>
-        <p:nvPicPr>
-          <p:cNvPr id="30" name="Picture 29">
-            <a:extLst>
-              <a:ext uri="{FF2B5EF4-FFF2-40B4-BE49-F238E27FC236}">
-                <a16:creationId xmlns:a16="http://schemas.microsoft.com/office/drawing/2014/main" id="{77970179-75B4-0B8B-F481-5A637DB6DD2A}"/>
-              </a:ext>
-            </a:extLst>
-          </p:cNvPr>
-          <p:cNvPicPr>
-            <a:picLocks noChangeAspect="1"/>
-          </p:cNvPicPr>
-          <p:nvPr/>
-        </p:nvPicPr>
-        <p:blipFill>
-          <a:blip r:embed="rId5"/>
-          <a:srcRect/>
-          <a:stretch/>
-        </p:blipFill>
-        <p:spPr>
-          <a:xfrm>
-            <a:off x="317500" y="3757386"/>
-            <a:ext cx="2743200" cy="2743200"/>
-          </a:xfrm>
-          <a:prstGeom prst="rect">
-            <a:avLst/>
-          </a:prstGeom>
-        </p:spPr>
-      </p:pic>
-      <p:pic>
-        <p:nvPicPr>
-          <p:cNvPr id="38" name="Picture 37">
-            <a:extLst>
-              <a:ext uri="{FF2B5EF4-FFF2-40B4-BE49-F238E27FC236}">
-                <a16:creationId xmlns:a16="http://schemas.microsoft.com/office/drawing/2014/main" id="{44748D75-8DE5-54F6-607B-193778070116}"/>
-              </a:ext>
-            </a:extLst>
-          </p:cNvPr>
-          <p:cNvPicPr>
-            <a:picLocks noChangeAspect="1"/>
-          </p:cNvPicPr>
-          <p:nvPr/>
-        </p:nvPicPr>
-        <p:blipFill>
-          <a:blip r:embed="rId5"/>
-          <a:srcRect/>
-          <a:stretch/>
-        </p:blipFill>
-        <p:spPr>
-          <a:xfrm>
-            <a:off x="6605814" y="3757386"/>
-            <a:ext cx="2743200" cy="2743200"/>
-          </a:xfrm>
-          <a:prstGeom prst="rect">
-            <a:avLst/>
-          </a:prstGeom>
-        </p:spPr>
-      </p:pic>
-    </p:spTree>
-    <p:custDataLst>
-      <p:tags r:id="rId1"/>
-    </p:custDataLst>
-    <p:extLst>
-      <p:ext uri="{BB962C8B-B14F-4D97-AF65-F5344CB8AC3E}">
-        <p14:creationId xmlns:p14="http://schemas.microsoft.com/office/powerpoint/2010/main" val="2412656309"/>
-      </p:ext>
-    </p:extLst>
-  </p:cSld>
-  <p:clrMapOvr>
-    <a:masterClrMapping/>
-  </p:clrMapOvr>
-  <p:timing>
-    <p:tnLst>
-      <p:par>
-        <p:cTn id="1" dur="indefinite" restart="never" nodeType="tmRoot">
-          <p:childTnLst>
-            <p:seq concurrent="1" nextAc="seek">
-              <p:cTn id="2" dur="indefinite" nodeType="mainSeq">
-                <p:childTnLst>
-                  <p:par>
-                    <p:cTn id="3" fill="hold">
-                      <p:stCondLst>
-                        <p:cond delay="indefinite"/>
-                      </p:stCondLst>
-                      <p:childTnLst>
-                        <p:par>
-                          <p:cTn id="4" fill="hold">
-                            <p:stCondLst>
-                              <p:cond delay="0"/>
-                            </p:stCondLst>
-                            <p:childTnLst>
-                              <p:par>
-                                <p:cTn id="5" presetID="1" presetClass="entr" presetSubtype="0" fill="hold" nodeType="clickEffect">
-                                  <p:stCondLst>
-                                    <p:cond delay="0"/>
-                                  </p:stCondLst>
-                                  <p:childTnLst>
-                                    <p:set>
-                                      <p:cBhvr>
-                                        <p:cTn id="6" dur="1" fill="hold">
-                                          <p:stCondLst>
-                                            <p:cond delay="0"/>
-                                          </p:stCondLst>
-                                        </p:cTn>
-                                        <p:tgtEl>
-                                          <p:spTgt spid="5"/>
-                                        </p:tgtEl>
-                                        <p:attrNameLst>
-                                          <p:attrName>style.visibility</p:attrName>
-                                        </p:attrNameLst>
-                                      </p:cBhvr>
-                                      <p:to>
-                                        <p:strVal val="visible"/>
-                                      </p:to>
-                                    </p:set>
-                                  </p:childTnLst>
-                                </p:cTn>
-                              </p:par>
-                              <p:par>
-                                <p:cTn id="7" presetID="1" presetClass="entr" presetSubtype="0" fill="hold" nodeType="withEffect">
-                                  <p:stCondLst>
-                                    <p:cond delay="0"/>
-                                  </p:stCondLst>
-                                  <p:childTnLst>
-                                    <p:set>
-                                      <p:cBhvr>
-                                        <p:cTn id="8" dur="1" fill="hold">
-                                          <p:stCondLst>
-                                            <p:cond delay="0"/>
-                                          </p:stCondLst>
-                                        </p:cTn>
-                                        <p:tgtEl>
-                                          <p:spTgt spid="34"/>
-                                        </p:tgtEl>
-                                        <p:attrNameLst>
-                                          <p:attrName>style.visibility</p:attrName>
-                                        </p:attrNameLst>
-                                      </p:cBhvr>
-                                      <p:to>
-                                        <p:strVal val="visible"/>
-                                      </p:to>
-                                    </p:set>
-                                  </p:childTnLst>
-                                </p:cTn>
-                              </p:par>
-                              <p:par>
-                                <p:cTn id="9" presetID="26" presetClass="emph" presetSubtype="0" fill="hold" nodeType="withEffect">
-                                  <p:stCondLst>
-                                    <p:cond delay="0"/>
-                                  </p:stCondLst>
-                                  <p:childTnLst>
-                                    <p:animEffect transition="out" filter="fade">
-                                      <p:cBhvr>
-                                        <p:cTn id="10" dur="1000" tmFilter="0, 0; .2, .5; .8, .5; 1, 0"/>
-                                        <p:tgtEl>
-                                          <p:spTgt spid="34"/>
-                                        </p:tgtEl>
-                                      </p:cBhvr>
-                                    </p:animEffect>
-                                    <p:animScale>
-                                      <p:cBhvr>
-                                        <p:cTn id="11" dur="500" autoRev="1" fill="hold"/>
-                                        <p:tgtEl>
-                                          <p:spTgt spid="34"/>
-                                        </p:tgtEl>
-                                      </p:cBhvr>
-                                      <p:by x="105000" y="105000"/>
-                                    </p:animScale>
-                                  </p:childTnLst>
-                                </p:cTn>
-                              </p:par>
-                              <p:par>
-                                <p:cTn id="12" presetID="26" presetClass="emph" presetSubtype="0" fill="hold" nodeType="withEffect">
-                                  <p:stCondLst>
-                                    <p:cond delay="0"/>
-                                  </p:stCondLst>
-                                  <p:childTnLst>
-                                    <p:animEffect transition="out" filter="fade">
-                                      <p:cBhvr>
-                                        <p:cTn id="13" dur="1000" tmFilter="0, 0; .2, .5; .8, .5; 1, 0"/>
-                                        <p:tgtEl>
-                                          <p:spTgt spid="5"/>
-                                        </p:tgtEl>
-                                      </p:cBhvr>
-                                    </p:animEffect>
-                                    <p:animScale>
-                                      <p:cBhvr>
-                                        <p:cTn id="14" dur="500" autoRev="1" fill="hold"/>
-                                        <p:tgtEl>
-                                          <p:spTgt spid="5"/>
-                                        </p:tgtEl>
-                                      </p:cBhvr>
-                                      <p:by x="105000" y="105000"/>
-                                    </p:animScale>
-                                  </p:childTnLst>
-                                </p:cTn>
-                              </p:par>
-                            </p:childTnLst>
-                          </p:cTn>
-                        </p:par>
-                      </p:childTnLst>
-                    </p:cTn>
-                  </p:par>
-                  <p:par>
-                    <p:cTn id="15" fill="hold">
-                      <p:stCondLst>
-                        <p:cond delay="indefinite"/>
-                      </p:stCondLst>
-                      <p:childTnLst>
-                        <p:par>
-                          <p:cTn id="16" fill="hold">
-                            <p:stCondLst>
-                              <p:cond delay="0"/>
-                            </p:stCondLst>
-                            <p:childTnLst>
-                              <p:par>
-                                <p:cTn id="17" presetID="1" presetClass="entr" presetSubtype="0" fill="hold" nodeType="clickEffect">
-                                  <p:stCondLst>
-                                    <p:cond delay="0"/>
-                                  </p:stCondLst>
-                                  <p:childTnLst>
-                                    <p:set>
-                                      <p:cBhvr>
-                                        <p:cTn id="18" dur="1" fill="hold">
-                                          <p:stCondLst>
-                                            <p:cond delay="0"/>
-                                          </p:stCondLst>
-                                        </p:cTn>
-                                        <p:tgtEl>
-                                          <p:spTgt spid="30"/>
-                                        </p:tgtEl>
-                                        <p:attrNameLst>
-                                          <p:attrName>style.visibility</p:attrName>
-                                        </p:attrNameLst>
-                                      </p:cBhvr>
-                                      <p:to>
-                                        <p:strVal val="visible"/>
-                                      </p:to>
-                                    </p:set>
-                                  </p:childTnLst>
-                                </p:cTn>
-                              </p:par>
-                              <p:par>
-                                <p:cTn id="19" presetID="1" presetClass="entr" presetSubtype="0" fill="hold" nodeType="withEffect">
-                                  <p:stCondLst>
-                                    <p:cond delay="0"/>
-                                  </p:stCondLst>
-                                  <p:childTnLst>
-                                    <p:set>
-                                      <p:cBhvr>
-                                        <p:cTn id="20" dur="1" fill="hold">
-                                          <p:stCondLst>
-                                            <p:cond delay="0"/>
-                                          </p:stCondLst>
-                                        </p:cTn>
-                                        <p:tgtEl>
-                                          <p:spTgt spid="38"/>
-                                        </p:tgtEl>
-                                        <p:attrNameLst>
-                                          <p:attrName>style.visibility</p:attrName>
-                                        </p:attrNameLst>
-                                      </p:cBhvr>
-                                      <p:to>
-                                        <p:strVal val="visible"/>
-                                      </p:to>
-                                    </p:set>
-                                  </p:childTnLst>
-                                </p:cTn>
-                              </p:par>
-                              <p:par>
-                                <p:cTn id="21" presetID="26" presetClass="emph" presetSubtype="0" fill="hold" nodeType="withEffect">
-                                  <p:stCondLst>
-                                    <p:cond delay="0"/>
-                                  </p:stCondLst>
-                                  <p:childTnLst>
-                                    <p:animEffect transition="out" filter="fade">
-                                      <p:cBhvr>
-                                        <p:cTn id="22" dur="1000" tmFilter="0, 0; .2, .5; .8, .5; 1, 0"/>
-                                        <p:tgtEl>
-                                          <p:spTgt spid="38"/>
-                                        </p:tgtEl>
-                                      </p:cBhvr>
-                                    </p:animEffect>
-                                    <p:animScale>
-                                      <p:cBhvr>
-                                        <p:cTn id="23" dur="500" autoRev="1" fill="hold"/>
-                                        <p:tgtEl>
-                                          <p:spTgt spid="38"/>
-                                        </p:tgtEl>
-                                      </p:cBhvr>
-                                      <p:by x="105000" y="105000"/>
-                                    </p:animScale>
-                                  </p:childTnLst>
-                                </p:cTn>
-                              </p:par>
-                              <p:par>
-                                <p:cTn id="24" presetID="26" presetClass="emph" presetSubtype="0" fill="hold" nodeType="withEffect">
-                                  <p:stCondLst>
-                                    <p:cond delay="0"/>
-                                  </p:stCondLst>
-                                  <p:childTnLst>
-                                    <p:animEffect transition="out" filter="fade">
-                                      <p:cBhvr>
-                                        <p:cTn id="25" dur="1000" tmFilter="0, 0; .2, .5; .8, .5; 1, 0"/>
-                                        <p:tgtEl>
-                                          <p:spTgt spid="30"/>
-                                        </p:tgtEl>
-                                      </p:cBhvr>
-                                    </p:animEffect>
-                                    <p:animScale>
-                                      <p:cBhvr>
-                                        <p:cTn id="26" dur="500" autoRev="1" fill="hold"/>
-                                        <p:tgtEl>
-                                          <p:spTgt spid="30"/>
-                                        </p:tgtEl>
-                                      </p:cBhvr>
-                                      <p:by x="105000" y="105000"/>
-                                    </p:animScale>
-                                  </p:childTnLst>
-                                </p:cTn>
-                              </p:par>
-                            </p:childTnLst>
-                          </p:cTn>
-                        </p:par>
-                      </p:childTnLst>
-                    </p:cTn>
-                  </p:par>
-                </p:childTnLst>
-              </p:cTn>
-              <p:prevCondLst>
-                <p:cond evt="onPrev" delay="0">
-                  <p:tgtEl>
-                    <p:sldTgt/>
-                  </p:tgtEl>
-                </p:cond>
-              </p:prevCondLst>
-              <p:nextCondLst>
-                <p:cond evt="onNext" delay="0">
-                  <p:tgtEl>
-                    <p:sldTgt/>
-                  </p:tgtEl>
-                </p:cond>
-              </p:nextCondLst>
-            </p:seq>
-          </p:childTnLst>
-        </p:cTn>
-      </p:par>
-    </p:tnLst>
-  </p:timing>
-</p:sld>
-</file>
-
-<file path=ppt/slides/slide8.xml><?xml version="1.0" encoding="utf-8"?>
-<p:sld xmlns:a="http://schemas.openxmlformats.org/drawingml/2006/main" xmlns:r="http://schemas.openxmlformats.org/officeDocument/2006/relationships" xmlns:p="http://schemas.openxmlformats.org/presentationml/2006/main">
-  <p:cSld>
-    <p:spTree>
-      <p:nvGrpSpPr>
-        <p:cNvPr id="1" name="">
-          <a:extLst>
-            <a:ext uri="{FF2B5EF4-FFF2-40B4-BE49-F238E27FC236}">
-              <a16:creationId xmlns:a16="http://schemas.microsoft.com/office/drawing/2014/main" id="{666A4C1B-E3B5-739C-9792-279739B77239}"/>
-            </a:ext>
-          </a:extLst>
-        </p:cNvPr>
-        <p:cNvGrpSpPr/>
-        <p:nvPr/>
-      </p:nvGrpSpPr>
-      <p:grpSpPr>
-        <a:xfrm>
-          <a:off x="0" y="0"/>
-          <a:ext cx="0" cy="0"/>
-          <a:chOff x="0" y="0"/>
-          <a:chExt cx="0" cy="0"/>
-        </a:xfrm>
-      </p:grpSpPr>
-      <p:pic>
-        <p:nvPicPr>
-          <p:cNvPr id="2" name="Picture 1">
-            <a:extLst>
-              <a:ext uri="{FF2B5EF4-FFF2-40B4-BE49-F238E27FC236}">
-                <a16:creationId xmlns:a16="http://schemas.microsoft.com/office/drawing/2014/main" id="{3CCFBCD7-45FE-C822-65D6-343C67A7FC9E}"/>
-              </a:ext>
-            </a:extLst>
-          </p:cNvPr>
-          <p:cNvPicPr>
-            <a:picLocks noChangeAspect="1"/>
-          </p:cNvPicPr>
-          <p:nvPr/>
-        </p:nvPicPr>
-        <p:blipFill>
-          <a:blip r:embed="rId4"/>
-          <a:srcRect/>
-          <a:stretch/>
-        </p:blipFill>
-        <p:spPr>
-          <a:xfrm>
-            <a:off x="276470" y="351553"/>
-            <a:ext cx="2743200" cy="2743200"/>
-          </a:xfrm>
-          <a:prstGeom prst="rect">
-            <a:avLst/>
-          </a:prstGeom>
-        </p:spPr>
-      </p:pic>
-      <p:pic>
-        <p:nvPicPr>
-          <p:cNvPr id="4" name="Picture 3">
-            <a:extLst>
-              <a:ext uri="{FF2B5EF4-FFF2-40B4-BE49-F238E27FC236}">
-                <a16:creationId xmlns:a16="http://schemas.microsoft.com/office/drawing/2014/main" id="{496D5082-AC7C-C5D0-DE93-25A8673E9A67}"/>
-              </a:ext>
-            </a:extLst>
-          </p:cNvPr>
-          <p:cNvPicPr>
-            <a:picLocks noChangeAspect="1"/>
-          </p:cNvPicPr>
-          <p:nvPr/>
-        </p:nvPicPr>
-        <p:blipFill>
-          <a:blip r:embed="rId4"/>
-          <a:srcRect/>
-          <a:stretch/>
-        </p:blipFill>
-        <p:spPr>
-          <a:xfrm>
-            <a:off x="6564784" y="351553"/>
-            <a:ext cx="2743200" cy="2743200"/>
-          </a:xfrm>
-          <a:prstGeom prst="rect">
-            <a:avLst/>
-          </a:prstGeom>
-        </p:spPr>
-      </p:pic>
-      <p:pic>
-        <p:nvPicPr>
-          <p:cNvPr id="6" name="Picture 5">
-            <a:extLst>
-              <a:ext uri="{FF2B5EF4-FFF2-40B4-BE49-F238E27FC236}">
-                <a16:creationId xmlns:a16="http://schemas.microsoft.com/office/drawing/2014/main" id="{FAFB07EB-8F1F-7A44-5B9F-C5E65A6D70B2}"/>
-              </a:ext>
-            </a:extLst>
-          </p:cNvPr>
-          <p:cNvPicPr>
-            <a:picLocks noChangeAspect="1"/>
-          </p:cNvPicPr>
-          <p:nvPr/>
-        </p:nvPicPr>
-        <p:blipFill>
-          <a:blip r:embed="rId5"/>
-          <a:srcRect/>
-          <a:stretch/>
-        </p:blipFill>
-        <p:spPr>
-          <a:xfrm>
-            <a:off x="276470" y="3751524"/>
-            <a:ext cx="2743200" cy="2743200"/>
-          </a:xfrm>
-          <a:prstGeom prst="rect">
-            <a:avLst/>
-          </a:prstGeom>
-        </p:spPr>
-      </p:pic>
-      <p:pic>
-        <p:nvPicPr>
-          <p:cNvPr id="7" name="Picture 6">
-            <a:extLst>
-              <a:ext uri="{FF2B5EF4-FFF2-40B4-BE49-F238E27FC236}">
-                <a16:creationId xmlns:a16="http://schemas.microsoft.com/office/drawing/2014/main" id="{0FE343B7-8CFF-CD0D-94DC-4F4F7BF5C69B}"/>
-              </a:ext>
-            </a:extLst>
-          </p:cNvPr>
-          <p:cNvPicPr>
-            <a:picLocks noChangeAspect="1"/>
-          </p:cNvPicPr>
-          <p:nvPr/>
-        </p:nvPicPr>
-        <p:blipFill>
-          <a:blip r:embed="rId5"/>
-          <a:srcRect/>
-          <a:stretch/>
-        </p:blipFill>
-        <p:spPr>
-          <a:xfrm>
-            <a:off x="6564784" y="3751524"/>
-            <a:ext cx="2743200" cy="2743200"/>
-          </a:xfrm>
-          <a:prstGeom prst="rect">
-            <a:avLst/>
-          </a:prstGeom>
-        </p:spPr>
-      </p:pic>
-      <p:pic>
-        <p:nvPicPr>
-          <p:cNvPr id="5" name="Picture 4">
-            <a:extLst>
-              <a:ext uri="{FF2B5EF4-FFF2-40B4-BE49-F238E27FC236}">
-                <a16:creationId xmlns:a16="http://schemas.microsoft.com/office/drawing/2014/main" id="{5B22345B-6393-B740-8392-4DC4881F6B86}"/>
-              </a:ext>
-            </a:extLst>
-          </p:cNvPr>
-          <p:cNvPicPr>
-            <a:picLocks noChangeAspect="1"/>
-          </p:cNvPicPr>
-          <p:nvPr/>
-        </p:nvPicPr>
-        <p:blipFill>
-          <a:blip r:embed="rId6"/>
-          <a:srcRect/>
-          <a:stretch/>
-        </p:blipFill>
-        <p:spPr>
-          <a:xfrm>
-            <a:off x="317500" y="357415"/>
-            <a:ext cx="2743200" cy="2743200"/>
-          </a:xfrm>
-          <a:prstGeom prst="rect">
-            <a:avLst/>
-          </a:prstGeom>
-        </p:spPr>
-      </p:pic>
-      <p:pic>
-        <p:nvPicPr>
-          <p:cNvPr id="34" name="Picture 33">
-            <a:extLst>
-              <a:ext uri="{FF2B5EF4-FFF2-40B4-BE49-F238E27FC236}">
-                <a16:creationId xmlns:a16="http://schemas.microsoft.com/office/drawing/2014/main" id="{326D68A3-0554-317B-E7D4-90CD40095D4B}"/>
-              </a:ext>
-            </a:extLst>
-          </p:cNvPr>
-          <p:cNvPicPr>
-            <a:picLocks noChangeAspect="1"/>
-          </p:cNvPicPr>
-          <p:nvPr/>
-        </p:nvPicPr>
-        <p:blipFill>
-          <a:blip r:embed="rId7"/>
-          <a:srcRect/>
-          <a:stretch/>
-        </p:blipFill>
-        <p:spPr>
-          <a:xfrm>
-            <a:off x="6605814" y="357415"/>
-            <a:ext cx="2743200" cy="2743200"/>
-          </a:xfrm>
-          <a:prstGeom prst="rect">
-            <a:avLst/>
-          </a:prstGeom>
-        </p:spPr>
-      </p:pic>
-      <p:pic>
-        <p:nvPicPr>
-          <p:cNvPr id="30" name="Picture 29">
-            <a:extLst>
-              <a:ext uri="{FF2B5EF4-FFF2-40B4-BE49-F238E27FC236}">
-                <a16:creationId xmlns:a16="http://schemas.microsoft.com/office/drawing/2014/main" id="{343AEB6C-9739-1077-DA4A-2E379E3B42E1}"/>
-              </a:ext>
-            </a:extLst>
-          </p:cNvPr>
-          <p:cNvPicPr>
-            <a:picLocks noChangeAspect="1"/>
-          </p:cNvPicPr>
-          <p:nvPr/>
-        </p:nvPicPr>
-        <p:blipFill>
-          <a:blip r:embed="rId8"/>
-          <a:srcRect/>
-          <a:stretch/>
-        </p:blipFill>
-        <p:spPr>
-          <a:xfrm>
-            <a:off x="317500" y="3757386"/>
-            <a:ext cx="2743200" cy="2743200"/>
-          </a:xfrm>
-          <a:prstGeom prst="rect">
-            <a:avLst/>
-          </a:prstGeom>
-        </p:spPr>
-      </p:pic>
-      <p:pic>
-        <p:nvPicPr>
-          <p:cNvPr id="38" name="Picture 37">
-            <a:extLst>
-              <a:ext uri="{FF2B5EF4-FFF2-40B4-BE49-F238E27FC236}">
-                <a16:creationId xmlns:a16="http://schemas.microsoft.com/office/drawing/2014/main" id="{2436DF55-8B1E-5D01-BCCE-773E1789FBC0}"/>
-              </a:ext>
-            </a:extLst>
-          </p:cNvPr>
-          <p:cNvPicPr>
-            <a:picLocks noChangeAspect="1"/>
-          </p:cNvPicPr>
-          <p:nvPr/>
-        </p:nvPicPr>
-        <p:blipFill>
-          <a:blip r:embed="rId9"/>
-          <a:srcRect/>
-          <a:stretch/>
-        </p:blipFill>
-        <p:spPr>
-          <a:xfrm>
-            <a:off x="6605814" y="3757386"/>
-            <a:ext cx="2743200" cy="2743200"/>
-          </a:xfrm>
-          <a:prstGeom prst="rect">
-            <a:avLst/>
-          </a:prstGeom>
-        </p:spPr>
-      </p:pic>
-    </p:spTree>
-    <p:custDataLst>
-      <p:tags r:id="rId1"/>
-    </p:custDataLst>
-    <p:extLst>
-      <p:ext uri="{BB962C8B-B14F-4D97-AF65-F5344CB8AC3E}">
-        <p14:creationId xmlns:p14="http://schemas.microsoft.com/office/powerpoint/2010/main" val="2867135856"/>
-      </p:ext>
-    </p:extLst>
-  </p:cSld>
-  <p:clrMapOvr>
-    <a:masterClrMapping/>
-  </p:clrMapOvr>
-  <p:timing>
-    <p:tnLst>
-      <p:par>
-        <p:cTn id="1" dur="indefinite" restart="never" nodeType="tmRoot">
-          <p:childTnLst>
-            <p:seq concurrent="1" nextAc="seek">
-              <p:cTn id="2" dur="indefinite" nodeType="mainSeq">
-                <p:childTnLst>
-                  <p:par>
-                    <p:cTn id="3" fill="hold">
-                      <p:stCondLst>
-                        <p:cond delay="indefinite"/>
-                      </p:stCondLst>
-                      <p:childTnLst>
-                        <p:par>
-                          <p:cTn id="4" fill="hold">
-                            <p:stCondLst>
-                              <p:cond delay="0"/>
-                            </p:stCondLst>
-                            <p:childTnLst>
-                              <p:par>
-                                <p:cTn id="5" presetID="1" presetClass="entr" presetSubtype="0" fill="hold" nodeType="clickEffect">
-                                  <p:stCondLst>
-                                    <p:cond delay="0"/>
-                                  </p:stCondLst>
-                                  <p:childTnLst>
-                                    <p:set>
-                                      <p:cBhvr>
-                                        <p:cTn id="6" dur="1" fill="hold">
-                                          <p:stCondLst>
-                                            <p:cond delay="0"/>
-                                          </p:stCondLst>
-                                        </p:cTn>
-                                        <p:tgtEl>
-                                          <p:spTgt spid="30"/>
-                                        </p:tgtEl>
-                                        <p:attrNameLst>
-                                          <p:attrName>style.visibility</p:attrName>
-                                        </p:attrNameLst>
-                                      </p:cBhvr>
-                                      <p:to>
-                                        <p:strVal val="visible"/>
-                                      </p:to>
-                                    </p:set>
-                                  </p:childTnLst>
-                                </p:cTn>
-                              </p:par>
-                              <p:par>
-                                <p:cTn id="7" presetID="1" presetClass="entr" presetSubtype="0" fill="hold" nodeType="withEffect">
-                                  <p:stCondLst>
-                                    <p:cond delay="0"/>
-                                  </p:stCondLst>
-                                  <p:childTnLst>
-                                    <p:set>
-                                      <p:cBhvr>
-                                        <p:cTn id="8" dur="1" fill="hold">
-                                          <p:stCondLst>
-                                            <p:cond delay="0"/>
-                                          </p:stCondLst>
-                                        </p:cTn>
-                                        <p:tgtEl>
-                                          <p:spTgt spid="5"/>
-                                        </p:tgtEl>
-                                        <p:attrNameLst>
-                                          <p:attrName>style.visibility</p:attrName>
-                                        </p:attrNameLst>
-                                      </p:cBhvr>
-                                      <p:to>
-                                        <p:strVal val="visible"/>
-                                      </p:to>
-                                    </p:set>
-                                  </p:childTnLst>
-                                </p:cTn>
-                              </p:par>
-                              <p:par>
-                                <p:cTn id="9" presetID="26" presetClass="emph" presetSubtype="0" fill="hold" nodeType="withEffect">
-                                  <p:stCondLst>
-                                    <p:cond delay="0"/>
-                                  </p:stCondLst>
-                                  <p:childTnLst>
-                                    <p:animEffect transition="out" filter="fade">
-                                      <p:cBhvr>
-                                        <p:cTn id="10" dur="1000" tmFilter="0, 0; .2, .5; .8, .5; 1, 0"/>
-                                        <p:tgtEl>
-                                          <p:spTgt spid="5"/>
-                                        </p:tgtEl>
-                                      </p:cBhvr>
-                                    </p:animEffect>
-                                    <p:animScale>
-                                      <p:cBhvr>
-                                        <p:cTn id="11" dur="500" autoRev="1" fill="hold"/>
-                                        <p:tgtEl>
-                                          <p:spTgt spid="5"/>
-                                        </p:tgtEl>
-                                      </p:cBhvr>
-                                      <p:by x="105000" y="105000"/>
-                                    </p:animScale>
-                                  </p:childTnLst>
-                                </p:cTn>
-                              </p:par>
-                              <p:par>
-                                <p:cTn id="12" presetID="26" presetClass="emph" presetSubtype="0" fill="hold" nodeType="withEffect">
-                                  <p:stCondLst>
-                                    <p:cond delay="0"/>
-                                  </p:stCondLst>
-                                  <p:childTnLst>
-                                    <p:animEffect transition="out" filter="fade">
-                                      <p:cBhvr>
-                                        <p:cTn id="13" dur="1000" tmFilter="0, 0; .2, .5; .8, .5; 1, 0"/>
-                                        <p:tgtEl>
-                                          <p:spTgt spid="30"/>
-                                        </p:tgtEl>
-                                      </p:cBhvr>
-                                    </p:animEffect>
-                                    <p:animScale>
-                                      <p:cBhvr>
-                                        <p:cTn id="14" dur="500" autoRev="1" fill="hold"/>
-                                        <p:tgtEl>
-                                          <p:spTgt spid="30"/>
-                                        </p:tgtEl>
-                                      </p:cBhvr>
-                                      <p:by x="105000" y="105000"/>
-                                    </p:animScale>
-                                  </p:childTnLst>
-                                </p:cTn>
-                              </p:par>
-                            </p:childTnLst>
-                          </p:cTn>
-                        </p:par>
-                      </p:childTnLst>
-                    </p:cTn>
-                  </p:par>
-                  <p:par>
-                    <p:cTn id="15" fill="hold">
-                      <p:stCondLst>
-                        <p:cond delay="indefinite"/>
-                      </p:stCondLst>
-                      <p:childTnLst>
-                        <p:par>
-                          <p:cTn id="16" fill="hold">
-                            <p:stCondLst>
-                              <p:cond delay="0"/>
-                            </p:stCondLst>
-                            <p:childTnLst>
-                              <p:par>
-                                <p:cTn id="17" presetID="1" presetClass="entr" presetSubtype="0" fill="hold" nodeType="clickEffect">
-                                  <p:stCondLst>
-                                    <p:cond delay="0"/>
-                                  </p:stCondLst>
-                                  <p:childTnLst>
-                                    <p:set>
-                                      <p:cBhvr>
-                                        <p:cTn id="18" dur="1" fill="hold">
-                                          <p:stCondLst>
-                                            <p:cond delay="0"/>
-                                          </p:stCondLst>
-                                        </p:cTn>
-                                        <p:tgtEl>
-                                          <p:spTgt spid="34"/>
-                                        </p:tgtEl>
-                                        <p:attrNameLst>
-                                          <p:attrName>style.visibility</p:attrName>
-                                        </p:attrNameLst>
-                                      </p:cBhvr>
-                                      <p:to>
-                                        <p:strVal val="visible"/>
-                                      </p:to>
-                                    </p:set>
-                                  </p:childTnLst>
-                                </p:cTn>
-                              </p:par>
-                              <p:par>
-                                <p:cTn id="19" presetID="1" presetClass="entr" presetSubtype="0" fill="hold" nodeType="withEffect">
-                                  <p:stCondLst>
-                                    <p:cond delay="0"/>
-                                  </p:stCondLst>
-                                  <p:childTnLst>
-                                    <p:set>
-                                      <p:cBhvr>
-                                        <p:cTn id="20" dur="1" fill="hold">
-                                          <p:stCondLst>
-                                            <p:cond delay="0"/>
-                                          </p:stCondLst>
-                                        </p:cTn>
-                                        <p:tgtEl>
-                                          <p:spTgt spid="38"/>
-                                        </p:tgtEl>
-                                        <p:attrNameLst>
-                                          <p:attrName>style.visibility</p:attrName>
-                                        </p:attrNameLst>
-                                      </p:cBhvr>
-                                      <p:to>
-                                        <p:strVal val="visible"/>
-                                      </p:to>
-                                    </p:set>
-                                  </p:childTnLst>
-                                </p:cTn>
-                              </p:par>
-                              <p:par>
-                                <p:cTn id="21" presetID="26" presetClass="emph" presetSubtype="0" fill="hold" nodeType="withEffect">
-                                  <p:stCondLst>
-                                    <p:cond delay="0"/>
-                                  </p:stCondLst>
-                                  <p:childTnLst>
-                                    <p:animEffect transition="out" filter="fade">
-                                      <p:cBhvr>
-                                        <p:cTn id="22" dur="1000" tmFilter="0, 0; .2, .5; .8, .5; 1, 0"/>
-                                        <p:tgtEl>
-                                          <p:spTgt spid="34"/>
-                                        </p:tgtEl>
-                                      </p:cBhvr>
-                                    </p:animEffect>
-                                    <p:animScale>
-                                      <p:cBhvr>
-                                        <p:cTn id="23" dur="500" autoRev="1" fill="hold"/>
-                                        <p:tgtEl>
-                                          <p:spTgt spid="34"/>
-                                        </p:tgtEl>
-                                      </p:cBhvr>
-                                      <p:by x="105000" y="105000"/>
-                                    </p:animScale>
-                                  </p:childTnLst>
-                                </p:cTn>
-                              </p:par>
-                              <p:par>
-                                <p:cTn id="24" presetID="26" presetClass="emph" presetSubtype="0" fill="hold" nodeType="withEffect">
-                                  <p:stCondLst>
-                                    <p:cond delay="0"/>
-                                  </p:stCondLst>
-                                  <p:childTnLst>
-                                    <p:animEffect transition="out" filter="fade">
-                                      <p:cBhvr>
-                                        <p:cTn id="25" dur="1000" tmFilter="0, 0; .2, .5; .8, .5; 1, 0"/>
-                                        <p:tgtEl>
-                                          <p:spTgt spid="38"/>
-                                        </p:tgtEl>
-                                      </p:cBhvr>
-                                    </p:animEffect>
-                                    <p:animScale>
-                                      <p:cBhvr>
-                                        <p:cTn id="26" dur="500" autoRev="1" fill="hold"/>
-                                        <p:tgtEl>
-                                          <p:spTgt spid="38"/>
-                                        </p:tgtEl>
-                                      </p:cBhvr>
-                                      <p:by x="105000" y="105000"/>
-                                    </p:animScale>
-                                  </p:childTnLst>
-                                </p:cTn>
-                              </p:par>
-                            </p:childTnLst>
-                          </p:cTn>
-                        </p:par>
-                      </p:childTnLst>
-                    </p:cTn>
-                  </p:par>
-                </p:childTnLst>
-              </p:cTn>
-              <p:prevCondLst>
-                <p:cond evt="onPrev" delay="0">
-                  <p:tgtEl>
-                    <p:sldTgt/>
-                  </p:tgtEl>
-                </p:cond>
-              </p:prevCondLst>
-              <p:nextCondLst>
-                <p:cond evt="onNext" delay="0">
-                  <p:tgtEl>
-                    <p:sldTgt/>
-                  </p:tgtEl>
-                </p:cond>
-              </p:nextCondLst>
-            </p:seq>
-          </p:childTnLst>
-        </p:cTn>
-      </p:par>
-    </p:tnLst>
-  </p:timing>
-</p:sld>
-</file>
-
-<file path=ppt/slides/slide9.xml><?xml version="1.0" encoding="utf-8"?>
-<p:sld xmlns:a="http://schemas.openxmlformats.org/drawingml/2006/main" xmlns:r="http://schemas.openxmlformats.org/officeDocument/2006/relationships" xmlns:p="http://schemas.openxmlformats.org/presentationml/2006/main">
-  <p:cSld>
-    <p:spTree>
-      <p:nvGrpSpPr>
-        <p:cNvPr id="1" name="">
-          <a:extLst>
-            <a:ext uri="{FF2B5EF4-FFF2-40B4-BE49-F238E27FC236}">
-              <a16:creationId xmlns:a16="http://schemas.microsoft.com/office/drawing/2014/main" id="{82B67C50-1D39-F87F-2F79-89AC71087A21}"/>
-            </a:ext>
-          </a:extLst>
-        </p:cNvPr>
-        <p:cNvGrpSpPr/>
-        <p:nvPr/>
-      </p:nvGrpSpPr>
-      <p:grpSpPr>
-        <a:xfrm>
-          <a:off x="0" y="0"/>
-          <a:ext cx="0" cy="0"/>
-          <a:chOff x="0" y="0"/>
-          <a:chExt cx="0" cy="0"/>
-        </a:xfrm>
-      </p:grpSpPr>
-      <p:pic>
-        <p:nvPicPr>
-          <p:cNvPr id="5" name="Picture 4">
-            <a:extLst>
-              <a:ext uri="{FF2B5EF4-FFF2-40B4-BE49-F238E27FC236}">
-                <a16:creationId xmlns:a16="http://schemas.microsoft.com/office/drawing/2014/main" id="{CA3D624D-5CE6-7A74-80EF-8B5B16CB26FE}"/>
-              </a:ext>
-            </a:extLst>
-          </p:cNvPr>
-          <p:cNvPicPr>
-            <a:picLocks noChangeAspect="1"/>
-          </p:cNvPicPr>
-          <p:nvPr/>
-        </p:nvPicPr>
-        <p:blipFill>
-          <a:blip r:embed="rId3"/>
-          <a:srcRect/>
-          <a:stretch/>
-        </p:blipFill>
-        <p:spPr>
-          <a:xfrm>
-            <a:off x="317500" y="357415"/>
-            <a:ext cx="2743200" cy="2743200"/>
-          </a:xfrm>
-          <a:prstGeom prst="rect">
-            <a:avLst/>
-          </a:prstGeom>
-        </p:spPr>
-      </p:pic>
-      <p:pic>
-        <p:nvPicPr>
-          <p:cNvPr id="34" name="Picture 33">
-            <a:extLst>
-              <a:ext uri="{FF2B5EF4-FFF2-40B4-BE49-F238E27FC236}">
-                <a16:creationId xmlns:a16="http://schemas.microsoft.com/office/drawing/2014/main" id="{EEF7A604-7DB6-0948-FE9D-30EC7D070063}"/>
-              </a:ext>
-            </a:extLst>
-          </p:cNvPr>
-          <p:cNvPicPr>
-            <a:picLocks noChangeAspect="1"/>
-          </p:cNvPicPr>
-          <p:nvPr/>
-        </p:nvPicPr>
-        <p:blipFill>
-          <a:blip r:embed="rId4"/>
-          <a:srcRect/>
-          <a:stretch/>
-        </p:blipFill>
-        <p:spPr>
-          <a:xfrm>
-            <a:off x="6605816" y="357415"/>
-            <a:ext cx="2743200" cy="2743200"/>
-          </a:xfrm>
-          <a:prstGeom prst="rect">
-            <a:avLst/>
-          </a:prstGeom>
-        </p:spPr>
-      </p:pic>
-      <p:pic>
-        <p:nvPicPr>
-          <p:cNvPr id="30" name="Picture 29">
-            <a:extLst>
-              <a:ext uri="{FF2B5EF4-FFF2-40B4-BE49-F238E27FC236}">
-                <a16:creationId xmlns:a16="http://schemas.microsoft.com/office/drawing/2014/main" id="{06F5F2C6-E6C3-0C67-F208-DC61306845CE}"/>
-              </a:ext>
-            </a:extLst>
-          </p:cNvPr>
-          <p:cNvPicPr>
-            <a:picLocks noChangeAspect="1"/>
-          </p:cNvPicPr>
-          <p:nvPr/>
-        </p:nvPicPr>
-        <p:blipFill>
-          <a:blip r:embed="rId5"/>
-          <a:srcRect/>
-          <a:stretch/>
-        </p:blipFill>
-        <p:spPr>
-          <a:xfrm>
-            <a:off x="317500" y="3757386"/>
-            <a:ext cx="2743200" cy="2743200"/>
-          </a:xfrm>
-          <a:prstGeom prst="rect">
-            <a:avLst/>
-          </a:prstGeom>
-        </p:spPr>
-      </p:pic>
-      <p:pic>
-        <p:nvPicPr>
-          <p:cNvPr id="38" name="Picture 37">
-            <a:extLst>
-              <a:ext uri="{FF2B5EF4-FFF2-40B4-BE49-F238E27FC236}">
-                <a16:creationId xmlns:a16="http://schemas.microsoft.com/office/drawing/2014/main" id="{11287281-711B-D96E-39C4-3FB5D5057037}"/>
-              </a:ext>
-            </a:extLst>
-          </p:cNvPr>
-          <p:cNvPicPr>
-            <a:picLocks noChangeAspect="1"/>
-          </p:cNvPicPr>
-          <p:nvPr/>
-        </p:nvPicPr>
-        <p:blipFill>
-          <a:blip r:embed="rId6"/>
-          <a:srcRect/>
-          <a:stretch/>
-        </p:blipFill>
-        <p:spPr>
-          <a:xfrm>
-            <a:off x="6605816" y="3757386"/>
-            <a:ext cx="2743200" cy="2743200"/>
-          </a:xfrm>
-          <a:prstGeom prst="rect">
-            <a:avLst/>
-          </a:prstGeom>
-        </p:spPr>
-      </p:pic>
-      <p:pic>
-        <p:nvPicPr>
-          <p:cNvPr id="2" name="Picture 1">
-            <a:extLst>
-              <a:ext uri="{FF2B5EF4-FFF2-40B4-BE49-F238E27FC236}">
-                <a16:creationId xmlns:a16="http://schemas.microsoft.com/office/drawing/2014/main" id="{34DC5D3E-CEAD-13C0-DB6E-E7795FAD6157}"/>
-              </a:ext>
-            </a:extLst>
-          </p:cNvPr>
-          <p:cNvPicPr>
-            <a:picLocks noChangeAspect="1"/>
-          </p:cNvPicPr>
-          <p:nvPr/>
-        </p:nvPicPr>
-        <p:blipFill>
-          <a:blip r:embed="rId7"/>
-          <a:srcRect l="850" r="850"/>
-          <a:stretch/>
-        </p:blipFill>
-        <p:spPr>
-          <a:xfrm>
-            <a:off x="3763413" y="732678"/>
-            <a:ext cx="687629" cy="914400"/>
-          </a:xfrm>
-          <a:prstGeom prst="roundRect">
-            <a:avLst>
-              <a:gd name="adj" fmla="val 4167"/>
-            </a:avLst>
-          </a:prstGeom>
-          <a:solidFill>
-            <a:srgbClr val="FFFFFF"/>
-          </a:solidFill>
-          <a:ln w="76200" cap="sq">
-            <a:solidFill>
-              <a:srgbClr val="292929"/>
-            </a:solidFill>
-            <a:miter lim="800000"/>
-          </a:ln>
-          <a:effectLst/>
-          <a:scene3d>
-            <a:camera prst="orthographicFront"/>
-            <a:lightRig rig="threePt" dir="t">
-              <a:rot lat="0" lon="0" rev="2700000"/>
-            </a:lightRig>
-          </a:scene3d>
-          <a:sp3d>
-            <a:bevelT h="38100"/>
-            <a:contourClr>
-              <a:srgbClr val="C0C0C0"/>
-            </a:contourClr>
-          </a:sp3d>
-        </p:spPr>
-      </p:pic>
-      <p:pic>
-        <p:nvPicPr>
-          <p:cNvPr id="4" name="Picture 3">
-            <a:extLst>
-              <a:ext uri="{FF2B5EF4-FFF2-40B4-BE49-F238E27FC236}">
-                <a16:creationId xmlns:a16="http://schemas.microsoft.com/office/drawing/2014/main" id="{99044D1A-61E0-6830-10BF-D516AA714000}"/>
-              </a:ext>
-            </a:extLst>
-          </p:cNvPr>
-          <p:cNvPicPr>
-            <a:picLocks noChangeAspect="1"/>
-          </p:cNvPicPr>
-          <p:nvPr/>
-        </p:nvPicPr>
-        <p:blipFill>
-          <a:blip r:embed="rId8"/>
-          <a:srcRect l="850" r="850"/>
-          <a:stretch/>
-        </p:blipFill>
-        <p:spPr>
-          <a:xfrm>
-            <a:off x="4669815" y="732678"/>
-            <a:ext cx="687629" cy="914400"/>
-          </a:xfrm>
-          <a:prstGeom prst="roundRect">
-            <a:avLst>
-              <a:gd name="adj" fmla="val 4167"/>
-            </a:avLst>
-          </a:prstGeom>
-          <a:solidFill>
-            <a:srgbClr val="FFFFFF"/>
-          </a:solidFill>
-          <a:ln w="76200" cap="sq">
-            <a:solidFill>
-              <a:srgbClr val="292929"/>
-            </a:solidFill>
-            <a:miter lim="800000"/>
-          </a:ln>
-          <a:effectLst/>
-          <a:scene3d>
-            <a:camera prst="orthographicFront"/>
-            <a:lightRig rig="threePt" dir="t">
-              <a:rot lat="0" lon="0" rev="2700000"/>
-            </a:lightRig>
-          </a:scene3d>
-          <a:sp3d>
-            <a:bevelT h="38100"/>
-            <a:contourClr>
-              <a:srgbClr val="C0C0C0"/>
-            </a:contourClr>
-          </a:sp3d>
-        </p:spPr>
-      </p:pic>
-      <p:pic>
-        <p:nvPicPr>
-          <p:cNvPr id="6" name="Picture 5">
-            <a:extLst>
-              <a:ext uri="{FF2B5EF4-FFF2-40B4-BE49-F238E27FC236}">
-                <a16:creationId xmlns:a16="http://schemas.microsoft.com/office/drawing/2014/main" id="{5BB5B73C-DE7F-3772-E11E-A52B93C7C103}"/>
-              </a:ext>
-            </a:extLst>
-          </p:cNvPr>
-          <p:cNvPicPr>
-            <a:picLocks noChangeAspect="1"/>
-          </p:cNvPicPr>
-          <p:nvPr/>
-        </p:nvPicPr>
-        <p:blipFill>
-          <a:blip r:embed="rId9"/>
-          <a:srcRect l="604" r="604"/>
-          <a:stretch/>
-        </p:blipFill>
-        <p:spPr>
-          <a:xfrm>
-            <a:off x="3763413" y="1858092"/>
-            <a:ext cx="687629" cy="914400"/>
-          </a:xfrm>
-          <a:prstGeom prst="roundRect">
-            <a:avLst>
-              <a:gd name="adj" fmla="val 4167"/>
-            </a:avLst>
-          </a:prstGeom>
-          <a:solidFill>
-            <a:srgbClr val="FFFFFF"/>
-          </a:solidFill>
-          <a:ln w="76200" cap="sq">
-            <a:solidFill>
-              <a:srgbClr val="292929"/>
-            </a:solidFill>
-            <a:miter lim="800000"/>
-          </a:ln>
-          <a:effectLst/>
-          <a:scene3d>
-            <a:camera prst="orthographicFront"/>
-            <a:lightRig rig="threePt" dir="t">
-              <a:rot lat="0" lon="0" rev="2700000"/>
-            </a:lightRig>
-          </a:scene3d>
-          <a:sp3d>
-            <a:bevelT h="38100"/>
-            <a:contourClr>
-              <a:srgbClr val="C0C0C0"/>
-            </a:contourClr>
-          </a:sp3d>
-        </p:spPr>
-      </p:pic>
-      <p:pic>
-        <p:nvPicPr>
-          <p:cNvPr id="7" name="Picture 6">
-            <a:extLst>
-              <a:ext uri="{FF2B5EF4-FFF2-40B4-BE49-F238E27FC236}">
-                <a16:creationId xmlns:a16="http://schemas.microsoft.com/office/drawing/2014/main" id="{61FEEF2A-20C3-B7C6-8DCA-C584FF9B190C}"/>
-              </a:ext>
-            </a:extLst>
-          </p:cNvPr>
-          <p:cNvPicPr>
-            <a:picLocks noChangeAspect="1"/>
-          </p:cNvPicPr>
-          <p:nvPr/>
-        </p:nvPicPr>
-        <p:blipFill>
-          <a:blip r:embed="rId10"/>
-          <a:srcRect l="604" r="604"/>
-          <a:stretch/>
-        </p:blipFill>
-        <p:spPr>
-          <a:xfrm>
-            <a:off x="4669815" y="1858092"/>
-            <a:ext cx="687629" cy="914400"/>
-          </a:xfrm>
-          <a:prstGeom prst="roundRect">
-            <a:avLst>
-              <a:gd name="adj" fmla="val 4167"/>
-            </a:avLst>
-          </a:prstGeom>
-          <a:solidFill>
-            <a:srgbClr val="FFFFFF"/>
-          </a:solidFill>
-          <a:ln w="76200" cap="sq">
-            <a:solidFill>
-              <a:srgbClr val="292929"/>
-            </a:solidFill>
-            <a:miter lim="800000"/>
-          </a:ln>
-          <a:effectLst/>
-          <a:scene3d>
-            <a:camera prst="orthographicFront"/>
-            <a:lightRig rig="threePt" dir="t">
-              <a:rot lat="0" lon="0" rev="2700000"/>
-            </a:lightRig>
-          </a:scene3d>
-          <a:sp3d>
-            <a:bevelT h="38100"/>
-            <a:contourClr>
-              <a:srgbClr val="C0C0C0"/>
-            </a:contourClr>
-          </a:sp3d>
-        </p:spPr>
-      </p:pic>
-      <p:pic>
-        <p:nvPicPr>
-          <p:cNvPr id="8" name="Picture 7">
-            <a:extLst>
-              <a:ext uri="{FF2B5EF4-FFF2-40B4-BE49-F238E27FC236}">
-                <a16:creationId xmlns:a16="http://schemas.microsoft.com/office/drawing/2014/main" id="{4923F810-2B60-251A-77CD-0C32B34E48E5}"/>
-              </a:ext>
-            </a:extLst>
-          </p:cNvPr>
-          <p:cNvPicPr>
-            <a:picLocks noChangeAspect="1"/>
-          </p:cNvPicPr>
-          <p:nvPr/>
-        </p:nvPicPr>
-        <p:blipFill>
-          <a:blip r:embed="rId7"/>
-          <a:srcRect l="850" r="850"/>
-          <a:stretch/>
-        </p:blipFill>
-        <p:spPr>
-          <a:xfrm>
-            <a:off x="3763413" y="4067894"/>
-            <a:ext cx="687629" cy="914400"/>
-          </a:xfrm>
-          <a:prstGeom prst="roundRect">
-            <a:avLst>
-              <a:gd name="adj" fmla="val 4167"/>
-            </a:avLst>
-          </a:prstGeom>
-          <a:solidFill>
-            <a:srgbClr val="FFFFFF"/>
-          </a:solidFill>
-          <a:ln w="76200" cap="sq">
-            <a:solidFill>
-              <a:srgbClr val="292929"/>
-            </a:solidFill>
-            <a:miter lim="800000"/>
-          </a:ln>
-          <a:effectLst/>
-          <a:scene3d>
-            <a:camera prst="orthographicFront"/>
-            <a:lightRig rig="threePt" dir="t">
-              <a:rot lat="0" lon="0" rev="2700000"/>
-            </a:lightRig>
-          </a:scene3d>
-          <a:sp3d>
-            <a:bevelT h="38100"/>
-            <a:contourClr>
-              <a:srgbClr val="C0C0C0"/>
-            </a:contourClr>
-          </a:sp3d>
-        </p:spPr>
-      </p:pic>
-      <p:pic>
-        <p:nvPicPr>
-          <p:cNvPr id="9" name="Picture 8">
-            <a:extLst>
-              <a:ext uri="{FF2B5EF4-FFF2-40B4-BE49-F238E27FC236}">
-                <a16:creationId xmlns:a16="http://schemas.microsoft.com/office/drawing/2014/main" id="{67284B36-BC17-802E-45D2-B7745A0A78A4}"/>
-              </a:ext>
-            </a:extLst>
-          </p:cNvPr>
-          <p:cNvPicPr>
-            <a:picLocks noChangeAspect="1"/>
-          </p:cNvPicPr>
-          <p:nvPr/>
-        </p:nvPicPr>
-        <p:blipFill>
-          <a:blip r:embed="rId8"/>
-          <a:srcRect l="850" r="850"/>
-          <a:stretch/>
-        </p:blipFill>
-        <p:spPr>
-          <a:xfrm>
-            <a:off x="4669815" y="4067894"/>
-            <a:ext cx="687629" cy="914400"/>
-          </a:xfrm>
-          <a:prstGeom prst="roundRect">
-            <a:avLst>
-              <a:gd name="adj" fmla="val 4167"/>
-            </a:avLst>
-          </a:prstGeom>
-          <a:solidFill>
-            <a:srgbClr val="FFFFFF"/>
-          </a:solidFill>
-          <a:ln w="76200" cap="sq">
-            <a:solidFill>
-              <a:srgbClr val="292929"/>
-            </a:solidFill>
-            <a:miter lim="800000"/>
-          </a:ln>
-          <a:effectLst/>
-          <a:scene3d>
-            <a:camera prst="orthographicFront"/>
-            <a:lightRig rig="threePt" dir="t">
-              <a:rot lat="0" lon="0" rev="2700000"/>
-            </a:lightRig>
-          </a:scene3d>
-          <a:sp3d>
-            <a:bevelT h="38100"/>
-            <a:contourClr>
-              <a:srgbClr val="C0C0C0"/>
-            </a:contourClr>
-          </a:sp3d>
-        </p:spPr>
-      </p:pic>
-      <p:pic>
-        <p:nvPicPr>
-          <p:cNvPr id="10" name="Picture 9">
-            <a:extLst>
-              <a:ext uri="{FF2B5EF4-FFF2-40B4-BE49-F238E27FC236}">
-                <a16:creationId xmlns:a16="http://schemas.microsoft.com/office/drawing/2014/main" id="{F989E27B-2B08-DF92-EA5D-B2845FDDB570}"/>
-              </a:ext>
-            </a:extLst>
-          </p:cNvPr>
-          <p:cNvPicPr>
-            <a:picLocks noChangeAspect="1"/>
-          </p:cNvPicPr>
-          <p:nvPr/>
-        </p:nvPicPr>
-        <p:blipFill>
-          <a:blip r:embed="rId9"/>
-          <a:srcRect l="604" r="604"/>
-          <a:stretch/>
-        </p:blipFill>
-        <p:spPr>
-          <a:xfrm>
-            <a:off x="3763413" y="5193308"/>
-            <a:ext cx="687629" cy="914400"/>
-          </a:xfrm>
-          <a:prstGeom prst="roundRect">
-            <a:avLst>
-              <a:gd name="adj" fmla="val 4167"/>
-            </a:avLst>
-          </a:prstGeom>
-          <a:solidFill>
-            <a:srgbClr val="FFFFFF"/>
-          </a:solidFill>
-          <a:ln w="76200" cap="sq">
-            <a:solidFill>
-              <a:srgbClr val="292929"/>
-            </a:solidFill>
-            <a:miter lim="800000"/>
-          </a:ln>
-          <a:effectLst/>
-          <a:scene3d>
-            <a:camera prst="orthographicFront"/>
-            <a:lightRig rig="threePt" dir="t">
-              <a:rot lat="0" lon="0" rev="2700000"/>
-            </a:lightRig>
-          </a:scene3d>
-          <a:sp3d>
-            <a:bevelT h="38100"/>
-            <a:contourClr>
-              <a:srgbClr val="C0C0C0"/>
-            </a:contourClr>
-          </a:sp3d>
-        </p:spPr>
-      </p:pic>
-      <p:pic>
-        <p:nvPicPr>
-          <p:cNvPr id="11" name="Picture 10">
-            <a:extLst>
-              <a:ext uri="{FF2B5EF4-FFF2-40B4-BE49-F238E27FC236}">
-                <a16:creationId xmlns:a16="http://schemas.microsoft.com/office/drawing/2014/main" id="{E6B8C153-A300-C9EA-0BCF-DF1815DE5FD7}"/>
-              </a:ext>
-            </a:extLst>
-          </p:cNvPr>
-          <p:cNvPicPr>
-            <a:picLocks noChangeAspect="1"/>
-          </p:cNvPicPr>
-          <p:nvPr/>
-        </p:nvPicPr>
-        <p:blipFill>
-          <a:blip r:embed="rId10"/>
-          <a:srcRect l="604" r="604"/>
-          <a:stretch/>
-        </p:blipFill>
-        <p:spPr>
-          <a:xfrm>
-            <a:off x="4669815" y="5193308"/>
-            <a:ext cx="687629" cy="914400"/>
-          </a:xfrm>
-          <a:prstGeom prst="roundRect">
-            <a:avLst>
-              <a:gd name="adj" fmla="val 4167"/>
-            </a:avLst>
-          </a:prstGeom>
-          <a:solidFill>
-            <a:srgbClr val="FFFFFF"/>
-          </a:solidFill>
-          <a:ln w="76200" cap="sq">
-            <a:solidFill>
-              <a:srgbClr val="292929"/>
-            </a:solidFill>
-            <a:miter lim="800000"/>
-          </a:ln>
-          <a:effectLst/>
-          <a:scene3d>
-            <a:camera prst="orthographicFront"/>
-            <a:lightRig rig="threePt" dir="t">
-              <a:rot lat="0" lon="0" rev="2700000"/>
-            </a:lightRig>
-          </a:scene3d>
-          <a:sp3d>
-            <a:bevelT h="38100"/>
-            <a:contourClr>
-              <a:srgbClr val="C0C0C0"/>
-            </a:contourClr>
-          </a:sp3d>
-        </p:spPr>
-      </p:pic>
-      <p:pic>
-        <p:nvPicPr>
-          <p:cNvPr id="13" name="Picture 12">
-            <a:extLst>
-              <a:ext uri="{FF2B5EF4-FFF2-40B4-BE49-F238E27FC236}">
-                <a16:creationId xmlns:a16="http://schemas.microsoft.com/office/drawing/2014/main" id="{4A197D60-99BD-B9F3-AF26-4B2B018B2AC1}"/>
-              </a:ext>
-            </a:extLst>
-          </p:cNvPr>
-          <p:cNvPicPr>
-            <a:picLocks noChangeAspect="1"/>
-          </p:cNvPicPr>
-          <p:nvPr/>
-        </p:nvPicPr>
-        <p:blipFill>
-          <a:blip r:embed="rId7"/>
-          <a:srcRect l="850" r="850"/>
-          <a:stretch/>
-        </p:blipFill>
-        <p:spPr>
-          <a:xfrm>
-            <a:off x="10134910" y="744401"/>
-            <a:ext cx="687629" cy="914400"/>
-          </a:xfrm>
-          <a:prstGeom prst="roundRect">
-            <a:avLst>
-              <a:gd name="adj" fmla="val 4167"/>
-            </a:avLst>
-          </a:prstGeom>
-          <a:solidFill>
-            <a:srgbClr val="FFFFFF"/>
-          </a:solidFill>
-          <a:ln w="76200" cap="sq">
-            <a:solidFill>
-              <a:srgbClr val="292929"/>
-            </a:solidFill>
-            <a:miter lim="800000"/>
-          </a:ln>
-          <a:effectLst/>
-          <a:scene3d>
-            <a:camera prst="orthographicFront"/>
-            <a:lightRig rig="threePt" dir="t">
-              <a:rot lat="0" lon="0" rev="2700000"/>
-            </a:lightRig>
-          </a:scene3d>
-          <a:sp3d>
-            <a:bevelT h="38100"/>
-            <a:contourClr>
-              <a:srgbClr val="C0C0C0"/>
-            </a:contourClr>
-          </a:sp3d>
-        </p:spPr>
-      </p:pic>
-      <p:pic>
-        <p:nvPicPr>
-          <p:cNvPr id="14" name="Picture 13">
-            <a:extLst>
-              <a:ext uri="{FF2B5EF4-FFF2-40B4-BE49-F238E27FC236}">
-                <a16:creationId xmlns:a16="http://schemas.microsoft.com/office/drawing/2014/main" id="{27484522-255D-11C7-CC1B-E35A6D23C1E2}"/>
-              </a:ext>
-            </a:extLst>
-          </p:cNvPr>
-          <p:cNvPicPr>
-            <a:picLocks noChangeAspect="1"/>
-          </p:cNvPicPr>
-          <p:nvPr/>
-        </p:nvPicPr>
-        <p:blipFill>
-          <a:blip r:embed="rId8"/>
-          <a:srcRect l="850" r="850"/>
-          <a:stretch/>
-        </p:blipFill>
-        <p:spPr>
-          <a:xfrm>
-            <a:off x="11041312" y="744401"/>
-            <a:ext cx="687629" cy="914400"/>
-          </a:xfrm>
-          <a:prstGeom prst="roundRect">
-            <a:avLst>
-              <a:gd name="adj" fmla="val 4167"/>
-            </a:avLst>
-          </a:prstGeom>
-          <a:solidFill>
-            <a:srgbClr val="FFFFFF"/>
-          </a:solidFill>
-          <a:ln w="76200" cap="sq">
-            <a:solidFill>
-              <a:srgbClr val="292929"/>
-            </a:solidFill>
-            <a:miter lim="800000"/>
-          </a:ln>
-          <a:effectLst/>
-          <a:scene3d>
-            <a:camera prst="orthographicFront"/>
-            <a:lightRig rig="threePt" dir="t">
-              <a:rot lat="0" lon="0" rev="2700000"/>
-            </a:lightRig>
-          </a:scene3d>
-          <a:sp3d>
-            <a:bevelT h="38100"/>
-            <a:contourClr>
-              <a:srgbClr val="C0C0C0"/>
-            </a:contourClr>
-          </a:sp3d>
-        </p:spPr>
-      </p:pic>
-      <p:pic>
-        <p:nvPicPr>
-          <p:cNvPr id="15" name="Picture 14">
-            <a:extLst>
-              <a:ext uri="{FF2B5EF4-FFF2-40B4-BE49-F238E27FC236}">
-                <a16:creationId xmlns:a16="http://schemas.microsoft.com/office/drawing/2014/main" id="{B9272947-B2B3-C352-69AC-B2D31394C304}"/>
-              </a:ext>
-            </a:extLst>
-          </p:cNvPr>
-          <p:cNvPicPr>
-            <a:picLocks noChangeAspect="1"/>
-          </p:cNvPicPr>
-          <p:nvPr/>
-        </p:nvPicPr>
-        <p:blipFill>
-          <a:blip r:embed="rId9"/>
-          <a:srcRect l="604" r="604"/>
-          <a:stretch/>
-        </p:blipFill>
-        <p:spPr>
-          <a:xfrm>
-            <a:off x="10134910" y="1869815"/>
-            <a:ext cx="687629" cy="914400"/>
-          </a:xfrm>
-          <a:prstGeom prst="roundRect">
-            <a:avLst>
-              <a:gd name="adj" fmla="val 4167"/>
-            </a:avLst>
-          </a:prstGeom>
-          <a:solidFill>
-            <a:srgbClr val="FFFFFF"/>
-          </a:solidFill>
-          <a:ln w="76200" cap="sq">
-            <a:solidFill>
-              <a:srgbClr val="292929"/>
-            </a:solidFill>
-            <a:miter lim="800000"/>
-          </a:ln>
-          <a:effectLst/>
-          <a:scene3d>
-            <a:camera prst="orthographicFront"/>
-            <a:lightRig rig="threePt" dir="t">
-              <a:rot lat="0" lon="0" rev="2700000"/>
-            </a:lightRig>
-          </a:scene3d>
-          <a:sp3d>
-            <a:bevelT h="38100"/>
-            <a:contourClr>
-              <a:srgbClr val="C0C0C0"/>
-            </a:contourClr>
-          </a:sp3d>
-        </p:spPr>
-      </p:pic>
-      <p:pic>
-        <p:nvPicPr>
-          <p:cNvPr id="16" name="Picture 15">
-            <a:extLst>
-              <a:ext uri="{FF2B5EF4-FFF2-40B4-BE49-F238E27FC236}">
-                <a16:creationId xmlns:a16="http://schemas.microsoft.com/office/drawing/2014/main" id="{E5349504-DFE4-0037-20BF-6612659892BE}"/>
-              </a:ext>
-            </a:extLst>
-          </p:cNvPr>
-          <p:cNvPicPr>
-            <a:picLocks noChangeAspect="1"/>
-          </p:cNvPicPr>
-          <p:nvPr/>
-        </p:nvPicPr>
-        <p:blipFill>
-          <a:blip r:embed="rId10"/>
-          <a:srcRect l="604" r="604"/>
-          <a:stretch/>
-        </p:blipFill>
-        <p:spPr>
-          <a:xfrm>
-            <a:off x="11041312" y="1869815"/>
-            <a:ext cx="687629" cy="914400"/>
-          </a:xfrm>
-          <a:prstGeom prst="roundRect">
-            <a:avLst>
-              <a:gd name="adj" fmla="val 4167"/>
-            </a:avLst>
-          </a:prstGeom>
-          <a:solidFill>
-            <a:srgbClr val="FFFFFF"/>
-          </a:solidFill>
-          <a:ln w="76200" cap="sq">
-            <a:solidFill>
-              <a:srgbClr val="292929"/>
-            </a:solidFill>
-            <a:miter lim="800000"/>
-          </a:ln>
-          <a:effectLst/>
-          <a:scene3d>
-            <a:camera prst="orthographicFront"/>
-            <a:lightRig rig="threePt" dir="t">
-              <a:rot lat="0" lon="0" rev="2700000"/>
-            </a:lightRig>
-          </a:scene3d>
-          <a:sp3d>
-            <a:bevelT h="38100"/>
-            <a:contourClr>
-              <a:srgbClr val="C0C0C0"/>
-            </a:contourClr>
-          </a:sp3d>
-        </p:spPr>
-      </p:pic>
-      <p:pic>
-        <p:nvPicPr>
-          <p:cNvPr id="17" name="Picture 16">
-            <a:extLst>
-              <a:ext uri="{FF2B5EF4-FFF2-40B4-BE49-F238E27FC236}">
-                <a16:creationId xmlns:a16="http://schemas.microsoft.com/office/drawing/2014/main" id="{84C2D64B-2541-10AA-EBF2-7CDC693493B7}"/>
-              </a:ext>
-            </a:extLst>
-          </p:cNvPr>
-          <p:cNvPicPr>
-            <a:picLocks noChangeAspect="1"/>
-          </p:cNvPicPr>
-          <p:nvPr/>
-        </p:nvPicPr>
-        <p:blipFill>
-          <a:blip r:embed="rId7"/>
-          <a:srcRect l="850" r="850"/>
-          <a:stretch/>
-        </p:blipFill>
-        <p:spPr>
-          <a:xfrm>
-            <a:off x="10199387" y="4114785"/>
-            <a:ext cx="687629" cy="914400"/>
-          </a:xfrm>
-          <a:prstGeom prst="roundRect">
-            <a:avLst>
-              <a:gd name="adj" fmla="val 4167"/>
-            </a:avLst>
-          </a:prstGeom>
-          <a:solidFill>
-            <a:srgbClr val="FFFFFF"/>
-          </a:solidFill>
-          <a:ln w="76200" cap="sq">
-            <a:solidFill>
-              <a:srgbClr val="292929"/>
-            </a:solidFill>
-            <a:miter lim="800000"/>
-          </a:ln>
-          <a:effectLst/>
-          <a:scene3d>
-            <a:camera prst="orthographicFront"/>
-            <a:lightRig rig="threePt" dir="t">
-              <a:rot lat="0" lon="0" rev="2700000"/>
-            </a:lightRig>
-          </a:scene3d>
-          <a:sp3d>
-            <a:bevelT h="38100"/>
-            <a:contourClr>
-              <a:srgbClr val="C0C0C0"/>
-            </a:contourClr>
-          </a:sp3d>
-        </p:spPr>
-      </p:pic>
-      <p:pic>
-        <p:nvPicPr>
-          <p:cNvPr id="19" name="Picture 18">
-            <a:extLst>
-              <a:ext uri="{FF2B5EF4-FFF2-40B4-BE49-F238E27FC236}">
-                <a16:creationId xmlns:a16="http://schemas.microsoft.com/office/drawing/2014/main" id="{D6B76227-E7CB-D5A7-89BF-4B1B86EED848}"/>
-              </a:ext>
-            </a:extLst>
-          </p:cNvPr>
-          <p:cNvPicPr>
-            <a:picLocks noChangeAspect="1"/>
-          </p:cNvPicPr>
-          <p:nvPr/>
-        </p:nvPicPr>
-        <p:blipFill>
-          <a:blip r:embed="rId8"/>
-          <a:srcRect l="850" r="850"/>
-          <a:stretch/>
-        </p:blipFill>
-        <p:spPr>
-          <a:xfrm>
-            <a:off x="11105789" y="4114785"/>
-            <a:ext cx="687629" cy="914400"/>
-          </a:xfrm>
-          <a:prstGeom prst="roundRect">
-            <a:avLst>
-              <a:gd name="adj" fmla="val 4167"/>
-            </a:avLst>
-          </a:prstGeom>
-          <a:solidFill>
-            <a:srgbClr val="FFFFFF"/>
-          </a:solidFill>
-          <a:ln w="76200" cap="sq">
-            <a:solidFill>
-              <a:srgbClr val="292929"/>
-            </a:solidFill>
-            <a:miter lim="800000"/>
-          </a:ln>
-          <a:effectLst/>
-          <a:scene3d>
-            <a:camera prst="orthographicFront"/>
-            <a:lightRig rig="threePt" dir="t">
-              <a:rot lat="0" lon="0" rev="2700000"/>
-            </a:lightRig>
-          </a:scene3d>
-          <a:sp3d>
-            <a:bevelT h="38100"/>
-            <a:contourClr>
-              <a:srgbClr val="C0C0C0"/>
-            </a:contourClr>
-          </a:sp3d>
-        </p:spPr>
-      </p:pic>
-      <p:pic>
-        <p:nvPicPr>
-          <p:cNvPr id="20" name="Picture 19">
-            <a:extLst>
-              <a:ext uri="{FF2B5EF4-FFF2-40B4-BE49-F238E27FC236}">
-                <a16:creationId xmlns:a16="http://schemas.microsoft.com/office/drawing/2014/main" id="{165D55AD-AB4A-2FC5-026D-68064F43E922}"/>
-              </a:ext>
-            </a:extLst>
-          </p:cNvPr>
-          <p:cNvPicPr>
-            <a:picLocks noChangeAspect="1"/>
-          </p:cNvPicPr>
-          <p:nvPr/>
-        </p:nvPicPr>
-        <p:blipFill>
-          <a:blip r:embed="rId9"/>
-          <a:srcRect l="604" r="604"/>
-          <a:stretch/>
-        </p:blipFill>
-        <p:spPr>
-          <a:xfrm>
-            <a:off x="10199387" y="5240199"/>
-            <a:ext cx="687629" cy="914400"/>
-          </a:xfrm>
-          <a:prstGeom prst="roundRect">
-            <a:avLst>
-              <a:gd name="adj" fmla="val 4167"/>
-            </a:avLst>
-          </a:prstGeom>
-          <a:solidFill>
-            <a:srgbClr val="FFFFFF"/>
-          </a:solidFill>
-          <a:ln w="76200" cap="sq">
-            <a:solidFill>
-              <a:srgbClr val="292929"/>
-            </a:solidFill>
-            <a:miter lim="800000"/>
-          </a:ln>
-          <a:effectLst/>
-          <a:scene3d>
-            <a:camera prst="orthographicFront"/>
-            <a:lightRig rig="threePt" dir="t">
-              <a:rot lat="0" lon="0" rev="2700000"/>
-            </a:lightRig>
-          </a:scene3d>
-          <a:sp3d>
-            <a:bevelT h="38100"/>
-            <a:contourClr>
-              <a:srgbClr val="C0C0C0"/>
-            </a:contourClr>
-          </a:sp3d>
-        </p:spPr>
-      </p:pic>
-      <p:pic>
-        <p:nvPicPr>
-          <p:cNvPr id="21" name="Picture 20">
-            <a:extLst>
-              <a:ext uri="{FF2B5EF4-FFF2-40B4-BE49-F238E27FC236}">
-                <a16:creationId xmlns:a16="http://schemas.microsoft.com/office/drawing/2014/main" id="{6A7660DF-A911-DA11-245E-E1840D42BE5E}"/>
-              </a:ext>
-            </a:extLst>
-          </p:cNvPr>
-          <p:cNvPicPr>
-            <a:picLocks noChangeAspect="1"/>
-          </p:cNvPicPr>
-          <p:nvPr/>
-        </p:nvPicPr>
-        <p:blipFill>
-          <a:blip r:embed="rId10"/>
-          <a:srcRect l="604" r="604"/>
-          <a:stretch/>
-        </p:blipFill>
-        <p:spPr>
-          <a:xfrm>
-            <a:off x="11105789" y="5240199"/>
-            <a:ext cx="687629" cy="914400"/>
-          </a:xfrm>
-          <a:prstGeom prst="roundRect">
-            <a:avLst>
-              <a:gd name="adj" fmla="val 4167"/>
-            </a:avLst>
-          </a:prstGeom>
-          <a:solidFill>
-            <a:srgbClr val="FFFFFF"/>
-          </a:solidFill>
-          <a:ln w="76200" cap="sq">
-            <a:solidFill>
-              <a:srgbClr val="292929"/>
-            </a:solidFill>
-            <a:miter lim="800000"/>
-          </a:ln>
-          <a:effectLst/>
-          <a:scene3d>
-            <a:camera prst="orthographicFront"/>
-            <a:lightRig rig="threePt" dir="t">
-              <a:rot lat="0" lon="0" rev="2700000"/>
-            </a:lightRig>
-          </a:scene3d>
-          <a:sp3d>
-            <a:bevelT h="38100"/>
-            <a:contourClr>
-              <a:srgbClr val="C0C0C0"/>
-            </a:contourClr>
-          </a:sp3d>
-        </p:spPr>
-      </p:pic>
-    </p:spTree>
-    <p:extLst>
-      <p:ext uri="{BB962C8B-B14F-4D97-AF65-F5344CB8AC3E}">
-        <p14:creationId xmlns:p14="http://schemas.microsoft.com/office/powerpoint/2010/main" val="515862187"/>
-      </p:ext>
-    </p:extLst>
-  </p:cSld>
-  <p:clrMapOvr>
-    <a:masterClrMapping/>
-  </p:clrMapOvr>
-</p:sld>
-</file>
-
 <file path=ppt/tags/tag1.xml><?xml version="1.0" encoding="utf-8"?>
 <p:tagLst xmlns:a="http://schemas.openxmlformats.org/drawingml/2006/main" xmlns:r="http://schemas.openxmlformats.org/officeDocument/2006/relationships" xmlns:p="http://schemas.openxmlformats.org/presentationml/2006/main">
-  <p:tag name="TIMING" val="|2.1|5.3|3.7|4.4|3.3"/>
-</p:tagLst>
-</file>
-
-<file path=ppt/tags/tag2.xml><?xml version="1.0" encoding="utf-8"?>
-<p:tagLst xmlns:a="http://schemas.openxmlformats.org/drawingml/2006/main" xmlns:r="http://schemas.openxmlformats.org/officeDocument/2006/relationships" xmlns:p="http://schemas.openxmlformats.org/presentationml/2006/main">
-  <p:tag name="TIMING" val="|2.5|6.1"/>
-</p:tagLst>
-</file>
-
-<file path=ppt/tags/tag3.xml><?xml version="1.0" encoding="utf-8"?>
-<p:tagLst xmlns:a="http://schemas.openxmlformats.org/drawingml/2006/main" xmlns:r="http://schemas.openxmlformats.org/officeDocument/2006/relationships" xmlns:p="http://schemas.openxmlformats.org/presentationml/2006/main">
-  <p:tag name="TIMING" val="|4.4|4.3"/>
+  <p:tag name="TIMING" val="|8.2|3.2|3.6|2.9"/>
 </p:tagLst>
 </file>
 
